--- a/input/images-source/CRD_DTR_Flow.pptx
+++ b/input/images-source/CRD_DTR_Flow.pptx
@@ -7,13 +7,14 @@
     <p:sldMasterId id="2147483719" r:id="rId6"/>
   </p:sldMasterIdLst>
   <p:notesMasterIdLst>
-    <p:notesMasterId r:id="rId8"/>
+    <p:notesMasterId r:id="rId9"/>
   </p:notesMasterIdLst>
   <p:handoutMasterIdLst>
-    <p:handoutMasterId r:id="rId9"/>
+    <p:handoutMasterId r:id="rId10"/>
   </p:handoutMasterIdLst>
   <p:sldIdLst>
     <p:sldId id="2919" r:id="rId7"/>
+    <p:sldId id="2920" r:id="rId8"/>
   </p:sldIdLst>
   <p:sldSz cx="12192000" cy="6858000"/>
   <p:notesSz cx="7010400" cy="9236075"/>
@@ -121,7 +122,9 @@
           </p14:sldIdLst>
         </p14:section>
         <p14:section name="Extra" id="{7D903D67-5B51-3541-81C4-0CAD31350360}">
-          <p14:sldIdLst/>
+          <p14:sldIdLst>
+            <p14:sldId id="2920"/>
+          </p14:sldIdLst>
         </p14:section>
       </p14:sectionLst>
     </p:ext>
@@ -3242,7 +3245,7 @@
           <a:p>
             <a:fld id="{FD8C879B-2DAC-426D-B5B4-08F42B952A26}" type="datetimeFigureOut">
               <a:rPr lang="en-US" smtClean="0"/>
-              <a:t>10/11/20</a:t>
+              <a:t>8/23/2023</a:t>
             </a:fld>
             <a:endParaRPr lang="en-US" dirty="0"/>
           </a:p>
@@ -3419,7 +3422,7 @@
           <a:p>
             <a:fld id="{92E54576-A3BB-48F9-891E-992E86D01A7B}" type="datetimeFigureOut">
               <a:rPr lang="en-US" smtClean="0"/>
-              <a:t>10/11/20</a:t>
+              <a:t>8/23/2023</a:t>
             </a:fld>
             <a:endParaRPr lang="en-US" dirty="0"/>
           </a:p>
@@ -3778,6 +3781,98 @@
 </p:notes>
 </file>
 
+<file path=ppt/notesSlides/notesSlide2.xml><?xml version="1.0" encoding="utf-8"?>
+<p:notes xmlns:a="http://schemas.openxmlformats.org/drawingml/2006/main" xmlns:r="http://schemas.openxmlformats.org/officeDocument/2006/relationships" xmlns:p="http://schemas.openxmlformats.org/presentationml/2006/main">
+  <p:cSld>
+    <p:spTree>
+      <p:nvGrpSpPr>
+        <p:cNvPr id="1" name=""/>
+        <p:cNvGrpSpPr/>
+        <p:nvPr/>
+      </p:nvGrpSpPr>
+      <p:grpSpPr>
+        <a:xfrm>
+          <a:off x="0" y="0"/>
+          <a:ext cx="0" cy="0"/>
+          <a:chOff x="0" y="0"/>
+          <a:chExt cx="0" cy="0"/>
+        </a:xfrm>
+      </p:grpSpPr>
+      <p:sp>
+        <p:nvSpPr>
+          <p:cNvPr id="2" name="Slide Image Placeholder 1"/>
+          <p:cNvSpPr>
+            <a:spLocks noGrp="1" noRot="1" noChangeAspect="1"/>
+          </p:cNvSpPr>
+          <p:nvPr>
+            <p:ph type="sldImg"/>
+          </p:nvPr>
+        </p:nvSpPr>
+        <p:spPr/>
+      </p:sp>
+      <p:sp>
+        <p:nvSpPr>
+          <p:cNvPr id="3" name="Notes Placeholder 2"/>
+          <p:cNvSpPr>
+            <a:spLocks noGrp="1"/>
+          </p:cNvSpPr>
+          <p:nvPr>
+            <p:ph type="body" idx="1"/>
+          </p:nvPr>
+        </p:nvSpPr>
+        <p:spPr/>
+        <p:txBody>
+          <a:bodyPr/>
+          <a:lstStyle/>
+          <a:p>
+            <a:endParaRPr lang="en-US" sz="1200" kern="1200" dirty="0">
+              <a:solidFill>
+                <a:schemeClr val="tx1"/>
+              </a:solidFill>
+              <a:effectLst/>
+              <a:latin typeface="+mn-lt"/>
+              <a:ea typeface="+mn-ea"/>
+              <a:cs typeface="+mn-cs"/>
+            </a:endParaRPr>
+          </a:p>
+        </p:txBody>
+      </p:sp>
+      <p:sp>
+        <p:nvSpPr>
+          <p:cNvPr id="4" name="Slide Number Placeholder 3"/>
+          <p:cNvSpPr>
+            <a:spLocks noGrp="1"/>
+          </p:cNvSpPr>
+          <p:nvPr>
+            <p:ph type="sldNum" sz="quarter" idx="5"/>
+          </p:nvPr>
+        </p:nvSpPr>
+        <p:spPr/>
+        <p:txBody>
+          <a:bodyPr/>
+          <a:lstStyle/>
+          <a:p>
+            <a:fld id="{D58F3C89-9E49-4851-A18A-DAECD34FD650}" type="slidenum">
+              <a:rPr lang="en-US" smtClean="0"/>
+              <a:t>2</a:t>
+            </a:fld>
+            <a:endParaRPr lang="en-US" dirty="0"/>
+          </a:p>
+        </p:txBody>
+      </p:sp>
+    </p:spTree>
+    <p:extLst>
+      <p:ext uri="{BB962C8B-B14F-4D97-AF65-F5344CB8AC3E}">
+        <p14:creationId xmlns:p14="http://schemas.microsoft.com/office/powerpoint/2010/main" val="1338021474"/>
+      </p:ext>
+    </p:extLst>
+  </p:cSld>
+  <p:clrMapOvr>
+    <a:masterClrMapping/>
+  </p:clrMapOvr>
+</p:notes>
+</file>
+
 <file path=ppt/slideLayouts/slideLayout1.xml><?xml version="1.0" encoding="utf-8"?>
 <p:sldLayout xmlns:a="http://schemas.openxmlformats.org/drawingml/2006/main" xmlns:r="http://schemas.openxmlformats.org/officeDocument/2006/relationships" xmlns:p="http://schemas.openxmlformats.org/presentationml/2006/main" type="title" preserve="1">
   <p:cSld name="Title Slide">
@@ -7592,7 +7687,7 @@
           <a:p>
             <a:fld id="{41EA1E7C-71D6-4729-84AA-F013DDAF4032}" type="datetimeFigureOut">
               <a:rPr lang="en-US" smtClean="0"/>
-              <a:t>10/11/20</a:t>
+              <a:t>8/23/2023</a:t>
             </a:fld>
             <a:endParaRPr lang="en-US" dirty="0"/>
           </a:p>
@@ -15512,8 +15607,8 @@
         </p:nvSpPr>
         <p:spPr>
           <a:xfrm>
-            <a:off x="566049" y="1389820"/>
-            <a:ext cx="6517924" cy="4038521"/>
+            <a:off x="484267" y="1416994"/>
+            <a:ext cx="6698491" cy="4050792"/>
           </a:xfrm>
           <a:prstGeom prst="roundRect">
             <a:avLst/>
@@ -15564,7 +15659,7 @@
         </p:nvSpPr>
         <p:spPr>
           <a:xfrm>
-            <a:off x="7495495" y="1375308"/>
+            <a:off x="7485643" y="1417320"/>
             <a:ext cx="4152721" cy="4053034"/>
           </a:xfrm>
           <a:prstGeom prst="roundRect">
@@ -15616,7 +15711,7 @@
         </p:nvSpPr>
         <p:spPr>
           <a:xfrm>
-            <a:off x="7806173" y="1917247"/>
+            <a:off x="7796321" y="1944422"/>
             <a:ext cx="3617309" cy="840827"/>
           </a:xfrm>
           <a:prstGeom prst="roundRect">
@@ -15673,8 +15768,8 @@
         </p:nvSpPr>
         <p:spPr>
           <a:xfrm>
-            <a:off x="7952740" y="3201949"/>
-            <a:ext cx="1174303" cy="840827"/>
+            <a:off x="7942888" y="3229124"/>
+            <a:ext cx="1174303" cy="840721"/>
           </a:xfrm>
           <a:prstGeom prst="roundRect">
             <a:avLst/>
@@ -15735,8 +15830,8 @@
         </p:nvSpPr>
         <p:spPr>
           <a:xfrm>
-            <a:off x="763917" y="1994923"/>
-            <a:ext cx="2869258" cy="840827"/>
+            <a:off x="701953" y="2022097"/>
+            <a:ext cx="2869258" cy="996696"/>
           </a:xfrm>
           <a:prstGeom prst="roundRect">
             <a:avLst/>
@@ -15795,8 +15890,8 @@
         </p:nvSpPr>
         <p:spPr>
           <a:xfrm>
-            <a:off x="4073781" y="1994922"/>
-            <a:ext cx="2671703" cy="840827"/>
+            <a:off x="4050115" y="1968307"/>
+            <a:ext cx="2871216" cy="993897"/>
           </a:xfrm>
           <a:prstGeom prst="roundRect">
             <a:avLst/>
@@ -15855,7 +15950,7 @@
         </p:nvSpPr>
         <p:spPr>
           <a:xfrm>
-            <a:off x="7839077" y="4207382"/>
+            <a:off x="7829225" y="4189908"/>
             <a:ext cx="3634827" cy="840827"/>
           </a:xfrm>
           <a:prstGeom prst="roundRect">
@@ -15891,9 +15986,10 @@
                 <a:solidFill>
                   <a:schemeClr val="tx1"/>
                 </a:solidFill>
-                <a:cs typeface="Calibri"/>
+                <a:ea typeface="+mn-lt"/>
+                <a:cs typeface="+mn-lt"/>
               </a:rPr>
-              <a:t>CRD Sends CDS Hooks response (card) with link to SMART on FHIR App (or native app)</a:t>
+              <a:t>CRD sends CDS Hooks response (system action) indicating need for DTR</a:t>
             </a:r>
           </a:p>
         </p:txBody>
@@ -15912,8 +16008,8 @@
         </p:nvSpPr>
         <p:spPr>
           <a:xfrm>
-            <a:off x="721360" y="3235287"/>
-            <a:ext cx="6035133" cy="1855569"/>
+            <a:off x="695256" y="3262462"/>
+            <a:ext cx="4601461" cy="1855569"/>
           </a:xfrm>
           <a:prstGeom prst="roundRect">
             <a:avLst/>
@@ -15969,7 +16065,7 @@
         </p:nvSpPr>
         <p:spPr>
           <a:xfrm>
-            <a:off x="3646809" y="2172257"/>
+            <a:off x="3584845" y="2194560"/>
             <a:ext cx="432262" cy="369333"/>
           </a:xfrm>
           <a:prstGeom prst="rightArrow">
@@ -16024,8 +16120,8 @@
         </p:nvSpPr>
         <p:spPr>
           <a:xfrm>
-            <a:off x="6750776" y="2170398"/>
-            <a:ext cx="1069027" cy="379192"/>
+            <a:off x="6945286" y="2197573"/>
+            <a:ext cx="841982" cy="379192"/>
           </a:xfrm>
           <a:prstGeom prst="rightArrow">
             <a:avLst/>
@@ -16079,8 +16175,8 @@
         </p:nvSpPr>
         <p:spPr>
           <a:xfrm>
-            <a:off x="985632" y="3394543"/>
-            <a:ext cx="5367748" cy="369332"/>
+            <a:off x="701954" y="3367400"/>
+            <a:ext cx="4594764" cy="369332"/>
           </a:xfrm>
           <a:prstGeom prst="rect">
             <a:avLst/>
@@ -16118,15 +16214,24 @@
         </p:nvSpPr>
         <p:spPr>
           <a:xfrm rot="5400000">
-            <a:off x="8196608" y="2805477"/>
+            <a:off x="8186756" y="2832652"/>
             <a:ext cx="443985" cy="348963"/>
           </a:xfrm>
           <a:prstGeom prst="leftRightArrow">
             <a:avLst/>
           </a:prstGeom>
           <a:solidFill>
-            <a:schemeClr val="bg1"/>
+            <a:schemeClr val="bg1">
+              <a:lumMod val="95000"/>
+            </a:schemeClr>
           </a:solidFill>
+          <a:ln>
+            <a:solidFill>
+              <a:schemeClr val="bg1">
+                <a:lumMod val="50000"/>
+              </a:schemeClr>
+            </a:solidFill>
+          </a:ln>
         </p:spPr>
         <p:style>
           <a:lnRef idx="2">
@@ -16167,7 +16272,7 @@
         </p:nvSpPr>
         <p:spPr>
           <a:xfrm>
-            <a:off x="9127043" y="1547815"/>
+            <a:off x="9117191" y="1458448"/>
             <a:ext cx="1070305" cy="378090"/>
           </a:xfrm>
           <a:prstGeom prst="rect">
@@ -16206,7 +16311,7 @@
         </p:nvSpPr>
         <p:spPr>
           <a:xfrm>
-            <a:off x="2877039" y="1625299"/>
+            <a:off x="2975824" y="1463040"/>
             <a:ext cx="1823546" cy="369332"/>
           </a:xfrm>
           <a:prstGeom prst="rect">
@@ -16245,8 +16350,8 @@
         </p:nvSpPr>
         <p:spPr>
           <a:xfrm>
-            <a:off x="985632" y="3845832"/>
-            <a:ext cx="2077715" cy="954689"/>
+            <a:off x="814001" y="3852929"/>
+            <a:ext cx="1783967" cy="1118032"/>
           </a:xfrm>
           <a:prstGeom prst="rect">
             <a:avLst/>
@@ -16310,8 +16415,8 @@
         </p:nvSpPr>
         <p:spPr>
           <a:xfrm>
-            <a:off x="4114083" y="3825753"/>
-            <a:ext cx="2287134" cy="1118032"/>
+            <a:off x="3092006" y="3852928"/>
+            <a:ext cx="2041579" cy="1118032"/>
           </a:xfrm>
           <a:prstGeom prst="rect">
             <a:avLst/>
@@ -16374,16 +16479,25 @@
           <p:nvPr/>
         </p:nvSpPr>
         <p:spPr>
-          <a:xfrm rot="20494168">
-            <a:off x="6375483" y="3633646"/>
-            <a:ext cx="1634287" cy="352362"/>
+          <a:xfrm>
+            <a:off x="5315285" y="3478159"/>
+            <a:ext cx="2606040" cy="352362"/>
           </a:xfrm>
           <a:prstGeom prst="leftRightArrow">
             <a:avLst/>
           </a:prstGeom>
           <a:solidFill>
-            <a:schemeClr val="bg1"/>
+            <a:schemeClr val="bg1">
+              <a:lumMod val="95000"/>
+            </a:schemeClr>
           </a:solidFill>
+          <a:ln>
+            <a:solidFill>
+              <a:schemeClr val="bg1">
+                <a:lumMod val="50000"/>
+              </a:schemeClr>
+            </a:solidFill>
+          </a:ln>
         </p:spPr>
         <p:style>
           <a:lnRef idx="2">
@@ -16424,8 +16538,8 @@
         </p:nvSpPr>
         <p:spPr>
           <a:xfrm rot="5340000">
-            <a:off x="10452109" y="3234006"/>
-            <a:ext cx="1404484" cy="483338"/>
+            <a:off x="10467987" y="3251991"/>
+            <a:ext cx="1369402" cy="466344"/>
           </a:xfrm>
           <a:prstGeom prst="rightArrow">
             <a:avLst/>
@@ -16485,8 +16599,8 @@
         </p:nvSpPr>
         <p:spPr>
           <a:xfrm>
-            <a:off x="9135358" y="2850264"/>
-            <a:ext cx="1777262" cy="1312808"/>
+            <a:off x="9125506" y="2877439"/>
+            <a:ext cx="1777262" cy="1226948"/>
           </a:xfrm>
           <a:prstGeom prst="flowChartMagneticDisk">
             <a:avLst/>
@@ -16554,11 +16668,22 @@
               </a:rPr>
               <a:t>rules/templates</a:t>
             </a:r>
+            <a:endParaRPr lang="en-US" sz="1600" dirty="0">
+              <a:solidFill>
+                <a:schemeClr val="tx1"/>
+              </a:solidFill>
+              <a:ea typeface="+mn-lt"/>
+              <a:cs typeface="Calibri"/>
+            </a:endParaRPr>
           </a:p>
           <a:p>
             <a:pPr algn="ctr"/>
-            <a:endParaRPr lang="en-US" dirty="0">
-              <a:cs typeface="Calibri"/>
+            <a:endParaRPr lang="en-US" sz="700" dirty="0">
+              <a:solidFill>
+                <a:schemeClr val="tx1"/>
+              </a:solidFill>
+              <a:ea typeface="+mn-lt"/>
+              <a:cs typeface="+mn-lt"/>
             </a:endParaRPr>
           </a:p>
         </p:txBody>
@@ -16577,8 +16702,8 @@
         </p:nvSpPr>
         <p:spPr>
           <a:xfrm>
-            <a:off x="6402546" y="4284703"/>
-            <a:ext cx="1436531" cy="400429"/>
+            <a:off x="6945286" y="4411461"/>
+            <a:ext cx="874886" cy="400429"/>
           </a:xfrm>
           <a:prstGeom prst="leftArrow">
             <a:avLst/>
@@ -16632,8 +16757,8 @@
         </p:nvSpPr>
         <p:spPr>
           <a:xfrm>
-            <a:off x="3066410" y="4149636"/>
-            <a:ext cx="1033762" cy="425335"/>
+            <a:off x="2601031" y="4104387"/>
+            <a:ext cx="464759" cy="425335"/>
           </a:xfrm>
           <a:prstGeom prst="leftArrow">
             <a:avLst/>
@@ -16667,8 +16792,123 @@
               <a:rPr lang="en-US" b="1" dirty="0">
                 <a:cs typeface="Calibri"/>
               </a:rPr>
+              <a:t>6</a:t>
+            </a:r>
+          </a:p>
+        </p:txBody>
+      </p:sp>
+      <p:sp>
+        <p:nvSpPr>
+          <p:cNvPr id="2" name="Rectangle: Rounded Corners 1">
+            <a:extLst>
+              <a:ext uri="{FF2B5EF4-FFF2-40B4-BE49-F238E27FC236}">
+                <a16:creationId xmlns:a16="http://schemas.microsoft.com/office/drawing/2014/main" id="{64173BDC-9C95-018C-6407-F49FC2F0D9E2}"/>
+              </a:ext>
+            </a:extLst>
+          </p:cNvPr>
+          <p:cNvSpPr/>
+          <p:nvPr/>
+        </p:nvSpPr>
+        <p:spPr>
+          <a:xfrm>
+            <a:off x="5739892" y="4053018"/>
+            <a:ext cx="1173529" cy="939362"/>
+          </a:xfrm>
+          <a:prstGeom prst="roundRect">
+            <a:avLst/>
+          </a:prstGeom>
+          <a:solidFill>
+            <a:schemeClr val="accent6">
+              <a:lumMod val="20000"/>
+              <a:lumOff val="80000"/>
+            </a:schemeClr>
+          </a:solidFill>
+        </p:spPr>
+        <p:style>
+          <a:lnRef idx="2">
+            <a:schemeClr val="accent1">
+              <a:shade val="50000"/>
+            </a:schemeClr>
+          </a:lnRef>
+          <a:fillRef idx="1">
+            <a:schemeClr val="accent1"/>
+          </a:fillRef>
+          <a:effectRef idx="0">
+            <a:schemeClr val="accent1"/>
+          </a:effectRef>
+          <a:fontRef idx="minor">
+            <a:schemeClr val="lt1"/>
+          </a:fontRef>
+        </p:style>
+        <p:txBody>
+          <a:bodyPr rtlCol="0" anchor="ctr"/>
+          <a:lstStyle/>
+          <a:p>
+            <a:pPr algn="ctr"/>
+            <a:r>
+              <a:rPr lang="en-US" sz="1600" dirty="0">
+                <a:solidFill>
+                  <a:schemeClr val="tx1"/>
+                </a:solidFill>
+                <a:cs typeface="Calibri"/>
+              </a:rPr>
+              <a:t>User launches DTR</a:t>
+            </a:r>
+          </a:p>
+        </p:txBody>
+      </p:sp>
+      <p:sp>
+        <p:nvSpPr>
+          <p:cNvPr id="4" name="Arrow: Left 3">
+            <a:extLst>
+              <a:ext uri="{FF2B5EF4-FFF2-40B4-BE49-F238E27FC236}">
+                <a16:creationId xmlns:a16="http://schemas.microsoft.com/office/drawing/2014/main" id="{7C826AC3-134F-A673-47E5-2D30E117E3DB}"/>
+              </a:ext>
+            </a:extLst>
+          </p:cNvPr>
+          <p:cNvSpPr/>
+          <p:nvPr/>
+        </p:nvSpPr>
+        <p:spPr>
+          <a:xfrm>
+            <a:off x="5310190" y="4407408"/>
+            <a:ext cx="429702" cy="400429"/>
+          </a:xfrm>
+          <a:prstGeom prst="leftArrow">
+            <a:avLst/>
+          </a:prstGeom>
+          <a:solidFill>
+            <a:schemeClr val="tx1"/>
+          </a:solidFill>
+        </p:spPr>
+        <p:style>
+          <a:lnRef idx="2">
+            <a:schemeClr val="accent1">
+              <a:shade val="50000"/>
+            </a:schemeClr>
+          </a:lnRef>
+          <a:fillRef idx="1">
+            <a:schemeClr val="accent1"/>
+          </a:fillRef>
+          <a:effectRef idx="0">
+            <a:schemeClr val="accent1"/>
+          </a:effectRef>
+          <a:fontRef idx="minor">
+            <a:schemeClr val="lt1"/>
+          </a:fontRef>
+        </p:style>
+        <p:txBody>
+          <a:bodyPr rtlCol="0" anchor="ctr"/>
+          <a:lstStyle/>
+          <a:p>
+            <a:pPr algn="ctr"/>
+            <a:r>
+              <a:rPr lang="en-US" b="1" dirty="0">
+                <a:cs typeface="Calibri"/>
+              </a:rPr>
               <a:t>5</a:t>
             </a:r>
+            <a:endParaRPr lang="en-US" b="1" dirty="0"/>
           </a:p>
         </p:txBody>
       </p:sp>
@@ -16676,6 +16916,1219 @@
     <p:extLst>
       <p:ext uri="{BB962C8B-B14F-4D97-AF65-F5344CB8AC3E}">
         <p14:creationId xmlns:p14="http://schemas.microsoft.com/office/powerpoint/2010/main" val="3158093058"/>
+      </p:ext>
+    </p:extLst>
+  </p:cSld>
+  <p:clrMapOvr>
+    <a:masterClrMapping/>
+  </p:clrMapOvr>
+</p:sld>
+</file>
+
+<file path=ppt/slides/slide2.xml><?xml version="1.0" encoding="utf-8"?>
+<p:sld xmlns:a="http://schemas.openxmlformats.org/drawingml/2006/main" xmlns:r="http://schemas.openxmlformats.org/officeDocument/2006/relationships" xmlns:p="http://schemas.openxmlformats.org/presentationml/2006/main" showMasterSp="0">
+  <p:cSld>
+    <p:bg>
+      <p:bgPr>
+        <a:solidFill>
+          <a:schemeClr val="bg1"/>
+        </a:solidFill>
+        <a:effectLst/>
+      </p:bgPr>
+    </p:bg>
+    <p:spTree>
+      <p:nvGrpSpPr>
+        <p:cNvPr id="1" name=""/>
+        <p:cNvGrpSpPr/>
+        <p:nvPr/>
+      </p:nvGrpSpPr>
+      <p:grpSpPr>
+        <a:xfrm>
+          <a:off x="0" y="0"/>
+          <a:ext cx="0" cy="0"/>
+          <a:chOff x="0" y="0"/>
+          <a:chExt cx="0" cy="0"/>
+        </a:xfrm>
+      </p:grpSpPr>
+      <p:sp>
+        <p:nvSpPr>
+          <p:cNvPr id="5" name="Rectangle: Rounded Corners 4">
+            <a:extLst>
+              <a:ext uri="{FF2B5EF4-FFF2-40B4-BE49-F238E27FC236}">
+                <a16:creationId xmlns:a16="http://schemas.microsoft.com/office/drawing/2014/main" id="{E495C315-D74E-4F6C-BF31-AC5E309099E0}"/>
+              </a:ext>
+            </a:extLst>
+          </p:cNvPr>
+          <p:cNvSpPr/>
+          <p:nvPr/>
+        </p:nvSpPr>
+        <p:spPr>
+          <a:xfrm>
+            <a:off x="566049" y="1389820"/>
+            <a:ext cx="6517924" cy="4038521"/>
+          </a:xfrm>
+          <a:prstGeom prst="roundRect">
+            <a:avLst/>
+          </a:prstGeom>
+          <a:solidFill>
+            <a:schemeClr val="tx2">
+              <a:lumMod val="20000"/>
+              <a:lumOff val="80000"/>
+            </a:schemeClr>
+          </a:solidFill>
+        </p:spPr>
+        <p:style>
+          <a:lnRef idx="2">
+            <a:schemeClr val="accent1">
+              <a:shade val="50000"/>
+            </a:schemeClr>
+          </a:lnRef>
+          <a:fillRef idx="1">
+            <a:schemeClr val="accent1"/>
+          </a:fillRef>
+          <a:effectRef idx="0">
+            <a:schemeClr val="accent1"/>
+          </a:effectRef>
+          <a:fontRef idx="minor">
+            <a:schemeClr val="lt1"/>
+          </a:fontRef>
+        </p:style>
+        <p:txBody>
+          <a:bodyPr rtlCol="0" anchor="ctr"/>
+          <a:lstStyle/>
+          <a:p>
+            <a:pPr algn="ctr"/>
+            <a:endParaRPr lang="en-US" dirty="0"/>
+          </a:p>
+        </p:txBody>
+      </p:sp>
+      <p:sp>
+        <p:nvSpPr>
+          <p:cNvPr id="6" name="Rectangle: Rounded Corners 5">
+            <a:extLst>
+              <a:ext uri="{FF2B5EF4-FFF2-40B4-BE49-F238E27FC236}">
+                <a16:creationId xmlns:a16="http://schemas.microsoft.com/office/drawing/2014/main" id="{AD90B327-290F-4CD9-9CA0-843C9FDC6A00}"/>
+              </a:ext>
+            </a:extLst>
+          </p:cNvPr>
+          <p:cNvSpPr/>
+          <p:nvPr/>
+        </p:nvSpPr>
+        <p:spPr>
+          <a:xfrm>
+            <a:off x="7495495" y="1375308"/>
+            <a:ext cx="4152721" cy="4053034"/>
+          </a:xfrm>
+          <a:prstGeom prst="roundRect">
+            <a:avLst/>
+          </a:prstGeom>
+          <a:solidFill>
+            <a:schemeClr val="tx2">
+              <a:lumMod val="20000"/>
+              <a:lumOff val="80000"/>
+            </a:schemeClr>
+          </a:solidFill>
+        </p:spPr>
+        <p:style>
+          <a:lnRef idx="2">
+            <a:schemeClr val="accent1">
+              <a:shade val="50000"/>
+            </a:schemeClr>
+          </a:lnRef>
+          <a:fillRef idx="1">
+            <a:schemeClr val="accent1"/>
+          </a:fillRef>
+          <a:effectRef idx="0">
+            <a:schemeClr val="accent1"/>
+          </a:effectRef>
+          <a:fontRef idx="minor">
+            <a:schemeClr val="lt1"/>
+          </a:fontRef>
+        </p:style>
+        <p:txBody>
+          <a:bodyPr rtlCol="0" anchor="ctr"/>
+          <a:lstStyle/>
+          <a:p>
+            <a:pPr algn="ctr"/>
+            <a:endParaRPr lang="en-US" dirty="0"/>
+          </a:p>
+        </p:txBody>
+      </p:sp>
+      <p:sp>
+        <p:nvSpPr>
+          <p:cNvPr id="7" name="Rectangle: Rounded Corners 6">
+            <a:extLst>
+              <a:ext uri="{FF2B5EF4-FFF2-40B4-BE49-F238E27FC236}">
+                <a16:creationId xmlns:a16="http://schemas.microsoft.com/office/drawing/2014/main" id="{6AD2BCB3-F8F1-4BF7-BE1C-A7663D361914}"/>
+              </a:ext>
+            </a:extLst>
+          </p:cNvPr>
+          <p:cNvSpPr/>
+          <p:nvPr/>
+        </p:nvSpPr>
+        <p:spPr>
+          <a:xfrm>
+            <a:off x="7806173" y="1917247"/>
+            <a:ext cx="3617309" cy="840827"/>
+          </a:xfrm>
+          <a:prstGeom prst="roundRect">
+            <a:avLst/>
+          </a:prstGeom>
+          <a:solidFill>
+            <a:schemeClr val="bg1"/>
+          </a:solidFill>
+        </p:spPr>
+        <p:style>
+          <a:lnRef idx="2">
+            <a:schemeClr val="accent1">
+              <a:shade val="50000"/>
+            </a:schemeClr>
+          </a:lnRef>
+          <a:fillRef idx="1">
+            <a:schemeClr val="accent1"/>
+          </a:fillRef>
+          <a:effectRef idx="0">
+            <a:schemeClr val="accent1"/>
+          </a:effectRef>
+          <a:fontRef idx="minor">
+            <a:schemeClr val="lt1"/>
+          </a:fontRef>
+        </p:style>
+        <p:txBody>
+          <a:bodyPr rtlCol="0" anchor="ctr"/>
+          <a:lstStyle/>
+          <a:p>
+            <a:pPr algn="ctr"/>
+            <a:r>
+              <a:rPr lang="en-US" sz="1600" dirty="0">
+                <a:solidFill>
+                  <a:schemeClr val="tx1"/>
+                </a:solidFill>
+                <a:cs typeface="Calibri"/>
+              </a:rPr>
+              <a:t>CDS Service (CRD) searches repository leveraging FHIR-based data</a:t>
+            </a:r>
+          </a:p>
+        </p:txBody>
+      </p:sp>
+      <p:sp>
+        <p:nvSpPr>
+          <p:cNvPr id="8" name="Rectangle: Rounded Corners 7">
+            <a:extLst>
+              <a:ext uri="{FF2B5EF4-FFF2-40B4-BE49-F238E27FC236}">
+                <a16:creationId xmlns:a16="http://schemas.microsoft.com/office/drawing/2014/main" id="{61E4298C-0674-4C94-A243-E0B5A0849C94}"/>
+              </a:ext>
+            </a:extLst>
+          </p:cNvPr>
+          <p:cNvSpPr/>
+          <p:nvPr/>
+        </p:nvSpPr>
+        <p:spPr>
+          <a:xfrm>
+            <a:off x="7952740" y="3201949"/>
+            <a:ext cx="1174303" cy="840827"/>
+          </a:xfrm>
+          <a:prstGeom prst="roundRect">
+            <a:avLst/>
+          </a:prstGeom>
+          <a:solidFill>
+            <a:srgbClr val="FFF2CC"/>
+          </a:solidFill>
+          <a:ln>
+            <a:solidFill>
+              <a:schemeClr val="tx1"/>
+            </a:solidFill>
+          </a:ln>
+        </p:spPr>
+        <p:style>
+          <a:lnRef idx="2">
+            <a:schemeClr val="accent1">
+              <a:shade val="50000"/>
+            </a:schemeClr>
+          </a:lnRef>
+          <a:fillRef idx="1">
+            <a:schemeClr val="accent1"/>
+          </a:fillRef>
+          <a:effectRef idx="0">
+            <a:schemeClr val="accent1"/>
+          </a:effectRef>
+          <a:fontRef idx="minor">
+            <a:schemeClr val="lt1"/>
+          </a:fontRef>
+        </p:style>
+        <p:txBody>
+          <a:bodyPr rtlCol="0" anchor="ctr"/>
+          <a:lstStyle/>
+          <a:p>
+            <a:pPr algn="ctr"/>
+            <a:r>
+              <a:rPr lang="en-US" sz="1600" dirty="0">
+                <a:solidFill>
+                  <a:schemeClr val="tx1"/>
+                </a:solidFill>
+                <a:cs typeface="Calibri"/>
+              </a:rPr>
+              <a:t>Repository API</a:t>
+            </a:r>
+          </a:p>
+        </p:txBody>
+      </p:sp>
+      <p:sp>
+        <p:nvSpPr>
+          <p:cNvPr id="9" name="Rectangle: Rounded Corners 8">
+            <a:extLst>
+              <a:ext uri="{FF2B5EF4-FFF2-40B4-BE49-F238E27FC236}">
+                <a16:creationId xmlns:a16="http://schemas.microsoft.com/office/drawing/2014/main" id="{A1DE51A5-03DB-47AB-94D2-D428C4658B1D}"/>
+              </a:ext>
+            </a:extLst>
+          </p:cNvPr>
+          <p:cNvSpPr/>
+          <p:nvPr/>
+        </p:nvSpPr>
+        <p:spPr>
+          <a:xfrm>
+            <a:off x="763917" y="1994923"/>
+            <a:ext cx="2869258" cy="840827"/>
+          </a:xfrm>
+          <a:prstGeom prst="roundRect">
+            <a:avLst/>
+          </a:prstGeom>
+          <a:solidFill>
+            <a:schemeClr val="accent6">
+              <a:lumMod val="20000"/>
+              <a:lumOff val="80000"/>
+            </a:schemeClr>
+          </a:solidFill>
+        </p:spPr>
+        <p:style>
+          <a:lnRef idx="2">
+            <a:schemeClr val="accent1">
+              <a:shade val="50000"/>
+            </a:schemeClr>
+          </a:lnRef>
+          <a:fillRef idx="1">
+            <a:schemeClr val="accent1"/>
+          </a:fillRef>
+          <a:effectRef idx="0">
+            <a:schemeClr val="accent1"/>
+          </a:effectRef>
+          <a:fontRef idx="minor">
+            <a:schemeClr val="lt1"/>
+          </a:fontRef>
+        </p:style>
+        <p:txBody>
+          <a:bodyPr rtlCol="0" anchor="ctr"/>
+          <a:lstStyle/>
+          <a:p>
+            <a:pPr algn="ctr"/>
+            <a:r>
+              <a:rPr lang="en-US" sz="1600" dirty="0">
+                <a:solidFill>
+                  <a:schemeClr val="tx1"/>
+                </a:solidFill>
+                <a:cs typeface="Calibri"/>
+              </a:rPr>
+              <a:t>Device, service, or medication order: CDS hook triggers query </a:t>
+            </a:r>
+          </a:p>
+        </p:txBody>
+      </p:sp>
+      <p:sp>
+        <p:nvSpPr>
+          <p:cNvPr id="10" name="Rectangle: Rounded Corners 9">
+            <a:extLst>
+              <a:ext uri="{FF2B5EF4-FFF2-40B4-BE49-F238E27FC236}">
+                <a16:creationId xmlns:a16="http://schemas.microsoft.com/office/drawing/2014/main" id="{1AF39748-6C81-47EF-95F6-6A006E8D7EF0}"/>
+              </a:ext>
+            </a:extLst>
+          </p:cNvPr>
+          <p:cNvSpPr/>
+          <p:nvPr/>
+        </p:nvSpPr>
+        <p:spPr>
+          <a:xfrm>
+            <a:off x="4073781" y="1994922"/>
+            <a:ext cx="2671703" cy="840827"/>
+          </a:xfrm>
+          <a:prstGeom prst="roundRect">
+            <a:avLst/>
+          </a:prstGeom>
+          <a:solidFill>
+            <a:schemeClr val="accent6">
+              <a:lumMod val="20000"/>
+              <a:lumOff val="80000"/>
+            </a:schemeClr>
+          </a:solidFill>
+        </p:spPr>
+        <p:style>
+          <a:lnRef idx="2">
+            <a:schemeClr val="accent1">
+              <a:shade val="50000"/>
+            </a:schemeClr>
+          </a:lnRef>
+          <a:fillRef idx="1">
+            <a:schemeClr val="accent1"/>
+          </a:fillRef>
+          <a:effectRef idx="0">
+            <a:schemeClr val="accent1"/>
+          </a:effectRef>
+          <a:fontRef idx="minor">
+            <a:schemeClr val="lt1"/>
+          </a:fontRef>
+        </p:style>
+        <p:txBody>
+          <a:bodyPr rtlCol="0" anchor="ctr"/>
+          <a:lstStyle/>
+          <a:p>
+            <a:pPr algn="ctr"/>
+            <a:r>
+              <a:rPr lang="en-US" sz="1600" dirty="0">
+                <a:solidFill>
+                  <a:schemeClr val="tx1"/>
+                </a:solidFill>
+                <a:cs typeface="Calibri"/>
+              </a:rPr>
+              <a:t>Invokes CDS Service (CRD) &amp; sends pre-fetch FHIR data including order information </a:t>
+            </a:r>
+          </a:p>
+        </p:txBody>
+      </p:sp>
+      <p:sp>
+        <p:nvSpPr>
+          <p:cNvPr id="11" name="Rectangle: Rounded Corners 10">
+            <a:extLst>
+              <a:ext uri="{FF2B5EF4-FFF2-40B4-BE49-F238E27FC236}">
+                <a16:creationId xmlns:a16="http://schemas.microsoft.com/office/drawing/2014/main" id="{1F2A57B2-FB10-419C-B274-F24B2096CD9A}"/>
+              </a:ext>
+            </a:extLst>
+          </p:cNvPr>
+          <p:cNvSpPr/>
+          <p:nvPr/>
+        </p:nvSpPr>
+        <p:spPr>
+          <a:xfrm>
+            <a:off x="7839077" y="4207382"/>
+            <a:ext cx="3634827" cy="840827"/>
+          </a:xfrm>
+          <a:prstGeom prst="roundRect">
+            <a:avLst/>
+          </a:prstGeom>
+          <a:solidFill>
+            <a:schemeClr val="bg1"/>
+          </a:solidFill>
+        </p:spPr>
+        <p:style>
+          <a:lnRef idx="2">
+            <a:schemeClr val="accent1">
+              <a:shade val="50000"/>
+            </a:schemeClr>
+          </a:lnRef>
+          <a:fillRef idx="1">
+            <a:schemeClr val="accent1"/>
+          </a:fillRef>
+          <a:effectRef idx="0">
+            <a:schemeClr val="accent1"/>
+          </a:effectRef>
+          <a:fontRef idx="minor">
+            <a:schemeClr val="lt1"/>
+          </a:fontRef>
+        </p:style>
+        <p:txBody>
+          <a:bodyPr rtlCol="0" anchor="ctr"/>
+          <a:lstStyle/>
+          <a:p>
+            <a:pPr algn="ctr"/>
+            <a:r>
+              <a:rPr lang="en-US" sz="1600" dirty="0">
+                <a:solidFill>
+                  <a:schemeClr val="tx1"/>
+                </a:solidFill>
+                <a:ea typeface="+mn-lt"/>
+                <a:cs typeface="+mn-lt"/>
+              </a:rPr>
+              <a:t>CRD sends CDS Hooks response (system action) indicating need for DTR</a:t>
+            </a:r>
+          </a:p>
+        </p:txBody>
+      </p:sp>
+      <p:sp>
+        <p:nvSpPr>
+          <p:cNvPr id="12" name="Rectangle: Rounded Corners 11">
+            <a:extLst>
+              <a:ext uri="{FF2B5EF4-FFF2-40B4-BE49-F238E27FC236}">
+                <a16:creationId xmlns:a16="http://schemas.microsoft.com/office/drawing/2014/main" id="{537B3FF9-96BB-4AE0-B84F-328AD0C66860}"/>
+              </a:ext>
+            </a:extLst>
+          </p:cNvPr>
+          <p:cNvSpPr/>
+          <p:nvPr/>
+        </p:nvSpPr>
+        <p:spPr>
+          <a:xfrm>
+            <a:off x="721360" y="3235287"/>
+            <a:ext cx="6035133" cy="1855569"/>
+          </a:xfrm>
+          <a:prstGeom prst="roundRect">
+            <a:avLst/>
+          </a:prstGeom>
+          <a:solidFill>
+            <a:schemeClr val="accent3">
+              <a:lumMod val="20000"/>
+              <a:lumOff val="80000"/>
+            </a:schemeClr>
+          </a:solidFill>
+        </p:spPr>
+        <p:style>
+          <a:lnRef idx="2">
+            <a:schemeClr val="accent1">
+              <a:shade val="50000"/>
+            </a:schemeClr>
+          </a:lnRef>
+          <a:fillRef idx="1">
+            <a:schemeClr val="accent1"/>
+          </a:fillRef>
+          <a:effectRef idx="0">
+            <a:schemeClr val="accent1"/>
+          </a:effectRef>
+          <a:fontRef idx="minor">
+            <a:schemeClr val="lt1"/>
+          </a:fontRef>
+        </p:style>
+        <p:txBody>
+          <a:bodyPr rtlCol="0" anchor="ctr"/>
+          <a:lstStyle/>
+          <a:p>
+            <a:pPr algn="ctr"/>
+            <a:endParaRPr lang="en-US" sz="1600" dirty="0">
+              <a:solidFill>
+                <a:schemeClr val="tx1"/>
+              </a:solidFill>
+              <a:cs typeface="Calibri"/>
+            </a:endParaRPr>
+          </a:p>
+        </p:txBody>
+      </p:sp>
+      <p:sp>
+        <p:nvSpPr>
+          <p:cNvPr id="13" name="Arrow: Right 12">
+            <a:extLst>
+              <a:ext uri="{FF2B5EF4-FFF2-40B4-BE49-F238E27FC236}">
+                <a16:creationId xmlns:a16="http://schemas.microsoft.com/office/drawing/2014/main" id="{92F2641D-F0C2-4178-9F47-A650EB6C3293}"/>
+              </a:ext>
+            </a:extLst>
+          </p:cNvPr>
+          <p:cNvSpPr/>
+          <p:nvPr/>
+        </p:nvSpPr>
+        <p:spPr>
+          <a:xfrm>
+            <a:off x="3646809" y="2172257"/>
+            <a:ext cx="432262" cy="369333"/>
+          </a:xfrm>
+          <a:prstGeom prst="rightArrow">
+            <a:avLst/>
+          </a:prstGeom>
+          <a:solidFill>
+            <a:schemeClr val="tx1"/>
+          </a:solidFill>
+        </p:spPr>
+        <p:style>
+          <a:lnRef idx="2">
+            <a:schemeClr val="accent1">
+              <a:shade val="50000"/>
+            </a:schemeClr>
+          </a:lnRef>
+          <a:fillRef idx="1">
+            <a:schemeClr val="accent1"/>
+          </a:fillRef>
+          <a:effectRef idx="0">
+            <a:schemeClr val="accent1"/>
+          </a:effectRef>
+          <a:fontRef idx="minor">
+            <a:schemeClr val="lt1"/>
+          </a:fontRef>
+        </p:style>
+        <p:txBody>
+          <a:bodyPr rtlCol="0" anchor="ctr"/>
+          <a:lstStyle/>
+          <a:p>
+            <a:pPr algn="ctr"/>
+            <a:r>
+              <a:rPr lang="en-US" b="1" dirty="0">
+                <a:cs typeface="Calibri"/>
+              </a:rPr>
+              <a:t>1</a:t>
+            </a:r>
+            <a:endParaRPr lang="en-US" b="1" dirty="0"/>
+          </a:p>
+        </p:txBody>
+      </p:sp>
+      <p:sp>
+        <p:nvSpPr>
+          <p:cNvPr id="14" name="Arrow: Right 13">
+            <a:extLst>
+              <a:ext uri="{FF2B5EF4-FFF2-40B4-BE49-F238E27FC236}">
+                <a16:creationId xmlns:a16="http://schemas.microsoft.com/office/drawing/2014/main" id="{66667486-8E9C-4743-A591-96DC30BCA29D}"/>
+              </a:ext>
+            </a:extLst>
+          </p:cNvPr>
+          <p:cNvSpPr/>
+          <p:nvPr/>
+        </p:nvSpPr>
+        <p:spPr>
+          <a:xfrm>
+            <a:off x="6750776" y="2170398"/>
+            <a:ext cx="1069027" cy="379192"/>
+          </a:xfrm>
+          <a:prstGeom prst="rightArrow">
+            <a:avLst/>
+          </a:prstGeom>
+          <a:solidFill>
+            <a:schemeClr val="tx1"/>
+          </a:solidFill>
+        </p:spPr>
+        <p:style>
+          <a:lnRef idx="2">
+            <a:schemeClr val="accent1">
+              <a:shade val="50000"/>
+            </a:schemeClr>
+          </a:lnRef>
+          <a:fillRef idx="1">
+            <a:schemeClr val="accent1"/>
+          </a:fillRef>
+          <a:effectRef idx="0">
+            <a:schemeClr val="accent1"/>
+          </a:effectRef>
+          <a:fontRef idx="minor">
+            <a:schemeClr val="lt1"/>
+          </a:fontRef>
+        </p:style>
+        <p:txBody>
+          <a:bodyPr rtlCol="0" anchor="ctr"/>
+          <a:lstStyle/>
+          <a:p>
+            <a:pPr algn="ctr"/>
+            <a:r>
+              <a:rPr lang="en-US" b="1" dirty="0">
+                <a:cs typeface="Calibri"/>
+              </a:rPr>
+              <a:t>2</a:t>
+            </a:r>
+            <a:endParaRPr lang="en-US" b="1" dirty="0"/>
+          </a:p>
+        </p:txBody>
+      </p:sp>
+      <p:sp>
+        <p:nvSpPr>
+          <p:cNvPr id="3" name="TextBox 2">
+            <a:extLst>
+              <a:ext uri="{FF2B5EF4-FFF2-40B4-BE49-F238E27FC236}">
+                <a16:creationId xmlns:a16="http://schemas.microsoft.com/office/drawing/2014/main" id="{F8191875-60A1-48FA-A916-72D1CB7F8160}"/>
+              </a:ext>
+            </a:extLst>
+          </p:cNvPr>
+          <p:cNvSpPr txBox="1"/>
+          <p:nvPr/>
+        </p:nvSpPr>
+        <p:spPr>
+          <a:xfrm>
+            <a:off x="985632" y="3394543"/>
+            <a:ext cx="5367748" cy="369332"/>
+          </a:xfrm>
+          <a:prstGeom prst="rect">
+            <a:avLst/>
+          </a:prstGeom>
+          <a:noFill/>
+        </p:spPr>
+        <p:txBody>
+          <a:bodyPr rot="0" spcFirstLastPara="0" vertOverflow="overflow" horzOverflow="overflow" vert="horz" wrap="square" lIns="91440" tIns="45720" rIns="91440" bIns="45720" numCol="1" spcCol="0" rtlCol="0" fromWordArt="0" anchor="t" anchorCtr="0" forceAA="0" compatLnSpc="1">
+            <a:prstTxWarp prst="textNoShape">
+              <a:avLst/>
+            </a:prstTxWarp>
+            <a:spAutoFit/>
+          </a:bodyPr>
+          <a:lstStyle/>
+          <a:p>
+            <a:pPr algn="ctr"/>
+            <a:r>
+              <a:rPr lang="en-US" b="1" dirty="0"/>
+              <a:t>SMART on FHIR (or native) App / DTR Process</a:t>
+            </a:r>
+          </a:p>
+        </p:txBody>
+      </p:sp>
+      <p:sp>
+        <p:nvSpPr>
+          <p:cNvPr id="18" name="Arrow: Left-Right 17">
+            <a:extLst>
+              <a:ext uri="{FF2B5EF4-FFF2-40B4-BE49-F238E27FC236}">
+                <a16:creationId xmlns:a16="http://schemas.microsoft.com/office/drawing/2014/main" id="{0CF8B150-8598-44DB-B1AB-E2CEEBB01C2C}"/>
+              </a:ext>
+            </a:extLst>
+          </p:cNvPr>
+          <p:cNvSpPr/>
+          <p:nvPr/>
+        </p:nvSpPr>
+        <p:spPr>
+          <a:xfrm rot="5400000">
+            <a:off x="8196608" y="2805477"/>
+            <a:ext cx="443985" cy="348963"/>
+          </a:xfrm>
+          <a:prstGeom prst="leftRightArrow">
+            <a:avLst/>
+          </a:prstGeom>
+          <a:solidFill>
+            <a:schemeClr val="bg1"/>
+          </a:solidFill>
+        </p:spPr>
+        <p:style>
+          <a:lnRef idx="2">
+            <a:schemeClr val="accent1">
+              <a:shade val="50000"/>
+            </a:schemeClr>
+          </a:lnRef>
+          <a:fillRef idx="1">
+            <a:schemeClr val="accent1"/>
+          </a:fillRef>
+          <a:effectRef idx="0">
+            <a:schemeClr val="accent1"/>
+          </a:effectRef>
+          <a:fontRef idx="minor">
+            <a:schemeClr val="lt1"/>
+          </a:fontRef>
+        </p:style>
+        <p:txBody>
+          <a:bodyPr rtlCol="0" anchor="ctr"/>
+          <a:lstStyle/>
+          <a:p>
+            <a:pPr algn="ctr"/>
+            <a:endParaRPr lang="en-US" dirty="0"/>
+          </a:p>
+        </p:txBody>
+      </p:sp>
+      <p:sp>
+        <p:nvSpPr>
+          <p:cNvPr id="21" name="TextBox 20">
+            <a:extLst>
+              <a:ext uri="{FF2B5EF4-FFF2-40B4-BE49-F238E27FC236}">
+                <a16:creationId xmlns:a16="http://schemas.microsoft.com/office/drawing/2014/main" id="{5FFE7B76-43CE-4792-8381-3D9B4166E974}"/>
+              </a:ext>
+            </a:extLst>
+          </p:cNvPr>
+          <p:cNvSpPr txBox="1"/>
+          <p:nvPr/>
+        </p:nvSpPr>
+        <p:spPr>
+          <a:xfrm>
+            <a:off x="9127043" y="1547815"/>
+            <a:ext cx="1070305" cy="378090"/>
+          </a:xfrm>
+          <a:prstGeom prst="rect">
+            <a:avLst/>
+          </a:prstGeom>
+          <a:noFill/>
+        </p:spPr>
+        <p:txBody>
+          <a:bodyPr rot="0" spcFirstLastPara="0" vertOverflow="overflow" horzOverflow="overflow" vert="horz" wrap="square" lIns="91440" tIns="45720" rIns="91440" bIns="45720" numCol="1" spcCol="0" rtlCol="0" fromWordArt="0" anchor="t" anchorCtr="0" forceAA="0" compatLnSpc="1">
+            <a:prstTxWarp prst="textNoShape">
+              <a:avLst/>
+            </a:prstTxWarp>
+            <a:spAutoFit/>
+          </a:bodyPr>
+          <a:lstStyle/>
+          <a:p>
+            <a:pPr algn="ctr"/>
+            <a:r>
+              <a:rPr lang="en-US" b="1" dirty="0"/>
+              <a:t>Payer</a:t>
+            </a:r>
+          </a:p>
+        </p:txBody>
+      </p:sp>
+      <p:sp>
+        <p:nvSpPr>
+          <p:cNvPr id="22" name="TextBox 21">
+            <a:extLst>
+              <a:ext uri="{FF2B5EF4-FFF2-40B4-BE49-F238E27FC236}">
+                <a16:creationId xmlns:a16="http://schemas.microsoft.com/office/drawing/2014/main" id="{023943B5-7B18-47F7-8C1D-EFF328FC1FB5}"/>
+              </a:ext>
+            </a:extLst>
+          </p:cNvPr>
+          <p:cNvSpPr txBox="1"/>
+          <p:nvPr/>
+        </p:nvSpPr>
+        <p:spPr>
+          <a:xfrm>
+            <a:off x="2877039" y="1625299"/>
+            <a:ext cx="1823546" cy="369332"/>
+          </a:xfrm>
+          <a:prstGeom prst="rect">
+            <a:avLst/>
+          </a:prstGeom>
+          <a:noFill/>
+        </p:spPr>
+        <p:txBody>
+          <a:bodyPr rot="0" spcFirstLastPara="0" vertOverflow="overflow" horzOverflow="overflow" vert="horz" wrap="square" lIns="91440" tIns="45720" rIns="91440" bIns="45720" numCol="1" spcCol="0" rtlCol="0" fromWordArt="0" anchor="t" anchorCtr="0" forceAA="0" compatLnSpc="1">
+            <a:prstTxWarp prst="textNoShape">
+              <a:avLst/>
+            </a:prstTxWarp>
+            <a:spAutoFit/>
+          </a:bodyPr>
+          <a:lstStyle/>
+          <a:p>
+            <a:pPr algn="ctr"/>
+            <a:r>
+              <a:rPr lang="en-US" b="1" dirty="0"/>
+              <a:t>Provider / EHR</a:t>
+            </a:r>
+          </a:p>
+        </p:txBody>
+      </p:sp>
+      <p:sp>
+        <p:nvSpPr>
+          <p:cNvPr id="15" name="Rectangle 14">
+            <a:extLst>
+              <a:ext uri="{FF2B5EF4-FFF2-40B4-BE49-F238E27FC236}">
+                <a16:creationId xmlns:a16="http://schemas.microsoft.com/office/drawing/2014/main" id="{E133EE51-161D-4B84-9779-60967988D874}"/>
+              </a:ext>
+            </a:extLst>
+          </p:cNvPr>
+          <p:cNvSpPr/>
+          <p:nvPr/>
+        </p:nvSpPr>
+        <p:spPr>
+          <a:xfrm>
+            <a:off x="985632" y="3845832"/>
+            <a:ext cx="2077715" cy="954689"/>
+          </a:xfrm>
+          <a:prstGeom prst="rect">
+            <a:avLst/>
+          </a:prstGeom>
+          <a:solidFill>
+            <a:schemeClr val="accent3">
+              <a:lumMod val="20000"/>
+              <a:lumOff val="80000"/>
+            </a:schemeClr>
+          </a:solidFill>
+          <a:ln>
+            <a:solidFill>
+              <a:schemeClr val="tx1"/>
+            </a:solidFill>
+          </a:ln>
+        </p:spPr>
+        <p:style>
+          <a:lnRef idx="2">
+            <a:schemeClr val="accent1">
+              <a:shade val="50000"/>
+            </a:schemeClr>
+          </a:lnRef>
+          <a:fillRef idx="1">
+            <a:schemeClr val="accent1"/>
+          </a:fillRef>
+          <a:effectRef idx="0">
+            <a:schemeClr val="accent1"/>
+          </a:effectRef>
+          <a:fontRef idx="minor">
+            <a:schemeClr val="lt1"/>
+          </a:fontRef>
+        </p:style>
+        <p:txBody>
+          <a:bodyPr rtlCol="0" anchor="ctr"/>
+          <a:lstStyle/>
+          <a:p>
+            <a:pPr algn="ctr"/>
+            <a:r>
+              <a:rPr lang="en-US" sz="1400" dirty="0">
+                <a:solidFill>
+                  <a:schemeClr val="tx1"/>
+                </a:solidFill>
+                <a:cs typeface="Calibri"/>
+              </a:rPr>
+              <a:t>Displays gaps, collects missing data and stores as part of medical record in EHR</a:t>
+            </a:r>
+          </a:p>
+        </p:txBody>
+      </p:sp>
+      <p:sp>
+        <p:nvSpPr>
+          <p:cNvPr id="24" name="Rectangle 23">
+            <a:extLst>
+              <a:ext uri="{FF2B5EF4-FFF2-40B4-BE49-F238E27FC236}">
+                <a16:creationId xmlns:a16="http://schemas.microsoft.com/office/drawing/2014/main" id="{78A2CE21-E9F7-4455-9830-703145499F86}"/>
+              </a:ext>
+            </a:extLst>
+          </p:cNvPr>
+          <p:cNvSpPr/>
+          <p:nvPr/>
+        </p:nvSpPr>
+        <p:spPr>
+          <a:xfrm>
+            <a:off x="4114083" y="3825753"/>
+            <a:ext cx="2287134" cy="1118032"/>
+          </a:xfrm>
+          <a:prstGeom prst="rect">
+            <a:avLst/>
+          </a:prstGeom>
+          <a:solidFill>
+            <a:schemeClr val="accent3">
+              <a:lumMod val="20000"/>
+              <a:lumOff val="80000"/>
+            </a:schemeClr>
+          </a:solidFill>
+          <a:ln>
+            <a:solidFill>
+              <a:schemeClr val="tx1"/>
+            </a:solidFill>
+          </a:ln>
+        </p:spPr>
+        <p:style>
+          <a:lnRef idx="2">
+            <a:schemeClr val="accent1">
+              <a:shade val="50000"/>
+            </a:schemeClr>
+          </a:lnRef>
+          <a:fillRef idx="1">
+            <a:schemeClr val="accent1"/>
+          </a:fillRef>
+          <a:effectRef idx="0">
+            <a:schemeClr val="accent1"/>
+          </a:effectRef>
+          <a:fontRef idx="minor">
+            <a:schemeClr val="lt1"/>
+          </a:fontRef>
+        </p:style>
+        <p:txBody>
+          <a:bodyPr rtlCol="0" anchor="ctr"/>
+          <a:lstStyle/>
+          <a:p>
+            <a:pPr algn="ctr"/>
+            <a:r>
+              <a:rPr lang="en-US" sz="1400" dirty="0">
+                <a:solidFill>
+                  <a:schemeClr val="tx1"/>
+                </a:solidFill>
+                <a:cs typeface="Calibri"/>
+              </a:rPr>
+              <a:t>Retrieves rules, if necessary. Parses rules from CQL, identifies gaps in data available in EHR, and populates template.</a:t>
+            </a:r>
+          </a:p>
+        </p:txBody>
+      </p:sp>
+      <p:sp>
+        <p:nvSpPr>
+          <p:cNvPr id="27" name="Arrow: Left-Right 26">
+            <a:extLst>
+              <a:ext uri="{FF2B5EF4-FFF2-40B4-BE49-F238E27FC236}">
+                <a16:creationId xmlns:a16="http://schemas.microsoft.com/office/drawing/2014/main" id="{D0CC690B-C920-4CEF-B7B5-9869F909E4AC}"/>
+              </a:ext>
+            </a:extLst>
+          </p:cNvPr>
+          <p:cNvSpPr/>
+          <p:nvPr/>
+        </p:nvSpPr>
+        <p:spPr>
+          <a:xfrm rot="20494168">
+            <a:off x="6375483" y="3633646"/>
+            <a:ext cx="1634287" cy="352362"/>
+          </a:xfrm>
+          <a:prstGeom prst="leftRightArrow">
+            <a:avLst/>
+          </a:prstGeom>
+          <a:solidFill>
+            <a:schemeClr val="bg1"/>
+          </a:solidFill>
+        </p:spPr>
+        <p:style>
+          <a:lnRef idx="2">
+            <a:schemeClr val="accent1">
+              <a:shade val="50000"/>
+            </a:schemeClr>
+          </a:lnRef>
+          <a:fillRef idx="1">
+            <a:schemeClr val="accent1"/>
+          </a:fillRef>
+          <a:effectRef idx="0">
+            <a:schemeClr val="accent1"/>
+          </a:effectRef>
+          <a:fontRef idx="minor">
+            <a:schemeClr val="lt1"/>
+          </a:fontRef>
+        </p:style>
+        <p:txBody>
+          <a:bodyPr rtlCol="0" anchor="ctr"/>
+          <a:lstStyle/>
+          <a:p>
+            <a:pPr algn="ctr"/>
+            <a:endParaRPr lang="en-US" dirty="0"/>
+          </a:p>
+        </p:txBody>
+      </p:sp>
+      <p:sp>
+        <p:nvSpPr>
+          <p:cNvPr id="29" name="Arrow: Right 28">
+            <a:extLst>
+              <a:ext uri="{FF2B5EF4-FFF2-40B4-BE49-F238E27FC236}">
+                <a16:creationId xmlns:a16="http://schemas.microsoft.com/office/drawing/2014/main" id="{B506425D-2FCD-4533-BC1B-A436F72C1FF2}"/>
+              </a:ext>
+            </a:extLst>
+          </p:cNvPr>
+          <p:cNvSpPr/>
+          <p:nvPr/>
+        </p:nvSpPr>
+        <p:spPr>
+          <a:xfrm rot="5340000">
+            <a:off x="10452109" y="3234006"/>
+            <a:ext cx="1404484" cy="483338"/>
+          </a:xfrm>
+          <a:prstGeom prst="rightArrow">
+            <a:avLst/>
+          </a:prstGeom>
+          <a:solidFill>
+            <a:schemeClr val="tx1"/>
+          </a:solidFill>
+          <a:scene3d>
+            <a:camera prst="orthographicFront">
+              <a:rot lat="0" lon="0" rev="0"/>
+            </a:camera>
+            <a:lightRig rig="threePt" dir="t"/>
+          </a:scene3d>
+        </p:spPr>
+        <p:style>
+          <a:lnRef idx="2">
+            <a:schemeClr val="accent1">
+              <a:shade val="50000"/>
+            </a:schemeClr>
+          </a:lnRef>
+          <a:fillRef idx="1">
+            <a:schemeClr val="accent1"/>
+          </a:fillRef>
+          <a:effectRef idx="0">
+            <a:schemeClr val="accent1"/>
+          </a:effectRef>
+          <a:fontRef idx="minor">
+            <a:schemeClr val="lt1"/>
+          </a:fontRef>
+        </p:style>
+        <p:txBody>
+          <a:bodyPr vert="vert270" rtlCol="0" anchor="ctr"/>
+          <a:lstStyle/>
+          <a:p>
+            <a:pPr algn="ctr"/>
+            <a:r>
+              <a:rPr lang="en-US" b="1" dirty="0">
+                <a:cs typeface="Calibri"/>
+              </a:rPr>
+              <a:t>3</a:t>
+            </a:r>
+            <a:endParaRPr lang="en-US" b="1" dirty="0"/>
+          </a:p>
+        </p:txBody>
+      </p:sp>
+      <p:sp>
+        <p:nvSpPr>
+          <p:cNvPr id="16" name="Flowchart: Magnetic Disk 15">
+            <a:extLst>
+              <a:ext uri="{FF2B5EF4-FFF2-40B4-BE49-F238E27FC236}">
+                <a16:creationId xmlns:a16="http://schemas.microsoft.com/office/drawing/2014/main" id="{DCFCBB8F-F2F0-4E56-820D-93780B2ADCBF}"/>
+              </a:ext>
+            </a:extLst>
+          </p:cNvPr>
+          <p:cNvSpPr/>
+          <p:nvPr/>
+        </p:nvSpPr>
+        <p:spPr>
+          <a:xfrm>
+            <a:off x="9135358" y="2850264"/>
+            <a:ext cx="1777262" cy="1312808"/>
+          </a:xfrm>
+          <a:prstGeom prst="flowChartMagneticDisk">
+            <a:avLst/>
+          </a:prstGeom>
+          <a:solidFill>
+            <a:srgbClr val="FFF2CC"/>
+          </a:solidFill>
+          <a:ln>
+            <a:solidFill>
+              <a:schemeClr val="tx1"/>
+            </a:solidFill>
+          </a:ln>
+        </p:spPr>
+        <p:style>
+          <a:lnRef idx="2">
+            <a:schemeClr val="accent1">
+              <a:shade val="50000"/>
+            </a:schemeClr>
+          </a:lnRef>
+          <a:fillRef idx="1">
+            <a:schemeClr val="accent1"/>
+          </a:fillRef>
+          <a:effectRef idx="0">
+            <a:schemeClr val="accent1"/>
+          </a:effectRef>
+          <a:fontRef idx="minor">
+            <a:schemeClr val="lt1"/>
+          </a:fontRef>
+        </p:style>
+        <p:txBody>
+          <a:bodyPr rtlCol="0" anchor="ctr"/>
+          <a:lstStyle/>
+          <a:p>
+            <a:pPr algn="ctr"/>
+            <a:endParaRPr lang="en-US" sz="1600" dirty="0">
+              <a:solidFill>
+                <a:schemeClr val="tx1"/>
+              </a:solidFill>
+              <a:ea typeface="+mn-lt"/>
+              <a:cs typeface="+mn-lt"/>
+            </a:endParaRPr>
+          </a:p>
+          <a:p>
+            <a:pPr algn="ctr"/>
+            <a:r>
+              <a:rPr lang="en-US" sz="1600" dirty="0">
+                <a:solidFill>
+                  <a:schemeClr val="tx1"/>
+                </a:solidFill>
+                <a:ea typeface="+mn-lt"/>
+                <a:cs typeface="+mn-lt"/>
+              </a:rPr>
+              <a:t>Repository of coverage </a:t>
+            </a:r>
+          </a:p>
+          <a:p>
+            <a:pPr algn="ctr"/>
+            <a:r>
+              <a:rPr lang="en-US" sz="1600" dirty="0">
+                <a:solidFill>
+                  <a:schemeClr val="tx1"/>
+                </a:solidFill>
+                <a:ea typeface="+mn-lt"/>
+                <a:cs typeface="+mn-lt"/>
+              </a:rPr>
+              <a:t>rules/templates</a:t>
+            </a:r>
+          </a:p>
+          <a:p>
+            <a:pPr algn="ctr"/>
+            <a:endParaRPr lang="en-US" dirty="0">
+              <a:cs typeface="Calibri"/>
+            </a:endParaRPr>
+          </a:p>
+        </p:txBody>
+      </p:sp>
+      <p:sp>
+        <p:nvSpPr>
+          <p:cNvPr id="30" name="Arrow: Left 29">
+            <a:extLst>
+              <a:ext uri="{FF2B5EF4-FFF2-40B4-BE49-F238E27FC236}">
+                <a16:creationId xmlns:a16="http://schemas.microsoft.com/office/drawing/2014/main" id="{6A3E6741-9B55-4626-8D17-C678E5DB7A99}"/>
+              </a:ext>
+            </a:extLst>
+          </p:cNvPr>
+          <p:cNvSpPr/>
+          <p:nvPr/>
+        </p:nvSpPr>
+        <p:spPr>
+          <a:xfrm>
+            <a:off x="6402546" y="4284703"/>
+            <a:ext cx="1436531" cy="400429"/>
+          </a:xfrm>
+          <a:prstGeom prst="leftArrow">
+            <a:avLst/>
+          </a:prstGeom>
+          <a:solidFill>
+            <a:schemeClr val="tx1"/>
+          </a:solidFill>
+        </p:spPr>
+        <p:style>
+          <a:lnRef idx="2">
+            <a:schemeClr val="accent1">
+              <a:shade val="50000"/>
+            </a:schemeClr>
+          </a:lnRef>
+          <a:fillRef idx="1">
+            <a:schemeClr val="accent1"/>
+          </a:fillRef>
+          <a:effectRef idx="0">
+            <a:schemeClr val="accent1"/>
+          </a:effectRef>
+          <a:fontRef idx="minor">
+            <a:schemeClr val="lt1"/>
+          </a:fontRef>
+        </p:style>
+        <p:txBody>
+          <a:bodyPr rtlCol="0" anchor="ctr"/>
+          <a:lstStyle/>
+          <a:p>
+            <a:pPr algn="ctr"/>
+            <a:r>
+              <a:rPr lang="en-US" b="1" dirty="0">
+                <a:cs typeface="Calibri"/>
+              </a:rPr>
+              <a:t>4</a:t>
+            </a:r>
+            <a:endParaRPr lang="en-US" b="1" dirty="0"/>
+          </a:p>
+        </p:txBody>
+      </p:sp>
+      <p:sp>
+        <p:nvSpPr>
+          <p:cNvPr id="31" name="Arrow: Left 30">
+            <a:extLst>
+              <a:ext uri="{FF2B5EF4-FFF2-40B4-BE49-F238E27FC236}">
+                <a16:creationId xmlns:a16="http://schemas.microsoft.com/office/drawing/2014/main" id="{430E50B5-436D-429E-9BC8-7821F9868F6D}"/>
+              </a:ext>
+            </a:extLst>
+          </p:cNvPr>
+          <p:cNvSpPr/>
+          <p:nvPr/>
+        </p:nvSpPr>
+        <p:spPr>
+          <a:xfrm>
+            <a:off x="3066410" y="4149636"/>
+            <a:ext cx="1033762" cy="425335"/>
+          </a:xfrm>
+          <a:prstGeom prst="leftArrow">
+            <a:avLst/>
+          </a:prstGeom>
+          <a:solidFill>
+            <a:schemeClr val="tx1"/>
+          </a:solidFill>
+        </p:spPr>
+        <p:style>
+          <a:lnRef idx="2">
+            <a:schemeClr val="accent1">
+              <a:shade val="50000"/>
+            </a:schemeClr>
+          </a:lnRef>
+          <a:fillRef idx="1">
+            <a:schemeClr val="accent1"/>
+          </a:fillRef>
+          <a:effectRef idx="0">
+            <a:schemeClr val="accent1"/>
+          </a:effectRef>
+          <a:fontRef idx="minor">
+            <a:schemeClr val="lt1"/>
+          </a:fontRef>
+        </p:style>
+        <p:txBody>
+          <a:bodyPr rtlCol="0" anchor="ctr"/>
+          <a:lstStyle/>
+          <a:p>
+            <a:pPr algn="ctr"/>
+            <a:r>
+              <a:rPr lang="en-US" b="1" dirty="0">
+                <a:cs typeface="Calibri"/>
+              </a:rPr>
+              <a:t>5</a:t>
+            </a:r>
+          </a:p>
+        </p:txBody>
+      </p:sp>
+    </p:spTree>
+    <p:extLst>
+      <p:ext uri="{BB962C8B-B14F-4D97-AF65-F5344CB8AC3E}">
+        <p14:creationId xmlns:p14="http://schemas.microsoft.com/office/powerpoint/2010/main" val="3449943788"/>
       </p:ext>
     </p:extLst>
   </p:cSld>
@@ -18117,12 +19570,27 @@
 </file>
 
 <file path=customXml/item1.xml><?xml version="1.0" encoding="utf-8"?>
-<?mso-contentType ?>
-<FormTemplates xmlns="http://schemas.microsoft.com/sharepoint/v3/contenttype/forms">
-  <Display>DocumentLibraryForm</Display>
-  <Edit>DocumentLibraryForm</Edit>
-  <New>DocumentLibraryForm</New>
-</FormTemplates>
+<p:properties xmlns:p="http://schemas.microsoft.com/office/2006/metadata/properties" xmlns:xsi="http://www.w3.org/2001/XMLSchema-instance" xmlns:pc="http://schemas.microsoft.com/office/infopath/2007/PartnerControls">
+  <documentManagement>
+    <SharedWithUsers xmlns="5bceed9a-bae5-4329-97ef-b259bd0b225e">
+      <UserInfo>
+        <DisplayName>Ambrose, Nalini</DisplayName>
+        <AccountId>13</AccountId>
+        <AccountType/>
+      </UserInfo>
+      <UserInfo>
+        <DisplayName>Lyall, Jessica</DisplayName>
+        <AccountId>178</AccountId>
+        <AccountType/>
+      </UserInfo>
+      <UserInfo>
+        <DisplayName>Horbachevsky, Olexa</DisplayName>
+        <AccountId>10</AccountId>
+        <AccountType/>
+      </UserInfo>
+    </SharedWithUsers>
+  </documentManagement>
+</p:properties>
 </file>
 
 <file path=customXml/item2.xml><?xml version="1.0" encoding="utf-8"?>
@@ -18323,33 +19791,27 @@
 </file>
 
 <file path=customXml/item3.xml><?xml version="1.0" encoding="utf-8"?>
-<p:properties xmlns:p="http://schemas.microsoft.com/office/2006/metadata/properties" xmlns:xsi="http://www.w3.org/2001/XMLSchema-instance" xmlns:pc="http://schemas.microsoft.com/office/infopath/2007/PartnerControls">
-  <documentManagement>
-    <SharedWithUsers xmlns="5bceed9a-bae5-4329-97ef-b259bd0b225e">
-      <UserInfo>
-        <DisplayName>Ambrose, Nalini</DisplayName>
-        <AccountId>13</AccountId>
-        <AccountType/>
-      </UserInfo>
-      <UserInfo>
-        <DisplayName>Lyall, Jessica</DisplayName>
-        <AccountId>178</AccountId>
-        <AccountType/>
-      </UserInfo>
-      <UserInfo>
-        <DisplayName>Horbachevsky, Olexa</DisplayName>
-        <AccountId>10</AccountId>
-        <AccountType/>
-      </UserInfo>
-    </SharedWithUsers>
-  </documentManagement>
-</p:properties>
+<?mso-contentType ?>
+<FormTemplates xmlns="http://schemas.microsoft.com/sharepoint/v3/contenttype/forms">
+  <Display>DocumentLibraryForm</Display>
+  <Edit>DocumentLibraryForm</Edit>
+  <New>DocumentLibraryForm</New>
+</FormTemplates>
 </file>
 
 <file path=customXml/itemProps1.xml><?xml version="1.0" encoding="utf-8"?>
-<ds:datastoreItem xmlns:ds="http://schemas.openxmlformats.org/officeDocument/2006/customXml" ds:itemID="{416BA5C9-2D71-4B86-AE8A-8C0D9BC5FB22}">
+<ds:datastoreItem xmlns:ds="http://schemas.openxmlformats.org/officeDocument/2006/customXml" ds:itemID="{5450FCDD-08B1-48D8-BB50-7A17E590A5EE}">
   <ds:schemaRefs>
-    <ds:schemaRef ds:uri="http://schemas.microsoft.com/sharepoint/v3/contenttype/forms"/>
+    <ds:schemaRef ds:uri="http://purl.org/dc/terms/"/>
+    <ds:schemaRef ds:uri="http://schemas.openxmlformats.org/package/2006/metadata/core-properties"/>
+    <ds:schemaRef ds:uri="http://purl.org/dc/dcmitype/"/>
+    <ds:schemaRef ds:uri="http://schemas.microsoft.com/office/infopath/2007/PartnerControls"/>
+    <ds:schemaRef ds:uri="http://schemas.microsoft.com/office/2006/documentManagement/types"/>
+    <ds:schemaRef ds:uri="5bceed9a-bae5-4329-97ef-b259bd0b225e"/>
+    <ds:schemaRef ds:uri="http://purl.org/dc/elements/1.1/"/>
+    <ds:schemaRef ds:uri="http://schemas.microsoft.com/office/2006/metadata/properties"/>
+    <ds:schemaRef ds:uri="c6e6fbc9-cbf1-42ee-bbf0-d6e110e2b732"/>
+    <ds:schemaRef ds:uri="http://www.w3.org/XML/1998/namespace"/>
   </ds:schemaRefs>
 </ds:datastoreItem>
 </file>
@@ -18374,18 +19836,9 @@
 </file>
 
 <file path=customXml/itemProps3.xml><?xml version="1.0" encoding="utf-8"?>
-<ds:datastoreItem xmlns:ds="http://schemas.openxmlformats.org/officeDocument/2006/customXml" ds:itemID="{5450FCDD-08B1-48D8-BB50-7A17E590A5EE}">
+<ds:datastoreItem xmlns:ds="http://schemas.openxmlformats.org/officeDocument/2006/customXml" ds:itemID="{416BA5C9-2D71-4B86-AE8A-8C0D9BC5FB22}">
   <ds:schemaRefs>
-    <ds:schemaRef ds:uri="http://purl.org/dc/terms/"/>
-    <ds:schemaRef ds:uri="http://schemas.openxmlformats.org/package/2006/metadata/core-properties"/>
-    <ds:schemaRef ds:uri="http://purl.org/dc/dcmitype/"/>
-    <ds:schemaRef ds:uri="http://schemas.microsoft.com/office/infopath/2007/PartnerControls"/>
-    <ds:schemaRef ds:uri="http://schemas.microsoft.com/office/2006/documentManagement/types"/>
-    <ds:schemaRef ds:uri="5bceed9a-bae5-4329-97ef-b259bd0b225e"/>
-    <ds:schemaRef ds:uri="http://purl.org/dc/elements/1.1/"/>
-    <ds:schemaRef ds:uri="http://schemas.microsoft.com/office/2006/metadata/properties"/>
-    <ds:schemaRef ds:uri="c6e6fbc9-cbf1-42ee-bbf0-d6e110e2b732"/>
-    <ds:schemaRef ds:uri="http://www.w3.org/XML/1998/namespace"/>
+    <ds:schemaRef ds:uri="http://schemas.microsoft.com/sharepoint/v3/contenttype/forms"/>
   </ds:schemaRefs>
 </ds:datastoreItem>
 </file>
--- a/input/images-source/CRD_DTR_Flow.pptx
+++ b/input/images-source/CRD_DTR_Flow.pptx
@@ -14,7 +14,7 @@
   </p:handoutMasterIdLst>
   <p:sldIdLst>
     <p:sldId id="2919" r:id="rId7"/>
-    <p:sldId id="2920" r:id="rId8"/>
+    <p:sldId id="2921" r:id="rId8"/>
   </p:sldIdLst>
   <p:sldSz cx="12192000" cy="6858000"/>
   <p:notesSz cx="7010400" cy="9236075"/>
@@ -119,11 +119,7 @@
         <p14:section name="Default Section" id="{2A4ADE3A-30A3-434C-A0A8-D43F949D9DE1}">
           <p14:sldIdLst>
             <p14:sldId id="2919"/>
-          </p14:sldIdLst>
-        </p14:section>
-        <p14:section name="Extra" id="{7D903D67-5B51-3541-81C4-0CAD31350360}">
-          <p14:sldIdLst>
-            <p14:sldId id="2920"/>
+            <p14:sldId id="2921"/>
           </p14:sldIdLst>
         </p14:section>
       </p14:sectionLst>
@@ -3245,7 +3241,7 @@
           <a:p>
             <a:fld id="{FD8C879B-2DAC-426D-B5B4-08F42B952A26}" type="datetimeFigureOut">
               <a:rPr lang="en-US" smtClean="0"/>
-              <a:t>8/23/2023</a:t>
+              <a:t>9/1/2023</a:t>
             </a:fld>
             <a:endParaRPr lang="en-US" dirty="0"/>
           </a:p>
@@ -3422,7 +3418,7 @@
           <a:p>
             <a:fld id="{92E54576-A3BB-48F9-891E-992E86D01A7B}" type="datetimeFigureOut">
               <a:rPr lang="en-US" smtClean="0"/>
-              <a:t>8/23/2023</a:t>
+              <a:t>9/1/2023</a:t>
             </a:fld>
             <a:endParaRPr lang="en-US" dirty="0"/>
           </a:p>
@@ -3863,7 +3859,7 @@
     </p:spTree>
     <p:extLst>
       <p:ext uri="{BB962C8B-B14F-4D97-AF65-F5344CB8AC3E}">
-        <p14:creationId xmlns:p14="http://schemas.microsoft.com/office/powerpoint/2010/main" val="1338021474"/>
+        <p14:creationId xmlns:p14="http://schemas.microsoft.com/office/powerpoint/2010/main" val="299787613"/>
       </p:ext>
     </p:extLst>
   </p:cSld>
@@ -7687,7 +7683,7 @@
           <a:p>
             <a:fld id="{41EA1E7C-71D6-4729-84AA-F013DDAF4032}" type="datetimeFigureOut">
               <a:rPr lang="en-US" smtClean="0"/>
-              <a:t>8/23/2023</a:t>
+              <a:t>9/1/2023</a:t>
             </a:fld>
             <a:endParaRPr lang="en-US" dirty="0"/>
           </a:p>
@@ -16952,10 +16948,10 @@
       </p:grpSpPr>
       <p:sp>
         <p:nvSpPr>
-          <p:cNvPr id="5" name="Rectangle: Rounded Corners 4">
+          <p:cNvPr id="17" name="Rectangle: Rounded Corners 16">
             <a:extLst>
               <a:ext uri="{FF2B5EF4-FFF2-40B4-BE49-F238E27FC236}">
-                <a16:creationId xmlns:a16="http://schemas.microsoft.com/office/drawing/2014/main" id="{E495C315-D74E-4F6C-BF31-AC5E309099E0}"/>
+                <a16:creationId xmlns:a16="http://schemas.microsoft.com/office/drawing/2014/main" id="{DFB8096E-BF12-A5F8-754F-33B57644DB35}"/>
               </a:ext>
             </a:extLst>
           </p:cNvPr>
@@ -16964,23 +16960,27 @@
         </p:nvSpPr>
         <p:spPr>
           <a:xfrm>
-            <a:off x="566049" y="1389820"/>
-            <a:ext cx="6517924" cy="4038521"/>
+            <a:off x="2507811" y="795865"/>
+            <a:ext cx="7387628" cy="5170369"/>
           </a:xfrm>
           <a:prstGeom prst="roundRect">
-            <a:avLst/>
+            <a:avLst>
+              <a:gd name="adj" fmla="val 9509"/>
+            </a:avLst>
           </a:prstGeom>
-          <a:solidFill>
-            <a:schemeClr val="tx2">
-              <a:lumMod val="20000"/>
-              <a:lumOff val="80000"/>
-            </a:schemeClr>
-          </a:solidFill>
+          <a:noFill/>
+          <a:ln w="19050">
+            <a:solidFill>
+              <a:schemeClr val="accent2">
+                <a:lumMod val="75000"/>
+              </a:schemeClr>
+            </a:solidFill>
+          </a:ln>
         </p:spPr>
         <p:style>
           <a:lnRef idx="2">
             <a:schemeClr val="accent1">
-              <a:shade val="50000"/>
+              <a:shade val="15000"/>
             </a:schemeClr>
           </a:lnRef>
           <a:fillRef idx="1">
@@ -16998,16 +16998,16 @@
           <a:lstStyle/>
           <a:p>
             <a:pPr algn="ctr"/>
-            <a:endParaRPr lang="en-US" dirty="0"/>
-          </a:p>
-        </p:txBody>
-      </p:sp>
-      <p:sp>
-        <p:nvSpPr>
-          <p:cNvPr id="6" name="Rectangle: Rounded Corners 5">
+            <a:endParaRPr lang="en-US"/>
+          </a:p>
+        </p:txBody>
+      </p:sp>
+      <p:sp>
+        <p:nvSpPr>
+          <p:cNvPr id="19" name="Rectangle 18">
             <a:extLst>
               <a:ext uri="{FF2B5EF4-FFF2-40B4-BE49-F238E27FC236}">
-                <a16:creationId xmlns:a16="http://schemas.microsoft.com/office/drawing/2014/main" id="{AD90B327-290F-4CD9-9CA0-843C9FDC6A00}"/>
+                <a16:creationId xmlns:a16="http://schemas.microsoft.com/office/drawing/2014/main" id="{02F24D92-4C45-EC92-204A-C894550ECFB5}"/>
               </a:ext>
             </a:extLst>
           </p:cNvPr>
@@ -17016,23 +17016,21 @@
         </p:nvSpPr>
         <p:spPr>
           <a:xfrm>
-            <a:off x="7495495" y="1375308"/>
-            <a:ext cx="4152721" cy="4053034"/>
-          </a:xfrm>
-          <a:prstGeom prst="roundRect">
+            <a:off x="2858914" y="1104543"/>
+            <a:ext cx="2512464" cy="273466"/>
+          </a:xfrm>
+          <a:prstGeom prst="rect">
             <a:avLst/>
           </a:prstGeom>
           <a:solidFill>
-            <a:schemeClr val="tx2">
-              <a:lumMod val="20000"/>
-              <a:lumOff val="80000"/>
-            </a:schemeClr>
+            <a:srgbClr val="FCF0D0"/>
           </a:solidFill>
+          <a:ln w="12700"/>
         </p:spPr>
         <p:style>
           <a:lnRef idx="2">
             <a:schemeClr val="accent1">
-              <a:shade val="50000"/>
+              <a:shade val="15000"/>
             </a:schemeClr>
           </a:lnRef>
           <a:fillRef idx="1">
@@ -17050,16 +17048,66 @@
           <a:lstStyle/>
           <a:p>
             <a:pPr algn="ctr"/>
-            <a:endParaRPr lang="en-US" dirty="0"/>
-          </a:p>
-        </p:txBody>
-      </p:sp>
-      <p:sp>
-        <p:nvSpPr>
-          <p:cNvPr id="7" name="Rectangle: Rounded Corners 6">
+            <a:r>
+              <a:rPr lang="en-US" sz="1100" dirty="0">
+                <a:solidFill>
+                  <a:schemeClr val="tx1"/>
+                </a:solidFill>
+              </a:rPr>
+              <a:t>Provider EHR / Authorization Server</a:t>
+            </a:r>
+          </a:p>
+        </p:txBody>
+      </p:sp>
+      <p:cxnSp>
+        <p:nvCxnSpPr>
+          <p:cNvPr id="20" name="Straight Connector 19">
             <a:extLst>
               <a:ext uri="{FF2B5EF4-FFF2-40B4-BE49-F238E27FC236}">
-                <a16:creationId xmlns:a16="http://schemas.microsoft.com/office/drawing/2014/main" id="{6AD2BCB3-F8F1-4BF7-BE1C-A7663D361914}"/>
+                <a16:creationId xmlns:a16="http://schemas.microsoft.com/office/drawing/2014/main" id="{9BCE423D-52A4-2690-45E0-22A020FE5522}"/>
+              </a:ext>
+            </a:extLst>
+          </p:cNvPr>
+          <p:cNvCxnSpPr>
+            <a:cxnSpLocks/>
+          </p:cNvCxnSpPr>
+          <p:nvPr/>
+        </p:nvCxnSpPr>
+        <p:spPr>
+          <a:xfrm>
+            <a:off x="4115146" y="1371497"/>
+            <a:ext cx="0" cy="4114800"/>
+          </a:xfrm>
+          <a:prstGeom prst="line">
+            <a:avLst/>
+          </a:prstGeom>
+          <a:ln w="15875">
+            <a:solidFill>
+              <a:schemeClr val="tx1"/>
+            </a:solidFill>
+          </a:ln>
+        </p:spPr>
+        <p:style>
+          <a:lnRef idx="1">
+            <a:schemeClr val="accent1"/>
+          </a:lnRef>
+          <a:fillRef idx="0">
+            <a:schemeClr val="accent1"/>
+          </a:fillRef>
+          <a:effectRef idx="0">
+            <a:schemeClr val="accent1"/>
+          </a:effectRef>
+          <a:fontRef idx="minor">
+            <a:schemeClr val="tx1"/>
+          </a:fontRef>
+        </p:style>
+      </p:cxnSp>
+      <p:sp>
+        <p:nvSpPr>
+          <p:cNvPr id="23" name="Rectangle 22">
+            <a:extLst>
+              <a:ext uri="{FF2B5EF4-FFF2-40B4-BE49-F238E27FC236}">
+                <a16:creationId xmlns:a16="http://schemas.microsoft.com/office/drawing/2014/main" id="{CF788CB8-9309-691E-6B4D-32045037B4C6}"/>
               </a:ext>
             </a:extLst>
           </p:cNvPr>
@@ -17068,20 +17116,21 @@
         </p:nvSpPr>
         <p:spPr>
           <a:xfrm>
-            <a:off x="7806173" y="1917247"/>
-            <a:ext cx="3617309" cy="840827"/>
-          </a:xfrm>
-          <a:prstGeom prst="roundRect">
+            <a:off x="2858914" y="5423407"/>
+            <a:ext cx="2512464" cy="273466"/>
+          </a:xfrm>
+          <a:prstGeom prst="rect">
             <a:avLst/>
           </a:prstGeom>
           <a:solidFill>
-            <a:schemeClr val="bg1"/>
+            <a:srgbClr val="FCF0D0"/>
           </a:solidFill>
+          <a:ln w="12700"/>
         </p:spPr>
         <p:style>
           <a:lnRef idx="2">
             <a:schemeClr val="accent1">
-              <a:shade val="50000"/>
+              <a:shade val="15000"/>
             </a:schemeClr>
           </a:lnRef>
           <a:fillRef idx="1">
@@ -17100,23 +17149,22 @@
           <a:p>
             <a:pPr algn="ctr"/>
             <a:r>
-              <a:rPr lang="en-US" sz="1600" dirty="0">
+              <a:rPr lang="en-US" sz="1100" dirty="0">
                 <a:solidFill>
                   <a:schemeClr val="tx1"/>
                 </a:solidFill>
-                <a:cs typeface="Calibri"/>
               </a:rPr>
-              <a:t>CDS Service (CRD) searches repository leveraging FHIR-based data</a:t>
-            </a:r>
-          </a:p>
-        </p:txBody>
-      </p:sp>
-      <p:sp>
-        <p:nvSpPr>
-          <p:cNvPr id="8" name="Rectangle: Rounded Corners 7">
+              <a:t>Provider EHR / Authorization Server</a:t>
+            </a:r>
+          </a:p>
+        </p:txBody>
+      </p:sp>
+      <p:sp>
+        <p:nvSpPr>
+          <p:cNvPr id="25" name="Rectangle 24">
             <a:extLst>
               <a:ext uri="{FF2B5EF4-FFF2-40B4-BE49-F238E27FC236}">
-                <a16:creationId xmlns:a16="http://schemas.microsoft.com/office/drawing/2014/main" id="{61E4298C-0674-4C94-A243-E0B5A0849C94}"/>
+                <a16:creationId xmlns:a16="http://schemas.microsoft.com/office/drawing/2014/main" id="{14A6021C-7E08-DED5-A1E3-3AFFB4B6B369}"/>
               </a:ext>
             </a:extLst>
           </p:cNvPr>
@@ -17125,25 +17173,21 @@
         </p:nvSpPr>
         <p:spPr>
           <a:xfrm>
-            <a:off x="7952740" y="3201949"/>
-            <a:ext cx="1174303" cy="840827"/>
-          </a:xfrm>
-          <a:prstGeom prst="roundRect">
+            <a:off x="3318675" y="2365706"/>
+            <a:ext cx="1592941" cy="421447"/>
+          </a:xfrm>
+          <a:prstGeom prst="rect">
             <a:avLst/>
           </a:prstGeom>
           <a:solidFill>
-            <a:srgbClr val="FFF2CC"/>
+            <a:srgbClr val="EFF4F5"/>
           </a:solidFill>
-          <a:ln>
-            <a:solidFill>
-              <a:schemeClr val="tx1"/>
-            </a:solidFill>
-          </a:ln>
+          <a:ln w="12700"/>
         </p:spPr>
         <p:style>
           <a:lnRef idx="2">
             <a:schemeClr val="accent1">
-              <a:shade val="50000"/>
+              <a:shade val="15000"/>
             </a:schemeClr>
           </a:lnRef>
           <a:fillRef idx="1">
@@ -17162,23 +17206,37 @@
           <a:p>
             <a:pPr algn="ctr"/>
             <a:r>
-              <a:rPr lang="en-US" sz="1600" dirty="0">
+              <a:rPr lang="en-US" sz="1100" dirty="0">
                 <a:solidFill>
                   <a:schemeClr val="tx1"/>
                 </a:solidFill>
-                <a:cs typeface="Calibri"/>
+                <a:latin typeface="Calibri" panose="020F0502020204030204" pitchFamily="34" charset="0"/>
+                <a:cs typeface="Calibri" panose="020F0502020204030204" pitchFamily="34" charset="0"/>
               </a:rPr>
-              <a:t>Repository API</a:t>
-            </a:r>
-          </a:p>
-        </p:txBody>
-      </p:sp>
-      <p:sp>
-        <p:nvSpPr>
-          <p:cNvPr id="9" name="Rectangle: Rounded Corners 8">
+              <a:t>SMART / Native</a:t>
+            </a:r>
+          </a:p>
+          <a:p>
+            <a:pPr algn="ctr"/>
+            <a:r>
+              <a:rPr lang="en-US" sz="1100" dirty="0">
+                <a:solidFill>
+                  <a:schemeClr val="tx1"/>
+                </a:solidFill>
+                <a:latin typeface="Calibri" panose="020F0502020204030204" pitchFamily="34" charset="0"/>
+                <a:cs typeface="Calibri" panose="020F0502020204030204" pitchFamily="34" charset="0"/>
+              </a:rPr>
+              <a:t>App Launch</a:t>
+            </a:r>
+          </a:p>
+        </p:txBody>
+      </p:sp>
+      <p:sp>
+        <p:nvSpPr>
+          <p:cNvPr id="26" name="Rectangle 25">
             <a:extLst>
               <a:ext uri="{FF2B5EF4-FFF2-40B4-BE49-F238E27FC236}">
-                <a16:creationId xmlns:a16="http://schemas.microsoft.com/office/drawing/2014/main" id="{A1DE51A5-03DB-47AB-94D2-D428C4658B1D}"/>
+                <a16:creationId xmlns:a16="http://schemas.microsoft.com/office/drawing/2014/main" id="{788F30AD-2812-F01F-8496-AF5FE9704CE1}"/>
               </a:ext>
             </a:extLst>
           </p:cNvPr>
@@ -17187,23 +17245,21 @@
         </p:nvSpPr>
         <p:spPr>
           <a:xfrm>
-            <a:off x="763917" y="1994923"/>
-            <a:ext cx="2869258" cy="840827"/>
-          </a:xfrm>
-          <a:prstGeom prst="roundRect">
+            <a:off x="6234338" y="1104543"/>
+            <a:ext cx="784168" cy="273466"/>
+          </a:xfrm>
+          <a:prstGeom prst="rect">
             <a:avLst/>
           </a:prstGeom>
           <a:solidFill>
-            <a:schemeClr val="accent6">
-              <a:lumMod val="20000"/>
-              <a:lumOff val="80000"/>
-            </a:schemeClr>
+            <a:srgbClr val="FCF0D0"/>
           </a:solidFill>
+          <a:ln w="12700"/>
         </p:spPr>
         <p:style>
           <a:lnRef idx="2">
             <a:schemeClr val="accent1">
-              <a:shade val="50000"/>
+              <a:shade val="15000"/>
             </a:schemeClr>
           </a:lnRef>
           <a:fillRef idx="1">
@@ -17222,23 +17278,65 @@
           <a:p>
             <a:pPr algn="ctr"/>
             <a:r>
-              <a:rPr lang="en-US" sz="1600" dirty="0">
+              <a:rPr lang="en-US" sz="1100" dirty="0">
                 <a:solidFill>
                   <a:schemeClr val="tx1"/>
                 </a:solidFill>
-                <a:cs typeface="Calibri"/>
               </a:rPr>
-              <a:t>Device, service, or medication order: CDS hook triggers query </a:t>
-            </a:r>
-          </a:p>
-        </p:txBody>
-      </p:sp>
-      <p:sp>
-        <p:nvSpPr>
-          <p:cNvPr id="10" name="Rectangle: Rounded Corners 9">
+              <a:t>DTR App</a:t>
+            </a:r>
+          </a:p>
+        </p:txBody>
+      </p:sp>
+      <p:cxnSp>
+        <p:nvCxnSpPr>
+          <p:cNvPr id="28" name="Straight Connector 27">
             <a:extLst>
               <a:ext uri="{FF2B5EF4-FFF2-40B4-BE49-F238E27FC236}">
-                <a16:creationId xmlns:a16="http://schemas.microsoft.com/office/drawing/2014/main" id="{1AF39748-6C81-47EF-95F6-6A006E8D7EF0}"/>
+                <a16:creationId xmlns:a16="http://schemas.microsoft.com/office/drawing/2014/main" id="{CDF83695-9CA2-1E39-E37E-0DC999E5411A}"/>
+              </a:ext>
+            </a:extLst>
+          </p:cNvPr>
+          <p:cNvCxnSpPr>
+            <a:cxnSpLocks/>
+          </p:cNvCxnSpPr>
+          <p:nvPr/>
+        </p:nvCxnSpPr>
+        <p:spPr>
+          <a:xfrm>
+            <a:off x="6619106" y="1371497"/>
+            <a:ext cx="0" cy="4114800"/>
+          </a:xfrm>
+          <a:prstGeom prst="line">
+            <a:avLst/>
+          </a:prstGeom>
+          <a:ln w="15875">
+            <a:solidFill>
+              <a:schemeClr val="tx1"/>
+            </a:solidFill>
+          </a:ln>
+        </p:spPr>
+        <p:style>
+          <a:lnRef idx="1">
+            <a:schemeClr val="accent1"/>
+          </a:lnRef>
+          <a:fillRef idx="0">
+            <a:schemeClr val="accent1"/>
+          </a:fillRef>
+          <a:effectRef idx="0">
+            <a:schemeClr val="accent1"/>
+          </a:effectRef>
+          <a:fontRef idx="minor">
+            <a:schemeClr val="tx1"/>
+          </a:fontRef>
+        </p:style>
+      </p:cxnSp>
+      <p:sp>
+        <p:nvSpPr>
+          <p:cNvPr id="32" name="Rectangle 31">
+            <a:extLst>
+              <a:ext uri="{FF2B5EF4-FFF2-40B4-BE49-F238E27FC236}">
+                <a16:creationId xmlns:a16="http://schemas.microsoft.com/office/drawing/2014/main" id="{D9F9D125-DF7B-9178-4FA0-171758B7BBBC}"/>
               </a:ext>
             </a:extLst>
           </p:cNvPr>
@@ -17247,23 +17345,21 @@
         </p:nvSpPr>
         <p:spPr>
           <a:xfrm>
-            <a:off x="4073781" y="1994922"/>
-            <a:ext cx="2671703" cy="840827"/>
-          </a:xfrm>
-          <a:prstGeom prst="roundRect">
+            <a:off x="6234338" y="5423407"/>
+            <a:ext cx="784168" cy="273466"/>
+          </a:xfrm>
+          <a:prstGeom prst="rect">
             <a:avLst/>
           </a:prstGeom>
           <a:solidFill>
-            <a:schemeClr val="accent6">
-              <a:lumMod val="20000"/>
-              <a:lumOff val="80000"/>
-            </a:schemeClr>
+            <a:srgbClr val="FCF0D0"/>
           </a:solidFill>
+          <a:ln w="12700"/>
         </p:spPr>
         <p:style>
           <a:lnRef idx="2">
             <a:schemeClr val="accent1">
-              <a:shade val="50000"/>
+              <a:shade val="15000"/>
             </a:schemeClr>
           </a:lnRef>
           <a:fillRef idx="1">
@@ -17282,23 +17378,22 @@
           <a:p>
             <a:pPr algn="ctr"/>
             <a:r>
-              <a:rPr lang="en-US" sz="1600" dirty="0">
+              <a:rPr lang="en-US" sz="1100" dirty="0">
                 <a:solidFill>
                   <a:schemeClr val="tx1"/>
                 </a:solidFill>
-                <a:cs typeface="Calibri"/>
               </a:rPr>
-              <a:t>Invokes CDS Service (CRD) &amp; sends pre-fetch FHIR data including order information </a:t>
-            </a:r>
-          </a:p>
-        </p:txBody>
-      </p:sp>
-      <p:sp>
-        <p:nvSpPr>
-          <p:cNvPr id="11" name="Rectangle: Rounded Corners 10">
+              <a:t>DTR App</a:t>
+            </a:r>
+          </a:p>
+        </p:txBody>
+      </p:sp>
+      <p:sp>
+        <p:nvSpPr>
+          <p:cNvPr id="33" name="Rectangle 32">
             <a:extLst>
               <a:ext uri="{FF2B5EF4-FFF2-40B4-BE49-F238E27FC236}">
-                <a16:creationId xmlns:a16="http://schemas.microsoft.com/office/drawing/2014/main" id="{1F2A57B2-FB10-419C-B274-F24B2096CD9A}"/>
+                <a16:creationId xmlns:a16="http://schemas.microsoft.com/office/drawing/2014/main" id="{74686EC7-BC2F-83F0-21B5-1B8F8977B976}"/>
               </a:ext>
             </a:extLst>
           </p:cNvPr>
@@ -17307,20 +17402,21 @@
         </p:nvSpPr>
         <p:spPr>
           <a:xfrm>
-            <a:off x="7839077" y="4207382"/>
-            <a:ext cx="3634827" cy="840827"/>
-          </a:xfrm>
-          <a:prstGeom prst="roundRect">
+            <a:off x="5522673" y="3073026"/>
+            <a:ext cx="2192866" cy="428675"/>
+          </a:xfrm>
+          <a:prstGeom prst="rect">
             <a:avLst/>
           </a:prstGeom>
           <a:solidFill>
-            <a:schemeClr val="bg1"/>
+            <a:srgbClr val="EFF4F5"/>
           </a:solidFill>
+          <a:ln w="12700"/>
         </p:spPr>
         <p:style>
           <a:lnRef idx="2">
             <a:schemeClr val="accent1">
-              <a:shade val="50000"/>
+              <a:shade val="15000"/>
             </a:schemeClr>
           </a:lnRef>
           <a:fillRef idx="1">
@@ -17339,24 +17435,81 @@
           <a:p>
             <a:pPr algn="ctr"/>
             <a:r>
-              <a:rPr lang="en-US" sz="1600" dirty="0">
+              <a:rPr lang="en-US" sz="1100" dirty="0">
                 <a:solidFill>
                   <a:schemeClr val="tx1"/>
                 </a:solidFill>
-                <a:ea typeface="+mn-lt"/>
-                <a:cs typeface="+mn-lt"/>
+                <a:latin typeface="Calibri" panose="020F0502020204030204" pitchFamily="34" charset="0"/>
+                <a:cs typeface="Calibri" panose="020F0502020204030204" pitchFamily="34" charset="0"/>
               </a:rPr>
-              <a:t>CRD sends CDS Hooks response (system action) indicating need for DTR</a:t>
-            </a:r>
-          </a:p>
-        </p:txBody>
-      </p:sp>
-      <p:sp>
-        <p:nvSpPr>
-          <p:cNvPr id="12" name="Rectangle: Rounded Corners 11">
+              <a:t>DTR App Leverages</a:t>
+            </a:r>
+          </a:p>
+          <a:p>
+            <a:pPr algn="ctr"/>
+            <a:r>
+              <a:rPr lang="en-US" sz="1100" dirty="0">
+                <a:solidFill>
+                  <a:schemeClr val="tx1"/>
+                </a:solidFill>
+                <a:latin typeface="Calibri" panose="020F0502020204030204" pitchFamily="34" charset="0"/>
+                <a:cs typeface="Calibri" panose="020F0502020204030204" pitchFamily="34" charset="0"/>
+              </a:rPr>
+              <a:t>Pre-defined Payer Information</a:t>
+            </a:r>
+          </a:p>
+        </p:txBody>
+      </p:sp>
+      <p:cxnSp>
+        <p:nvCxnSpPr>
+          <p:cNvPr id="34" name="Straight Arrow Connector 33">
             <a:extLst>
               <a:ext uri="{FF2B5EF4-FFF2-40B4-BE49-F238E27FC236}">
-                <a16:creationId xmlns:a16="http://schemas.microsoft.com/office/drawing/2014/main" id="{537B3FF9-96BB-4AE0-B84F-328AD0C66860}"/>
+                <a16:creationId xmlns:a16="http://schemas.microsoft.com/office/drawing/2014/main" id="{A0053600-6658-C9CF-E778-61315E3EA646}"/>
+              </a:ext>
+            </a:extLst>
+          </p:cNvPr>
+          <p:cNvCxnSpPr>
+            <a:cxnSpLocks/>
+          </p:cNvCxnSpPr>
+          <p:nvPr/>
+        </p:nvCxnSpPr>
+        <p:spPr>
+          <a:xfrm>
+            <a:off x="4113794" y="2939121"/>
+            <a:ext cx="2507648" cy="0"/>
+          </a:xfrm>
+          <a:prstGeom prst="straightConnector1">
+            <a:avLst/>
+          </a:prstGeom>
+          <a:ln w="15875">
+            <a:solidFill>
+              <a:schemeClr val="tx1"/>
+            </a:solidFill>
+            <a:tailEnd type="triangle"/>
+          </a:ln>
+        </p:spPr>
+        <p:style>
+          <a:lnRef idx="1">
+            <a:schemeClr val="accent1"/>
+          </a:lnRef>
+          <a:fillRef idx="0">
+            <a:schemeClr val="accent1"/>
+          </a:fillRef>
+          <a:effectRef idx="0">
+            <a:schemeClr val="accent1"/>
+          </a:effectRef>
+          <a:fontRef idx="minor">
+            <a:schemeClr val="tx1"/>
+          </a:fontRef>
+        </p:style>
+      </p:cxnSp>
+      <p:sp>
+        <p:nvSpPr>
+          <p:cNvPr id="35" name="Rectangle 34">
+            <a:extLst>
+              <a:ext uri="{FF2B5EF4-FFF2-40B4-BE49-F238E27FC236}">
+                <a16:creationId xmlns:a16="http://schemas.microsoft.com/office/drawing/2014/main" id="{48A96087-E3B0-C099-A72D-ED2A55FC315F}"/>
               </a:ext>
             </a:extLst>
           </p:cNvPr>
@@ -17365,23 +17518,21 @@
         </p:nvSpPr>
         <p:spPr>
           <a:xfrm>
-            <a:off x="721360" y="3235287"/>
-            <a:ext cx="6035133" cy="1855569"/>
-          </a:xfrm>
-          <a:prstGeom prst="roundRect">
+            <a:off x="8739650" y="1106928"/>
+            <a:ext cx="784168" cy="273466"/>
+          </a:xfrm>
+          <a:prstGeom prst="rect">
             <a:avLst/>
           </a:prstGeom>
           <a:solidFill>
-            <a:schemeClr val="accent3">
-              <a:lumMod val="20000"/>
-              <a:lumOff val="80000"/>
-            </a:schemeClr>
+            <a:srgbClr val="FCF0D0"/>
           </a:solidFill>
+          <a:ln w="12700"/>
         </p:spPr>
         <p:style>
           <a:lnRef idx="2">
             <a:schemeClr val="accent1">
-              <a:shade val="50000"/>
+              <a:shade val="15000"/>
             </a:schemeClr>
           </a:lnRef>
           <a:fillRef idx="1">
@@ -17399,21 +17550,66 @@
           <a:lstStyle/>
           <a:p>
             <a:pPr algn="ctr"/>
-            <a:endParaRPr lang="en-US" sz="1600" dirty="0">
-              <a:solidFill>
-                <a:schemeClr val="tx1"/>
-              </a:solidFill>
-              <a:cs typeface="Calibri"/>
-            </a:endParaRPr>
-          </a:p>
-        </p:txBody>
-      </p:sp>
-      <p:sp>
-        <p:nvSpPr>
-          <p:cNvPr id="13" name="Arrow: Right 12">
+            <a:r>
+              <a:rPr lang="en-US" sz="1100" dirty="0">
+                <a:solidFill>
+                  <a:schemeClr val="tx1"/>
+                </a:solidFill>
+              </a:rPr>
+              <a:t>Payer</a:t>
+            </a:r>
+          </a:p>
+        </p:txBody>
+      </p:sp>
+      <p:cxnSp>
+        <p:nvCxnSpPr>
+          <p:cNvPr id="36" name="Straight Connector 35">
             <a:extLst>
               <a:ext uri="{FF2B5EF4-FFF2-40B4-BE49-F238E27FC236}">
-                <a16:creationId xmlns:a16="http://schemas.microsoft.com/office/drawing/2014/main" id="{92F2641D-F0C2-4178-9F47-A650EB6C3293}"/>
+                <a16:creationId xmlns:a16="http://schemas.microsoft.com/office/drawing/2014/main" id="{D340A4FC-9CFB-E9F8-26AF-8412F0029346}"/>
+              </a:ext>
+            </a:extLst>
+          </p:cNvPr>
+          <p:cNvCxnSpPr>
+            <a:cxnSpLocks/>
+          </p:cNvCxnSpPr>
+          <p:nvPr/>
+        </p:nvCxnSpPr>
+        <p:spPr>
+          <a:xfrm>
+            <a:off x="9124390" y="1371752"/>
+            <a:ext cx="0" cy="4114800"/>
+          </a:xfrm>
+          <a:prstGeom prst="line">
+            <a:avLst/>
+          </a:prstGeom>
+          <a:ln w="15875">
+            <a:solidFill>
+              <a:schemeClr val="tx1"/>
+            </a:solidFill>
+          </a:ln>
+        </p:spPr>
+        <p:style>
+          <a:lnRef idx="1">
+            <a:schemeClr val="accent1"/>
+          </a:lnRef>
+          <a:fillRef idx="0">
+            <a:schemeClr val="accent1"/>
+          </a:fillRef>
+          <a:effectRef idx="0">
+            <a:schemeClr val="accent1"/>
+          </a:effectRef>
+          <a:fontRef idx="minor">
+            <a:schemeClr val="tx1"/>
+          </a:fontRef>
+        </p:style>
+      </p:cxnSp>
+      <p:sp>
+        <p:nvSpPr>
+          <p:cNvPr id="37" name="Rectangle 36">
+            <a:extLst>
+              <a:ext uri="{FF2B5EF4-FFF2-40B4-BE49-F238E27FC236}">
+                <a16:creationId xmlns:a16="http://schemas.microsoft.com/office/drawing/2014/main" id="{1AC99BA0-A8AE-94DD-72CC-6593026E7F9B}"/>
               </a:ext>
             </a:extLst>
           </p:cNvPr>
@@ -17422,20 +17618,21 @@
         </p:nvSpPr>
         <p:spPr>
           <a:xfrm>
-            <a:off x="3646809" y="2172257"/>
-            <a:ext cx="432262" cy="369333"/>
-          </a:xfrm>
-          <a:prstGeom prst="rightArrow">
+            <a:off x="8739650" y="5425792"/>
+            <a:ext cx="784168" cy="273466"/>
+          </a:xfrm>
+          <a:prstGeom prst="rect">
             <a:avLst/>
           </a:prstGeom>
           <a:solidFill>
-            <a:schemeClr val="tx1"/>
+            <a:srgbClr val="FCF0D0"/>
           </a:solidFill>
+          <a:ln w="12700"/>
         </p:spPr>
         <p:style>
           <a:lnRef idx="2">
             <a:schemeClr val="accent1">
-              <a:shade val="50000"/>
+              <a:shade val="15000"/>
             </a:schemeClr>
           </a:lnRef>
           <a:fillRef idx="1">
@@ -17454,21 +17651,221 @@
           <a:p>
             <a:pPr algn="ctr"/>
             <a:r>
-              <a:rPr lang="en-US" b="1" dirty="0">
-                <a:cs typeface="Calibri"/>
+              <a:rPr lang="en-US" sz="1100" dirty="0">
+                <a:solidFill>
+                  <a:schemeClr val="tx1"/>
+                </a:solidFill>
               </a:rPr>
-              <a:t>1</a:t>
-            </a:r>
-            <a:endParaRPr lang="en-US" b="1" dirty="0"/>
-          </a:p>
-        </p:txBody>
-      </p:sp>
-      <p:sp>
-        <p:nvSpPr>
-          <p:cNvPr id="14" name="Arrow: Right 13">
+              <a:t>Payer</a:t>
+            </a:r>
+          </a:p>
+        </p:txBody>
+      </p:sp>
+      <p:cxnSp>
+        <p:nvCxnSpPr>
+          <p:cNvPr id="38" name="Straight Arrow Connector 37">
             <a:extLst>
               <a:ext uri="{FF2B5EF4-FFF2-40B4-BE49-F238E27FC236}">
-                <a16:creationId xmlns:a16="http://schemas.microsoft.com/office/drawing/2014/main" id="{66667486-8E9C-4743-A591-96DC30BCA29D}"/>
+                <a16:creationId xmlns:a16="http://schemas.microsoft.com/office/drawing/2014/main" id="{135BB08E-C7EA-7AA9-01AF-9D84DD258D64}"/>
+              </a:ext>
+            </a:extLst>
+          </p:cNvPr>
+          <p:cNvCxnSpPr>
+            <a:cxnSpLocks/>
+          </p:cNvCxnSpPr>
+          <p:nvPr/>
+        </p:nvCxnSpPr>
+        <p:spPr>
+          <a:xfrm>
+            <a:off x="6621442" y="3814779"/>
+            <a:ext cx="2505312" cy="0"/>
+          </a:xfrm>
+          <a:prstGeom prst="straightConnector1">
+            <a:avLst/>
+          </a:prstGeom>
+          <a:ln w="15875">
+            <a:solidFill>
+              <a:schemeClr val="tx1"/>
+            </a:solidFill>
+            <a:tailEnd type="triangle"/>
+          </a:ln>
+        </p:spPr>
+        <p:style>
+          <a:lnRef idx="1">
+            <a:schemeClr val="accent1"/>
+          </a:lnRef>
+          <a:fillRef idx="0">
+            <a:schemeClr val="accent1"/>
+          </a:fillRef>
+          <a:effectRef idx="0">
+            <a:schemeClr val="accent1"/>
+          </a:effectRef>
+          <a:fontRef idx="minor">
+            <a:schemeClr val="tx1"/>
+          </a:fontRef>
+        </p:style>
+      </p:cxnSp>
+      <p:cxnSp>
+        <p:nvCxnSpPr>
+          <p:cNvPr id="39" name="Straight Arrow Connector 38">
+            <a:extLst>
+              <a:ext uri="{FF2B5EF4-FFF2-40B4-BE49-F238E27FC236}">
+                <a16:creationId xmlns:a16="http://schemas.microsoft.com/office/drawing/2014/main" id="{E1D6E0E2-7617-A83C-AE7C-86CF78945173}"/>
+              </a:ext>
+            </a:extLst>
+          </p:cNvPr>
+          <p:cNvCxnSpPr>
+            <a:cxnSpLocks/>
+          </p:cNvCxnSpPr>
+          <p:nvPr/>
+        </p:nvCxnSpPr>
+        <p:spPr>
+          <a:xfrm flipH="1">
+            <a:off x="6621442" y="4141464"/>
+            <a:ext cx="2505312" cy="0"/>
+          </a:xfrm>
+          <a:prstGeom prst="straightConnector1">
+            <a:avLst/>
+          </a:prstGeom>
+          <a:ln w="15875">
+            <a:solidFill>
+              <a:schemeClr val="tx1"/>
+            </a:solidFill>
+            <a:prstDash val="dash"/>
+            <a:tailEnd type="triangle"/>
+          </a:ln>
+        </p:spPr>
+        <p:style>
+          <a:lnRef idx="1">
+            <a:schemeClr val="accent1"/>
+          </a:lnRef>
+          <a:fillRef idx="0">
+            <a:schemeClr val="accent1"/>
+          </a:fillRef>
+          <a:effectRef idx="0">
+            <a:schemeClr val="accent1"/>
+          </a:effectRef>
+          <a:fontRef idx="minor">
+            <a:schemeClr val="tx1"/>
+          </a:fontRef>
+        </p:style>
+      </p:cxnSp>
+      <p:sp>
+        <p:nvSpPr>
+          <p:cNvPr id="40" name="TextBox 39">
+            <a:extLst>
+              <a:ext uri="{FF2B5EF4-FFF2-40B4-BE49-F238E27FC236}">
+                <a16:creationId xmlns:a16="http://schemas.microsoft.com/office/drawing/2014/main" id="{256772B0-6844-A979-A499-35BBC9EA2CA0}"/>
+              </a:ext>
+            </a:extLst>
+          </p:cNvPr>
+          <p:cNvSpPr txBox="1"/>
+          <p:nvPr/>
+        </p:nvSpPr>
+        <p:spPr>
+          <a:xfrm>
+            <a:off x="6619108" y="3642374"/>
+            <a:ext cx="2505283" cy="138499"/>
+          </a:xfrm>
+          <a:prstGeom prst="rect">
+            <a:avLst/>
+          </a:prstGeom>
+          <a:noFill/>
+        </p:spPr>
+        <p:txBody>
+          <a:bodyPr wrap="square" lIns="0" tIns="0" rIns="0" bIns="0" rtlCol="0">
+            <a:spAutoFit/>
+          </a:bodyPr>
+          <a:lstStyle/>
+          <a:p>
+            <a:pPr algn="ctr"/>
+            <a:r>
+              <a:rPr lang="en-US" sz="900" dirty="0">
+                <a:solidFill>
+                  <a:srgbClr val="533F05"/>
+                </a:solidFill>
+                <a:latin typeface="Consolas" panose="020B0609020204030204" pitchFamily="49" charset="0"/>
+                <a:cs typeface="Calibri" panose="020F0502020204030204" pitchFamily="34" charset="0"/>
+              </a:rPr>
+              <a:t>$questionnaire-package</a:t>
+            </a:r>
+            <a:r>
+              <a:rPr lang="en-US" sz="900" dirty="0">
+                <a:solidFill>
+                  <a:schemeClr val="accent1">
+                    <a:lumMod val="50000"/>
+                  </a:schemeClr>
+                </a:solidFill>
+                <a:latin typeface="Consolas" panose="020B0609020204030204" pitchFamily="49" charset="0"/>
+                <a:cs typeface="Calibri" panose="020F0502020204030204" pitchFamily="34" charset="0"/>
+              </a:rPr>
+              <a:t> </a:t>
+            </a:r>
+            <a:r>
+              <a:rPr lang="en-US" sz="900" dirty="0">
+                <a:solidFill>
+                  <a:schemeClr val="accent1">
+                    <a:lumMod val="50000"/>
+                  </a:schemeClr>
+                </a:solidFill>
+                <a:latin typeface="Calibri" panose="020F0502020204030204" pitchFamily="34" charset="0"/>
+                <a:cs typeface="Calibri" panose="020F0502020204030204" pitchFamily="34" charset="0"/>
+              </a:rPr>
+              <a:t>Operation</a:t>
+            </a:r>
+          </a:p>
+        </p:txBody>
+      </p:sp>
+      <p:sp>
+        <p:nvSpPr>
+          <p:cNvPr id="41" name="TextBox 40">
+            <a:extLst>
+              <a:ext uri="{FF2B5EF4-FFF2-40B4-BE49-F238E27FC236}">
+                <a16:creationId xmlns:a16="http://schemas.microsoft.com/office/drawing/2014/main" id="{FB569644-87A9-2A23-8050-662FBC6DA64F}"/>
+              </a:ext>
+            </a:extLst>
+          </p:cNvPr>
+          <p:cNvSpPr txBox="1"/>
+          <p:nvPr/>
+        </p:nvSpPr>
+        <p:spPr>
+          <a:xfrm>
+            <a:off x="6626451" y="3964455"/>
+            <a:ext cx="2505283" cy="138499"/>
+          </a:xfrm>
+          <a:prstGeom prst="rect">
+            <a:avLst/>
+          </a:prstGeom>
+          <a:noFill/>
+        </p:spPr>
+        <p:txBody>
+          <a:bodyPr wrap="square" lIns="0" tIns="0" rIns="0" bIns="0" rtlCol="0">
+            <a:spAutoFit/>
+          </a:bodyPr>
+          <a:lstStyle/>
+          <a:p>
+            <a:pPr algn="ctr"/>
+            <a:r>
+              <a:rPr lang="en-US" sz="900" dirty="0">
+                <a:solidFill>
+                  <a:schemeClr val="accent1">
+                    <a:lumMod val="50000"/>
+                  </a:schemeClr>
+                </a:solidFill>
+                <a:latin typeface="Calibri" panose="020F0502020204030204" pitchFamily="34" charset="0"/>
+                <a:cs typeface="Calibri" panose="020F0502020204030204" pitchFamily="34" charset="0"/>
+              </a:rPr>
+              <a:t>Returns “Questionnaire Package”</a:t>
+            </a:r>
+          </a:p>
+        </p:txBody>
+      </p:sp>
+      <p:sp>
+        <p:nvSpPr>
+          <p:cNvPr id="42" name="Rectangle 41">
+            <a:extLst>
+              <a:ext uri="{FF2B5EF4-FFF2-40B4-BE49-F238E27FC236}">
+                <a16:creationId xmlns:a16="http://schemas.microsoft.com/office/drawing/2014/main" id="{7F56E119-D1F1-AF52-E416-BD7861CF415F}"/>
               </a:ext>
             </a:extLst>
           </p:cNvPr>
@@ -17477,20 +17874,21 @@
         </p:nvSpPr>
         <p:spPr>
           <a:xfrm>
-            <a:off x="6750776" y="2170398"/>
-            <a:ext cx="1069027" cy="379192"/>
-          </a:xfrm>
-          <a:prstGeom prst="rightArrow">
+            <a:off x="5373335" y="4390592"/>
+            <a:ext cx="2505283" cy="370164"/>
+          </a:xfrm>
+          <a:prstGeom prst="rect">
             <a:avLst/>
           </a:prstGeom>
           <a:solidFill>
-            <a:schemeClr val="tx1"/>
+            <a:srgbClr val="EFF4F5"/>
           </a:solidFill>
+          <a:ln w="12700"/>
         </p:spPr>
         <p:style>
           <a:lnRef idx="2">
             <a:schemeClr val="accent1">
-              <a:shade val="50000"/>
+              <a:shade val="15000"/>
             </a:schemeClr>
           </a:lnRef>
           <a:fillRef idx="1">
@@ -17509,21 +17907,37 @@
           <a:p>
             <a:pPr algn="ctr"/>
             <a:r>
-              <a:rPr lang="en-US" b="1" dirty="0">
-                <a:cs typeface="Calibri"/>
+              <a:rPr lang="en-US" sz="1100" dirty="0">
+                <a:solidFill>
+                  <a:schemeClr val="tx1"/>
+                </a:solidFill>
+                <a:latin typeface="Calibri" panose="020F0502020204030204" pitchFamily="34" charset="0"/>
+                <a:cs typeface="Calibri" panose="020F0502020204030204" pitchFamily="34" charset="0"/>
               </a:rPr>
-              <a:t>2</a:t>
-            </a:r>
-            <a:endParaRPr lang="en-US" b="1" dirty="0"/>
-          </a:p>
-        </p:txBody>
-      </p:sp>
-      <p:sp>
-        <p:nvSpPr>
-          <p:cNvPr id="3" name="TextBox 2">
+              <a:t>DTR uses “Questionnaire Package”</a:t>
+            </a:r>
+          </a:p>
+          <a:p>
+            <a:pPr algn="ctr"/>
+            <a:r>
+              <a:rPr lang="en-US" sz="1100" dirty="0">
+                <a:solidFill>
+                  <a:schemeClr val="tx1"/>
+                </a:solidFill>
+                <a:latin typeface="Calibri" panose="020F0502020204030204" pitchFamily="34" charset="0"/>
+                <a:cs typeface="Calibri" panose="020F0502020204030204" pitchFamily="34" charset="0"/>
+              </a:rPr>
+              <a:t>to pre-populate QuestionnaireResponse</a:t>
+            </a:r>
+          </a:p>
+        </p:txBody>
+      </p:sp>
+      <p:sp>
+        <p:nvSpPr>
+          <p:cNvPr id="43" name="TextBox 42">
             <a:extLst>
               <a:ext uri="{FF2B5EF4-FFF2-40B4-BE49-F238E27FC236}">
-                <a16:creationId xmlns:a16="http://schemas.microsoft.com/office/drawing/2014/main" id="{F8191875-60A1-48FA-A916-72D1CB7F8160}"/>
+                <a16:creationId xmlns:a16="http://schemas.microsoft.com/office/drawing/2014/main" id="{D4860FC9-626E-1925-0983-39E4F7262151}"/>
               </a:ext>
             </a:extLst>
           </p:cNvPr>
@@ -17532,8 +17946,8 @@
         </p:nvSpPr>
         <p:spPr>
           <a:xfrm>
-            <a:off x="985632" y="3394543"/>
-            <a:ext cx="5367748" cy="369332"/>
+            <a:off x="2507811" y="567018"/>
+            <a:ext cx="7387627" cy="184666"/>
           </a:xfrm>
           <a:prstGeom prst="rect">
             <a:avLst/>
@@ -17541,50 +17955,377 @@
           <a:noFill/>
         </p:spPr>
         <p:txBody>
-          <a:bodyPr rot="0" spcFirstLastPara="0" vertOverflow="overflow" horzOverflow="overflow" vert="horz" wrap="square" lIns="91440" tIns="45720" rIns="91440" bIns="45720" numCol="1" spcCol="0" rtlCol="0" fromWordArt="0" anchor="t" anchorCtr="0" forceAA="0" compatLnSpc="1">
-            <a:prstTxWarp prst="textNoShape">
-              <a:avLst/>
-            </a:prstTxWarp>
+          <a:bodyPr wrap="square" lIns="0" tIns="0" rIns="0" bIns="0" rtlCol="0">
             <a:spAutoFit/>
           </a:bodyPr>
           <a:lstStyle/>
           <a:p>
             <a:pPr algn="ctr"/>
             <a:r>
-              <a:rPr lang="en-US" b="1" dirty="0"/>
-              <a:t>SMART on FHIR (or native) App / DTR Process</a:t>
-            </a:r>
-          </a:p>
-        </p:txBody>
-      </p:sp>
-      <p:sp>
-        <p:nvSpPr>
-          <p:cNvPr id="18" name="Arrow: Left-Right 17">
+              <a:rPr lang="en-US" sz="1200" b="1" dirty="0">
+                <a:cs typeface="Calibri" panose="020F0502020204030204" pitchFamily="34" charset="0"/>
+              </a:rPr>
+              <a:t>DTR Sequence Diagram</a:t>
+            </a:r>
+          </a:p>
+        </p:txBody>
+      </p:sp>
+      <p:cxnSp>
+        <p:nvCxnSpPr>
+          <p:cNvPr id="2" name="Straight Arrow Connector 1">
             <a:extLst>
               <a:ext uri="{FF2B5EF4-FFF2-40B4-BE49-F238E27FC236}">
-                <a16:creationId xmlns:a16="http://schemas.microsoft.com/office/drawing/2014/main" id="{0CF8B150-8598-44DB-B1AB-E2CEEBB01C2C}"/>
+                <a16:creationId xmlns:a16="http://schemas.microsoft.com/office/drawing/2014/main" id="{892C4D49-4350-98D1-B3FF-DEF8F6582929}"/>
               </a:ext>
             </a:extLst>
           </p:cNvPr>
-          <p:cNvSpPr/>
+          <p:cNvCxnSpPr>
+            <a:cxnSpLocks/>
+          </p:cNvCxnSpPr>
           <p:nvPr/>
-        </p:nvSpPr>
+        </p:nvCxnSpPr>
         <p:spPr>
-          <a:xfrm rot="5400000">
-            <a:off x="8196608" y="2805477"/>
-            <a:ext cx="443985" cy="348963"/>
-          </a:xfrm>
-          <a:prstGeom prst="leftRightArrow">
+          <a:xfrm>
+            <a:off x="4113794" y="5135089"/>
+            <a:ext cx="2505312" cy="0"/>
+          </a:xfrm>
+          <a:prstGeom prst="straightConnector1">
+            <a:avLst/>
+          </a:prstGeom>
+          <a:ln w="15875">
+            <a:solidFill>
+              <a:schemeClr val="tx1"/>
+            </a:solidFill>
+            <a:headEnd type="triangle"/>
+            <a:tailEnd type="none"/>
+          </a:ln>
+        </p:spPr>
+        <p:style>
+          <a:lnRef idx="1">
+            <a:schemeClr val="accent1"/>
+          </a:lnRef>
+          <a:fillRef idx="0">
+            <a:schemeClr val="accent1"/>
+          </a:fillRef>
+          <a:effectRef idx="0">
+            <a:schemeClr val="accent1"/>
+          </a:effectRef>
+          <a:fontRef idx="minor">
+            <a:schemeClr val="tx1"/>
+          </a:fontRef>
+        </p:style>
+      </p:cxnSp>
+      <p:sp>
+        <p:nvSpPr>
+          <p:cNvPr id="4" name="TextBox 3">
+            <a:extLst>
+              <a:ext uri="{FF2B5EF4-FFF2-40B4-BE49-F238E27FC236}">
+                <a16:creationId xmlns:a16="http://schemas.microsoft.com/office/drawing/2014/main" id="{E8143FD7-5DF2-A24A-6FD6-6740ABA85B64}"/>
+              </a:ext>
+            </a:extLst>
+          </p:cNvPr>
+          <p:cNvSpPr txBox="1"/>
+          <p:nvPr/>
+        </p:nvSpPr>
+        <p:spPr>
+          <a:xfrm>
+            <a:off x="4133251" y="4965014"/>
+            <a:ext cx="2471124" cy="138499"/>
+          </a:xfrm>
+          <a:prstGeom prst="rect">
+            <a:avLst/>
+          </a:prstGeom>
+          <a:noFill/>
+        </p:spPr>
+        <p:txBody>
+          <a:bodyPr wrap="square" lIns="0" tIns="0" rIns="0" bIns="0" rtlCol="0">
+            <a:spAutoFit/>
+          </a:bodyPr>
+          <a:lstStyle/>
+          <a:p>
+            <a:pPr algn="ctr"/>
+            <a:r>
+              <a:rPr lang="en-US" sz="900" dirty="0">
+                <a:solidFill>
+                  <a:schemeClr val="accent1">
+                    <a:lumMod val="50000"/>
+                  </a:schemeClr>
+                </a:solidFill>
+                <a:latin typeface="Calibri" panose="020F0502020204030204" pitchFamily="34" charset="0"/>
+                <a:cs typeface="Calibri" panose="020F0502020204030204" pitchFamily="34" charset="0"/>
+              </a:rPr>
+              <a:t>Store completed QuestionnaireResponse</a:t>
+            </a:r>
+          </a:p>
+        </p:txBody>
+      </p:sp>
+      <p:cxnSp>
+        <p:nvCxnSpPr>
+          <p:cNvPr id="9" name="Straight Arrow Connector 8">
+            <a:extLst>
+              <a:ext uri="{FF2B5EF4-FFF2-40B4-BE49-F238E27FC236}">
+                <a16:creationId xmlns:a16="http://schemas.microsoft.com/office/drawing/2014/main" id="{311E8002-3B8E-352B-97CD-3561BF0DD465}"/>
+              </a:ext>
+            </a:extLst>
+          </p:cNvPr>
+          <p:cNvCxnSpPr>
+            <a:cxnSpLocks/>
+          </p:cNvCxnSpPr>
+          <p:nvPr/>
+        </p:nvCxnSpPr>
+        <p:spPr>
+          <a:xfrm>
+            <a:off x="4122505" y="1776931"/>
+            <a:ext cx="2505312" cy="0"/>
+          </a:xfrm>
+          <a:prstGeom prst="straightConnector1">
+            <a:avLst/>
+          </a:prstGeom>
+          <a:ln w="15875">
+            <a:solidFill>
+              <a:schemeClr val="accent6">
+                <a:lumMod val="50000"/>
+              </a:schemeClr>
+            </a:solidFill>
+            <a:prstDash val="sysDash"/>
+            <a:headEnd type="triangle"/>
+            <a:tailEnd type="triangle"/>
+          </a:ln>
+        </p:spPr>
+        <p:style>
+          <a:lnRef idx="1">
+            <a:schemeClr val="accent1"/>
+          </a:lnRef>
+          <a:fillRef idx="0">
+            <a:schemeClr val="accent1"/>
+          </a:fillRef>
+          <a:effectRef idx="0">
+            <a:schemeClr val="accent1"/>
+          </a:effectRef>
+          <a:fontRef idx="minor">
+            <a:schemeClr val="tx1"/>
+          </a:fontRef>
+        </p:style>
+      </p:cxnSp>
+      <p:sp>
+        <p:nvSpPr>
+          <p:cNvPr id="10" name="TextBox 9">
+            <a:extLst>
+              <a:ext uri="{FF2B5EF4-FFF2-40B4-BE49-F238E27FC236}">
+                <a16:creationId xmlns:a16="http://schemas.microsoft.com/office/drawing/2014/main" id="{440BEA11-AEF8-63BC-060C-1BF3CA501DC3}"/>
+              </a:ext>
+            </a:extLst>
+          </p:cNvPr>
+          <p:cNvSpPr txBox="1"/>
+          <p:nvPr/>
+        </p:nvSpPr>
+        <p:spPr>
+          <a:xfrm>
+            <a:off x="4141962" y="1606856"/>
+            <a:ext cx="2471124" cy="138499"/>
+          </a:xfrm>
+          <a:prstGeom prst="rect">
+            <a:avLst/>
+          </a:prstGeom>
+          <a:noFill/>
+        </p:spPr>
+        <p:txBody>
+          <a:bodyPr wrap="square" lIns="0" tIns="0" rIns="0" bIns="0" rtlCol="0">
+            <a:spAutoFit/>
+          </a:bodyPr>
+          <a:lstStyle/>
+          <a:p>
+            <a:pPr algn="ctr"/>
+            <a:r>
+              <a:rPr lang="en-US" sz="900" dirty="0">
+                <a:solidFill>
+                  <a:schemeClr val="accent1">
+                    <a:lumMod val="50000"/>
+                  </a:schemeClr>
+                </a:solidFill>
+                <a:latin typeface="Calibri" panose="020F0502020204030204" pitchFamily="34" charset="0"/>
+                <a:cs typeface="Calibri" panose="020F0502020204030204" pitchFamily="34" charset="0"/>
+              </a:rPr>
+              <a:t>Configure EHR to App Connectivity</a:t>
+            </a:r>
+          </a:p>
+        </p:txBody>
+      </p:sp>
+      <p:sp>
+        <p:nvSpPr>
+          <p:cNvPr id="12" name="TextBox 11">
+            <a:extLst>
+              <a:ext uri="{FF2B5EF4-FFF2-40B4-BE49-F238E27FC236}">
+                <a16:creationId xmlns:a16="http://schemas.microsoft.com/office/drawing/2014/main" id="{E0497F3A-70BC-E04D-325B-594F1515DB2E}"/>
+              </a:ext>
+            </a:extLst>
+          </p:cNvPr>
+          <p:cNvSpPr txBox="1"/>
+          <p:nvPr/>
+        </p:nvSpPr>
+        <p:spPr>
+          <a:xfrm>
+            <a:off x="5388182" y="1966749"/>
+            <a:ext cx="2471124" cy="184666"/>
+          </a:xfrm>
+          <a:prstGeom prst="rect">
             <a:avLst/>
           </a:prstGeom>
           <a:solidFill>
             <a:schemeClr val="bg1"/>
           </a:solidFill>
         </p:spPr>
+        <p:txBody>
+          <a:bodyPr wrap="square" lIns="0" tIns="0" rIns="0" bIns="45720" rtlCol="0">
+            <a:spAutoFit/>
+          </a:bodyPr>
+          <a:lstStyle/>
+          <a:p>
+            <a:pPr algn="ctr"/>
+            <a:r>
+              <a:rPr lang="en-US" sz="900" dirty="0">
+                <a:solidFill>
+                  <a:schemeClr val="accent1">
+                    <a:lumMod val="50000"/>
+                  </a:schemeClr>
+                </a:solidFill>
+                <a:latin typeface="Calibri" panose="020F0502020204030204" pitchFamily="34" charset="0"/>
+                <a:cs typeface="Calibri" panose="020F0502020204030204" pitchFamily="34" charset="0"/>
+              </a:rPr>
+              <a:t>Configure App/EHR to Payer Connectivity</a:t>
+            </a:r>
+          </a:p>
+        </p:txBody>
+      </p:sp>
+      <p:cxnSp>
+        <p:nvCxnSpPr>
+          <p:cNvPr id="13" name="Straight Arrow Connector 12">
+            <a:extLst>
+              <a:ext uri="{FF2B5EF4-FFF2-40B4-BE49-F238E27FC236}">
+                <a16:creationId xmlns:a16="http://schemas.microsoft.com/office/drawing/2014/main" id="{68626E8B-6116-B628-3234-D29AB78B5C7D}"/>
+              </a:ext>
+            </a:extLst>
+          </p:cNvPr>
+          <p:cNvCxnSpPr>
+            <a:cxnSpLocks/>
+          </p:cNvCxnSpPr>
+          <p:nvPr/>
+        </p:nvCxnSpPr>
+        <p:spPr>
+          <a:xfrm>
+            <a:off x="4113794" y="2145877"/>
+            <a:ext cx="2505312" cy="0"/>
+          </a:xfrm>
+          <a:prstGeom prst="straightConnector1">
+            <a:avLst/>
+          </a:prstGeom>
+          <a:ln w="15875">
+            <a:solidFill>
+              <a:schemeClr val="accent6">
+                <a:lumMod val="50000"/>
+              </a:schemeClr>
+            </a:solidFill>
+            <a:prstDash val="sysDash"/>
+            <a:headEnd type="triangle"/>
+            <a:tailEnd type="none"/>
+          </a:ln>
+        </p:spPr>
+        <p:style>
+          <a:lnRef idx="1">
+            <a:schemeClr val="accent1"/>
+          </a:lnRef>
+          <a:fillRef idx="0">
+            <a:schemeClr val="accent1"/>
+          </a:fillRef>
+          <a:effectRef idx="0">
+            <a:schemeClr val="accent1"/>
+          </a:effectRef>
+          <a:fontRef idx="minor">
+            <a:schemeClr val="tx1"/>
+          </a:fontRef>
+        </p:style>
+      </p:cxnSp>
+      <p:cxnSp>
+        <p:nvCxnSpPr>
+          <p:cNvPr id="11" name="Straight Arrow Connector 10">
+            <a:extLst>
+              <a:ext uri="{FF2B5EF4-FFF2-40B4-BE49-F238E27FC236}">
+                <a16:creationId xmlns:a16="http://schemas.microsoft.com/office/drawing/2014/main" id="{B31704B7-1AF1-6FCA-85F9-9D05FDF8C46F}"/>
+              </a:ext>
+            </a:extLst>
+          </p:cNvPr>
+          <p:cNvCxnSpPr>
+            <a:cxnSpLocks/>
+          </p:cNvCxnSpPr>
+          <p:nvPr/>
+        </p:nvCxnSpPr>
+        <p:spPr>
+          <a:xfrm>
+            <a:off x="6618095" y="2145877"/>
+            <a:ext cx="2505312" cy="0"/>
+          </a:xfrm>
+          <a:prstGeom prst="straightConnector1">
+            <a:avLst/>
+          </a:prstGeom>
+          <a:ln w="15875">
+            <a:solidFill>
+              <a:schemeClr val="accent6">
+                <a:lumMod val="50000"/>
+              </a:schemeClr>
+            </a:solidFill>
+            <a:prstDash val="sysDash"/>
+            <a:headEnd type="none"/>
+            <a:tailEnd type="triangle"/>
+          </a:ln>
+        </p:spPr>
+        <p:style>
+          <a:lnRef idx="1">
+            <a:schemeClr val="accent1"/>
+          </a:lnRef>
+          <a:fillRef idx="0">
+            <a:schemeClr val="accent1"/>
+          </a:fillRef>
+          <a:effectRef idx="0">
+            <a:schemeClr val="accent1"/>
+          </a:effectRef>
+          <a:fontRef idx="minor">
+            <a:schemeClr val="tx1"/>
+          </a:fontRef>
+        </p:style>
+      </p:cxnSp>
+      <p:sp>
+        <p:nvSpPr>
+          <p:cNvPr id="14" name="Oval 13">
+            <a:extLst>
+              <a:ext uri="{FF2B5EF4-FFF2-40B4-BE49-F238E27FC236}">
+                <a16:creationId xmlns:a16="http://schemas.microsoft.com/office/drawing/2014/main" id="{106B48EF-D7EC-97AD-DC7B-127BF1321EEE}"/>
+              </a:ext>
+            </a:extLst>
+          </p:cNvPr>
+          <p:cNvSpPr/>
+          <p:nvPr/>
+        </p:nvSpPr>
+        <p:spPr>
+          <a:xfrm>
+            <a:off x="6581389" y="2108203"/>
+            <a:ext cx="73152" cy="73152"/>
+          </a:xfrm>
+          <a:prstGeom prst="ellipse">
+            <a:avLst/>
+          </a:prstGeom>
+          <a:solidFill>
+            <a:schemeClr val="accent6">
+              <a:lumMod val="50000"/>
+            </a:schemeClr>
+          </a:solidFill>
+          <a:ln>
+            <a:noFill/>
+          </a:ln>
+        </p:spPr>
         <p:style>
           <a:lnRef idx="2">
             <a:schemeClr val="accent1">
-              <a:shade val="50000"/>
+              <a:shade val="15000"/>
             </a:schemeClr>
           </a:lnRef>
           <a:fillRef idx="1">
@@ -17602,533 +18343,14 @@
           <a:lstStyle/>
           <a:p>
             <a:pPr algn="ctr"/>
-            <a:endParaRPr lang="en-US" dirty="0"/>
-          </a:p>
-        </p:txBody>
-      </p:sp>
-      <p:sp>
-        <p:nvSpPr>
-          <p:cNvPr id="21" name="TextBox 20">
-            <a:extLst>
-              <a:ext uri="{FF2B5EF4-FFF2-40B4-BE49-F238E27FC236}">
-                <a16:creationId xmlns:a16="http://schemas.microsoft.com/office/drawing/2014/main" id="{5FFE7B76-43CE-4792-8381-3D9B4166E974}"/>
-              </a:ext>
-            </a:extLst>
-          </p:cNvPr>
-          <p:cNvSpPr txBox="1"/>
-          <p:nvPr/>
-        </p:nvSpPr>
-        <p:spPr>
-          <a:xfrm>
-            <a:off x="9127043" y="1547815"/>
-            <a:ext cx="1070305" cy="378090"/>
-          </a:xfrm>
-          <a:prstGeom prst="rect">
-            <a:avLst/>
-          </a:prstGeom>
-          <a:noFill/>
-        </p:spPr>
-        <p:txBody>
-          <a:bodyPr rot="0" spcFirstLastPara="0" vertOverflow="overflow" horzOverflow="overflow" vert="horz" wrap="square" lIns="91440" tIns="45720" rIns="91440" bIns="45720" numCol="1" spcCol="0" rtlCol="0" fromWordArt="0" anchor="t" anchorCtr="0" forceAA="0" compatLnSpc="1">
-            <a:prstTxWarp prst="textNoShape">
-              <a:avLst/>
-            </a:prstTxWarp>
-            <a:spAutoFit/>
-          </a:bodyPr>
-          <a:lstStyle/>
-          <a:p>
-            <a:pPr algn="ctr"/>
-            <a:r>
-              <a:rPr lang="en-US" b="1" dirty="0"/>
-              <a:t>Payer</a:t>
-            </a:r>
-          </a:p>
-        </p:txBody>
-      </p:sp>
-      <p:sp>
-        <p:nvSpPr>
-          <p:cNvPr id="22" name="TextBox 21">
-            <a:extLst>
-              <a:ext uri="{FF2B5EF4-FFF2-40B4-BE49-F238E27FC236}">
-                <a16:creationId xmlns:a16="http://schemas.microsoft.com/office/drawing/2014/main" id="{023943B5-7B18-47F7-8C1D-EFF328FC1FB5}"/>
-              </a:ext>
-            </a:extLst>
-          </p:cNvPr>
-          <p:cNvSpPr txBox="1"/>
-          <p:nvPr/>
-        </p:nvSpPr>
-        <p:spPr>
-          <a:xfrm>
-            <a:off x="2877039" y="1625299"/>
-            <a:ext cx="1823546" cy="369332"/>
-          </a:xfrm>
-          <a:prstGeom prst="rect">
-            <a:avLst/>
-          </a:prstGeom>
-          <a:noFill/>
-        </p:spPr>
-        <p:txBody>
-          <a:bodyPr rot="0" spcFirstLastPara="0" vertOverflow="overflow" horzOverflow="overflow" vert="horz" wrap="square" lIns="91440" tIns="45720" rIns="91440" bIns="45720" numCol="1" spcCol="0" rtlCol="0" fromWordArt="0" anchor="t" anchorCtr="0" forceAA="0" compatLnSpc="1">
-            <a:prstTxWarp prst="textNoShape">
-              <a:avLst/>
-            </a:prstTxWarp>
-            <a:spAutoFit/>
-          </a:bodyPr>
-          <a:lstStyle/>
-          <a:p>
-            <a:pPr algn="ctr"/>
-            <a:r>
-              <a:rPr lang="en-US" b="1" dirty="0"/>
-              <a:t>Provider / EHR</a:t>
-            </a:r>
-          </a:p>
-        </p:txBody>
-      </p:sp>
-      <p:sp>
-        <p:nvSpPr>
-          <p:cNvPr id="15" name="Rectangle 14">
-            <a:extLst>
-              <a:ext uri="{FF2B5EF4-FFF2-40B4-BE49-F238E27FC236}">
-                <a16:creationId xmlns:a16="http://schemas.microsoft.com/office/drawing/2014/main" id="{E133EE51-161D-4B84-9779-60967988D874}"/>
-              </a:ext>
-            </a:extLst>
-          </p:cNvPr>
-          <p:cNvSpPr/>
-          <p:nvPr/>
-        </p:nvSpPr>
-        <p:spPr>
-          <a:xfrm>
-            <a:off x="985632" y="3845832"/>
-            <a:ext cx="2077715" cy="954689"/>
-          </a:xfrm>
-          <a:prstGeom prst="rect">
-            <a:avLst/>
-          </a:prstGeom>
-          <a:solidFill>
-            <a:schemeClr val="accent3">
-              <a:lumMod val="20000"/>
-              <a:lumOff val="80000"/>
-            </a:schemeClr>
-          </a:solidFill>
-          <a:ln>
-            <a:solidFill>
-              <a:schemeClr val="tx1"/>
-            </a:solidFill>
-          </a:ln>
-        </p:spPr>
-        <p:style>
-          <a:lnRef idx="2">
-            <a:schemeClr val="accent1">
-              <a:shade val="50000"/>
-            </a:schemeClr>
-          </a:lnRef>
-          <a:fillRef idx="1">
-            <a:schemeClr val="accent1"/>
-          </a:fillRef>
-          <a:effectRef idx="0">
-            <a:schemeClr val="accent1"/>
-          </a:effectRef>
-          <a:fontRef idx="minor">
-            <a:schemeClr val="lt1"/>
-          </a:fontRef>
-        </p:style>
-        <p:txBody>
-          <a:bodyPr rtlCol="0" anchor="ctr"/>
-          <a:lstStyle/>
-          <a:p>
-            <a:pPr algn="ctr"/>
-            <a:r>
-              <a:rPr lang="en-US" sz="1400" dirty="0">
-                <a:solidFill>
-                  <a:schemeClr val="tx1"/>
-                </a:solidFill>
-                <a:cs typeface="Calibri"/>
-              </a:rPr>
-              <a:t>Displays gaps, collects missing data and stores as part of medical record in EHR</a:t>
-            </a:r>
-          </a:p>
-        </p:txBody>
-      </p:sp>
-      <p:sp>
-        <p:nvSpPr>
-          <p:cNvPr id="24" name="Rectangle 23">
-            <a:extLst>
-              <a:ext uri="{FF2B5EF4-FFF2-40B4-BE49-F238E27FC236}">
-                <a16:creationId xmlns:a16="http://schemas.microsoft.com/office/drawing/2014/main" id="{78A2CE21-E9F7-4455-9830-703145499F86}"/>
-              </a:ext>
-            </a:extLst>
-          </p:cNvPr>
-          <p:cNvSpPr/>
-          <p:nvPr/>
-        </p:nvSpPr>
-        <p:spPr>
-          <a:xfrm>
-            <a:off x="4114083" y="3825753"/>
-            <a:ext cx="2287134" cy="1118032"/>
-          </a:xfrm>
-          <a:prstGeom prst="rect">
-            <a:avLst/>
-          </a:prstGeom>
-          <a:solidFill>
-            <a:schemeClr val="accent3">
-              <a:lumMod val="20000"/>
-              <a:lumOff val="80000"/>
-            </a:schemeClr>
-          </a:solidFill>
-          <a:ln>
-            <a:solidFill>
-              <a:schemeClr val="tx1"/>
-            </a:solidFill>
-          </a:ln>
-        </p:spPr>
-        <p:style>
-          <a:lnRef idx="2">
-            <a:schemeClr val="accent1">
-              <a:shade val="50000"/>
-            </a:schemeClr>
-          </a:lnRef>
-          <a:fillRef idx="1">
-            <a:schemeClr val="accent1"/>
-          </a:fillRef>
-          <a:effectRef idx="0">
-            <a:schemeClr val="accent1"/>
-          </a:effectRef>
-          <a:fontRef idx="minor">
-            <a:schemeClr val="lt1"/>
-          </a:fontRef>
-        </p:style>
-        <p:txBody>
-          <a:bodyPr rtlCol="0" anchor="ctr"/>
-          <a:lstStyle/>
-          <a:p>
-            <a:pPr algn="ctr"/>
-            <a:r>
-              <a:rPr lang="en-US" sz="1400" dirty="0">
-                <a:solidFill>
-                  <a:schemeClr val="tx1"/>
-                </a:solidFill>
-                <a:cs typeface="Calibri"/>
-              </a:rPr>
-              <a:t>Retrieves rules, if necessary. Parses rules from CQL, identifies gaps in data available in EHR, and populates template.</a:t>
-            </a:r>
-          </a:p>
-        </p:txBody>
-      </p:sp>
-      <p:sp>
-        <p:nvSpPr>
-          <p:cNvPr id="27" name="Arrow: Left-Right 26">
-            <a:extLst>
-              <a:ext uri="{FF2B5EF4-FFF2-40B4-BE49-F238E27FC236}">
-                <a16:creationId xmlns:a16="http://schemas.microsoft.com/office/drawing/2014/main" id="{D0CC690B-C920-4CEF-B7B5-9869F909E4AC}"/>
-              </a:ext>
-            </a:extLst>
-          </p:cNvPr>
-          <p:cNvSpPr/>
-          <p:nvPr/>
-        </p:nvSpPr>
-        <p:spPr>
-          <a:xfrm rot="20494168">
-            <a:off x="6375483" y="3633646"/>
-            <a:ext cx="1634287" cy="352362"/>
-          </a:xfrm>
-          <a:prstGeom prst="leftRightArrow">
-            <a:avLst/>
-          </a:prstGeom>
-          <a:solidFill>
-            <a:schemeClr val="bg1"/>
-          </a:solidFill>
-        </p:spPr>
-        <p:style>
-          <a:lnRef idx="2">
-            <a:schemeClr val="accent1">
-              <a:shade val="50000"/>
-            </a:schemeClr>
-          </a:lnRef>
-          <a:fillRef idx="1">
-            <a:schemeClr val="accent1"/>
-          </a:fillRef>
-          <a:effectRef idx="0">
-            <a:schemeClr val="accent1"/>
-          </a:effectRef>
-          <a:fontRef idx="minor">
-            <a:schemeClr val="lt1"/>
-          </a:fontRef>
-        </p:style>
-        <p:txBody>
-          <a:bodyPr rtlCol="0" anchor="ctr"/>
-          <a:lstStyle/>
-          <a:p>
-            <a:pPr algn="ctr"/>
-            <a:endParaRPr lang="en-US" dirty="0"/>
-          </a:p>
-        </p:txBody>
-      </p:sp>
-      <p:sp>
-        <p:nvSpPr>
-          <p:cNvPr id="29" name="Arrow: Right 28">
-            <a:extLst>
-              <a:ext uri="{FF2B5EF4-FFF2-40B4-BE49-F238E27FC236}">
-                <a16:creationId xmlns:a16="http://schemas.microsoft.com/office/drawing/2014/main" id="{B506425D-2FCD-4533-BC1B-A436F72C1FF2}"/>
-              </a:ext>
-            </a:extLst>
-          </p:cNvPr>
-          <p:cNvSpPr/>
-          <p:nvPr/>
-        </p:nvSpPr>
-        <p:spPr>
-          <a:xfrm rot="5340000">
-            <a:off x="10452109" y="3234006"/>
-            <a:ext cx="1404484" cy="483338"/>
-          </a:xfrm>
-          <a:prstGeom prst="rightArrow">
-            <a:avLst/>
-          </a:prstGeom>
-          <a:solidFill>
-            <a:schemeClr val="tx1"/>
-          </a:solidFill>
-          <a:scene3d>
-            <a:camera prst="orthographicFront">
-              <a:rot lat="0" lon="0" rev="0"/>
-            </a:camera>
-            <a:lightRig rig="threePt" dir="t"/>
-          </a:scene3d>
-        </p:spPr>
-        <p:style>
-          <a:lnRef idx="2">
-            <a:schemeClr val="accent1">
-              <a:shade val="50000"/>
-            </a:schemeClr>
-          </a:lnRef>
-          <a:fillRef idx="1">
-            <a:schemeClr val="accent1"/>
-          </a:fillRef>
-          <a:effectRef idx="0">
-            <a:schemeClr val="accent1"/>
-          </a:effectRef>
-          <a:fontRef idx="minor">
-            <a:schemeClr val="lt1"/>
-          </a:fontRef>
-        </p:style>
-        <p:txBody>
-          <a:bodyPr vert="vert270" rtlCol="0" anchor="ctr"/>
-          <a:lstStyle/>
-          <a:p>
-            <a:pPr algn="ctr"/>
-            <a:r>
-              <a:rPr lang="en-US" b="1" dirty="0">
-                <a:cs typeface="Calibri"/>
-              </a:rPr>
-              <a:t>3</a:t>
-            </a:r>
-            <a:endParaRPr lang="en-US" b="1" dirty="0"/>
-          </a:p>
-        </p:txBody>
-      </p:sp>
-      <p:sp>
-        <p:nvSpPr>
-          <p:cNvPr id="16" name="Flowchart: Magnetic Disk 15">
-            <a:extLst>
-              <a:ext uri="{FF2B5EF4-FFF2-40B4-BE49-F238E27FC236}">
-                <a16:creationId xmlns:a16="http://schemas.microsoft.com/office/drawing/2014/main" id="{DCFCBB8F-F2F0-4E56-820D-93780B2ADCBF}"/>
-              </a:ext>
-            </a:extLst>
-          </p:cNvPr>
-          <p:cNvSpPr/>
-          <p:nvPr/>
-        </p:nvSpPr>
-        <p:spPr>
-          <a:xfrm>
-            <a:off x="9135358" y="2850264"/>
-            <a:ext cx="1777262" cy="1312808"/>
-          </a:xfrm>
-          <a:prstGeom prst="flowChartMagneticDisk">
-            <a:avLst/>
-          </a:prstGeom>
-          <a:solidFill>
-            <a:srgbClr val="FFF2CC"/>
-          </a:solidFill>
-          <a:ln>
-            <a:solidFill>
-              <a:schemeClr val="tx1"/>
-            </a:solidFill>
-          </a:ln>
-        </p:spPr>
-        <p:style>
-          <a:lnRef idx="2">
-            <a:schemeClr val="accent1">
-              <a:shade val="50000"/>
-            </a:schemeClr>
-          </a:lnRef>
-          <a:fillRef idx="1">
-            <a:schemeClr val="accent1"/>
-          </a:fillRef>
-          <a:effectRef idx="0">
-            <a:schemeClr val="accent1"/>
-          </a:effectRef>
-          <a:fontRef idx="minor">
-            <a:schemeClr val="lt1"/>
-          </a:fontRef>
-        </p:style>
-        <p:txBody>
-          <a:bodyPr rtlCol="0" anchor="ctr"/>
-          <a:lstStyle/>
-          <a:p>
-            <a:pPr algn="ctr"/>
-            <a:endParaRPr lang="en-US" sz="1600" dirty="0">
-              <a:solidFill>
-                <a:schemeClr val="tx1"/>
-              </a:solidFill>
-              <a:ea typeface="+mn-lt"/>
-              <a:cs typeface="+mn-lt"/>
-            </a:endParaRPr>
-          </a:p>
-          <a:p>
-            <a:pPr algn="ctr"/>
-            <a:r>
-              <a:rPr lang="en-US" sz="1600" dirty="0">
-                <a:solidFill>
-                  <a:schemeClr val="tx1"/>
-                </a:solidFill>
-                <a:ea typeface="+mn-lt"/>
-                <a:cs typeface="+mn-lt"/>
-              </a:rPr>
-              <a:t>Repository of coverage </a:t>
-            </a:r>
-          </a:p>
-          <a:p>
-            <a:pPr algn="ctr"/>
-            <a:r>
-              <a:rPr lang="en-US" sz="1600" dirty="0">
-                <a:solidFill>
-                  <a:schemeClr val="tx1"/>
-                </a:solidFill>
-                <a:ea typeface="+mn-lt"/>
-                <a:cs typeface="+mn-lt"/>
-              </a:rPr>
-              <a:t>rules/templates</a:t>
-            </a:r>
-          </a:p>
-          <a:p>
-            <a:pPr algn="ctr"/>
-            <a:endParaRPr lang="en-US" dirty="0">
-              <a:cs typeface="Calibri"/>
-            </a:endParaRPr>
-          </a:p>
-        </p:txBody>
-      </p:sp>
-      <p:sp>
-        <p:nvSpPr>
-          <p:cNvPr id="30" name="Arrow: Left 29">
-            <a:extLst>
-              <a:ext uri="{FF2B5EF4-FFF2-40B4-BE49-F238E27FC236}">
-                <a16:creationId xmlns:a16="http://schemas.microsoft.com/office/drawing/2014/main" id="{6A3E6741-9B55-4626-8D17-C678E5DB7A99}"/>
-              </a:ext>
-            </a:extLst>
-          </p:cNvPr>
-          <p:cNvSpPr/>
-          <p:nvPr/>
-        </p:nvSpPr>
-        <p:spPr>
-          <a:xfrm>
-            <a:off x="6402546" y="4284703"/>
-            <a:ext cx="1436531" cy="400429"/>
-          </a:xfrm>
-          <a:prstGeom prst="leftArrow">
-            <a:avLst/>
-          </a:prstGeom>
-          <a:solidFill>
-            <a:schemeClr val="tx1"/>
-          </a:solidFill>
-        </p:spPr>
-        <p:style>
-          <a:lnRef idx="2">
-            <a:schemeClr val="accent1">
-              <a:shade val="50000"/>
-            </a:schemeClr>
-          </a:lnRef>
-          <a:fillRef idx="1">
-            <a:schemeClr val="accent1"/>
-          </a:fillRef>
-          <a:effectRef idx="0">
-            <a:schemeClr val="accent1"/>
-          </a:effectRef>
-          <a:fontRef idx="minor">
-            <a:schemeClr val="lt1"/>
-          </a:fontRef>
-        </p:style>
-        <p:txBody>
-          <a:bodyPr rtlCol="0" anchor="ctr"/>
-          <a:lstStyle/>
-          <a:p>
-            <a:pPr algn="ctr"/>
-            <a:r>
-              <a:rPr lang="en-US" b="1" dirty="0">
-                <a:cs typeface="Calibri"/>
-              </a:rPr>
-              <a:t>4</a:t>
-            </a:r>
-            <a:endParaRPr lang="en-US" b="1" dirty="0"/>
-          </a:p>
-        </p:txBody>
-      </p:sp>
-      <p:sp>
-        <p:nvSpPr>
-          <p:cNvPr id="31" name="Arrow: Left 30">
-            <a:extLst>
-              <a:ext uri="{FF2B5EF4-FFF2-40B4-BE49-F238E27FC236}">
-                <a16:creationId xmlns:a16="http://schemas.microsoft.com/office/drawing/2014/main" id="{430E50B5-436D-429E-9BC8-7821F9868F6D}"/>
-              </a:ext>
-            </a:extLst>
-          </p:cNvPr>
-          <p:cNvSpPr/>
-          <p:nvPr/>
-        </p:nvSpPr>
-        <p:spPr>
-          <a:xfrm>
-            <a:off x="3066410" y="4149636"/>
-            <a:ext cx="1033762" cy="425335"/>
-          </a:xfrm>
-          <a:prstGeom prst="leftArrow">
-            <a:avLst/>
-          </a:prstGeom>
-          <a:solidFill>
-            <a:schemeClr val="tx1"/>
-          </a:solidFill>
-        </p:spPr>
-        <p:style>
-          <a:lnRef idx="2">
-            <a:schemeClr val="accent1">
-              <a:shade val="50000"/>
-            </a:schemeClr>
-          </a:lnRef>
-          <a:fillRef idx="1">
-            <a:schemeClr val="accent1"/>
-          </a:fillRef>
-          <a:effectRef idx="0">
-            <a:schemeClr val="accent1"/>
-          </a:effectRef>
-          <a:fontRef idx="minor">
-            <a:schemeClr val="lt1"/>
-          </a:fontRef>
-        </p:style>
-        <p:txBody>
-          <a:bodyPr rtlCol="0" anchor="ctr"/>
-          <a:lstStyle/>
-          <a:p>
-            <a:pPr algn="ctr"/>
-            <a:r>
-              <a:rPr lang="en-US" b="1" dirty="0">
-                <a:cs typeface="Calibri"/>
-              </a:rPr>
-              <a:t>5</a:t>
-            </a:r>
+            <a:endParaRPr lang="en-US"/>
           </a:p>
         </p:txBody>
       </p:sp>
     </p:spTree>
     <p:extLst>
       <p:ext uri="{BB962C8B-B14F-4D97-AF65-F5344CB8AC3E}">
-        <p14:creationId xmlns:p14="http://schemas.microsoft.com/office/powerpoint/2010/main" val="3449943788"/>
+        <p14:creationId xmlns:p14="http://schemas.microsoft.com/office/powerpoint/2010/main" val="362860224"/>
       </p:ext>
     </p:extLst>
   </p:cSld>

--- a/input/images-source/CRD_DTR_Flow.pptx
+++ b/input/images-source/CRD_DTR_Flow.pptx
@@ -7,14 +7,15 @@
     <p:sldMasterId id="2147483719" r:id="rId6"/>
   </p:sldMasterIdLst>
   <p:notesMasterIdLst>
-    <p:notesMasterId r:id="rId9"/>
+    <p:notesMasterId r:id="rId10"/>
   </p:notesMasterIdLst>
   <p:handoutMasterIdLst>
-    <p:handoutMasterId r:id="rId10"/>
+    <p:handoutMasterId r:id="rId11"/>
   </p:handoutMasterIdLst>
   <p:sldIdLst>
     <p:sldId id="2919" r:id="rId7"/>
     <p:sldId id="2921" r:id="rId8"/>
+    <p:sldId id="2922" r:id="rId9"/>
   </p:sldIdLst>
   <p:sldSz cx="12192000" cy="6858000"/>
   <p:notesSz cx="7010400" cy="9236075"/>
@@ -120,6 +121,7 @@
           <p14:sldIdLst>
             <p14:sldId id="2919"/>
             <p14:sldId id="2921"/>
+            <p14:sldId id="2922"/>
           </p14:sldIdLst>
         </p14:section>
       </p14:sectionLst>
@@ -3241,7 +3243,7 @@
           <a:p>
             <a:fld id="{FD8C879B-2DAC-426D-B5B4-08F42B952A26}" type="datetimeFigureOut">
               <a:rPr lang="en-US" smtClean="0"/>
-              <a:t>9/1/2023</a:t>
+              <a:t>9/6/2023</a:t>
             </a:fld>
             <a:endParaRPr lang="en-US" dirty="0"/>
           </a:p>
@@ -3418,7 +3420,7 @@
           <a:p>
             <a:fld id="{92E54576-A3BB-48F9-891E-992E86D01A7B}" type="datetimeFigureOut">
               <a:rPr lang="en-US" smtClean="0"/>
-              <a:t>9/1/2023</a:t>
+              <a:t>9/6/2023</a:t>
             </a:fld>
             <a:endParaRPr lang="en-US" dirty="0"/>
           </a:p>
@@ -3869,6 +3871,98 @@
 </p:notes>
 </file>
 
+<file path=ppt/notesSlides/notesSlide3.xml><?xml version="1.0" encoding="utf-8"?>
+<p:notes xmlns:a="http://schemas.openxmlformats.org/drawingml/2006/main" xmlns:r="http://schemas.openxmlformats.org/officeDocument/2006/relationships" xmlns:p="http://schemas.openxmlformats.org/presentationml/2006/main">
+  <p:cSld>
+    <p:spTree>
+      <p:nvGrpSpPr>
+        <p:cNvPr id="1" name=""/>
+        <p:cNvGrpSpPr/>
+        <p:nvPr/>
+      </p:nvGrpSpPr>
+      <p:grpSpPr>
+        <a:xfrm>
+          <a:off x="0" y="0"/>
+          <a:ext cx="0" cy="0"/>
+          <a:chOff x="0" y="0"/>
+          <a:chExt cx="0" cy="0"/>
+        </a:xfrm>
+      </p:grpSpPr>
+      <p:sp>
+        <p:nvSpPr>
+          <p:cNvPr id="2" name="Slide Image Placeholder 1"/>
+          <p:cNvSpPr>
+            <a:spLocks noGrp="1" noRot="1" noChangeAspect="1"/>
+          </p:cNvSpPr>
+          <p:nvPr>
+            <p:ph type="sldImg"/>
+          </p:nvPr>
+        </p:nvSpPr>
+        <p:spPr/>
+      </p:sp>
+      <p:sp>
+        <p:nvSpPr>
+          <p:cNvPr id="3" name="Notes Placeholder 2"/>
+          <p:cNvSpPr>
+            <a:spLocks noGrp="1"/>
+          </p:cNvSpPr>
+          <p:nvPr>
+            <p:ph type="body" idx="1"/>
+          </p:nvPr>
+        </p:nvSpPr>
+        <p:spPr/>
+        <p:txBody>
+          <a:bodyPr/>
+          <a:lstStyle/>
+          <a:p>
+            <a:endParaRPr lang="en-US" sz="1200" kern="1200" dirty="0">
+              <a:solidFill>
+                <a:schemeClr val="tx1"/>
+              </a:solidFill>
+              <a:effectLst/>
+              <a:latin typeface="+mn-lt"/>
+              <a:ea typeface="+mn-ea"/>
+              <a:cs typeface="+mn-cs"/>
+            </a:endParaRPr>
+          </a:p>
+        </p:txBody>
+      </p:sp>
+      <p:sp>
+        <p:nvSpPr>
+          <p:cNvPr id="4" name="Slide Number Placeholder 3"/>
+          <p:cNvSpPr>
+            <a:spLocks noGrp="1"/>
+          </p:cNvSpPr>
+          <p:nvPr>
+            <p:ph type="sldNum" sz="quarter" idx="5"/>
+          </p:nvPr>
+        </p:nvSpPr>
+        <p:spPr/>
+        <p:txBody>
+          <a:bodyPr/>
+          <a:lstStyle/>
+          <a:p>
+            <a:fld id="{D58F3C89-9E49-4851-A18A-DAECD34FD650}" type="slidenum">
+              <a:rPr lang="en-US" smtClean="0"/>
+              <a:t>3</a:t>
+            </a:fld>
+            <a:endParaRPr lang="en-US" dirty="0"/>
+          </a:p>
+        </p:txBody>
+      </p:sp>
+    </p:spTree>
+    <p:extLst>
+      <p:ext uri="{BB962C8B-B14F-4D97-AF65-F5344CB8AC3E}">
+        <p14:creationId xmlns:p14="http://schemas.microsoft.com/office/powerpoint/2010/main" val="2089474110"/>
+      </p:ext>
+    </p:extLst>
+  </p:cSld>
+  <p:clrMapOvr>
+    <a:masterClrMapping/>
+  </p:clrMapOvr>
+</p:notes>
+</file>
+
 <file path=ppt/slideLayouts/slideLayout1.xml><?xml version="1.0" encoding="utf-8"?>
 <p:sldLayout xmlns:a="http://schemas.openxmlformats.org/drawingml/2006/main" xmlns:r="http://schemas.openxmlformats.org/officeDocument/2006/relationships" xmlns:p="http://schemas.openxmlformats.org/presentationml/2006/main" type="title" preserve="1">
   <p:cSld name="Title Slide">
@@ -7683,7 +7777,7 @@
           <a:p>
             <a:fld id="{41EA1E7C-71D6-4729-84AA-F013DDAF4032}" type="datetimeFigureOut">
               <a:rPr lang="en-US" smtClean="0"/>
-              <a:t>9/1/2023</a:t>
+              <a:t>9/6/2023</a:t>
             </a:fld>
             <a:endParaRPr lang="en-US" dirty="0"/>
           </a:p>
@@ -16960,8 +17054,8 @@
         </p:nvSpPr>
         <p:spPr>
           <a:xfrm>
-            <a:off x="2507811" y="795865"/>
-            <a:ext cx="7387628" cy="5170369"/>
+            <a:off x="2507811" y="795866"/>
+            <a:ext cx="7387628" cy="5423866"/>
           </a:xfrm>
           <a:prstGeom prst="roundRect">
             <a:avLst>
@@ -17016,7 +17110,7 @@
         </p:nvSpPr>
         <p:spPr>
           <a:xfrm>
-            <a:off x="2858914" y="1104543"/>
+            <a:off x="2858914" y="995907"/>
             <a:ext cx="2512464" cy="273466"/>
           </a:xfrm>
           <a:prstGeom prst="rect">
@@ -17075,8 +17169,8 @@
         </p:nvCxnSpPr>
         <p:spPr>
           <a:xfrm>
-            <a:off x="4115146" y="1371497"/>
-            <a:ext cx="0" cy="4114800"/>
+            <a:off x="4115146" y="1262861"/>
+            <a:ext cx="0" cy="4462272"/>
           </a:xfrm>
           <a:prstGeom prst="line">
             <a:avLst/>
@@ -17116,7 +17210,7 @@
         </p:nvSpPr>
         <p:spPr>
           <a:xfrm>
-            <a:off x="2858914" y="5423407"/>
+            <a:off x="2858914" y="5701032"/>
             <a:ext cx="2512464" cy="273466"/>
           </a:xfrm>
           <a:prstGeom prst="rect">
@@ -17173,8 +17267,8 @@
         </p:nvSpPr>
         <p:spPr>
           <a:xfrm>
-            <a:off x="3318675" y="2365706"/>
-            <a:ext cx="1592941" cy="421447"/>
+            <a:off x="3318675" y="2257071"/>
+            <a:ext cx="1757822" cy="304054"/>
           </a:xfrm>
           <a:prstGeom prst="rect">
             <a:avLst/>
@@ -17206,27 +17300,14 @@
           <a:p>
             <a:pPr algn="ctr"/>
             <a:r>
-              <a:rPr lang="en-US" sz="1100" dirty="0">
+              <a:rPr lang="en-US" sz="1050" dirty="0">
                 <a:solidFill>
                   <a:schemeClr val="tx1"/>
                 </a:solidFill>
                 <a:latin typeface="Calibri" panose="020F0502020204030204" pitchFamily="34" charset="0"/>
                 <a:cs typeface="Calibri" panose="020F0502020204030204" pitchFamily="34" charset="0"/>
               </a:rPr>
-              <a:t>SMART / Native</a:t>
-            </a:r>
-          </a:p>
-          <a:p>
-            <a:pPr algn="ctr"/>
-            <a:r>
-              <a:rPr lang="en-US" sz="1100" dirty="0">
-                <a:solidFill>
-                  <a:schemeClr val="tx1"/>
-                </a:solidFill>
-                <a:latin typeface="Calibri" panose="020F0502020204030204" pitchFamily="34" charset="0"/>
-                <a:cs typeface="Calibri" panose="020F0502020204030204" pitchFamily="34" charset="0"/>
-              </a:rPr>
-              <a:t>App Launch</a:t>
+              <a:t>SMART / Native App Launch</a:t>
             </a:r>
           </a:p>
         </p:txBody>
@@ -17245,7 +17326,7 @@
         </p:nvSpPr>
         <p:spPr>
           <a:xfrm>
-            <a:off x="6234338" y="1104543"/>
+            <a:off x="6234338" y="995907"/>
             <a:ext cx="784168" cy="273466"/>
           </a:xfrm>
           <a:prstGeom prst="rect">
@@ -17304,8 +17385,8 @@
         </p:nvCxnSpPr>
         <p:spPr>
           <a:xfrm>
-            <a:off x="6619106" y="1371497"/>
-            <a:ext cx="0" cy="4114800"/>
+            <a:off x="6619106" y="1262861"/>
+            <a:ext cx="0" cy="4462272"/>
           </a:xfrm>
           <a:prstGeom prst="line">
             <a:avLst/>
@@ -17345,7 +17426,7 @@
         </p:nvSpPr>
         <p:spPr>
           <a:xfrm>
-            <a:off x="6234338" y="5423407"/>
+            <a:off x="6234338" y="5701032"/>
             <a:ext cx="784168" cy="273466"/>
           </a:xfrm>
           <a:prstGeom prst="rect">
@@ -17402,8 +17483,8 @@
         </p:nvSpPr>
         <p:spPr>
           <a:xfrm>
-            <a:off x="5522673" y="3073026"/>
-            <a:ext cx="2192866" cy="428675"/>
+            <a:off x="5522673" y="2854029"/>
+            <a:ext cx="2192866" cy="343074"/>
           </a:xfrm>
           <a:prstGeom prst="rect">
             <a:avLst/>
@@ -17435,7 +17516,7 @@
           <a:p>
             <a:pPr algn="ctr"/>
             <a:r>
-              <a:rPr lang="en-US" sz="1100" dirty="0">
+              <a:rPr lang="en-US" sz="1050" dirty="0">
                 <a:solidFill>
                   <a:schemeClr val="tx1"/>
                 </a:solidFill>
@@ -17448,7 +17529,7 @@
           <a:p>
             <a:pPr algn="ctr"/>
             <a:r>
-              <a:rPr lang="en-US" sz="1100" dirty="0">
+              <a:rPr lang="en-US" sz="1050" dirty="0">
                 <a:solidFill>
                   <a:schemeClr val="tx1"/>
                 </a:solidFill>
@@ -17476,7 +17557,7 @@
         </p:nvCxnSpPr>
         <p:spPr>
           <a:xfrm>
-            <a:off x="4113794" y="2939121"/>
+            <a:off x="4113794" y="2720123"/>
             <a:ext cx="2507648" cy="0"/>
           </a:xfrm>
           <a:prstGeom prst="straightConnector1">
@@ -17518,7 +17599,7 @@
         </p:nvSpPr>
         <p:spPr>
           <a:xfrm>
-            <a:off x="8739650" y="1106928"/>
+            <a:off x="8739650" y="998292"/>
             <a:ext cx="784168" cy="273466"/>
           </a:xfrm>
           <a:prstGeom prst="rect">
@@ -17577,8 +17658,8 @@
         </p:nvCxnSpPr>
         <p:spPr>
           <a:xfrm>
-            <a:off x="9124390" y="1371752"/>
-            <a:ext cx="0" cy="4114800"/>
+            <a:off x="9124390" y="1263116"/>
+            <a:ext cx="0" cy="4462272"/>
           </a:xfrm>
           <a:prstGeom prst="line">
             <a:avLst/>
@@ -17618,7 +17699,7 @@
         </p:nvSpPr>
         <p:spPr>
           <a:xfrm>
-            <a:off x="8739650" y="5425792"/>
+            <a:off x="8739650" y="5703417"/>
             <a:ext cx="784168" cy="273466"/>
           </a:xfrm>
           <a:prstGeom prst="rect">
@@ -17677,7 +17758,7 @@
         </p:nvCxnSpPr>
         <p:spPr>
           <a:xfrm>
-            <a:off x="6621442" y="3814779"/>
+            <a:off x="6621442" y="3493302"/>
             <a:ext cx="2505312" cy="0"/>
           </a:xfrm>
           <a:prstGeom prst="straightConnector1">
@@ -17721,7 +17802,7 @@
         </p:nvCxnSpPr>
         <p:spPr>
           <a:xfrm flipH="1">
-            <a:off x="6621442" y="4141464"/>
+            <a:off x="6621442" y="3819987"/>
             <a:ext cx="2505312" cy="0"/>
           </a:xfrm>
           <a:prstGeom prst="straightConnector1">
@@ -17764,8 +17845,8 @@
         </p:nvSpPr>
         <p:spPr>
           <a:xfrm>
-            <a:off x="6619108" y="3642374"/>
-            <a:ext cx="2505283" cy="138499"/>
+            <a:off x="6619108" y="3320897"/>
+            <a:ext cx="2505283" cy="161583"/>
           </a:xfrm>
           <a:prstGeom prst="rect">
             <a:avLst/>
@@ -17780,7 +17861,7 @@
           <a:p>
             <a:pPr algn="ctr"/>
             <a:r>
-              <a:rPr lang="en-US" sz="900" dirty="0">
+              <a:rPr lang="en-US" sz="1050" dirty="0">
                 <a:solidFill>
                   <a:srgbClr val="533F05"/>
                 </a:solidFill>
@@ -17790,7 +17871,7 @@
               <a:t>$questionnaire-package</a:t>
             </a:r>
             <a:r>
-              <a:rPr lang="en-US" sz="900" dirty="0">
+              <a:rPr lang="en-US" sz="1050" dirty="0">
                 <a:solidFill>
                   <a:schemeClr val="accent1">
                     <a:lumMod val="50000"/>
@@ -17802,7 +17883,7 @@
               <a:t> </a:t>
             </a:r>
             <a:r>
-              <a:rPr lang="en-US" sz="900" dirty="0">
+              <a:rPr lang="en-US" sz="1050" dirty="0">
                 <a:solidFill>
                   <a:schemeClr val="accent1">
                     <a:lumMod val="50000"/>
@@ -17813,6 +17894,15 @@
               </a:rPr>
               <a:t>Operation</a:t>
             </a:r>
+            <a:endParaRPr lang="en-US" sz="1000" dirty="0">
+              <a:solidFill>
+                <a:schemeClr val="accent1">
+                  <a:lumMod val="50000"/>
+                </a:schemeClr>
+              </a:solidFill>
+              <a:latin typeface="Calibri" panose="020F0502020204030204" pitchFamily="34" charset="0"/>
+              <a:cs typeface="Calibri" panose="020F0502020204030204" pitchFamily="34" charset="0"/>
+            </a:endParaRPr>
           </a:p>
         </p:txBody>
       </p:sp>
@@ -17830,8 +17920,8 @@
         </p:nvSpPr>
         <p:spPr>
           <a:xfrm>
-            <a:off x="6626451" y="3964455"/>
-            <a:ext cx="2505283" cy="138499"/>
+            <a:off x="6626451" y="3635027"/>
+            <a:ext cx="2505283" cy="169277"/>
           </a:xfrm>
           <a:prstGeom prst="rect">
             <a:avLst/>
@@ -17846,7 +17936,7 @@
           <a:p>
             <a:pPr algn="ctr"/>
             <a:r>
-              <a:rPr lang="en-US" sz="900" dirty="0">
+              <a:rPr lang="en-US" sz="1100" dirty="0">
                 <a:solidFill>
                   <a:schemeClr val="accent1">
                     <a:lumMod val="50000"/>
@@ -17874,8 +17964,8 @@
         </p:nvSpPr>
         <p:spPr>
           <a:xfrm>
-            <a:off x="5373335" y="4390592"/>
-            <a:ext cx="2505283" cy="370164"/>
+            <a:off x="5373335" y="4012621"/>
+            <a:ext cx="2505283" cy="339993"/>
           </a:xfrm>
           <a:prstGeom prst="rect">
             <a:avLst/>
@@ -17907,7 +17997,7 @@
           <a:p>
             <a:pPr algn="ctr"/>
             <a:r>
-              <a:rPr lang="en-US" sz="1100" dirty="0">
+              <a:rPr lang="en-US" sz="1050" dirty="0">
                 <a:solidFill>
                   <a:schemeClr val="tx1"/>
                 </a:solidFill>
@@ -17920,7 +18010,7 @@
           <a:p>
             <a:pPr algn="ctr"/>
             <a:r>
-              <a:rPr lang="en-US" sz="1100" dirty="0">
+              <a:rPr lang="en-US" sz="1050" dirty="0">
                 <a:solidFill>
                   <a:schemeClr val="tx1"/>
                 </a:solidFill>
@@ -17986,7 +18076,7 @@
         </p:nvCxnSpPr>
         <p:spPr>
           <a:xfrm>
-            <a:off x="4113794" y="5135089"/>
+            <a:off x="4113794" y="4705431"/>
             <a:ext cx="2505312" cy="0"/>
           </a:xfrm>
           <a:prstGeom prst="straightConnector1">
@@ -18029,8 +18119,8 @@
         </p:nvSpPr>
         <p:spPr>
           <a:xfrm>
-            <a:off x="4133251" y="4965014"/>
-            <a:ext cx="2471124" cy="138499"/>
+            <a:off x="4133251" y="4511503"/>
+            <a:ext cx="2471124" cy="169277"/>
           </a:xfrm>
           <a:prstGeom prst="rect">
             <a:avLst/>
@@ -18045,7 +18135,7 @@
           <a:p>
             <a:pPr algn="ctr"/>
             <a:r>
-              <a:rPr lang="en-US" sz="900" dirty="0">
+              <a:rPr lang="en-US" sz="1100" dirty="0">
                 <a:solidFill>
                   <a:schemeClr val="accent1">
                     <a:lumMod val="50000"/>
@@ -18054,7 +18144,7 @@
                 <a:latin typeface="Calibri" panose="020F0502020204030204" pitchFamily="34" charset="0"/>
                 <a:cs typeface="Calibri" panose="020F0502020204030204" pitchFamily="34" charset="0"/>
               </a:rPr>
-              <a:t>Store completed QuestionnaireResponse</a:t>
+              <a:t>Execute CQL/Retrieve data from EHR</a:t>
             </a:r>
           </a:p>
         </p:txBody>
@@ -18075,7 +18165,7 @@
         </p:nvCxnSpPr>
         <p:spPr>
           <a:xfrm>
-            <a:off x="4122505" y="1776931"/>
+            <a:off x="4122505" y="1668295"/>
             <a:ext cx="2505312" cy="0"/>
           </a:xfrm>
           <a:prstGeom prst="straightConnector1">
@@ -18121,8 +18211,8 @@
         </p:nvSpPr>
         <p:spPr>
           <a:xfrm>
-            <a:off x="4141962" y="1606856"/>
-            <a:ext cx="2471124" cy="138499"/>
+            <a:off x="4141962" y="1490269"/>
+            <a:ext cx="2471124" cy="169277"/>
           </a:xfrm>
           <a:prstGeom prst="rect">
             <a:avLst/>
@@ -18137,7 +18227,7 @@
           <a:p>
             <a:pPr algn="ctr"/>
             <a:r>
-              <a:rPr lang="en-US" sz="900" dirty="0">
+              <a:rPr lang="en-US" sz="1100" dirty="0">
                 <a:solidFill>
                   <a:schemeClr val="accent1">
                     <a:lumMod val="50000"/>
@@ -18165,8 +18255,8 @@
         </p:nvSpPr>
         <p:spPr>
           <a:xfrm>
-            <a:off x="5388182" y="1966749"/>
-            <a:ext cx="2471124" cy="184666"/>
+            <a:off x="5166141" y="1856683"/>
+            <a:ext cx="2902926" cy="215444"/>
           </a:xfrm>
           <a:prstGeom prst="rect">
             <a:avLst/>
@@ -18183,7 +18273,7 @@
           <a:p>
             <a:pPr algn="ctr"/>
             <a:r>
-              <a:rPr lang="en-US" sz="900" dirty="0">
+              <a:rPr lang="en-US" sz="1100" dirty="0">
                 <a:solidFill>
                   <a:schemeClr val="accent1">
                     <a:lumMod val="50000"/>
@@ -18213,7 +18303,7 @@
         </p:nvCxnSpPr>
         <p:spPr>
           <a:xfrm>
-            <a:off x="4113794" y="2145877"/>
+            <a:off x="4113794" y="2037241"/>
             <a:ext cx="2505312" cy="0"/>
           </a:xfrm>
           <a:prstGeom prst="straightConnector1">
@@ -18261,7 +18351,7 @@
         </p:nvCxnSpPr>
         <p:spPr>
           <a:xfrm>
-            <a:off x="6618095" y="2145877"/>
+            <a:off x="6618095" y="2037241"/>
             <a:ext cx="2505312" cy="0"/>
           </a:xfrm>
           <a:prstGeom prst="straightConnector1">
@@ -18307,7 +18397,7 @@
         </p:nvSpPr>
         <p:spPr>
           <a:xfrm>
-            <a:off x="6581389" y="2108203"/>
+            <a:off x="6581389" y="1999567"/>
             <a:ext cx="73152" cy="73152"/>
           </a:xfrm>
           <a:prstGeom prst="ellipse">
@@ -18347,10 +18437,1647 @@
           </a:p>
         </p:txBody>
       </p:sp>
+      <p:cxnSp>
+        <p:nvCxnSpPr>
+          <p:cNvPr id="3" name="Straight Arrow Connector 2">
+            <a:extLst>
+              <a:ext uri="{FF2B5EF4-FFF2-40B4-BE49-F238E27FC236}">
+                <a16:creationId xmlns:a16="http://schemas.microsoft.com/office/drawing/2014/main" id="{BF708DE6-CF56-BE38-0C05-4AFCEB90347B}"/>
+              </a:ext>
+            </a:extLst>
+          </p:cNvPr>
+          <p:cNvCxnSpPr>
+            <a:cxnSpLocks/>
+          </p:cNvCxnSpPr>
+          <p:nvPr/>
+        </p:nvCxnSpPr>
+        <p:spPr>
+          <a:xfrm>
+            <a:off x="4116359" y="5557690"/>
+            <a:ext cx="2505312" cy="0"/>
+          </a:xfrm>
+          <a:prstGeom prst="straightConnector1">
+            <a:avLst/>
+          </a:prstGeom>
+          <a:ln w="15875">
+            <a:solidFill>
+              <a:schemeClr val="tx1"/>
+            </a:solidFill>
+            <a:headEnd type="triangle"/>
+            <a:tailEnd type="none"/>
+          </a:ln>
+        </p:spPr>
+        <p:style>
+          <a:lnRef idx="1">
+            <a:schemeClr val="accent1"/>
+          </a:lnRef>
+          <a:fillRef idx="0">
+            <a:schemeClr val="accent1"/>
+          </a:fillRef>
+          <a:effectRef idx="0">
+            <a:schemeClr val="accent1"/>
+          </a:effectRef>
+          <a:fontRef idx="minor">
+            <a:schemeClr val="tx1"/>
+          </a:fontRef>
+        </p:style>
+      </p:cxnSp>
+      <p:sp>
+        <p:nvSpPr>
+          <p:cNvPr id="5" name="TextBox 4">
+            <a:extLst>
+              <a:ext uri="{FF2B5EF4-FFF2-40B4-BE49-F238E27FC236}">
+                <a16:creationId xmlns:a16="http://schemas.microsoft.com/office/drawing/2014/main" id="{B724E894-FC9C-887C-1D51-D7C3F97C2715}"/>
+              </a:ext>
+            </a:extLst>
+          </p:cNvPr>
+          <p:cNvSpPr txBox="1"/>
+          <p:nvPr/>
+        </p:nvSpPr>
+        <p:spPr>
+          <a:xfrm>
+            <a:off x="4135816" y="5363762"/>
+            <a:ext cx="2471124" cy="169277"/>
+          </a:xfrm>
+          <a:prstGeom prst="rect">
+            <a:avLst/>
+          </a:prstGeom>
+          <a:noFill/>
+        </p:spPr>
+        <p:txBody>
+          <a:bodyPr wrap="square" lIns="0" tIns="0" rIns="0" bIns="0" rtlCol="0">
+            <a:spAutoFit/>
+          </a:bodyPr>
+          <a:lstStyle/>
+          <a:p>
+            <a:pPr algn="ctr"/>
+            <a:r>
+              <a:rPr lang="en-US" sz="1100" dirty="0">
+                <a:solidFill>
+                  <a:schemeClr val="accent1">
+                    <a:lumMod val="50000"/>
+                  </a:schemeClr>
+                </a:solidFill>
+                <a:latin typeface="Calibri" panose="020F0502020204030204" pitchFamily="34" charset="0"/>
+                <a:cs typeface="Calibri" panose="020F0502020204030204" pitchFamily="34" charset="0"/>
+              </a:rPr>
+              <a:t>Store completed QuestionnaireResponse</a:t>
+            </a:r>
+          </a:p>
+        </p:txBody>
+      </p:sp>
+      <p:sp>
+        <p:nvSpPr>
+          <p:cNvPr id="6" name="Rectangle 5">
+            <a:extLst>
+              <a:ext uri="{FF2B5EF4-FFF2-40B4-BE49-F238E27FC236}">
+                <a16:creationId xmlns:a16="http://schemas.microsoft.com/office/drawing/2014/main" id="{DE489494-C4F8-6D08-14F9-7D0F327F2D46}"/>
+              </a:ext>
+            </a:extLst>
+          </p:cNvPr>
+          <p:cNvSpPr/>
+          <p:nvPr/>
+        </p:nvSpPr>
+        <p:spPr>
+          <a:xfrm>
+            <a:off x="5401899" y="4906249"/>
+            <a:ext cx="2505283" cy="339993"/>
+          </a:xfrm>
+          <a:prstGeom prst="rect">
+            <a:avLst/>
+          </a:prstGeom>
+          <a:solidFill>
+            <a:srgbClr val="EFF4F5"/>
+          </a:solidFill>
+          <a:ln w="12700"/>
+        </p:spPr>
+        <p:style>
+          <a:lnRef idx="2">
+            <a:schemeClr val="accent1">
+              <a:shade val="15000"/>
+            </a:schemeClr>
+          </a:lnRef>
+          <a:fillRef idx="1">
+            <a:schemeClr val="accent1"/>
+          </a:fillRef>
+          <a:effectRef idx="0">
+            <a:schemeClr val="accent1"/>
+          </a:effectRef>
+          <a:fontRef idx="minor">
+            <a:schemeClr val="lt1"/>
+          </a:fontRef>
+        </p:style>
+        <p:txBody>
+          <a:bodyPr rtlCol="0" anchor="ctr"/>
+          <a:lstStyle/>
+          <a:p>
+            <a:pPr algn="ctr"/>
+            <a:r>
+              <a:rPr lang="en-US" sz="1050" dirty="0">
+                <a:solidFill>
+                  <a:schemeClr val="tx1"/>
+                </a:solidFill>
+                <a:latin typeface="Calibri" panose="020F0502020204030204" pitchFamily="34" charset="0"/>
+                <a:cs typeface="Calibri" panose="020F0502020204030204" pitchFamily="34" charset="0"/>
+              </a:rPr>
+              <a:t>User verifies data and QuestionnaireResponse</a:t>
+            </a:r>
+          </a:p>
+        </p:txBody>
+      </p:sp>
     </p:spTree>
     <p:extLst>
       <p:ext uri="{BB962C8B-B14F-4D97-AF65-F5344CB8AC3E}">
         <p14:creationId xmlns:p14="http://schemas.microsoft.com/office/powerpoint/2010/main" val="362860224"/>
+      </p:ext>
+    </p:extLst>
+  </p:cSld>
+  <p:clrMapOvr>
+    <a:masterClrMapping/>
+  </p:clrMapOvr>
+</p:sld>
+</file>
+
+<file path=ppt/slides/slide3.xml><?xml version="1.0" encoding="utf-8"?>
+<p:sld xmlns:a="http://schemas.openxmlformats.org/drawingml/2006/main" xmlns:r="http://schemas.openxmlformats.org/officeDocument/2006/relationships" xmlns:p="http://schemas.openxmlformats.org/presentationml/2006/main" showMasterSp="0">
+  <p:cSld>
+    <p:bg>
+      <p:bgPr>
+        <a:solidFill>
+          <a:schemeClr val="bg1"/>
+        </a:solidFill>
+        <a:effectLst/>
+      </p:bgPr>
+    </p:bg>
+    <p:spTree>
+      <p:nvGrpSpPr>
+        <p:cNvPr id="1" name=""/>
+        <p:cNvGrpSpPr/>
+        <p:nvPr/>
+      </p:nvGrpSpPr>
+      <p:grpSpPr>
+        <a:xfrm>
+          <a:off x="0" y="0"/>
+          <a:ext cx="0" cy="0"/>
+          <a:chOff x="0" y="0"/>
+          <a:chExt cx="0" cy="0"/>
+        </a:xfrm>
+      </p:grpSpPr>
+      <p:sp>
+        <p:nvSpPr>
+          <p:cNvPr id="17" name="Rectangle: Rounded Corners 16">
+            <a:extLst>
+              <a:ext uri="{FF2B5EF4-FFF2-40B4-BE49-F238E27FC236}">
+                <a16:creationId xmlns:a16="http://schemas.microsoft.com/office/drawing/2014/main" id="{DFB8096E-BF12-A5F8-754F-33B57644DB35}"/>
+              </a:ext>
+            </a:extLst>
+          </p:cNvPr>
+          <p:cNvSpPr/>
+          <p:nvPr/>
+        </p:nvSpPr>
+        <p:spPr>
+          <a:xfrm>
+            <a:off x="2507811" y="795865"/>
+            <a:ext cx="7387628" cy="5170369"/>
+          </a:xfrm>
+          <a:prstGeom prst="roundRect">
+            <a:avLst>
+              <a:gd name="adj" fmla="val 9509"/>
+            </a:avLst>
+          </a:prstGeom>
+          <a:noFill/>
+          <a:ln w="19050">
+            <a:solidFill>
+              <a:schemeClr val="accent2">
+                <a:lumMod val="75000"/>
+              </a:schemeClr>
+            </a:solidFill>
+          </a:ln>
+        </p:spPr>
+        <p:style>
+          <a:lnRef idx="2">
+            <a:schemeClr val="accent1">
+              <a:shade val="15000"/>
+            </a:schemeClr>
+          </a:lnRef>
+          <a:fillRef idx="1">
+            <a:schemeClr val="accent1"/>
+          </a:fillRef>
+          <a:effectRef idx="0">
+            <a:schemeClr val="accent1"/>
+          </a:effectRef>
+          <a:fontRef idx="minor">
+            <a:schemeClr val="lt1"/>
+          </a:fontRef>
+        </p:style>
+        <p:txBody>
+          <a:bodyPr rtlCol="0" anchor="ctr"/>
+          <a:lstStyle/>
+          <a:p>
+            <a:pPr algn="ctr"/>
+            <a:endParaRPr lang="en-US"/>
+          </a:p>
+        </p:txBody>
+      </p:sp>
+      <p:sp>
+        <p:nvSpPr>
+          <p:cNvPr id="19" name="Rectangle 18">
+            <a:extLst>
+              <a:ext uri="{FF2B5EF4-FFF2-40B4-BE49-F238E27FC236}">
+                <a16:creationId xmlns:a16="http://schemas.microsoft.com/office/drawing/2014/main" id="{02F24D92-4C45-EC92-204A-C894550ECFB5}"/>
+              </a:ext>
+            </a:extLst>
+          </p:cNvPr>
+          <p:cNvSpPr/>
+          <p:nvPr/>
+        </p:nvSpPr>
+        <p:spPr>
+          <a:xfrm>
+            <a:off x="2858914" y="1104543"/>
+            <a:ext cx="2512464" cy="273466"/>
+          </a:xfrm>
+          <a:prstGeom prst="rect">
+            <a:avLst/>
+          </a:prstGeom>
+          <a:solidFill>
+            <a:srgbClr val="FCF0D0"/>
+          </a:solidFill>
+          <a:ln w="12700"/>
+        </p:spPr>
+        <p:style>
+          <a:lnRef idx="2">
+            <a:schemeClr val="accent1">
+              <a:shade val="15000"/>
+            </a:schemeClr>
+          </a:lnRef>
+          <a:fillRef idx="1">
+            <a:schemeClr val="accent1"/>
+          </a:fillRef>
+          <a:effectRef idx="0">
+            <a:schemeClr val="accent1"/>
+          </a:effectRef>
+          <a:fontRef idx="minor">
+            <a:schemeClr val="lt1"/>
+          </a:fontRef>
+        </p:style>
+        <p:txBody>
+          <a:bodyPr rtlCol="0" anchor="ctr"/>
+          <a:lstStyle/>
+          <a:p>
+            <a:pPr algn="ctr"/>
+            <a:r>
+              <a:rPr lang="en-US" sz="1100" dirty="0">
+                <a:solidFill>
+                  <a:schemeClr val="tx1"/>
+                </a:solidFill>
+              </a:rPr>
+              <a:t>Provider EHR / Authorization Server</a:t>
+            </a:r>
+          </a:p>
+        </p:txBody>
+      </p:sp>
+      <p:cxnSp>
+        <p:nvCxnSpPr>
+          <p:cNvPr id="20" name="Straight Connector 19">
+            <a:extLst>
+              <a:ext uri="{FF2B5EF4-FFF2-40B4-BE49-F238E27FC236}">
+                <a16:creationId xmlns:a16="http://schemas.microsoft.com/office/drawing/2014/main" id="{9BCE423D-52A4-2690-45E0-22A020FE5522}"/>
+              </a:ext>
+            </a:extLst>
+          </p:cNvPr>
+          <p:cNvCxnSpPr>
+            <a:cxnSpLocks/>
+          </p:cNvCxnSpPr>
+          <p:nvPr/>
+        </p:nvCxnSpPr>
+        <p:spPr>
+          <a:xfrm>
+            <a:off x="4115146" y="1371497"/>
+            <a:ext cx="0" cy="4114800"/>
+          </a:xfrm>
+          <a:prstGeom prst="line">
+            <a:avLst/>
+          </a:prstGeom>
+          <a:ln w="15875">
+            <a:solidFill>
+              <a:schemeClr val="tx1"/>
+            </a:solidFill>
+          </a:ln>
+        </p:spPr>
+        <p:style>
+          <a:lnRef idx="1">
+            <a:schemeClr val="accent1"/>
+          </a:lnRef>
+          <a:fillRef idx="0">
+            <a:schemeClr val="accent1"/>
+          </a:fillRef>
+          <a:effectRef idx="0">
+            <a:schemeClr val="accent1"/>
+          </a:effectRef>
+          <a:fontRef idx="minor">
+            <a:schemeClr val="tx1"/>
+          </a:fontRef>
+        </p:style>
+      </p:cxnSp>
+      <p:sp>
+        <p:nvSpPr>
+          <p:cNvPr id="23" name="Rectangle 22">
+            <a:extLst>
+              <a:ext uri="{FF2B5EF4-FFF2-40B4-BE49-F238E27FC236}">
+                <a16:creationId xmlns:a16="http://schemas.microsoft.com/office/drawing/2014/main" id="{CF788CB8-9309-691E-6B4D-32045037B4C6}"/>
+              </a:ext>
+            </a:extLst>
+          </p:cNvPr>
+          <p:cNvSpPr/>
+          <p:nvPr/>
+        </p:nvSpPr>
+        <p:spPr>
+          <a:xfrm>
+            <a:off x="2858914" y="5423407"/>
+            <a:ext cx="2512464" cy="273466"/>
+          </a:xfrm>
+          <a:prstGeom prst="rect">
+            <a:avLst/>
+          </a:prstGeom>
+          <a:solidFill>
+            <a:srgbClr val="FCF0D0"/>
+          </a:solidFill>
+          <a:ln w="12700"/>
+        </p:spPr>
+        <p:style>
+          <a:lnRef idx="2">
+            <a:schemeClr val="accent1">
+              <a:shade val="15000"/>
+            </a:schemeClr>
+          </a:lnRef>
+          <a:fillRef idx="1">
+            <a:schemeClr val="accent1"/>
+          </a:fillRef>
+          <a:effectRef idx="0">
+            <a:schemeClr val="accent1"/>
+          </a:effectRef>
+          <a:fontRef idx="minor">
+            <a:schemeClr val="lt1"/>
+          </a:fontRef>
+        </p:style>
+        <p:txBody>
+          <a:bodyPr rtlCol="0" anchor="ctr"/>
+          <a:lstStyle/>
+          <a:p>
+            <a:pPr algn="ctr"/>
+            <a:r>
+              <a:rPr lang="en-US" sz="1100" dirty="0">
+                <a:solidFill>
+                  <a:schemeClr val="tx1"/>
+                </a:solidFill>
+              </a:rPr>
+              <a:t>Provider EHR / Authorization Server</a:t>
+            </a:r>
+          </a:p>
+        </p:txBody>
+      </p:sp>
+      <p:sp>
+        <p:nvSpPr>
+          <p:cNvPr id="25" name="Rectangle 24">
+            <a:extLst>
+              <a:ext uri="{FF2B5EF4-FFF2-40B4-BE49-F238E27FC236}">
+                <a16:creationId xmlns:a16="http://schemas.microsoft.com/office/drawing/2014/main" id="{14A6021C-7E08-DED5-A1E3-3AFFB4B6B369}"/>
+              </a:ext>
+            </a:extLst>
+          </p:cNvPr>
+          <p:cNvSpPr/>
+          <p:nvPr/>
+        </p:nvSpPr>
+        <p:spPr>
+          <a:xfrm>
+            <a:off x="3318675" y="2365706"/>
+            <a:ext cx="1592941" cy="421447"/>
+          </a:xfrm>
+          <a:prstGeom prst="rect">
+            <a:avLst/>
+          </a:prstGeom>
+          <a:solidFill>
+            <a:srgbClr val="EFF4F5"/>
+          </a:solidFill>
+          <a:ln w="12700"/>
+        </p:spPr>
+        <p:style>
+          <a:lnRef idx="2">
+            <a:schemeClr val="accent1">
+              <a:shade val="15000"/>
+            </a:schemeClr>
+          </a:lnRef>
+          <a:fillRef idx="1">
+            <a:schemeClr val="accent1"/>
+          </a:fillRef>
+          <a:effectRef idx="0">
+            <a:schemeClr val="accent1"/>
+          </a:effectRef>
+          <a:fontRef idx="minor">
+            <a:schemeClr val="lt1"/>
+          </a:fontRef>
+        </p:style>
+        <p:txBody>
+          <a:bodyPr rtlCol="0" anchor="ctr"/>
+          <a:lstStyle/>
+          <a:p>
+            <a:pPr algn="ctr"/>
+            <a:r>
+              <a:rPr lang="en-US" sz="1100" dirty="0">
+                <a:solidFill>
+                  <a:schemeClr val="tx1"/>
+                </a:solidFill>
+                <a:latin typeface="Calibri" panose="020F0502020204030204" pitchFamily="34" charset="0"/>
+                <a:cs typeface="Calibri" panose="020F0502020204030204" pitchFamily="34" charset="0"/>
+              </a:rPr>
+              <a:t>SMART / Native</a:t>
+            </a:r>
+          </a:p>
+          <a:p>
+            <a:pPr algn="ctr"/>
+            <a:r>
+              <a:rPr lang="en-US" sz="1100" dirty="0">
+                <a:solidFill>
+                  <a:schemeClr val="tx1"/>
+                </a:solidFill>
+                <a:latin typeface="Calibri" panose="020F0502020204030204" pitchFamily="34" charset="0"/>
+                <a:cs typeface="Calibri" panose="020F0502020204030204" pitchFamily="34" charset="0"/>
+              </a:rPr>
+              <a:t>App Launch</a:t>
+            </a:r>
+          </a:p>
+        </p:txBody>
+      </p:sp>
+      <p:sp>
+        <p:nvSpPr>
+          <p:cNvPr id="26" name="Rectangle 25">
+            <a:extLst>
+              <a:ext uri="{FF2B5EF4-FFF2-40B4-BE49-F238E27FC236}">
+                <a16:creationId xmlns:a16="http://schemas.microsoft.com/office/drawing/2014/main" id="{788F30AD-2812-F01F-8496-AF5FE9704CE1}"/>
+              </a:ext>
+            </a:extLst>
+          </p:cNvPr>
+          <p:cNvSpPr/>
+          <p:nvPr/>
+        </p:nvSpPr>
+        <p:spPr>
+          <a:xfrm>
+            <a:off x="6234338" y="1104543"/>
+            <a:ext cx="784168" cy="273466"/>
+          </a:xfrm>
+          <a:prstGeom prst="rect">
+            <a:avLst/>
+          </a:prstGeom>
+          <a:solidFill>
+            <a:srgbClr val="FCF0D0"/>
+          </a:solidFill>
+          <a:ln w="12700"/>
+        </p:spPr>
+        <p:style>
+          <a:lnRef idx="2">
+            <a:schemeClr val="accent1">
+              <a:shade val="15000"/>
+            </a:schemeClr>
+          </a:lnRef>
+          <a:fillRef idx="1">
+            <a:schemeClr val="accent1"/>
+          </a:fillRef>
+          <a:effectRef idx="0">
+            <a:schemeClr val="accent1"/>
+          </a:effectRef>
+          <a:fontRef idx="minor">
+            <a:schemeClr val="lt1"/>
+          </a:fontRef>
+        </p:style>
+        <p:txBody>
+          <a:bodyPr rtlCol="0" anchor="ctr"/>
+          <a:lstStyle/>
+          <a:p>
+            <a:pPr algn="ctr"/>
+            <a:r>
+              <a:rPr lang="en-US" sz="1100" dirty="0">
+                <a:solidFill>
+                  <a:schemeClr val="tx1"/>
+                </a:solidFill>
+              </a:rPr>
+              <a:t>DTR App</a:t>
+            </a:r>
+          </a:p>
+        </p:txBody>
+      </p:sp>
+      <p:cxnSp>
+        <p:nvCxnSpPr>
+          <p:cNvPr id="28" name="Straight Connector 27">
+            <a:extLst>
+              <a:ext uri="{FF2B5EF4-FFF2-40B4-BE49-F238E27FC236}">
+                <a16:creationId xmlns:a16="http://schemas.microsoft.com/office/drawing/2014/main" id="{CDF83695-9CA2-1E39-E37E-0DC999E5411A}"/>
+              </a:ext>
+            </a:extLst>
+          </p:cNvPr>
+          <p:cNvCxnSpPr>
+            <a:cxnSpLocks/>
+          </p:cNvCxnSpPr>
+          <p:nvPr/>
+        </p:nvCxnSpPr>
+        <p:spPr>
+          <a:xfrm>
+            <a:off x="6619106" y="1371497"/>
+            <a:ext cx="0" cy="4114800"/>
+          </a:xfrm>
+          <a:prstGeom prst="line">
+            <a:avLst/>
+          </a:prstGeom>
+          <a:ln w="15875">
+            <a:solidFill>
+              <a:schemeClr val="tx1"/>
+            </a:solidFill>
+          </a:ln>
+        </p:spPr>
+        <p:style>
+          <a:lnRef idx="1">
+            <a:schemeClr val="accent1"/>
+          </a:lnRef>
+          <a:fillRef idx="0">
+            <a:schemeClr val="accent1"/>
+          </a:fillRef>
+          <a:effectRef idx="0">
+            <a:schemeClr val="accent1"/>
+          </a:effectRef>
+          <a:fontRef idx="minor">
+            <a:schemeClr val="tx1"/>
+          </a:fontRef>
+        </p:style>
+      </p:cxnSp>
+      <p:sp>
+        <p:nvSpPr>
+          <p:cNvPr id="32" name="Rectangle 31">
+            <a:extLst>
+              <a:ext uri="{FF2B5EF4-FFF2-40B4-BE49-F238E27FC236}">
+                <a16:creationId xmlns:a16="http://schemas.microsoft.com/office/drawing/2014/main" id="{D9F9D125-DF7B-9178-4FA0-171758B7BBBC}"/>
+              </a:ext>
+            </a:extLst>
+          </p:cNvPr>
+          <p:cNvSpPr/>
+          <p:nvPr/>
+        </p:nvSpPr>
+        <p:spPr>
+          <a:xfrm>
+            <a:off x="6234338" y="5423407"/>
+            <a:ext cx="784168" cy="273466"/>
+          </a:xfrm>
+          <a:prstGeom prst="rect">
+            <a:avLst/>
+          </a:prstGeom>
+          <a:solidFill>
+            <a:srgbClr val="FCF0D0"/>
+          </a:solidFill>
+          <a:ln w="12700"/>
+        </p:spPr>
+        <p:style>
+          <a:lnRef idx="2">
+            <a:schemeClr val="accent1">
+              <a:shade val="15000"/>
+            </a:schemeClr>
+          </a:lnRef>
+          <a:fillRef idx="1">
+            <a:schemeClr val="accent1"/>
+          </a:fillRef>
+          <a:effectRef idx="0">
+            <a:schemeClr val="accent1"/>
+          </a:effectRef>
+          <a:fontRef idx="minor">
+            <a:schemeClr val="lt1"/>
+          </a:fontRef>
+        </p:style>
+        <p:txBody>
+          <a:bodyPr rtlCol="0" anchor="ctr"/>
+          <a:lstStyle/>
+          <a:p>
+            <a:pPr algn="ctr"/>
+            <a:r>
+              <a:rPr lang="en-US" sz="1100" dirty="0">
+                <a:solidFill>
+                  <a:schemeClr val="tx1"/>
+                </a:solidFill>
+              </a:rPr>
+              <a:t>DTR App</a:t>
+            </a:r>
+          </a:p>
+        </p:txBody>
+      </p:sp>
+      <p:sp>
+        <p:nvSpPr>
+          <p:cNvPr id="33" name="Rectangle 32">
+            <a:extLst>
+              <a:ext uri="{FF2B5EF4-FFF2-40B4-BE49-F238E27FC236}">
+                <a16:creationId xmlns:a16="http://schemas.microsoft.com/office/drawing/2014/main" id="{74686EC7-BC2F-83F0-21B5-1B8F8977B976}"/>
+              </a:ext>
+            </a:extLst>
+          </p:cNvPr>
+          <p:cNvSpPr/>
+          <p:nvPr/>
+        </p:nvSpPr>
+        <p:spPr>
+          <a:xfrm>
+            <a:off x="5522673" y="3073026"/>
+            <a:ext cx="2192866" cy="428675"/>
+          </a:xfrm>
+          <a:prstGeom prst="rect">
+            <a:avLst/>
+          </a:prstGeom>
+          <a:solidFill>
+            <a:srgbClr val="EFF4F5"/>
+          </a:solidFill>
+          <a:ln w="12700"/>
+        </p:spPr>
+        <p:style>
+          <a:lnRef idx="2">
+            <a:schemeClr val="accent1">
+              <a:shade val="15000"/>
+            </a:schemeClr>
+          </a:lnRef>
+          <a:fillRef idx="1">
+            <a:schemeClr val="accent1"/>
+          </a:fillRef>
+          <a:effectRef idx="0">
+            <a:schemeClr val="accent1"/>
+          </a:effectRef>
+          <a:fontRef idx="minor">
+            <a:schemeClr val="lt1"/>
+          </a:fontRef>
+        </p:style>
+        <p:txBody>
+          <a:bodyPr rtlCol="0" anchor="ctr"/>
+          <a:lstStyle/>
+          <a:p>
+            <a:pPr algn="ctr"/>
+            <a:r>
+              <a:rPr lang="en-US" sz="1100" dirty="0">
+                <a:solidFill>
+                  <a:schemeClr val="tx1"/>
+                </a:solidFill>
+                <a:latin typeface="Calibri" panose="020F0502020204030204" pitchFamily="34" charset="0"/>
+                <a:cs typeface="Calibri" panose="020F0502020204030204" pitchFamily="34" charset="0"/>
+              </a:rPr>
+              <a:t>DTR App Leverages</a:t>
+            </a:r>
+          </a:p>
+          <a:p>
+            <a:pPr algn="ctr"/>
+            <a:r>
+              <a:rPr lang="en-US" sz="1100" dirty="0">
+                <a:solidFill>
+                  <a:schemeClr val="tx1"/>
+                </a:solidFill>
+                <a:latin typeface="Calibri" panose="020F0502020204030204" pitchFamily="34" charset="0"/>
+                <a:cs typeface="Calibri" panose="020F0502020204030204" pitchFamily="34" charset="0"/>
+              </a:rPr>
+              <a:t>Pre-defined Payer Information</a:t>
+            </a:r>
+          </a:p>
+        </p:txBody>
+      </p:sp>
+      <p:cxnSp>
+        <p:nvCxnSpPr>
+          <p:cNvPr id="34" name="Straight Arrow Connector 33">
+            <a:extLst>
+              <a:ext uri="{FF2B5EF4-FFF2-40B4-BE49-F238E27FC236}">
+                <a16:creationId xmlns:a16="http://schemas.microsoft.com/office/drawing/2014/main" id="{A0053600-6658-C9CF-E778-61315E3EA646}"/>
+              </a:ext>
+            </a:extLst>
+          </p:cNvPr>
+          <p:cNvCxnSpPr>
+            <a:cxnSpLocks/>
+          </p:cNvCxnSpPr>
+          <p:nvPr/>
+        </p:nvCxnSpPr>
+        <p:spPr>
+          <a:xfrm>
+            <a:off x="4113794" y="2939121"/>
+            <a:ext cx="2507648" cy="0"/>
+          </a:xfrm>
+          <a:prstGeom prst="straightConnector1">
+            <a:avLst/>
+          </a:prstGeom>
+          <a:ln w="15875">
+            <a:solidFill>
+              <a:schemeClr val="tx1"/>
+            </a:solidFill>
+            <a:tailEnd type="triangle"/>
+          </a:ln>
+        </p:spPr>
+        <p:style>
+          <a:lnRef idx="1">
+            <a:schemeClr val="accent1"/>
+          </a:lnRef>
+          <a:fillRef idx="0">
+            <a:schemeClr val="accent1"/>
+          </a:fillRef>
+          <a:effectRef idx="0">
+            <a:schemeClr val="accent1"/>
+          </a:effectRef>
+          <a:fontRef idx="minor">
+            <a:schemeClr val="tx1"/>
+          </a:fontRef>
+        </p:style>
+      </p:cxnSp>
+      <p:sp>
+        <p:nvSpPr>
+          <p:cNvPr id="35" name="Rectangle 34">
+            <a:extLst>
+              <a:ext uri="{FF2B5EF4-FFF2-40B4-BE49-F238E27FC236}">
+                <a16:creationId xmlns:a16="http://schemas.microsoft.com/office/drawing/2014/main" id="{48A96087-E3B0-C099-A72D-ED2A55FC315F}"/>
+              </a:ext>
+            </a:extLst>
+          </p:cNvPr>
+          <p:cNvSpPr/>
+          <p:nvPr/>
+        </p:nvSpPr>
+        <p:spPr>
+          <a:xfrm>
+            <a:off x="8739650" y="1106928"/>
+            <a:ext cx="784168" cy="273466"/>
+          </a:xfrm>
+          <a:prstGeom prst="rect">
+            <a:avLst/>
+          </a:prstGeom>
+          <a:solidFill>
+            <a:srgbClr val="FCF0D0"/>
+          </a:solidFill>
+          <a:ln w="12700"/>
+        </p:spPr>
+        <p:style>
+          <a:lnRef idx="2">
+            <a:schemeClr val="accent1">
+              <a:shade val="15000"/>
+            </a:schemeClr>
+          </a:lnRef>
+          <a:fillRef idx="1">
+            <a:schemeClr val="accent1"/>
+          </a:fillRef>
+          <a:effectRef idx="0">
+            <a:schemeClr val="accent1"/>
+          </a:effectRef>
+          <a:fontRef idx="minor">
+            <a:schemeClr val="lt1"/>
+          </a:fontRef>
+        </p:style>
+        <p:txBody>
+          <a:bodyPr rtlCol="0" anchor="ctr"/>
+          <a:lstStyle/>
+          <a:p>
+            <a:pPr algn="ctr"/>
+            <a:r>
+              <a:rPr lang="en-US" sz="1100" dirty="0">
+                <a:solidFill>
+                  <a:schemeClr val="tx1"/>
+                </a:solidFill>
+              </a:rPr>
+              <a:t>Payer</a:t>
+            </a:r>
+          </a:p>
+        </p:txBody>
+      </p:sp>
+      <p:cxnSp>
+        <p:nvCxnSpPr>
+          <p:cNvPr id="36" name="Straight Connector 35">
+            <a:extLst>
+              <a:ext uri="{FF2B5EF4-FFF2-40B4-BE49-F238E27FC236}">
+                <a16:creationId xmlns:a16="http://schemas.microsoft.com/office/drawing/2014/main" id="{D340A4FC-9CFB-E9F8-26AF-8412F0029346}"/>
+              </a:ext>
+            </a:extLst>
+          </p:cNvPr>
+          <p:cNvCxnSpPr>
+            <a:cxnSpLocks/>
+          </p:cNvCxnSpPr>
+          <p:nvPr/>
+        </p:nvCxnSpPr>
+        <p:spPr>
+          <a:xfrm>
+            <a:off x="9124390" y="1371752"/>
+            <a:ext cx="0" cy="4114800"/>
+          </a:xfrm>
+          <a:prstGeom prst="line">
+            <a:avLst/>
+          </a:prstGeom>
+          <a:ln w="15875">
+            <a:solidFill>
+              <a:schemeClr val="tx1"/>
+            </a:solidFill>
+          </a:ln>
+        </p:spPr>
+        <p:style>
+          <a:lnRef idx="1">
+            <a:schemeClr val="accent1"/>
+          </a:lnRef>
+          <a:fillRef idx="0">
+            <a:schemeClr val="accent1"/>
+          </a:fillRef>
+          <a:effectRef idx="0">
+            <a:schemeClr val="accent1"/>
+          </a:effectRef>
+          <a:fontRef idx="minor">
+            <a:schemeClr val="tx1"/>
+          </a:fontRef>
+        </p:style>
+      </p:cxnSp>
+      <p:sp>
+        <p:nvSpPr>
+          <p:cNvPr id="37" name="Rectangle 36">
+            <a:extLst>
+              <a:ext uri="{FF2B5EF4-FFF2-40B4-BE49-F238E27FC236}">
+                <a16:creationId xmlns:a16="http://schemas.microsoft.com/office/drawing/2014/main" id="{1AC99BA0-A8AE-94DD-72CC-6593026E7F9B}"/>
+              </a:ext>
+            </a:extLst>
+          </p:cNvPr>
+          <p:cNvSpPr/>
+          <p:nvPr/>
+        </p:nvSpPr>
+        <p:spPr>
+          <a:xfrm>
+            <a:off x="8739650" y="5425792"/>
+            <a:ext cx="784168" cy="273466"/>
+          </a:xfrm>
+          <a:prstGeom prst="rect">
+            <a:avLst/>
+          </a:prstGeom>
+          <a:solidFill>
+            <a:srgbClr val="FCF0D0"/>
+          </a:solidFill>
+          <a:ln w="12700"/>
+        </p:spPr>
+        <p:style>
+          <a:lnRef idx="2">
+            <a:schemeClr val="accent1">
+              <a:shade val="15000"/>
+            </a:schemeClr>
+          </a:lnRef>
+          <a:fillRef idx="1">
+            <a:schemeClr val="accent1"/>
+          </a:fillRef>
+          <a:effectRef idx="0">
+            <a:schemeClr val="accent1"/>
+          </a:effectRef>
+          <a:fontRef idx="minor">
+            <a:schemeClr val="lt1"/>
+          </a:fontRef>
+        </p:style>
+        <p:txBody>
+          <a:bodyPr rtlCol="0" anchor="ctr"/>
+          <a:lstStyle/>
+          <a:p>
+            <a:pPr algn="ctr"/>
+            <a:r>
+              <a:rPr lang="en-US" sz="1100" dirty="0">
+                <a:solidFill>
+                  <a:schemeClr val="tx1"/>
+                </a:solidFill>
+              </a:rPr>
+              <a:t>Payer</a:t>
+            </a:r>
+          </a:p>
+        </p:txBody>
+      </p:sp>
+      <p:cxnSp>
+        <p:nvCxnSpPr>
+          <p:cNvPr id="38" name="Straight Arrow Connector 37">
+            <a:extLst>
+              <a:ext uri="{FF2B5EF4-FFF2-40B4-BE49-F238E27FC236}">
+                <a16:creationId xmlns:a16="http://schemas.microsoft.com/office/drawing/2014/main" id="{135BB08E-C7EA-7AA9-01AF-9D84DD258D64}"/>
+              </a:ext>
+            </a:extLst>
+          </p:cNvPr>
+          <p:cNvCxnSpPr>
+            <a:cxnSpLocks/>
+          </p:cNvCxnSpPr>
+          <p:nvPr/>
+        </p:nvCxnSpPr>
+        <p:spPr>
+          <a:xfrm>
+            <a:off x="6621442" y="3814779"/>
+            <a:ext cx="2505312" cy="0"/>
+          </a:xfrm>
+          <a:prstGeom prst="straightConnector1">
+            <a:avLst/>
+          </a:prstGeom>
+          <a:ln w="15875">
+            <a:solidFill>
+              <a:schemeClr val="tx1"/>
+            </a:solidFill>
+            <a:tailEnd type="triangle"/>
+          </a:ln>
+        </p:spPr>
+        <p:style>
+          <a:lnRef idx="1">
+            <a:schemeClr val="accent1"/>
+          </a:lnRef>
+          <a:fillRef idx="0">
+            <a:schemeClr val="accent1"/>
+          </a:fillRef>
+          <a:effectRef idx="0">
+            <a:schemeClr val="accent1"/>
+          </a:effectRef>
+          <a:fontRef idx="minor">
+            <a:schemeClr val="tx1"/>
+          </a:fontRef>
+        </p:style>
+      </p:cxnSp>
+      <p:cxnSp>
+        <p:nvCxnSpPr>
+          <p:cNvPr id="39" name="Straight Arrow Connector 38">
+            <a:extLst>
+              <a:ext uri="{FF2B5EF4-FFF2-40B4-BE49-F238E27FC236}">
+                <a16:creationId xmlns:a16="http://schemas.microsoft.com/office/drawing/2014/main" id="{E1D6E0E2-7617-A83C-AE7C-86CF78945173}"/>
+              </a:ext>
+            </a:extLst>
+          </p:cNvPr>
+          <p:cNvCxnSpPr>
+            <a:cxnSpLocks/>
+          </p:cNvCxnSpPr>
+          <p:nvPr/>
+        </p:nvCxnSpPr>
+        <p:spPr>
+          <a:xfrm flipH="1">
+            <a:off x="6621442" y="4141464"/>
+            <a:ext cx="2505312" cy="0"/>
+          </a:xfrm>
+          <a:prstGeom prst="straightConnector1">
+            <a:avLst/>
+          </a:prstGeom>
+          <a:ln w="15875">
+            <a:solidFill>
+              <a:schemeClr val="tx1"/>
+            </a:solidFill>
+            <a:prstDash val="dash"/>
+            <a:tailEnd type="triangle"/>
+          </a:ln>
+        </p:spPr>
+        <p:style>
+          <a:lnRef idx="1">
+            <a:schemeClr val="accent1"/>
+          </a:lnRef>
+          <a:fillRef idx="0">
+            <a:schemeClr val="accent1"/>
+          </a:fillRef>
+          <a:effectRef idx="0">
+            <a:schemeClr val="accent1"/>
+          </a:effectRef>
+          <a:fontRef idx="minor">
+            <a:schemeClr val="tx1"/>
+          </a:fontRef>
+        </p:style>
+      </p:cxnSp>
+      <p:sp>
+        <p:nvSpPr>
+          <p:cNvPr id="40" name="TextBox 39">
+            <a:extLst>
+              <a:ext uri="{FF2B5EF4-FFF2-40B4-BE49-F238E27FC236}">
+                <a16:creationId xmlns:a16="http://schemas.microsoft.com/office/drawing/2014/main" id="{256772B0-6844-A979-A499-35BBC9EA2CA0}"/>
+              </a:ext>
+            </a:extLst>
+          </p:cNvPr>
+          <p:cNvSpPr txBox="1"/>
+          <p:nvPr/>
+        </p:nvSpPr>
+        <p:spPr>
+          <a:xfrm>
+            <a:off x="6619108" y="3642374"/>
+            <a:ext cx="2505283" cy="161583"/>
+          </a:xfrm>
+          <a:prstGeom prst="rect">
+            <a:avLst/>
+          </a:prstGeom>
+          <a:noFill/>
+        </p:spPr>
+        <p:txBody>
+          <a:bodyPr wrap="square" lIns="0" tIns="0" rIns="0" bIns="0" rtlCol="0">
+            <a:spAutoFit/>
+          </a:bodyPr>
+          <a:lstStyle/>
+          <a:p>
+            <a:pPr algn="ctr"/>
+            <a:r>
+              <a:rPr lang="en-US" sz="1050" dirty="0">
+                <a:solidFill>
+                  <a:srgbClr val="533F05"/>
+                </a:solidFill>
+                <a:latin typeface="Consolas" panose="020B0609020204030204" pitchFamily="49" charset="0"/>
+                <a:cs typeface="Calibri" panose="020F0502020204030204" pitchFamily="34" charset="0"/>
+              </a:rPr>
+              <a:t>$questionnaire-package</a:t>
+            </a:r>
+            <a:r>
+              <a:rPr lang="en-US" sz="1050" dirty="0">
+                <a:solidFill>
+                  <a:schemeClr val="accent1">
+                    <a:lumMod val="50000"/>
+                  </a:schemeClr>
+                </a:solidFill>
+                <a:latin typeface="Consolas" panose="020B0609020204030204" pitchFamily="49" charset="0"/>
+                <a:cs typeface="Calibri" panose="020F0502020204030204" pitchFamily="34" charset="0"/>
+              </a:rPr>
+              <a:t> </a:t>
+            </a:r>
+            <a:r>
+              <a:rPr lang="en-US" sz="1050" dirty="0">
+                <a:solidFill>
+                  <a:schemeClr val="accent1">
+                    <a:lumMod val="50000"/>
+                  </a:schemeClr>
+                </a:solidFill>
+                <a:latin typeface="Calibri" panose="020F0502020204030204" pitchFamily="34" charset="0"/>
+                <a:cs typeface="Calibri" panose="020F0502020204030204" pitchFamily="34" charset="0"/>
+              </a:rPr>
+              <a:t>Operation</a:t>
+            </a:r>
+            <a:endParaRPr lang="en-US" sz="1000" dirty="0">
+              <a:solidFill>
+                <a:schemeClr val="accent1">
+                  <a:lumMod val="50000"/>
+                </a:schemeClr>
+              </a:solidFill>
+              <a:latin typeface="Calibri" panose="020F0502020204030204" pitchFamily="34" charset="0"/>
+              <a:cs typeface="Calibri" panose="020F0502020204030204" pitchFamily="34" charset="0"/>
+            </a:endParaRPr>
+          </a:p>
+        </p:txBody>
+      </p:sp>
+      <p:sp>
+        <p:nvSpPr>
+          <p:cNvPr id="41" name="TextBox 40">
+            <a:extLst>
+              <a:ext uri="{FF2B5EF4-FFF2-40B4-BE49-F238E27FC236}">
+                <a16:creationId xmlns:a16="http://schemas.microsoft.com/office/drawing/2014/main" id="{FB569644-87A9-2A23-8050-662FBC6DA64F}"/>
+              </a:ext>
+            </a:extLst>
+          </p:cNvPr>
+          <p:cNvSpPr txBox="1"/>
+          <p:nvPr/>
+        </p:nvSpPr>
+        <p:spPr>
+          <a:xfrm>
+            <a:off x="6626451" y="3956504"/>
+            <a:ext cx="2505283" cy="169277"/>
+          </a:xfrm>
+          <a:prstGeom prst="rect">
+            <a:avLst/>
+          </a:prstGeom>
+          <a:noFill/>
+        </p:spPr>
+        <p:txBody>
+          <a:bodyPr wrap="square" lIns="0" tIns="0" rIns="0" bIns="0" rtlCol="0">
+            <a:spAutoFit/>
+          </a:bodyPr>
+          <a:lstStyle/>
+          <a:p>
+            <a:pPr algn="ctr"/>
+            <a:r>
+              <a:rPr lang="en-US" sz="1100" dirty="0">
+                <a:solidFill>
+                  <a:schemeClr val="accent1">
+                    <a:lumMod val="50000"/>
+                  </a:schemeClr>
+                </a:solidFill>
+                <a:latin typeface="Calibri" panose="020F0502020204030204" pitchFamily="34" charset="0"/>
+                <a:cs typeface="Calibri" panose="020F0502020204030204" pitchFamily="34" charset="0"/>
+              </a:rPr>
+              <a:t>Returns “Questionnaire Package”</a:t>
+            </a:r>
+          </a:p>
+        </p:txBody>
+      </p:sp>
+      <p:sp>
+        <p:nvSpPr>
+          <p:cNvPr id="42" name="Rectangle 41">
+            <a:extLst>
+              <a:ext uri="{FF2B5EF4-FFF2-40B4-BE49-F238E27FC236}">
+                <a16:creationId xmlns:a16="http://schemas.microsoft.com/office/drawing/2014/main" id="{7F56E119-D1F1-AF52-E416-BD7861CF415F}"/>
+              </a:ext>
+            </a:extLst>
+          </p:cNvPr>
+          <p:cNvSpPr/>
+          <p:nvPr/>
+        </p:nvSpPr>
+        <p:spPr>
+          <a:xfrm>
+            <a:off x="5373335" y="4390592"/>
+            <a:ext cx="2505283" cy="370164"/>
+          </a:xfrm>
+          <a:prstGeom prst="rect">
+            <a:avLst/>
+          </a:prstGeom>
+          <a:solidFill>
+            <a:srgbClr val="EFF4F5"/>
+          </a:solidFill>
+          <a:ln w="12700"/>
+        </p:spPr>
+        <p:style>
+          <a:lnRef idx="2">
+            <a:schemeClr val="accent1">
+              <a:shade val="15000"/>
+            </a:schemeClr>
+          </a:lnRef>
+          <a:fillRef idx="1">
+            <a:schemeClr val="accent1"/>
+          </a:fillRef>
+          <a:effectRef idx="0">
+            <a:schemeClr val="accent1"/>
+          </a:effectRef>
+          <a:fontRef idx="minor">
+            <a:schemeClr val="lt1"/>
+          </a:fontRef>
+        </p:style>
+        <p:txBody>
+          <a:bodyPr rtlCol="0" anchor="ctr"/>
+          <a:lstStyle/>
+          <a:p>
+            <a:pPr algn="ctr"/>
+            <a:r>
+              <a:rPr lang="en-US" sz="1100" dirty="0">
+                <a:solidFill>
+                  <a:schemeClr val="tx1"/>
+                </a:solidFill>
+                <a:latin typeface="Calibri" panose="020F0502020204030204" pitchFamily="34" charset="0"/>
+                <a:cs typeface="Calibri" panose="020F0502020204030204" pitchFamily="34" charset="0"/>
+              </a:rPr>
+              <a:t>DTR uses “Questionnaire Package”</a:t>
+            </a:r>
+          </a:p>
+          <a:p>
+            <a:pPr algn="ctr"/>
+            <a:r>
+              <a:rPr lang="en-US" sz="1100" dirty="0">
+                <a:solidFill>
+                  <a:schemeClr val="tx1"/>
+                </a:solidFill>
+                <a:latin typeface="Calibri" panose="020F0502020204030204" pitchFamily="34" charset="0"/>
+                <a:cs typeface="Calibri" panose="020F0502020204030204" pitchFamily="34" charset="0"/>
+              </a:rPr>
+              <a:t>to pre-populate QuestionnaireResponse</a:t>
+            </a:r>
+          </a:p>
+        </p:txBody>
+      </p:sp>
+      <p:sp>
+        <p:nvSpPr>
+          <p:cNvPr id="43" name="TextBox 42">
+            <a:extLst>
+              <a:ext uri="{FF2B5EF4-FFF2-40B4-BE49-F238E27FC236}">
+                <a16:creationId xmlns:a16="http://schemas.microsoft.com/office/drawing/2014/main" id="{D4860FC9-626E-1925-0983-39E4F7262151}"/>
+              </a:ext>
+            </a:extLst>
+          </p:cNvPr>
+          <p:cNvSpPr txBox="1"/>
+          <p:nvPr/>
+        </p:nvSpPr>
+        <p:spPr>
+          <a:xfrm>
+            <a:off x="2507811" y="567018"/>
+            <a:ext cx="7387627" cy="184666"/>
+          </a:xfrm>
+          <a:prstGeom prst="rect">
+            <a:avLst/>
+          </a:prstGeom>
+          <a:noFill/>
+        </p:spPr>
+        <p:txBody>
+          <a:bodyPr wrap="square" lIns="0" tIns="0" rIns="0" bIns="0" rtlCol="0">
+            <a:spAutoFit/>
+          </a:bodyPr>
+          <a:lstStyle/>
+          <a:p>
+            <a:pPr algn="ctr"/>
+            <a:r>
+              <a:rPr lang="en-US" sz="1200" b="1" dirty="0">
+                <a:cs typeface="Calibri" panose="020F0502020204030204" pitchFamily="34" charset="0"/>
+              </a:rPr>
+              <a:t>DTR Sequence Diagram</a:t>
+            </a:r>
+          </a:p>
+        </p:txBody>
+      </p:sp>
+      <p:cxnSp>
+        <p:nvCxnSpPr>
+          <p:cNvPr id="2" name="Straight Arrow Connector 1">
+            <a:extLst>
+              <a:ext uri="{FF2B5EF4-FFF2-40B4-BE49-F238E27FC236}">
+                <a16:creationId xmlns:a16="http://schemas.microsoft.com/office/drawing/2014/main" id="{892C4D49-4350-98D1-B3FF-DEF8F6582929}"/>
+              </a:ext>
+            </a:extLst>
+          </p:cNvPr>
+          <p:cNvCxnSpPr>
+            <a:cxnSpLocks/>
+          </p:cNvCxnSpPr>
+          <p:nvPr/>
+        </p:nvCxnSpPr>
+        <p:spPr>
+          <a:xfrm>
+            <a:off x="4113794" y="5135089"/>
+            <a:ext cx="2505312" cy="0"/>
+          </a:xfrm>
+          <a:prstGeom prst="straightConnector1">
+            <a:avLst/>
+          </a:prstGeom>
+          <a:ln w="15875">
+            <a:solidFill>
+              <a:schemeClr val="tx1"/>
+            </a:solidFill>
+            <a:headEnd type="triangle"/>
+            <a:tailEnd type="none"/>
+          </a:ln>
+        </p:spPr>
+        <p:style>
+          <a:lnRef idx="1">
+            <a:schemeClr val="accent1"/>
+          </a:lnRef>
+          <a:fillRef idx="0">
+            <a:schemeClr val="accent1"/>
+          </a:fillRef>
+          <a:effectRef idx="0">
+            <a:schemeClr val="accent1"/>
+          </a:effectRef>
+          <a:fontRef idx="minor">
+            <a:schemeClr val="tx1"/>
+          </a:fontRef>
+        </p:style>
+      </p:cxnSp>
+      <p:sp>
+        <p:nvSpPr>
+          <p:cNvPr id="4" name="TextBox 3">
+            <a:extLst>
+              <a:ext uri="{FF2B5EF4-FFF2-40B4-BE49-F238E27FC236}">
+                <a16:creationId xmlns:a16="http://schemas.microsoft.com/office/drawing/2014/main" id="{E8143FD7-5DF2-A24A-6FD6-6740ABA85B64}"/>
+              </a:ext>
+            </a:extLst>
+          </p:cNvPr>
+          <p:cNvSpPr txBox="1"/>
+          <p:nvPr/>
+        </p:nvSpPr>
+        <p:spPr>
+          <a:xfrm>
+            <a:off x="4133251" y="4941161"/>
+            <a:ext cx="2471124" cy="169277"/>
+          </a:xfrm>
+          <a:prstGeom prst="rect">
+            <a:avLst/>
+          </a:prstGeom>
+          <a:noFill/>
+        </p:spPr>
+        <p:txBody>
+          <a:bodyPr wrap="square" lIns="0" tIns="0" rIns="0" bIns="0" rtlCol="0">
+            <a:spAutoFit/>
+          </a:bodyPr>
+          <a:lstStyle/>
+          <a:p>
+            <a:pPr algn="ctr"/>
+            <a:r>
+              <a:rPr lang="en-US" sz="1100" dirty="0">
+                <a:solidFill>
+                  <a:schemeClr val="accent1">
+                    <a:lumMod val="50000"/>
+                  </a:schemeClr>
+                </a:solidFill>
+                <a:latin typeface="Calibri" panose="020F0502020204030204" pitchFamily="34" charset="0"/>
+                <a:cs typeface="Calibri" panose="020F0502020204030204" pitchFamily="34" charset="0"/>
+              </a:rPr>
+              <a:t>Store completed QuestionnaireResponse</a:t>
+            </a:r>
+          </a:p>
+        </p:txBody>
+      </p:sp>
+      <p:cxnSp>
+        <p:nvCxnSpPr>
+          <p:cNvPr id="9" name="Straight Arrow Connector 8">
+            <a:extLst>
+              <a:ext uri="{FF2B5EF4-FFF2-40B4-BE49-F238E27FC236}">
+                <a16:creationId xmlns:a16="http://schemas.microsoft.com/office/drawing/2014/main" id="{311E8002-3B8E-352B-97CD-3561BF0DD465}"/>
+              </a:ext>
+            </a:extLst>
+          </p:cNvPr>
+          <p:cNvCxnSpPr>
+            <a:cxnSpLocks/>
+          </p:cNvCxnSpPr>
+          <p:nvPr/>
+        </p:nvCxnSpPr>
+        <p:spPr>
+          <a:xfrm>
+            <a:off x="4122505" y="1776931"/>
+            <a:ext cx="2505312" cy="0"/>
+          </a:xfrm>
+          <a:prstGeom prst="straightConnector1">
+            <a:avLst/>
+          </a:prstGeom>
+          <a:ln w="15875">
+            <a:solidFill>
+              <a:schemeClr val="accent6">
+                <a:lumMod val="50000"/>
+              </a:schemeClr>
+            </a:solidFill>
+            <a:prstDash val="sysDash"/>
+            <a:headEnd type="triangle"/>
+            <a:tailEnd type="triangle"/>
+          </a:ln>
+        </p:spPr>
+        <p:style>
+          <a:lnRef idx="1">
+            <a:schemeClr val="accent1"/>
+          </a:lnRef>
+          <a:fillRef idx="0">
+            <a:schemeClr val="accent1"/>
+          </a:fillRef>
+          <a:effectRef idx="0">
+            <a:schemeClr val="accent1"/>
+          </a:effectRef>
+          <a:fontRef idx="minor">
+            <a:schemeClr val="tx1"/>
+          </a:fontRef>
+        </p:style>
+      </p:cxnSp>
+      <p:sp>
+        <p:nvSpPr>
+          <p:cNvPr id="10" name="TextBox 9">
+            <a:extLst>
+              <a:ext uri="{FF2B5EF4-FFF2-40B4-BE49-F238E27FC236}">
+                <a16:creationId xmlns:a16="http://schemas.microsoft.com/office/drawing/2014/main" id="{440BEA11-AEF8-63BC-060C-1BF3CA501DC3}"/>
+              </a:ext>
+            </a:extLst>
+          </p:cNvPr>
+          <p:cNvSpPr txBox="1"/>
+          <p:nvPr/>
+        </p:nvSpPr>
+        <p:spPr>
+          <a:xfrm>
+            <a:off x="4141962" y="1598905"/>
+            <a:ext cx="2471124" cy="169277"/>
+          </a:xfrm>
+          <a:prstGeom prst="rect">
+            <a:avLst/>
+          </a:prstGeom>
+          <a:noFill/>
+        </p:spPr>
+        <p:txBody>
+          <a:bodyPr wrap="square" lIns="0" tIns="0" rIns="0" bIns="0" rtlCol="0">
+            <a:spAutoFit/>
+          </a:bodyPr>
+          <a:lstStyle/>
+          <a:p>
+            <a:pPr algn="ctr"/>
+            <a:r>
+              <a:rPr lang="en-US" sz="1100" dirty="0">
+                <a:solidFill>
+                  <a:schemeClr val="accent1">
+                    <a:lumMod val="50000"/>
+                  </a:schemeClr>
+                </a:solidFill>
+                <a:latin typeface="Calibri" panose="020F0502020204030204" pitchFamily="34" charset="0"/>
+                <a:cs typeface="Calibri" panose="020F0502020204030204" pitchFamily="34" charset="0"/>
+              </a:rPr>
+              <a:t>Configure EHR to App Connectivity</a:t>
+            </a:r>
+          </a:p>
+        </p:txBody>
+      </p:sp>
+      <p:sp>
+        <p:nvSpPr>
+          <p:cNvPr id="12" name="TextBox 11">
+            <a:extLst>
+              <a:ext uri="{FF2B5EF4-FFF2-40B4-BE49-F238E27FC236}">
+                <a16:creationId xmlns:a16="http://schemas.microsoft.com/office/drawing/2014/main" id="{E0497F3A-70BC-E04D-325B-594F1515DB2E}"/>
+              </a:ext>
+            </a:extLst>
+          </p:cNvPr>
+          <p:cNvSpPr txBox="1"/>
+          <p:nvPr/>
+        </p:nvSpPr>
+        <p:spPr>
+          <a:xfrm>
+            <a:off x="5166141" y="1965319"/>
+            <a:ext cx="2902926" cy="215444"/>
+          </a:xfrm>
+          <a:prstGeom prst="rect">
+            <a:avLst/>
+          </a:prstGeom>
+          <a:solidFill>
+            <a:schemeClr val="bg1"/>
+          </a:solidFill>
+        </p:spPr>
+        <p:txBody>
+          <a:bodyPr wrap="square" lIns="0" tIns="0" rIns="0" bIns="45720" rtlCol="0">
+            <a:spAutoFit/>
+          </a:bodyPr>
+          <a:lstStyle/>
+          <a:p>
+            <a:pPr algn="ctr"/>
+            <a:r>
+              <a:rPr lang="en-US" sz="1100" dirty="0">
+                <a:solidFill>
+                  <a:schemeClr val="accent1">
+                    <a:lumMod val="50000"/>
+                  </a:schemeClr>
+                </a:solidFill>
+                <a:latin typeface="Calibri" panose="020F0502020204030204" pitchFamily="34" charset="0"/>
+                <a:cs typeface="Calibri" panose="020F0502020204030204" pitchFamily="34" charset="0"/>
+              </a:rPr>
+              <a:t>Configure App/EHR to Payer Connectivity</a:t>
+            </a:r>
+          </a:p>
+        </p:txBody>
+      </p:sp>
+      <p:cxnSp>
+        <p:nvCxnSpPr>
+          <p:cNvPr id="13" name="Straight Arrow Connector 12">
+            <a:extLst>
+              <a:ext uri="{FF2B5EF4-FFF2-40B4-BE49-F238E27FC236}">
+                <a16:creationId xmlns:a16="http://schemas.microsoft.com/office/drawing/2014/main" id="{68626E8B-6116-B628-3234-D29AB78B5C7D}"/>
+              </a:ext>
+            </a:extLst>
+          </p:cNvPr>
+          <p:cNvCxnSpPr>
+            <a:cxnSpLocks/>
+          </p:cNvCxnSpPr>
+          <p:nvPr/>
+        </p:nvCxnSpPr>
+        <p:spPr>
+          <a:xfrm>
+            <a:off x="4113794" y="2145877"/>
+            <a:ext cx="2505312" cy="0"/>
+          </a:xfrm>
+          <a:prstGeom prst="straightConnector1">
+            <a:avLst/>
+          </a:prstGeom>
+          <a:ln w="15875">
+            <a:solidFill>
+              <a:schemeClr val="accent6">
+                <a:lumMod val="50000"/>
+              </a:schemeClr>
+            </a:solidFill>
+            <a:prstDash val="sysDash"/>
+            <a:headEnd type="triangle"/>
+            <a:tailEnd type="none"/>
+          </a:ln>
+        </p:spPr>
+        <p:style>
+          <a:lnRef idx="1">
+            <a:schemeClr val="accent1"/>
+          </a:lnRef>
+          <a:fillRef idx="0">
+            <a:schemeClr val="accent1"/>
+          </a:fillRef>
+          <a:effectRef idx="0">
+            <a:schemeClr val="accent1"/>
+          </a:effectRef>
+          <a:fontRef idx="minor">
+            <a:schemeClr val="tx1"/>
+          </a:fontRef>
+        </p:style>
+      </p:cxnSp>
+      <p:cxnSp>
+        <p:nvCxnSpPr>
+          <p:cNvPr id="11" name="Straight Arrow Connector 10">
+            <a:extLst>
+              <a:ext uri="{FF2B5EF4-FFF2-40B4-BE49-F238E27FC236}">
+                <a16:creationId xmlns:a16="http://schemas.microsoft.com/office/drawing/2014/main" id="{B31704B7-1AF1-6FCA-85F9-9D05FDF8C46F}"/>
+              </a:ext>
+            </a:extLst>
+          </p:cNvPr>
+          <p:cNvCxnSpPr>
+            <a:cxnSpLocks/>
+          </p:cNvCxnSpPr>
+          <p:nvPr/>
+        </p:nvCxnSpPr>
+        <p:spPr>
+          <a:xfrm>
+            <a:off x="6618095" y="2145877"/>
+            <a:ext cx="2505312" cy="0"/>
+          </a:xfrm>
+          <a:prstGeom prst="straightConnector1">
+            <a:avLst/>
+          </a:prstGeom>
+          <a:ln w="15875">
+            <a:solidFill>
+              <a:schemeClr val="accent6">
+                <a:lumMod val="50000"/>
+              </a:schemeClr>
+            </a:solidFill>
+            <a:prstDash val="sysDash"/>
+            <a:headEnd type="none"/>
+            <a:tailEnd type="triangle"/>
+          </a:ln>
+        </p:spPr>
+        <p:style>
+          <a:lnRef idx="1">
+            <a:schemeClr val="accent1"/>
+          </a:lnRef>
+          <a:fillRef idx="0">
+            <a:schemeClr val="accent1"/>
+          </a:fillRef>
+          <a:effectRef idx="0">
+            <a:schemeClr val="accent1"/>
+          </a:effectRef>
+          <a:fontRef idx="minor">
+            <a:schemeClr val="tx1"/>
+          </a:fontRef>
+        </p:style>
+      </p:cxnSp>
+      <p:sp>
+        <p:nvSpPr>
+          <p:cNvPr id="14" name="Oval 13">
+            <a:extLst>
+              <a:ext uri="{FF2B5EF4-FFF2-40B4-BE49-F238E27FC236}">
+                <a16:creationId xmlns:a16="http://schemas.microsoft.com/office/drawing/2014/main" id="{106B48EF-D7EC-97AD-DC7B-127BF1321EEE}"/>
+              </a:ext>
+            </a:extLst>
+          </p:cNvPr>
+          <p:cNvSpPr/>
+          <p:nvPr/>
+        </p:nvSpPr>
+        <p:spPr>
+          <a:xfrm>
+            <a:off x="6581389" y="2108203"/>
+            <a:ext cx="73152" cy="73152"/>
+          </a:xfrm>
+          <a:prstGeom prst="ellipse">
+            <a:avLst/>
+          </a:prstGeom>
+          <a:solidFill>
+            <a:schemeClr val="accent6">
+              <a:lumMod val="50000"/>
+            </a:schemeClr>
+          </a:solidFill>
+          <a:ln>
+            <a:noFill/>
+          </a:ln>
+        </p:spPr>
+        <p:style>
+          <a:lnRef idx="2">
+            <a:schemeClr val="accent1">
+              <a:shade val="15000"/>
+            </a:schemeClr>
+          </a:lnRef>
+          <a:fillRef idx="1">
+            <a:schemeClr val="accent1"/>
+          </a:fillRef>
+          <a:effectRef idx="0">
+            <a:schemeClr val="accent1"/>
+          </a:effectRef>
+          <a:fontRef idx="minor">
+            <a:schemeClr val="lt1"/>
+          </a:fontRef>
+        </p:style>
+        <p:txBody>
+          <a:bodyPr rtlCol="0" anchor="ctr"/>
+          <a:lstStyle/>
+          <a:p>
+            <a:pPr algn="ctr"/>
+            <a:endParaRPr lang="en-US"/>
+          </a:p>
+        </p:txBody>
+      </p:sp>
+      <p:sp>
+        <p:nvSpPr>
+          <p:cNvPr id="3" name="TextBox 2">
+            <a:extLst>
+              <a:ext uri="{FF2B5EF4-FFF2-40B4-BE49-F238E27FC236}">
+                <a16:creationId xmlns:a16="http://schemas.microsoft.com/office/drawing/2014/main" id="{037746E4-6850-12CE-678A-D6C1520B90D7}"/>
+              </a:ext>
+            </a:extLst>
+          </p:cNvPr>
+          <p:cNvSpPr txBox="1"/>
+          <p:nvPr/>
+        </p:nvSpPr>
+        <p:spPr>
+          <a:xfrm rot="19272952">
+            <a:off x="-102875" y="1006334"/>
+            <a:ext cx="3299914" cy="369332"/>
+          </a:xfrm>
+          <a:prstGeom prst="rect">
+            <a:avLst/>
+          </a:prstGeom>
+          <a:noFill/>
+        </p:spPr>
+        <p:txBody>
+          <a:bodyPr wrap="square" lIns="0" tIns="0" rIns="0" bIns="0" rtlCol="0">
+            <a:spAutoFit/>
+          </a:bodyPr>
+          <a:lstStyle/>
+          <a:p>
+            <a:pPr algn="ctr"/>
+            <a:r>
+              <a:rPr lang="en-US" sz="2400" b="1" dirty="0">
+                <a:solidFill>
+                  <a:srgbClr val="C00000"/>
+                </a:solidFill>
+                <a:cs typeface="Calibri" panose="020F0502020204030204" pitchFamily="34" charset="0"/>
+              </a:rPr>
+              <a:t>PREVIOUS DIAGRAM</a:t>
+            </a:r>
+          </a:p>
+        </p:txBody>
+      </p:sp>
+    </p:spTree>
+    <p:extLst>
+      <p:ext uri="{BB962C8B-B14F-4D97-AF65-F5344CB8AC3E}">
+        <p14:creationId xmlns:p14="http://schemas.microsoft.com/office/powerpoint/2010/main" val="3731853074"/>
       </p:ext>
     </p:extLst>
   </p:cSld>

--- a/input/images-source/CRD_DTR_Flow.pptx
+++ b/input/images-source/CRD_DTR_Flow.pptx
@@ -15,7 +15,7 @@
   <p:sldIdLst>
     <p:sldId id="2919" r:id="rId7"/>
     <p:sldId id="2921" r:id="rId8"/>
-    <p:sldId id="2922" r:id="rId9"/>
+    <p:sldId id="2923" r:id="rId9"/>
   </p:sldIdLst>
   <p:sldSz cx="12192000" cy="6858000"/>
   <p:notesSz cx="7010400" cy="9236075"/>
@@ -121,7 +121,7 @@
           <p14:sldIdLst>
             <p14:sldId id="2919"/>
             <p14:sldId id="2921"/>
-            <p14:sldId id="2922"/>
+            <p14:sldId id="2923"/>
           </p14:sldIdLst>
         </p14:section>
       </p14:sectionLst>
@@ -3243,7 +3243,7 @@
           <a:p>
             <a:fld id="{FD8C879B-2DAC-426D-B5B4-08F42B952A26}" type="datetimeFigureOut">
               <a:rPr lang="en-US" smtClean="0"/>
-              <a:t>9/6/2023</a:t>
+              <a:t>5/13/2024</a:t>
             </a:fld>
             <a:endParaRPr lang="en-US" dirty="0"/>
           </a:p>
@@ -3420,7 +3420,7 @@
           <a:p>
             <a:fld id="{92E54576-A3BB-48F9-891E-992E86D01A7B}" type="datetimeFigureOut">
               <a:rPr lang="en-US" smtClean="0"/>
-              <a:t>9/6/2023</a:t>
+              <a:t>5/13/2024</a:t>
             </a:fld>
             <a:endParaRPr lang="en-US" dirty="0"/>
           </a:p>
@@ -3953,7 +3953,7 @@
     </p:spTree>
     <p:extLst>
       <p:ext uri="{BB962C8B-B14F-4D97-AF65-F5344CB8AC3E}">
-        <p14:creationId xmlns:p14="http://schemas.microsoft.com/office/powerpoint/2010/main" val="2089474110"/>
+        <p14:creationId xmlns:p14="http://schemas.microsoft.com/office/powerpoint/2010/main" val="4127331250"/>
       </p:ext>
     </p:extLst>
   </p:cSld>
@@ -7777,7 +7777,7 @@
           <a:p>
             <a:fld id="{41EA1E7C-71D6-4729-84AA-F013DDAF4032}" type="datetimeFigureOut">
               <a:rPr lang="en-US" smtClean="0"/>
-              <a:t>9/6/2023</a:t>
+              <a:t>5/13/2024</a:t>
             </a:fld>
             <a:endParaRPr lang="en-US" dirty="0"/>
           </a:p>
@@ -17054,8 +17054,8 @@
         </p:nvSpPr>
         <p:spPr>
           <a:xfrm>
-            <a:off x="2507811" y="795866"/>
-            <a:ext cx="7387628" cy="5423866"/>
+            <a:off x="2489882" y="717066"/>
+            <a:ext cx="7387628" cy="5430237"/>
           </a:xfrm>
           <a:prstGeom prst="roundRect">
             <a:avLst>
@@ -17110,7 +17110,7 @@
         </p:nvSpPr>
         <p:spPr>
           <a:xfrm>
-            <a:off x="2858914" y="995907"/>
+            <a:off x="2840985" y="917108"/>
             <a:ext cx="2512464" cy="273466"/>
           </a:xfrm>
           <a:prstGeom prst="rect">
@@ -17169,8 +17169,8 @@
         </p:nvCxnSpPr>
         <p:spPr>
           <a:xfrm>
-            <a:off x="4115146" y="1262861"/>
-            <a:ext cx="0" cy="4462272"/>
+            <a:off x="4097217" y="1193115"/>
+            <a:ext cx="0" cy="4626864"/>
           </a:xfrm>
           <a:prstGeom prst="line">
             <a:avLst/>
@@ -17210,7 +17210,7 @@
         </p:nvSpPr>
         <p:spPr>
           <a:xfrm>
-            <a:off x="2858914" y="5701032"/>
+            <a:off x="2840985" y="5638397"/>
             <a:ext cx="2512464" cy="273466"/>
           </a:xfrm>
           <a:prstGeom prst="rect">
@@ -17267,7 +17267,7 @@
         </p:nvSpPr>
         <p:spPr>
           <a:xfrm>
-            <a:off x="3318675" y="2257071"/>
+            <a:off x="3300746" y="2178272"/>
             <a:ext cx="1757822" cy="304054"/>
           </a:xfrm>
           <a:prstGeom prst="rect">
@@ -17326,7 +17326,7 @@
         </p:nvSpPr>
         <p:spPr>
           <a:xfrm>
-            <a:off x="6234338" y="995907"/>
+            <a:off x="6216409" y="917108"/>
             <a:ext cx="784168" cy="273466"/>
           </a:xfrm>
           <a:prstGeom prst="rect">
@@ -17385,8 +17385,8 @@
         </p:nvCxnSpPr>
         <p:spPr>
           <a:xfrm>
-            <a:off x="6619106" y="1262861"/>
-            <a:ext cx="0" cy="4462272"/>
+            <a:off x="6601177" y="1193115"/>
+            <a:ext cx="0" cy="4626864"/>
           </a:xfrm>
           <a:prstGeom prst="line">
             <a:avLst/>
@@ -17426,7 +17426,7 @@
         </p:nvSpPr>
         <p:spPr>
           <a:xfrm>
-            <a:off x="6234338" y="5701032"/>
+            <a:off x="6216409" y="5638397"/>
             <a:ext cx="784168" cy="273466"/>
           </a:xfrm>
           <a:prstGeom prst="rect">
@@ -17483,7 +17483,7 @@
         </p:nvSpPr>
         <p:spPr>
           <a:xfrm>
-            <a:off x="5522673" y="2854029"/>
+            <a:off x="5504744" y="2775230"/>
             <a:ext cx="2192866" cy="343074"/>
           </a:xfrm>
           <a:prstGeom prst="rect">
@@ -17557,7 +17557,7 @@
         </p:nvCxnSpPr>
         <p:spPr>
           <a:xfrm>
-            <a:off x="4113794" y="2720123"/>
+            <a:off x="4095865" y="2641324"/>
             <a:ext cx="2507648" cy="0"/>
           </a:xfrm>
           <a:prstGeom prst="straightConnector1">
@@ -17599,7 +17599,7 @@
         </p:nvSpPr>
         <p:spPr>
           <a:xfrm>
-            <a:off x="8739650" y="998292"/>
+            <a:off x="8721721" y="919493"/>
             <a:ext cx="784168" cy="273466"/>
           </a:xfrm>
           <a:prstGeom prst="rect">
@@ -17658,8 +17658,8 @@
         </p:nvCxnSpPr>
         <p:spPr>
           <a:xfrm>
-            <a:off x="9124390" y="1263116"/>
-            <a:ext cx="0" cy="4462272"/>
+            <a:off x="9106461" y="1193370"/>
+            <a:ext cx="0" cy="4626864"/>
           </a:xfrm>
           <a:prstGeom prst="line">
             <a:avLst/>
@@ -17699,7 +17699,7 @@
         </p:nvSpPr>
         <p:spPr>
           <a:xfrm>
-            <a:off x="8739650" y="5703417"/>
+            <a:off x="8721721" y="5640782"/>
             <a:ext cx="784168" cy="273466"/>
           </a:xfrm>
           <a:prstGeom prst="rect">
@@ -17758,7 +17758,7 @@
         </p:nvCxnSpPr>
         <p:spPr>
           <a:xfrm>
-            <a:off x="6621442" y="3493302"/>
+            <a:off x="6603513" y="3414503"/>
             <a:ext cx="2505312" cy="0"/>
           </a:xfrm>
           <a:prstGeom prst="straightConnector1">
@@ -17802,7 +17802,7 @@
         </p:nvCxnSpPr>
         <p:spPr>
           <a:xfrm flipH="1">
-            <a:off x="6621442" y="3819987"/>
+            <a:off x="6603513" y="3777664"/>
             <a:ext cx="2505312" cy="0"/>
           </a:xfrm>
           <a:prstGeom prst="straightConnector1">
@@ -17845,7 +17845,7 @@
         </p:nvSpPr>
         <p:spPr>
           <a:xfrm>
-            <a:off x="6619108" y="3320897"/>
+            <a:off x="6601179" y="3242098"/>
             <a:ext cx="2505283" cy="161583"/>
           </a:xfrm>
           <a:prstGeom prst="rect">
@@ -17920,7 +17920,7 @@
         </p:nvSpPr>
         <p:spPr>
           <a:xfrm>
-            <a:off x="6626451" y="3635027"/>
+            <a:off x="6608522" y="3592704"/>
             <a:ext cx="2505283" cy="169277"/>
           </a:xfrm>
           <a:prstGeom prst="rect">
@@ -17964,7 +17964,7 @@
         </p:nvSpPr>
         <p:spPr>
           <a:xfrm>
-            <a:off x="5373335" y="4012621"/>
+            <a:off x="5355406" y="4336969"/>
             <a:ext cx="2505283" cy="339993"/>
           </a:xfrm>
           <a:prstGeom prst="rect">
@@ -18036,7 +18036,7 @@
         </p:nvSpPr>
         <p:spPr>
           <a:xfrm>
-            <a:off x="2507811" y="567018"/>
+            <a:off x="2489882" y="488219"/>
             <a:ext cx="7387627" cy="184666"/>
           </a:xfrm>
           <a:prstGeom prst="rect">
@@ -18060,12 +18060,56 @@
           </a:p>
         </p:txBody>
       </p:sp>
+      <p:sp>
+        <p:nvSpPr>
+          <p:cNvPr id="4" name="TextBox 3">
+            <a:extLst>
+              <a:ext uri="{FF2B5EF4-FFF2-40B4-BE49-F238E27FC236}">
+                <a16:creationId xmlns:a16="http://schemas.microsoft.com/office/drawing/2014/main" id="{E8143FD7-5DF2-A24A-6FD6-6740ABA85B64}"/>
+              </a:ext>
+            </a:extLst>
+          </p:cNvPr>
+          <p:cNvSpPr txBox="1"/>
+          <p:nvPr/>
+        </p:nvSpPr>
+        <p:spPr>
+          <a:xfrm>
+            <a:off x="4115322" y="3904749"/>
+            <a:ext cx="2471124" cy="169277"/>
+          </a:xfrm>
+          <a:prstGeom prst="rect">
+            <a:avLst/>
+          </a:prstGeom>
+          <a:noFill/>
+        </p:spPr>
+        <p:txBody>
+          <a:bodyPr wrap="square" lIns="0" tIns="0" rIns="0" bIns="0" rtlCol="0">
+            <a:spAutoFit/>
+          </a:bodyPr>
+          <a:lstStyle/>
+          <a:p>
+            <a:pPr algn="ctr"/>
+            <a:r>
+              <a:rPr lang="en-US" sz="1100" dirty="0">
+                <a:solidFill>
+                  <a:schemeClr val="accent1">
+                    <a:lumMod val="50000"/>
+                  </a:schemeClr>
+                </a:solidFill>
+                <a:latin typeface="Calibri" panose="020F0502020204030204" pitchFamily="34" charset="0"/>
+                <a:cs typeface="Calibri" panose="020F0502020204030204" pitchFamily="34" charset="0"/>
+              </a:rPr>
+              <a:t>Execute CQL/Retrieve data from EHR</a:t>
+            </a:r>
+          </a:p>
+        </p:txBody>
+      </p:sp>
       <p:cxnSp>
         <p:nvCxnSpPr>
-          <p:cNvPr id="2" name="Straight Arrow Connector 1">
+          <p:cNvPr id="9" name="Straight Arrow Connector 8">
             <a:extLst>
               <a:ext uri="{FF2B5EF4-FFF2-40B4-BE49-F238E27FC236}">
-                <a16:creationId xmlns:a16="http://schemas.microsoft.com/office/drawing/2014/main" id="{892C4D49-4350-98D1-B3FF-DEF8F6582929}"/>
+                <a16:creationId xmlns:a16="http://schemas.microsoft.com/office/drawing/2014/main" id="{311E8002-3B8E-352B-97CD-3561BF0DD465}"/>
               </a:ext>
             </a:extLst>
           </p:cNvPr>
@@ -18076,7 +18120,7 @@
         </p:nvCxnSpPr>
         <p:spPr>
           <a:xfrm>
-            <a:off x="4113794" y="4705431"/>
+            <a:off x="4104576" y="1589496"/>
             <a:ext cx="2505312" cy="0"/>
           </a:xfrm>
           <a:prstGeom prst="straightConnector1">
@@ -18084,10 +18128,13 @@
           </a:prstGeom>
           <a:ln w="15875">
             <a:solidFill>
-              <a:schemeClr val="tx1"/>
+              <a:schemeClr val="accent6">
+                <a:lumMod val="50000"/>
+              </a:schemeClr>
             </a:solidFill>
+            <a:prstDash val="sysDash"/>
             <a:headEnd type="triangle"/>
-            <a:tailEnd type="none"/>
+            <a:tailEnd type="triangle"/>
           </a:ln>
         </p:spPr>
         <p:style>
@@ -18107,98 +18154,6 @@
       </p:cxnSp>
       <p:sp>
         <p:nvSpPr>
-          <p:cNvPr id="4" name="TextBox 3">
-            <a:extLst>
-              <a:ext uri="{FF2B5EF4-FFF2-40B4-BE49-F238E27FC236}">
-                <a16:creationId xmlns:a16="http://schemas.microsoft.com/office/drawing/2014/main" id="{E8143FD7-5DF2-A24A-6FD6-6740ABA85B64}"/>
-              </a:ext>
-            </a:extLst>
-          </p:cNvPr>
-          <p:cNvSpPr txBox="1"/>
-          <p:nvPr/>
-        </p:nvSpPr>
-        <p:spPr>
-          <a:xfrm>
-            <a:off x="4133251" y="4511503"/>
-            <a:ext cx="2471124" cy="169277"/>
-          </a:xfrm>
-          <a:prstGeom prst="rect">
-            <a:avLst/>
-          </a:prstGeom>
-          <a:noFill/>
-        </p:spPr>
-        <p:txBody>
-          <a:bodyPr wrap="square" lIns="0" tIns="0" rIns="0" bIns="0" rtlCol="0">
-            <a:spAutoFit/>
-          </a:bodyPr>
-          <a:lstStyle/>
-          <a:p>
-            <a:pPr algn="ctr"/>
-            <a:r>
-              <a:rPr lang="en-US" sz="1100" dirty="0">
-                <a:solidFill>
-                  <a:schemeClr val="accent1">
-                    <a:lumMod val="50000"/>
-                  </a:schemeClr>
-                </a:solidFill>
-                <a:latin typeface="Calibri" panose="020F0502020204030204" pitchFamily="34" charset="0"/>
-                <a:cs typeface="Calibri" panose="020F0502020204030204" pitchFamily="34" charset="0"/>
-              </a:rPr>
-              <a:t>Execute CQL/Retrieve data from EHR</a:t>
-            </a:r>
-          </a:p>
-        </p:txBody>
-      </p:sp>
-      <p:cxnSp>
-        <p:nvCxnSpPr>
-          <p:cNvPr id="9" name="Straight Arrow Connector 8">
-            <a:extLst>
-              <a:ext uri="{FF2B5EF4-FFF2-40B4-BE49-F238E27FC236}">
-                <a16:creationId xmlns:a16="http://schemas.microsoft.com/office/drawing/2014/main" id="{311E8002-3B8E-352B-97CD-3561BF0DD465}"/>
-              </a:ext>
-            </a:extLst>
-          </p:cNvPr>
-          <p:cNvCxnSpPr>
-            <a:cxnSpLocks/>
-          </p:cNvCxnSpPr>
-          <p:nvPr/>
-        </p:nvCxnSpPr>
-        <p:spPr>
-          <a:xfrm>
-            <a:off x="4122505" y="1668295"/>
-            <a:ext cx="2505312" cy="0"/>
-          </a:xfrm>
-          <a:prstGeom prst="straightConnector1">
-            <a:avLst/>
-          </a:prstGeom>
-          <a:ln w="15875">
-            <a:solidFill>
-              <a:schemeClr val="accent6">
-                <a:lumMod val="50000"/>
-              </a:schemeClr>
-            </a:solidFill>
-            <a:prstDash val="sysDash"/>
-            <a:headEnd type="triangle"/>
-            <a:tailEnd type="triangle"/>
-          </a:ln>
-        </p:spPr>
-        <p:style>
-          <a:lnRef idx="1">
-            <a:schemeClr val="accent1"/>
-          </a:lnRef>
-          <a:fillRef idx="0">
-            <a:schemeClr val="accent1"/>
-          </a:fillRef>
-          <a:effectRef idx="0">
-            <a:schemeClr val="accent1"/>
-          </a:effectRef>
-          <a:fontRef idx="minor">
-            <a:schemeClr val="tx1"/>
-          </a:fontRef>
-        </p:style>
-      </p:cxnSp>
-      <p:sp>
-        <p:nvSpPr>
           <p:cNvPr id="10" name="TextBox 9">
             <a:extLst>
               <a:ext uri="{FF2B5EF4-FFF2-40B4-BE49-F238E27FC236}">
@@ -18211,7 +18166,7 @@
         </p:nvSpPr>
         <p:spPr>
           <a:xfrm>
-            <a:off x="4141962" y="1490269"/>
+            <a:off x="4124033" y="1411470"/>
             <a:ext cx="2471124" cy="169277"/>
           </a:xfrm>
           <a:prstGeom prst="rect">
@@ -18255,7 +18210,7 @@
         </p:nvSpPr>
         <p:spPr>
           <a:xfrm>
-            <a:off x="5166141" y="1856683"/>
+            <a:off x="5148212" y="1777884"/>
             <a:ext cx="2902926" cy="215444"/>
           </a:xfrm>
           <a:prstGeom prst="rect">
@@ -18303,7 +18258,7 @@
         </p:nvCxnSpPr>
         <p:spPr>
           <a:xfrm>
-            <a:off x="4113794" y="2037241"/>
+            <a:off x="4095865" y="1958442"/>
             <a:ext cx="2505312" cy="0"/>
           </a:xfrm>
           <a:prstGeom prst="straightConnector1">
@@ -18351,7 +18306,7 @@
         </p:nvCxnSpPr>
         <p:spPr>
           <a:xfrm>
-            <a:off x="6618095" y="2037241"/>
+            <a:off x="6600166" y="1958442"/>
             <a:ext cx="2505312" cy="0"/>
           </a:xfrm>
           <a:prstGeom prst="straightConnector1">
@@ -18397,7 +18352,7 @@
         </p:nvSpPr>
         <p:spPr>
           <a:xfrm>
-            <a:off x="6581389" y="1999567"/>
+            <a:off x="6563460" y="1920768"/>
             <a:ext cx="73152" cy="73152"/>
           </a:xfrm>
           <a:prstGeom prst="ellipse">
@@ -18453,7 +18408,7 @@
         </p:nvCxnSpPr>
         <p:spPr>
           <a:xfrm>
-            <a:off x="4116359" y="5557690"/>
+            <a:off x="4098430" y="5495055"/>
             <a:ext cx="2505312" cy="0"/>
           </a:xfrm>
           <a:prstGeom prst="straightConnector1">
@@ -18496,7 +18451,7 @@
         </p:nvSpPr>
         <p:spPr>
           <a:xfrm>
-            <a:off x="4135816" y="5363762"/>
+            <a:off x="4117887" y="5312117"/>
             <a:ext cx="2471124" cy="169277"/>
           </a:xfrm>
           <a:prstGeom prst="rect">
@@ -18540,7 +18495,7 @@
         </p:nvSpPr>
         <p:spPr>
           <a:xfrm>
-            <a:off x="5401899" y="4906249"/>
+            <a:off x="5355406" y="4836146"/>
             <a:ext cx="2505283" cy="339993"/>
           </a:xfrm>
           <a:prstGeom prst="rect">
@@ -18585,6 +18540,52 @@
           </a:p>
         </p:txBody>
       </p:sp>
+      <p:cxnSp>
+        <p:nvCxnSpPr>
+          <p:cNvPr id="7" name="Straight Arrow Connector 6">
+            <a:extLst>
+              <a:ext uri="{FF2B5EF4-FFF2-40B4-BE49-F238E27FC236}">
+                <a16:creationId xmlns:a16="http://schemas.microsoft.com/office/drawing/2014/main" id="{E09F5264-B4BF-247F-78D7-29E89172EF4C}"/>
+              </a:ext>
+            </a:extLst>
+          </p:cNvPr>
+          <p:cNvCxnSpPr>
+            <a:cxnSpLocks/>
+          </p:cNvCxnSpPr>
+          <p:nvPr/>
+        </p:nvCxnSpPr>
+        <p:spPr>
+          <a:xfrm flipH="1">
+            <a:off x="4090514" y="4089859"/>
+            <a:ext cx="2505312" cy="0"/>
+          </a:xfrm>
+          <a:prstGeom prst="straightConnector1">
+            <a:avLst/>
+          </a:prstGeom>
+          <a:ln w="15875">
+            <a:solidFill>
+              <a:schemeClr val="tx1"/>
+            </a:solidFill>
+            <a:prstDash val="dash"/>
+            <a:headEnd type="stealth"/>
+            <a:tailEnd type="stealth"/>
+          </a:ln>
+        </p:spPr>
+        <p:style>
+          <a:lnRef idx="1">
+            <a:schemeClr val="accent1"/>
+          </a:lnRef>
+          <a:fillRef idx="0">
+            <a:schemeClr val="accent1"/>
+          </a:fillRef>
+          <a:effectRef idx="0">
+            <a:schemeClr val="accent1"/>
+          </a:effectRef>
+          <a:fontRef idx="minor">
+            <a:schemeClr val="tx1"/>
+          </a:fontRef>
+        </p:style>
+      </p:cxnSp>
     </p:spTree>
     <p:extLst>
       <p:ext uri="{BB962C8B-B14F-4D97-AF65-F5344CB8AC3E}">
@@ -18637,8 +18638,8 @@
         </p:nvSpPr>
         <p:spPr>
           <a:xfrm>
-            <a:off x="2507811" y="795865"/>
-            <a:ext cx="7387628" cy="5170369"/>
+            <a:off x="2507811" y="795866"/>
+            <a:ext cx="7387628" cy="5423866"/>
           </a:xfrm>
           <a:prstGeom prst="roundRect">
             <a:avLst>
@@ -18693,7 +18694,7 @@
         </p:nvSpPr>
         <p:spPr>
           <a:xfrm>
-            <a:off x="2858914" y="1104543"/>
+            <a:off x="2858914" y="995907"/>
             <a:ext cx="2512464" cy="273466"/>
           </a:xfrm>
           <a:prstGeom prst="rect">
@@ -18752,8 +18753,8 @@
         </p:nvCxnSpPr>
         <p:spPr>
           <a:xfrm>
-            <a:off x="4115146" y="1371497"/>
-            <a:ext cx="0" cy="4114800"/>
+            <a:off x="4115146" y="1262861"/>
+            <a:ext cx="0" cy="4462272"/>
           </a:xfrm>
           <a:prstGeom prst="line">
             <a:avLst/>
@@ -18793,7 +18794,7 @@
         </p:nvSpPr>
         <p:spPr>
           <a:xfrm>
-            <a:off x="2858914" y="5423407"/>
+            <a:off x="2858914" y="5701032"/>
             <a:ext cx="2512464" cy="273466"/>
           </a:xfrm>
           <a:prstGeom prst="rect">
@@ -18850,8 +18851,8 @@
         </p:nvSpPr>
         <p:spPr>
           <a:xfrm>
-            <a:off x="3318675" y="2365706"/>
-            <a:ext cx="1592941" cy="421447"/>
+            <a:off x="3318675" y="2257071"/>
+            <a:ext cx="1757822" cy="304054"/>
           </a:xfrm>
           <a:prstGeom prst="rect">
             <a:avLst/>
@@ -18883,27 +18884,14 @@
           <a:p>
             <a:pPr algn="ctr"/>
             <a:r>
-              <a:rPr lang="en-US" sz="1100" dirty="0">
+              <a:rPr lang="en-US" sz="1050" dirty="0">
                 <a:solidFill>
                   <a:schemeClr val="tx1"/>
                 </a:solidFill>
                 <a:latin typeface="Calibri" panose="020F0502020204030204" pitchFamily="34" charset="0"/>
                 <a:cs typeface="Calibri" panose="020F0502020204030204" pitchFamily="34" charset="0"/>
               </a:rPr>
-              <a:t>SMART / Native</a:t>
-            </a:r>
-          </a:p>
-          <a:p>
-            <a:pPr algn="ctr"/>
-            <a:r>
-              <a:rPr lang="en-US" sz="1100" dirty="0">
-                <a:solidFill>
-                  <a:schemeClr val="tx1"/>
-                </a:solidFill>
-                <a:latin typeface="Calibri" panose="020F0502020204030204" pitchFamily="34" charset="0"/>
-                <a:cs typeface="Calibri" panose="020F0502020204030204" pitchFamily="34" charset="0"/>
-              </a:rPr>
-              <a:t>App Launch</a:t>
+              <a:t>SMART / Native App Launch</a:t>
             </a:r>
           </a:p>
         </p:txBody>
@@ -18922,7 +18910,7 @@
         </p:nvSpPr>
         <p:spPr>
           <a:xfrm>
-            <a:off x="6234338" y="1104543"/>
+            <a:off x="6234338" y="995907"/>
             <a:ext cx="784168" cy="273466"/>
           </a:xfrm>
           <a:prstGeom prst="rect">
@@ -18981,8 +18969,8 @@
         </p:nvCxnSpPr>
         <p:spPr>
           <a:xfrm>
-            <a:off x="6619106" y="1371497"/>
-            <a:ext cx="0" cy="4114800"/>
+            <a:off x="6619106" y="1262861"/>
+            <a:ext cx="0" cy="4462272"/>
           </a:xfrm>
           <a:prstGeom prst="line">
             <a:avLst/>
@@ -19022,7 +19010,7 @@
         </p:nvSpPr>
         <p:spPr>
           <a:xfrm>
-            <a:off x="6234338" y="5423407"/>
+            <a:off x="6234338" y="5701032"/>
             <a:ext cx="784168" cy="273466"/>
           </a:xfrm>
           <a:prstGeom prst="rect">
@@ -19079,8 +19067,8 @@
         </p:nvSpPr>
         <p:spPr>
           <a:xfrm>
-            <a:off x="5522673" y="3073026"/>
-            <a:ext cx="2192866" cy="428675"/>
+            <a:off x="5522673" y="2854029"/>
+            <a:ext cx="2192866" cy="343074"/>
           </a:xfrm>
           <a:prstGeom prst="rect">
             <a:avLst/>
@@ -19112,7 +19100,7 @@
           <a:p>
             <a:pPr algn="ctr"/>
             <a:r>
-              <a:rPr lang="en-US" sz="1100" dirty="0">
+              <a:rPr lang="en-US" sz="1050" dirty="0">
                 <a:solidFill>
                   <a:schemeClr val="tx1"/>
                 </a:solidFill>
@@ -19125,7 +19113,7 @@
           <a:p>
             <a:pPr algn="ctr"/>
             <a:r>
-              <a:rPr lang="en-US" sz="1100" dirty="0">
+              <a:rPr lang="en-US" sz="1050" dirty="0">
                 <a:solidFill>
                   <a:schemeClr val="tx1"/>
                 </a:solidFill>
@@ -19153,7 +19141,7 @@
         </p:nvCxnSpPr>
         <p:spPr>
           <a:xfrm>
-            <a:off x="4113794" y="2939121"/>
+            <a:off x="4113794" y="2720123"/>
             <a:ext cx="2507648" cy="0"/>
           </a:xfrm>
           <a:prstGeom prst="straightConnector1">
@@ -19195,7 +19183,7 @@
         </p:nvSpPr>
         <p:spPr>
           <a:xfrm>
-            <a:off x="8739650" y="1106928"/>
+            <a:off x="8739650" y="998292"/>
             <a:ext cx="784168" cy="273466"/>
           </a:xfrm>
           <a:prstGeom prst="rect">
@@ -19254,8 +19242,8 @@
         </p:nvCxnSpPr>
         <p:spPr>
           <a:xfrm>
-            <a:off x="9124390" y="1371752"/>
-            <a:ext cx="0" cy="4114800"/>
+            <a:off x="9124390" y="1263116"/>
+            <a:ext cx="0" cy="4462272"/>
           </a:xfrm>
           <a:prstGeom prst="line">
             <a:avLst/>
@@ -19295,7 +19283,7 @@
         </p:nvSpPr>
         <p:spPr>
           <a:xfrm>
-            <a:off x="8739650" y="5425792"/>
+            <a:off x="8739650" y="5703417"/>
             <a:ext cx="784168" cy="273466"/>
           </a:xfrm>
           <a:prstGeom prst="rect">
@@ -19354,7 +19342,7 @@
         </p:nvCxnSpPr>
         <p:spPr>
           <a:xfrm>
-            <a:off x="6621442" y="3814779"/>
+            <a:off x="6621442" y="3493302"/>
             <a:ext cx="2505312" cy="0"/>
           </a:xfrm>
           <a:prstGeom prst="straightConnector1">
@@ -19398,7 +19386,7 @@
         </p:nvCxnSpPr>
         <p:spPr>
           <a:xfrm flipH="1">
-            <a:off x="6621442" y="4141464"/>
+            <a:off x="6621442" y="3819987"/>
             <a:ext cx="2505312" cy="0"/>
           </a:xfrm>
           <a:prstGeom prst="straightConnector1">
@@ -19441,7 +19429,7 @@
         </p:nvSpPr>
         <p:spPr>
           <a:xfrm>
-            <a:off x="6619108" y="3642374"/>
+            <a:off x="6619108" y="3320897"/>
             <a:ext cx="2505283" cy="161583"/>
           </a:xfrm>
           <a:prstGeom prst="rect">
@@ -19516,7 +19504,7 @@
         </p:nvSpPr>
         <p:spPr>
           <a:xfrm>
-            <a:off x="6626451" y="3956504"/>
+            <a:off x="6626451" y="3635027"/>
             <a:ext cx="2505283" cy="169277"/>
           </a:xfrm>
           <a:prstGeom prst="rect">
@@ -19560,8 +19548,8 @@
         </p:nvSpPr>
         <p:spPr>
           <a:xfrm>
-            <a:off x="5373335" y="4390592"/>
-            <a:ext cx="2505283" cy="370164"/>
+            <a:off x="5373335" y="4012621"/>
+            <a:ext cx="2505283" cy="339993"/>
           </a:xfrm>
           <a:prstGeom prst="rect">
             <a:avLst/>
@@ -19593,7 +19581,7 @@
           <a:p>
             <a:pPr algn="ctr"/>
             <a:r>
-              <a:rPr lang="en-US" sz="1100" dirty="0">
+              <a:rPr lang="en-US" sz="1050" dirty="0">
                 <a:solidFill>
                   <a:schemeClr val="tx1"/>
                 </a:solidFill>
@@ -19606,7 +19594,7 @@
           <a:p>
             <a:pPr algn="ctr"/>
             <a:r>
-              <a:rPr lang="en-US" sz="1100" dirty="0">
+              <a:rPr lang="en-US" sz="1050" dirty="0">
                 <a:solidFill>
                   <a:schemeClr val="tx1"/>
                 </a:solidFill>
@@ -19672,7 +19660,7 @@
         </p:nvCxnSpPr>
         <p:spPr>
           <a:xfrm>
-            <a:off x="4113794" y="5135089"/>
+            <a:off x="4113794" y="4705431"/>
             <a:ext cx="2505312" cy="0"/>
           </a:xfrm>
           <a:prstGeom prst="straightConnector1">
@@ -19715,7 +19703,7 @@
         </p:nvSpPr>
         <p:spPr>
           <a:xfrm>
-            <a:off x="4133251" y="4941161"/>
+            <a:off x="4133251" y="4511503"/>
             <a:ext cx="2471124" cy="169277"/>
           </a:xfrm>
           <a:prstGeom prst="rect">
@@ -19740,7 +19728,7 @@
                 <a:latin typeface="Calibri" panose="020F0502020204030204" pitchFamily="34" charset="0"/>
                 <a:cs typeface="Calibri" panose="020F0502020204030204" pitchFamily="34" charset="0"/>
               </a:rPr>
-              <a:t>Store completed QuestionnaireResponse</a:t>
+              <a:t>Execute CQL/Retrieve data from EHR</a:t>
             </a:r>
           </a:p>
         </p:txBody>
@@ -19761,7 +19749,7 @@
         </p:nvCxnSpPr>
         <p:spPr>
           <a:xfrm>
-            <a:off x="4122505" y="1776931"/>
+            <a:off x="4122505" y="1668295"/>
             <a:ext cx="2505312" cy="0"/>
           </a:xfrm>
           <a:prstGeom prst="straightConnector1">
@@ -19807,7 +19795,7 @@
         </p:nvSpPr>
         <p:spPr>
           <a:xfrm>
-            <a:off x="4141962" y="1598905"/>
+            <a:off x="4141962" y="1490269"/>
             <a:ext cx="2471124" cy="169277"/>
           </a:xfrm>
           <a:prstGeom prst="rect">
@@ -19851,7 +19839,7 @@
         </p:nvSpPr>
         <p:spPr>
           <a:xfrm>
-            <a:off x="5166141" y="1965319"/>
+            <a:off x="5166141" y="1856683"/>
             <a:ext cx="2902926" cy="215444"/>
           </a:xfrm>
           <a:prstGeom prst="rect">
@@ -19899,7 +19887,7 @@
         </p:nvCxnSpPr>
         <p:spPr>
           <a:xfrm>
-            <a:off x="4113794" y="2145877"/>
+            <a:off x="4113794" y="2037241"/>
             <a:ext cx="2505312" cy="0"/>
           </a:xfrm>
           <a:prstGeom prst="straightConnector1">
@@ -19947,7 +19935,7 @@
         </p:nvCxnSpPr>
         <p:spPr>
           <a:xfrm>
-            <a:off x="6618095" y="2145877"/>
+            <a:off x="6618095" y="2037241"/>
             <a:ext cx="2505312" cy="0"/>
           </a:xfrm>
           <a:prstGeom prst="straightConnector1">
@@ -19993,7 +19981,7 @@
         </p:nvSpPr>
         <p:spPr>
           <a:xfrm>
-            <a:off x="6581389" y="2108203"/>
+            <a:off x="6581389" y="1999567"/>
             <a:ext cx="73152" cy="73152"/>
           </a:xfrm>
           <a:prstGeom prst="ellipse">
@@ -20033,12 +20021,160 @@
           </a:p>
         </p:txBody>
       </p:sp>
-      <p:sp>
-        <p:nvSpPr>
-          <p:cNvPr id="3" name="TextBox 2">
+      <p:cxnSp>
+        <p:nvCxnSpPr>
+          <p:cNvPr id="3" name="Straight Arrow Connector 2">
             <a:extLst>
               <a:ext uri="{FF2B5EF4-FFF2-40B4-BE49-F238E27FC236}">
-                <a16:creationId xmlns:a16="http://schemas.microsoft.com/office/drawing/2014/main" id="{037746E4-6850-12CE-678A-D6C1520B90D7}"/>
+                <a16:creationId xmlns:a16="http://schemas.microsoft.com/office/drawing/2014/main" id="{BF708DE6-CF56-BE38-0C05-4AFCEB90347B}"/>
+              </a:ext>
+            </a:extLst>
+          </p:cNvPr>
+          <p:cNvCxnSpPr>
+            <a:cxnSpLocks/>
+          </p:cNvCxnSpPr>
+          <p:nvPr/>
+        </p:nvCxnSpPr>
+        <p:spPr>
+          <a:xfrm>
+            <a:off x="4116359" y="5557690"/>
+            <a:ext cx="2505312" cy="0"/>
+          </a:xfrm>
+          <a:prstGeom prst="straightConnector1">
+            <a:avLst/>
+          </a:prstGeom>
+          <a:ln w="15875">
+            <a:solidFill>
+              <a:schemeClr val="tx1"/>
+            </a:solidFill>
+            <a:headEnd type="triangle"/>
+            <a:tailEnd type="none"/>
+          </a:ln>
+        </p:spPr>
+        <p:style>
+          <a:lnRef idx="1">
+            <a:schemeClr val="accent1"/>
+          </a:lnRef>
+          <a:fillRef idx="0">
+            <a:schemeClr val="accent1"/>
+          </a:fillRef>
+          <a:effectRef idx="0">
+            <a:schemeClr val="accent1"/>
+          </a:effectRef>
+          <a:fontRef idx="minor">
+            <a:schemeClr val="tx1"/>
+          </a:fontRef>
+        </p:style>
+      </p:cxnSp>
+      <p:sp>
+        <p:nvSpPr>
+          <p:cNvPr id="5" name="TextBox 4">
+            <a:extLst>
+              <a:ext uri="{FF2B5EF4-FFF2-40B4-BE49-F238E27FC236}">
+                <a16:creationId xmlns:a16="http://schemas.microsoft.com/office/drawing/2014/main" id="{B724E894-FC9C-887C-1D51-D7C3F97C2715}"/>
+              </a:ext>
+            </a:extLst>
+          </p:cNvPr>
+          <p:cNvSpPr txBox="1"/>
+          <p:nvPr/>
+        </p:nvSpPr>
+        <p:spPr>
+          <a:xfrm>
+            <a:off x="4135816" y="5363762"/>
+            <a:ext cx="2471124" cy="169277"/>
+          </a:xfrm>
+          <a:prstGeom prst="rect">
+            <a:avLst/>
+          </a:prstGeom>
+          <a:noFill/>
+        </p:spPr>
+        <p:txBody>
+          <a:bodyPr wrap="square" lIns="0" tIns="0" rIns="0" bIns="0" rtlCol="0">
+            <a:spAutoFit/>
+          </a:bodyPr>
+          <a:lstStyle/>
+          <a:p>
+            <a:pPr algn="ctr"/>
+            <a:r>
+              <a:rPr lang="en-US" sz="1100" dirty="0">
+                <a:solidFill>
+                  <a:schemeClr val="accent1">
+                    <a:lumMod val="50000"/>
+                  </a:schemeClr>
+                </a:solidFill>
+                <a:latin typeface="Calibri" panose="020F0502020204030204" pitchFamily="34" charset="0"/>
+                <a:cs typeface="Calibri" panose="020F0502020204030204" pitchFamily="34" charset="0"/>
+              </a:rPr>
+              <a:t>Store completed QuestionnaireResponse</a:t>
+            </a:r>
+          </a:p>
+        </p:txBody>
+      </p:sp>
+      <p:sp>
+        <p:nvSpPr>
+          <p:cNvPr id="6" name="Rectangle 5">
+            <a:extLst>
+              <a:ext uri="{FF2B5EF4-FFF2-40B4-BE49-F238E27FC236}">
+                <a16:creationId xmlns:a16="http://schemas.microsoft.com/office/drawing/2014/main" id="{DE489494-C4F8-6D08-14F9-7D0F327F2D46}"/>
+              </a:ext>
+            </a:extLst>
+          </p:cNvPr>
+          <p:cNvSpPr/>
+          <p:nvPr/>
+        </p:nvSpPr>
+        <p:spPr>
+          <a:xfrm>
+            <a:off x="5401899" y="4906249"/>
+            <a:ext cx="2505283" cy="339993"/>
+          </a:xfrm>
+          <a:prstGeom prst="rect">
+            <a:avLst/>
+          </a:prstGeom>
+          <a:solidFill>
+            <a:srgbClr val="EFF4F5"/>
+          </a:solidFill>
+          <a:ln w="12700"/>
+        </p:spPr>
+        <p:style>
+          <a:lnRef idx="2">
+            <a:schemeClr val="accent1">
+              <a:shade val="15000"/>
+            </a:schemeClr>
+          </a:lnRef>
+          <a:fillRef idx="1">
+            <a:schemeClr val="accent1"/>
+          </a:fillRef>
+          <a:effectRef idx="0">
+            <a:schemeClr val="accent1"/>
+          </a:effectRef>
+          <a:fontRef idx="minor">
+            <a:schemeClr val="lt1"/>
+          </a:fontRef>
+        </p:style>
+        <p:txBody>
+          <a:bodyPr rtlCol="0" anchor="ctr"/>
+          <a:lstStyle/>
+          <a:p>
+            <a:pPr algn="ctr"/>
+            <a:r>
+              <a:rPr lang="en-US" sz="1050" dirty="0">
+                <a:solidFill>
+                  <a:schemeClr val="tx1"/>
+                </a:solidFill>
+                <a:latin typeface="Calibri" panose="020F0502020204030204" pitchFamily="34" charset="0"/>
+                <a:cs typeface="Calibri" panose="020F0502020204030204" pitchFamily="34" charset="0"/>
+              </a:rPr>
+              <a:t>User verifies data and QuestionnaireResponse</a:t>
+            </a:r>
+          </a:p>
+        </p:txBody>
+      </p:sp>
+      <p:sp>
+        <p:nvSpPr>
+          <p:cNvPr id="7" name="TextBox 6">
+            <a:extLst>
+              <a:ext uri="{FF2B5EF4-FFF2-40B4-BE49-F238E27FC236}">
+                <a16:creationId xmlns:a16="http://schemas.microsoft.com/office/drawing/2014/main" id="{43A7389B-E5C9-EBDE-AE26-5B24A8ACE562}"/>
               </a:ext>
             </a:extLst>
           </p:cNvPr>
@@ -20077,7 +20213,7 @@
     </p:spTree>
     <p:extLst>
       <p:ext uri="{BB962C8B-B14F-4D97-AF65-F5344CB8AC3E}">
-        <p14:creationId xmlns:p14="http://schemas.microsoft.com/office/powerpoint/2010/main" val="3731853074"/>
+        <p14:creationId xmlns:p14="http://schemas.microsoft.com/office/powerpoint/2010/main" val="1702481433"/>
       </p:ext>
     </p:extLst>
   </p:cSld>
@@ -21519,27 +21655,12 @@
 </file>
 
 <file path=customXml/item1.xml><?xml version="1.0" encoding="utf-8"?>
-<p:properties xmlns:p="http://schemas.microsoft.com/office/2006/metadata/properties" xmlns:xsi="http://www.w3.org/2001/XMLSchema-instance" xmlns:pc="http://schemas.microsoft.com/office/infopath/2007/PartnerControls">
-  <documentManagement>
-    <SharedWithUsers xmlns="5bceed9a-bae5-4329-97ef-b259bd0b225e">
-      <UserInfo>
-        <DisplayName>Ambrose, Nalini</DisplayName>
-        <AccountId>13</AccountId>
-        <AccountType/>
-      </UserInfo>
-      <UserInfo>
-        <DisplayName>Lyall, Jessica</DisplayName>
-        <AccountId>178</AccountId>
-        <AccountType/>
-      </UserInfo>
-      <UserInfo>
-        <DisplayName>Horbachevsky, Olexa</DisplayName>
-        <AccountId>10</AccountId>
-        <AccountType/>
-      </UserInfo>
-    </SharedWithUsers>
-  </documentManagement>
-</p:properties>
+<?mso-contentType ?>
+<FormTemplates xmlns="http://schemas.microsoft.com/sharepoint/v3/contenttype/forms">
+  <Display>DocumentLibraryForm</Display>
+  <Edit>DocumentLibraryForm</Edit>
+  <New>DocumentLibraryForm</New>
+</FormTemplates>
 </file>
 
 <file path=customXml/item2.xml><?xml version="1.0" encoding="utf-8"?>
@@ -21740,27 +21861,33 @@
 </file>
 
 <file path=customXml/item3.xml><?xml version="1.0" encoding="utf-8"?>
-<?mso-contentType ?>
-<FormTemplates xmlns="http://schemas.microsoft.com/sharepoint/v3/contenttype/forms">
-  <Display>DocumentLibraryForm</Display>
-  <Edit>DocumentLibraryForm</Edit>
-  <New>DocumentLibraryForm</New>
-</FormTemplates>
+<p:properties xmlns:p="http://schemas.microsoft.com/office/2006/metadata/properties" xmlns:xsi="http://www.w3.org/2001/XMLSchema-instance" xmlns:pc="http://schemas.microsoft.com/office/infopath/2007/PartnerControls">
+  <documentManagement>
+    <SharedWithUsers xmlns="5bceed9a-bae5-4329-97ef-b259bd0b225e">
+      <UserInfo>
+        <DisplayName>Ambrose, Nalini</DisplayName>
+        <AccountId>13</AccountId>
+        <AccountType/>
+      </UserInfo>
+      <UserInfo>
+        <DisplayName>Lyall, Jessica</DisplayName>
+        <AccountId>178</AccountId>
+        <AccountType/>
+      </UserInfo>
+      <UserInfo>
+        <DisplayName>Horbachevsky, Olexa</DisplayName>
+        <AccountId>10</AccountId>
+        <AccountType/>
+      </UserInfo>
+    </SharedWithUsers>
+  </documentManagement>
+</p:properties>
 </file>
 
 <file path=customXml/itemProps1.xml><?xml version="1.0" encoding="utf-8"?>
-<ds:datastoreItem xmlns:ds="http://schemas.openxmlformats.org/officeDocument/2006/customXml" ds:itemID="{5450FCDD-08B1-48D8-BB50-7A17E590A5EE}">
+<ds:datastoreItem xmlns:ds="http://schemas.openxmlformats.org/officeDocument/2006/customXml" ds:itemID="{416BA5C9-2D71-4B86-AE8A-8C0D9BC5FB22}">
   <ds:schemaRefs>
-    <ds:schemaRef ds:uri="http://purl.org/dc/terms/"/>
-    <ds:schemaRef ds:uri="http://schemas.openxmlformats.org/package/2006/metadata/core-properties"/>
-    <ds:schemaRef ds:uri="http://purl.org/dc/dcmitype/"/>
-    <ds:schemaRef ds:uri="http://schemas.microsoft.com/office/infopath/2007/PartnerControls"/>
-    <ds:schemaRef ds:uri="http://schemas.microsoft.com/office/2006/documentManagement/types"/>
-    <ds:schemaRef ds:uri="5bceed9a-bae5-4329-97ef-b259bd0b225e"/>
-    <ds:schemaRef ds:uri="http://purl.org/dc/elements/1.1/"/>
-    <ds:schemaRef ds:uri="http://schemas.microsoft.com/office/2006/metadata/properties"/>
-    <ds:schemaRef ds:uri="c6e6fbc9-cbf1-42ee-bbf0-d6e110e2b732"/>
-    <ds:schemaRef ds:uri="http://www.w3.org/XML/1998/namespace"/>
+    <ds:schemaRef ds:uri="http://schemas.microsoft.com/sharepoint/v3/contenttype/forms"/>
   </ds:schemaRefs>
 </ds:datastoreItem>
 </file>
@@ -21785,9 +21912,18 @@
 </file>
 
 <file path=customXml/itemProps3.xml><?xml version="1.0" encoding="utf-8"?>
-<ds:datastoreItem xmlns:ds="http://schemas.openxmlformats.org/officeDocument/2006/customXml" ds:itemID="{416BA5C9-2D71-4B86-AE8A-8C0D9BC5FB22}">
+<ds:datastoreItem xmlns:ds="http://schemas.openxmlformats.org/officeDocument/2006/customXml" ds:itemID="{5450FCDD-08B1-48D8-BB50-7A17E590A5EE}">
   <ds:schemaRefs>
-    <ds:schemaRef ds:uri="http://schemas.microsoft.com/sharepoint/v3/contenttype/forms"/>
+    <ds:schemaRef ds:uri="http://purl.org/dc/terms/"/>
+    <ds:schemaRef ds:uri="http://schemas.openxmlformats.org/package/2006/metadata/core-properties"/>
+    <ds:schemaRef ds:uri="http://purl.org/dc/dcmitype/"/>
+    <ds:schemaRef ds:uri="http://schemas.microsoft.com/office/infopath/2007/PartnerControls"/>
+    <ds:schemaRef ds:uri="http://schemas.microsoft.com/office/2006/documentManagement/types"/>
+    <ds:schemaRef ds:uri="5bceed9a-bae5-4329-97ef-b259bd0b225e"/>
+    <ds:schemaRef ds:uri="http://purl.org/dc/elements/1.1/"/>
+    <ds:schemaRef ds:uri="http://schemas.microsoft.com/office/2006/metadata/properties"/>
+    <ds:schemaRef ds:uri="c6e6fbc9-cbf1-42ee-bbf0-d6e110e2b732"/>
+    <ds:schemaRef ds:uri="http://www.w3.org/XML/1998/namespace"/>
   </ds:schemaRefs>
 </ds:datastoreItem>
 </file>
--- a/input/images-source/CRD_DTR_Flow.pptx
+++ b/input/images-source/CRD_DTR_Flow.pptx
@@ -15,7 +15,7 @@
   <p:sldIdLst>
     <p:sldId id="2919" r:id="rId7"/>
     <p:sldId id="2921" r:id="rId8"/>
-    <p:sldId id="2923" r:id="rId9"/>
+    <p:sldId id="2924" r:id="rId9"/>
   </p:sldIdLst>
   <p:sldSz cx="12192000" cy="6858000"/>
   <p:notesSz cx="7010400" cy="9236075"/>
@@ -121,7 +121,7 @@
           <p14:sldIdLst>
             <p14:sldId id="2919"/>
             <p14:sldId id="2921"/>
-            <p14:sldId id="2923"/>
+            <p14:sldId id="2924"/>
           </p14:sldIdLst>
         </p14:section>
       </p14:sectionLst>
@@ -3243,7 +3243,7 @@
           <a:p>
             <a:fld id="{FD8C879B-2DAC-426D-B5B4-08F42B952A26}" type="datetimeFigureOut">
               <a:rPr lang="en-US" smtClean="0"/>
-              <a:t>5/13/2024</a:t>
+              <a:t>6/28/2024</a:t>
             </a:fld>
             <a:endParaRPr lang="en-US" dirty="0"/>
           </a:p>
@@ -3420,7 +3420,7 @@
           <a:p>
             <a:fld id="{92E54576-A3BB-48F9-891E-992E86D01A7B}" type="datetimeFigureOut">
               <a:rPr lang="en-US" smtClean="0"/>
-              <a:t>5/13/2024</a:t>
+              <a:t>6/28/2024</a:t>
             </a:fld>
             <a:endParaRPr lang="en-US" dirty="0"/>
           </a:p>
@@ -3953,7 +3953,7 @@
     </p:spTree>
     <p:extLst>
       <p:ext uri="{BB962C8B-B14F-4D97-AF65-F5344CB8AC3E}">
-        <p14:creationId xmlns:p14="http://schemas.microsoft.com/office/powerpoint/2010/main" val="4127331250"/>
+        <p14:creationId xmlns:p14="http://schemas.microsoft.com/office/powerpoint/2010/main" val="3583885511"/>
       </p:ext>
     </p:extLst>
   </p:cSld>
@@ -7777,7 +7777,7 @@
           <a:p>
             <a:fld id="{41EA1E7C-71D6-4729-84AA-F013DDAF4032}" type="datetimeFigureOut">
               <a:rPr lang="en-US" smtClean="0"/>
-              <a:t>5/13/2024</a:t>
+              <a:t>6/28/2024</a:t>
             </a:fld>
             <a:endParaRPr lang="en-US" dirty="0"/>
           </a:p>
@@ -18004,7 +18004,7 @@
                 <a:latin typeface="Calibri" panose="020F0502020204030204" pitchFamily="34" charset="0"/>
                 <a:cs typeface="Calibri" panose="020F0502020204030204" pitchFamily="34" charset="0"/>
               </a:rPr>
-              <a:t>DTR uses “Questionnaire Package”</a:t>
+              <a:t>DTR uses data extracted by CQL</a:t>
             </a:r>
           </a:p>
           <a:p>
@@ -18638,8 +18638,8 @@
         </p:nvSpPr>
         <p:spPr>
           <a:xfrm>
-            <a:off x="2507811" y="795866"/>
-            <a:ext cx="7387628" cy="5423866"/>
+            <a:off x="2489882" y="717066"/>
+            <a:ext cx="7387628" cy="5430237"/>
           </a:xfrm>
           <a:prstGeom prst="roundRect">
             <a:avLst>
@@ -18694,7 +18694,7 @@
         </p:nvSpPr>
         <p:spPr>
           <a:xfrm>
-            <a:off x="2858914" y="995907"/>
+            <a:off x="2840985" y="917108"/>
             <a:ext cx="2512464" cy="273466"/>
           </a:xfrm>
           <a:prstGeom prst="rect">
@@ -18753,8 +18753,8 @@
         </p:nvCxnSpPr>
         <p:spPr>
           <a:xfrm>
-            <a:off x="4115146" y="1262861"/>
-            <a:ext cx="0" cy="4462272"/>
+            <a:off x="4097217" y="1193115"/>
+            <a:ext cx="0" cy="4626864"/>
           </a:xfrm>
           <a:prstGeom prst="line">
             <a:avLst/>
@@ -18794,7 +18794,7 @@
         </p:nvSpPr>
         <p:spPr>
           <a:xfrm>
-            <a:off x="2858914" y="5701032"/>
+            <a:off x="2840985" y="5638397"/>
             <a:ext cx="2512464" cy="273466"/>
           </a:xfrm>
           <a:prstGeom prst="rect">
@@ -18851,7 +18851,7 @@
         </p:nvSpPr>
         <p:spPr>
           <a:xfrm>
-            <a:off x="3318675" y="2257071"/>
+            <a:off x="3300746" y="2178272"/>
             <a:ext cx="1757822" cy="304054"/>
           </a:xfrm>
           <a:prstGeom prst="rect">
@@ -18910,7 +18910,7 @@
         </p:nvSpPr>
         <p:spPr>
           <a:xfrm>
-            <a:off x="6234338" y="995907"/>
+            <a:off x="6216409" y="917108"/>
             <a:ext cx="784168" cy="273466"/>
           </a:xfrm>
           <a:prstGeom prst="rect">
@@ -18969,8 +18969,8 @@
         </p:nvCxnSpPr>
         <p:spPr>
           <a:xfrm>
-            <a:off x="6619106" y="1262861"/>
-            <a:ext cx="0" cy="4462272"/>
+            <a:off x="6601177" y="1193115"/>
+            <a:ext cx="0" cy="4626864"/>
           </a:xfrm>
           <a:prstGeom prst="line">
             <a:avLst/>
@@ -19010,7 +19010,7 @@
         </p:nvSpPr>
         <p:spPr>
           <a:xfrm>
-            <a:off x="6234338" y="5701032"/>
+            <a:off x="6216409" y="5638397"/>
             <a:ext cx="784168" cy="273466"/>
           </a:xfrm>
           <a:prstGeom prst="rect">
@@ -19067,7 +19067,7 @@
         </p:nvSpPr>
         <p:spPr>
           <a:xfrm>
-            <a:off x="5522673" y="2854029"/>
+            <a:off x="5504744" y="2775230"/>
             <a:ext cx="2192866" cy="343074"/>
           </a:xfrm>
           <a:prstGeom prst="rect">
@@ -19141,7 +19141,7 @@
         </p:nvCxnSpPr>
         <p:spPr>
           <a:xfrm>
-            <a:off x="4113794" y="2720123"/>
+            <a:off x="4095865" y="2641324"/>
             <a:ext cx="2507648" cy="0"/>
           </a:xfrm>
           <a:prstGeom prst="straightConnector1">
@@ -19183,7 +19183,7 @@
         </p:nvSpPr>
         <p:spPr>
           <a:xfrm>
-            <a:off x="8739650" y="998292"/>
+            <a:off x="8721721" y="919493"/>
             <a:ext cx="784168" cy="273466"/>
           </a:xfrm>
           <a:prstGeom prst="rect">
@@ -19242,8 +19242,8 @@
         </p:nvCxnSpPr>
         <p:spPr>
           <a:xfrm>
-            <a:off x="9124390" y="1263116"/>
-            <a:ext cx="0" cy="4462272"/>
+            <a:off x="9106461" y="1193370"/>
+            <a:ext cx="0" cy="4626864"/>
           </a:xfrm>
           <a:prstGeom prst="line">
             <a:avLst/>
@@ -19283,7 +19283,7 @@
         </p:nvSpPr>
         <p:spPr>
           <a:xfrm>
-            <a:off x="8739650" y="5703417"/>
+            <a:off x="8721721" y="5640782"/>
             <a:ext cx="784168" cy="273466"/>
           </a:xfrm>
           <a:prstGeom prst="rect">
@@ -19342,7 +19342,7 @@
         </p:nvCxnSpPr>
         <p:spPr>
           <a:xfrm>
-            <a:off x="6621442" y="3493302"/>
+            <a:off x="6603513" y="3414503"/>
             <a:ext cx="2505312" cy="0"/>
           </a:xfrm>
           <a:prstGeom prst="straightConnector1">
@@ -19386,7 +19386,7 @@
         </p:nvCxnSpPr>
         <p:spPr>
           <a:xfrm flipH="1">
-            <a:off x="6621442" y="3819987"/>
+            <a:off x="6603513" y="3777664"/>
             <a:ext cx="2505312" cy="0"/>
           </a:xfrm>
           <a:prstGeom prst="straightConnector1">
@@ -19429,7 +19429,7 @@
         </p:nvSpPr>
         <p:spPr>
           <a:xfrm>
-            <a:off x="6619108" y="3320897"/>
+            <a:off x="6601179" y="3242098"/>
             <a:ext cx="2505283" cy="161583"/>
           </a:xfrm>
           <a:prstGeom prst="rect">
@@ -19504,7 +19504,7 @@
         </p:nvSpPr>
         <p:spPr>
           <a:xfrm>
-            <a:off x="6626451" y="3635027"/>
+            <a:off x="6608522" y="3592704"/>
             <a:ext cx="2505283" cy="169277"/>
           </a:xfrm>
           <a:prstGeom prst="rect">
@@ -19548,7 +19548,7 @@
         </p:nvSpPr>
         <p:spPr>
           <a:xfrm>
-            <a:off x="5373335" y="4012621"/>
+            <a:off x="5355406" y="4336969"/>
             <a:ext cx="2505283" cy="339993"/>
           </a:xfrm>
           <a:prstGeom prst="rect">
@@ -19620,7 +19620,7 @@
         </p:nvSpPr>
         <p:spPr>
           <a:xfrm>
-            <a:off x="2507811" y="567018"/>
+            <a:off x="2489882" y="488219"/>
             <a:ext cx="7387627" cy="184666"/>
           </a:xfrm>
           <a:prstGeom prst="rect">
@@ -19644,12 +19644,56 @@
           </a:p>
         </p:txBody>
       </p:sp>
+      <p:sp>
+        <p:nvSpPr>
+          <p:cNvPr id="4" name="TextBox 3">
+            <a:extLst>
+              <a:ext uri="{FF2B5EF4-FFF2-40B4-BE49-F238E27FC236}">
+                <a16:creationId xmlns:a16="http://schemas.microsoft.com/office/drawing/2014/main" id="{E8143FD7-5DF2-A24A-6FD6-6740ABA85B64}"/>
+              </a:ext>
+            </a:extLst>
+          </p:cNvPr>
+          <p:cNvSpPr txBox="1"/>
+          <p:nvPr/>
+        </p:nvSpPr>
+        <p:spPr>
+          <a:xfrm>
+            <a:off x="4115322" y="3904749"/>
+            <a:ext cx="2471124" cy="169277"/>
+          </a:xfrm>
+          <a:prstGeom prst="rect">
+            <a:avLst/>
+          </a:prstGeom>
+          <a:noFill/>
+        </p:spPr>
+        <p:txBody>
+          <a:bodyPr wrap="square" lIns="0" tIns="0" rIns="0" bIns="0" rtlCol="0">
+            <a:spAutoFit/>
+          </a:bodyPr>
+          <a:lstStyle/>
+          <a:p>
+            <a:pPr algn="ctr"/>
+            <a:r>
+              <a:rPr lang="en-US" sz="1100" dirty="0">
+                <a:solidFill>
+                  <a:schemeClr val="accent1">
+                    <a:lumMod val="50000"/>
+                  </a:schemeClr>
+                </a:solidFill>
+                <a:latin typeface="Calibri" panose="020F0502020204030204" pitchFamily="34" charset="0"/>
+                <a:cs typeface="Calibri" panose="020F0502020204030204" pitchFamily="34" charset="0"/>
+              </a:rPr>
+              <a:t>Execute CQL/Retrieve data from EHR</a:t>
+            </a:r>
+          </a:p>
+        </p:txBody>
+      </p:sp>
       <p:cxnSp>
         <p:nvCxnSpPr>
-          <p:cNvPr id="2" name="Straight Arrow Connector 1">
+          <p:cNvPr id="9" name="Straight Arrow Connector 8">
             <a:extLst>
               <a:ext uri="{FF2B5EF4-FFF2-40B4-BE49-F238E27FC236}">
-                <a16:creationId xmlns:a16="http://schemas.microsoft.com/office/drawing/2014/main" id="{892C4D49-4350-98D1-B3FF-DEF8F6582929}"/>
+                <a16:creationId xmlns:a16="http://schemas.microsoft.com/office/drawing/2014/main" id="{311E8002-3B8E-352B-97CD-3561BF0DD465}"/>
               </a:ext>
             </a:extLst>
           </p:cNvPr>
@@ -19660,7 +19704,7 @@
         </p:nvCxnSpPr>
         <p:spPr>
           <a:xfrm>
-            <a:off x="4113794" y="4705431"/>
+            <a:off x="4104576" y="1589496"/>
             <a:ext cx="2505312" cy="0"/>
           </a:xfrm>
           <a:prstGeom prst="straightConnector1">
@@ -19668,10 +19712,13 @@
           </a:prstGeom>
           <a:ln w="15875">
             <a:solidFill>
-              <a:schemeClr val="tx1"/>
+              <a:schemeClr val="accent6">
+                <a:lumMod val="50000"/>
+              </a:schemeClr>
             </a:solidFill>
+            <a:prstDash val="sysDash"/>
             <a:headEnd type="triangle"/>
-            <a:tailEnd type="none"/>
+            <a:tailEnd type="triangle"/>
           </a:ln>
         </p:spPr>
         <p:style>
@@ -19691,98 +19738,6 @@
       </p:cxnSp>
       <p:sp>
         <p:nvSpPr>
-          <p:cNvPr id="4" name="TextBox 3">
-            <a:extLst>
-              <a:ext uri="{FF2B5EF4-FFF2-40B4-BE49-F238E27FC236}">
-                <a16:creationId xmlns:a16="http://schemas.microsoft.com/office/drawing/2014/main" id="{E8143FD7-5DF2-A24A-6FD6-6740ABA85B64}"/>
-              </a:ext>
-            </a:extLst>
-          </p:cNvPr>
-          <p:cNvSpPr txBox="1"/>
-          <p:nvPr/>
-        </p:nvSpPr>
-        <p:spPr>
-          <a:xfrm>
-            <a:off x="4133251" y="4511503"/>
-            <a:ext cx="2471124" cy="169277"/>
-          </a:xfrm>
-          <a:prstGeom prst="rect">
-            <a:avLst/>
-          </a:prstGeom>
-          <a:noFill/>
-        </p:spPr>
-        <p:txBody>
-          <a:bodyPr wrap="square" lIns="0" tIns="0" rIns="0" bIns="0" rtlCol="0">
-            <a:spAutoFit/>
-          </a:bodyPr>
-          <a:lstStyle/>
-          <a:p>
-            <a:pPr algn="ctr"/>
-            <a:r>
-              <a:rPr lang="en-US" sz="1100" dirty="0">
-                <a:solidFill>
-                  <a:schemeClr val="accent1">
-                    <a:lumMod val="50000"/>
-                  </a:schemeClr>
-                </a:solidFill>
-                <a:latin typeface="Calibri" panose="020F0502020204030204" pitchFamily="34" charset="0"/>
-                <a:cs typeface="Calibri" panose="020F0502020204030204" pitchFamily="34" charset="0"/>
-              </a:rPr>
-              <a:t>Execute CQL/Retrieve data from EHR</a:t>
-            </a:r>
-          </a:p>
-        </p:txBody>
-      </p:sp>
-      <p:cxnSp>
-        <p:nvCxnSpPr>
-          <p:cNvPr id="9" name="Straight Arrow Connector 8">
-            <a:extLst>
-              <a:ext uri="{FF2B5EF4-FFF2-40B4-BE49-F238E27FC236}">
-                <a16:creationId xmlns:a16="http://schemas.microsoft.com/office/drawing/2014/main" id="{311E8002-3B8E-352B-97CD-3561BF0DD465}"/>
-              </a:ext>
-            </a:extLst>
-          </p:cNvPr>
-          <p:cNvCxnSpPr>
-            <a:cxnSpLocks/>
-          </p:cNvCxnSpPr>
-          <p:nvPr/>
-        </p:nvCxnSpPr>
-        <p:spPr>
-          <a:xfrm>
-            <a:off x="4122505" y="1668295"/>
-            <a:ext cx="2505312" cy="0"/>
-          </a:xfrm>
-          <a:prstGeom prst="straightConnector1">
-            <a:avLst/>
-          </a:prstGeom>
-          <a:ln w="15875">
-            <a:solidFill>
-              <a:schemeClr val="accent6">
-                <a:lumMod val="50000"/>
-              </a:schemeClr>
-            </a:solidFill>
-            <a:prstDash val="sysDash"/>
-            <a:headEnd type="triangle"/>
-            <a:tailEnd type="triangle"/>
-          </a:ln>
-        </p:spPr>
-        <p:style>
-          <a:lnRef idx="1">
-            <a:schemeClr val="accent1"/>
-          </a:lnRef>
-          <a:fillRef idx="0">
-            <a:schemeClr val="accent1"/>
-          </a:fillRef>
-          <a:effectRef idx="0">
-            <a:schemeClr val="accent1"/>
-          </a:effectRef>
-          <a:fontRef idx="minor">
-            <a:schemeClr val="tx1"/>
-          </a:fontRef>
-        </p:style>
-      </p:cxnSp>
-      <p:sp>
-        <p:nvSpPr>
           <p:cNvPr id="10" name="TextBox 9">
             <a:extLst>
               <a:ext uri="{FF2B5EF4-FFF2-40B4-BE49-F238E27FC236}">
@@ -19795,7 +19750,7 @@
         </p:nvSpPr>
         <p:spPr>
           <a:xfrm>
-            <a:off x="4141962" y="1490269"/>
+            <a:off x="4124033" y="1411470"/>
             <a:ext cx="2471124" cy="169277"/>
           </a:xfrm>
           <a:prstGeom prst="rect">
@@ -19839,7 +19794,7 @@
         </p:nvSpPr>
         <p:spPr>
           <a:xfrm>
-            <a:off x="5166141" y="1856683"/>
+            <a:off x="5148212" y="1777884"/>
             <a:ext cx="2902926" cy="215444"/>
           </a:xfrm>
           <a:prstGeom prst="rect">
@@ -19887,7 +19842,7 @@
         </p:nvCxnSpPr>
         <p:spPr>
           <a:xfrm>
-            <a:off x="4113794" y="2037241"/>
+            <a:off x="4095865" y="1958442"/>
             <a:ext cx="2505312" cy="0"/>
           </a:xfrm>
           <a:prstGeom prst="straightConnector1">
@@ -19935,7 +19890,7 @@
         </p:nvCxnSpPr>
         <p:spPr>
           <a:xfrm>
-            <a:off x="6618095" y="2037241"/>
+            <a:off x="6600166" y="1958442"/>
             <a:ext cx="2505312" cy="0"/>
           </a:xfrm>
           <a:prstGeom prst="straightConnector1">
@@ -19981,7 +19936,7 @@
         </p:nvSpPr>
         <p:spPr>
           <a:xfrm>
-            <a:off x="6581389" y="1999567"/>
+            <a:off x="6563460" y="1920768"/>
             <a:ext cx="73152" cy="73152"/>
           </a:xfrm>
           <a:prstGeom prst="ellipse">
@@ -20037,7 +19992,7 @@
         </p:nvCxnSpPr>
         <p:spPr>
           <a:xfrm>
-            <a:off x="4116359" y="5557690"/>
+            <a:off x="4098430" y="5495055"/>
             <a:ext cx="2505312" cy="0"/>
           </a:xfrm>
           <a:prstGeom prst="straightConnector1">
@@ -20080,7 +20035,7 @@
         </p:nvSpPr>
         <p:spPr>
           <a:xfrm>
-            <a:off x="4135816" y="5363762"/>
+            <a:off x="4117887" y="5312117"/>
             <a:ext cx="2471124" cy="169277"/>
           </a:xfrm>
           <a:prstGeom prst="rect">
@@ -20124,7 +20079,7 @@
         </p:nvSpPr>
         <p:spPr>
           <a:xfrm>
-            <a:off x="5401899" y="4906249"/>
+            <a:off x="5355406" y="4836146"/>
             <a:ext cx="2505283" cy="339993"/>
           </a:xfrm>
           <a:prstGeom prst="rect">
@@ -20169,12 +20124,58 @@
           </a:p>
         </p:txBody>
       </p:sp>
-      <p:sp>
-        <p:nvSpPr>
-          <p:cNvPr id="7" name="TextBox 6">
+      <p:cxnSp>
+        <p:nvCxnSpPr>
+          <p:cNvPr id="7" name="Straight Arrow Connector 6">
             <a:extLst>
               <a:ext uri="{FF2B5EF4-FFF2-40B4-BE49-F238E27FC236}">
-                <a16:creationId xmlns:a16="http://schemas.microsoft.com/office/drawing/2014/main" id="{43A7389B-E5C9-EBDE-AE26-5B24A8ACE562}"/>
+                <a16:creationId xmlns:a16="http://schemas.microsoft.com/office/drawing/2014/main" id="{E09F5264-B4BF-247F-78D7-29E89172EF4C}"/>
+              </a:ext>
+            </a:extLst>
+          </p:cNvPr>
+          <p:cNvCxnSpPr>
+            <a:cxnSpLocks/>
+          </p:cNvCxnSpPr>
+          <p:nvPr/>
+        </p:nvCxnSpPr>
+        <p:spPr>
+          <a:xfrm flipH="1">
+            <a:off x="4090514" y="4089859"/>
+            <a:ext cx="2505312" cy="0"/>
+          </a:xfrm>
+          <a:prstGeom prst="straightConnector1">
+            <a:avLst/>
+          </a:prstGeom>
+          <a:ln w="15875">
+            <a:solidFill>
+              <a:schemeClr val="tx1"/>
+            </a:solidFill>
+            <a:prstDash val="dash"/>
+            <a:headEnd type="stealth"/>
+            <a:tailEnd type="stealth"/>
+          </a:ln>
+        </p:spPr>
+        <p:style>
+          <a:lnRef idx="1">
+            <a:schemeClr val="accent1"/>
+          </a:lnRef>
+          <a:fillRef idx="0">
+            <a:schemeClr val="accent1"/>
+          </a:fillRef>
+          <a:effectRef idx="0">
+            <a:schemeClr val="accent1"/>
+          </a:effectRef>
+          <a:fontRef idx="minor">
+            <a:schemeClr val="tx1"/>
+          </a:fontRef>
+        </p:style>
+      </p:cxnSp>
+      <p:sp>
+        <p:nvSpPr>
+          <p:cNvPr id="2" name="TextBox 1">
+            <a:extLst>
+              <a:ext uri="{FF2B5EF4-FFF2-40B4-BE49-F238E27FC236}">
+                <a16:creationId xmlns:a16="http://schemas.microsoft.com/office/drawing/2014/main" id="{864DB1ED-081C-D795-FBB4-284C7E41D325}"/>
               </a:ext>
             </a:extLst>
           </p:cNvPr>
@@ -20213,7 +20214,7 @@
     </p:spTree>
     <p:extLst>
       <p:ext uri="{BB962C8B-B14F-4D97-AF65-F5344CB8AC3E}">
-        <p14:creationId xmlns:p14="http://schemas.microsoft.com/office/powerpoint/2010/main" val="1702481433"/>
+        <p14:creationId xmlns:p14="http://schemas.microsoft.com/office/powerpoint/2010/main" val="4051939618"/>
       </p:ext>
     </p:extLst>
   </p:cSld>
@@ -21655,12 +21656,27 @@
 </file>
 
 <file path=customXml/item1.xml><?xml version="1.0" encoding="utf-8"?>
-<?mso-contentType ?>
-<FormTemplates xmlns="http://schemas.microsoft.com/sharepoint/v3/contenttype/forms">
-  <Display>DocumentLibraryForm</Display>
-  <Edit>DocumentLibraryForm</Edit>
-  <New>DocumentLibraryForm</New>
-</FormTemplates>
+<p:properties xmlns:p="http://schemas.microsoft.com/office/2006/metadata/properties" xmlns:xsi="http://www.w3.org/2001/XMLSchema-instance" xmlns:pc="http://schemas.microsoft.com/office/infopath/2007/PartnerControls">
+  <documentManagement>
+    <SharedWithUsers xmlns="5bceed9a-bae5-4329-97ef-b259bd0b225e">
+      <UserInfo>
+        <DisplayName>Ambrose, Nalini</DisplayName>
+        <AccountId>13</AccountId>
+        <AccountType/>
+      </UserInfo>
+      <UserInfo>
+        <DisplayName>Lyall, Jessica</DisplayName>
+        <AccountId>178</AccountId>
+        <AccountType/>
+      </UserInfo>
+      <UserInfo>
+        <DisplayName>Horbachevsky, Olexa</DisplayName>
+        <AccountId>10</AccountId>
+        <AccountType/>
+      </UserInfo>
+    </SharedWithUsers>
+  </documentManagement>
+</p:properties>
 </file>
 
 <file path=customXml/item2.xml><?xml version="1.0" encoding="utf-8"?>
@@ -21861,33 +21877,27 @@
 </file>
 
 <file path=customXml/item3.xml><?xml version="1.0" encoding="utf-8"?>
-<p:properties xmlns:p="http://schemas.microsoft.com/office/2006/metadata/properties" xmlns:xsi="http://www.w3.org/2001/XMLSchema-instance" xmlns:pc="http://schemas.microsoft.com/office/infopath/2007/PartnerControls">
-  <documentManagement>
-    <SharedWithUsers xmlns="5bceed9a-bae5-4329-97ef-b259bd0b225e">
-      <UserInfo>
-        <DisplayName>Ambrose, Nalini</DisplayName>
-        <AccountId>13</AccountId>
-        <AccountType/>
-      </UserInfo>
-      <UserInfo>
-        <DisplayName>Lyall, Jessica</DisplayName>
-        <AccountId>178</AccountId>
-        <AccountType/>
-      </UserInfo>
-      <UserInfo>
-        <DisplayName>Horbachevsky, Olexa</DisplayName>
-        <AccountId>10</AccountId>
-        <AccountType/>
-      </UserInfo>
-    </SharedWithUsers>
-  </documentManagement>
-</p:properties>
+<?mso-contentType ?>
+<FormTemplates xmlns="http://schemas.microsoft.com/sharepoint/v3/contenttype/forms">
+  <Display>DocumentLibraryForm</Display>
+  <Edit>DocumentLibraryForm</Edit>
+  <New>DocumentLibraryForm</New>
+</FormTemplates>
 </file>
 
 <file path=customXml/itemProps1.xml><?xml version="1.0" encoding="utf-8"?>
-<ds:datastoreItem xmlns:ds="http://schemas.openxmlformats.org/officeDocument/2006/customXml" ds:itemID="{416BA5C9-2D71-4B86-AE8A-8C0D9BC5FB22}">
+<ds:datastoreItem xmlns:ds="http://schemas.openxmlformats.org/officeDocument/2006/customXml" ds:itemID="{5450FCDD-08B1-48D8-BB50-7A17E590A5EE}">
   <ds:schemaRefs>
-    <ds:schemaRef ds:uri="http://schemas.microsoft.com/sharepoint/v3/contenttype/forms"/>
+    <ds:schemaRef ds:uri="http://purl.org/dc/terms/"/>
+    <ds:schemaRef ds:uri="http://schemas.openxmlformats.org/package/2006/metadata/core-properties"/>
+    <ds:schemaRef ds:uri="http://purl.org/dc/dcmitype/"/>
+    <ds:schemaRef ds:uri="http://schemas.microsoft.com/office/infopath/2007/PartnerControls"/>
+    <ds:schemaRef ds:uri="http://schemas.microsoft.com/office/2006/documentManagement/types"/>
+    <ds:schemaRef ds:uri="5bceed9a-bae5-4329-97ef-b259bd0b225e"/>
+    <ds:schemaRef ds:uri="http://purl.org/dc/elements/1.1/"/>
+    <ds:schemaRef ds:uri="http://schemas.microsoft.com/office/2006/metadata/properties"/>
+    <ds:schemaRef ds:uri="c6e6fbc9-cbf1-42ee-bbf0-d6e110e2b732"/>
+    <ds:schemaRef ds:uri="http://www.w3.org/XML/1998/namespace"/>
   </ds:schemaRefs>
 </ds:datastoreItem>
 </file>
@@ -21912,18 +21922,9 @@
 </file>
 
 <file path=customXml/itemProps3.xml><?xml version="1.0" encoding="utf-8"?>
-<ds:datastoreItem xmlns:ds="http://schemas.openxmlformats.org/officeDocument/2006/customXml" ds:itemID="{5450FCDD-08B1-48D8-BB50-7A17E590A5EE}">
+<ds:datastoreItem xmlns:ds="http://schemas.openxmlformats.org/officeDocument/2006/customXml" ds:itemID="{416BA5C9-2D71-4B86-AE8A-8C0D9BC5FB22}">
   <ds:schemaRefs>
-    <ds:schemaRef ds:uri="http://purl.org/dc/terms/"/>
-    <ds:schemaRef ds:uri="http://schemas.openxmlformats.org/package/2006/metadata/core-properties"/>
-    <ds:schemaRef ds:uri="http://purl.org/dc/dcmitype/"/>
-    <ds:schemaRef ds:uri="http://schemas.microsoft.com/office/infopath/2007/PartnerControls"/>
-    <ds:schemaRef ds:uri="http://schemas.microsoft.com/office/2006/documentManagement/types"/>
-    <ds:schemaRef ds:uri="5bceed9a-bae5-4329-97ef-b259bd0b225e"/>
-    <ds:schemaRef ds:uri="http://purl.org/dc/elements/1.1/"/>
-    <ds:schemaRef ds:uri="http://schemas.microsoft.com/office/2006/metadata/properties"/>
-    <ds:schemaRef ds:uri="c6e6fbc9-cbf1-42ee-bbf0-d6e110e2b732"/>
-    <ds:schemaRef ds:uri="http://www.w3.org/XML/1998/namespace"/>
+    <ds:schemaRef ds:uri="http://schemas.microsoft.com/sharepoint/v3/contenttype/forms"/>
   </ds:schemaRefs>
 </ds:datastoreItem>
 </file>
--- a/input/images-source/CRD_DTR_Flow.pptx
+++ b/input/images-source/CRD_DTR_Flow.pptx
@@ -5,17 +5,18 @@
     <p:sldMasterId id="2147483672" r:id="rId4"/>
     <p:sldMasterId id="2147483686" r:id="rId5"/>
     <p:sldMasterId id="2147483719" r:id="rId6"/>
+    <p:sldMasterId id="2147483738" r:id="rId7"/>
   </p:sldMasterIdLst>
   <p:notesMasterIdLst>
-    <p:notesMasterId r:id="rId10"/>
+    <p:notesMasterId r:id="rId11"/>
   </p:notesMasterIdLst>
   <p:handoutMasterIdLst>
-    <p:handoutMasterId r:id="rId11"/>
+    <p:handoutMasterId r:id="rId12"/>
   </p:handoutMasterIdLst>
   <p:sldIdLst>
-    <p:sldId id="2919" r:id="rId7"/>
-    <p:sldId id="2921" r:id="rId8"/>
-    <p:sldId id="2924" r:id="rId9"/>
+    <p:sldId id="2919" r:id="rId8"/>
+    <p:sldId id="2921" r:id="rId9"/>
+    <p:sldId id="720" r:id="rId10"/>
   </p:sldIdLst>
   <p:sldSz cx="12192000" cy="6858000"/>
   <p:notesSz cx="7010400" cy="9236075"/>
@@ -121,7 +122,7 @@
           <p14:sldIdLst>
             <p14:sldId id="2919"/>
             <p14:sldId id="2921"/>
-            <p14:sldId id="2924"/>
+            <p14:sldId id="720"/>
           </p14:sldIdLst>
         </p14:section>
       </p14:sectionLst>
@@ -3243,7 +3244,7 @@
           <a:p>
             <a:fld id="{FD8C879B-2DAC-426D-B5B4-08F42B952A26}" type="datetimeFigureOut">
               <a:rPr lang="en-US" smtClean="0"/>
-              <a:t>6/28/2024</a:t>
+              <a:t>7/2/2024</a:t>
             </a:fld>
             <a:endParaRPr lang="en-US" dirty="0"/>
           </a:p>
@@ -3420,7 +3421,7 @@
           <a:p>
             <a:fld id="{92E54576-A3BB-48F9-891E-992E86D01A7B}" type="datetimeFigureOut">
               <a:rPr lang="en-US" smtClean="0"/>
-              <a:t>6/28/2024</a:t>
+              <a:t>7/2/2024</a:t>
             </a:fld>
             <a:endParaRPr lang="en-US" dirty="0"/>
           </a:p>
@@ -3871,98 +3872,6 @@
 </p:notes>
 </file>
 
-<file path=ppt/notesSlides/notesSlide3.xml><?xml version="1.0" encoding="utf-8"?>
-<p:notes xmlns:a="http://schemas.openxmlformats.org/drawingml/2006/main" xmlns:r="http://schemas.openxmlformats.org/officeDocument/2006/relationships" xmlns:p="http://schemas.openxmlformats.org/presentationml/2006/main">
-  <p:cSld>
-    <p:spTree>
-      <p:nvGrpSpPr>
-        <p:cNvPr id="1" name=""/>
-        <p:cNvGrpSpPr/>
-        <p:nvPr/>
-      </p:nvGrpSpPr>
-      <p:grpSpPr>
-        <a:xfrm>
-          <a:off x="0" y="0"/>
-          <a:ext cx="0" cy="0"/>
-          <a:chOff x="0" y="0"/>
-          <a:chExt cx="0" cy="0"/>
-        </a:xfrm>
-      </p:grpSpPr>
-      <p:sp>
-        <p:nvSpPr>
-          <p:cNvPr id="2" name="Slide Image Placeholder 1"/>
-          <p:cNvSpPr>
-            <a:spLocks noGrp="1" noRot="1" noChangeAspect="1"/>
-          </p:cNvSpPr>
-          <p:nvPr>
-            <p:ph type="sldImg"/>
-          </p:nvPr>
-        </p:nvSpPr>
-        <p:spPr/>
-      </p:sp>
-      <p:sp>
-        <p:nvSpPr>
-          <p:cNvPr id="3" name="Notes Placeholder 2"/>
-          <p:cNvSpPr>
-            <a:spLocks noGrp="1"/>
-          </p:cNvSpPr>
-          <p:nvPr>
-            <p:ph type="body" idx="1"/>
-          </p:nvPr>
-        </p:nvSpPr>
-        <p:spPr/>
-        <p:txBody>
-          <a:bodyPr/>
-          <a:lstStyle/>
-          <a:p>
-            <a:endParaRPr lang="en-US" sz="1200" kern="1200" dirty="0">
-              <a:solidFill>
-                <a:schemeClr val="tx1"/>
-              </a:solidFill>
-              <a:effectLst/>
-              <a:latin typeface="+mn-lt"/>
-              <a:ea typeface="+mn-ea"/>
-              <a:cs typeface="+mn-cs"/>
-            </a:endParaRPr>
-          </a:p>
-        </p:txBody>
-      </p:sp>
-      <p:sp>
-        <p:nvSpPr>
-          <p:cNvPr id="4" name="Slide Number Placeholder 3"/>
-          <p:cNvSpPr>
-            <a:spLocks noGrp="1"/>
-          </p:cNvSpPr>
-          <p:nvPr>
-            <p:ph type="sldNum" sz="quarter" idx="5"/>
-          </p:nvPr>
-        </p:nvSpPr>
-        <p:spPr/>
-        <p:txBody>
-          <a:bodyPr/>
-          <a:lstStyle/>
-          <a:p>
-            <a:fld id="{D58F3C89-9E49-4851-A18A-DAECD34FD650}" type="slidenum">
-              <a:rPr lang="en-US" smtClean="0"/>
-              <a:t>3</a:t>
-            </a:fld>
-            <a:endParaRPr lang="en-US" dirty="0"/>
-          </a:p>
-        </p:txBody>
-      </p:sp>
-    </p:spTree>
-    <p:extLst>
-      <p:ext uri="{BB962C8B-B14F-4D97-AF65-F5344CB8AC3E}">
-        <p14:creationId xmlns:p14="http://schemas.microsoft.com/office/powerpoint/2010/main" val="3583885511"/>
-      </p:ext>
-    </p:extLst>
-  </p:cSld>
-  <p:clrMapOvr>
-    <a:masterClrMapping/>
-  </p:clrMapOvr>
-</p:notes>
-</file>
-
 <file path=ppt/slideLayouts/slideLayout1.xml><?xml version="1.0" encoding="utf-8"?>
 <p:sldLayout xmlns:a="http://schemas.openxmlformats.org/drawingml/2006/main" xmlns:r="http://schemas.openxmlformats.org/officeDocument/2006/relationships" xmlns:p="http://schemas.openxmlformats.org/presentationml/2006/main" type="title" preserve="1">
   <p:cSld name="Title Slide">
@@ -7777,7 +7686,7 @@
           <a:p>
             <a:fld id="{41EA1E7C-71D6-4729-84AA-F013DDAF4032}" type="datetimeFigureOut">
               <a:rPr lang="en-US" smtClean="0"/>
-              <a:t>6/28/2024</a:t>
+              <a:t>7/2/2024</a:t>
             </a:fld>
             <a:endParaRPr lang="en-US" dirty="0"/>
           </a:p>
@@ -12826,6 +12735,114 @@
   <p:clrMapOvr>
     <a:masterClrMapping/>
   </p:clrMapOvr>
+</p:sldLayout>
+</file>
+
+<file path=ppt/slideLayouts/slideLayout40.xml><?xml version="1.0" encoding="utf-8"?>
+<p:sldLayout xmlns:a="http://schemas.openxmlformats.org/drawingml/2006/main" xmlns:r="http://schemas.openxmlformats.org/officeDocument/2006/relationships" xmlns:p="http://schemas.openxmlformats.org/presentationml/2006/main" preserve="1" userDrawn="1">
+  <p:cSld name="Custom Layout">
+    <p:spTree>
+      <p:nvGrpSpPr>
+        <p:cNvPr id="1" name=""/>
+        <p:cNvGrpSpPr/>
+        <p:nvPr/>
+      </p:nvGrpSpPr>
+      <p:grpSpPr>
+        <a:xfrm>
+          <a:off x="0" y="0"/>
+          <a:ext cx="0" cy="0"/>
+          <a:chOff x="0" y="0"/>
+          <a:chExt cx="0" cy="0"/>
+        </a:xfrm>
+      </p:grpSpPr>
+      <p:sp>
+        <p:nvSpPr>
+          <p:cNvPr id="2" name="Title 1">
+            <a:extLst>
+              <a:ext uri="{FF2B5EF4-FFF2-40B4-BE49-F238E27FC236}">
+                <a16:creationId xmlns:a16="http://schemas.microsoft.com/office/drawing/2014/main" id="{51DF5027-5042-6794-7ECA-7B729DB78BA9}"/>
+              </a:ext>
+            </a:extLst>
+          </p:cNvPr>
+          <p:cNvSpPr>
+            <a:spLocks noGrp="1"/>
+          </p:cNvSpPr>
+          <p:nvPr>
+            <p:ph type="title"/>
+          </p:nvPr>
+        </p:nvSpPr>
+        <p:spPr>
+          <a:xfrm>
+            <a:off x="838202" y="365125"/>
+            <a:ext cx="10515600" cy="1325563"/>
+          </a:xfrm>
+          <a:prstGeom prst="rect">
+            <a:avLst/>
+          </a:prstGeom>
+        </p:spPr>
+        <p:txBody>
+          <a:bodyPr/>
+          <a:lstStyle/>
+          <a:p>
+            <a:r>
+              <a:rPr lang="en-US"/>
+              <a:t>Click to edit Master title style</a:t>
+            </a:r>
+          </a:p>
+        </p:txBody>
+      </p:sp>
+    </p:spTree>
+    <p:extLst>
+      <p:ext uri="{BB962C8B-B14F-4D97-AF65-F5344CB8AC3E}">
+        <p14:creationId xmlns:p14="http://schemas.microsoft.com/office/powerpoint/2010/main" val="971844250"/>
+      </p:ext>
+    </p:extLst>
+  </p:cSld>
+  <p:clrMapOvr>
+    <a:masterClrMapping/>
+  </p:clrMapOvr>
+</p:sldLayout>
+</file>
+
+<file path=ppt/slideLayouts/slideLayout41.xml><?xml version="1.0" encoding="utf-8"?>
+<p:sldLayout xmlns:a="http://schemas.openxmlformats.org/drawingml/2006/main" xmlns:r="http://schemas.openxmlformats.org/officeDocument/2006/relationships" xmlns:p="http://schemas.openxmlformats.org/presentationml/2006/main" userDrawn="1">
+  <p:cSld name="Title and Content">
+    <p:spTree>
+      <p:nvGrpSpPr>
+        <p:cNvPr id="1" name=""/>
+        <p:cNvGrpSpPr/>
+        <p:nvPr/>
+      </p:nvGrpSpPr>
+      <p:grpSpPr>
+        <a:xfrm>
+          <a:off x="0" y="0"/>
+          <a:ext cx="0" cy="0"/>
+          <a:chOff x="0" y="0"/>
+          <a:chExt cx="0" cy="0"/>
+        </a:xfrm>
+      </p:grpSpPr>
+    </p:spTree>
+    <p:extLst>
+      <p:ext uri="{BB962C8B-B14F-4D97-AF65-F5344CB8AC3E}">
+        <p14:creationId xmlns:p14="http://schemas.microsoft.com/office/powerpoint/2010/main" val="665376568"/>
+      </p:ext>
+    </p:extLst>
+  </p:cSld>
+  <p:clrMapOvr>
+    <a:masterClrMapping/>
+  </p:clrMapOvr>
+  <mc:AlternateContent xmlns:mc="http://schemas.openxmlformats.org/markup-compatibility/2006" xmlns:p14="http://schemas.microsoft.com/office/powerpoint/2010/main">
+    <mc:Choice Requires="p14">
+      <p:transition spd="med" p14:dur="700">
+        <p:fade/>
+      </p:transition>
+    </mc:Choice>
+    <mc:Fallback xmlns="">
+      <p:transition spd="med">
+        <p:fade/>
+      </p:transition>
+    </mc:Fallback>
+  </mc:AlternateContent>
 </p:sldLayout>
 </file>
 
@@ -15658,6 +15675,390 @@
 </p:sldMaster>
 </file>
 
+<file path=ppt/slideMasters/slideMaster4.xml><?xml version="1.0" encoding="utf-8"?>
+<p:sldMaster xmlns:a="http://schemas.openxmlformats.org/drawingml/2006/main" xmlns:r="http://schemas.openxmlformats.org/officeDocument/2006/relationships" xmlns:p="http://schemas.openxmlformats.org/presentationml/2006/main">
+  <p:cSld>
+    <p:bg>
+      <p:bgRef idx="1001">
+        <a:schemeClr val="bg1"/>
+      </p:bgRef>
+    </p:bg>
+    <p:spTree>
+      <p:nvGrpSpPr>
+        <p:cNvPr id="1" name=""/>
+        <p:cNvGrpSpPr/>
+        <p:nvPr/>
+      </p:nvGrpSpPr>
+      <p:grpSpPr>
+        <a:xfrm>
+          <a:off x="0" y="0"/>
+          <a:ext cx="0" cy="0"/>
+          <a:chOff x="0" y="0"/>
+          <a:chExt cx="0" cy="0"/>
+        </a:xfrm>
+      </p:grpSpPr>
+    </p:spTree>
+    <p:extLst>
+      <p:ext uri="{BB962C8B-B14F-4D97-AF65-F5344CB8AC3E}">
+        <p14:creationId xmlns:p14="http://schemas.microsoft.com/office/powerpoint/2010/main" val="2831454599"/>
+      </p:ext>
+    </p:extLst>
+  </p:cSld>
+  <p:clrMap bg1="lt1" tx1="dk1" bg2="lt2" tx2="dk2" accent1="accent1" accent2="accent2" accent3="accent3" accent4="accent4" accent5="accent5" accent6="accent6" hlink="hlink" folHlink="folHlink"/>
+  <p:sldLayoutIdLst>
+    <p:sldLayoutId id="2147483739" r:id="rId1"/>
+    <p:sldLayoutId id="2147483740" r:id="rId2"/>
+  </p:sldLayoutIdLst>
+  <p:hf hdr="0" dt="0"/>
+  <p:txStyles>
+    <p:titleStyle>
+      <a:lvl1pPr algn="l" defTabSz="914411" rtl="0" eaLnBrk="1" latinLnBrk="0" hangingPunct="1">
+        <a:lnSpc>
+          <a:spcPct val="90000"/>
+        </a:lnSpc>
+        <a:spcBef>
+          <a:spcPct val="0"/>
+        </a:spcBef>
+        <a:buNone/>
+        <a:defRPr lang="en-US" sz="3200" b="1" i="0" kern="1200" cap="none" baseline="0" dirty="0">
+          <a:solidFill>
+            <a:schemeClr val="tx2"/>
+          </a:solidFill>
+          <a:latin typeface="+mn-lt"/>
+          <a:ea typeface="+mj-ea"/>
+          <a:cs typeface="Arial Narrow" charset="0"/>
+        </a:defRPr>
+      </a:lvl1pPr>
+    </p:titleStyle>
+    <p:bodyStyle>
+      <a:lvl1pPr marL="0" indent="0" algn="l" defTabSz="914411" rtl="0" eaLnBrk="1" latinLnBrk="0" hangingPunct="1">
+        <a:lnSpc>
+          <a:spcPct val="90000"/>
+        </a:lnSpc>
+        <a:spcBef>
+          <a:spcPts val="1001"/>
+        </a:spcBef>
+        <a:buFontTx/>
+        <a:buNone/>
+        <a:defRPr lang="en-US" sz="2400" b="1" i="0" kern="1200" cap="none" baseline="0" dirty="0">
+          <a:solidFill>
+            <a:schemeClr val="tx2"/>
+          </a:solidFill>
+          <a:latin typeface="+mn-lt"/>
+          <a:ea typeface="+mn-ea"/>
+          <a:cs typeface="Arial Narrow" charset="0"/>
+        </a:defRPr>
+      </a:lvl1pPr>
+      <a:lvl2pPr marL="0" indent="0" algn="l" defTabSz="914411" rtl="0" eaLnBrk="1" latinLnBrk="0" hangingPunct="1">
+        <a:lnSpc>
+          <a:spcPct val="90000"/>
+        </a:lnSpc>
+        <a:spcBef>
+          <a:spcPts val="500"/>
+        </a:spcBef>
+        <a:spcAft>
+          <a:spcPts val="500"/>
+        </a:spcAft>
+        <a:buFontTx/>
+        <a:buNone/>
+        <a:defRPr lang="en-US" sz="2400" b="0" i="0" kern="1200" baseline="0" dirty="0">
+          <a:solidFill>
+            <a:schemeClr val="tx2"/>
+          </a:solidFill>
+          <a:latin typeface="+mn-lt"/>
+          <a:ea typeface="+mn-ea"/>
+          <a:cs typeface="Arial Narrow" charset="0"/>
+        </a:defRPr>
+      </a:lvl2pPr>
+      <a:lvl3pPr marL="349254" indent="-230191" algn="l" defTabSz="914411" rtl="0" eaLnBrk="1" latinLnBrk="0" hangingPunct="1">
+        <a:lnSpc>
+          <a:spcPct val="90000"/>
+        </a:lnSpc>
+        <a:spcBef>
+          <a:spcPts val="500"/>
+        </a:spcBef>
+        <a:spcAft>
+          <a:spcPts val="500"/>
+        </a:spcAft>
+        <a:buFont typeface="Wingdings" pitchFamily="2" charset="2"/>
+        <a:buChar char="§"/>
+        <a:tabLst/>
+        <a:defRPr lang="en-US" sz="2400" b="0" i="0" kern="1200" baseline="0" dirty="0">
+          <a:solidFill>
+            <a:schemeClr val="tx2"/>
+          </a:solidFill>
+          <a:latin typeface="+mn-lt"/>
+          <a:ea typeface="+mn-ea"/>
+          <a:cs typeface="Arial Narrow" charset="0"/>
+        </a:defRPr>
+      </a:lvl3pPr>
+      <a:lvl4pPr marL="579445" indent="-230191" algn="l" defTabSz="914411" rtl="0" eaLnBrk="1" latinLnBrk="0" hangingPunct="1">
+        <a:lnSpc>
+          <a:spcPct val="90000"/>
+        </a:lnSpc>
+        <a:spcBef>
+          <a:spcPts val="500"/>
+        </a:spcBef>
+        <a:spcAft>
+          <a:spcPts val="500"/>
+        </a:spcAft>
+        <a:buFont typeface="Wingdings" pitchFamily="2" charset="2"/>
+        <a:buChar char="§"/>
+        <a:tabLst/>
+        <a:defRPr lang="en-US" sz="2201" b="0" i="0" kern="1200" baseline="0" dirty="0">
+          <a:solidFill>
+            <a:schemeClr val="tx2"/>
+          </a:solidFill>
+          <a:latin typeface="+mn-lt"/>
+          <a:ea typeface="+mn-ea"/>
+          <a:cs typeface="Arial Narrow" charset="0"/>
+        </a:defRPr>
+      </a:lvl4pPr>
+      <a:lvl5pPr marL="800110" indent="-228604" algn="l" defTabSz="914411" rtl="0" eaLnBrk="1" latinLnBrk="0" hangingPunct="1">
+        <a:lnSpc>
+          <a:spcPct val="90000"/>
+        </a:lnSpc>
+        <a:spcBef>
+          <a:spcPts val="500"/>
+        </a:spcBef>
+        <a:spcAft>
+          <a:spcPts val="500"/>
+        </a:spcAft>
+        <a:buFont typeface="Wingdings" pitchFamily="2" charset="2"/>
+        <a:buChar char="§"/>
+        <a:tabLst/>
+        <a:defRPr lang="en-US" sz="1801" b="0" i="0" kern="1200" baseline="0" dirty="0">
+          <a:solidFill>
+            <a:schemeClr val="tx2"/>
+          </a:solidFill>
+          <a:latin typeface="+mn-lt"/>
+          <a:ea typeface="+mn-ea"/>
+          <a:cs typeface="Arial Narrow" charset="0"/>
+        </a:defRPr>
+      </a:lvl5pPr>
+      <a:lvl6pPr marL="2514632" indent="-228604" algn="l" defTabSz="914411" rtl="0" eaLnBrk="1" latinLnBrk="0" hangingPunct="1">
+        <a:lnSpc>
+          <a:spcPct val="90000"/>
+        </a:lnSpc>
+        <a:spcBef>
+          <a:spcPts val="500"/>
+        </a:spcBef>
+        <a:buFont typeface="Arial" panose="020B0604020202020204" pitchFamily="34" charset="0"/>
+        <a:buChar char="•"/>
+        <a:defRPr sz="1801" kern="1200">
+          <a:solidFill>
+            <a:schemeClr val="tx1"/>
+          </a:solidFill>
+          <a:latin typeface="+mn-lt"/>
+          <a:ea typeface="+mn-ea"/>
+          <a:cs typeface="+mn-cs"/>
+        </a:defRPr>
+      </a:lvl6pPr>
+      <a:lvl7pPr marL="2971838" indent="-228604" algn="l" defTabSz="914411" rtl="0" eaLnBrk="1" latinLnBrk="0" hangingPunct="1">
+        <a:lnSpc>
+          <a:spcPct val="90000"/>
+        </a:lnSpc>
+        <a:spcBef>
+          <a:spcPts val="500"/>
+        </a:spcBef>
+        <a:buFont typeface="Wingdings" pitchFamily="2" charset="2"/>
+        <a:buChar char="§"/>
+        <a:defRPr sz="1801" kern="1200">
+          <a:solidFill>
+            <a:schemeClr val="tx2"/>
+          </a:solidFill>
+          <a:latin typeface="+mn-lt"/>
+          <a:ea typeface="+mn-ea"/>
+          <a:cs typeface="+mn-cs"/>
+        </a:defRPr>
+      </a:lvl7pPr>
+      <a:lvl8pPr marL="3429044" indent="-228604" algn="l" defTabSz="914411" rtl="0" eaLnBrk="1" latinLnBrk="0" hangingPunct="1">
+        <a:lnSpc>
+          <a:spcPct val="90000"/>
+        </a:lnSpc>
+        <a:spcBef>
+          <a:spcPts val="500"/>
+        </a:spcBef>
+        <a:buFont typeface="Arial" panose="020B0604020202020204" pitchFamily="34" charset="0"/>
+        <a:buChar char="•"/>
+        <a:defRPr sz="1801" kern="1200">
+          <a:solidFill>
+            <a:schemeClr val="tx1"/>
+          </a:solidFill>
+          <a:latin typeface="+mn-lt"/>
+          <a:ea typeface="+mn-ea"/>
+          <a:cs typeface="+mn-cs"/>
+        </a:defRPr>
+      </a:lvl8pPr>
+      <a:lvl9pPr marL="3886249" indent="-228604" algn="l" defTabSz="914411" rtl="0" eaLnBrk="1" latinLnBrk="0" hangingPunct="1">
+        <a:lnSpc>
+          <a:spcPct val="90000"/>
+        </a:lnSpc>
+        <a:spcBef>
+          <a:spcPts val="500"/>
+        </a:spcBef>
+        <a:buFont typeface="Arial" panose="020B0604020202020204" pitchFamily="34" charset="0"/>
+        <a:buChar char="•"/>
+        <a:defRPr sz="1801" kern="1200">
+          <a:solidFill>
+            <a:schemeClr val="tx1"/>
+          </a:solidFill>
+          <a:latin typeface="+mn-lt"/>
+          <a:ea typeface="+mn-ea"/>
+          <a:cs typeface="+mn-cs"/>
+        </a:defRPr>
+      </a:lvl9pPr>
+    </p:bodyStyle>
+    <p:otherStyle>
+      <a:defPPr>
+        <a:defRPr lang="en-US"/>
+      </a:defPPr>
+      <a:lvl1pPr marL="0" algn="l" defTabSz="914411" rtl="0" eaLnBrk="1" latinLnBrk="0" hangingPunct="1">
+        <a:defRPr sz="1801" kern="1200">
+          <a:solidFill>
+            <a:schemeClr val="tx1"/>
+          </a:solidFill>
+          <a:latin typeface="+mn-lt"/>
+          <a:ea typeface="+mn-ea"/>
+          <a:cs typeface="+mn-cs"/>
+        </a:defRPr>
+      </a:lvl1pPr>
+      <a:lvl2pPr marL="457206" algn="l" defTabSz="914411" rtl="0" eaLnBrk="1" latinLnBrk="0" hangingPunct="1">
+        <a:defRPr sz="1801" kern="1200">
+          <a:solidFill>
+            <a:schemeClr val="tx1"/>
+          </a:solidFill>
+          <a:latin typeface="+mn-lt"/>
+          <a:ea typeface="+mn-ea"/>
+          <a:cs typeface="+mn-cs"/>
+        </a:defRPr>
+      </a:lvl2pPr>
+      <a:lvl3pPr marL="914411" algn="l" defTabSz="914411" rtl="0" eaLnBrk="1" latinLnBrk="0" hangingPunct="1">
+        <a:defRPr sz="1801" kern="1200">
+          <a:solidFill>
+            <a:schemeClr val="tx1"/>
+          </a:solidFill>
+          <a:latin typeface="+mn-lt"/>
+          <a:ea typeface="+mn-ea"/>
+          <a:cs typeface="+mn-cs"/>
+        </a:defRPr>
+      </a:lvl3pPr>
+      <a:lvl4pPr marL="1371617" algn="l" defTabSz="914411" rtl="0" eaLnBrk="1" latinLnBrk="0" hangingPunct="1">
+        <a:defRPr sz="1801" kern="1200">
+          <a:solidFill>
+            <a:schemeClr val="tx1"/>
+          </a:solidFill>
+          <a:latin typeface="+mn-lt"/>
+          <a:ea typeface="+mn-ea"/>
+          <a:cs typeface="+mn-cs"/>
+        </a:defRPr>
+      </a:lvl4pPr>
+      <a:lvl5pPr marL="1828823" algn="l" defTabSz="914411" rtl="0" eaLnBrk="1" latinLnBrk="0" hangingPunct="1">
+        <a:defRPr sz="1801" kern="1200">
+          <a:solidFill>
+            <a:schemeClr val="tx1"/>
+          </a:solidFill>
+          <a:latin typeface="+mn-lt"/>
+          <a:ea typeface="+mn-ea"/>
+          <a:cs typeface="+mn-cs"/>
+        </a:defRPr>
+      </a:lvl5pPr>
+      <a:lvl6pPr marL="2286029" algn="l" defTabSz="914411" rtl="0" eaLnBrk="1" latinLnBrk="0" hangingPunct="1">
+        <a:defRPr sz="1801" kern="1200">
+          <a:solidFill>
+            <a:schemeClr val="tx1"/>
+          </a:solidFill>
+          <a:latin typeface="+mn-lt"/>
+          <a:ea typeface="+mn-ea"/>
+          <a:cs typeface="+mn-cs"/>
+        </a:defRPr>
+      </a:lvl6pPr>
+      <a:lvl7pPr marL="2743234" algn="l" defTabSz="914411" rtl="0" eaLnBrk="1" latinLnBrk="0" hangingPunct="1">
+        <a:defRPr sz="1801" kern="1200">
+          <a:solidFill>
+            <a:schemeClr val="tx1"/>
+          </a:solidFill>
+          <a:latin typeface="+mn-lt"/>
+          <a:ea typeface="+mn-ea"/>
+          <a:cs typeface="+mn-cs"/>
+        </a:defRPr>
+      </a:lvl7pPr>
+      <a:lvl8pPr marL="3200440" algn="l" defTabSz="914411" rtl="0" eaLnBrk="1" latinLnBrk="0" hangingPunct="1">
+        <a:defRPr sz="1801" kern="1200">
+          <a:solidFill>
+            <a:schemeClr val="tx1"/>
+          </a:solidFill>
+          <a:latin typeface="+mn-lt"/>
+          <a:ea typeface="+mn-ea"/>
+          <a:cs typeface="+mn-cs"/>
+        </a:defRPr>
+      </a:lvl8pPr>
+      <a:lvl9pPr marL="3657646" algn="l" defTabSz="914411" rtl="0" eaLnBrk="1" latinLnBrk="0" hangingPunct="1">
+        <a:defRPr sz="1801" kern="1200">
+          <a:solidFill>
+            <a:schemeClr val="tx1"/>
+          </a:solidFill>
+          <a:latin typeface="+mn-lt"/>
+          <a:ea typeface="+mn-ea"/>
+          <a:cs typeface="+mn-cs"/>
+        </a:defRPr>
+      </a:lvl9pPr>
+    </p:otherStyle>
+  </p:txStyles>
+  <p:extLst>
+    <p:ext uri="{27BBF7A9-308A-43DC-89C8-2F10F3537804}">
+      <p15:sldGuideLst xmlns:p15="http://schemas.microsoft.com/office/powerpoint/2012/main">
+        <p15:guide id="1" orient="horz" pos="240">
+          <p15:clr>
+            <a:srgbClr val="F26B43"/>
+          </p15:clr>
+        </p15:guide>
+        <p15:guide id="2" pos="3865">
+          <p15:clr>
+            <a:srgbClr val="F26B43"/>
+          </p15:clr>
+        </p15:guide>
+        <p15:guide id="3" pos="7417">
+          <p15:clr>
+            <a:srgbClr val="F26B43"/>
+          </p15:clr>
+        </p15:guide>
+        <p15:guide id="4" pos="265">
+          <p15:clr>
+            <a:srgbClr val="F26B43"/>
+          </p15:clr>
+        </p15:guide>
+        <p15:guide id="5" orient="horz" pos="4104">
+          <p15:clr>
+            <a:srgbClr val="F26B43"/>
+          </p15:clr>
+        </p15:guide>
+        <p15:guide id="6" orient="horz" pos="3888">
+          <p15:clr>
+            <a:srgbClr val="F26B43"/>
+          </p15:clr>
+        </p15:guide>
+        <p15:guide id="7" orient="horz" pos="4200">
+          <p15:clr>
+            <a:srgbClr val="F26B43"/>
+          </p15:clr>
+        </p15:guide>
+        <p15:guide id="8" orient="horz" pos="2160">
+          <p15:clr>
+            <a:srgbClr val="F26B43"/>
+          </p15:clr>
+        </p15:guide>
+        <p15:guide id="9" orient="horz" pos="840">
+          <p15:clr>
+            <a:srgbClr val="F26B43"/>
+          </p15:clr>
+        </p15:guide>
+      </p15:sldGuideLst>
+    </p:ext>
+  </p:extLst>
+</p:sldMaster>
+</file>
+
 <file path=ppt/slides/slide1.xml><?xml version="1.0" encoding="utf-8"?>
 <p:sld xmlns:a="http://schemas.openxmlformats.org/drawingml/2006/main" xmlns:r="http://schemas.openxmlformats.org/officeDocument/2006/relationships" xmlns:p="http://schemas.openxmlformats.org/presentationml/2006/main" showMasterSp="0">
   <p:cSld>
@@ -18600,16 +19001,8 @@
 </file>
 
 <file path=ppt/slides/slide3.xml><?xml version="1.0" encoding="utf-8"?>
-<p:sld xmlns:a="http://schemas.openxmlformats.org/drawingml/2006/main" xmlns:r="http://schemas.openxmlformats.org/officeDocument/2006/relationships" xmlns:p="http://schemas.openxmlformats.org/presentationml/2006/main" showMasterSp="0">
+<p:sld xmlns:a="http://schemas.openxmlformats.org/drawingml/2006/main" xmlns:r="http://schemas.openxmlformats.org/officeDocument/2006/relationships" xmlns:p="http://schemas.openxmlformats.org/presentationml/2006/main">
   <p:cSld>
-    <p:bg>
-      <p:bgPr>
-        <a:solidFill>
-          <a:schemeClr val="bg1"/>
-        </a:solidFill>
-        <a:effectLst/>
-      </p:bgPr>
-    </p:bg>
     <p:spTree>
       <p:nvGrpSpPr>
         <p:cNvPr id="1" name=""/>
@@ -18626,10 +19019,107 @@
       </p:grpSpPr>
       <p:sp>
         <p:nvSpPr>
-          <p:cNvPr id="17" name="Rectangle: Rounded Corners 16">
+          <p:cNvPr id="2" name="Slide Number Placeholder 1">
             <a:extLst>
               <a:ext uri="{FF2B5EF4-FFF2-40B4-BE49-F238E27FC236}">
-                <a16:creationId xmlns:a16="http://schemas.microsoft.com/office/drawing/2014/main" id="{DFB8096E-BF12-A5F8-754F-33B57644DB35}"/>
+                <a16:creationId xmlns:a16="http://schemas.microsoft.com/office/drawing/2014/main" id="{11519A10-B3C4-4245-B658-F5FCA028DF11}"/>
+              </a:ext>
+            </a:extLst>
+          </p:cNvPr>
+          <p:cNvSpPr>
+            <a:spLocks noGrp="1"/>
+          </p:cNvSpPr>
+          <p:nvPr>
+            <p:ph type="sldNum" sz="quarter" idx="4294967295"/>
+          </p:nvPr>
+        </p:nvSpPr>
+        <p:spPr>
+          <a:xfrm>
+            <a:off x="11569700" y="6400802"/>
+            <a:ext cx="622300" cy="365125"/>
+          </a:xfrm>
+          <a:prstGeom prst="rect">
+            <a:avLst/>
+          </a:prstGeom>
+        </p:spPr>
+        <p:txBody>
+          <a:bodyPr/>
+          <a:lstStyle/>
+          <a:p>
+            <a:pPr marL="0" marR="0" lvl="0" indent="0" algn="l" defTabSz="914400" rtl="0" eaLnBrk="1" fontAlgn="auto" latinLnBrk="0" hangingPunct="1">
+              <a:lnSpc>
+                <a:spcPct val="100000"/>
+              </a:lnSpc>
+              <a:spcBef>
+                <a:spcPts val="0"/>
+              </a:spcBef>
+              <a:spcAft>
+                <a:spcPts val="0"/>
+              </a:spcAft>
+              <a:buClrTx/>
+              <a:buSzTx/>
+              <a:buFontTx/>
+              <a:buNone/>
+              <a:tabLst/>
+              <a:defRPr/>
+            </a:pPr>
+            <a:fld id="{BECF63ED-5365-0347-943C-46237B9951C9}" type="slidenum">
+              <a:rPr kumimoji="0" lang="en-US" sz="1800" b="0" i="0" u="none" strike="noStrike" kern="1200" cap="none" spc="0" normalizeH="0" baseline="0" noProof="0" smtClean="0">
+                <a:ln>
+                  <a:noFill/>
+                </a:ln>
+                <a:solidFill>
+                  <a:srgbClr val="000000"/>
+                </a:solidFill>
+                <a:effectLst/>
+                <a:uLnTx/>
+                <a:uFillTx/>
+                <a:latin typeface="Arial" panose="020B0604020202020204"/>
+                <a:ea typeface="+mn-ea"/>
+                <a:cs typeface="+mn-cs"/>
+              </a:rPr>
+              <a:pPr marL="0" marR="0" lvl="0" indent="0" algn="l" defTabSz="914400" rtl="0" eaLnBrk="1" fontAlgn="auto" latinLnBrk="0" hangingPunct="1">
+                <a:lnSpc>
+                  <a:spcPct val="100000"/>
+                </a:lnSpc>
+                <a:spcBef>
+                  <a:spcPts val="0"/>
+                </a:spcBef>
+                <a:spcAft>
+                  <a:spcPts val="0"/>
+                </a:spcAft>
+                <a:buClrTx/>
+                <a:buSzTx/>
+                <a:buFontTx/>
+                <a:buNone/>
+                <a:tabLst/>
+                <a:defRPr/>
+              </a:pPr>
+              <a:t>3</a:t>
+            </a:fld>
+            <a:endParaRPr kumimoji="0" lang="en-US" sz="1800" b="0" i="0" u="none" strike="noStrike" kern="1200" cap="none" spc="0" normalizeH="0" baseline="0" noProof="0">
+              <a:ln>
+                <a:noFill/>
+              </a:ln>
+              <a:solidFill>
+                <a:srgbClr val="000000"/>
+              </a:solidFill>
+              <a:effectLst/>
+              <a:uLnTx/>
+              <a:uFillTx/>
+              <a:latin typeface="Arial" panose="020B0604020202020204"/>
+              <a:ea typeface="+mn-ea"/>
+              <a:cs typeface="+mn-cs"/>
+            </a:endParaRPr>
+          </a:p>
+        </p:txBody>
+      </p:sp>
+      <p:sp>
+        <p:nvSpPr>
+          <p:cNvPr id="32" name="Rectangle 31">
+            <a:extLst>
+              <a:ext uri="{FF2B5EF4-FFF2-40B4-BE49-F238E27FC236}">
+                <a16:creationId xmlns:a16="http://schemas.microsoft.com/office/drawing/2014/main" id="{4931F6E9-37A3-91F1-14D7-A6555F4B6ADB}"/>
               </a:ext>
             </a:extLst>
           </p:cNvPr>
@@ -18638,21 +19128,576 @@
         </p:nvSpPr>
         <p:spPr>
           <a:xfrm>
-            <a:off x="2489882" y="717066"/>
-            <a:ext cx="7387628" cy="5430237"/>
+            <a:off x="1781989" y="1457797"/>
+            <a:ext cx="4116804" cy="369460"/>
+          </a:xfrm>
+          <a:prstGeom prst="rect">
+            <a:avLst/>
+          </a:prstGeom>
+        </p:spPr>
+        <p:txBody>
+          <a:bodyPr wrap="square">
+            <a:spAutoFit/>
+          </a:bodyPr>
+          <a:lstStyle/>
+          <a:p>
+            <a:pPr marL="0" marR="0" lvl="0" indent="0" algn="ctr" defTabSz="914400" rtl="0" eaLnBrk="1" fontAlgn="auto" latinLnBrk="0" hangingPunct="1">
+              <a:lnSpc>
+                <a:spcPct val="100000"/>
+              </a:lnSpc>
+              <a:spcBef>
+                <a:spcPts val="0"/>
+              </a:spcBef>
+              <a:spcAft>
+                <a:spcPts val="1200"/>
+              </a:spcAft>
+              <a:buClrTx/>
+              <a:buSzTx/>
+              <a:buFontTx/>
+              <a:buNone/>
+              <a:tabLst/>
+              <a:defRPr/>
+            </a:pPr>
+            <a:r>
+              <a:rPr kumimoji="0" lang="en-US" sz="1801" b="1" i="0" u="none" strike="noStrike" kern="1200" cap="none" spc="0" normalizeH="0" baseline="0" noProof="0" dirty="0">
+                <a:ln>
+                  <a:noFill/>
+                </a:ln>
+                <a:solidFill>
+                  <a:srgbClr val="000000"/>
+                </a:solidFill>
+                <a:effectLst/>
+                <a:uLnTx/>
+                <a:uFillTx/>
+                <a:latin typeface="Helvetica Neue"/>
+                <a:ea typeface="+mn-ea"/>
+                <a:cs typeface="+mn-cs"/>
+              </a:rPr>
+              <a:t>PROVIDER SYSTEM</a:t>
+            </a:r>
+          </a:p>
+        </p:txBody>
+      </p:sp>
+      <p:sp>
+        <p:nvSpPr>
+          <p:cNvPr id="33" name="Rectangle: Rounded Corners 32">
+            <a:extLst>
+              <a:ext uri="{FF2B5EF4-FFF2-40B4-BE49-F238E27FC236}">
+                <a16:creationId xmlns:a16="http://schemas.microsoft.com/office/drawing/2014/main" id="{50E03A93-18E5-7CD7-8C4D-3A9801BA6E07}"/>
+              </a:ext>
+            </a:extLst>
+          </p:cNvPr>
+          <p:cNvSpPr/>
+          <p:nvPr/>
+        </p:nvSpPr>
+        <p:spPr>
+          <a:xfrm>
+            <a:off x="1781988" y="1835009"/>
+            <a:ext cx="4116805" cy="2745750"/>
           </a:xfrm>
           <a:prstGeom prst="roundRect">
+            <a:avLst/>
+          </a:prstGeom>
+          <a:gradFill>
+            <a:gsLst>
+              <a:gs pos="0">
+                <a:schemeClr val="accent1">
+                  <a:lumMod val="5000"/>
+                  <a:lumOff val="95000"/>
+                </a:schemeClr>
+              </a:gs>
+              <a:gs pos="74000">
+                <a:schemeClr val="accent1">
+                  <a:lumMod val="20000"/>
+                  <a:lumOff val="80000"/>
+                </a:schemeClr>
+              </a:gs>
+              <a:gs pos="100000">
+                <a:schemeClr val="accent1">
+                  <a:lumMod val="30000"/>
+                  <a:lumOff val="70000"/>
+                </a:schemeClr>
+              </a:gs>
+            </a:gsLst>
+            <a:lin ang="3000000" scaled="0"/>
+          </a:gradFill>
+          <a:ln>
+            <a:solidFill>
+              <a:schemeClr val="accent1">
+                <a:lumMod val="40000"/>
+                <a:lumOff val="60000"/>
+              </a:schemeClr>
+            </a:solidFill>
+          </a:ln>
+        </p:spPr>
+        <p:style>
+          <a:lnRef idx="2">
+            <a:schemeClr val="accent2">
+              <a:shade val="50000"/>
+            </a:schemeClr>
+          </a:lnRef>
+          <a:fillRef idx="1">
+            <a:schemeClr val="accent2"/>
+          </a:fillRef>
+          <a:effectRef idx="0">
+            <a:schemeClr val="accent2"/>
+          </a:effectRef>
+          <a:fontRef idx="minor">
+            <a:schemeClr val="lt1"/>
+          </a:fontRef>
+        </p:style>
+        <p:txBody>
+          <a:bodyPr rtlCol="0" anchor="ctr"/>
+          <a:lstStyle/>
+          <a:p>
+            <a:pPr marL="0" marR="0" lvl="0" indent="0" algn="ctr" defTabSz="914400" rtl="0" eaLnBrk="1" fontAlgn="auto" latinLnBrk="0" hangingPunct="1">
+              <a:lnSpc>
+                <a:spcPct val="100000"/>
+              </a:lnSpc>
+              <a:spcBef>
+                <a:spcPts val="0"/>
+              </a:spcBef>
+              <a:spcAft>
+                <a:spcPts val="0"/>
+              </a:spcAft>
+              <a:buClrTx/>
+              <a:buSzTx/>
+              <a:buFontTx/>
+              <a:buNone/>
+              <a:tabLst/>
+              <a:defRPr/>
+            </a:pPr>
+            <a:endParaRPr kumimoji="0" lang="en-US" sz="1801" b="0" i="0" u="none" strike="noStrike" kern="1200" cap="none" spc="0" normalizeH="0" baseline="0" noProof="0">
+              <a:ln>
+                <a:noFill/>
+              </a:ln>
+              <a:solidFill>
+                <a:srgbClr val="FFFFFF"/>
+              </a:solidFill>
+              <a:effectLst/>
+              <a:uLnTx/>
+              <a:uFillTx/>
+              <a:latin typeface="Arial" panose="020B0604020202020204"/>
+              <a:ea typeface="+mn-ea"/>
+              <a:cs typeface="+mn-cs"/>
+            </a:endParaRPr>
+          </a:p>
+        </p:txBody>
+      </p:sp>
+      <p:sp>
+        <p:nvSpPr>
+          <p:cNvPr id="34" name="Rectangle 33">
+            <a:extLst>
+              <a:ext uri="{FF2B5EF4-FFF2-40B4-BE49-F238E27FC236}">
+                <a16:creationId xmlns:a16="http://schemas.microsoft.com/office/drawing/2014/main" id="{336786EA-2A54-12C9-6534-A8CAA16C1E77}"/>
+              </a:ext>
+            </a:extLst>
+          </p:cNvPr>
+          <p:cNvSpPr/>
+          <p:nvPr/>
+        </p:nvSpPr>
+        <p:spPr>
+          <a:xfrm>
+            <a:off x="2166148" y="2230156"/>
+            <a:ext cx="1961875" cy="718205"/>
+          </a:xfrm>
+          <a:prstGeom prst="rect">
+            <a:avLst/>
+          </a:prstGeom>
+          <a:gradFill flip="none" rotWithShape="1">
+            <a:gsLst>
+              <a:gs pos="0">
+                <a:schemeClr val="accent5">
+                  <a:lumMod val="67000"/>
+                </a:schemeClr>
+              </a:gs>
+              <a:gs pos="100000">
+                <a:schemeClr val="accent5">
+                  <a:lumMod val="97000"/>
+                  <a:lumOff val="3000"/>
+                </a:schemeClr>
+              </a:gs>
+            </a:gsLst>
+            <a:lin ang="5400000" scaled="1"/>
+            <a:tileRect/>
+          </a:gradFill>
+          <a:ln>
+            <a:solidFill>
+              <a:schemeClr val="tx1"/>
+            </a:solidFill>
+          </a:ln>
+          <a:effectLst>
+            <a:outerShdw blurRad="50800" dist="38100" dir="2700000" algn="tl" rotWithShape="0">
+              <a:prstClr val="black">
+                <a:alpha val="40000"/>
+              </a:prstClr>
+            </a:outerShdw>
+          </a:effectLst>
+        </p:spPr>
+        <p:style>
+          <a:lnRef idx="2">
+            <a:schemeClr val="accent2">
+              <a:shade val="50000"/>
+            </a:schemeClr>
+          </a:lnRef>
+          <a:fillRef idx="1">
+            <a:schemeClr val="accent2"/>
+          </a:fillRef>
+          <a:effectRef idx="0">
+            <a:schemeClr val="accent2"/>
+          </a:effectRef>
+          <a:fontRef idx="minor">
+            <a:schemeClr val="lt1"/>
+          </a:fontRef>
+        </p:style>
+        <p:txBody>
+          <a:bodyPr rtlCol="0" anchor="ctr"/>
+          <a:lstStyle/>
+          <a:p>
+            <a:pPr marL="0" marR="0" lvl="0" indent="0" algn="l" defTabSz="914400" rtl="0" eaLnBrk="1" fontAlgn="auto" latinLnBrk="0" hangingPunct="1">
+              <a:lnSpc>
+                <a:spcPct val="100000"/>
+              </a:lnSpc>
+              <a:spcBef>
+                <a:spcPts val="0"/>
+              </a:spcBef>
+              <a:spcAft>
+                <a:spcPts val="0"/>
+              </a:spcAft>
+              <a:buClrTx/>
+              <a:buSzTx/>
+              <a:buFontTx/>
+              <a:buNone/>
+              <a:tabLst/>
+              <a:defRPr/>
+            </a:pPr>
+            <a:r>
+              <a:rPr kumimoji="0" lang="en-US" sz="1200" b="1" i="0" u="none" strike="noStrike" kern="1200" cap="none" spc="0" normalizeH="0" baseline="0" noProof="0" dirty="0">
+                <a:ln>
+                  <a:noFill/>
+                </a:ln>
+                <a:solidFill>
+                  <a:srgbClr val="FFFFFF"/>
+                </a:solidFill>
+                <a:effectLst/>
+                <a:uLnTx/>
+                <a:uFillTx/>
+                <a:latin typeface="Arial" panose="020B0604020202020204"/>
+                <a:ea typeface="+mn-ea"/>
+                <a:cs typeface="+mn-cs"/>
+              </a:rPr>
+              <a:t>       Light DTR EHR</a:t>
+            </a:r>
+          </a:p>
+        </p:txBody>
+      </p:sp>
+      <p:sp>
+        <p:nvSpPr>
+          <p:cNvPr id="35" name="Rectangle 34">
+            <a:extLst>
+              <a:ext uri="{FF2B5EF4-FFF2-40B4-BE49-F238E27FC236}">
+                <a16:creationId xmlns:a16="http://schemas.microsoft.com/office/drawing/2014/main" id="{9B7C5A8A-8D29-20B4-6579-7328151459B8}"/>
+              </a:ext>
+            </a:extLst>
+          </p:cNvPr>
+          <p:cNvSpPr/>
+          <p:nvPr/>
+        </p:nvSpPr>
+        <p:spPr>
+          <a:xfrm>
+            <a:off x="2166148" y="3448142"/>
+            <a:ext cx="1961874" cy="718205"/>
+          </a:xfrm>
+          <a:prstGeom prst="rect">
+            <a:avLst/>
+          </a:prstGeom>
+          <a:gradFill flip="none" rotWithShape="1">
+            <a:gsLst>
+              <a:gs pos="0">
+                <a:schemeClr val="accent5">
+                  <a:lumMod val="67000"/>
+                </a:schemeClr>
+              </a:gs>
+              <a:gs pos="100000">
+                <a:schemeClr val="accent5">
+                  <a:lumMod val="97000"/>
+                  <a:lumOff val="3000"/>
+                </a:schemeClr>
+              </a:gs>
+            </a:gsLst>
+            <a:lin ang="5400000" scaled="1"/>
+            <a:tileRect/>
+          </a:gradFill>
+          <a:ln>
+            <a:solidFill>
+              <a:schemeClr val="tx1"/>
+            </a:solidFill>
+          </a:ln>
+          <a:effectLst>
+            <a:outerShdw blurRad="50800" dist="38100" dir="2700000" algn="tl" rotWithShape="0">
+              <a:prstClr val="black">
+                <a:alpha val="40000"/>
+              </a:prstClr>
+            </a:outerShdw>
+          </a:effectLst>
+        </p:spPr>
+        <p:style>
+          <a:lnRef idx="2">
+            <a:schemeClr val="accent2">
+              <a:shade val="50000"/>
+            </a:schemeClr>
+          </a:lnRef>
+          <a:fillRef idx="1">
+            <a:schemeClr val="accent2"/>
+          </a:fillRef>
+          <a:effectRef idx="0">
+            <a:schemeClr val="accent2"/>
+          </a:effectRef>
+          <a:fontRef idx="minor">
+            <a:schemeClr val="lt1"/>
+          </a:fontRef>
+        </p:style>
+        <p:txBody>
+          <a:bodyPr rtlCol="0" anchor="ctr"/>
+          <a:lstStyle/>
+          <a:p>
+            <a:pPr marL="0" marR="0" lvl="0" indent="0" algn="l" defTabSz="914400" rtl="0" eaLnBrk="1" fontAlgn="auto" latinLnBrk="0" hangingPunct="1">
+              <a:lnSpc>
+                <a:spcPct val="100000"/>
+              </a:lnSpc>
+              <a:spcBef>
+                <a:spcPts val="0"/>
+              </a:spcBef>
+              <a:spcAft>
+                <a:spcPts val="0"/>
+              </a:spcAft>
+              <a:buClrTx/>
+              <a:buSzTx/>
+              <a:buFontTx/>
+              <a:buNone/>
+              <a:tabLst/>
+              <a:defRPr/>
+            </a:pPr>
+            <a:r>
+              <a:rPr kumimoji="0" lang="en-US" sz="1200" b="1" i="0" u="none" strike="noStrike" kern="1200" cap="none" spc="0" normalizeH="0" baseline="0" noProof="0" dirty="0">
+                <a:ln>
+                  <a:noFill/>
+                </a:ln>
+                <a:solidFill>
+                  <a:srgbClr val="FFFFFF"/>
+                </a:solidFill>
+                <a:effectLst/>
+                <a:uLnTx/>
+                <a:uFillTx/>
+                <a:latin typeface="Arial" panose="020B0604020202020204"/>
+                <a:ea typeface="+mn-ea"/>
+                <a:cs typeface="+mn-cs"/>
+              </a:rPr>
+              <a:t>     Full DTR EHR</a:t>
+            </a:r>
+          </a:p>
+        </p:txBody>
+      </p:sp>
+      <p:sp>
+        <p:nvSpPr>
+          <p:cNvPr id="36" name="Rectangle 35">
+            <a:extLst>
+              <a:ext uri="{FF2B5EF4-FFF2-40B4-BE49-F238E27FC236}">
+                <a16:creationId xmlns:a16="http://schemas.microsoft.com/office/drawing/2014/main" id="{9CF004FB-32F3-D0E0-7E1D-6C5CB854FEBB}"/>
+              </a:ext>
+            </a:extLst>
+          </p:cNvPr>
+          <p:cNvSpPr/>
+          <p:nvPr/>
+        </p:nvSpPr>
+        <p:spPr>
+          <a:xfrm>
+            <a:off x="6788704" y="1457797"/>
+            <a:ext cx="3018408" cy="369460"/>
+          </a:xfrm>
+          <a:prstGeom prst="rect">
+            <a:avLst/>
+          </a:prstGeom>
+        </p:spPr>
+        <p:txBody>
+          <a:bodyPr wrap="square">
+            <a:spAutoFit/>
+          </a:bodyPr>
+          <a:lstStyle/>
+          <a:p>
+            <a:pPr marL="0" marR="0" lvl="0" indent="0" algn="ctr" defTabSz="914400" rtl="0" eaLnBrk="1" fontAlgn="auto" latinLnBrk="0" hangingPunct="1">
+              <a:lnSpc>
+                <a:spcPct val="100000"/>
+              </a:lnSpc>
+              <a:spcBef>
+                <a:spcPts val="0"/>
+              </a:spcBef>
+              <a:spcAft>
+                <a:spcPts val="1200"/>
+              </a:spcAft>
+              <a:buClrTx/>
+              <a:buSzTx/>
+              <a:buFontTx/>
+              <a:buNone/>
+              <a:tabLst/>
+              <a:defRPr/>
+            </a:pPr>
+            <a:r>
+              <a:rPr kumimoji="0" lang="en-US" sz="1801" b="1" i="0" u="none" strike="noStrike" kern="1200" cap="none" spc="0" normalizeH="0" baseline="0" noProof="0" dirty="0">
+                <a:ln>
+                  <a:noFill/>
+                </a:ln>
+                <a:solidFill>
+                  <a:srgbClr val="000000"/>
+                </a:solidFill>
+                <a:effectLst/>
+                <a:uLnTx/>
+                <a:uFillTx/>
+                <a:latin typeface="Helvetica Neue"/>
+                <a:ea typeface="+mn-ea"/>
+                <a:cs typeface="+mn-cs"/>
+              </a:rPr>
+              <a:t>PAYER SYSTEM</a:t>
+            </a:r>
+          </a:p>
+        </p:txBody>
+      </p:sp>
+      <p:sp>
+        <p:nvSpPr>
+          <p:cNvPr id="37" name="Rectangle: Rounded Corners 36">
+            <a:extLst>
+              <a:ext uri="{FF2B5EF4-FFF2-40B4-BE49-F238E27FC236}">
+                <a16:creationId xmlns:a16="http://schemas.microsoft.com/office/drawing/2014/main" id="{4A00B4D6-413C-A237-83CF-0B8ECD11EAA0}"/>
+              </a:ext>
+            </a:extLst>
+          </p:cNvPr>
+          <p:cNvSpPr/>
+          <p:nvPr/>
+        </p:nvSpPr>
+        <p:spPr>
+          <a:xfrm>
+            <a:off x="6788704" y="1835009"/>
+            <a:ext cx="3018408" cy="2745750"/>
+          </a:xfrm>
+          <a:prstGeom prst="roundRect">
+            <a:avLst/>
+          </a:prstGeom>
+          <a:gradFill>
+            <a:gsLst>
+              <a:gs pos="0">
+                <a:schemeClr val="accent1">
+                  <a:lumMod val="5000"/>
+                  <a:lumOff val="95000"/>
+                </a:schemeClr>
+              </a:gs>
+              <a:gs pos="74000">
+                <a:schemeClr val="accent1">
+                  <a:lumMod val="20000"/>
+                  <a:lumOff val="80000"/>
+                </a:schemeClr>
+              </a:gs>
+              <a:gs pos="100000">
+                <a:schemeClr val="accent1">
+                  <a:lumMod val="30000"/>
+                  <a:lumOff val="70000"/>
+                </a:schemeClr>
+              </a:gs>
+            </a:gsLst>
+            <a:lin ang="3000000" scaled="0"/>
+          </a:gradFill>
+          <a:ln>
+            <a:solidFill>
+              <a:schemeClr val="accent1">
+                <a:lumMod val="40000"/>
+                <a:lumOff val="60000"/>
+              </a:schemeClr>
+            </a:solidFill>
+          </a:ln>
+        </p:spPr>
+        <p:style>
+          <a:lnRef idx="2">
+            <a:schemeClr val="accent2">
+              <a:shade val="50000"/>
+            </a:schemeClr>
+          </a:lnRef>
+          <a:fillRef idx="1">
+            <a:schemeClr val="accent2"/>
+          </a:fillRef>
+          <a:effectRef idx="0">
+            <a:schemeClr val="accent2"/>
+          </a:effectRef>
+          <a:fontRef idx="minor">
+            <a:schemeClr val="lt1"/>
+          </a:fontRef>
+        </p:style>
+        <p:txBody>
+          <a:bodyPr rtlCol="0" anchor="ctr"/>
+          <a:lstStyle/>
+          <a:p>
+            <a:pPr marL="0" marR="0" lvl="0" indent="0" algn="ctr" defTabSz="914400" rtl="0" eaLnBrk="1" fontAlgn="auto" latinLnBrk="0" hangingPunct="1">
+              <a:lnSpc>
+                <a:spcPct val="100000"/>
+              </a:lnSpc>
+              <a:spcBef>
+                <a:spcPts val="0"/>
+              </a:spcBef>
+              <a:spcAft>
+                <a:spcPts val="0"/>
+              </a:spcAft>
+              <a:buClrTx/>
+              <a:buSzTx/>
+              <a:buFontTx/>
+              <a:buNone/>
+              <a:tabLst/>
+              <a:defRPr/>
+            </a:pPr>
+            <a:endParaRPr kumimoji="0" lang="en-US" sz="1801" b="0" i="0" u="none" strike="noStrike" kern="1200" cap="none" spc="0" normalizeH="0" baseline="0" noProof="0">
+              <a:ln>
+                <a:noFill/>
+              </a:ln>
+              <a:solidFill>
+                <a:srgbClr val="FFFFFF"/>
+              </a:solidFill>
+              <a:effectLst/>
+              <a:uLnTx/>
+              <a:uFillTx/>
+              <a:latin typeface="Arial" panose="020B0604020202020204"/>
+              <a:ea typeface="+mn-ea"/>
+              <a:cs typeface="+mn-cs"/>
+            </a:endParaRPr>
+          </a:p>
+        </p:txBody>
+      </p:sp>
+      <p:sp>
+        <p:nvSpPr>
+          <p:cNvPr id="38" name="Arrow: Pentagon 37">
+            <a:extLst>
+              <a:ext uri="{FF2B5EF4-FFF2-40B4-BE49-F238E27FC236}">
+                <a16:creationId xmlns:a16="http://schemas.microsoft.com/office/drawing/2014/main" id="{9956C94B-BB01-3D5A-7C4C-2FEEE32CB91A}"/>
+              </a:ext>
+            </a:extLst>
+          </p:cNvPr>
+          <p:cNvSpPr/>
+          <p:nvPr/>
+        </p:nvSpPr>
+        <p:spPr>
+          <a:xfrm flipH="1">
+            <a:off x="3502372" y="3602784"/>
+            <a:ext cx="625649" cy="428667"/>
+          </a:xfrm>
+          <a:prstGeom prst="homePlate">
             <a:avLst>
-              <a:gd name="adj" fmla="val 9509"/>
+              <a:gd name="adj" fmla="val 41176"/>
             </a:avLst>
           </a:prstGeom>
-          <a:noFill/>
-          <a:ln w="19050">
-            <a:solidFill>
-              <a:schemeClr val="accent2">
-                <a:lumMod val="75000"/>
-              </a:schemeClr>
-            </a:solidFill>
+          <a:solidFill>
+            <a:schemeClr val="accent5">
+              <a:lumMod val="20000"/>
+              <a:lumOff val="80000"/>
+            </a:schemeClr>
+          </a:solidFill>
+          <a:ln>
+            <a:prstDash val="sysDash"/>
           </a:ln>
         </p:spPr>
         <p:style>
@@ -18672,20 +19717,54 @@
           </a:fontRef>
         </p:style>
         <p:txBody>
-          <a:bodyPr rtlCol="0" anchor="ctr"/>
+          <a:bodyPr lIns="82296" rIns="82296" rtlCol="0" anchor="ctr"/>
           <a:lstStyle/>
           <a:p>
-            <a:pPr algn="ctr"/>
-            <a:endParaRPr lang="en-US"/>
-          </a:p>
-        </p:txBody>
-      </p:sp>
-      <p:sp>
-        <p:nvSpPr>
-          <p:cNvPr id="19" name="Rectangle 18">
+            <a:pPr marL="0" marR="0" lvl="0" indent="0" algn="ctr" defTabSz="914400" rtl="0" eaLnBrk="1" fontAlgn="auto" latinLnBrk="0" hangingPunct="1">
+              <a:lnSpc>
+                <a:spcPct val="100000"/>
+              </a:lnSpc>
+              <a:spcBef>
+                <a:spcPts val="0"/>
+              </a:spcBef>
+              <a:spcAft>
+                <a:spcPts val="0"/>
+              </a:spcAft>
+              <a:buClrTx/>
+              <a:buSzTx/>
+              <a:buFontTx/>
+              <a:buNone/>
+              <a:tabLst/>
+              <a:defRPr/>
+            </a:pPr>
+            <a:r>
+              <a:rPr kumimoji="0" lang="en-US" sz="1000" b="0" i="0" u="none" strike="noStrike" kern="1200" cap="none" spc="0" normalizeH="0" baseline="0" noProof="0" dirty="0">
+                <a:ln>
+                  <a:noFill/>
+                </a:ln>
+                <a:solidFill>
+                  <a:srgbClr val="335EAC">
+                    <a:lumMod val="50000"/>
+                  </a:srgbClr>
+                </a:solidFill>
+                <a:effectLst/>
+                <a:uLnTx/>
+                <a:uFillTx/>
+                <a:latin typeface="Arial" panose="020B0604020202020204"/>
+                <a:ea typeface="+mn-ea"/>
+                <a:cs typeface="+mn-cs"/>
+              </a:rPr>
+              <a:t>Native App</a:t>
+            </a:r>
+          </a:p>
+        </p:txBody>
+      </p:sp>
+      <p:sp>
+        <p:nvSpPr>
+          <p:cNvPr id="39" name="Rectangle 38">
             <a:extLst>
               <a:ext uri="{FF2B5EF4-FFF2-40B4-BE49-F238E27FC236}">
-                <a16:creationId xmlns:a16="http://schemas.microsoft.com/office/drawing/2014/main" id="{02F24D92-4C45-EC92-204A-C894550ECFB5}"/>
+                <a16:creationId xmlns:a16="http://schemas.microsoft.com/office/drawing/2014/main" id="{6CB75318-C91B-2977-C20D-CB98D41E7A70}"/>
               </a:ext>
             </a:extLst>
           </p:cNvPr>
@@ -18694,16 +19773,119 @@
         </p:nvSpPr>
         <p:spPr>
           <a:xfrm>
-            <a:off x="2840985" y="917108"/>
-            <a:ext cx="2512464" cy="273466"/>
+            <a:off x="4705430" y="2365225"/>
+            <a:ext cx="1075645" cy="448065"/>
           </a:xfrm>
           <a:prstGeom prst="rect">
             <a:avLst/>
           </a:prstGeom>
           <a:solidFill>
-            <a:srgbClr val="FCF0D0"/>
+            <a:schemeClr val="accent5">
+              <a:lumMod val="20000"/>
+              <a:lumOff val="80000"/>
+            </a:schemeClr>
           </a:solidFill>
-          <a:ln w="12700"/>
+          <a:ln>
+            <a:solidFill>
+              <a:schemeClr val="tx1"/>
+            </a:solidFill>
+          </a:ln>
+          <a:effectLst>
+            <a:outerShdw blurRad="50800" dist="38100" dir="2700000" algn="tl" rotWithShape="0">
+              <a:prstClr val="black">
+                <a:alpha val="40000"/>
+              </a:prstClr>
+            </a:outerShdw>
+          </a:effectLst>
+        </p:spPr>
+        <p:style>
+          <a:lnRef idx="2">
+            <a:schemeClr val="accent2">
+              <a:shade val="50000"/>
+            </a:schemeClr>
+          </a:lnRef>
+          <a:fillRef idx="1">
+            <a:schemeClr val="accent2"/>
+          </a:fillRef>
+          <a:effectRef idx="0">
+            <a:schemeClr val="accent2"/>
+          </a:effectRef>
+          <a:fontRef idx="minor">
+            <a:schemeClr val="lt1"/>
+          </a:fontRef>
+        </p:style>
+        <p:txBody>
+          <a:bodyPr rtlCol="0" anchor="ctr"/>
+          <a:lstStyle/>
+          <a:p>
+            <a:pPr marL="0" marR="0" lvl="0" indent="0" algn="ctr" defTabSz="914400" rtl="0" eaLnBrk="1" fontAlgn="auto" latinLnBrk="0" hangingPunct="1">
+              <a:lnSpc>
+                <a:spcPct val="100000"/>
+              </a:lnSpc>
+              <a:spcBef>
+                <a:spcPts val="0"/>
+              </a:spcBef>
+              <a:spcAft>
+                <a:spcPts val="0"/>
+              </a:spcAft>
+              <a:buClrTx/>
+              <a:buSzTx/>
+              <a:buFontTx/>
+              <a:buNone/>
+              <a:tabLst/>
+              <a:defRPr/>
+            </a:pPr>
+            <a:r>
+              <a:rPr kumimoji="0" lang="en-US" sz="1200" b="0" i="0" u="none" strike="noStrike" kern="1200" cap="none" spc="0" normalizeH="0" baseline="0" noProof="0" dirty="0">
+                <a:ln>
+                  <a:noFill/>
+                </a:ln>
+                <a:solidFill>
+                  <a:srgbClr val="335EAC">
+                    <a:lumMod val="50000"/>
+                  </a:srgbClr>
+                </a:solidFill>
+                <a:effectLst/>
+                <a:uLnTx/>
+                <a:uFillTx/>
+                <a:latin typeface="Arial" panose="020B0604020202020204"/>
+                <a:ea typeface="+mn-ea"/>
+                <a:cs typeface="+mn-cs"/>
+              </a:rPr>
+              <a:t>DTR SMART Client</a:t>
+            </a:r>
+          </a:p>
+        </p:txBody>
+      </p:sp>
+      <p:sp>
+        <p:nvSpPr>
+          <p:cNvPr id="41" name="Arrow: Left-Right 40">
+            <a:extLst>
+              <a:ext uri="{FF2B5EF4-FFF2-40B4-BE49-F238E27FC236}">
+                <a16:creationId xmlns:a16="http://schemas.microsoft.com/office/drawing/2014/main" id="{DE26C6BC-A32C-3DAF-22B2-49A467B43BE7}"/>
+              </a:ext>
+            </a:extLst>
+          </p:cNvPr>
+          <p:cNvSpPr/>
+          <p:nvPr/>
+        </p:nvSpPr>
+        <p:spPr>
+          <a:xfrm>
+            <a:off x="5789261" y="2397572"/>
+            <a:ext cx="1304945" cy="363127"/>
+          </a:xfrm>
+          <a:prstGeom prst="leftRightArrow">
+            <a:avLst>
+              <a:gd name="adj1" fmla="val 34616"/>
+              <a:gd name="adj2" fmla="val 45433"/>
+            </a:avLst>
+          </a:prstGeom>
+          <a:solidFill>
+            <a:schemeClr val="accent4">
+              <a:lumMod val="60000"/>
+              <a:lumOff val="40000"/>
+            </a:schemeClr>
+          </a:solidFill>
         </p:spPr>
         <p:style>
           <a:lnRef idx="2">
@@ -18725,67 +19907,46 @@
           <a:bodyPr rtlCol="0" anchor="ctr"/>
           <a:lstStyle/>
           <a:p>
-            <a:pPr algn="ctr"/>
-            <a:r>
-              <a:rPr lang="en-US" sz="1100" dirty="0">
-                <a:solidFill>
-                  <a:schemeClr val="tx1"/>
-                </a:solidFill>
-              </a:rPr>
-              <a:t>Provider EHR / Authorization Server</a:t>
-            </a:r>
-          </a:p>
-        </p:txBody>
-      </p:sp>
-      <p:cxnSp>
-        <p:nvCxnSpPr>
-          <p:cNvPr id="20" name="Straight Connector 19">
+            <a:pPr marL="0" marR="0" lvl="0" indent="0" algn="ctr" defTabSz="914400" rtl="0" eaLnBrk="1" fontAlgn="auto" latinLnBrk="0" hangingPunct="1">
+              <a:lnSpc>
+                <a:spcPct val="100000"/>
+              </a:lnSpc>
+              <a:spcBef>
+                <a:spcPts val="0"/>
+              </a:spcBef>
+              <a:spcAft>
+                <a:spcPts val="0"/>
+              </a:spcAft>
+              <a:buClrTx/>
+              <a:buSzTx/>
+              <a:buFontTx/>
+              <a:buNone/>
+              <a:tabLst/>
+              <a:defRPr/>
+            </a:pPr>
+            <a:endParaRPr kumimoji="0" lang="en-US" sz="1800" b="0" i="0" u="none" strike="noStrike" kern="1200" cap="none" spc="0" normalizeH="0" baseline="0" noProof="0">
+              <a:ln>
+                <a:noFill/>
+              </a:ln>
+              <a:solidFill>
+                <a:srgbClr val="FFFFFF"/>
+              </a:solidFill>
+              <a:effectLst/>
+              <a:uLnTx/>
+              <a:uFillTx/>
+              <a:latin typeface="Arial" panose="020B0604020202020204"/>
+              <a:ea typeface="+mn-ea"/>
+              <a:cs typeface="+mn-cs"/>
+            </a:endParaRPr>
+          </a:p>
+        </p:txBody>
+      </p:sp>
+      <p:sp>
+        <p:nvSpPr>
+          <p:cNvPr id="42" name="Rectangle 41">
             <a:extLst>
               <a:ext uri="{FF2B5EF4-FFF2-40B4-BE49-F238E27FC236}">
-                <a16:creationId xmlns:a16="http://schemas.microsoft.com/office/drawing/2014/main" id="{9BCE423D-52A4-2690-45E0-22A020FE5522}"/>
-              </a:ext>
-            </a:extLst>
-          </p:cNvPr>
-          <p:cNvCxnSpPr>
-            <a:cxnSpLocks/>
-          </p:cNvCxnSpPr>
-          <p:nvPr/>
-        </p:nvCxnSpPr>
-        <p:spPr>
-          <a:xfrm>
-            <a:off x="4097217" y="1193115"/>
-            <a:ext cx="0" cy="4626864"/>
-          </a:xfrm>
-          <a:prstGeom prst="line">
-            <a:avLst/>
-          </a:prstGeom>
-          <a:ln w="15875">
-            <a:solidFill>
-              <a:schemeClr val="tx1"/>
-            </a:solidFill>
-          </a:ln>
-        </p:spPr>
-        <p:style>
-          <a:lnRef idx="1">
-            <a:schemeClr val="accent1"/>
-          </a:lnRef>
-          <a:fillRef idx="0">
-            <a:schemeClr val="accent1"/>
-          </a:fillRef>
-          <a:effectRef idx="0">
-            <a:schemeClr val="accent1"/>
-          </a:effectRef>
-          <a:fontRef idx="minor">
-            <a:schemeClr val="tx1"/>
-          </a:fontRef>
-        </p:style>
-      </p:cxnSp>
-      <p:sp>
-        <p:nvSpPr>
-          <p:cNvPr id="23" name="Rectangle 22">
-            <a:extLst>
-              <a:ext uri="{FF2B5EF4-FFF2-40B4-BE49-F238E27FC236}">
-                <a16:creationId xmlns:a16="http://schemas.microsoft.com/office/drawing/2014/main" id="{CF788CB8-9309-691E-6B4D-32045037B4C6}"/>
+                <a16:creationId xmlns:a16="http://schemas.microsoft.com/office/drawing/2014/main" id="{802AC834-2F2E-344F-F2AF-5988427D2E9B}"/>
               </a:ext>
             </a:extLst>
           </p:cNvPr>
@@ -18794,16 +19955,128 @@
         </p:nvSpPr>
         <p:spPr>
           <a:xfrm>
-            <a:off x="2840985" y="5638397"/>
-            <a:ext cx="2512464" cy="273466"/>
+            <a:off x="7103084" y="2230127"/>
+            <a:ext cx="2391175" cy="1936220"/>
           </a:xfrm>
           <a:prstGeom prst="rect">
             <a:avLst/>
           </a:prstGeom>
+          <a:gradFill flip="none" rotWithShape="1">
+            <a:gsLst>
+              <a:gs pos="0">
+                <a:schemeClr val="accent5">
+                  <a:lumMod val="67000"/>
+                </a:schemeClr>
+              </a:gs>
+              <a:gs pos="100000">
+                <a:schemeClr val="accent5">
+                  <a:lumMod val="97000"/>
+                  <a:lumOff val="3000"/>
+                </a:schemeClr>
+              </a:gs>
+            </a:gsLst>
+            <a:lin ang="5400000" scaled="1"/>
+            <a:tileRect/>
+          </a:gradFill>
+          <a:ln>
+            <a:solidFill>
+              <a:schemeClr val="tx1"/>
+            </a:solidFill>
+          </a:ln>
+          <a:effectLst>
+            <a:outerShdw blurRad="50800" dist="38100" dir="2700000" algn="tl" rotWithShape="0">
+              <a:prstClr val="black">
+                <a:alpha val="40000"/>
+              </a:prstClr>
+            </a:outerShdw>
+          </a:effectLst>
+        </p:spPr>
+        <p:style>
+          <a:lnRef idx="2">
+            <a:schemeClr val="accent2">
+              <a:shade val="50000"/>
+            </a:schemeClr>
+          </a:lnRef>
+          <a:fillRef idx="1">
+            <a:schemeClr val="accent2"/>
+          </a:fillRef>
+          <a:effectRef idx="0">
+            <a:schemeClr val="accent2"/>
+          </a:effectRef>
+          <a:fontRef idx="minor">
+            <a:schemeClr val="lt1"/>
+          </a:fontRef>
+        </p:style>
+        <p:txBody>
+          <a:bodyPr rtlCol="0" anchor="ctr"/>
+          <a:lstStyle/>
+          <a:p>
+            <a:pPr marL="0" marR="0" lvl="0" indent="0" algn="ctr" defTabSz="914400" rtl="0" eaLnBrk="1" fontAlgn="auto" latinLnBrk="0" hangingPunct="1">
+              <a:lnSpc>
+                <a:spcPct val="100000"/>
+              </a:lnSpc>
+              <a:spcBef>
+                <a:spcPts val="0"/>
+              </a:spcBef>
+              <a:spcAft>
+                <a:spcPts val="0"/>
+              </a:spcAft>
+              <a:buClrTx/>
+              <a:buSzTx/>
+              <a:buFontTx/>
+              <a:buNone/>
+              <a:tabLst/>
+              <a:defRPr/>
+            </a:pPr>
+            <a:r>
+              <a:rPr kumimoji="0" lang="en-US" sz="1200" b="1" i="0" u="none" strike="noStrike" kern="1200" cap="none" spc="0" normalizeH="0" baseline="0" noProof="0" dirty="0">
+                <a:ln>
+                  <a:noFill/>
+                </a:ln>
+                <a:solidFill>
+                  <a:srgbClr val="FFFFFF"/>
+                </a:solidFill>
+                <a:effectLst/>
+                <a:uLnTx/>
+                <a:uFillTx/>
+                <a:latin typeface="Arial" panose="020B0604020202020204"/>
+                <a:ea typeface="+mn-ea"/>
+                <a:cs typeface="+mn-cs"/>
+              </a:rPr>
+              <a:t>DTR Payer Service</a:t>
+            </a:r>
+          </a:p>
+        </p:txBody>
+      </p:sp>
+      <p:sp>
+        <p:nvSpPr>
+          <p:cNvPr id="43" name="Arrow: Left-Right 42">
+            <a:extLst>
+              <a:ext uri="{FF2B5EF4-FFF2-40B4-BE49-F238E27FC236}">
+                <a16:creationId xmlns:a16="http://schemas.microsoft.com/office/drawing/2014/main" id="{0065B399-EFAB-C872-C04A-4D14EF6EE5FF}"/>
+              </a:ext>
+            </a:extLst>
+          </p:cNvPr>
+          <p:cNvSpPr/>
+          <p:nvPr/>
+        </p:nvSpPr>
+        <p:spPr>
+          <a:xfrm>
+            <a:off x="4141824" y="3611662"/>
+            <a:ext cx="2952382" cy="363127"/>
+          </a:xfrm>
+          <a:prstGeom prst="leftRightArrow">
+            <a:avLst>
+              <a:gd name="adj1" fmla="val 34616"/>
+              <a:gd name="adj2" fmla="val 45433"/>
+            </a:avLst>
+          </a:prstGeom>
           <a:solidFill>
-            <a:srgbClr val="FCF0D0"/>
+            <a:schemeClr val="accent4">
+              <a:lumMod val="60000"/>
+              <a:lumOff val="40000"/>
+            </a:schemeClr>
           </a:solidFill>
-          <a:ln w="12700"/>
         </p:spPr>
         <p:style>
           <a:lnRef idx="2">
@@ -18825,24 +20098,46 @@
           <a:bodyPr rtlCol="0" anchor="ctr"/>
           <a:lstStyle/>
           <a:p>
-            <a:pPr algn="ctr"/>
-            <a:r>
-              <a:rPr lang="en-US" sz="1100" dirty="0">
-                <a:solidFill>
-                  <a:schemeClr val="tx1"/>
-                </a:solidFill>
-              </a:rPr>
-              <a:t>Provider EHR / Authorization Server</a:t>
-            </a:r>
-          </a:p>
-        </p:txBody>
-      </p:sp>
-      <p:sp>
-        <p:nvSpPr>
-          <p:cNvPr id="25" name="Rectangle 24">
+            <a:pPr marL="0" marR="0" lvl="0" indent="0" algn="ctr" defTabSz="914400" rtl="0" eaLnBrk="1" fontAlgn="auto" latinLnBrk="0" hangingPunct="1">
+              <a:lnSpc>
+                <a:spcPct val="100000"/>
+              </a:lnSpc>
+              <a:spcBef>
+                <a:spcPts val="0"/>
+              </a:spcBef>
+              <a:spcAft>
+                <a:spcPts val="0"/>
+              </a:spcAft>
+              <a:buClrTx/>
+              <a:buSzTx/>
+              <a:buFontTx/>
+              <a:buNone/>
+              <a:tabLst/>
+              <a:defRPr/>
+            </a:pPr>
+            <a:endParaRPr kumimoji="0" lang="en-US" sz="1800" b="0" i="0" u="none" strike="noStrike" kern="1200" cap="none" spc="0" normalizeH="0" baseline="0" noProof="0">
+              <a:ln>
+                <a:noFill/>
+              </a:ln>
+              <a:solidFill>
+                <a:srgbClr val="FFFFFF"/>
+              </a:solidFill>
+              <a:effectLst/>
+              <a:uLnTx/>
+              <a:uFillTx/>
+              <a:latin typeface="Arial" panose="020B0604020202020204"/>
+              <a:ea typeface="+mn-ea"/>
+              <a:cs typeface="+mn-cs"/>
+            </a:endParaRPr>
+          </a:p>
+        </p:txBody>
+      </p:sp>
+      <p:sp>
+        <p:nvSpPr>
+          <p:cNvPr id="46" name="Rectangle 45">
             <a:extLst>
               <a:ext uri="{FF2B5EF4-FFF2-40B4-BE49-F238E27FC236}">
-                <a16:creationId xmlns:a16="http://schemas.microsoft.com/office/drawing/2014/main" id="{14A6021C-7E08-DED5-A1E3-3AFFB4B6B369}"/>
+                <a16:creationId xmlns:a16="http://schemas.microsoft.com/office/drawing/2014/main" id="{D183D630-4692-7B49-87F7-F0B30E16085B}"/>
               </a:ext>
             </a:extLst>
           </p:cNvPr>
@@ -18851,1104 +20146,23 @@
         </p:nvSpPr>
         <p:spPr>
           <a:xfrm>
-            <a:off x="3300746" y="2178272"/>
-            <a:ext cx="1757822" cy="304054"/>
+            <a:off x="4136207" y="2365225"/>
+            <a:ext cx="561037" cy="448065"/>
           </a:xfrm>
           <a:prstGeom prst="rect">
             <a:avLst/>
           </a:prstGeom>
           <a:solidFill>
-            <a:srgbClr val="EFF4F5"/>
+            <a:schemeClr val="accent5">
+              <a:lumMod val="20000"/>
+              <a:lumOff val="80000"/>
+            </a:schemeClr>
           </a:solidFill>
-          <a:ln w="12700"/>
-        </p:spPr>
-        <p:style>
-          <a:lnRef idx="2">
-            <a:schemeClr val="accent1">
-              <a:shade val="15000"/>
-            </a:schemeClr>
-          </a:lnRef>
-          <a:fillRef idx="1">
-            <a:schemeClr val="accent1"/>
-          </a:fillRef>
-          <a:effectRef idx="0">
-            <a:schemeClr val="accent1"/>
-          </a:effectRef>
-          <a:fontRef idx="minor">
-            <a:schemeClr val="lt1"/>
-          </a:fontRef>
-        </p:style>
-        <p:txBody>
-          <a:bodyPr rtlCol="0" anchor="ctr"/>
-          <a:lstStyle/>
-          <a:p>
-            <a:pPr algn="ctr"/>
-            <a:r>
-              <a:rPr lang="en-US" sz="1050" dirty="0">
-                <a:solidFill>
-                  <a:schemeClr val="tx1"/>
-                </a:solidFill>
-                <a:latin typeface="Calibri" panose="020F0502020204030204" pitchFamily="34" charset="0"/>
-                <a:cs typeface="Calibri" panose="020F0502020204030204" pitchFamily="34" charset="0"/>
-              </a:rPr>
-              <a:t>SMART / Native App Launch</a:t>
-            </a:r>
-          </a:p>
-        </p:txBody>
-      </p:sp>
-      <p:sp>
-        <p:nvSpPr>
-          <p:cNvPr id="26" name="Rectangle 25">
-            <a:extLst>
-              <a:ext uri="{FF2B5EF4-FFF2-40B4-BE49-F238E27FC236}">
-                <a16:creationId xmlns:a16="http://schemas.microsoft.com/office/drawing/2014/main" id="{788F30AD-2812-F01F-8496-AF5FE9704CE1}"/>
-              </a:ext>
-            </a:extLst>
-          </p:cNvPr>
-          <p:cNvSpPr/>
-          <p:nvPr/>
-        </p:nvSpPr>
-        <p:spPr>
-          <a:xfrm>
-            <a:off x="6216409" y="917108"/>
-            <a:ext cx="784168" cy="273466"/>
-          </a:xfrm>
-          <a:prstGeom prst="rect">
-            <a:avLst/>
-          </a:prstGeom>
-          <a:solidFill>
-            <a:srgbClr val="FCF0D0"/>
-          </a:solidFill>
-          <a:ln w="12700"/>
-        </p:spPr>
-        <p:style>
-          <a:lnRef idx="2">
-            <a:schemeClr val="accent1">
-              <a:shade val="15000"/>
-            </a:schemeClr>
-          </a:lnRef>
-          <a:fillRef idx="1">
-            <a:schemeClr val="accent1"/>
-          </a:fillRef>
-          <a:effectRef idx="0">
-            <a:schemeClr val="accent1"/>
-          </a:effectRef>
-          <a:fontRef idx="minor">
-            <a:schemeClr val="lt1"/>
-          </a:fontRef>
-        </p:style>
-        <p:txBody>
-          <a:bodyPr rtlCol="0" anchor="ctr"/>
-          <a:lstStyle/>
-          <a:p>
-            <a:pPr algn="ctr"/>
-            <a:r>
-              <a:rPr lang="en-US" sz="1100" dirty="0">
-                <a:solidFill>
-                  <a:schemeClr val="tx1"/>
-                </a:solidFill>
-              </a:rPr>
-              <a:t>DTR App</a:t>
-            </a:r>
-          </a:p>
-        </p:txBody>
-      </p:sp>
-      <p:cxnSp>
-        <p:nvCxnSpPr>
-          <p:cNvPr id="28" name="Straight Connector 27">
-            <a:extLst>
-              <a:ext uri="{FF2B5EF4-FFF2-40B4-BE49-F238E27FC236}">
-                <a16:creationId xmlns:a16="http://schemas.microsoft.com/office/drawing/2014/main" id="{CDF83695-9CA2-1E39-E37E-0DC999E5411A}"/>
-              </a:ext>
-            </a:extLst>
-          </p:cNvPr>
-          <p:cNvCxnSpPr>
-            <a:cxnSpLocks/>
-          </p:cNvCxnSpPr>
-          <p:nvPr/>
-        </p:nvCxnSpPr>
-        <p:spPr>
-          <a:xfrm>
-            <a:off x="6601177" y="1193115"/>
-            <a:ext cx="0" cy="4626864"/>
-          </a:xfrm>
-          <a:prstGeom prst="line">
-            <a:avLst/>
-          </a:prstGeom>
-          <a:ln w="15875">
-            <a:solidFill>
-              <a:schemeClr val="tx1"/>
-            </a:solidFill>
-          </a:ln>
-        </p:spPr>
-        <p:style>
-          <a:lnRef idx="1">
-            <a:schemeClr val="accent1"/>
-          </a:lnRef>
-          <a:fillRef idx="0">
-            <a:schemeClr val="accent1"/>
-          </a:fillRef>
-          <a:effectRef idx="0">
-            <a:schemeClr val="accent1"/>
-          </a:effectRef>
-          <a:fontRef idx="minor">
-            <a:schemeClr val="tx1"/>
-          </a:fontRef>
-        </p:style>
-      </p:cxnSp>
-      <p:sp>
-        <p:nvSpPr>
-          <p:cNvPr id="32" name="Rectangle 31">
-            <a:extLst>
-              <a:ext uri="{FF2B5EF4-FFF2-40B4-BE49-F238E27FC236}">
-                <a16:creationId xmlns:a16="http://schemas.microsoft.com/office/drawing/2014/main" id="{D9F9D125-DF7B-9178-4FA0-171758B7BBBC}"/>
-              </a:ext>
-            </a:extLst>
-          </p:cNvPr>
-          <p:cNvSpPr/>
-          <p:nvPr/>
-        </p:nvSpPr>
-        <p:spPr>
-          <a:xfrm>
-            <a:off x="6216409" y="5638397"/>
-            <a:ext cx="784168" cy="273466"/>
-          </a:xfrm>
-          <a:prstGeom prst="rect">
-            <a:avLst/>
-          </a:prstGeom>
-          <a:solidFill>
-            <a:srgbClr val="FCF0D0"/>
-          </a:solidFill>
-          <a:ln w="12700"/>
-        </p:spPr>
-        <p:style>
-          <a:lnRef idx="2">
-            <a:schemeClr val="accent1">
-              <a:shade val="15000"/>
-            </a:schemeClr>
-          </a:lnRef>
-          <a:fillRef idx="1">
-            <a:schemeClr val="accent1"/>
-          </a:fillRef>
-          <a:effectRef idx="0">
-            <a:schemeClr val="accent1"/>
-          </a:effectRef>
-          <a:fontRef idx="minor">
-            <a:schemeClr val="lt1"/>
-          </a:fontRef>
-        </p:style>
-        <p:txBody>
-          <a:bodyPr rtlCol="0" anchor="ctr"/>
-          <a:lstStyle/>
-          <a:p>
-            <a:pPr algn="ctr"/>
-            <a:r>
-              <a:rPr lang="en-US" sz="1100" dirty="0">
-                <a:solidFill>
-                  <a:schemeClr val="tx1"/>
-                </a:solidFill>
-              </a:rPr>
-              <a:t>DTR App</a:t>
-            </a:r>
-          </a:p>
-        </p:txBody>
-      </p:sp>
-      <p:sp>
-        <p:nvSpPr>
-          <p:cNvPr id="33" name="Rectangle 32">
-            <a:extLst>
-              <a:ext uri="{FF2B5EF4-FFF2-40B4-BE49-F238E27FC236}">
-                <a16:creationId xmlns:a16="http://schemas.microsoft.com/office/drawing/2014/main" id="{74686EC7-BC2F-83F0-21B5-1B8F8977B976}"/>
-              </a:ext>
-            </a:extLst>
-          </p:cNvPr>
-          <p:cNvSpPr/>
-          <p:nvPr/>
-        </p:nvSpPr>
-        <p:spPr>
-          <a:xfrm>
-            <a:off x="5504744" y="2775230"/>
-            <a:ext cx="2192866" cy="343074"/>
-          </a:xfrm>
-          <a:prstGeom prst="rect">
-            <a:avLst/>
-          </a:prstGeom>
-          <a:solidFill>
-            <a:srgbClr val="EFF4F5"/>
-          </a:solidFill>
-          <a:ln w="12700"/>
-        </p:spPr>
-        <p:style>
-          <a:lnRef idx="2">
-            <a:schemeClr val="accent1">
-              <a:shade val="15000"/>
-            </a:schemeClr>
-          </a:lnRef>
-          <a:fillRef idx="1">
-            <a:schemeClr val="accent1"/>
-          </a:fillRef>
-          <a:effectRef idx="0">
-            <a:schemeClr val="accent1"/>
-          </a:effectRef>
-          <a:fontRef idx="minor">
-            <a:schemeClr val="lt1"/>
-          </a:fontRef>
-        </p:style>
-        <p:txBody>
-          <a:bodyPr rtlCol="0" anchor="ctr"/>
-          <a:lstStyle/>
-          <a:p>
-            <a:pPr algn="ctr"/>
-            <a:r>
-              <a:rPr lang="en-US" sz="1050" dirty="0">
-                <a:solidFill>
-                  <a:schemeClr val="tx1"/>
-                </a:solidFill>
-                <a:latin typeface="Calibri" panose="020F0502020204030204" pitchFamily="34" charset="0"/>
-                <a:cs typeface="Calibri" panose="020F0502020204030204" pitchFamily="34" charset="0"/>
-              </a:rPr>
-              <a:t>DTR App Leverages</a:t>
-            </a:r>
-          </a:p>
-          <a:p>
-            <a:pPr algn="ctr"/>
-            <a:r>
-              <a:rPr lang="en-US" sz="1050" dirty="0">
-                <a:solidFill>
-                  <a:schemeClr val="tx1"/>
-                </a:solidFill>
-                <a:latin typeface="Calibri" panose="020F0502020204030204" pitchFamily="34" charset="0"/>
-                <a:cs typeface="Calibri" panose="020F0502020204030204" pitchFamily="34" charset="0"/>
-              </a:rPr>
-              <a:t>Pre-defined Payer Information</a:t>
-            </a:r>
-          </a:p>
-        </p:txBody>
-      </p:sp>
-      <p:cxnSp>
-        <p:nvCxnSpPr>
-          <p:cNvPr id="34" name="Straight Arrow Connector 33">
-            <a:extLst>
-              <a:ext uri="{FF2B5EF4-FFF2-40B4-BE49-F238E27FC236}">
-                <a16:creationId xmlns:a16="http://schemas.microsoft.com/office/drawing/2014/main" id="{A0053600-6658-C9CF-E778-61315E3EA646}"/>
-              </a:ext>
-            </a:extLst>
-          </p:cNvPr>
-          <p:cNvCxnSpPr>
-            <a:cxnSpLocks/>
-          </p:cNvCxnSpPr>
-          <p:nvPr/>
-        </p:nvCxnSpPr>
-        <p:spPr>
-          <a:xfrm>
-            <a:off x="4095865" y="2641324"/>
-            <a:ext cx="2507648" cy="0"/>
-          </a:xfrm>
-          <a:prstGeom prst="straightConnector1">
-            <a:avLst/>
-          </a:prstGeom>
-          <a:ln w="15875">
-            <a:solidFill>
-              <a:schemeClr val="tx1"/>
-            </a:solidFill>
-            <a:tailEnd type="triangle"/>
-          </a:ln>
-        </p:spPr>
-        <p:style>
-          <a:lnRef idx="1">
-            <a:schemeClr val="accent1"/>
-          </a:lnRef>
-          <a:fillRef idx="0">
-            <a:schemeClr val="accent1"/>
-          </a:fillRef>
-          <a:effectRef idx="0">
-            <a:schemeClr val="accent1"/>
-          </a:effectRef>
-          <a:fontRef idx="minor">
-            <a:schemeClr val="tx1"/>
-          </a:fontRef>
-        </p:style>
-      </p:cxnSp>
-      <p:sp>
-        <p:nvSpPr>
-          <p:cNvPr id="35" name="Rectangle 34">
-            <a:extLst>
-              <a:ext uri="{FF2B5EF4-FFF2-40B4-BE49-F238E27FC236}">
-                <a16:creationId xmlns:a16="http://schemas.microsoft.com/office/drawing/2014/main" id="{48A96087-E3B0-C099-A72D-ED2A55FC315F}"/>
-              </a:ext>
-            </a:extLst>
-          </p:cNvPr>
-          <p:cNvSpPr/>
-          <p:nvPr/>
-        </p:nvSpPr>
-        <p:spPr>
-          <a:xfrm>
-            <a:off x="8721721" y="919493"/>
-            <a:ext cx="784168" cy="273466"/>
-          </a:xfrm>
-          <a:prstGeom prst="rect">
-            <a:avLst/>
-          </a:prstGeom>
-          <a:solidFill>
-            <a:srgbClr val="FCF0D0"/>
-          </a:solidFill>
-          <a:ln w="12700"/>
-        </p:spPr>
-        <p:style>
-          <a:lnRef idx="2">
-            <a:schemeClr val="accent1">
-              <a:shade val="15000"/>
-            </a:schemeClr>
-          </a:lnRef>
-          <a:fillRef idx="1">
-            <a:schemeClr val="accent1"/>
-          </a:fillRef>
-          <a:effectRef idx="0">
-            <a:schemeClr val="accent1"/>
-          </a:effectRef>
-          <a:fontRef idx="minor">
-            <a:schemeClr val="lt1"/>
-          </a:fontRef>
-        </p:style>
-        <p:txBody>
-          <a:bodyPr rtlCol="0" anchor="ctr"/>
-          <a:lstStyle/>
-          <a:p>
-            <a:pPr algn="ctr"/>
-            <a:r>
-              <a:rPr lang="en-US" sz="1100" dirty="0">
-                <a:solidFill>
-                  <a:schemeClr val="tx1"/>
-                </a:solidFill>
-              </a:rPr>
-              <a:t>Payer</a:t>
-            </a:r>
-          </a:p>
-        </p:txBody>
-      </p:sp>
-      <p:cxnSp>
-        <p:nvCxnSpPr>
-          <p:cNvPr id="36" name="Straight Connector 35">
-            <a:extLst>
-              <a:ext uri="{FF2B5EF4-FFF2-40B4-BE49-F238E27FC236}">
-                <a16:creationId xmlns:a16="http://schemas.microsoft.com/office/drawing/2014/main" id="{D340A4FC-9CFB-E9F8-26AF-8412F0029346}"/>
-              </a:ext>
-            </a:extLst>
-          </p:cNvPr>
-          <p:cNvCxnSpPr>
-            <a:cxnSpLocks/>
-          </p:cNvCxnSpPr>
-          <p:nvPr/>
-        </p:nvCxnSpPr>
-        <p:spPr>
-          <a:xfrm>
-            <a:off x="9106461" y="1193370"/>
-            <a:ext cx="0" cy="4626864"/>
-          </a:xfrm>
-          <a:prstGeom prst="line">
-            <a:avLst/>
-          </a:prstGeom>
-          <a:ln w="15875">
-            <a:solidFill>
-              <a:schemeClr val="tx1"/>
-            </a:solidFill>
-          </a:ln>
-        </p:spPr>
-        <p:style>
-          <a:lnRef idx="1">
-            <a:schemeClr val="accent1"/>
-          </a:lnRef>
-          <a:fillRef idx="0">
-            <a:schemeClr val="accent1"/>
-          </a:fillRef>
-          <a:effectRef idx="0">
-            <a:schemeClr val="accent1"/>
-          </a:effectRef>
-          <a:fontRef idx="minor">
-            <a:schemeClr val="tx1"/>
-          </a:fontRef>
-        </p:style>
-      </p:cxnSp>
-      <p:sp>
-        <p:nvSpPr>
-          <p:cNvPr id="37" name="Rectangle 36">
-            <a:extLst>
-              <a:ext uri="{FF2B5EF4-FFF2-40B4-BE49-F238E27FC236}">
-                <a16:creationId xmlns:a16="http://schemas.microsoft.com/office/drawing/2014/main" id="{1AC99BA0-A8AE-94DD-72CC-6593026E7F9B}"/>
-              </a:ext>
-            </a:extLst>
-          </p:cNvPr>
-          <p:cNvSpPr/>
-          <p:nvPr/>
-        </p:nvSpPr>
-        <p:spPr>
-          <a:xfrm>
-            <a:off x="8721721" y="5640782"/>
-            <a:ext cx="784168" cy="273466"/>
-          </a:xfrm>
-          <a:prstGeom prst="rect">
-            <a:avLst/>
-          </a:prstGeom>
-          <a:solidFill>
-            <a:srgbClr val="FCF0D0"/>
-          </a:solidFill>
-          <a:ln w="12700"/>
-        </p:spPr>
-        <p:style>
-          <a:lnRef idx="2">
-            <a:schemeClr val="accent1">
-              <a:shade val="15000"/>
-            </a:schemeClr>
-          </a:lnRef>
-          <a:fillRef idx="1">
-            <a:schemeClr val="accent1"/>
-          </a:fillRef>
-          <a:effectRef idx="0">
-            <a:schemeClr val="accent1"/>
-          </a:effectRef>
-          <a:fontRef idx="minor">
-            <a:schemeClr val="lt1"/>
-          </a:fontRef>
-        </p:style>
-        <p:txBody>
-          <a:bodyPr rtlCol="0" anchor="ctr"/>
-          <a:lstStyle/>
-          <a:p>
-            <a:pPr algn="ctr"/>
-            <a:r>
-              <a:rPr lang="en-US" sz="1100" dirty="0">
-                <a:solidFill>
-                  <a:schemeClr val="tx1"/>
-                </a:solidFill>
-              </a:rPr>
-              <a:t>Payer</a:t>
-            </a:r>
-          </a:p>
-        </p:txBody>
-      </p:sp>
-      <p:cxnSp>
-        <p:nvCxnSpPr>
-          <p:cNvPr id="38" name="Straight Arrow Connector 37">
-            <a:extLst>
-              <a:ext uri="{FF2B5EF4-FFF2-40B4-BE49-F238E27FC236}">
-                <a16:creationId xmlns:a16="http://schemas.microsoft.com/office/drawing/2014/main" id="{135BB08E-C7EA-7AA9-01AF-9D84DD258D64}"/>
-              </a:ext>
-            </a:extLst>
-          </p:cNvPr>
-          <p:cNvCxnSpPr>
-            <a:cxnSpLocks/>
-          </p:cNvCxnSpPr>
-          <p:nvPr/>
-        </p:nvCxnSpPr>
-        <p:spPr>
-          <a:xfrm>
-            <a:off x="6603513" y="3414503"/>
-            <a:ext cx="2505312" cy="0"/>
-          </a:xfrm>
-          <a:prstGeom prst="straightConnector1">
-            <a:avLst/>
-          </a:prstGeom>
-          <a:ln w="15875">
-            <a:solidFill>
-              <a:schemeClr val="tx1"/>
-            </a:solidFill>
-            <a:tailEnd type="triangle"/>
-          </a:ln>
-        </p:spPr>
-        <p:style>
-          <a:lnRef idx="1">
-            <a:schemeClr val="accent1"/>
-          </a:lnRef>
-          <a:fillRef idx="0">
-            <a:schemeClr val="accent1"/>
-          </a:fillRef>
-          <a:effectRef idx="0">
-            <a:schemeClr val="accent1"/>
-          </a:effectRef>
-          <a:fontRef idx="minor">
-            <a:schemeClr val="tx1"/>
-          </a:fontRef>
-        </p:style>
-      </p:cxnSp>
-      <p:cxnSp>
-        <p:nvCxnSpPr>
-          <p:cNvPr id="39" name="Straight Arrow Connector 38">
-            <a:extLst>
-              <a:ext uri="{FF2B5EF4-FFF2-40B4-BE49-F238E27FC236}">
-                <a16:creationId xmlns:a16="http://schemas.microsoft.com/office/drawing/2014/main" id="{E1D6E0E2-7617-A83C-AE7C-86CF78945173}"/>
-              </a:ext>
-            </a:extLst>
-          </p:cNvPr>
-          <p:cNvCxnSpPr>
-            <a:cxnSpLocks/>
-          </p:cNvCxnSpPr>
-          <p:nvPr/>
-        </p:nvCxnSpPr>
-        <p:spPr>
-          <a:xfrm flipH="1">
-            <a:off x="6603513" y="3777664"/>
-            <a:ext cx="2505312" cy="0"/>
-          </a:xfrm>
-          <a:prstGeom prst="straightConnector1">
-            <a:avLst/>
-          </a:prstGeom>
-          <a:ln w="15875">
+          <a:ln>
             <a:solidFill>
               <a:schemeClr val="tx1"/>
             </a:solidFill>
             <a:prstDash val="dash"/>
-            <a:tailEnd type="triangle"/>
-          </a:ln>
-        </p:spPr>
-        <p:style>
-          <a:lnRef idx="1">
-            <a:schemeClr val="accent1"/>
-          </a:lnRef>
-          <a:fillRef idx="0">
-            <a:schemeClr val="accent1"/>
-          </a:fillRef>
-          <a:effectRef idx="0">
-            <a:schemeClr val="accent1"/>
-          </a:effectRef>
-          <a:fontRef idx="minor">
-            <a:schemeClr val="tx1"/>
-          </a:fontRef>
-        </p:style>
-      </p:cxnSp>
-      <p:sp>
-        <p:nvSpPr>
-          <p:cNvPr id="40" name="TextBox 39">
-            <a:extLst>
-              <a:ext uri="{FF2B5EF4-FFF2-40B4-BE49-F238E27FC236}">
-                <a16:creationId xmlns:a16="http://schemas.microsoft.com/office/drawing/2014/main" id="{256772B0-6844-A979-A499-35BBC9EA2CA0}"/>
-              </a:ext>
-            </a:extLst>
-          </p:cNvPr>
-          <p:cNvSpPr txBox="1"/>
-          <p:nvPr/>
-        </p:nvSpPr>
-        <p:spPr>
-          <a:xfrm>
-            <a:off x="6601179" y="3242098"/>
-            <a:ext cx="2505283" cy="161583"/>
-          </a:xfrm>
-          <a:prstGeom prst="rect">
-            <a:avLst/>
-          </a:prstGeom>
-          <a:noFill/>
-        </p:spPr>
-        <p:txBody>
-          <a:bodyPr wrap="square" lIns="0" tIns="0" rIns="0" bIns="0" rtlCol="0">
-            <a:spAutoFit/>
-          </a:bodyPr>
-          <a:lstStyle/>
-          <a:p>
-            <a:pPr algn="ctr"/>
-            <a:r>
-              <a:rPr lang="en-US" sz="1050" dirty="0">
-                <a:solidFill>
-                  <a:srgbClr val="533F05"/>
-                </a:solidFill>
-                <a:latin typeface="Consolas" panose="020B0609020204030204" pitchFamily="49" charset="0"/>
-                <a:cs typeface="Calibri" panose="020F0502020204030204" pitchFamily="34" charset="0"/>
-              </a:rPr>
-              <a:t>$questionnaire-package</a:t>
-            </a:r>
-            <a:r>
-              <a:rPr lang="en-US" sz="1050" dirty="0">
-                <a:solidFill>
-                  <a:schemeClr val="accent1">
-                    <a:lumMod val="50000"/>
-                  </a:schemeClr>
-                </a:solidFill>
-                <a:latin typeface="Consolas" panose="020B0609020204030204" pitchFamily="49" charset="0"/>
-                <a:cs typeface="Calibri" panose="020F0502020204030204" pitchFamily="34" charset="0"/>
-              </a:rPr>
-              <a:t> </a:t>
-            </a:r>
-            <a:r>
-              <a:rPr lang="en-US" sz="1050" dirty="0">
-                <a:solidFill>
-                  <a:schemeClr val="accent1">
-                    <a:lumMod val="50000"/>
-                  </a:schemeClr>
-                </a:solidFill>
-                <a:latin typeface="Calibri" panose="020F0502020204030204" pitchFamily="34" charset="0"/>
-                <a:cs typeface="Calibri" panose="020F0502020204030204" pitchFamily="34" charset="0"/>
-              </a:rPr>
-              <a:t>Operation</a:t>
-            </a:r>
-            <a:endParaRPr lang="en-US" sz="1000" dirty="0">
-              <a:solidFill>
-                <a:schemeClr val="accent1">
-                  <a:lumMod val="50000"/>
-                </a:schemeClr>
-              </a:solidFill>
-              <a:latin typeface="Calibri" panose="020F0502020204030204" pitchFamily="34" charset="0"/>
-              <a:cs typeface="Calibri" panose="020F0502020204030204" pitchFamily="34" charset="0"/>
-            </a:endParaRPr>
-          </a:p>
-        </p:txBody>
-      </p:sp>
-      <p:sp>
-        <p:nvSpPr>
-          <p:cNvPr id="41" name="TextBox 40">
-            <a:extLst>
-              <a:ext uri="{FF2B5EF4-FFF2-40B4-BE49-F238E27FC236}">
-                <a16:creationId xmlns:a16="http://schemas.microsoft.com/office/drawing/2014/main" id="{FB569644-87A9-2A23-8050-662FBC6DA64F}"/>
-              </a:ext>
-            </a:extLst>
-          </p:cNvPr>
-          <p:cNvSpPr txBox="1"/>
-          <p:nvPr/>
-        </p:nvSpPr>
-        <p:spPr>
-          <a:xfrm>
-            <a:off x="6608522" y="3592704"/>
-            <a:ext cx="2505283" cy="169277"/>
-          </a:xfrm>
-          <a:prstGeom prst="rect">
-            <a:avLst/>
-          </a:prstGeom>
-          <a:noFill/>
-        </p:spPr>
-        <p:txBody>
-          <a:bodyPr wrap="square" lIns="0" tIns="0" rIns="0" bIns="0" rtlCol="0">
-            <a:spAutoFit/>
-          </a:bodyPr>
-          <a:lstStyle/>
-          <a:p>
-            <a:pPr algn="ctr"/>
-            <a:r>
-              <a:rPr lang="en-US" sz="1100" dirty="0">
-                <a:solidFill>
-                  <a:schemeClr val="accent1">
-                    <a:lumMod val="50000"/>
-                  </a:schemeClr>
-                </a:solidFill>
-                <a:latin typeface="Calibri" panose="020F0502020204030204" pitchFamily="34" charset="0"/>
-                <a:cs typeface="Calibri" panose="020F0502020204030204" pitchFamily="34" charset="0"/>
-              </a:rPr>
-              <a:t>Returns “Questionnaire Package”</a:t>
-            </a:r>
-          </a:p>
-        </p:txBody>
-      </p:sp>
-      <p:sp>
-        <p:nvSpPr>
-          <p:cNvPr id="42" name="Rectangle 41">
-            <a:extLst>
-              <a:ext uri="{FF2B5EF4-FFF2-40B4-BE49-F238E27FC236}">
-                <a16:creationId xmlns:a16="http://schemas.microsoft.com/office/drawing/2014/main" id="{7F56E119-D1F1-AF52-E416-BD7861CF415F}"/>
-              </a:ext>
-            </a:extLst>
-          </p:cNvPr>
-          <p:cNvSpPr/>
-          <p:nvPr/>
-        </p:nvSpPr>
-        <p:spPr>
-          <a:xfrm>
-            <a:off x="5355406" y="4336969"/>
-            <a:ext cx="2505283" cy="339993"/>
-          </a:xfrm>
-          <a:prstGeom prst="rect">
-            <a:avLst/>
-          </a:prstGeom>
-          <a:solidFill>
-            <a:srgbClr val="EFF4F5"/>
-          </a:solidFill>
-          <a:ln w="12700"/>
-        </p:spPr>
-        <p:style>
-          <a:lnRef idx="2">
-            <a:schemeClr val="accent1">
-              <a:shade val="15000"/>
-            </a:schemeClr>
-          </a:lnRef>
-          <a:fillRef idx="1">
-            <a:schemeClr val="accent1"/>
-          </a:fillRef>
-          <a:effectRef idx="0">
-            <a:schemeClr val="accent1"/>
-          </a:effectRef>
-          <a:fontRef idx="minor">
-            <a:schemeClr val="lt1"/>
-          </a:fontRef>
-        </p:style>
-        <p:txBody>
-          <a:bodyPr rtlCol="0" anchor="ctr"/>
-          <a:lstStyle/>
-          <a:p>
-            <a:pPr algn="ctr"/>
-            <a:r>
-              <a:rPr lang="en-US" sz="1050" dirty="0">
-                <a:solidFill>
-                  <a:schemeClr val="tx1"/>
-                </a:solidFill>
-                <a:latin typeface="Calibri" panose="020F0502020204030204" pitchFamily="34" charset="0"/>
-                <a:cs typeface="Calibri" panose="020F0502020204030204" pitchFamily="34" charset="0"/>
-              </a:rPr>
-              <a:t>DTR uses “Questionnaire Package”</a:t>
-            </a:r>
-          </a:p>
-          <a:p>
-            <a:pPr algn="ctr"/>
-            <a:r>
-              <a:rPr lang="en-US" sz="1050" dirty="0">
-                <a:solidFill>
-                  <a:schemeClr val="tx1"/>
-                </a:solidFill>
-                <a:latin typeface="Calibri" panose="020F0502020204030204" pitchFamily="34" charset="0"/>
-                <a:cs typeface="Calibri" panose="020F0502020204030204" pitchFamily="34" charset="0"/>
-              </a:rPr>
-              <a:t>to pre-populate QuestionnaireResponse</a:t>
-            </a:r>
-          </a:p>
-        </p:txBody>
-      </p:sp>
-      <p:sp>
-        <p:nvSpPr>
-          <p:cNvPr id="43" name="TextBox 42">
-            <a:extLst>
-              <a:ext uri="{FF2B5EF4-FFF2-40B4-BE49-F238E27FC236}">
-                <a16:creationId xmlns:a16="http://schemas.microsoft.com/office/drawing/2014/main" id="{D4860FC9-626E-1925-0983-39E4F7262151}"/>
-              </a:ext>
-            </a:extLst>
-          </p:cNvPr>
-          <p:cNvSpPr txBox="1"/>
-          <p:nvPr/>
-        </p:nvSpPr>
-        <p:spPr>
-          <a:xfrm>
-            <a:off x="2489882" y="488219"/>
-            <a:ext cx="7387627" cy="184666"/>
-          </a:xfrm>
-          <a:prstGeom prst="rect">
-            <a:avLst/>
-          </a:prstGeom>
-          <a:noFill/>
-        </p:spPr>
-        <p:txBody>
-          <a:bodyPr wrap="square" lIns="0" tIns="0" rIns="0" bIns="0" rtlCol="0">
-            <a:spAutoFit/>
-          </a:bodyPr>
-          <a:lstStyle/>
-          <a:p>
-            <a:pPr algn="ctr"/>
-            <a:r>
-              <a:rPr lang="en-US" sz="1200" b="1" dirty="0">
-                <a:cs typeface="Calibri" panose="020F0502020204030204" pitchFamily="34" charset="0"/>
-              </a:rPr>
-              <a:t>DTR Sequence Diagram</a:t>
-            </a:r>
-          </a:p>
-        </p:txBody>
-      </p:sp>
-      <p:sp>
-        <p:nvSpPr>
-          <p:cNvPr id="4" name="TextBox 3">
-            <a:extLst>
-              <a:ext uri="{FF2B5EF4-FFF2-40B4-BE49-F238E27FC236}">
-                <a16:creationId xmlns:a16="http://schemas.microsoft.com/office/drawing/2014/main" id="{E8143FD7-5DF2-A24A-6FD6-6740ABA85B64}"/>
-              </a:ext>
-            </a:extLst>
-          </p:cNvPr>
-          <p:cNvSpPr txBox="1"/>
-          <p:nvPr/>
-        </p:nvSpPr>
-        <p:spPr>
-          <a:xfrm>
-            <a:off x="4115322" y="3904749"/>
-            <a:ext cx="2471124" cy="169277"/>
-          </a:xfrm>
-          <a:prstGeom prst="rect">
-            <a:avLst/>
-          </a:prstGeom>
-          <a:noFill/>
-        </p:spPr>
-        <p:txBody>
-          <a:bodyPr wrap="square" lIns="0" tIns="0" rIns="0" bIns="0" rtlCol="0">
-            <a:spAutoFit/>
-          </a:bodyPr>
-          <a:lstStyle/>
-          <a:p>
-            <a:pPr algn="ctr"/>
-            <a:r>
-              <a:rPr lang="en-US" sz="1100" dirty="0">
-                <a:solidFill>
-                  <a:schemeClr val="accent1">
-                    <a:lumMod val="50000"/>
-                  </a:schemeClr>
-                </a:solidFill>
-                <a:latin typeface="Calibri" panose="020F0502020204030204" pitchFamily="34" charset="0"/>
-                <a:cs typeface="Calibri" panose="020F0502020204030204" pitchFamily="34" charset="0"/>
-              </a:rPr>
-              <a:t>Execute CQL/Retrieve data from EHR</a:t>
-            </a:r>
-          </a:p>
-        </p:txBody>
-      </p:sp>
-      <p:cxnSp>
-        <p:nvCxnSpPr>
-          <p:cNvPr id="9" name="Straight Arrow Connector 8">
-            <a:extLst>
-              <a:ext uri="{FF2B5EF4-FFF2-40B4-BE49-F238E27FC236}">
-                <a16:creationId xmlns:a16="http://schemas.microsoft.com/office/drawing/2014/main" id="{311E8002-3B8E-352B-97CD-3561BF0DD465}"/>
-              </a:ext>
-            </a:extLst>
-          </p:cNvPr>
-          <p:cNvCxnSpPr>
-            <a:cxnSpLocks/>
-          </p:cNvCxnSpPr>
-          <p:nvPr/>
-        </p:nvCxnSpPr>
-        <p:spPr>
-          <a:xfrm>
-            <a:off x="4104576" y="1589496"/>
-            <a:ext cx="2505312" cy="0"/>
-          </a:xfrm>
-          <a:prstGeom prst="straightConnector1">
-            <a:avLst/>
-          </a:prstGeom>
-          <a:ln w="15875">
-            <a:solidFill>
-              <a:schemeClr val="accent6">
-                <a:lumMod val="50000"/>
-              </a:schemeClr>
-            </a:solidFill>
-            <a:prstDash val="sysDash"/>
-            <a:headEnd type="triangle"/>
-            <a:tailEnd type="triangle"/>
-          </a:ln>
-        </p:spPr>
-        <p:style>
-          <a:lnRef idx="1">
-            <a:schemeClr val="accent1"/>
-          </a:lnRef>
-          <a:fillRef idx="0">
-            <a:schemeClr val="accent1"/>
-          </a:fillRef>
-          <a:effectRef idx="0">
-            <a:schemeClr val="accent1"/>
-          </a:effectRef>
-          <a:fontRef idx="minor">
-            <a:schemeClr val="tx1"/>
-          </a:fontRef>
-        </p:style>
-      </p:cxnSp>
-      <p:sp>
-        <p:nvSpPr>
-          <p:cNvPr id="10" name="TextBox 9">
-            <a:extLst>
-              <a:ext uri="{FF2B5EF4-FFF2-40B4-BE49-F238E27FC236}">
-                <a16:creationId xmlns:a16="http://schemas.microsoft.com/office/drawing/2014/main" id="{440BEA11-AEF8-63BC-060C-1BF3CA501DC3}"/>
-              </a:ext>
-            </a:extLst>
-          </p:cNvPr>
-          <p:cNvSpPr txBox="1"/>
-          <p:nvPr/>
-        </p:nvSpPr>
-        <p:spPr>
-          <a:xfrm>
-            <a:off x="4124033" y="1411470"/>
-            <a:ext cx="2471124" cy="169277"/>
-          </a:xfrm>
-          <a:prstGeom prst="rect">
-            <a:avLst/>
-          </a:prstGeom>
-          <a:noFill/>
-        </p:spPr>
-        <p:txBody>
-          <a:bodyPr wrap="square" lIns="0" tIns="0" rIns="0" bIns="0" rtlCol="0">
-            <a:spAutoFit/>
-          </a:bodyPr>
-          <a:lstStyle/>
-          <a:p>
-            <a:pPr algn="ctr"/>
-            <a:r>
-              <a:rPr lang="en-US" sz="1100" dirty="0">
-                <a:solidFill>
-                  <a:schemeClr val="accent1">
-                    <a:lumMod val="50000"/>
-                  </a:schemeClr>
-                </a:solidFill>
-                <a:latin typeface="Calibri" panose="020F0502020204030204" pitchFamily="34" charset="0"/>
-                <a:cs typeface="Calibri" panose="020F0502020204030204" pitchFamily="34" charset="0"/>
-              </a:rPr>
-              <a:t>Configure EHR to App Connectivity</a:t>
-            </a:r>
-          </a:p>
-        </p:txBody>
-      </p:sp>
-      <p:sp>
-        <p:nvSpPr>
-          <p:cNvPr id="12" name="TextBox 11">
-            <a:extLst>
-              <a:ext uri="{FF2B5EF4-FFF2-40B4-BE49-F238E27FC236}">
-                <a16:creationId xmlns:a16="http://schemas.microsoft.com/office/drawing/2014/main" id="{E0497F3A-70BC-E04D-325B-594F1515DB2E}"/>
-              </a:ext>
-            </a:extLst>
-          </p:cNvPr>
-          <p:cNvSpPr txBox="1"/>
-          <p:nvPr/>
-        </p:nvSpPr>
-        <p:spPr>
-          <a:xfrm>
-            <a:off x="5148212" y="1777884"/>
-            <a:ext cx="2902926" cy="215444"/>
-          </a:xfrm>
-          <a:prstGeom prst="rect">
-            <a:avLst/>
-          </a:prstGeom>
-          <a:solidFill>
-            <a:schemeClr val="bg1"/>
-          </a:solidFill>
-        </p:spPr>
-        <p:txBody>
-          <a:bodyPr wrap="square" lIns="0" tIns="0" rIns="0" bIns="45720" rtlCol="0">
-            <a:spAutoFit/>
-          </a:bodyPr>
-          <a:lstStyle/>
-          <a:p>
-            <a:pPr algn="ctr"/>
-            <a:r>
-              <a:rPr lang="en-US" sz="1100" dirty="0">
-                <a:solidFill>
-                  <a:schemeClr val="accent1">
-                    <a:lumMod val="50000"/>
-                  </a:schemeClr>
-                </a:solidFill>
-                <a:latin typeface="Calibri" panose="020F0502020204030204" pitchFamily="34" charset="0"/>
-                <a:cs typeface="Calibri" panose="020F0502020204030204" pitchFamily="34" charset="0"/>
-              </a:rPr>
-              <a:t>Configure App/EHR to Payer Connectivity</a:t>
-            </a:r>
-          </a:p>
-        </p:txBody>
-      </p:sp>
-      <p:cxnSp>
-        <p:nvCxnSpPr>
-          <p:cNvPr id="13" name="Straight Arrow Connector 12">
-            <a:extLst>
-              <a:ext uri="{FF2B5EF4-FFF2-40B4-BE49-F238E27FC236}">
-                <a16:creationId xmlns:a16="http://schemas.microsoft.com/office/drawing/2014/main" id="{68626E8B-6116-B628-3234-D29AB78B5C7D}"/>
-              </a:ext>
-            </a:extLst>
-          </p:cNvPr>
-          <p:cNvCxnSpPr>
-            <a:cxnSpLocks/>
-          </p:cNvCxnSpPr>
-          <p:nvPr/>
-        </p:nvCxnSpPr>
-        <p:spPr>
-          <a:xfrm>
-            <a:off x="4095865" y="1958442"/>
-            <a:ext cx="2505312" cy="0"/>
-          </a:xfrm>
-          <a:prstGeom prst="straightConnector1">
-            <a:avLst/>
-          </a:prstGeom>
-          <a:ln w="15875">
-            <a:solidFill>
-              <a:schemeClr val="accent6">
-                <a:lumMod val="50000"/>
-              </a:schemeClr>
-            </a:solidFill>
-            <a:prstDash val="sysDash"/>
-            <a:headEnd type="triangle"/>
-            <a:tailEnd type="none"/>
-          </a:ln>
-        </p:spPr>
-        <p:style>
-          <a:lnRef idx="1">
-            <a:schemeClr val="accent1"/>
-          </a:lnRef>
-          <a:fillRef idx="0">
-            <a:schemeClr val="accent1"/>
-          </a:fillRef>
-          <a:effectRef idx="0">
-            <a:schemeClr val="accent1"/>
-          </a:effectRef>
-          <a:fontRef idx="minor">
-            <a:schemeClr val="tx1"/>
-          </a:fontRef>
-        </p:style>
-      </p:cxnSp>
-      <p:cxnSp>
-        <p:nvCxnSpPr>
-          <p:cNvPr id="11" name="Straight Arrow Connector 10">
-            <a:extLst>
-              <a:ext uri="{FF2B5EF4-FFF2-40B4-BE49-F238E27FC236}">
-                <a16:creationId xmlns:a16="http://schemas.microsoft.com/office/drawing/2014/main" id="{B31704B7-1AF1-6FCA-85F9-9D05FDF8C46F}"/>
-              </a:ext>
-            </a:extLst>
-          </p:cNvPr>
-          <p:cNvCxnSpPr>
-            <a:cxnSpLocks/>
-          </p:cNvCxnSpPr>
-          <p:nvPr/>
-        </p:nvCxnSpPr>
-        <p:spPr>
-          <a:xfrm>
-            <a:off x="6600166" y="1958442"/>
-            <a:ext cx="2505312" cy="0"/>
-          </a:xfrm>
-          <a:prstGeom prst="straightConnector1">
-            <a:avLst/>
-          </a:prstGeom>
-          <a:ln w="15875">
-            <a:solidFill>
-              <a:schemeClr val="accent6">
-                <a:lumMod val="50000"/>
-              </a:schemeClr>
-            </a:solidFill>
-            <a:prstDash val="sysDash"/>
-            <a:headEnd type="none"/>
-            <a:tailEnd type="triangle"/>
-          </a:ln>
-        </p:spPr>
-        <p:style>
-          <a:lnRef idx="1">
-            <a:schemeClr val="accent1"/>
-          </a:lnRef>
-          <a:fillRef idx="0">
-            <a:schemeClr val="accent1"/>
-          </a:fillRef>
-          <a:effectRef idx="0">
-            <a:schemeClr val="accent1"/>
-          </a:effectRef>
-          <a:fontRef idx="minor">
-            <a:schemeClr val="tx1"/>
-          </a:fontRef>
-        </p:style>
-      </p:cxnSp>
-      <p:sp>
-        <p:nvSpPr>
-          <p:cNvPr id="14" name="Oval 13">
-            <a:extLst>
-              <a:ext uri="{FF2B5EF4-FFF2-40B4-BE49-F238E27FC236}">
-                <a16:creationId xmlns:a16="http://schemas.microsoft.com/office/drawing/2014/main" id="{106B48EF-D7EC-97AD-DC7B-127BF1321EEE}"/>
-              </a:ext>
-            </a:extLst>
-          </p:cNvPr>
-          <p:cNvSpPr/>
-          <p:nvPr/>
-        </p:nvSpPr>
-        <p:spPr>
-          <a:xfrm>
-            <a:off x="6563460" y="1920768"/>
-            <a:ext cx="73152" cy="73152"/>
-          </a:xfrm>
-          <a:prstGeom prst="ellipse">
-            <a:avLst/>
-          </a:prstGeom>
-          <a:solidFill>
-            <a:schemeClr val="accent6">
-              <a:lumMod val="50000"/>
-            </a:schemeClr>
-          </a:solidFill>
-          <a:ln>
-            <a:noFill/>
           </a:ln>
         </p:spPr>
         <p:style>
@@ -19971,106 +20185,46 @@
           <a:bodyPr rtlCol="0" anchor="ctr"/>
           <a:lstStyle/>
           <a:p>
-            <a:pPr algn="ctr"/>
-            <a:endParaRPr lang="en-US"/>
-          </a:p>
-        </p:txBody>
-      </p:sp>
-      <p:cxnSp>
-        <p:nvCxnSpPr>
-          <p:cNvPr id="3" name="Straight Arrow Connector 2">
+            <a:pPr marL="0" marR="0" lvl="0" indent="0" algn="ctr" defTabSz="914400" rtl="0" eaLnBrk="1" fontAlgn="auto" latinLnBrk="0" hangingPunct="1">
+              <a:lnSpc>
+                <a:spcPct val="100000"/>
+              </a:lnSpc>
+              <a:spcBef>
+                <a:spcPts val="0"/>
+              </a:spcBef>
+              <a:spcAft>
+                <a:spcPts val="0"/>
+              </a:spcAft>
+              <a:buClrTx/>
+              <a:buSzTx/>
+              <a:buFontTx/>
+              <a:buNone/>
+              <a:tabLst/>
+              <a:defRPr/>
+            </a:pPr>
+            <a:endParaRPr kumimoji="0" lang="en-US" sz="1800" b="0" i="0" u="none" strike="noStrike" kern="1200" cap="none" spc="0" normalizeH="0" baseline="0" noProof="0">
+              <a:ln>
+                <a:noFill/>
+              </a:ln>
+              <a:solidFill>
+                <a:srgbClr val="FFFFFF"/>
+              </a:solidFill>
+              <a:effectLst/>
+              <a:uLnTx/>
+              <a:uFillTx/>
+              <a:latin typeface="Arial" panose="020B0604020202020204"/>
+              <a:ea typeface="+mn-ea"/>
+              <a:cs typeface="+mn-cs"/>
+            </a:endParaRPr>
+          </a:p>
+        </p:txBody>
+      </p:sp>
+      <p:sp>
+        <p:nvSpPr>
+          <p:cNvPr id="48" name="Arrow: Left-Right 47">
             <a:extLst>
               <a:ext uri="{FF2B5EF4-FFF2-40B4-BE49-F238E27FC236}">
-                <a16:creationId xmlns:a16="http://schemas.microsoft.com/office/drawing/2014/main" id="{BF708DE6-CF56-BE38-0C05-4AFCEB90347B}"/>
-              </a:ext>
-            </a:extLst>
-          </p:cNvPr>
-          <p:cNvCxnSpPr>
-            <a:cxnSpLocks/>
-          </p:cNvCxnSpPr>
-          <p:nvPr/>
-        </p:nvCxnSpPr>
-        <p:spPr>
-          <a:xfrm>
-            <a:off x="4098430" y="5495055"/>
-            <a:ext cx="2505312" cy="0"/>
-          </a:xfrm>
-          <a:prstGeom prst="straightConnector1">
-            <a:avLst/>
-          </a:prstGeom>
-          <a:ln w="15875">
-            <a:solidFill>
-              <a:schemeClr val="tx1"/>
-            </a:solidFill>
-            <a:headEnd type="triangle"/>
-            <a:tailEnd type="none"/>
-          </a:ln>
-        </p:spPr>
-        <p:style>
-          <a:lnRef idx="1">
-            <a:schemeClr val="accent1"/>
-          </a:lnRef>
-          <a:fillRef idx="0">
-            <a:schemeClr val="accent1"/>
-          </a:fillRef>
-          <a:effectRef idx="0">
-            <a:schemeClr val="accent1"/>
-          </a:effectRef>
-          <a:fontRef idx="minor">
-            <a:schemeClr val="tx1"/>
-          </a:fontRef>
-        </p:style>
-      </p:cxnSp>
-      <p:sp>
-        <p:nvSpPr>
-          <p:cNvPr id="5" name="TextBox 4">
-            <a:extLst>
-              <a:ext uri="{FF2B5EF4-FFF2-40B4-BE49-F238E27FC236}">
-                <a16:creationId xmlns:a16="http://schemas.microsoft.com/office/drawing/2014/main" id="{B724E894-FC9C-887C-1D51-D7C3F97C2715}"/>
-              </a:ext>
-            </a:extLst>
-          </p:cNvPr>
-          <p:cNvSpPr txBox="1"/>
-          <p:nvPr/>
-        </p:nvSpPr>
-        <p:spPr>
-          <a:xfrm>
-            <a:off x="4117887" y="5312117"/>
-            <a:ext cx="2471124" cy="169277"/>
-          </a:xfrm>
-          <a:prstGeom prst="rect">
-            <a:avLst/>
-          </a:prstGeom>
-          <a:noFill/>
-        </p:spPr>
-        <p:txBody>
-          <a:bodyPr wrap="square" lIns="0" tIns="0" rIns="0" bIns="0" rtlCol="0">
-            <a:spAutoFit/>
-          </a:bodyPr>
-          <a:lstStyle/>
-          <a:p>
-            <a:pPr algn="ctr"/>
-            <a:r>
-              <a:rPr lang="en-US" sz="1100" dirty="0">
-                <a:solidFill>
-                  <a:schemeClr val="accent1">
-                    <a:lumMod val="50000"/>
-                  </a:schemeClr>
-                </a:solidFill>
-                <a:latin typeface="Calibri" panose="020F0502020204030204" pitchFamily="34" charset="0"/>
-                <a:cs typeface="Calibri" panose="020F0502020204030204" pitchFamily="34" charset="0"/>
-              </a:rPr>
-              <a:t>Store completed QuestionnaireResponse</a:t>
-            </a:r>
-          </a:p>
-        </p:txBody>
-      </p:sp>
-      <p:sp>
-        <p:nvSpPr>
-          <p:cNvPr id="6" name="Rectangle 5">
-            <a:extLst>
-              <a:ext uri="{FF2B5EF4-FFF2-40B4-BE49-F238E27FC236}">
-                <a16:creationId xmlns:a16="http://schemas.microsoft.com/office/drawing/2014/main" id="{DE489494-C4F8-6D08-14F9-7D0F327F2D46}"/>
+                <a16:creationId xmlns:a16="http://schemas.microsoft.com/office/drawing/2014/main" id="{93434836-9157-56D2-BD7B-BDDDE2D5BBC1}"/>
               </a:ext>
             </a:extLst>
           </p:cNvPr>
@@ -20079,16 +20233,21 @@
         </p:nvSpPr>
         <p:spPr>
           <a:xfrm>
-            <a:off x="5355406" y="4836146"/>
-            <a:ext cx="2505283" cy="339993"/>
-          </a:xfrm>
-          <a:prstGeom prst="rect">
-            <a:avLst/>
+            <a:off x="4141824" y="2406450"/>
+            <a:ext cx="554773" cy="363127"/>
+          </a:xfrm>
+          <a:prstGeom prst="leftRightArrow">
+            <a:avLst>
+              <a:gd name="adj1" fmla="val 34616"/>
+              <a:gd name="adj2" fmla="val 45433"/>
+            </a:avLst>
           </a:prstGeom>
           <a:solidFill>
-            <a:srgbClr val="EFF4F5"/>
+            <a:schemeClr val="accent4">
+              <a:lumMod val="60000"/>
+              <a:lumOff val="40000"/>
+            </a:schemeClr>
           </a:solidFill>
-          <a:ln w="12700"/>
         </p:spPr>
         <p:style>
           <a:lnRef idx="2">
@@ -20110,103 +20269,102 @@
           <a:bodyPr rtlCol="0" anchor="ctr"/>
           <a:lstStyle/>
           <a:p>
-            <a:pPr algn="ctr"/>
-            <a:r>
-              <a:rPr lang="en-US" sz="1050" dirty="0">
-                <a:solidFill>
-                  <a:schemeClr val="tx1"/>
-                </a:solidFill>
-                <a:latin typeface="Calibri" panose="020F0502020204030204" pitchFamily="34" charset="0"/>
-                <a:cs typeface="Calibri" panose="020F0502020204030204" pitchFamily="34" charset="0"/>
-              </a:rPr>
-              <a:t>User verifies data and QuestionnaireResponse</a:t>
-            </a:r>
-          </a:p>
-        </p:txBody>
-      </p:sp>
-      <p:cxnSp>
-        <p:nvCxnSpPr>
-          <p:cNvPr id="7" name="Straight Arrow Connector 6">
+            <a:pPr marL="0" marR="0" lvl="0" indent="0" algn="ctr" defTabSz="914400" rtl="0" eaLnBrk="1" fontAlgn="auto" latinLnBrk="0" hangingPunct="1">
+              <a:lnSpc>
+                <a:spcPct val="100000"/>
+              </a:lnSpc>
+              <a:spcBef>
+                <a:spcPts val="0"/>
+              </a:spcBef>
+              <a:spcAft>
+                <a:spcPts val="0"/>
+              </a:spcAft>
+              <a:buClrTx/>
+              <a:buSzTx/>
+              <a:buFontTx/>
+              <a:buNone/>
+              <a:tabLst/>
+              <a:defRPr/>
+            </a:pPr>
+            <a:endParaRPr kumimoji="0" lang="en-US" sz="1800" b="0" i="0" u="none" strike="noStrike" kern="1200" cap="none" spc="0" normalizeH="0" baseline="0" noProof="0">
+              <a:ln>
+                <a:noFill/>
+              </a:ln>
+              <a:solidFill>
+                <a:srgbClr val="FFFFFF"/>
+              </a:solidFill>
+              <a:effectLst/>
+              <a:uLnTx/>
+              <a:uFillTx/>
+              <a:latin typeface="Arial" panose="020B0604020202020204"/>
+              <a:ea typeface="+mn-ea"/>
+              <a:cs typeface="+mn-cs"/>
+            </a:endParaRPr>
+          </a:p>
+        </p:txBody>
+      </p:sp>
+      <p:sp>
+        <p:nvSpPr>
+          <p:cNvPr id="3" name="Rectangle 2">
             <a:extLst>
               <a:ext uri="{FF2B5EF4-FFF2-40B4-BE49-F238E27FC236}">
-                <a16:creationId xmlns:a16="http://schemas.microsoft.com/office/drawing/2014/main" id="{E09F5264-B4BF-247F-78D7-29E89172EF4C}"/>
+                <a16:creationId xmlns:a16="http://schemas.microsoft.com/office/drawing/2014/main" id="{812EABE3-4C23-1654-C89B-23AD869D9026}"/>
               </a:ext>
             </a:extLst>
           </p:cNvPr>
-          <p:cNvCxnSpPr>
-            <a:cxnSpLocks/>
-          </p:cNvCxnSpPr>
+          <p:cNvSpPr/>
           <p:nvPr/>
-        </p:nvCxnSpPr>
+        </p:nvSpPr>
         <p:spPr>
-          <a:xfrm flipH="1">
-            <a:off x="4090514" y="4089859"/>
-            <a:ext cx="2505312" cy="0"/>
-          </a:xfrm>
-          <a:prstGeom prst="straightConnector1">
-            <a:avLst/>
-          </a:prstGeom>
-          <a:ln w="15875">
-            <a:solidFill>
-              <a:schemeClr val="tx1"/>
-            </a:solidFill>
-            <a:prstDash val="dash"/>
-            <a:headEnd type="stealth"/>
-            <a:tailEnd type="stealth"/>
-          </a:ln>
-        </p:spPr>
-        <p:style>
-          <a:lnRef idx="1">
-            <a:schemeClr val="accent1"/>
-          </a:lnRef>
-          <a:fillRef idx="0">
-            <a:schemeClr val="accent1"/>
-          </a:fillRef>
-          <a:effectRef idx="0">
-            <a:schemeClr val="accent1"/>
-          </a:effectRef>
-          <a:fontRef idx="minor">
-            <a:schemeClr val="tx1"/>
-          </a:fontRef>
-        </p:style>
-      </p:cxnSp>
-      <p:sp>
-        <p:nvSpPr>
-          <p:cNvPr id="2" name="TextBox 1">
-            <a:extLst>
-              <a:ext uri="{FF2B5EF4-FFF2-40B4-BE49-F238E27FC236}">
-                <a16:creationId xmlns:a16="http://schemas.microsoft.com/office/drawing/2014/main" id="{864DB1ED-081C-D795-FBB4-284C7E41D325}"/>
-              </a:ext>
-            </a:extLst>
-          </p:cNvPr>
-          <p:cNvSpPr txBox="1"/>
-          <p:nvPr/>
-        </p:nvSpPr>
-        <p:spPr>
-          <a:xfrm rot="19272952">
-            <a:off x="-102875" y="1006334"/>
-            <a:ext cx="3299914" cy="369332"/>
+          <a:xfrm>
+            <a:off x="231095" y="384741"/>
+            <a:ext cx="2359705" cy="523220"/>
           </a:xfrm>
           <a:prstGeom prst="rect">
             <a:avLst/>
           </a:prstGeom>
-          <a:noFill/>
         </p:spPr>
         <p:txBody>
-          <a:bodyPr wrap="square" lIns="0" tIns="0" rIns="0" bIns="0" rtlCol="0">
+          <a:bodyPr wrap="square">
             <a:spAutoFit/>
           </a:bodyPr>
           <a:lstStyle/>
           <a:p>
-            <a:pPr algn="ctr"/>
-            <a:r>
-              <a:rPr lang="en-US" sz="2400" b="1" dirty="0">
+            <a:pPr marL="0" marR="0" lvl="0" indent="0" algn="ctr" defTabSz="914400" rtl="0" eaLnBrk="1" fontAlgn="auto" latinLnBrk="0" hangingPunct="1">
+              <a:lnSpc>
+                <a:spcPct val="100000"/>
+              </a:lnSpc>
+              <a:spcBef>
+                <a:spcPts val="0"/>
+              </a:spcBef>
+              <a:spcAft>
+                <a:spcPts val="1200"/>
+              </a:spcAft>
+              <a:buClrTx/>
+              <a:buSzTx/>
+              <a:buFontTx/>
+              <a:buNone/>
+              <a:tabLst/>
+              <a:defRPr/>
+            </a:pPr>
+            <a:r>
+              <a:rPr kumimoji="0" lang="en-US" sz="2800" b="1" i="0" u="sng" strike="noStrike" kern="1200" cap="none" spc="0" normalizeH="0" baseline="0" noProof="0" dirty="0">
+                <a:ln>
+                  <a:noFill/>
+                </a:ln>
                 <a:solidFill>
-                  <a:srgbClr val="C00000"/>
+                  <a:schemeClr val="accent1">
+                    <a:lumMod val="50000"/>
+                  </a:schemeClr>
                 </a:solidFill>
-                <a:cs typeface="Calibri" panose="020F0502020204030204" pitchFamily="34" charset="0"/>
+                <a:effectLst/>
+                <a:uLnTx/>
+                <a:uFillTx/>
+                <a:latin typeface="Helvetica Neue"/>
+                <a:ea typeface="+mn-ea"/>
+                <a:cs typeface="+mn-cs"/>
               </a:rPr>
-              <a:t>PREVIOUS DIAGRAM</a:t>
+              <a:t>DTR Actors</a:t>
             </a:r>
           </a:p>
         </p:txBody>
@@ -20214,13 +20372,25 @@
     </p:spTree>
     <p:extLst>
       <p:ext uri="{BB962C8B-B14F-4D97-AF65-F5344CB8AC3E}">
-        <p14:creationId xmlns:p14="http://schemas.microsoft.com/office/powerpoint/2010/main" val="4051939618"/>
+        <p14:creationId xmlns:p14="http://schemas.microsoft.com/office/powerpoint/2010/main" val="2842004381"/>
       </p:ext>
     </p:extLst>
   </p:cSld>
   <p:clrMapOvr>
     <a:masterClrMapping/>
   </p:clrMapOvr>
+  <mc:AlternateContent xmlns:mc="http://schemas.openxmlformats.org/markup-compatibility/2006" xmlns:p14="http://schemas.microsoft.com/office/powerpoint/2010/main">
+    <mc:Choice Requires="p14">
+      <p:transition spd="med" p14:dur="700">
+        <p:fade/>
+      </p:transition>
+    </mc:Choice>
+    <mc:Fallback xmlns="">
+      <p:transition spd="med">
+        <p:fade/>
+      </p:transition>
+    </mc:Fallback>
+  </mc:AlternateContent>
 </p:sld>
 </file>
 
@@ -21066,107 +21236,55 @@
 </file>
 
 <file path=ppt/theme/theme4.xml><?xml version="1.0" encoding="utf-8"?>
-<a:theme xmlns:a="http://schemas.openxmlformats.org/drawingml/2006/main" name="Office Theme">
+<a:theme xmlns:a="http://schemas.openxmlformats.org/drawingml/2006/main" name="16:9_WhitePrint-Basic">
   <a:themeElements>
-    <a:clrScheme name="Office">
+    <a:clrScheme name="LB-1">
       <a:dk1>
-        <a:sysClr val="windowText" lastClr="000000"/>
+        <a:srgbClr val="000000"/>
       </a:dk1>
       <a:lt1>
-        <a:sysClr val="window" lastClr="FFFFFF"/>
+        <a:srgbClr val="FFFFFF"/>
       </a:lt1>
       <a:dk2>
-        <a:srgbClr val="44546A"/>
+        <a:srgbClr val="0E2641"/>
       </a:dk2>
       <a:lt2>
-        <a:srgbClr val="E7E6E6"/>
+        <a:srgbClr val="E5EEEF"/>
       </a:lt2>
       <a:accent1>
-        <a:srgbClr val="4472C4"/>
+        <a:srgbClr val="335EAC"/>
       </a:accent1>
       <a:accent2>
-        <a:srgbClr val="ED7D31"/>
+        <a:srgbClr val="167FAC"/>
       </a:accent2>
       <a:accent3>
-        <a:srgbClr val="A5A5A5"/>
+        <a:srgbClr val="6E7881"/>
       </a:accent3>
       <a:accent4>
-        <a:srgbClr val="FFC000"/>
+        <a:srgbClr val="238541"/>
       </a:accent4>
       <a:accent5>
-        <a:srgbClr val="5B9BD5"/>
+        <a:srgbClr val="D3442E"/>
       </a:accent5>
       <a:accent6>
-        <a:srgbClr val="70AD47"/>
+        <a:srgbClr val="5D499E"/>
       </a:accent6>
       <a:hlink>
-        <a:srgbClr val="0563C1"/>
+        <a:srgbClr val="0068DA"/>
       </a:hlink>
       <a:folHlink>
-        <a:srgbClr val="954F72"/>
+        <a:srgbClr val="FF2D55"/>
       </a:folHlink>
     </a:clrScheme>
-    <a:fontScheme name="Office">
+    <a:fontScheme name="Arial">
       <a:majorFont>
-        <a:latin typeface="Calibri Light" panose="020F0302020204030204"/>
+        <a:latin typeface="Arial" panose="020B0604020202020204"/>
         <a:ea typeface=""/>
         <a:cs typeface=""/>
-        <a:font script="Jpan" typeface="游ゴシック Light"/>
-        <a:font script="Hang" typeface="맑은 고딕"/>
-        <a:font script="Hans" typeface="等线 Light"/>
-        <a:font script="Hant" typeface="新細明體"/>
-        <a:font script="Arab" typeface="Times New Roman"/>
-        <a:font script="Hebr" typeface="Times New Roman"/>
-        <a:font script="Thai" typeface="Angsana New"/>
-        <a:font script="Ethi" typeface="Nyala"/>
-        <a:font script="Beng" typeface="Vrinda"/>
-        <a:font script="Gujr" typeface="Shruti"/>
-        <a:font script="Khmr" typeface="MoolBoran"/>
-        <a:font script="Knda" typeface="Tunga"/>
-        <a:font script="Guru" typeface="Raavi"/>
-        <a:font script="Cans" typeface="Euphemia"/>
-        <a:font script="Cher" typeface="Plantagenet Cherokee"/>
-        <a:font script="Yiii" typeface="Microsoft Yi Baiti"/>
-        <a:font script="Tibt" typeface="Microsoft Himalaya"/>
-        <a:font script="Thaa" typeface="MV Boli"/>
-        <a:font script="Deva" typeface="Mangal"/>
-        <a:font script="Telu" typeface="Gautami"/>
-        <a:font script="Taml" typeface="Latha"/>
-        <a:font script="Syrc" typeface="Estrangelo Edessa"/>
-        <a:font script="Orya" typeface="Kalinga"/>
-        <a:font script="Mlym" typeface="Kartika"/>
-        <a:font script="Laoo" typeface="DokChampa"/>
-        <a:font script="Sinh" typeface="Iskoola Pota"/>
-        <a:font script="Mong" typeface="Mongolian Baiti"/>
-        <a:font script="Viet" typeface="Times New Roman"/>
-        <a:font script="Uigh" typeface="Microsoft Uighur"/>
-        <a:font script="Geor" typeface="Sylfaen"/>
-        <a:font script="Armn" typeface="Arial"/>
-        <a:font script="Bugi" typeface="Leelawadee UI"/>
-        <a:font script="Bopo" typeface="Microsoft JhengHei"/>
-        <a:font script="Java" typeface="Javanese Text"/>
-        <a:font script="Lisu" typeface="Segoe UI"/>
-        <a:font script="Mymr" typeface="Myanmar Text"/>
-        <a:font script="Nkoo" typeface="Ebrima"/>
-        <a:font script="Olck" typeface="Nirmala UI"/>
-        <a:font script="Osma" typeface="Ebrima"/>
-        <a:font script="Phag" typeface="Phagspa"/>
-        <a:font script="Syrn" typeface="Estrangelo Edessa"/>
-        <a:font script="Syrj" typeface="Estrangelo Edessa"/>
-        <a:font script="Syre" typeface="Estrangelo Edessa"/>
-        <a:font script="Sora" typeface="Nirmala UI"/>
-        <a:font script="Tale" typeface="Microsoft Tai Le"/>
-        <a:font script="Talu" typeface="Microsoft New Tai Lue"/>
-        <a:font script="Tfng" typeface="Ebrima"/>
-      </a:majorFont>
-      <a:minorFont>
-        <a:latin typeface="Calibri" panose="020F0502020204030204"/>
-        <a:ea typeface=""/>
-        <a:cs typeface=""/>
-        <a:font script="Jpan" typeface="游ゴシック"/>
-        <a:font script="Hang" typeface="맑은 고딕"/>
-        <a:font script="Hans" typeface="等线"/>
-        <a:font script="Hant" typeface="新細明體"/>
+        <a:font script="Jpan" typeface="ＭＳ Ｐゴシック"/>
+        <a:font script="Hang" typeface="굴림"/>
+        <a:font script="Hans" typeface="黑体"/>
+        <a:font script="Hant" typeface="微軟正黑體"/>
         <a:font script="Arab" typeface="Arial"/>
         <a:font script="Hebr" typeface="Arial"/>
         <a:font script="Thai" typeface="Cordia New"/>
@@ -21193,23 +21311,41 @@
         <a:font script="Viet" typeface="Arial"/>
         <a:font script="Uigh" typeface="Microsoft Uighur"/>
         <a:font script="Geor" typeface="Sylfaen"/>
-        <a:font script="Armn" typeface="Arial"/>
-        <a:font script="Bugi" typeface="Leelawadee UI"/>
-        <a:font script="Bopo" typeface="Microsoft JhengHei"/>
-        <a:font script="Java" typeface="Javanese Text"/>
-        <a:font script="Lisu" typeface="Segoe UI"/>
-        <a:font script="Mymr" typeface="Myanmar Text"/>
-        <a:font script="Nkoo" typeface="Ebrima"/>
-        <a:font script="Olck" typeface="Nirmala UI"/>
-        <a:font script="Osma" typeface="Ebrima"/>
-        <a:font script="Phag" typeface="Phagspa"/>
-        <a:font script="Syrn" typeface="Estrangelo Edessa"/>
-        <a:font script="Syrj" typeface="Estrangelo Edessa"/>
-        <a:font script="Syre" typeface="Estrangelo Edessa"/>
-        <a:font script="Sora" typeface="Nirmala UI"/>
-        <a:font script="Tale" typeface="Microsoft Tai Le"/>
-        <a:font script="Talu" typeface="Microsoft New Tai Lue"/>
-        <a:font script="Tfng" typeface="Ebrima"/>
+      </a:majorFont>
+      <a:minorFont>
+        <a:latin typeface="Arial" panose="020B0604020202020204"/>
+        <a:ea typeface=""/>
+        <a:cs typeface=""/>
+        <a:font script="Jpan" typeface="ＭＳ Ｐゴシック"/>
+        <a:font script="Hang" typeface="굴림"/>
+        <a:font script="Hans" typeface="黑体"/>
+        <a:font script="Hant" typeface="微軟正黑體"/>
+        <a:font script="Arab" typeface="Arial"/>
+        <a:font script="Hebr" typeface="Arial"/>
+        <a:font script="Thai" typeface="Cordia New"/>
+        <a:font script="Ethi" typeface="Nyala"/>
+        <a:font script="Beng" typeface="Vrinda"/>
+        <a:font script="Gujr" typeface="Shruti"/>
+        <a:font script="Khmr" typeface="DaunPenh"/>
+        <a:font script="Knda" typeface="Tunga"/>
+        <a:font script="Guru" typeface="Raavi"/>
+        <a:font script="Cans" typeface="Euphemia"/>
+        <a:font script="Cher" typeface="Plantagenet Cherokee"/>
+        <a:font script="Yiii" typeface="Microsoft Yi Baiti"/>
+        <a:font script="Tibt" typeface="Microsoft Himalaya"/>
+        <a:font script="Thaa" typeface="MV Boli"/>
+        <a:font script="Deva" typeface="Mangal"/>
+        <a:font script="Telu" typeface="Gautami"/>
+        <a:font script="Taml" typeface="Latha"/>
+        <a:font script="Syrc" typeface="Estrangelo Edessa"/>
+        <a:font script="Orya" typeface="Kalinga"/>
+        <a:font script="Mlym" typeface="Kartika"/>
+        <a:font script="Laoo" typeface="DokChampa"/>
+        <a:font script="Sinh" typeface="Iskoola Pota"/>
+        <a:font script="Mong" typeface="Mongolian Baiti"/>
+        <a:font script="Viet" typeface="Arial"/>
+        <a:font script="Uigh" typeface="Microsoft Uighur"/>
+        <a:font script="Geor" typeface="Sylfaen"/>
       </a:minorFont>
     </a:fontScheme>
     <a:fmtScheme name="Office">
@@ -21354,7 +21490,7 @@
   <a:extraClrSchemeLst/>
   <a:extLst>
     <a:ext uri="{05A4C25C-085E-4340-85A3-A5531E510DB2}">
-      <thm15:themeFamily xmlns:thm15="http://schemas.microsoft.com/office/thememl/2012/main" name="Office Theme" id="{62F939B6-93AF-4DB8-9C6B-D6C7DFDC589F}" vid="{4A3C46E8-61CC-4603-A589-7422A47A8E4A}"/>
+      <thm15:themeFamily xmlns:thm15="http://schemas.microsoft.com/office/thememl/2012/main" name="Presentation4" id="{EDA5D221-2F87-7B45-AC35-4B8A769F4A4B}" vid="{93D4D1F7-A1F9-DC46-AC53-4EA5240238A2}"/>
     </a:ext>
   </a:extLst>
 </a:theme>
@@ -21655,28 +21791,308 @@
 </a:theme>
 </file>
 
+<file path=ppt/theme/theme6.xml><?xml version="1.0" encoding="utf-8"?>
+<a:theme xmlns:a="http://schemas.openxmlformats.org/drawingml/2006/main" name="Office Theme">
+  <a:themeElements>
+    <a:clrScheme name="Office">
+      <a:dk1>
+        <a:sysClr val="windowText" lastClr="000000"/>
+      </a:dk1>
+      <a:lt1>
+        <a:sysClr val="window" lastClr="FFFFFF"/>
+      </a:lt1>
+      <a:dk2>
+        <a:srgbClr val="44546A"/>
+      </a:dk2>
+      <a:lt2>
+        <a:srgbClr val="E7E6E6"/>
+      </a:lt2>
+      <a:accent1>
+        <a:srgbClr val="4472C4"/>
+      </a:accent1>
+      <a:accent2>
+        <a:srgbClr val="ED7D31"/>
+      </a:accent2>
+      <a:accent3>
+        <a:srgbClr val="A5A5A5"/>
+      </a:accent3>
+      <a:accent4>
+        <a:srgbClr val="FFC000"/>
+      </a:accent4>
+      <a:accent5>
+        <a:srgbClr val="5B9BD5"/>
+      </a:accent5>
+      <a:accent6>
+        <a:srgbClr val="70AD47"/>
+      </a:accent6>
+      <a:hlink>
+        <a:srgbClr val="0563C1"/>
+      </a:hlink>
+      <a:folHlink>
+        <a:srgbClr val="954F72"/>
+      </a:folHlink>
+    </a:clrScheme>
+    <a:fontScheme name="Office">
+      <a:majorFont>
+        <a:latin typeface="Calibri Light" panose="020F0302020204030204"/>
+        <a:ea typeface=""/>
+        <a:cs typeface=""/>
+        <a:font script="Jpan" typeface="游ゴシック Light"/>
+        <a:font script="Hang" typeface="맑은 고딕"/>
+        <a:font script="Hans" typeface="等线 Light"/>
+        <a:font script="Hant" typeface="新細明體"/>
+        <a:font script="Arab" typeface="Times New Roman"/>
+        <a:font script="Hebr" typeface="Times New Roman"/>
+        <a:font script="Thai" typeface="Angsana New"/>
+        <a:font script="Ethi" typeface="Nyala"/>
+        <a:font script="Beng" typeface="Vrinda"/>
+        <a:font script="Gujr" typeface="Shruti"/>
+        <a:font script="Khmr" typeface="MoolBoran"/>
+        <a:font script="Knda" typeface="Tunga"/>
+        <a:font script="Guru" typeface="Raavi"/>
+        <a:font script="Cans" typeface="Euphemia"/>
+        <a:font script="Cher" typeface="Plantagenet Cherokee"/>
+        <a:font script="Yiii" typeface="Microsoft Yi Baiti"/>
+        <a:font script="Tibt" typeface="Microsoft Himalaya"/>
+        <a:font script="Thaa" typeface="MV Boli"/>
+        <a:font script="Deva" typeface="Mangal"/>
+        <a:font script="Telu" typeface="Gautami"/>
+        <a:font script="Taml" typeface="Latha"/>
+        <a:font script="Syrc" typeface="Estrangelo Edessa"/>
+        <a:font script="Orya" typeface="Kalinga"/>
+        <a:font script="Mlym" typeface="Kartika"/>
+        <a:font script="Laoo" typeface="DokChampa"/>
+        <a:font script="Sinh" typeface="Iskoola Pota"/>
+        <a:font script="Mong" typeface="Mongolian Baiti"/>
+        <a:font script="Viet" typeface="Times New Roman"/>
+        <a:font script="Uigh" typeface="Microsoft Uighur"/>
+        <a:font script="Geor" typeface="Sylfaen"/>
+        <a:font script="Armn" typeface="Arial"/>
+        <a:font script="Bugi" typeface="Leelawadee UI"/>
+        <a:font script="Bopo" typeface="Microsoft JhengHei"/>
+        <a:font script="Java" typeface="Javanese Text"/>
+        <a:font script="Lisu" typeface="Segoe UI"/>
+        <a:font script="Mymr" typeface="Myanmar Text"/>
+        <a:font script="Nkoo" typeface="Ebrima"/>
+        <a:font script="Olck" typeface="Nirmala UI"/>
+        <a:font script="Osma" typeface="Ebrima"/>
+        <a:font script="Phag" typeface="Phagspa"/>
+        <a:font script="Syrn" typeface="Estrangelo Edessa"/>
+        <a:font script="Syrj" typeface="Estrangelo Edessa"/>
+        <a:font script="Syre" typeface="Estrangelo Edessa"/>
+        <a:font script="Sora" typeface="Nirmala UI"/>
+        <a:font script="Tale" typeface="Microsoft Tai Le"/>
+        <a:font script="Talu" typeface="Microsoft New Tai Lue"/>
+        <a:font script="Tfng" typeface="Ebrima"/>
+      </a:majorFont>
+      <a:minorFont>
+        <a:latin typeface="Calibri" panose="020F0502020204030204"/>
+        <a:ea typeface=""/>
+        <a:cs typeface=""/>
+        <a:font script="Jpan" typeface="游ゴシック"/>
+        <a:font script="Hang" typeface="맑은 고딕"/>
+        <a:font script="Hans" typeface="等线"/>
+        <a:font script="Hant" typeface="新細明體"/>
+        <a:font script="Arab" typeface="Arial"/>
+        <a:font script="Hebr" typeface="Arial"/>
+        <a:font script="Thai" typeface="Cordia New"/>
+        <a:font script="Ethi" typeface="Nyala"/>
+        <a:font script="Beng" typeface="Vrinda"/>
+        <a:font script="Gujr" typeface="Shruti"/>
+        <a:font script="Khmr" typeface="DaunPenh"/>
+        <a:font script="Knda" typeface="Tunga"/>
+        <a:font script="Guru" typeface="Raavi"/>
+        <a:font script="Cans" typeface="Euphemia"/>
+        <a:font script="Cher" typeface="Plantagenet Cherokee"/>
+        <a:font script="Yiii" typeface="Microsoft Yi Baiti"/>
+        <a:font script="Tibt" typeface="Microsoft Himalaya"/>
+        <a:font script="Thaa" typeface="MV Boli"/>
+        <a:font script="Deva" typeface="Mangal"/>
+        <a:font script="Telu" typeface="Gautami"/>
+        <a:font script="Taml" typeface="Latha"/>
+        <a:font script="Syrc" typeface="Estrangelo Edessa"/>
+        <a:font script="Orya" typeface="Kalinga"/>
+        <a:font script="Mlym" typeface="Kartika"/>
+        <a:font script="Laoo" typeface="DokChampa"/>
+        <a:font script="Sinh" typeface="Iskoola Pota"/>
+        <a:font script="Mong" typeface="Mongolian Baiti"/>
+        <a:font script="Viet" typeface="Arial"/>
+        <a:font script="Uigh" typeface="Microsoft Uighur"/>
+        <a:font script="Geor" typeface="Sylfaen"/>
+        <a:font script="Armn" typeface="Arial"/>
+        <a:font script="Bugi" typeface="Leelawadee UI"/>
+        <a:font script="Bopo" typeface="Microsoft JhengHei"/>
+        <a:font script="Java" typeface="Javanese Text"/>
+        <a:font script="Lisu" typeface="Segoe UI"/>
+        <a:font script="Mymr" typeface="Myanmar Text"/>
+        <a:font script="Nkoo" typeface="Ebrima"/>
+        <a:font script="Olck" typeface="Nirmala UI"/>
+        <a:font script="Osma" typeface="Ebrima"/>
+        <a:font script="Phag" typeface="Phagspa"/>
+        <a:font script="Syrn" typeface="Estrangelo Edessa"/>
+        <a:font script="Syrj" typeface="Estrangelo Edessa"/>
+        <a:font script="Syre" typeface="Estrangelo Edessa"/>
+        <a:font script="Sora" typeface="Nirmala UI"/>
+        <a:font script="Tale" typeface="Microsoft Tai Le"/>
+        <a:font script="Talu" typeface="Microsoft New Tai Lue"/>
+        <a:font script="Tfng" typeface="Ebrima"/>
+      </a:minorFont>
+    </a:fontScheme>
+    <a:fmtScheme name="Office">
+      <a:fillStyleLst>
+        <a:solidFill>
+          <a:schemeClr val="phClr"/>
+        </a:solidFill>
+        <a:gradFill rotWithShape="1">
+          <a:gsLst>
+            <a:gs pos="0">
+              <a:schemeClr val="phClr">
+                <a:lumMod val="110000"/>
+                <a:satMod val="105000"/>
+                <a:tint val="67000"/>
+              </a:schemeClr>
+            </a:gs>
+            <a:gs pos="50000">
+              <a:schemeClr val="phClr">
+                <a:lumMod val="105000"/>
+                <a:satMod val="103000"/>
+                <a:tint val="73000"/>
+              </a:schemeClr>
+            </a:gs>
+            <a:gs pos="100000">
+              <a:schemeClr val="phClr">
+                <a:lumMod val="105000"/>
+                <a:satMod val="109000"/>
+                <a:tint val="81000"/>
+              </a:schemeClr>
+            </a:gs>
+          </a:gsLst>
+          <a:lin ang="5400000" scaled="0"/>
+        </a:gradFill>
+        <a:gradFill rotWithShape="1">
+          <a:gsLst>
+            <a:gs pos="0">
+              <a:schemeClr val="phClr">
+                <a:satMod val="103000"/>
+                <a:lumMod val="102000"/>
+                <a:tint val="94000"/>
+              </a:schemeClr>
+            </a:gs>
+            <a:gs pos="50000">
+              <a:schemeClr val="phClr">
+                <a:satMod val="110000"/>
+                <a:lumMod val="100000"/>
+                <a:shade val="100000"/>
+              </a:schemeClr>
+            </a:gs>
+            <a:gs pos="100000">
+              <a:schemeClr val="phClr">
+                <a:lumMod val="99000"/>
+                <a:satMod val="120000"/>
+                <a:shade val="78000"/>
+              </a:schemeClr>
+            </a:gs>
+          </a:gsLst>
+          <a:lin ang="5400000" scaled="0"/>
+        </a:gradFill>
+      </a:fillStyleLst>
+      <a:lnStyleLst>
+        <a:ln w="6350" cap="flat" cmpd="sng" algn="ctr">
+          <a:solidFill>
+            <a:schemeClr val="phClr"/>
+          </a:solidFill>
+          <a:prstDash val="solid"/>
+          <a:miter lim="800000"/>
+        </a:ln>
+        <a:ln w="12700" cap="flat" cmpd="sng" algn="ctr">
+          <a:solidFill>
+            <a:schemeClr val="phClr"/>
+          </a:solidFill>
+          <a:prstDash val="solid"/>
+          <a:miter lim="800000"/>
+        </a:ln>
+        <a:ln w="19050" cap="flat" cmpd="sng" algn="ctr">
+          <a:solidFill>
+            <a:schemeClr val="phClr"/>
+          </a:solidFill>
+          <a:prstDash val="solid"/>
+          <a:miter lim="800000"/>
+        </a:ln>
+      </a:lnStyleLst>
+      <a:effectStyleLst>
+        <a:effectStyle>
+          <a:effectLst/>
+        </a:effectStyle>
+        <a:effectStyle>
+          <a:effectLst/>
+        </a:effectStyle>
+        <a:effectStyle>
+          <a:effectLst>
+            <a:outerShdw blurRad="57150" dist="19050" dir="5400000" algn="ctr" rotWithShape="0">
+              <a:srgbClr val="000000">
+                <a:alpha val="63000"/>
+              </a:srgbClr>
+            </a:outerShdw>
+          </a:effectLst>
+        </a:effectStyle>
+      </a:effectStyleLst>
+      <a:bgFillStyleLst>
+        <a:solidFill>
+          <a:schemeClr val="phClr"/>
+        </a:solidFill>
+        <a:solidFill>
+          <a:schemeClr val="phClr">
+            <a:tint val="95000"/>
+            <a:satMod val="170000"/>
+          </a:schemeClr>
+        </a:solidFill>
+        <a:gradFill rotWithShape="1">
+          <a:gsLst>
+            <a:gs pos="0">
+              <a:schemeClr val="phClr">
+                <a:tint val="93000"/>
+                <a:satMod val="150000"/>
+                <a:shade val="98000"/>
+                <a:lumMod val="102000"/>
+              </a:schemeClr>
+            </a:gs>
+            <a:gs pos="50000">
+              <a:schemeClr val="phClr">
+                <a:tint val="98000"/>
+                <a:satMod val="130000"/>
+                <a:shade val="90000"/>
+                <a:lumMod val="103000"/>
+              </a:schemeClr>
+            </a:gs>
+            <a:gs pos="100000">
+              <a:schemeClr val="phClr">
+                <a:shade val="63000"/>
+                <a:satMod val="120000"/>
+              </a:schemeClr>
+            </a:gs>
+          </a:gsLst>
+          <a:lin ang="5400000" scaled="0"/>
+        </a:gradFill>
+      </a:bgFillStyleLst>
+    </a:fmtScheme>
+  </a:themeElements>
+  <a:objectDefaults/>
+  <a:extraClrSchemeLst/>
+  <a:extLst>
+    <a:ext uri="{05A4C25C-085E-4340-85A3-A5531E510DB2}">
+      <thm15:themeFamily xmlns:thm15="http://schemas.microsoft.com/office/thememl/2012/main" name="Office Theme" id="{62F939B6-93AF-4DB8-9C6B-D6C7DFDC589F}" vid="{4A3C46E8-61CC-4603-A589-7422A47A8E4A}"/>
+    </a:ext>
+  </a:extLst>
+</a:theme>
+</file>
+
 <file path=customXml/item1.xml><?xml version="1.0" encoding="utf-8"?>
-<p:properties xmlns:p="http://schemas.microsoft.com/office/2006/metadata/properties" xmlns:xsi="http://www.w3.org/2001/XMLSchema-instance" xmlns:pc="http://schemas.microsoft.com/office/infopath/2007/PartnerControls">
-  <documentManagement>
-    <SharedWithUsers xmlns="5bceed9a-bae5-4329-97ef-b259bd0b225e">
-      <UserInfo>
-        <DisplayName>Ambrose, Nalini</DisplayName>
-        <AccountId>13</AccountId>
-        <AccountType/>
-      </UserInfo>
-      <UserInfo>
-        <DisplayName>Lyall, Jessica</DisplayName>
-        <AccountId>178</AccountId>
-        <AccountType/>
-      </UserInfo>
-      <UserInfo>
-        <DisplayName>Horbachevsky, Olexa</DisplayName>
-        <AccountId>10</AccountId>
-        <AccountType/>
-      </UserInfo>
-    </SharedWithUsers>
-  </documentManagement>
-</p:properties>
+<?mso-contentType ?>
+<FormTemplates xmlns="http://schemas.microsoft.com/sharepoint/v3/contenttype/forms">
+  <Display>DocumentLibraryForm</Display>
+  <Edit>DocumentLibraryForm</Edit>
+  <New>DocumentLibraryForm</New>
+</FormTemplates>
 </file>
 
 <file path=customXml/item2.xml><?xml version="1.0" encoding="utf-8"?>
@@ -21877,27 +22293,33 @@
 </file>
 
 <file path=customXml/item3.xml><?xml version="1.0" encoding="utf-8"?>
-<?mso-contentType ?>
-<FormTemplates xmlns="http://schemas.microsoft.com/sharepoint/v3/contenttype/forms">
-  <Display>DocumentLibraryForm</Display>
-  <Edit>DocumentLibraryForm</Edit>
-  <New>DocumentLibraryForm</New>
-</FormTemplates>
+<p:properties xmlns:p="http://schemas.microsoft.com/office/2006/metadata/properties" xmlns:xsi="http://www.w3.org/2001/XMLSchema-instance" xmlns:pc="http://schemas.microsoft.com/office/infopath/2007/PartnerControls">
+  <documentManagement>
+    <SharedWithUsers xmlns="5bceed9a-bae5-4329-97ef-b259bd0b225e">
+      <UserInfo>
+        <DisplayName>Ambrose, Nalini</DisplayName>
+        <AccountId>13</AccountId>
+        <AccountType/>
+      </UserInfo>
+      <UserInfo>
+        <DisplayName>Lyall, Jessica</DisplayName>
+        <AccountId>178</AccountId>
+        <AccountType/>
+      </UserInfo>
+      <UserInfo>
+        <DisplayName>Horbachevsky, Olexa</DisplayName>
+        <AccountId>10</AccountId>
+        <AccountType/>
+      </UserInfo>
+    </SharedWithUsers>
+  </documentManagement>
+</p:properties>
 </file>
 
 <file path=customXml/itemProps1.xml><?xml version="1.0" encoding="utf-8"?>
-<ds:datastoreItem xmlns:ds="http://schemas.openxmlformats.org/officeDocument/2006/customXml" ds:itemID="{5450FCDD-08B1-48D8-BB50-7A17E590A5EE}">
+<ds:datastoreItem xmlns:ds="http://schemas.openxmlformats.org/officeDocument/2006/customXml" ds:itemID="{416BA5C9-2D71-4B86-AE8A-8C0D9BC5FB22}">
   <ds:schemaRefs>
-    <ds:schemaRef ds:uri="http://purl.org/dc/terms/"/>
-    <ds:schemaRef ds:uri="http://schemas.openxmlformats.org/package/2006/metadata/core-properties"/>
-    <ds:schemaRef ds:uri="http://purl.org/dc/dcmitype/"/>
-    <ds:schemaRef ds:uri="http://schemas.microsoft.com/office/infopath/2007/PartnerControls"/>
-    <ds:schemaRef ds:uri="http://schemas.microsoft.com/office/2006/documentManagement/types"/>
-    <ds:schemaRef ds:uri="5bceed9a-bae5-4329-97ef-b259bd0b225e"/>
-    <ds:schemaRef ds:uri="http://purl.org/dc/elements/1.1/"/>
-    <ds:schemaRef ds:uri="http://schemas.microsoft.com/office/2006/metadata/properties"/>
-    <ds:schemaRef ds:uri="c6e6fbc9-cbf1-42ee-bbf0-d6e110e2b732"/>
-    <ds:schemaRef ds:uri="http://www.w3.org/XML/1998/namespace"/>
+    <ds:schemaRef ds:uri="http://schemas.microsoft.com/sharepoint/v3/contenttype/forms"/>
   </ds:schemaRefs>
 </ds:datastoreItem>
 </file>
@@ -21922,9 +22344,18 @@
 </file>
 
 <file path=customXml/itemProps3.xml><?xml version="1.0" encoding="utf-8"?>
-<ds:datastoreItem xmlns:ds="http://schemas.openxmlformats.org/officeDocument/2006/customXml" ds:itemID="{416BA5C9-2D71-4B86-AE8A-8C0D9BC5FB22}">
+<ds:datastoreItem xmlns:ds="http://schemas.openxmlformats.org/officeDocument/2006/customXml" ds:itemID="{5450FCDD-08B1-48D8-BB50-7A17E590A5EE}">
   <ds:schemaRefs>
-    <ds:schemaRef ds:uri="http://schemas.microsoft.com/sharepoint/v3/contenttype/forms"/>
+    <ds:schemaRef ds:uri="http://purl.org/dc/terms/"/>
+    <ds:schemaRef ds:uri="http://schemas.openxmlformats.org/package/2006/metadata/core-properties"/>
+    <ds:schemaRef ds:uri="http://purl.org/dc/dcmitype/"/>
+    <ds:schemaRef ds:uri="http://schemas.microsoft.com/office/infopath/2007/PartnerControls"/>
+    <ds:schemaRef ds:uri="http://schemas.microsoft.com/office/2006/documentManagement/types"/>
+    <ds:schemaRef ds:uri="5bceed9a-bae5-4329-97ef-b259bd0b225e"/>
+    <ds:schemaRef ds:uri="http://purl.org/dc/elements/1.1/"/>
+    <ds:schemaRef ds:uri="http://schemas.microsoft.com/office/2006/metadata/properties"/>
+    <ds:schemaRef ds:uri="c6e6fbc9-cbf1-42ee-bbf0-d6e110e2b732"/>
+    <ds:schemaRef ds:uri="http://www.w3.org/XML/1998/namespace"/>
   </ds:schemaRefs>
 </ds:datastoreItem>
 </file>
--- a/input/images-source/CRD_DTR_Flow.pptx
+++ b/input/images-source/CRD_DTR_Flow.pptx
@@ -19116,70 +19116,6 @@
       </p:sp>
       <p:sp>
         <p:nvSpPr>
-          <p:cNvPr id="32" name="Rectangle 31">
-            <a:extLst>
-              <a:ext uri="{FF2B5EF4-FFF2-40B4-BE49-F238E27FC236}">
-                <a16:creationId xmlns:a16="http://schemas.microsoft.com/office/drawing/2014/main" id="{4931F6E9-37A3-91F1-14D7-A6555F4B6ADB}"/>
-              </a:ext>
-            </a:extLst>
-          </p:cNvPr>
-          <p:cNvSpPr/>
-          <p:nvPr/>
-        </p:nvSpPr>
-        <p:spPr>
-          <a:xfrm>
-            <a:off x="1781989" y="1457797"/>
-            <a:ext cx="4116804" cy="369460"/>
-          </a:xfrm>
-          <a:prstGeom prst="rect">
-            <a:avLst/>
-          </a:prstGeom>
-        </p:spPr>
-        <p:txBody>
-          <a:bodyPr wrap="square">
-            <a:spAutoFit/>
-          </a:bodyPr>
-          <a:lstStyle/>
-          <a:p>
-            <a:pPr marL="0" marR="0" lvl="0" indent="0" algn="ctr" defTabSz="914400" rtl="0" eaLnBrk="1" fontAlgn="auto" latinLnBrk="0" hangingPunct="1">
-              <a:lnSpc>
-                <a:spcPct val="100000"/>
-              </a:lnSpc>
-              <a:spcBef>
-                <a:spcPts val="0"/>
-              </a:spcBef>
-              <a:spcAft>
-                <a:spcPts val="1200"/>
-              </a:spcAft>
-              <a:buClrTx/>
-              <a:buSzTx/>
-              <a:buFontTx/>
-              <a:buNone/>
-              <a:tabLst/>
-              <a:defRPr/>
-            </a:pPr>
-            <a:r>
-              <a:rPr kumimoji="0" lang="en-US" sz="1801" b="1" i="0" u="none" strike="noStrike" kern="1200" cap="none" spc="0" normalizeH="0" baseline="0" noProof="0" dirty="0">
-                <a:ln>
-                  <a:noFill/>
-                </a:ln>
-                <a:solidFill>
-                  <a:srgbClr val="000000"/>
-                </a:solidFill>
-                <a:effectLst/>
-                <a:uLnTx/>
-                <a:uFillTx/>
-                <a:latin typeface="Helvetica Neue"/>
-                <a:ea typeface="+mn-ea"/>
-                <a:cs typeface="+mn-cs"/>
-              </a:rPr>
-              <a:t>PROVIDER SYSTEM</a:t>
-            </a:r>
-          </a:p>
-        </p:txBody>
-      </p:sp>
-      <p:sp>
-        <p:nvSpPr>
           <p:cNvPr id="33" name="Rectangle: Rounded Corners 32">
             <a:extLst>
               <a:ext uri="{FF2B5EF4-FFF2-40B4-BE49-F238E27FC236}">
@@ -19298,7 +19234,7 @@
         </p:nvSpPr>
         <p:spPr>
           <a:xfrm>
-            <a:off x="2166148" y="2230156"/>
+            <a:off x="2166148" y="2338792"/>
             <a:ext cx="1961875" cy="718205"/>
           </a:xfrm>
           <a:prstGeom prst="rect">
@@ -19405,7 +19341,7 @@
         </p:nvSpPr>
         <p:spPr>
           <a:xfrm>
-            <a:off x="2166148" y="3448142"/>
+            <a:off x="2166148" y="3556778"/>
             <a:ext cx="1961874" cy="718205"/>
           </a:xfrm>
           <a:prstGeom prst="rect">
@@ -19494,70 +19430,6 @@
                 <a:cs typeface="+mn-cs"/>
               </a:rPr>
               <a:t>     Full DTR EHR</a:t>
-            </a:r>
-          </a:p>
-        </p:txBody>
-      </p:sp>
-      <p:sp>
-        <p:nvSpPr>
-          <p:cNvPr id="36" name="Rectangle 35">
-            <a:extLst>
-              <a:ext uri="{FF2B5EF4-FFF2-40B4-BE49-F238E27FC236}">
-                <a16:creationId xmlns:a16="http://schemas.microsoft.com/office/drawing/2014/main" id="{9CF004FB-32F3-D0E0-7E1D-6C5CB854FEBB}"/>
-              </a:ext>
-            </a:extLst>
-          </p:cNvPr>
-          <p:cNvSpPr/>
-          <p:nvPr/>
-        </p:nvSpPr>
-        <p:spPr>
-          <a:xfrm>
-            <a:off x="6788704" y="1457797"/>
-            <a:ext cx="3018408" cy="369460"/>
-          </a:xfrm>
-          <a:prstGeom prst="rect">
-            <a:avLst/>
-          </a:prstGeom>
-        </p:spPr>
-        <p:txBody>
-          <a:bodyPr wrap="square">
-            <a:spAutoFit/>
-          </a:bodyPr>
-          <a:lstStyle/>
-          <a:p>
-            <a:pPr marL="0" marR="0" lvl="0" indent="0" algn="ctr" defTabSz="914400" rtl="0" eaLnBrk="1" fontAlgn="auto" latinLnBrk="0" hangingPunct="1">
-              <a:lnSpc>
-                <a:spcPct val="100000"/>
-              </a:lnSpc>
-              <a:spcBef>
-                <a:spcPts val="0"/>
-              </a:spcBef>
-              <a:spcAft>
-                <a:spcPts val="1200"/>
-              </a:spcAft>
-              <a:buClrTx/>
-              <a:buSzTx/>
-              <a:buFontTx/>
-              <a:buNone/>
-              <a:tabLst/>
-              <a:defRPr/>
-            </a:pPr>
-            <a:r>
-              <a:rPr kumimoji="0" lang="en-US" sz="1801" b="1" i="0" u="none" strike="noStrike" kern="1200" cap="none" spc="0" normalizeH="0" baseline="0" noProof="0" dirty="0">
-                <a:ln>
-                  <a:noFill/>
-                </a:ln>
-                <a:solidFill>
-                  <a:srgbClr val="000000"/>
-                </a:solidFill>
-                <a:effectLst/>
-                <a:uLnTx/>
-                <a:uFillTx/>
-                <a:latin typeface="Helvetica Neue"/>
-                <a:ea typeface="+mn-ea"/>
-                <a:cs typeface="+mn-cs"/>
-              </a:rPr>
-              <a:t>PAYER SYSTEM</a:t>
             </a:r>
           </a:p>
         </p:txBody>
@@ -19682,7 +19554,7 @@
         </p:nvSpPr>
         <p:spPr>
           <a:xfrm flipH="1">
-            <a:off x="3502372" y="3602784"/>
+            <a:off x="3502372" y="3711420"/>
             <a:ext cx="625649" cy="428667"/>
           </a:xfrm>
           <a:prstGeom prst="homePlate">
@@ -19773,7 +19645,7 @@
         </p:nvSpPr>
         <p:spPr>
           <a:xfrm>
-            <a:off x="4705430" y="2365225"/>
+            <a:off x="4705430" y="2473861"/>
             <a:ext cx="1075645" cy="448065"/>
           </a:xfrm>
           <a:prstGeom prst="rect">
@@ -19871,7 +19743,7 @@
         </p:nvSpPr>
         <p:spPr>
           <a:xfrm>
-            <a:off x="5789261" y="2397572"/>
+            <a:off x="5789261" y="2506208"/>
             <a:ext cx="1304945" cy="363127"/>
           </a:xfrm>
           <a:prstGeom prst="leftRightArrow">
@@ -19955,7 +19827,7 @@
         </p:nvSpPr>
         <p:spPr>
           <a:xfrm>
-            <a:off x="7103084" y="2230127"/>
+            <a:off x="7103084" y="2338763"/>
             <a:ext cx="2391175" cy="1936220"/>
           </a:xfrm>
           <a:prstGeom prst="rect">
@@ -19964,15 +19836,10 @@
           <a:gradFill flip="none" rotWithShape="1">
             <a:gsLst>
               <a:gs pos="0">
-                <a:schemeClr val="accent5">
-                  <a:lumMod val="67000"/>
-                </a:schemeClr>
+                <a:srgbClr val="B88C00"/>
               </a:gs>
-              <a:gs pos="100000">
-                <a:schemeClr val="accent5">
-                  <a:lumMod val="97000"/>
-                  <a:lumOff val="3000"/>
-                </a:schemeClr>
+              <a:gs pos="97000">
+                <a:srgbClr val="FFC000"/>
               </a:gs>
             </a:gsLst>
             <a:lin ang="5400000" scaled="1"/>
@@ -20062,7 +19929,7 @@
         </p:nvSpPr>
         <p:spPr>
           <a:xfrm>
-            <a:off x="4141824" y="3611662"/>
+            <a:off x="4141824" y="3720298"/>
             <a:ext cx="2952382" cy="363127"/>
           </a:xfrm>
           <a:prstGeom prst="leftRightArrow">
@@ -20134,10 +20001,10 @@
       </p:sp>
       <p:sp>
         <p:nvSpPr>
-          <p:cNvPr id="46" name="Rectangle 45">
+          <p:cNvPr id="48" name="Arrow: Left-Right 47">
             <a:extLst>
               <a:ext uri="{FF2B5EF4-FFF2-40B4-BE49-F238E27FC236}">
-                <a16:creationId xmlns:a16="http://schemas.microsoft.com/office/drawing/2014/main" id="{D183D630-4692-7B49-87F7-F0B30E16085B}"/>
+                <a16:creationId xmlns:a16="http://schemas.microsoft.com/office/drawing/2014/main" id="{93434836-9157-56D2-BD7B-BDDDE2D5BBC1}"/>
               </a:ext>
             </a:extLst>
           </p:cNvPr>
@@ -20146,24 +20013,21 @@
         </p:nvSpPr>
         <p:spPr>
           <a:xfrm>
-            <a:off x="4136207" y="2365225"/>
-            <a:ext cx="561037" cy="448065"/>
-          </a:xfrm>
-          <a:prstGeom prst="rect">
-            <a:avLst/>
+            <a:off x="4141824" y="2515086"/>
+            <a:ext cx="554773" cy="363127"/>
+          </a:xfrm>
+          <a:prstGeom prst="leftRightArrow">
+            <a:avLst>
+              <a:gd name="adj1" fmla="val 34616"/>
+              <a:gd name="adj2" fmla="val 45433"/>
+            </a:avLst>
           </a:prstGeom>
           <a:solidFill>
-            <a:schemeClr val="accent5">
-              <a:lumMod val="20000"/>
-              <a:lumOff val="80000"/>
+            <a:schemeClr val="accent4">
+              <a:lumMod val="60000"/>
+              <a:lumOff val="40000"/>
             </a:schemeClr>
           </a:solidFill>
-          <a:ln>
-            <a:solidFill>
-              <a:schemeClr val="tx1"/>
-            </a:solidFill>
-            <a:prstDash val="dash"/>
-          </a:ln>
         </p:spPr>
         <p:style>
           <a:lnRef idx="2">
@@ -20221,90 +20085,6 @@
       </p:sp>
       <p:sp>
         <p:nvSpPr>
-          <p:cNvPr id="48" name="Arrow: Left-Right 47">
-            <a:extLst>
-              <a:ext uri="{FF2B5EF4-FFF2-40B4-BE49-F238E27FC236}">
-                <a16:creationId xmlns:a16="http://schemas.microsoft.com/office/drawing/2014/main" id="{93434836-9157-56D2-BD7B-BDDDE2D5BBC1}"/>
-              </a:ext>
-            </a:extLst>
-          </p:cNvPr>
-          <p:cNvSpPr/>
-          <p:nvPr/>
-        </p:nvSpPr>
-        <p:spPr>
-          <a:xfrm>
-            <a:off x="4141824" y="2406450"/>
-            <a:ext cx="554773" cy="363127"/>
-          </a:xfrm>
-          <a:prstGeom prst="leftRightArrow">
-            <a:avLst>
-              <a:gd name="adj1" fmla="val 34616"/>
-              <a:gd name="adj2" fmla="val 45433"/>
-            </a:avLst>
-          </a:prstGeom>
-          <a:solidFill>
-            <a:schemeClr val="accent4">
-              <a:lumMod val="60000"/>
-              <a:lumOff val="40000"/>
-            </a:schemeClr>
-          </a:solidFill>
-        </p:spPr>
-        <p:style>
-          <a:lnRef idx="2">
-            <a:schemeClr val="accent1">
-              <a:shade val="15000"/>
-            </a:schemeClr>
-          </a:lnRef>
-          <a:fillRef idx="1">
-            <a:schemeClr val="accent1"/>
-          </a:fillRef>
-          <a:effectRef idx="0">
-            <a:schemeClr val="accent1"/>
-          </a:effectRef>
-          <a:fontRef idx="minor">
-            <a:schemeClr val="lt1"/>
-          </a:fontRef>
-        </p:style>
-        <p:txBody>
-          <a:bodyPr rtlCol="0" anchor="ctr"/>
-          <a:lstStyle/>
-          <a:p>
-            <a:pPr marL="0" marR="0" lvl="0" indent="0" algn="ctr" defTabSz="914400" rtl="0" eaLnBrk="1" fontAlgn="auto" latinLnBrk="0" hangingPunct="1">
-              <a:lnSpc>
-                <a:spcPct val="100000"/>
-              </a:lnSpc>
-              <a:spcBef>
-                <a:spcPts val="0"/>
-              </a:spcBef>
-              <a:spcAft>
-                <a:spcPts val="0"/>
-              </a:spcAft>
-              <a:buClrTx/>
-              <a:buSzTx/>
-              <a:buFontTx/>
-              <a:buNone/>
-              <a:tabLst/>
-              <a:defRPr/>
-            </a:pPr>
-            <a:endParaRPr kumimoji="0" lang="en-US" sz="1800" b="0" i="0" u="none" strike="noStrike" kern="1200" cap="none" spc="0" normalizeH="0" baseline="0" noProof="0">
-              <a:ln>
-                <a:noFill/>
-              </a:ln>
-              <a:solidFill>
-                <a:srgbClr val="FFFFFF"/>
-              </a:solidFill>
-              <a:effectLst/>
-              <a:uLnTx/>
-              <a:uFillTx/>
-              <a:latin typeface="Arial" panose="020B0604020202020204"/>
-              <a:ea typeface="+mn-ea"/>
-              <a:cs typeface="+mn-cs"/>
-            </a:endParaRPr>
-          </a:p>
-        </p:txBody>
-      </p:sp>
-      <p:sp>
-        <p:nvSpPr>
           <p:cNvPr id="3" name="Rectangle 2">
             <a:extLst>
               <a:ext uri="{FF2B5EF4-FFF2-40B4-BE49-F238E27FC236}">
@@ -20365,6 +20145,132 @@
                 <a:cs typeface="+mn-cs"/>
               </a:rPr>
               <a:t>DTR Actors</a:t>
+            </a:r>
+          </a:p>
+        </p:txBody>
+      </p:sp>
+      <p:sp>
+        <p:nvSpPr>
+          <p:cNvPr id="36" name="Rectangle 35">
+            <a:extLst>
+              <a:ext uri="{FF2B5EF4-FFF2-40B4-BE49-F238E27FC236}">
+                <a16:creationId xmlns:a16="http://schemas.microsoft.com/office/drawing/2014/main" id="{9CF004FB-32F3-D0E0-7E1D-6C5CB854FEBB}"/>
+              </a:ext>
+            </a:extLst>
+          </p:cNvPr>
+          <p:cNvSpPr/>
+          <p:nvPr/>
+        </p:nvSpPr>
+        <p:spPr>
+          <a:xfrm>
+            <a:off x="6788704" y="1864404"/>
+            <a:ext cx="3018408" cy="338554"/>
+          </a:xfrm>
+          <a:prstGeom prst="rect">
+            <a:avLst/>
+          </a:prstGeom>
+        </p:spPr>
+        <p:txBody>
+          <a:bodyPr wrap="square">
+            <a:spAutoFit/>
+          </a:bodyPr>
+          <a:lstStyle/>
+          <a:p>
+            <a:pPr marL="0" marR="0" lvl="0" indent="0" algn="ctr" defTabSz="914400" rtl="0" eaLnBrk="1" fontAlgn="auto" latinLnBrk="0" hangingPunct="1">
+              <a:lnSpc>
+                <a:spcPct val="100000"/>
+              </a:lnSpc>
+              <a:spcBef>
+                <a:spcPts val="0"/>
+              </a:spcBef>
+              <a:spcAft>
+                <a:spcPts val="1200"/>
+              </a:spcAft>
+              <a:buClrTx/>
+              <a:buSzTx/>
+              <a:buFontTx/>
+              <a:buNone/>
+              <a:tabLst/>
+              <a:defRPr/>
+            </a:pPr>
+            <a:r>
+              <a:rPr kumimoji="0" lang="en-US" sz="1600" i="0" u="none" strike="noStrike" kern="1200" cap="none" spc="0" normalizeH="0" baseline="0" noProof="0" dirty="0">
+                <a:ln>
+                  <a:noFill/>
+                </a:ln>
+                <a:solidFill>
+                  <a:srgbClr val="000000"/>
+                </a:solidFill>
+                <a:effectLst/>
+                <a:uLnTx/>
+                <a:uFillTx/>
+                <a:latin typeface="Calibri" panose="020F0502020204030204" pitchFamily="34" charset="0"/>
+                <a:cs typeface="Calibri" panose="020F0502020204030204" pitchFamily="34" charset="0"/>
+              </a:rPr>
+              <a:t>Payer System</a:t>
+            </a:r>
+          </a:p>
+        </p:txBody>
+      </p:sp>
+      <p:sp>
+        <p:nvSpPr>
+          <p:cNvPr id="4" name="Rectangle 3">
+            <a:extLst>
+              <a:ext uri="{FF2B5EF4-FFF2-40B4-BE49-F238E27FC236}">
+                <a16:creationId xmlns:a16="http://schemas.microsoft.com/office/drawing/2014/main" id="{EBDD533E-AE91-CBE9-157F-0A4A40F1E700}"/>
+              </a:ext>
+            </a:extLst>
+          </p:cNvPr>
+          <p:cNvSpPr/>
+          <p:nvPr/>
+        </p:nvSpPr>
+        <p:spPr>
+          <a:xfrm>
+            <a:off x="1781988" y="1864404"/>
+            <a:ext cx="4116804" cy="338554"/>
+          </a:xfrm>
+          <a:prstGeom prst="rect">
+            <a:avLst/>
+          </a:prstGeom>
+        </p:spPr>
+        <p:txBody>
+          <a:bodyPr wrap="square">
+            <a:spAutoFit/>
+          </a:bodyPr>
+          <a:lstStyle/>
+          <a:p>
+            <a:pPr marL="0" marR="0" lvl="0" indent="0" algn="ctr" defTabSz="914400" rtl="0" eaLnBrk="1" fontAlgn="auto" latinLnBrk="0" hangingPunct="1">
+              <a:lnSpc>
+                <a:spcPct val="100000"/>
+              </a:lnSpc>
+              <a:spcBef>
+                <a:spcPts val="0"/>
+              </a:spcBef>
+              <a:spcAft>
+                <a:spcPts val="1200"/>
+              </a:spcAft>
+              <a:buClrTx/>
+              <a:buSzTx/>
+              <a:buFontTx/>
+              <a:buNone/>
+              <a:tabLst/>
+              <a:defRPr/>
+            </a:pPr>
+            <a:r>
+              <a:rPr kumimoji="0" lang="en-US" sz="1600" i="0" u="none" strike="noStrike" kern="1200" cap="none" spc="0" normalizeH="0" baseline="0" noProof="0" dirty="0">
+                <a:ln>
+                  <a:noFill/>
+                </a:ln>
+                <a:solidFill>
+                  <a:srgbClr val="000000"/>
+                </a:solidFill>
+                <a:effectLst/>
+                <a:uLnTx/>
+                <a:uFillTx/>
+                <a:latin typeface="Calibri" panose="020F0502020204030204" pitchFamily="34" charset="0"/>
+                <a:cs typeface="Calibri" panose="020F0502020204030204" pitchFamily="34" charset="0"/>
+              </a:rPr>
+              <a:t>Provider System</a:t>
             </a:r>
           </a:p>
         </p:txBody>
@@ -22087,12 +21993,27 @@
 </file>
 
 <file path=customXml/item1.xml><?xml version="1.0" encoding="utf-8"?>
-<?mso-contentType ?>
-<FormTemplates xmlns="http://schemas.microsoft.com/sharepoint/v3/contenttype/forms">
-  <Display>DocumentLibraryForm</Display>
-  <Edit>DocumentLibraryForm</Edit>
-  <New>DocumentLibraryForm</New>
-</FormTemplates>
+<p:properties xmlns:p="http://schemas.microsoft.com/office/2006/metadata/properties" xmlns:xsi="http://www.w3.org/2001/XMLSchema-instance" xmlns:pc="http://schemas.microsoft.com/office/infopath/2007/PartnerControls">
+  <documentManagement>
+    <SharedWithUsers xmlns="5bceed9a-bae5-4329-97ef-b259bd0b225e">
+      <UserInfo>
+        <DisplayName>Ambrose, Nalini</DisplayName>
+        <AccountId>13</AccountId>
+        <AccountType/>
+      </UserInfo>
+      <UserInfo>
+        <DisplayName>Lyall, Jessica</DisplayName>
+        <AccountId>178</AccountId>
+        <AccountType/>
+      </UserInfo>
+      <UserInfo>
+        <DisplayName>Horbachevsky, Olexa</DisplayName>
+        <AccountId>10</AccountId>
+        <AccountType/>
+      </UserInfo>
+    </SharedWithUsers>
+  </documentManagement>
+</p:properties>
 </file>
 
 <file path=customXml/item2.xml><?xml version="1.0" encoding="utf-8"?>
@@ -22293,33 +22214,27 @@
 </file>
 
 <file path=customXml/item3.xml><?xml version="1.0" encoding="utf-8"?>
-<p:properties xmlns:p="http://schemas.microsoft.com/office/2006/metadata/properties" xmlns:xsi="http://www.w3.org/2001/XMLSchema-instance" xmlns:pc="http://schemas.microsoft.com/office/infopath/2007/PartnerControls">
-  <documentManagement>
-    <SharedWithUsers xmlns="5bceed9a-bae5-4329-97ef-b259bd0b225e">
-      <UserInfo>
-        <DisplayName>Ambrose, Nalini</DisplayName>
-        <AccountId>13</AccountId>
-        <AccountType/>
-      </UserInfo>
-      <UserInfo>
-        <DisplayName>Lyall, Jessica</DisplayName>
-        <AccountId>178</AccountId>
-        <AccountType/>
-      </UserInfo>
-      <UserInfo>
-        <DisplayName>Horbachevsky, Olexa</DisplayName>
-        <AccountId>10</AccountId>
-        <AccountType/>
-      </UserInfo>
-    </SharedWithUsers>
-  </documentManagement>
-</p:properties>
+<?mso-contentType ?>
+<FormTemplates xmlns="http://schemas.microsoft.com/sharepoint/v3/contenttype/forms">
+  <Display>DocumentLibraryForm</Display>
+  <Edit>DocumentLibraryForm</Edit>
+  <New>DocumentLibraryForm</New>
+</FormTemplates>
 </file>
 
 <file path=customXml/itemProps1.xml><?xml version="1.0" encoding="utf-8"?>
-<ds:datastoreItem xmlns:ds="http://schemas.openxmlformats.org/officeDocument/2006/customXml" ds:itemID="{416BA5C9-2D71-4B86-AE8A-8C0D9BC5FB22}">
+<ds:datastoreItem xmlns:ds="http://schemas.openxmlformats.org/officeDocument/2006/customXml" ds:itemID="{5450FCDD-08B1-48D8-BB50-7A17E590A5EE}">
   <ds:schemaRefs>
-    <ds:schemaRef ds:uri="http://schemas.microsoft.com/sharepoint/v3/contenttype/forms"/>
+    <ds:schemaRef ds:uri="http://purl.org/dc/terms/"/>
+    <ds:schemaRef ds:uri="http://schemas.openxmlformats.org/package/2006/metadata/core-properties"/>
+    <ds:schemaRef ds:uri="http://purl.org/dc/dcmitype/"/>
+    <ds:schemaRef ds:uri="http://schemas.microsoft.com/office/infopath/2007/PartnerControls"/>
+    <ds:schemaRef ds:uri="http://schemas.microsoft.com/office/2006/documentManagement/types"/>
+    <ds:schemaRef ds:uri="5bceed9a-bae5-4329-97ef-b259bd0b225e"/>
+    <ds:schemaRef ds:uri="http://purl.org/dc/elements/1.1/"/>
+    <ds:schemaRef ds:uri="http://schemas.microsoft.com/office/2006/metadata/properties"/>
+    <ds:schemaRef ds:uri="c6e6fbc9-cbf1-42ee-bbf0-d6e110e2b732"/>
+    <ds:schemaRef ds:uri="http://www.w3.org/XML/1998/namespace"/>
   </ds:schemaRefs>
 </ds:datastoreItem>
 </file>
@@ -22344,18 +22259,9 @@
 </file>
 
 <file path=customXml/itemProps3.xml><?xml version="1.0" encoding="utf-8"?>
-<ds:datastoreItem xmlns:ds="http://schemas.openxmlformats.org/officeDocument/2006/customXml" ds:itemID="{5450FCDD-08B1-48D8-BB50-7A17E590A5EE}">
+<ds:datastoreItem xmlns:ds="http://schemas.openxmlformats.org/officeDocument/2006/customXml" ds:itemID="{416BA5C9-2D71-4B86-AE8A-8C0D9BC5FB22}">
   <ds:schemaRefs>
-    <ds:schemaRef ds:uri="http://purl.org/dc/terms/"/>
-    <ds:schemaRef ds:uri="http://schemas.openxmlformats.org/package/2006/metadata/core-properties"/>
-    <ds:schemaRef ds:uri="http://purl.org/dc/dcmitype/"/>
-    <ds:schemaRef ds:uri="http://schemas.microsoft.com/office/infopath/2007/PartnerControls"/>
-    <ds:schemaRef ds:uri="http://schemas.microsoft.com/office/2006/documentManagement/types"/>
-    <ds:schemaRef ds:uri="5bceed9a-bae5-4329-97ef-b259bd0b225e"/>
-    <ds:schemaRef ds:uri="http://purl.org/dc/elements/1.1/"/>
-    <ds:schemaRef ds:uri="http://schemas.microsoft.com/office/2006/metadata/properties"/>
-    <ds:schemaRef ds:uri="c6e6fbc9-cbf1-42ee-bbf0-d6e110e2b732"/>
-    <ds:schemaRef ds:uri="http://www.w3.org/XML/1998/namespace"/>
+    <ds:schemaRef ds:uri="http://schemas.microsoft.com/sharepoint/v3/contenttype/forms"/>
   </ds:schemaRefs>
 </ds:datastoreItem>
 </file>
--- a/input/images-source/CRD_DTR_Flow.pptx
+++ b/input/images-source/CRD_DTR_Flow.pptx
@@ -16,7 +16,7 @@
   <p:sldIdLst>
     <p:sldId id="2919" r:id="rId8"/>
     <p:sldId id="2921" r:id="rId9"/>
-    <p:sldId id="720" r:id="rId10"/>
+    <p:sldId id="2922" r:id="rId10"/>
   </p:sldIdLst>
   <p:sldSz cx="12192000" cy="6858000"/>
   <p:notesSz cx="7010400" cy="9236075"/>
@@ -122,7 +122,7 @@
           <p14:sldIdLst>
             <p14:sldId id="2919"/>
             <p14:sldId id="2921"/>
-            <p14:sldId id="720"/>
+            <p14:sldId id="2922"/>
           </p14:sldIdLst>
         </p14:section>
       </p14:sectionLst>
@@ -19724,7 +19724,45 @@
                 <a:ea typeface="+mn-ea"/>
                 <a:cs typeface="+mn-cs"/>
               </a:rPr>
-              <a:t>DTR SMART Client</a:t>
+              <a:t>SMART </a:t>
+            </a:r>
+          </a:p>
+          <a:p>
+            <a:pPr marL="0" marR="0" lvl="0" indent="0" algn="ctr" defTabSz="914400" rtl="0" eaLnBrk="1" fontAlgn="auto" latinLnBrk="0" hangingPunct="1">
+              <a:lnSpc>
+                <a:spcPct val="100000"/>
+              </a:lnSpc>
+              <a:spcBef>
+                <a:spcPts val="0"/>
+              </a:spcBef>
+              <a:spcAft>
+                <a:spcPts val="0"/>
+              </a:spcAft>
+              <a:buClrTx/>
+              <a:buSzTx/>
+              <a:buFontTx/>
+              <a:buNone/>
+              <a:tabLst/>
+              <a:defRPr/>
+            </a:pPr>
+            <a:r>
+              <a:rPr kumimoji="0" lang="en-US" sz="1200" b="0" i="0" u="none" strike="noStrike" kern="1200" cap="none" spc="0" normalizeH="0" baseline="0" noProof="0" dirty="0">
+                <a:ln>
+                  <a:noFill/>
+                </a:ln>
+                <a:solidFill>
+                  <a:srgbClr val="335EAC">
+                    <a:lumMod val="50000"/>
+                  </a:srgbClr>
+                </a:solidFill>
+                <a:effectLst/>
+                <a:uLnTx/>
+                <a:uFillTx/>
+                <a:latin typeface="Arial" panose="020B0604020202020204"/>
+                <a:ea typeface="+mn-ea"/>
+                <a:cs typeface="+mn-cs"/>
+              </a:rPr>
+              <a:t>DTR Client</a:t>
             </a:r>
           </a:p>
         </p:txBody>
@@ -20278,20 +20316,20 @@
     </p:spTree>
     <p:extLst>
       <p:ext uri="{BB962C8B-B14F-4D97-AF65-F5344CB8AC3E}">
-        <p14:creationId xmlns:p14="http://schemas.microsoft.com/office/powerpoint/2010/main" val="2842004381"/>
+        <p14:creationId xmlns:p14="http://schemas.microsoft.com/office/powerpoint/2010/main" val="3407885490"/>
       </p:ext>
     </p:extLst>
   </p:cSld>
   <p:clrMapOvr>
     <a:masterClrMapping/>
   </p:clrMapOvr>
-  <mc:AlternateContent xmlns:mc="http://schemas.openxmlformats.org/markup-compatibility/2006" xmlns:p14="http://schemas.microsoft.com/office/powerpoint/2010/main">
-    <mc:Choice Requires="p14">
+  <mc:AlternateContent xmlns:mc="http://schemas.openxmlformats.org/markup-compatibility/2006">
+    <mc:Choice xmlns:p14="http://schemas.microsoft.com/office/powerpoint/2010/main" Requires="p14">
       <p:transition spd="med" p14:dur="700">
         <p:fade/>
       </p:transition>
     </mc:Choice>
-    <mc:Fallback xmlns="">
+    <mc:Fallback>
       <p:transition spd="med">
         <p:fade/>
       </p:transition>
@@ -21993,27 +22031,12 @@
 </file>
 
 <file path=customXml/item1.xml><?xml version="1.0" encoding="utf-8"?>
-<p:properties xmlns:p="http://schemas.microsoft.com/office/2006/metadata/properties" xmlns:xsi="http://www.w3.org/2001/XMLSchema-instance" xmlns:pc="http://schemas.microsoft.com/office/infopath/2007/PartnerControls">
-  <documentManagement>
-    <SharedWithUsers xmlns="5bceed9a-bae5-4329-97ef-b259bd0b225e">
-      <UserInfo>
-        <DisplayName>Ambrose, Nalini</DisplayName>
-        <AccountId>13</AccountId>
-        <AccountType/>
-      </UserInfo>
-      <UserInfo>
-        <DisplayName>Lyall, Jessica</DisplayName>
-        <AccountId>178</AccountId>
-        <AccountType/>
-      </UserInfo>
-      <UserInfo>
-        <DisplayName>Horbachevsky, Olexa</DisplayName>
-        <AccountId>10</AccountId>
-        <AccountType/>
-      </UserInfo>
-    </SharedWithUsers>
-  </documentManagement>
-</p:properties>
+<?mso-contentType ?>
+<FormTemplates xmlns="http://schemas.microsoft.com/sharepoint/v3/contenttype/forms">
+  <Display>DocumentLibraryForm</Display>
+  <Edit>DocumentLibraryForm</Edit>
+  <New>DocumentLibraryForm</New>
+</FormTemplates>
 </file>
 
 <file path=customXml/item2.xml><?xml version="1.0" encoding="utf-8"?>
@@ -22214,27 +22237,33 @@
 </file>
 
 <file path=customXml/item3.xml><?xml version="1.0" encoding="utf-8"?>
-<?mso-contentType ?>
-<FormTemplates xmlns="http://schemas.microsoft.com/sharepoint/v3/contenttype/forms">
-  <Display>DocumentLibraryForm</Display>
-  <Edit>DocumentLibraryForm</Edit>
-  <New>DocumentLibraryForm</New>
-</FormTemplates>
+<p:properties xmlns:p="http://schemas.microsoft.com/office/2006/metadata/properties" xmlns:xsi="http://www.w3.org/2001/XMLSchema-instance" xmlns:pc="http://schemas.microsoft.com/office/infopath/2007/PartnerControls">
+  <documentManagement>
+    <SharedWithUsers xmlns="5bceed9a-bae5-4329-97ef-b259bd0b225e">
+      <UserInfo>
+        <DisplayName>Ambrose, Nalini</DisplayName>
+        <AccountId>13</AccountId>
+        <AccountType/>
+      </UserInfo>
+      <UserInfo>
+        <DisplayName>Lyall, Jessica</DisplayName>
+        <AccountId>178</AccountId>
+        <AccountType/>
+      </UserInfo>
+      <UserInfo>
+        <DisplayName>Horbachevsky, Olexa</DisplayName>
+        <AccountId>10</AccountId>
+        <AccountType/>
+      </UserInfo>
+    </SharedWithUsers>
+  </documentManagement>
+</p:properties>
 </file>
 
 <file path=customXml/itemProps1.xml><?xml version="1.0" encoding="utf-8"?>
-<ds:datastoreItem xmlns:ds="http://schemas.openxmlformats.org/officeDocument/2006/customXml" ds:itemID="{5450FCDD-08B1-48D8-BB50-7A17E590A5EE}">
+<ds:datastoreItem xmlns:ds="http://schemas.openxmlformats.org/officeDocument/2006/customXml" ds:itemID="{416BA5C9-2D71-4B86-AE8A-8C0D9BC5FB22}">
   <ds:schemaRefs>
-    <ds:schemaRef ds:uri="http://purl.org/dc/terms/"/>
-    <ds:schemaRef ds:uri="http://schemas.openxmlformats.org/package/2006/metadata/core-properties"/>
-    <ds:schemaRef ds:uri="http://purl.org/dc/dcmitype/"/>
-    <ds:schemaRef ds:uri="http://schemas.microsoft.com/office/infopath/2007/PartnerControls"/>
-    <ds:schemaRef ds:uri="http://schemas.microsoft.com/office/2006/documentManagement/types"/>
-    <ds:schemaRef ds:uri="5bceed9a-bae5-4329-97ef-b259bd0b225e"/>
-    <ds:schemaRef ds:uri="http://purl.org/dc/elements/1.1/"/>
-    <ds:schemaRef ds:uri="http://schemas.microsoft.com/office/2006/metadata/properties"/>
-    <ds:schemaRef ds:uri="c6e6fbc9-cbf1-42ee-bbf0-d6e110e2b732"/>
-    <ds:schemaRef ds:uri="http://www.w3.org/XML/1998/namespace"/>
+    <ds:schemaRef ds:uri="http://schemas.microsoft.com/sharepoint/v3/contenttype/forms"/>
   </ds:schemaRefs>
 </ds:datastoreItem>
 </file>
@@ -22259,9 +22288,18 @@
 </file>
 
 <file path=customXml/itemProps3.xml><?xml version="1.0" encoding="utf-8"?>
-<ds:datastoreItem xmlns:ds="http://schemas.openxmlformats.org/officeDocument/2006/customXml" ds:itemID="{416BA5C9-2D71-4B86-AE8A-8C0D9BC5FB22}">
+<ds:datastoreItem xmlns:ds="http://schemas.openxmlformats.org/officeDocument/2006/customXml" ds:itemID="{5450FCDD-08B1-48D8-BB50-7A17E590A5EE}">
   <ds:schemaRefs>
-    <ds:schemaRef ds:uri="http://schemas.microsoft.com/sharepoint/v3/contenttype/forms"/>
+    <ds:schemaRef ds:uri="http://purl.org/dc/terms/"/>
+    <ds:schemaRef ds:uri="http://schemas.openxmlformats.org/package/2006/metadata/core-properties"/>
+    <ds:schemaRef ds:uri="http://purl.org/dc/dcmitype/"/>
+    <ds:schemaRef ds:uri="http://schemas.microsoft.com/office/infopath/2007/PartnerControls"/>
+    <ds:schemaRef ds:uri="http://schemas.microsoft.com/office/2006/documentManagement/types"/>
+    <ds:schemaRef ds:uri="5bceed9a-bae5-4329-97ef-b259bd0b225e"/>
+    <ds:schemaRef ds:uri="http://purl.org/dc/elements/1.1/"/>
+    <ds:schemaRef ds:uri="http://schemas.microsoft.com/office/2006/metadata/properties"/>
+    <ds:schemaRef ds:uri="c6e6fbc9-cbf1-42ee-bbf0-d6e110e2b732"/>
+    <ds:schemaRef ds:uri="http://www.w3.org/XML/1998/namespace"/>
   </ds:schemaRefs>
 </ds:datastoreItem>
 </file>
--- a/input/images-source/CRD_DTR_Flow.pptx
+++ b/input/images-source/CRD_DTR_Flow.pptx
@@ -8,15 +8,16 @@
     <p:sldMasterId id="2147483738" r:id="rId7"/>
   </p:sldMasterIdLst>
   <p:notesMasterIdLst>
-    <p:notesMasterId r:id="rId11"/>
+    <p:notesMasterId r:id="rId12"/>
   </p:notesMasterIdLst>
   <p:handoutMasterIdLst>
-    <p:handoutMasterId r:id="rId12"/>
+    <p:handoutMasterId r:id="rId13"/>
   </p:handoutMasterIdLst>
   <p:sldIdLst>
     <p:sldId id="2919" r:id="rId8"/>
-    <p:sldId id="2921" r:id="rId9"/>
+    <p:sldId id="2924" r:id="rId9"/>
     <p:sldId id="2922" r:id="rId10"/>
+    <p:sldId id="2923" r:id="rId11"/>
   </p:sldIdLst>
   <p:sldSz cx="12192000" cy="6858000"/>
   <p:notesSz cx="7010400" cy="9236075"/>
@@ -121,8 +122,9 @@
         <p14:section name="Default Section" id="{2A4ADE3A-30A3-434C-A0A8-D43F949D9DE1}">
           <p14:sldIdLst>
             <p14:sldId id="2919"/>
-            <p14:sldId id="2921"/>
+            <p14:sldId id="2924"/>
             <p14:sldId id="2922"/>
+            <p14:sldId id="2923"/>
           </p14:sldIdLst>
         </p14:section>
       </p14:sectionLst>
@@ -3244,7 +3246,7 @@
           <a:p>
             <a:fld id="{FD8C879B-2DAC-426D-B5B4-08F42B952A26}" type="datetimeFigureOut">
               <a:rPr lang="en-US" smtClean="0"/>
-              <a:t>7/2/2024</a:t>
+              <a:t>12/15/2024</a:t>
             </a:fld>
             <a:endParaRPr lang="en-US" dirty="0"/>
           </a:p>
@@ -3421,7 +3423,7 @@
           <a:p>
             <a:fld id="{92E54576-A3BB-48F9-891E-992E86D01A7B}" type="datetimeFigureOut">
               <a:rPr lang="en-US" smtClean="0"/>
-              <a:t>7/2/2024</a:t>
+              <a:t>12/15/2024</a:t>
             </a:fld>
             <a:endParaRPr lang="en-US" dirty="0"/>
           </a:p>
@@ -3785,7 +3787,13 @@
   <p:cSld>
     <p:spTree>
       <p:nvGrpSpPr>
-        <p:cNvPr id="1" name=""/>
+        <p:cNvPr id="1" name="">
+          <a:extLst>
+            <a:ext uri="{FF2B5EF4-FFF2-40B4-BE49-F238E27FC236}">
+              <a16:creationId xmlns:a16="http://schemas.microsoft.com/office/drawing/2014/main" id="{5FD1A7AA-45C5-0BA9-22CE-951EE1D4579B}"/>
+            </a:ext>
+          </a:extLst>
+        </p:cNvPr>
         <p:cNvGrpSpPr/>
         <p:nvPr/>
       </p:nvGrpSpPr>
@@ -3799,7 +3807,13 @@
       </p:grpSpPr>
       <p:sp>
         <p:nvSpPr>
-          <p:cNvPr id="2" name="Slide Image Placeholder 1"/>
+          <p:cNvPr id="2" name="Slide Image Placeholder 1">
+            <a:extLst>
+              <a:ext uri="{FF2B5EF4-FFF2-40B4-BE49-F238E27FC236}">
+                <a16:creationId xmlns:a16="http://schemas.microsoft.com/office/drawing/2014/main" id="{E01D4F1B-F18D-F01C-0B51-4566D01DF6D2}"/>
+              </a:ext>
+            </a:extLst>
+          </p:cNvPr>
           <p:cNvSpPr>
             <a:spLocks noGrp="1" noRot="1" noChangeAspect="1"/>
           </p:cNvSpPr>
@@ -3811,7 +3825,13 @@
       </p:sp>
       <p:sp>
         <p:nvSpPr>
-          <p:cNvPr id="3" name="Notes Placeholder 2"/>
+          <p:cNvPr id="3" name="Notes Placeholder 2">
+            <a:extLst>
+              <a:ext uri="{FF2B5EF4-FFF2-40B4-BE49-F238E27FC236}">
+                <a16:creationId xmlns:a16="http://schemas.microsoft.com/office/drawing/2014/main" id="{ECCCD464-7DFC-9BF1-32CE-0A96E380764A}"/>
+              </a:ext>
+            </a:extLst>
+          </p:cNvPr>
           <p:cNvSpPr>
             <a:spLocks noGrp="1"/>
           </p:cNvSpPr>
@@ -3838,7 +3858,13 @@
       </p:sp>
       <p:sp>
         <p:nvSpPr>
-          <p:cNvPr id="4" name="Slide Number Placeholder 3"/>
+          <p:cNvPr id="4" name="Slide Number Placeholder 3">
+            <a:extLst>
+              <a:ext uri="{FF2B5EF4-FFF2-40B4-BE49-F238E27FC236}">
+                <a16:creationId xmlns:a16="http://schemas.microsoft.com/office/drawing/2014/main" id="{2067B3DC-735A-4749-4B13-BBEDA3CC0E71}"/>
+              </a:ext>
+            </a:extLst>
+          </p:cNvPr>
           <p:cNvSpPr>
             <a:spLocks noGrp="1"/>
           </p:cNvSpPr>
@@ -3862,7 +3888,7 @@
     </p:spTree>
     <p:extLst>
       <p:ext uri="{BB962C8B-B14F-4D97-AF65-F5344CB8AC3E}">
-        <p14:creationId xmlns:p14="http://schemas.microsoft.com/office/powerpoint/2010/main" val="299787613"/>
+        <p14:creationId xmlns:p14="http://schemas.microsoft.com/office/powerpoint/2010/main" val="263957659"/>
       </p:ext>
     </p:extLst>
   </p:cSld>
@@ -7686,7 +7712,7 @@
           <a:p>
             <a:fld id="{41EA1E7C-71D6-4729-84AA-F013DDAF4032}" type="datetimeFigureOut">
               <a:rPr lang="en-US" smtClean="0"/>
-              <a:t>7/2/2024</a:t>
+              <a:t>12/15/2024</a:t>
             </a:fld>
             <a:endParaRPr lang="en-US" dirty="0"/>
           </a:p>
@@ -17429,7 +17455,13 @@
     </p:bg>
     <p:spTree>
       <p:nvGrpSpPr>
-        <p:cNvPr id="1" name=""/>
+        <p:cNvPr id="1" name="">
+          <a:extLst>
+            <a:ext uri="{FF2B5EF4-FFF2-40B4-BE49-F238E27FC236}">
+              <a16:creationId xmlns:a16="http://schemas.microsoft.com/office/drawing/2014/main" id="{3E10F06B-580C-18F8-BA37-4DA3D9DC1905}"/>
+            </a:ext>
+          </a:extLst>
+        </p:cNvPr>
         <p:cNvGrpSpPr/>
         <p:nvPr/>
       </p:nvGrpSpPr>
@@ -17446,7 +17478,7 @@
           <p:cNvPr id="17" name="Rectangle: Rounded Corners 16">
             <a:extLst>
               <a:ext uri="{FF2B5EF4-FFF2-40B4-BE49-F238E27FC236}">
-                <a16:creationId xmlns:a16="http://schemas.microsoft.com/office/drawing/2014/main" id="{DFB8096E-BF12-A5F8-754F-33B57644DB35}"/>
+                <a16:creationId xmlns:a16="http://schemas.microsoft.com/office/drawing/2014/main" id="{37680226-4D9F-9C74-8998-E1B23C82CABF}"/>
               </a:ext>
             </a:extLst>
           </p:cNvPr>
@@ -17455,8 +17487,8 @@
         </p:nvSpPr>
         <p:spPr>
           <a:xfrm>
-            <a:off x="2489882" y="717066"/>
-            <a:ext cx="7387628" cy="5430237"/>
+            <a:off x="2402186" y="572210"/>
+            <a:ext cx="7387628" cy="5910071"/>
           </a:xfrm>
           <a:prstGeom prst="roundRect">
             <a:avLst>
@@ -17502,7 +17534,7 @@
           <p:cNvPr id="19" name="Rectangle 18">
             <a:extLst>
               <a:ext uri="{FF2B5EF4-FFF2-40B4-BE49-F238E27FC236}">
-                <a16:creationId xmlns:a16="http://schemas.microsoft.com/office/drawing/2014/main" id="{02F24D92-4C45-EC92-204A-C894550ECFB5}"/>
+                <a16:creationId xmlns:a16="http://schemas.microsoft.com/office/drawing/2014/main" id="{5ADEFB3D-300F-0EFD-D44B-E4BDF206821B}"/>
               </a:ext>
             </a:extLst>
           </p:cNvPr>
@@ -17511,7 +17543,7 @@
         </p:nvSpPr>
         <p:spPr>
           <a:xfrm>
-            <a:off x="2840985" y="917108"/>
+            <a:off x="2753289" y="772252"/>
             <a:ext cx="2512464" cy="273466"/>
           </a:xfrm>
           <a:prstGeom prst="rect">
@@ -17559,7 +17591,7 @@
           <p:cNvPr id="20" name="Straight Connector 19">
             <a:extLst>
               <a:ext uri="{FF2B5EF4-FFF2-40B4-BE49-F238E27FC236}">
-                <a16:creationId xmlns:a16="http://schemas.microsoft.com/office/drawing/2014/main" id="{9BCE423D-52A4-2690-45E0-22A020FE5522}"/>
+                <a16:creationId xmlns:a16="http://schemas.microsoft.com/office/drawing/2014/main" id="{AF099690-FF18-5DCD-AF87-23066A62A211}"/>
               </a:ext>
             </a:extLst>
           </p:cNvPr>
@@ -17570,8 +17602,8 @@
         </p:nvCxnSpPr>
         <p:spPr>
           <a:xfrm>
-            <a:off x="4097217" y="1193115"/>
-            <a:ext cx="0" cy="4626864"/>
+            <a:off x="4009521" y="1048259"/>
+            <a:ext cx="0" cy="4983480"/>
           </a:xfrm>
           <a:prstGeom prst="line">
             <a:avLst/>
@@ -17602,7 +17634,7 @@
           <p:cNvPr id="23" name="Rectangle 22">
             <a:extLst>
               <a:ext uri="{FF2B5EF4-FFF2-40B4-BE49-F238E27FC236}">
-                <a16:creationId xmlns:a16="http://schemas.microsoft.com/office/drawing/2014/main" id="{CF788CB8-9309-691E-6B4D-32045037B4C6}"/>
+                <a16:creationId xmlns:a16="http://schemas.microsoft.com/office/drawing/2014/main" id="{D6D050D9-AC70-C7F2-A366-D14C26C373DB}"/>
               </a:ext>
             </a:extLst>
           </p:cNvPr>
@@ -17611,7 +17643,7 @@
         </p:nvSpPr>
         <p:spPr>
           <a:xfrm>
-            <a:off x="2840985" y="5638397"/>
+            <a:off x="2753289" y="6027690"/>
             <a:ext cx="2512464" cy="273466"/>
           </a:xfrm>
           <a:prstGeom prst="rect">
@@ -17659,7 +17691,7 @@
           <p:cNvPr id="25" name="Rectangle 24">
             <a:extLst>
               <a:ext uri="{FF2B5EF4-FFF2-40B4-BE49-F238E27FC236}">
-                <a16:creationId xmlns:a16="http://schemas.microsoft.com/office/drawing/2014/main" id="{14A6021C-7E08-DED5-A1E3-3AFFB4B6B369}"/>
+                <a16:creationId xmlns:a16="http://schemas.microsoft.com/office/drawing/2014/main" id="{23C962E9-CA2C-512E-E327-3E4C4679CA11}"/>
               </a:ext>
             </a:extLst>
           </p:cNvPr>
@@ -17668,7 +17700,7 @@
         </p:nvSpPr>
         <p:spPr>
           <a:xfrm>
-            <a:off x="3300746" y="2178272"/>
+            <a:off x="3213050" y="2033416"/>
             <a:ext cx="1757822" cy="304054"/>
           </a:xfrm>
           <a:prstGeom prst="rect">
@@ -17718,7 +17750,7 @@
           <p:cNvPr id="26" name="Rectangle 25">
             <a:extLst>
               <a:ext uri="{FF2B5EF4-FFF2-40B4-BE49-F238E27FC236}">
-                <a16:creationId xmlns:a16="http://schemas.microsoft.com/office/drawing/2014/main" id="{788F30AD-2812-F01F-8496-AF5FE9704CE1}"/>
+                <a16:creationId xmlns:a16="http://schemas.microsoft.com/office/drawing/2014/main" id="{0E07FD8E-1501-8FC3-D719-85015EA42386}"/>
               </a:ext>
             </a:extLst>
           </p:cNvPr>
@@ -17727,7 +17759,7 @@
         </p:nvSpPr>
         <p:spPr>
           <a:xfrm>
-            <a:off x="6216409" y="917108"/>
+            <a:off x="6128713" y="772252"/>
             <a:ext cx="784168" cy="273466"/>
           </a:xfrm>
           <a:prstGeom prst="rect">
@@ -17775,7 +17807,7 @@
           <p:cNvPr id="28" name="Straight Connector 27">
             <a:extLst>
               <a:ext uri="{FF2B5EF4-FFF2-40B4-BE49-F238E27FC236}">
-                <a16:creationId xmlns:a16="http://schemas.microsoft.com/office/drawing/2014/main" id="{CDF83695-9CA2-1E39-E37E-0DC999E5411A}"/>
+                <a16:creationId xmlns:a16="http://schemas.microsoft.com/office/drawing/2014/main" id="{19C20A51-28CE-752E-70A3-8F416D34F760}"/>
               </a:ext>
             </a:extLst>
           </p:cNvPr>
@@ -17786,8 +17818,8 @@
         </p:nvCxnSpPr>
         <p:spPr>
           <a:xfrm>
-            <a:off x="6601177" y="1193115"/>
-            <a:ext cx="0" cy="4626864"/>
+            <a:off x="6513481" y="1048259"/>
+            <a:ext cx="0" cy="4983480"/>
           </a:xfrm>
           <a:prstGeom prst="line">
             <a:avLst/>
@@ -17818,7 +17850,7 @@
           <p:cNvPr id="32" name="Rectangle 31">
             <a:extLst>
               <a:ext uri="{FF2B5EF4-FFF2-40B4-BE49-F238E27FC236}">
-                <a16:creationId xmlns:a16="http://schemas.microsoft.com/office/drawing/2014/main" id="{D9F9D125-DF7B-9178-4FA0-171758B7BBBC}"/>
+                <a16:creationId xmlns:a16="http://schemas.microsoft.com/office/drawing/2014/main" id="{EAF9B7A4-5321-04D1-3FE3-614EAA2637B1}"/>
               </a:ext>
             </a:extLst>
           </p:cNvPr>
@@ -17827,7 +17859,7 @@
         </p:nvSpPr>
         <p:spPr>
           <a:xfrm>
-            <a:off x="6216409" y="5638397"/>
+            <a:off x="6128713" y="6027690"/>
             <a:ext cx="784168" cy="273466"/>
           </a:xfrm>
           <a:prstGeom prst="rect">
@@ -17875,7 +17907,7 @@
           <p:cNvPr id="33" name="Rectangle 32">
             <a:extLst>
               <a:ext uri="{FF2B5EF4-FFF2-40B4-BE49-F238E27FC236}">
-                <a16:creationId xmlns:a16="http://schemas.microsoft.com/office/drawing/2014/main" id="{74686EC7-BC2F-83F0-21B5-1B8F8977B976}"/>
+                <a16:creationId xmlns:a16="http://schemas.microsoft.com/office/drawing/2014/main" id="{4CE074BB-C7C5-BE5D-C282-31D834CD68E5}"/>
               </a:ext>
             </a:extLst>
           </p:cNvPr>
@@ -17884,7 +17916,7 @@
         </p:nvSpPr>
         <p:spPr>
           <a:xfrm>
-            <a:off x="5504744" y="2775230"/>
+            <a:off x="5417048" y="2630374"/>
             <a:ext cx="2192866" cy="343074"/>
           </a:xfrm>
           <a:prstGeom prst="rect">
@@ -17947,7 +17979,7 @@
           <p:cNvPr id="34" name="Straight Arrow Connector 33">
             <a:extLst>
               <a:ext uri="{FF2B5EF4-FFF2-40B4-BE49-F238E27FC236}">
-                <a16:creationId xmlns:a16="http://schemas.microsoft.com/office/drawing/2014/main" id="{A0053600-6658-C9CF-E778-61315E3EA646}"/>
+                <a16:creationId xmlns:a16="http://schemas.microsoft.com/office/drawing/2014/main" id="{B91EE50C-2AB7-86EE-68A2-AF4B2E7B8E96}"/>
               </a:ext>
             </a:extLst>
           </p:cNvPr>
@@ -17958,7 +17990,7 @@
         </p:nvCxnSpPr>
         <p:spPr>
           <a:xfrm>
-            <a:off x="4095865" y="2641324"/>
+            <a:off x="4008169" y="2496468"/>
             <a:ext cx="2507648" cy="0"/>
           </a:xfrm>
           <a:prstGeom prst="straightConnector1">
@@ -17991,7 +18023,7 @@
           <p:cNvPr id="35" name="Rectangle 34">
             <a:extLst>
               <a:ext uri="{FF2B5EF4-FFF2-40B4-BE49-F238E27FC236}">
-                <a16:creationId xmlns:a16="http://schemas.microsoft.com/office/drawing/2014/main" id="{48A96087-E3B0-C099-A72D-ED2A55FC315F}"/>
+                <a16:creationId xmlns:a16="http://schemas.microsoft.com/office/drawing/2014/main" id="{EF2246DA-E50A-1722-5998-71956DE8BD00}"/>
               </a:ext>
             </a:extLst>
           </p:cNvPr>
@@ -18000,7 +18032,7 @@
         </p:nvSpPr>
         <p:spPr>
           <a:xfrm>
-            <a:off x="8721721" y="919493"/>
+            <a:off x="8634025" y="774637"/>
             <a:ext cx="784168" cy="273466"/>
           </a:xfrm>
           <a:prstGeom prst="rect">
@@ -18048,7 +18080,7 @@
           <p:cNvPr id="36" name="Straight Connector 35">
             <a:extLst>
               <a:ext uri="{FF2B5EF4-FFF2-40B4-BE49-F238E27FC236}">
-                <a16:creationId xmlns:a16="http://schemas.microsoft.com/office/drawing/2014/main" id="{D340A4FC-9CFB-E9F8-26AF-8412F0029346}"/>
+                <a16:creationId xmlns:a16="http://schemas.microsoft.com/office/drawing/2014/main" id="{1F55EEB7-1C15-969D-4908-7FABB3981259}"/>
               </a:ext>
             </a:extLst>
           </p:cNvPr>
@@ -18059,8 +18091,8 @@
         </p:nvCxnSpPr>
         <p:spPr>
           <a:xfrm>
-            <a:off x="9106461" y="1193370"/>
-            <a:ext cx="0" cy="4626864"/>
+            <a:off x="9018765" y="1048514"/>
+            <a:ext cx="0" cy="4983480"/>
           </a:xfrm>
           <a:prstGeom prst="line">
             <a:avLst/>
@@ -18091,7 +18123,7 @@
           <p:cNvPr id="37" name="Rectangle 36">
             <a:extLst>
               <a:ext uri="{FF2B5EF4-FFF2-40B4-BE49-F238E27FC236}">
-                <a16:creationId xmlns:a16="http://schemas.microsoft.com/office/drawing/2014/main" id="{1AC99BA0-A8AE-94DD-72CC-6593026E7F9B}"/>
+                <a16:creationId xmlns:a16="http://schemas.microsoft.com/office/drawing/2014/main" id="{D8540DC6-641C-C7B0-ECDE-F75753A1970B}"/>
               </a:ext>
             </a:extLst>
           </p:cNvPr>
@@ -18100,7 +18132,7 @@
         </p:nvSpPr>
         <p:spPr>
           <a:xfrm>
-            <a:off x="8721721" y="5640782"/>
+            <a:off x="8634025" y="6030075"/>
             <a:ext cx="784168" cy="273466"/>
           </a:xfrm>
           <a:prstGeom prst="rect">
@@ -18148,7 +18180,7 @@
           <p:cNvPr id="38" name="Straight Arrow Connector 37">
             <a:extLst>
               <a:ext uri="{FF2B5EF4-FFF2-40B4-BE49-F238E27FC236}">
-                <a16:creationId xmlns:a16="http://schemas.microsoft.com/office/drawing/2014/main" id="{135BB08E-C7EA-7AA9-01AF-9D84DD258D64}"/>
+                <a16:creationId xmlns:a16="http://schemas.microsoft.com/office/drawing/2014/main" id="{81F78476-E9E4-D69F-8179-CA809AE6A6F6}"/>
               </a:ext>
             </a:extLst>
           </p:cNvPr>
@@ -18159,7 +18191,7 @@
         </p:nvCxnSpPr>
         <p:spPr>
           <a:xfrm>
-            <a:off x="6603513" y="3414503"/>
+            <a:off x="6515817" y="3269647"/>
             <a:ext cx="2505312" cy="0"/>
           </a:xfrm>
           <a:prstGeom prst="straightConnector1">
@@ -18187,57 +18219,12 @@
           </a:fontRef>
         </p:style>
       </p:cxnSp>
-      <p:cxnSp>
-        <p:nvCxnSpPr>
-          <p:cNvPr id="39" name="Straight Arrow Connector 38">
-            <a:extLst>
-              <a:ext uri="{FF2B5EF4-FFF2-40B4-BE49-F238E27FC236}">
-                <a16:creationId xmlns:a16="http://schemas.microsoft.com/office/drawing/2014/main" id="{E1D6E0E2-7617-A83C-AE7C-86CF78945173}"/>
-              </a:ext>
-            </a:extLst>
-          </p:cNvPr>
-          <p:cNvCxnSpPr>
-            <a:cxnSpLocks/>
-          </p:cNvCxnSpPr>
-          <p:nvPr/>
-        </p:nvCxnSpPr>
-        <p:spPr>
-          <a:xfrm flipH="1">
-            <a:off x="6603513" y="3777664"/>
-            <a:ext cx="2505312" cy="0"/>
-          </a:xfrm>
-          <a:prstGeom prst="straightConnector1">
-            <a:avLst/>
-          </a:prstGeom>
-          <a:ln w="15875">
-            <a:solidFill>
-              <a:schemeClr val="tx1"/>
-            </a:solidFill>
-            <a:prstDash val="dash"/>
-            <a:tailEnd type="triangle"/>
-          </a:ln>
-        </p:spPr>
-        <p:style>
-          <a:lnRef idx="1">
-            <a:schemeClr val="accent1"/>
-          </a:lnRef>
-          <a:fillRef idx="0">
-            <a:schemeClr val="accent1"/>
-          </a:fillRef>
-          <a:effectRef idx="0">
-            <a:schemeClr val="accent1"/>
-          </a:effectRef>
-          <a:fontRef idx="minor">
-            <a:schemeClr val="tx1"/>
-          </a:fontRef>
-        </p:style>
-      </p:cxnSp>
       <p:sp>
         <p:nvSpPr>
           <p:cNvPr id="40" name="TextBox 39">
             <a:extLst>
               <a:ext uri="{FF2B5EF4-FFF2-40B4-BE49-F238E27FC236}">
-                <a16:creationId xmlns:a16="http://schemas.microsoft.com/office/drawing/2014/main" id="{256772B0-6844-A979-A499-35BBC9EA2CA0}"/>
+                <a16:creationId xmlns:a16="http://schemas.microsoft.com/office/drawing/2014/main" id="{AA75EDC0-F67A-2177-BCF0-FAB83F457039}"/>
               </a:ext>
             </a:extLst>
           </p:cNvPr>
@@ -18246,7 +18233,7 @@
         </p:nvSpPr>
         <p:spPr>
           <a:xfrm>
-            <a:off x="6601179" y="3242098"/>
+            <a:off x="6513483" y="3097242"/>
             <a:ext cx="2505283" cy="161583"/>
           </a:xfrm>
           <a:prstGeom prst="rect">
@@ -18312,7 +18299,7 @@
           <p:cNvPr id="41" name="TextBox 40">
             <a:extLst>
               <a:ext uri="{FF2B5EF4-FFF2-40B4-BE49-F238E27FC236}">
-                <a16:creationId xmlns:a16="http://schemas.microsoft.com/office/drawing/2014/main" id="{FB569644-87A9-2A23-8050-662FBC6DA64F}"/>
+                <a16:creationId xmlns:a16="http://schemas.microsoft.com/office/drawing/2014/main" id="{92564CF6-CDF4-6C86-CFBD-08A9BB80628A}"/>
               </a:ext>
             </a:extLst>
           </p:cNvPr>
@@ -18321,7 +18308,7 @@
         </p:nvSpPr>
         <p:spPr>
           <a:xfrm>
-            <a:off x="6608522" y="3592704"/>
+            <a:off x="6520826" y="3447848"/>
             <a:ext cx="2505283" cy="169277"/>
           </a:xfrm>
           <a:prstGeom prst="rect">
@@ -18356,7 +18343,7 @@
           <p:cNvPr id="42" name="Rectangle 41">
             <a:extLst>
               <a:ext uri="{FF2B5EF4-FFF2-40B4-BE49-F238E27FC236}">
-                <a16:creationId xmlns:a16="http://schemas.microsoft.com/office/drawing/2014/main" id="{7F56E119-D1F1-AF52-E416-BD7861CF415F}"/>
+                <a16:creationId xmlns:a16="http://schemas.microsoft.com/office/drawing/2014/main" id="{6D463DC4-4B9E-5190-6625-39E7FB9B0AB6}"/>
               </a:ext>
             </a:extLst>
           </p:cNvPr>
@@ -18365,7 +18352,7 @@
         </p:nvSpPr>
         <p:spPr>
           <a:xfrm>
-            <a:off x="5355406" y="4336969"/>
+            <a:off x="5267710" y="4192113"/>
             <a:ext cx="2505283" cy="339993"/>
           </a:xfrm>
           <a:prstGeom prst="rect">
@@ -18428,7 +18415,7 @@
           <p:cNvPr id="43" name="TextBox 42">
             <a:extLst>
               <a:ext uri="{FF2B5EF4-FFF2-40B4-BE49-F238E27FC236}">
-                <a16:creationId xmlns:a16="http://schemas.microsoft.com/office/drawing/2014/main" id="{D4860FC9-626E-1925-0983-39E4F7262151}"/>
+                <a16:creationId xmlns:a16="http://schemas.microsoft.com/office/drawing/2014/main" id="{9BA9ABC2-36CC-294C-99E3-2FEBBF9DAA2B}"/>
               </a:ext>
             </a:extLst>
           </p:cNvPr>
@@ -18437,7 +18424,7 @@
         </p:nvSpPr>
         <p:spPr>
           <a:xfrm>
-            <a:off x="2489882" y="488219"/>
+            <a:off x="2402186" y="343363"/>
             <a:ext cx="7387627" cy="184666"/>
           </a:xfrm>
           <a:prstGeom prst="rect">
@@ -18466,7 +18453,7 @@
           <p:cNvPr id="4" name="TextBox 3">
             <a:extLst>
               <a:ext uri="{FF2B5EF4-FFF2-40B4-BE49-F238E27FC236}">
-                <a16:creationId xmlns:a16="http://schemas.microsoft.com/office/drawing/2014/main" id="{E8143FD7-5DF2-A24A-6FD6-6740ABA85B64}"/>
+                <a16:creationId xmlns:a16="http://schemas.microsoft.com/office/drawing/2014/main" id="{A22044D8-23A7-7681-5130-5C4217B38ED6}"/>
               </a:ext>
             </a:extLst>
           </p:cNvPr>
@@ -18475,7 +18462,7 @@
         </p:nvSpPr>
         <p:spPr>
           <a:xfrm>
-            <a:off x="4115322" y="3904749"/>
+            <a:off x="4027626" y="3759893"/>
             <a:ext cx="2471124" cy="169277"/>
           </a:xfrm>
           <a:prstGeom prst="rect">
@@ -18510,7 +18497,7 @@
           <p:cNvPr id="9" name="Straight Arrow Connector 8">
             <a:extLst>
               <a:ext uri="{FF2B5EF4-FFF2-40B4-BE49-F238E27FC236}">
-                <a16:creationId xmlns:a16="http://schemas.microsoft.com/office/drawing/2014/main" id="{311E8002-3B8E-352B-97CD-3561BF0DD465}"/>
+                <a16:creationId xmlns:a16="http://schemas.microsoft.com/office/drawing/2014/main" id="{C86944A9-E864-010E-496D-47A0C5E8F76C}"/>
               </a:ext>
             </a:extLst>
           </p:cNvPr>
@@ -18521,7 +18508,7 @@
         </p:nvCxnSpPr>
         <p:spPr>
           <a:xfrm>
-            <a:off x="4104576" y="1589496"/>
+            <a:off x="4016880" y="1444640"/>
             <a:ext cx="2505312" cy="0"/>
           </a:xfrm>
           <a:prstGeom prst="straightConnector1">
@@ -18558,7 +18545,7 @@
           <p:cNvPr id="10" name="TextBox 9">
             <a:extLst>
               <a:ext uri="{FF2B5EF4-FFF2-40B4-BE49-F238E27FC236}">
-                <a16:creationId xmlns:a16="http://schemas.microsoft.com/office/drawing/2014/main" id="{440BEA11-AEF8-63BC-060C-1BF3CA501DC3}"/>
+                <a16:creationId xmlns:a16="http://schemas.microsoft.com/office/drawing/2014/main" id="{9DDCAC49-1C72-AFEA-6C38-C43C94B3FD59}"/>
               </a:ext>
             </a:extLst>
           </p:cNvPr>
@@ -18567,7 +18554,7 @@
         </p:nvSpPr>
         <p:spPr>
           <a:xfrm>
-            <a:off x="4124033" y="1411470"/>
+            <a:off x="4036337" y="1266614"/>
             <a:ext cx="2471124" cy="169277"/>
           </a:xfrm>
           <a:prstGeom prst="rect">
@@ -18602,7 +18589,7 @@
           <p:cNvPr id="12" name="TextBox 11">
             <a:extLst>
               <a:ext uri="{FF2B5EF4-FFF2-40B4-BE49-F238E27FC236}">
-                <a16:creationId xmlns:a16="http://schemas.microsoft.com/office/drawing/2014/main" id="{E0497F3A-70BC-E04D-325B-594F1515DB2E}"/>
+                <a16:creationId xmlns:a16="http://schemas.microsoft.com/office/drawing/2014/main" id="{10A9E7AE-CBD8-7BE8-9C00-2C69A502D606}"/>
               </a:ext>
             </a:extLst>
           </p:cNvPr>
@@ -18611,7 +18598,7 @@
         </p:nvSpPr>
         <p:spPr>
           <a:xfrm>
-            <a:off x="5148212" y="1777884"/>
+            <a:off x="5060516" y="1633028"/>
             <a:ext cx="2902926" cy="215444"/>
           </a:xfrm>
           <a:prstGeom prst="rect">
@@ -18648,7 +18635,7 @@
           <p:cNvPr id="13" name="Straight Arrow Connector 12">
             <a:extLst>
               <a:ext uri="{FF2B5EF4-FFF2-40B4-BE49-F238E27FC236}">
-                <a16:creationId xmlns:a16="http://schemas.microsoft.com/office/drawing/2014/main" id="{68626E8B-6116-B628-3234-D29AB78B5C7D}"/>
+                <a16:creationId xmlns:a16="http://schemas.microsoft.com/office/drawing/2014/main" id="{CF84426D-0E64-D219-7A85-BC49854F5C0C}"/>
               </a:ext>
             </a:extLst>
           </p:cNvPr>
@@ -18659,7 +18646,7 @@
         </p:nvCxnSpPr>
         <p:spPr>
           <a:xfrm>
-            <a:off x="4095865" y="1958442"/>
+            <a:off x="4008169" y="1813586"/>
             <a:ext cx="2505312" cy="0"/>
           </a:xfrm>
           <a:prstGeom prst="straightConnector1">
@@ -18696,7 +18683,7 @@
           <p:cNvPr id="11" name="Straight Arrow Connector 10">
             <a:extLst>
               <a:ext uri="{FF2B5EF4-FFF2-40B4-BE49-F238E27FC236}">
-                <a16:creationId xmlns:a16="http://schemas.microsoft.com/office/drawing/2014/main" id="{B31704B7-1AF1-6FCA-85F9-9D05FDF8C46F}"/>
+                <a16:creationId xmlns:a16="http://schemas.microsoft.com/office/drawing/2014/main" id="{5984D15B-8CD4-0422-BEA5-D4758C83571C}"/>
               </a:ext>
             </a:extLst>
           </p:cNvPr>
@@ -18707,7 +18694,7 @@
         </p:nvCxnSpPr>
         <p:spPr>
           <a:xfrm>
-            <a:off x="6600166" y="1958442"/>
+            <a:off x="6512470" y="1813586"/>
             <a:ext cx="2505312" cy="0"/>
           </a:xfrm>
           <a:prstGeom prst="straightConnector1">
@@ -18744,7 +18731,7 @@
           <p:cNvPr id="14" name="Oval 13">
             <a:extLst>
               <a:ext uri="{FF2B5EF4-FFF2-40B4-BE49-F238E27FC236}">
-                <a16:creationId xmlns:a16="http://schemas.microsoft.com/office/drawing/2014/main" id="{106B48EF-D7EC-97AD-DC7B-127BF1321EEE}"/>
+                <a16:creationId xmlns:a16="http://schemas.microsoft.com/office/drawing/2014/main" id="{A13D5108-EE65-EC61-EBB3-9B8684545452}"/>
               </a:ext>
             </a:extLst>
           </p:cNvPr>
@@ -18753,7 +18740,7 @@
         </p:nvSpPr>
         <p:spPr>
           <a:xfrm>
-            <a:off x="6563460" y="1920768"/>
+            <a:off x="6475764" y="1775912"/>
             <a:ext cx="73152" cy="73152"/>
           </a:xfrm>
           <a:prstGeom prst="ellipse">
@@ -18798,7 +18785,7 @@
           <p:cNvPr id="3" name="Straight Arrow Connector 2">
             <a:extLst>
               <a:ext uri="{FF2B5EF4-FFF2-40B4-BE49-F238E27FC236}">
-                <a16:creationId xmlns:a16="http://schemas.microsoft.com/office/drawing/2014/main" id="{BF708DE6-CF56-BE38-0C05-4AFCEB90347B}"/>
+                <a16:creationId xmlns:a16="http://schemas.microsoft.com/office/drawing/2014/main" id="{3655DF4D-14A0-B408-149B-9D142B86CAA2}"/>
               </a:ext>
             </a:extLst>
           </p:cNvPr>
@@ -18809,7 +18796,7 @@
         </p:nvCxnSpPr>
         <p:spPr>
           <a:xfrm>
-            <a:off x="4098430" y="5495055"/>
+            <a:off x="4010734" y="5884348"/>
             <a:ext cx="2505312" cy="0"/>
           </a:xfrm>
           <a:prstGeom prst="straightConnector1">
@@ -18843,7 +18830,7 @@
           <p:cNvPr id="5" name="TextBox 4">
             <a:extLst>
               <a:ext uri="{FF2B5EF4-FFF2-40B4-BE49-F238E27FC236}">
-                <a16:creationId xmlns:a16="http://schemas.microsoft.com/office/drawing/2014/main" id="{B724E894-FC9C-887C-1D51-D7C3F97C2715}"/>
+                <a16:creationId xmlns:a16="http://schemas.microsoft.com/office/drawing/2014/main" id="{81D7E179-4C34-D259-36DD-AD72E60B9C53}"/>
               </a:ext>
             </a:extLst>
           </p:cNvPr>
@@ -18852,7 +18839,7 @@
         </p:nvSpPr>
         <p:spPr>
           <a:xfrm>
-            <a:off x="4117887" y="5312117"/>
+            <a:off x="4030191" y="5701410"/>
             <a:ext cx="2471124" cy="169277"/>
           </a:xfrm>
           <a:prstGeom prst="rect">
@@ -18887,7 +18874,7 @@
           <p:cNvPr id="6" name="Rectangle 5">
             <a:extLst>
               <a:ext uri="{FF2B5EF4-FFF2-40B4-BE49-F238E27FC236}">
-                <a16:creationId xmlns:a16="http://schemas.microsoft.com/office/drawing/2014/main" id="{DE489494-C4F8-6D08-14F9-7D0F327F2D46}"/>
+                <a16:creationId xmlns:a16="http://schemas.microsoft.com/office/drawing/2014/main" id="{88591952-5733-D2CD-5CCD-697ABA79E734}"/>
               </a:ext>
             </a:extLst>
           </p:cNvPr>
@@ -18896,7 +18883,7 @@
         </p:nvSpPr>
         <p:spPr>
           <a:xfrm>
-            <a:off x="5355406" y="4836146"/>
+            <a:off x="5267710" y="4691290"/>
             <a:ext cx="2505283" cy="339993"/>
           </a:xfrm>
           <a:prstGeom prst="rect">
@@ -18946,7 +18933,7 @@
           <p:cNvPr id="7" name="Straight Arrow Connector 6">
             <a:extLst>
               <a:ext uri="{FF2B5EF4-FFF2-40B4-BE49-F238E27FC236}">
-                <a16:creationId xmlns:a16="http://schemas.microsoft.com/office/drawing/2014/main" id="{E09F5264-B4BF-247F-78D7-29E89172EF4C}"/>
+                <a16:creationId xmlns:a16="http://schemas.microsoft.com/office/drawing/2014/main" id="{37941D58-8B63-0226-5150-225D4309AABB}"/>
               </a:ext>
             </a:extLst>
           </p:cNvPr>
@@ -18957,7 +18944,7 @@
         </p:nvCxnSpPr>
         <p:spPr>
           <a:xfrm flipH="1">
-            <a:off x="4090514" y="4089859"/>
+            <a:off x="4002818" y="3945003"/>
             <a:ext cx="2505312" cy="0"/>
           </a:xfrm>
           <a:prstGeom prst="straightConnector1">
@@ -18987,10 +18974,313 @@
           </a:fontRef>
         </p:style>
       </p:cxnSp>
+      <p:sp>
+        <p:nvSpPr>
+          <p:cNvPr id="8" name="TextBox 7">
+            <a:extLst>
+              <a:ext uri="{FF2B5EF4-FFF2-40B4-BE49-F238E27FC236}">
+                <a16:creationId xmlns:a16="http://schemas.microsoft.com/office/drawing/2014/main" id="{820B32E4-0FDA-F5DA-7308-E5412D548CBE}"/>
+              </a:ext>
+            </a:extLst>
+          </p:cNvPr>
+          <p:cNvSpPr txBox="1"/>
+          <p:nvPr/>
+        </p:nvSpPr>
+        <p:spPr>
+          <a:xfrm>
+            <a:off x="6506095" y="5391700"/>
+            <a:ext cx="2505283" cy="161583"/>
+          </a:xfrm>
+          <a:prstGeom prst="rect">
+            <a:avLst/>
+          </a:prstGeom>
+          <a:noFill/>
+        </p:spPr>
+        <p:txBody>
+          <a:bodyPr wrap="square" lIns="0" tIns="0" rIns="0" bIns="0" rtlCol="0">
+            <a:spAutoFit/>
+          </a:bodyPr>
+          <a:lstStyle/>
+          <a:p>
+            <a:pPr algn="ctr"/>
+            <a:r>
+              <a:rPr lang="en-US" sz="1050" dirty="0">
+                <a:solidFill>
+                  <a:srgbClr val="533F05"/>
+                </a:solidFill>
+                <a:latin typeface="Consolas" panose="020B0609020204030204" pitchFamily="49" charset="0"/>
+                <a:cs typeface="Calibri" panose="020F0502020204030204" pitchFamily="34" charset="0"/>
+              </a:rPr>
+              <a:t>$next-question</a:t>
+            </a:r>
+            <a:r>
+              <a:rPr lang="en-US" sz="1050" dirty="0">
+                <a:solidFill>
+                  <a:schemeClr val="accent1">
+                    <a:lumMod val="50000"/>
+                  </a:schemeClr>
+                </a:solidFill>
+                <a:latin typeface="Consolas" panose="020B0609020204030204" pitchFamily="49" charset="0"/>
+                <a:cs typeface="Calibri" panose="020F0502020204030204" pitchFamily="34" charset="0"/>
+              </a:rPr>
+              <a:t> </a:t>
+            </a:r>
+            <a:r>
+              <a:rPr lang="en-US" sz="1050" dirty="0">
+                <a:solidFill>
+                  <a:schemeClr val="accent1">
+                    <a:lumMod val="50000"/>
+                  </a:schemeClr>
+                </a:solidFill>
+                <a:latin typeface="Calibri" panose="020F0502020204030204" pitchFamily="34" charset="0"/>
+                <a:cs typeface="Calibri" panose="020F0502020204030204" pitchFamily="34" charset="0"/>
+              </a:rPr>
+              <a:t>Operation</a:t>
+            </a:r>
+            <a:endParaRPr lang="en-US" sz="1000" dirty="0">
+              <a:solidFill>
+                <a:schemeClr val="accent1">
+                  <a:lumMod val="50000"/>
+                </a:schemeClr>
+              </a:solidFill>
+              <a:latin typeface="Calibri" panose="020F0502020204030204" pitchFamily="34" charset="0"/>
+              <a:cs typeface="Calibri" panose="020F0502020204030204" pitchFamily="34" charset="0"/>
+            </a:endParaRPr>
+          </a:p>
+        </p:txBody>
+      </p:sp>
+      <p:sp>
+        <p:nvSpPr>
+          <p:cNvPr id="15" name="TextBox 14">
+            <a:extLst>
+              <a:ext uri="{FF2B5EF4-FFF2-40B4-BE49-F238E27FC236}">
+                <a16:creationId xmlns:a16="http://schemas.microsoft.com/office/drawing/2014/main" id="{9514C956-DD80-F1E8-5AE5-227123109ACC}"/>
+              </a:ext>
+            </a:extLst>
+          </p:cNvPr>
+          <p:cNvSpPr txBox="1"/>
+          <p:nvPr/>
+        </p:nvSpPr>
+        <p:spPr>
+          <a:xfrm>
+            <a:off x="7012407" y="5222423"/>
+            <a:ext cx="1492658" cy="153888"/>
+          </a:xfrm>
+          <a:prstGeom prst="rect">
+            <a:avLst/>
+          </a:prstGeom>
+          <a:noFill/>
+        </p:spPr>
+        <p:txBody>
+          <a:bodyPr wrap="square" lIns="0" tIns="0" rIns="0" bIns="0" rtlCol="0">
+            <a:spAutoFit/>
+          </a:bodyPr>
+          <a:lstStyle/>
+          <a:p>
+            <a:pPr algn="ctr"/>
+            <a:r>
+              <a:rPr lang="en-US" sz="1000" i="1" dirty="0">
+                <a:latin typeface="Calibri" panose="020F0502020204030204" pitchFamily="34" charset="0"/>
+                <a:cs typeface="Calibri" panose="020F0502020204030204" pitchFamily="34" charset="0"/>
+              </a:rPr>
+              <a:t>(Adaptive Questionnaire)</a:t>
+            </a:r>
+          </a:p>
+        </p:txBody>
+      </p:sp>
+      <p:sp>
+        <p:nvSpPr>
+          <p:cNvPr id="22" name="Rectangle 21">
+            <a:extLst>
+              <a:ext uri="{FF2B5EF4-FFF2-40B4-BE49-F238E27FC236}">
+                <a16:creationId xmlns:a16="http://schemas.microsoft.com/office/drawing/2014/main" id="{AC402EFA-AFA9-004D-593E-05AEB1969D04}"/>
+              </a:ext>
+            </a:extLst>
+          </p:cNvPr>
+          <p:cNvSpPr/>
+          <p:nvPr/>
+        </p:nvSpPr>
+        <p:spPr>
+          <a:xfrm>
+            <a:off x="8892816" y="3636202"/>
+            <a:ext cx="258250" cy="1924775"/>
+          </a:xfrm>
+          <a:prstGeom prst="rect">
+            <a:avLst/>
+          </a:prstGeom>
+          <a:solidFill>
+            <a:schemeClr val="bg1"/>
+          </a:solidFill>
+          <a:ln>
+            <a:noFill/>
+          </a:ln>
+        </p:spPr>
+        <p:style>
+          <a:lnRef idx="2">
+            <a:schemeClr val="accent1">
+              <a:shade val="15000"/>
+            </a:schemeClr>
+          </a:lnRef>
+          <a:fillRef idx="1">
+            <a:schemeClr val="accent1"/>
+          </a:fillRef>
+          <a:effectRef idx="0">
+            <a:schemeClr val="accent1"/>
+          </a:effectRef>
+          <a:fontRef idx="minor">
+            <a:schemeClr val="lt1"/>
+          </a:fontRef>
+        </p:style>
+        <p:txBody>
+          <a:bodyPr rtlCol="0" anchor="ctr"/>
+          <a:lstStyle/>
+          <a:p>
+            <a:pPr algn="ctr"/>
+            <a:endParaRPr lang="en-US"/>
+          </a:p>
+        </p:txBody>
+      </p:sp>
+      <p:cxnSp>
+        <p:nvCxnSpPr>
+          <p:cNvPr id="16" name="Straight Arrow Connector 15">
+            <a:extLst>
+              <a:ext uri="{FF2B5EF4-FFF2-40B4-BE49-F238E27FC236}">
+                <a16:creationId xmlns:a16="http://schemas.microsoft.com/office/drawing/2014/main" id="{9007C959-3416-10EC-137E-515E602D5117}"/>
+              </a:ext>
+            </a:extLst>
+          </p:cNvPr>
+          <p:cNvCxnSpPr>
+            <a:cxnSpLocks/>
+          </p:cNvCxnSpPr>
+          <p:nvPr/>
+        </p:nvCxnSpPr>
+        <p:spPr>
+          <a:xfrm flipH="1">
+            <a:off x="6497013" y="5577794"/>
+            <a:ext cx="2505312" cy="0"/>
+          </a:xfrm>
+          <a:prstGeom prst="straightConnector1">
+            <a:avLst/>
+          </a:prstGeom>
+          <a:ln w="15875">
+            <a:solidFill>
+              <a:schemeClr val="tx1"/>
+            </a:solidFill>
+            <a:prstDash val="dash"/>
+            <a:headEnd type="triangle"/>
+            <a:tailEnd type="none"/>
+          </a:ln>
+        </p:spPr>
+        <p:style>
+          <a:lnRef idx="1">
+            <a:schemeClr val="accent1"/>
+          </a:lnRef>
+          <a:fillRef idx="0">
+            <a:schemeClr val="accent1"/>
+          </a:fillRef>
+          <a:effectRef idx="0">
+            <a:schemeClr val="accent1"/>
+          </a:effectRef>
+          <a:fontRef idx="minor">
+            <a:schemeClr val="tx1"/>
+          </a:fontRef>
+        </p:style>
+      </p:cxnSp>
+      <p:cxnSp>
+        <p:nvCxnSpPr>
+          <p:cNvPr id="18" name="Straight Arrow Connector 17">
+            <a:extLst>
+              <a:ext uri="{FF2B5EF4-FFF2-40B4-BE49-F238E27FC236}">
+                <a16:creationId xmlns:a16="http://schemas.microsoft.com/office/drawing/2014/main" id="{9D4BEED4-0DD0-6A0F-263B-E9D4D666F759}"/>
+              </a:ext>
+            </a:extLst>
+          </p:cNvPr>
+          <p:cNvCxnSpPr>
+            <a:cxnSpLocks/>
+          </p:cNvCxnSpPr>
+          <p:nvPr/>
+        </p:nvCxnSpPr>
+        <p:spPr>
+          <a:xfrm>
+            <a:off x="9011318" y="3632808"/>
+            <a:ext cx="1570" cy="1928169"/>
+          </a:xfrm>
+          <a:prstGeom prst="straightConnector1">
+            <a:avLst/>
+          </a:prstGeom>
+          <a:ln w="15875">
+            <a:solidFill>
+              <a:schemeClr val="tx1"/>
+            </a:solidFill>
+            <a:prstDash val="dash"/>
+            <a:headEnd type="triangle"/>
+            <a:tailEnd type="none"/>
+          </a:ln>
+        </p:spPr>
+        <p:style>
+          <a:lnRef idx="1">
+            <a:schemeClr val="accent1"/>
+          </a:lnRef>
+          <a:fillRef idx="0">
+            <a:schemeClr val="accent1"/>
+          </a:fillRef>
+          <a:effectRef idx="0">
+            <a:schemeClr val="accent1"/>
+          </a:effectRef>
+          <a:fontRef idx="minor">
+            <a:schemeClr val="tx1"/>
+          </a:fontRef>
+        </p:style>
+      </p:cxnSp>
+      <p:cxnSp>
+        <p:nvCxnSpPr>
+          <p:cNvPr id="39" name="Straight Arrow Connector 38">
+            <a:extLst>
+              <a:ext uri="{FF2B5EF4-FFF2-40B4-BE49-F238E27FC236}">
+                <a16:creationId xmlns:a16="http://schemas.microsoft.com/office/drawing/2014/main" id="{E49DD6FB-31B1-6BC7-E9A0-4AA0055F90F9}"/>
+              </a:ext>
+            </a:extLst>
+          </p:cNvPr>
+          <p:cNvCxnSpPr>
+            <a:cxnSpLocks/>
+          </p:cNvCxnSpPr>
+          <p:nvPr/>
+        </p:nvCxnSpPr>
+        <p:spPr>
+          <a:xfrm flipH="1">
+            <a:off x="6515817" y="3632808"/>
+            <a:ext cx="2505312" cy="0"/>
+          </a:xfrm>
+          <a:prstGeom prst="straightConnector1">
+            <a:avLst/>
+          </a:prstGeom>
+          <a:ln w="15875">
+            <a:solidFill>
+              <a:schemeClr val="tx1"/>
+            </a:solidFill>
+            <a:prstDash val="dash"/>
+            <a:tailEnd type="triangle"/>
+          </a:ln>
+        </p:spPr>
+        <p:style>
+          <a:lnRef idx="1">
+            <a:schemeClr val="accent1"/>
+          </a:lnRef>
+          <a:fillRef idx="0">
+            <a:schemeClr val="accent1"/>
+          </a:fillRef>
+          <a:effectRef idx="0">
+            <a:schemeClr val="accent1"/>
+          </a:effectRef>
+          <a:fontRef idx="minor">
+            <a:schemeClr val="tx1"/>
+          </a:fontRef>
+        </p:style>
+      </p:cxnSp>
     </p:spTree>
     <p:extLst>
       <p:ext uri="{BB962C8B-B14F-4D97-AF65-F5344CB8AC3E}">
-        <p14:creationId xmlns:p14="http://schemas.microsoft.com/office/powerpoint/2010/main" val="362860224"/>
+        <p14:creationId xmlns:p14="http://schemas.microsoft.com/office/powerpoint/2010/main" val="2567632467"/>
       </p:ext>
     </p:extLst>
   </p:cSld>
@@ -20323,13 +20613,1396 @@
   <p:clrMapOvr>
     <a:masterClrMapping/>
   </p:clrMapOvr>
-  <mc:AlternateContent xmlns:mc="http://schemas.openxmlformats.org/markup-compatibility/2006">
-    <mc:Choice xmlns:p14="http://schemas.microsoft.com/office/powerpoint/2010/main" Requires="p14">
+  <mc:AlternateContent xmlns:mc="http://schemas.openxmlformats.org/markup-compatibility/2006" xmlns:p14="http://schemas.microsoft.com/office/powerpoint/2010/main">
+    <mc:Choice Requires="p14">
       <p:transition spd="med" p14:dur="700">
         <p:fade/>
       </p:transition>
     </mc:Choice>
-    <mc:Fallback>
+    <mc:Fallback xmlns="">
+      <p:transition spd="med">
+        <p:fade/>
+      </p:transition>
+    </mc:Fallback>
+  </mc:AlternateContent>
+</p:sld>
+</file>
+
+<file path=ppt/slides/slide4.xml><?xml version="1.0" encoding="utf-8"?>
+<p:sld xmlns:a="http://schemas.openxmlformats.org/drawingml/2006/main" xmlns:r="http://schemas.openxmlformats.org/officeDocument/2006/relationships" xmlns:p="http://schemas.openxmlformats.org/presentationml/2006/main">
+  <p:cSld>
+    <p:spTree>
+      <p:nvGrpSpPr>
+        <p:cNvPr id="1" name="">
+          <a:extLst>
+            <a:ext uri="{FF2B5EF4-FFF2-40B4-BE49-F238E27FC236}">
+              <a16:creationId xmlns:a16="http://schemas.microsoft.com/office/drawing/2014/main" id="{F90C8C6B-9CD8-8036-6EB8-4DB0F88CFE71}"/>
+            </a:ext>
+          </a:extLst>
+        </p:cNvPr>
+        <p:cNvGrpSpPr/>
+        <p:nvPr/>
+      </p:nvGrpSpPr>
+      <p:grpSpPr>
+        <a:xfrm>
+          <a:off x="0" y="0"/>
+          <a:ext cx="0" cy="0"/>
+          <a:chOff x="0" y="0"/>
+          <a:chExt cx="0" cy="0"/>
+        </a:xfrm>
+      </p:grpSpPr>
+      <p:sp>
+        <p:nvSpPr>
+          <p:cNvPr id="8" name="Rectangle 7">
+            <a:extLst>
+              <a:ext uri="{FF2B5EF4-FFF2-40B4-BE49-F238E27FC236}">
+                <a16:creationId xmlns:a16="http://schemas.microsoft.com/office/drawing/2014/main" id="{0ECA9B41-EE22-89F2-3349-3066A0341B60}"/>
+              </a:ext>
+            </a:extLst>
+          </p:cNvPr>
+          <p:cNvSpPr/>
+          <p:nvPr/>
+        </p:nvSpPr>
+        <p:spPr>
+          <a:xfrm>
+            <a:off x="3250581" y="3857549"/>
+            <a:ext cx="1961874" cy="718205"/>
+          </a:xfrm>
+          <a:prstGeom prst="rect">
+            <a:avLst/>
+          </a:prstGeom>
+          <a:gradFill flip="none" rotWithShape="1">
+            <a:gsLst>
+              <a:gs pos="0">
+                <a:schemeClr val="accent5">
+                  <a:lumMod val="67000"/>
+                </a:schemeClr>
+              </a:gs>
+              <a:gs pos="100000">
+                <a:schemeClr val="accent5">
+                  <a:lumMod val="97000"/>
+                  <a:lumOff val="3000"/>
+                </a:schemeClr>
+              </a:gs>
+            </a:gsLst>
+            <a:lin ang="5400000" scaled="1"/>
+            <a:tileRect/>
+          </a:gradFill>
+          <a:ln>
+            <a:solidFill>
+              <a:schemeClr val="tx1"/>
+            </a:solidFill>
+          </a:ln>
+          <a:effectLst>
+            <a:outerShdw blurRad="50800" dist="38100" dir="2700000" algn="tl" rotWithShape="0">
+              <a:prstClr val="black">
+                <a:alpha val="40000"/>
+              </a:prstClr>
+            </a:outerShdw>
+          </a:effectLst>
+        </p:spPr>
+        <p:style>
+          <a:lnRef idx="2">
+            <a:schemeClr val="accent2">
+              <a:shade val="50000"/>
+            </a:schemeClr>
+          </a:lnRef>
+          <a:fillRef idx="1">
+            <a:schemeClr val="accent2"/>
+          </a:fillRef>
+          <a:effectRef idx="0">
+            <a:schemeClr val="accent2"/>
+          </a:effectRef>
+          <a:fontRef idx="minor">
+            <a:schemeClr val="lt1"/>
+          </a:fontRef>
+        </p:style>
+        <p:txBody>
+          <a:bodyPr rtlCol="0" anchor="ctr"/>
+          <a:lstStyle/>
+          <a:p>
+            <a:pPr marL="0" marR="0" lvl="0" indent="0" algn="l" defTabSz="914400" rtl="0" eaLnBrk="1" fontAlgn="auto" latinLnBrk="0" hangingPunct="1">
+              <a:lnSpc>
+                <a:spcPct val="100000"/>
+              </a:lnSpc>
+              <a:spcBef>
+                <a:spcPts val="0"/>
+              </a:spcBef>
+              <a:spcAft>
+                <a:spcPts val="0"/>
+              </a:spcAft>
+              <a:buClrTx/>
+              <a:buSzTx/>
+              <a:buFontTx/>
+              <a:buNone/>
+              <a:tabLst/>
+              <a:defRPr/>
+            </a:pPr>
+            <a:r>
+              <a:rPr kumimoji="0" lang="en-US" sz="1100" i="0" u="none" strike="noStrike" kern="1200" cap="none" spc="0" normalizeH="0" baseline="0" noProof="0" dirty="0">
+                <a:ln>
+                  <a:noFill/>
+                </a:ln>
+                <a:solidFill>
+                  <a:srgbClr val="FFFFFF"/>
+                </a:solidFill>
+                <a:effectLst/>
+                <a:uLnTx/>
+                <a:uFillTx/>
+                <a:latin typeface="Arial" panose="020B0604020202020204"/>
+                <a:ea typeface="+mn-ea"/>
+                <a:cs typeface="+mn-cs"/>
+              </a:rPr>
+              <a:t>                Full DTR </a:t>
+            </a:r>
+          </a:p>
+          <a:p>
+            <a:pPr marL="0" marR="0" lvl="0" indent="0" algn="l" defTabSz="914400" rtl="0" eaLnBrk="1" fontAlgn="auto" latinLnBrk="0" hangingPunct="1">
+              <a:lnSpc>
+                <a:spcPct val="100000"/>
+              </a:lnSpc>
+              <a:spcBef>
+                <a:spcPts val="0"/>
+              </a:spcBef>
+              <a:spcAft>
+                <a:spcPts val="0"/>
+              </a:spcAft>
+              <a:buClrTx/>
+              <a:buSzTx/>
+              <a:buFontTx/>
+              <a:buNone/>
+              <a:tabLst/>
+              <a:defRPr/>
+            </a:pPr>
+            <a:r>
+              <a:rPr lang="en-US" sz="1100" dirty="0">
+                <a:solidFill>
+                  <a:srgbClr val="FFFFFF"/>
+                </a:solidFill>
+                <a:latin typeface="Arial" panose="020B0604020202020204"/>
+              </a:rPr>
+              <a:t>                   </a:t>
+            </a:r>
+            <a:r>
+              <a:rPr kumimoji="0" lang="en-US" sz="1100" i="0" u="none" strike="noStrike" kern="1200" cap="none" spc="0" normalizeH="0" baseline="0" noProof="0" dirty="0">
+                <a:ln>
+                  <a:noFill/>
+                </a:ln>
+                <a:solidFill>
+                  <a:srgbClr val="FFFFFF"/>
+                </a:solidFill>
+                <a:effectLst/>
+                <a:uLnTx/>
+                <a:uFillTx/>
+                <a:latin typeface="Arial" panose="020B0604020202020204"/>
+                <a:ea typeface="+mn-ea"/>
+                <a:cs typeface="+mn-cs"/>
+              </a:rPr>
+              <a:t>EHR</a:t>
+            </a:r>
+          </a:p>
+        </p:txBody>
+      </p:sp>
+      <p:sp>
+        <p:nvSpPr>
+          <p:cNvPr id="2" name="Slide Number Placeholder 1">
+            <a:extLst>
+              <a:ext uri="{FF2B5EF4-FFF2-40B4-BE49-F238E27FC236}">
+                <a16:creationId xmlns:a16="http://schemas.microsoft.com/office/drawing/2014/main" id="{543CA484-92FE-ABC7-BBA5-3AE846FC1E55}"/>
+              </a:ext>
+            </a:extLst>
+          </p:cNvPr>
+          <p:cNvSpPr>
+            <a:spLocks noGrp="1"/>
+          </p:cNvSpPr>
+          <p:nvPr>
+            <p:ph type="sldNum" sz="quarter" idx="4294967295"/>
+          </p:nvPr>
+        </p:nvSpPr>
+        <p:spPr>
+          <a:xfrm>
+            <a:off x="11569700" y="6400802"/>
+            <a:ext cx="622300" cy="365125"/>
+          </a:xfrm>
+          <a:prstGeom prst="rect">
+            <a:avLst/>
+          </a:prstGeom>
+        </p:spPr>
+        <p:txBody>
+          <a:bodyPr/>
+          <a:lstStyle/>
+          <a:p>
+            <a:pPr marL="0" marR="0" lvl="0" indent="0" algn="l" defTabSz="914400" rtl="0" eaLnBrk="1" fontAlgn="auto" latinLnBrk="0" hangingPunct="1">
+              <a:lnSpc>
+                <a:spcPct val="100000"/>
+              </a:lnSpc>
+              <a:spcBef>
+                <a:spcPts val="0"/>
+              </a:spcBef>
+              <a:spcAft>
+                <a:spcPts val="0"/>
+              </a:spcAft>
+              <a:buClrTx/>
+              <a:buSzTx/>
+              <a:buFontTx/>
+              <a:buNone/>
+              <a:tabLst/>
+              <a:defRPr/>
+            </a:pPr>
+            <a:fld id="{BECF63ED-5365-0347-943C-46237B9951C9}" type="slidenum">
+              <a:rPr kumimoji="0" lang="en-US" sz="1800" b="0" i="0" u="none" strike="noStrike" kern="1200" cap="none" spc="0" normalizeH="0" baseline="0" noProof="0" smtClean="0">
+                <a:ln>
+                  <a:noFill/>
+                </a:ln>
+                <a:solidFill>
+                  <a:srgbClr val="000000"/>
+                </a:solidFill>
+                <a:effectLst/>
+                <a:uLnTx/>
+                <a:uFillTx/>
+                <a:latin typeface="Arial" panose="020B0604020202020204"/>
+                <a:ea typeface="+mn-ea"/>
+                <a:cs typeface="+mn-cs"/>
+              </a:rPr>
+              <a:pPr marL="0" marR="0" lvl="0" indent="0" algn="l" defTabSz="914400" rtl="0" eaLnBrk="1" fontAlgn="auto" latinLnBrk="0" hangingPunct="1">
+                <a:lnSpc>
+                  <a:spcPct val="100000"/>
+                </a:lnSpc>
+                <a:spcBef>
+                  <a:spcPts val="0"/>
+                </a:spcBef>
+                <a:spcAft>
+                  <a:spcPts val="0"/>
+                </a:spcAft>
+                <a:buClrTx/>
+                <a:buSzTx/>
+                <a:buFontTx/>
+                <a:buNone/>
+                <a:tabLst/>
+                <a:defRPr/>
+              </a:pPr>
+              <a:t>4</a:t>
+            </a:fld>
+            <a:endParaRPr kumimoji="0" lang="en-US" sz="1800" b="0" i="0" u="none" strike="noStrike" kern="1200" cap="none" spc="0" normalizeH="0" baseline="0" noProof="0">
+              <a:ln>
+                <a:noFill/>
+              </a:ln>
+              <a:solidFill>
+                <a:srgbClr val="000000"/>
+              </a:solidFill>
+              <a:effectLst/>
+              <a:uLnTx/>
+              <a:uFillTx/>
+              <a:latin typeface="Arial" panose="020B0604020202020204"/>
+              <a:ea typeface="+mn-ea"/>
+              <a:cs typeface="+mn-cs"/>
+            </a:endParaRPr>
+          </a:p>
+        </p:txBody>
+      </p:sp>
+      <p:sp>
+        <p:nvSpPr>
+          <p:cNvPr id="38" name="Arrow: Pentagon 37">
+            <a:extLst>
+              <a:ext uri="{FF2B5EF4-FFF2-40B4-BE49-F238E27FC236}">
+                <a16:creationId xmlns:a16="http://schemas.microsoft.com/office/drawing/2014/main" id="{05ED2950-0F11-C5E1-C515-CECEAFF01425}"/>
+              </a:ext>
+            </a:extLst>
+          </p:cNvPr>
+          <p:cNvSpPr/>
+          <p:nvPr/>
+        </p:nvSpPr>
+        <p:spPr>
+          <a:xfrm flipH="1">
+            <a:off x="4520318" y="3956365"/>
+            <a:ext cx="714855" cy="506959"/>
+          </a:xfrm>
+          <a:prstGeom prst="homePlate">
+            <a:avLst>
+              <a:gd name="adj" fmla="val 41176"/>
+            </a:avLst>
+          </a:prstGeom>
+          <a:solidFill>
+            <a:schemeClr val="accent5">
+              <a:lumMod val="20000"/>
+              <a:lumOff val="80000"/>
+            </a:schemeClr>
+          </a:solidFill>
+          <a:ln>
+            <a:prstDash val="sysDash"/>
+          </a:ln>
+          <a:effectLst>
+            <a:softEdge rad="38100"/>
+          </a:effectLst>
+        </p:spPr>
+        <p:style>
+          <a:lnRef idx="2">
+            <a:schemeClr val="accent1">
+              <a:shade val="15000"/>
+            </a:schemeClr>
+          </a:lnRef>
+          <a:fillRef idx="1">
+            <a:schemeClr val="accent1"/>
+          </a:fillRef>
+          <a:effectRef idx="0">
+            <a:schemeClr val="accent1"/>
+          </a:effectRef>
+          <a:fontRef idx="minor">
+            <a:schemeClr val="lt1"/>
+          </a:fontRef>
+        </p:style>
+        <p:txBody>
+          <a:bodyPr lIns="82296" rIns="82296" rtlCol="0" anchor="ctr"/>
+          <a:lstStyle/>
+          <a:p>
+            <a:pPr marL="0" marR="0" lvl="0" indent="0" algn="ctr" defTabSz="914400" rtl="0" eaLnBrk="1" fontAlgn="auto" latinLnBrk="0" hangingPunct="1">
+              <a:lnSpc>
+                <a:spcPct val="100000"/>
+              </a:lnSpc>
+              <a:spcBef>
+                <a:spcPts val="0"/>
+              </a:spcBef>
+              <a:spcAft>
+                <a:spcPts val="0"/>
+              </a:spcAft>
+              <a:buClrTx/>
+              <a:buSzTx/>
+              <a:buFontTx/>
+              <a:buNone/>
+              <a:tabLst/>
+              <a:defRPr/>
+            </a:pPr>
+            <a:r>
+              <a:rPr kumimoji="0" lang="en-US" sz="1200" b="0" i="0" u="none" strike="noStrike" kern="1200" cap="none" spc="0" normalizeH="0" baseline="0" noProof="0" dirty="0">
+                <a:ln>
+                  <a:noFill/>
+                </a:ln>
+                <a:solidFill>
+                  <a:srgbClr val="335EAC">
+                    <a:lumMod val="50000"/>
+                  </a:srgbClr>
+                </a:solidFill>
+                <a:effectLst/>
+                <a:uLnTx/>
+                <a:uFillTx/>
+                <a:latin typeface="Arial" panose="020B0604020202020204"/>
+                <a:ea typeface="+mn-ea"/>
+                <a:cs typeface="+mn-cs"/>
+              </a:rPr>
+              <a:t>Native App</a:t>
+            </a:r>
+          </a:p>
+        </p:txBody>
+      </p:sp>
+      <p:sp>
+        <p:nvSpPr>
+          <p:cNvPr id="39" name="Rectangle 38">
+            <a:extLst>
+              <a:ext uri="{FF2B5EF4-FFF2-40B4-BE49-F238E27FC236}">
+                <a16:creationId xmlns:a16="http://schemas.microsoft.com/office/drawing/2014/main" id="{4607B400-CF05-CA7B-656C-13049EC42F56}"/>
+              </a:ext>
+            </a:extLst>
+          </p:cNvPr>
+          <p:cNvSpPr/>
+          <p:nvPr/>
+        </p:nvSpPr>
+        <p:spPr>
+          <a:xfrm>
+            <a:off x="4141250" y="3261513"/>
+            <a:ext cx="1075645" cy="448065"/>
+          </a:xfrm>
+          <a:prstGeom prst="rect">
+            <a:avLst/>
+          </a:prstGeom>
+          <a:solidFill>
+            <a:schemeClr val="accent5">
+              <a:lumMod val="20000"/>
+              <a:lumOff val="80000"/>
+            </a:schemeClr>
+          </a:solidFill>
+          <a:ln>
+            <a:solidFill>
+              <a:schemeClr val="tx1"/>
+            </a:solidFill>
+          </a:ln>
+          <a:effectLst>
+            <a:outerShdw blurRad="50800" dist="38100" dir="2700000" algn="tl" rotWithShape="0">
+              <a:prstClr val="black">
+                <a:alpha val="40000"/>
+              </a:prstClr>
+            </a:outerShdw>
+          </a:effectLst>
+        </p:spPr>
+        <p:style>
+          <a:lnRef idx="2">
+            <a:schemeClr val="accent2">
+              <a:shade val="50000"/>
+            </a:schemeClr>
+          </a:lnRef>
+          <a:fillRef idx="1">
+            <a:schemeClr val="accent2"/>
+          </a:fillRef>
+          <a:effectRef idx="0">
+            <a:schemeClr val="accent2"/>
+          </a:effectRef>
+          <a:fontRef idx="minor">
+            <a:schemeClr val="lt1"/>
+          </a:fontRef>
+        </p:style>
+        <p:txBody>
+          <a:bodyPr rtlCol="0" anchor="ctr"/>
+          <a:lstStyle/>
+          <a:p>
+            <a:pPr marL="0" marR="0" lvl="0" indent="0" algn="ctr" defTabSz="914400" rtl="0" eaLnBrk="1" fontAlgn="auto" latinLnBrk="0" hangingPunct="1">
+              <a:lnSpc>
+                <a:spcPct val="100000"/>
+              </a:lnSpc>
+              <a:spcBef>
+                <a:spcPts val="0"/>
+              </a:spcBef>
+              <a:spcAft>
+                <a:spcPts val="0"/>
+              </a:spcAft>
+              <a:buClrTx/>
+              <a:buSzTx/>
+              <a:buFontTx/>
+              <a:buNone/>
+              <a:tabLst/>
+              <a:defRPr/>
+            </a:pPr>
+            <a:r>
+              <a:rPr kumimoji="0" lang="en-US" sz="1200" b="0" i="0" u="none" strike="noStrike" kern="1200" cap="none" spc="0" normalizeH="0" baseline="0" noProof="0" dirty="0">
+                <a:ln>
+                  <a:noFill/>
+                </a:ln>
+                <a:solidFill>
+                  <a:srgbClr val="335EAC">
+                    <a:lumMod val="50000"/>
+                  </a:srgbClr>
+                </a:solidFill>
+                <a:effectLst/>
+                <a:uLnTx/>
+                <a:uFillTx/>
+                <a:latin typeface="Arial" panose="020B0604020202020204"/>
+                <a:ea typeface="+mn-ea"/>
+                <a:cs typeface="+mn-cs"/>
+              </a:rPr>
+              <a:t>SMART </a:t>
+            </a:r>
+          </a:p>
+          <a:p>
+            <a:pPr marL="0" marR="0" lvl="0" indent="0" algn="ctr" defTabSz="914400" rtl="0" eaLnBrk="1" fontAlgn="auto" latinLnBrk="0" hangingPunct="1">
+              <a:lnSpc>
+                <a:spcPct val="100000"/>
+              </a:lnSpc>
+              <a:spcBef>
+                <a:spcPts val="0"/>
+              </a:spcBef>
+              <a:spcAft>
+                <a:spcPts val="0"/>
+              </a:spcAft>
+              <a:buClrTx/>
+              <a:buSzTx/>
+              <a:buFontTx/>
+              <a:buNone/>
+              <a:tabLst/>
+              <a:defRPr/>
+            </a:pPr>
+            <a:r>
+              <a:rPr kumimoji="0" lang="en-US" sz="1200" b="0" i="0" u="none" strike="noStrike" kern="1200" cap="none" spc="0" normalizeH="0" baseline="0" noProof="0" dirty="0">
+                <a:ln>
+                  <a:noFill/>
+                </a:ln>
+                <a:solidFill>
+                  <a:srgbClr val="335EAC">
+                    <a:lumMod val="50000"/>
+                  </a:srgbClr>
+                </a:solidFill>
+                <a:effectLst/>
+                <a:uLnTx/>
+                <a:uFillTx/>
+                <a:latin typeface="Arial" panose="020B0604020202020204"/>
+                <a:ea typeface="+mn-ea"/>
+                <a:cs typeface="+mn-cs"/>
+              </a:rPr>
+              <a:t>DTR Client</a:t>
+            </a:r>
+          </a:p>
+        </p:txBody>
+      </p:sp>
+      <p:sp>
+        <p:nvSpPr>
+          <p:cNvPr id="41" name="Arrow: Left-Right 40">
+            <a:extLst>
+              <a:ext uri="{FF2B5EF4-FFF2-40B4-BE49-F238E27FC236}">
+                <a16:creationId xmlns:a16="http://schemas.microsoft.com/office/drawing/2014/main" id="{8BAC55F6-FFCE-EE96-2E32-604D1D693C20}"/>
+              </a:ext>
+            </a:extLst>
+          </p:cNvPr>
+          <p:cNvSpPr/>
+          <p:nvPr/>
+        </p:nvSpPr>
+        <p:spPr>
+          <a:xfrm>
+            <a:off x="5225081" y="3293860"/>
+            <a:ext cx="1304945" cy="363127"/>
+          </a:xfrm>
+          <a:prstGeom prst="leftRightArrow">
+            <a:avLst>
+              <a:gd name="adj1" fmla="val 34616"/>
+              <a:gd name="adj2" fmla="val 45433"/>
+            </a:avLst>
+          </a:prstGeom>
+          <a:solidFill>
+            <a:schemeClr val="accent4">
+              <a:lumMod val="60000"/>
+              <a:lumOff val="40000"/>
+            </a:schemeClr>
+          </a:solidFill>
+        </p:spPr>
+        <p:style>
+          <a:lnRef idx="2">
+            <a:schemeClr val="accent1">
+              <a:shade val="15000"/>
+            </a:schemeClr>
+          </a:lnRef>
+          <a:fillRef idx="1">
+            <a:schemeClr val="accent1"/>
+          </a:fillRef>
+          <a:effectRef idx="0">
+            <a:schemeClr val="accent1"/>
+          </a:effectRef>
+          <a:fontRef idx="minor">
+            <a:schemeClr val="lt1"/>
+          </a:fontRef>
+        </p:style>
+        <p:txBody>
+          <a:bodyPr rtlCol="0" anchor="ctr"/>
+          <a:lstStyle/>
+          <a:p>
+            <a:pPr marL="0" marR="0" lvl="0" indent="0" algn="ctr" defTabSz="914400" rtl="0" eaLnBrk="1" fontAlgn="auto" latinLnBrk="0" hangingPunct="1">
+              <a:lnSpc>
+                <a:spcPct val="100000"/>
+              </a:lnSpc>
+              <a:spcBef>
+                <a:spcPts val="0"/>
+              </a:spcBef>
+              <a:spcAft>
+                <a:spcPts val="0"/>
+              </a:spcAft>
+              <a:buClrTx/>
+              <a:buSzTx/>
+              <a:buFontTx/>
+              <a:buNone/>
+              <a:tabLst/>
+              <a:defRPr/>
+            </a:pPr>
+            <a:endParaRPr kumimoji="0" lang="en-US" sz="1800" b="0" i="0" u="none" strike="noStrike" kern="1200" cap="none" spc="0" normalizeH="0" baseline="0" noProof="0">
+              <a:ln>
+                <a:noFill/>
+              </a:ln>
+              <a:solidFill>
+                <a:srgbClr val="FFFFFF"/>
+              </a:solidFill>
+              <a:effectLst/>
+              <a:uLnTx/>
+              <a:uFillTx/>
+              <a:latin typeface="Arial" panose="020B0604020202020204"/>
+              <a:ea typeface="+mn-ea"/>
+              <a:cs typeface="+mn-cs"/>
+            </a:endParaRPr>
+          </a:p>
+        </p:txBody>
+      </p:sp>
+      <p:sp>
+        <p:nvSpPr>
+          <p:cNvPr id="42" name="Rectangle 41">
+            <a:extLst>
+              <a:ext uri="{FF2B5EF4-FFF2-40B4-BE49-F238E27FC236}">
+                <a16:creationId xmlns:a16="http://schemas.microsoft.com/office/drawing/2014/main" id="{BEF8B076-04EC-56D6-E7CD-74F15439900A}"/>
+              </a:ext>
+            </a:extLst>
+          </p:cNvPr>
+          <p:cNvSpPr/>
+          <p:nvPr/>
+        </p:nvSpPr>
+        <p:spPr>
+          <a:xfrm>
+            <a:off x="6538905" y="3195873"/>
+            <a:ext cx="1696884" cy="1379881"/>
+          </a:xfrm>
+          <a:prstGeom prst="rect">
+            <a:avLst/>
+          </a:prstGeom>
+          <a:gradFill flip="none" rotWithShape="1">
+            <a:gsLst>
+              <a:gs pos="0">
+                <a:srgbClr val="B88C00"/>
+              </a:gs>
+              <a:gs pos="97000">
+                <a:srgbClr val="FFC000"/>
+              </a:gs>
+            </a:gsLst>
+            <a:lin ang="5400000" scaled="1"/>
+            <a:tileRect/>
+          </a:gradFill>
+          <a:ln>
+            <a:solidFill>
+              <a:schemeClr val="tx1"/>
+            </a:solidFill>
+          </a:ln>
+          <a:effectLst>
+            <a:outerShdw blurRad="50800" dist="38100" dir="2700000" algn="tl" rotWithShape="0">
+              <a:prstClr val="black">
+                <a:alpha val="40000"/>
+              </a:prstClr>
+            </a:outerShdw>
+          </a:effectLst>
+        </p:spPr>
+        <p:style>
+          <a:lnRef idx="2">
+            <a:schemeClr val="accent2">
+              <a:shade val="50000"/>
+            </a:schemeClr>
+          </a:lnRef>
+          <a:fillRef idx="1">
+            <a:schemeClr val="accent2"/>
+          </a:fillRef>
+          <a:effectRef idx="0">
+            <a:schemeClr val="accent2"/>
+          </a:effectRef>
+          <a:fontRef idx="minor">
+            <a:schemeClr val="lt1"/>
+          </a:fontRef>
+        </p:style>
+        <p:txBody>
+          <a:bodyPr rtlCol="0" anchor="ctr"/>
+          <a:lstStyle/>
+          <a:p>
+            <a:pPr marL="0" marR="0" lvl="0" indent="0" defTabSz="914400" rtl="0" eaLnBrk="1" fontAlgn="auto" latinLnBrk="0" hangingPunct="1">
+              <a:lnSpc>
+                <a:spcPct val="100000"/>
+              </a:lnSpc>
+              <a:spcBef>
+                <a:spcPts val="0"/>
+              </a:spcBef>
+              <a:spcAft>
+                <a:spcPts val="0"/>
+              </a:spcAft>
+              <a:buClrTx/>
+              <a:buSzTx/>
+              <a:buFontTx/>
+              <a:buNone/>
+              <a:tabLst/>
+              <a:defRPr/>
+            </a:pPr>
+            <a:r>
+              <a:rPr kumimoji="0" lang="en-US" sz="1200" b="1" i="0" u="none" strike="noStrike" kern="1200" cap="none" spc="0" normalizeH="0" baseline="0" noProof="0" dirty="0">
+                <a:ln>
+                  <a:noFill/>
+                </a:ln>
+                <a:solidFill>
+                  <a:srgbClr val="FFFFFF"/>
+                </a:solidFill>
+                <a:effectLst/>
+                <a:uLnTx/>
+                <a:uFillTx/>
+                <a:latin typeface="Arial" panose="020B0604020202020204"/>
+                <a:ea typeface="+mn-ea"/>
+                <a:cs typeface="+mn-cs"/>
+              </a:rPr>
+              <a:t>  DTR Payer Service</a:t>
+            </a:r>
+          </a:p>
+        </p:txBody>
+      </p:sp>
+      <p:sp>
+        <p:nvSpPr>
+          <p:cNvPr id="43" name="Arrow: Left-Right 42">
+            <a:extLst>
+              <a:ext uri="{FF2B5EF4-FFF2-40B4-BE49-F238E27FC236}">
+                <a16:creationId xmlns:a16="http://schemas.microsoft.com/office/drawing/2014/main" id="{9EA66FC6-DF68-3806-D2B1-8B7C688B6859}"/>
+              </a:ext>
+            </a:extLst>
+          </p:cNvPr>
+          <p:cNvSpPr/>
+          <p:nvPr/>
+        </p:nvSpPr>
+        <p:spPr>
+          <a:xfrm>
+            <a:off x="5216894" y="4037176"/>
+            <a:ext cx="1313131" cy="363127"/>
+          </a:xfrm>
+          <a:prstGeom prst="leftRightArrow">
+            <a:avLst>
+              <a:gd name="adj1" fmla="val 34616"/>
+              <a:gd name="adj2" fmla="val 45433"/>
+            </a:avLst>
+          </a:prstGeom>
+          <a:solidFill>
+            <a:schemeClr val="accent4">
+              <a:lumMod val="60000"/>
+              <a:lumOff val="40000"/>
+            </a:schemeClr>
+          </a:solidFill>
+        </p:spPr>
+        <p:style>
+          <a:lnRef idx="2">
+            <a:schemeClr val="accent1">
+              <a:shade val="15000"/>
+            </a:schemeClr>
+          </a:lnRef>
+          <a:fillRef idx="1">
+            <a:schemeClr val="accent1"/>
+          </a:fillRef>
+          <a:effectRef idx="0">
+            <a:schemeClr val="accent1"/>
+          </a:effectRef>
+          <a:fontRef idx="minor">
+            <a:schemeClr val="lt1"/>
+          </a:fontRef>
+        </p:style>
+        <p:txBody>
+          <a:bodyPr rtlCol="0" anchor="ctr"/>
+          <a:lstStyle/>
+          <a:p>
+            <a:pPr marL="0" marR="0" lvl="0" indent="0" algn="ctr" defTabSz="914400" rtl="0" eaLnBrk="1" fontAlgn="auto" latinLnBrk="0" hangingPunct="1">
+              <a:lnSpc>
+                <a:spcPct val="100000"/>
+              </a:lnSpc>
+              <a:spcBef>
+                <a:spcPts val="0"/>
+              </a:spcBef>
+              <a:spcAft>
+                <a:spcPts val="0"/>
+              </a:spcAft>
+              <a:buClrTx/>
+              <a:buSzTx/>
+              <a:buFontTx/>
+              <a:buNone/>
+              <a:tabLst/>
+              <a:defRPr/>
+            </a:pPr>
+            <a:endParaRPr kumimoji="0" lang="en-US" sz="1800" b="0" i="0" u="none" strike="noStrike" kern="1200" cap="none" spc="0" normalizeH="0" baseline="0" noProof="0">
+              <a:ln>
+                <a:noFill/>
+              </a:ln>
+              <a:solidFill>
+                <a:srgbClr val="FFFFFF"/>
+              </a:solidFill>
+              <a:effectLst/>
+              <a:uLnTx/>
+              <a:uFillTx/>
+              <a:latin typeface="Arial" panose="020B0604020202020204"/>
+              <a:ea typeface="+mn-ea"/>
+              <a:cs typeface="+mn-cs"/>
+            </a:endParaRPr>
+          </a:p>
+        </p:txBody>
+      </p:sp>
+      <p:sp>
+        <p:nvSpPr>
+          <p:cNvPr id="3" name="Rectangle 2">
+            <a:extLst>
+              <a:ext uri="{FF2B5EF4-FFF2-40B4-BE49-F238E27FC236}">
+                <a16:creationId xmlns:a16="http://schemas.microsoft.com/office/drawing/2014/main" id="{5495EFF6-4B05-3D7D-F45C-597EEB265EF5}"/>
+              </a:ext>
+            </a:extLst>
+          </p:cNvPr>
+          <p:cNvSpPr/>
+          <p:nvPr/>
+        </p:nvSpPr>
+        <p:spPr>
+          <a:xfrm>
+            <a:off x="231095" y="384741"/>
+            <a:ext cx="2359705" cy="523220"/>
+          </a:xfrm>
+          <a:prstGeom prst="rect">
+            <a:avLst/>
+          </a:prstGeom>
+        </p:spPr>
+        <p:txBody>
+          <a:bodyPr wrap="square">
+            <a:spAutoFit/>
+          </a:bodyPr>
+          <a:lstStyle/>
+          <a:p>
+            <a:pPr marL="0" marR="0" lvl="0" indent="0" algn="ctr" defTabSz="914400" rtl="0" eaLnBrk="1" fontAlgn="auto" latinLnBrk="0" hangingPunct="1">
+              <a:lnSpc>
+                <a:spcPct val="100000"/>
+              </a:lnSpc>
+              <a:spcBef>
+                <a:spcPts val="0"/>
+              </a:spcBef>
+              <a:spcAft>
+                <a:spcPts val="1200"/>
+              </a:spcAft>
+              <a:buClrTx/>
+              <a:buSzTx/>
+              <a:buFontTx/>
+              <a:buNone/>
+              <a:tabLst/>
+              <a:defRPr/>
+            </a:pPr>
+            <a:r>
+              <a:rPr kumimoji="0" lang="en-US" sz="2800" b="1" i="0" u="sng" strike="noStrike" kern="1200" cap="none" spc="0" normalizeH="0" baseline="0" noProof="0" dirty="0">
+                <a:ln>
+                  <a:noFill/>
+                </a:ln>
+                <a:solidFill>
+                  <a:schemeClr val="accent1">
+                    <a:lumMod val="50000"/>
+                  </a:schemeClr>
+                </a:solidFill>
+                <a:effectLst/>
+                <a:uLnTx/>
+                <a:uFillTx/>
+                <a:latin typeface="Helvetica Neue"/>
+                <a:ea typeface="+mn-ea"/>
+                <a:cs typeface="+mn-cs"/>
+              </a:rPr>
+              <a:t>Connectivity</a:t>
+            </a:r>
+          </a:p>
+        </p:txBody>
+      </p:sp>
+      <p:sp>
+        <p:nvSpPr>
+          <p:cNvPr id="5" name="Rectangle 4">
+            <a:extLst>
+              <a:ext uri="{FF2B5EF4-FFF2-40B4-BE49-F238E27FC236}">
+                <a16:creationId xmlns:a16="http://schemas.microsoft.com/office/drawing/2014/main" id="{7EB3290A-04F8-B3B9-40E8-8BCF3A0607DD}"/>
+              </a:ext>
+            </a:extLst>
+          </p:cNvPr>
+          <p:cNvSpPr/>
+          <p:nvPr/>
+        </p:nvSpPr>
+        <p:spPr>
+          <a:xfrm>
+            <a:off x="4339318" y="1591489"/>
+            <a:ext cx="1304945" cy="718205"/>
+          </a:xfrm>
+          <a:prstGeom prst="rect">
+            <a:avLst/>
+          </a:prstGeom>
+          <a:gradFill flip="none" rotWithShape="1">
+            <a:gsLst>
+              <a:gs pos="0">
+                <a:schemeClr val="accent5">
+                  <a:lumMod val="67000"/>
+                </a:schemeClr>
+              </a:gs>
+              <a:gs pos="100000">
+                <a:schemeClr val="accent5">
+                  <a:lumMod val="97000"/>
+                  <a:lumOff val="3000"/>
+                </a:schemeClr>
+              </a:gs>
+            </a:gsLst>
+            <a:lin ang="5400000" scaled="1"/>
+            <a:tileRect/>
+          </a:gradFill>
+          <a:ln>
+            <a:solidFill>
+              <a:schemeClr val="tx1"/>
+            </a:solidFill>
+          </a:ln>
+          <a:effectLst>
+            <a:outerShdw blurRad="50800" dist="38100" dir="2700000" algn="tl" rotWithShape="0">
+              <a:prstClr val="black">
+                <a:alpha val="40000"/>
+              </a:prstClr>
+            </a:outerShdw>
+          </a:effectLst>
+        </p:spPr>
+        <p:style>
+          <a:lnRef idx="2">
+            <a:schemeClr val="accent2">
+              <a:shade val="50000"/>
+            </a:schemeClr>
+          </a:lnRef>
+          <a:fillRef idx="1">
+            <a:schemeClr val="accent2"/>
+          </a:fillRef>
+          <a:effectRef idx="0">
+            <a:schemeClr val="accent2"/>
+          </a:effectRef>
+          <a:fontRef idx="minor">
+            <a:schemeClr val="lt1"/>
+          </a:fontRef>
+        </p:style>
+        <p:txBody>
+          <a:bodyPr rtlCol="0" anchor="ctr"/>
+          <a:lstStyle/>
+          <a:p>
+            <a:pPr marL="0" marR="0" lvl="0" indent="0" algn="ctr" defTabSz="914400" rtl="0" eaLnBrk="1" fontAlgn="auto" latinLnBrk="0" hangingPunct="1">
+              <a:lnSpc>
+                <a:spcPct val="100000"/>
+              </a:lnSpc>
+              <a:spcBef>
+                <a:spcPts val="0"/>
+              </a:spcBef>
+              <a:spcAft>
+                <a:spcPts val="0"/>
+              </a:spcAft>
+              <a:buClrTx/>
+              <a:buSzTx/>
+              <a:buFontTx/>
+              <a:buNone/>
+              <a:tabLst/>
+              <a:defRPr/>
+            </a:pPr>
+            <a:r>
+              <a:rPr kumimoji="0" lang="en-US" sz="1200" i="0" u="none" strike="noStrike" kern="1200" cap="none" spc="0" normalizeH="0" baseline="0" noProof="0" dirty="0">
+                <a:ln>
+                  <a:noFill/>
+                </a:ln>
+                <a:solidFill>
+                  <a:srgbClr val="FFFFFF"/>
+                </a:solidFill>
+                <a:effectLst/>
+                <a:uLnTx/>
+                <a:uFillTx/>
+                <a:latin typeface="Arial" panose="020B0604020202020204"/>
+                <a:ea typeface="+mn-ea"/>
+                <a:cs typeface="+mn-cs"/>
+              </a:rPr>
+              <a:t>Light DTR EHR</a:t>
+            </a:r>
+          </a:p>
+        </p:txBody>
+      </p:sp>
+      <p:sp>
+        <p:nvSpPr>
+          <p:cNvPr id="6" name="Rectangle 5">
+            <a:extLst>
+              <a:ext uri="{FF2B5EF4-FFF2-40B4-BE49-F238E27FC236}">
+                <a16:creationId xmlns:a16="http://schemas.microsoft.com/office/drawing/2014/main" id="{C755C26E-95CD-6D86-BCFA-9C6C9DB4D03C}"/>
+              </a:ext>
+            </a:extLst>
+          </p:cNvPr>
+          <p:cNvSpPr/>
+          <p:nvPr/>
+        </p:nvSpPr>
+        <p:spPr>
+          <a:xfrm>
+            <a:off x="6547738" y="1726558"/>
+            <a:ext cx="1075645" cy="448065"/>
+          </a:xfrm>
+          <a:prstGeom prst="rect">
+            <a:avLst/>
+          </a:prstGeom>
+          <a:solidFill>
+            <a:schemeClr val="accent5">
+              <a:lumMod val="20000"/>
+              <a:lumOff val="80000"/>
+            </a:schemeClr>
+          </a:solidFill>
+          <a:ln>
+            <a:solidFill>
+              <a:schemeClr val="tx1"/>
+            </a:solidFill>
+          </a:ln>
+          <a:effectLst>
+            <a:outerShdw blurRad="50800" dist="38100" dir="2700000" algn="tl" rotWithShape="0">
+              <a:prstClr val="black">
+                <a:alpha val="40000"/>
+              </a:prstClr>
+            </a:outerShdw>
+          </a:effectLst>
+        </p:spPr>
+        <p:style>
+          <a:lnRef idx="2">
+            <a:schemeClr val="accent2">
+              <a:shade val="50000"/>
+            </a:schemeClr>
+          </a:lnRef>
+          <a:fillRef idx="1">
+            <a:schemeClr val="accent2"/>
+          </a:fillRef>
+          <a:effectRef idx="0">
+            <a:schemeClr val="accent2"/>
+          </a:effectRef>
+          <a:fontRef idx="minor">
+            <a:schemeClr val="lt1"/>
+          </a:fontRef>
+        </p:style>
+        <p:txBody>
+          <a:bodyPr rtlCol="0" anchor="ctr"/>
+          <a:lstStyle/>
+          <a:p>
+            <a:pPr marL="0" marR="0" lvl="0" indent="0" algn="ctr" defTabSz="914400" rtl="0" eaLnBrk="1" fontAlgn="auto" latinLnBrk="0" hangingPunct="1">
+              <a:lnSpc>
+                <a:spcPct val="100000"/>
+              </a:lnSpc>
+              <a:spcBef>
+                <a:spcPts val="0"/>
+              </a:spcBef>
+              <a:spcAft>
+                <a:spcPts val="0"/>
+              </a:spcAft>
+              <a:buClrTx/>
+              <a:buSzTx/>
+              <a:buFontTx/>
+              <a:buNone/>
+              <a:tabLst/>
+              <a:defRPr/>
+            </a:pPr>
+            <a:r>
+              <a:rPr kumimoji="0" lang="en-US" sz="1200" b="0" i="0" u="none" strike="noStrike" kern="1200" cap="none" spc="0" normalizeH="0" baseline="0" noProof="0" dirty="0">
+                <a:ln>
+                  <a:noFill/>
+                </a:ln>
+                <a:solidFill>
+                  <a:srgbClr val="335EAC">
+                    <a:lumMod val="50000"/>
+                  </a:srgbClr>
+                </a:solidFill>
+                <a:effectLst/>
+                <a:uLnTx/>
+                <a:uFillTx/>
+                <a:latin typeface="Arial" panose="020B0604020202020204"/>
+                <a:ea typeface="+mn-ea"/>
+                <a:cs typeface="+mn-cs"/>
+              </a:rPr>
+              <a:t>SMART </a:t>
+            </a:r>
+          </a:p>
+          <a:p>
+            <a:pPr marL="0" marR="0" lvl="0" indent="0" algn="ctr" defTabSz="914400" rtl="0" eaLnBrk="1" fontAlgn="auto" latinLnBrk="0" hangingPunct="1">
+              <a:lnSpc>
+                <a:spcPct val="100000"/>
+              </a:lnSpc>
+              <a:spcBef>
+                <a:spcPts val="0"/>
+              </a:spcBef>
+              <a:spcAft>
+                <a:spcPts val="0"/>
+              </a:spcAft>
+              <a:buClrTx/>
+              <a:buSzTx/>
+              <a:buFontTx/>
+              <a:buNone/>
+              <a:tabLst/>
+              <a:defRPr/>
+            </a:pPr>
+            <a:r>
+              <a:rPr kumimoji="0" lang="en-US" sz="1200" b="0" i="0" u="none" strike="noStrike" kern="1200" cap="none" spc="0" normalizeH="0" baseline="0" noProof="0" dirty="0">
+                <a:ln>
+                  <a:noFill/>
+                </a:ln>
+                <a:solidFill>
+                  <a:srgbClr val="335EAC">
+                    <a:lumMod val="50000"/>
+                  </a:srgbClr>
+                </a:solidFill>
+                <a:effectLst/>
+                <a:uLnTx/>
+                <a:uFillTx/>
+                <a:latin typeface="Arial" panose="020B0604020202020204"/>
+                <a:ea typeface="+mn-ea"/>
+                <a:cs typeface="+mn-cs"/>
+              </a:rPr>
+              <a:t>DTR Client</a:t>
+            </a:r>
+          </a:p>
+        </p:txBody>
+      </p:sp>
+      <p:sp>
+        <p:nvSpPr>
+          <p:cNvPr id="7" name="Arrow: Left-Right 6">
+            <a:extLst>
+              <a:ext uri="{FF2B5EF4-FFF2-40B4-BE49-F238E27FC236}">
+                <a16:creationId xmlns:a16="http://schemas.microsoft.com/office/drawing/2014/main" id="{488CBD8C-6C2F-C464-BF8E-A502E9C18897}"/>
+              </a:ext>
+            </a:extLst>
+          </p:cNvPr>
+          <p:cNvSpPr/>
+          <p:nvPr/>
+        </p:nvSpPr>
+        <p:spPr>
+          <a:xfrm>
+            <a:off x="5644264" y="1767783"/>
+            <a:ext cx="894642" cy="363127"/>
+          </a:xfrm>
+          <a:prstGeom prst="leftRightArrow">
+            <a:avLst>
+              <a:gd name="adj1" fmla="val 34616"/>
+              <a:gd name="adj2" fmla="val 45433"/>
+            </a:avLst>
+          </a:prstGeom>
+          <a:solidFill>
+            <a:schemeClr val="accent4">
+              <a:lumMod val="60000"/>
+              <a:lumOff val="40000"/>
+            </a:schemeClr>
+          </a:solidFill>
+        </p:spPr>
+        <p:style>
+          <a:lnRef idx="2">
+            <a:schemeClr val="accent1">
+              <a:shade val="15000"/>
+            </a:schemeClr>
+          </a:lnRef>
+          <a:fillRef idx="1">
+            <a:schemeClr val="accent1"/>
+          </a:fillRef>
+          <a:effectRef idx="0">
+            <a:schemeClr val="accent1"/>
+          </a:effectRef>
+          <a:fontRef idx="minor">
+            <a:schemeClr val="lt1"/>
+          </a:fontRef>
+        </p:style>
+        <p:txBody>
+          <a:bodyPr rtlCol="0" anchor="ctr"/>
+          <a:lstStyle/>
+          <a:p>
+            <a:pPr marL="0" marR="0" lvl="0" indent="0" algn="ctr" defTabSz="914400" rtl="0" eaLnBrk="1" fontAlgn="auto" latinLnBrk="0" hangingPunct="1">
+              <a:lnSpc>
+                <a:spcPct val="100000"/>
+              </a:lnSpc>
+              <a:spcBef>
+                <a:spcPts val="0"/>
+              </a:spcBef>
+              <a:spcAft>
+                <a:spcPts val="0"/>
+              </a:spcAft>
+              <a:buClrTx/>
+              <a:buSzTx/>
+              <a:buFontTx/>
+              <a:buNone/>
+              <a:tabLst/>
+              <a:defRPr/>
+            </a:pPr>
+            <a:endParaRPr kumimoji="0" lang="en-US" sz="1800" b="0" i="0" u="none" strike="noStrike" kern="1200" cap="none" spc="0" normalizeH="0" baseline="0" noProof="0">
+              <a:ln>
+                <a:noFill/>
+              </a:ln>
+              <a:solidFill>
+                <a:srgbClr val="FFFFFF"/>
+              </a:solidFill>
+              <a:effectLst/>
+              <a:uLnTx/>
+              <a:uFillTx/>
+              <a:latin typeface="Arial" panose="020B0604020202020204"/>
+              <a:ea typeface="+mn-ea"/>
+              <a:cs typeface="+mn-cs"/>
+            </a:endParaRPr>
+          </a:p>
+        </p:txBody>
+      </p:sp>
+      <p:sp>
+        <p:nvSpPr>
+          <p:cNvPr id="9" name="Arrow: Left-Right 8">
+            <a:extLst>
+              <a:ext uri="{FF2B5EF4-FFF2-40B4-BE49-F238E27FC236}">
+                <a16:creationId xmlns:a16="http://schemas.microsoft.com/office/drawing/2014/main" id="{D6626142-71F0-DC12-CF8B-41D8F96D48FA}"/>
+              </a:ext>
+            </a:extLst>
+          </p:cNvPr>
+          <p:cNvSpPr/>
+          <p:nvPr/>
+        </p:nvSpPr>
+        <p:spPr>
+          <a:xfrm>
+            <a:off x="2649800" y="3303981"/>
+            <a:ext cx="1476359" cy="363127"/>
+          </a:xfrm>
+          <a:prstGeom prst="leftRightArrow">
+            <a:avLst>
+              <a:gd name="adj1" fmla="val 34616"/>
+              <a:gd name="adj2" fmla="val 45433"/>
+            </a:avLst>
+          </a:prstGeom>
+          <a:solidFill>
+            <a:schemeClr val="accent4">
+              <a:lumMod val="60000"/>
+              <a:lumOff val="40000"/>
+            </a:schemeClr>
+          </a:solidFill>
+        </p:spPr>
+        <p:style>
+          <a:lnRef idx="2">
+            <a:schemeClr val="accent1">
+              <a:shade val="15000"/>
+            </a:schemeClr>
+          </a:lnRef>
+          <a:fillRef idx="1">
+            <a:schemeClr val="accent1"/>
+          </a:fillRef>
+          <a:effectRef idx="0">
+            <a:schemeClr val="accent1"/>
+          </a:effectRef>
+          <a:fontRef idx="minor">
+            <a:schemeClr val="lt1"/>
+          </a:fontRef>
+        </p:style>
+        <p:txBody>
+          <a:bodyPr rtlCol="0" anchor="ctr"/>
+          <a:lstStyle/>
+          <a:p>
+            <a:pPr marL="0" marR="0" lvl="0" indent="0" algn="ctr" defTabSz="914400" rtl="0" eaLnBrk="1" fontAlgn="auto" latinLnBrk="0" hangingPunct="1">
+              <a:lnSpc>
+                <a:spcPct val="100000"/>
+              </a:lnSpc>
+              <a:spcBef>
+                <a:spcPts val="0"/>
+              </a:spcBef>
+              <a:spcAft>
+                <a:spcPts val="0"/>
+              </a:spcAft>
+              <a:buClrTx/>
+              <a:buSzTx/>
+              <a:buFontTx/>
+              <a:buNone/>
+              <a:tabLst/>
+              <a:defRPr/>
+            </a:pPr>
+            <a:endParaRPr kumimoji="0" lang="en-US" sz="1800" b="0" i="0" u="none" strike="noStrike" kern="1200" cap="none" spc="0" normalizeH="0" baseline="0" noProof="0">
+              <a:ln>
+                <a:noFill/>
+              </a:ln>
+              <a:solidFill>
+                <a:srgbClr val="FFFFFF"/>
+              </a:solidFill>
+              <a:effectLst/>
+              <a:uLnTx/>
+              <a:uFillTx/>
+              <a:latin typeface="Arial" panose="020B0604020202020204"/>
+              <a:ea typeface="+mn-ea"/>
+              <a:cs typeface="+mn-cs"/>
+            </a:endParaRPr>
+          </a:p>
+        </p:txBody>
+      </p:sp>
+      <p:sp>
+        <p:nvSpPr>
+          <p:cNvPr id="10" name="Rectangle 9">
+            <a:extLst>
+              <a:ext uri="{FF2B5EF4-FFF2-40B4-BE49-F238E27FC236}">
+                <a16:creationId xmlns:a16="http://schemas.microsoft.com/office/drawing/2014/main" id="{C0A92D1D-FD2B-D117-8AA5-E48D34918448}"/>
+              </a:ext>
+            </a:extLst>
+          </p:cNvPr>
+          <p:cNvSpPr/>
+          <p:nvPr/>
+        </p:nvSpPr>
+        <p:spPr>
+          <a:xfrm>
+            <a:off x="2586426" y="3234020"/>
+            <a:ext cx="1547919" cy="549544"/>
+          </a:xfrm>
+          <a:prstGeom prst="rect">
+            <a:avLst/>
+          </a:prstGeom>
+          <a:solidFill>
+            <a:schemeClr val="bg1">
+              <a:alpha val="83000"/>
+            </a:schemeClr>
+          </a:solidFill>
+          <a:ln>
+            <a:noFill/>
+          </a:ln>
+        </p:spPr>
+        <p:style>
+          <a:lnRef idx="2">
+            <a:schemeClr val="accent1">
+              <a:shade val="15000"/>
+            </a:schemeClr>
+          </a:lnRef>
+          <a:fillRef idx="1">
+            <a:schemeClr val="accent1"/>
+          </a:fillRef>
+          <a:effectRef idx="0">
+            <a:schemeClr val="accent1"/>
+          </a:effectRef>
+          <a:fontRef idx="minor">
+            <a:schemeClr val="lt1"/>
+          </a:fontRef>
+        </p:style>
+        <p:txBody>
+          <a:bodyPr rtlCol="0" anchor="ctr"/>
+          <a:lstStyle/>
+          <a:p>
+            <a:pPr algn="ctr"/>
+            <a:endParaRPr lang="en-US"/>
+          </a:p>
+        </p:txBody>
+      </p:sp>
+      <p:sp>
+        <p:nvSpPr>
+          <p:cNvPr id="4" name="Rectangle 3">
+            <a:extLst>
+              <a:ext uri="{FF2B5EF4-FFF2-40B4-BE49-F238E27FC236}">
+                <a16:creationId xmlns:a16="http://schemas.microsoft.com/office/drawing/2014/main" id="{AB3C5674-D116-E40A-C7BC-438916A48E3D}"/>
+              </a:ext>
+            </a:extLst>
+          </p:cNvPr>
+          <p:cNvSpPr/>
+          <p:nvPr/>
+        </p:nvSpPr>
+        <p:spPr>
+          <a:xfrm>
+            <a:off x="2396526" y="3044200"/>
+            <a:ext cx="1547919" cy="1917100"/>
+          </a:xfrm>
+          <a:prstGeom prst="rect">
+            <a:avLst/>
+          </a:prstGeom>
+          <a:solidFill>
+            <a:schemeClr val="bg1"/>
+          </a:solidFill>
+          <a:ln>
+            <a:noFill/>
+          </a:ln>
+          <a:effectLst>
+            <a:softEdge rad="190500"/>
+          </a:effectLst>
+        </p:spPr>
+        <p:style>
+          <a:lnRef idx="2">
+            <a:schemeClr val="accent1">
+              <a:shade val="15000"/>
+            </a:schemeClr>
+          </a:lnRef>
+          <a:fillRef idx="1">
+            <a:schemeClr val="accent1"/>
+          </a:fillRef>
+          <a:effectRef idx="0">
+            <a:schemeClr val="accent1"/>
+          </a:effectRef>
+          <a:fontRef idx="minor">
+            <a:schemeClr val="lt1"/>
+          </a:fontRef>
+        </p:style>
+        <p:txBody>
+          <a:bodyPr rtlCol="0" anchor="ctr"/>
+          <a:lstStyle/>
+          <a:p>
+            <a:pPr algn="ctr"/>
+            <a:endParaRPr lang="en-US"/>
+          </a:p>
+        </p:txBody>
+      </p:sp>
+    </p:spTree>
+    <p:extLst>
+      <p:ext uri="{BB962C8B-B14F-4D97-AF65-F5344CB8AC3E}">
+        <p14:creationId xmlns:p14="http://schemas.microsoft.com/office/powerpoint/2010/main" val="4240321402"/>
+      </p:ext>
+    </p:extLst>
+  </p:cSld>
+  <p:clrMapOvr>
+    <a:masterClrMapping/>
+  </p:clrMapOvr>
+  <mc:AlternateContent xmlns:mc="http://schemas.openxmlformats.org/markup-compatibility/2006" xmlns:p14="http://schemas.microsoft.com/office/powerpoint/2010/main">
+    <mc:Choice Requires="p14">
+      <p:transition spd="med" p14:dur="700">
+        <p:fade/>
+      </p:transition>
+    </mc:Choice>
+    <mc:Fallback xmlns="">
       <p:transition spd="med">
         <p:fade/>
       </p:transition>
@@ -22031,12 +23704,27 @@
 </file>
 
 <file path=customXml/item1.xml><?xml version="1.0" encoding="utf-8"?>
-<?mso-contentType ?>
-<FormTemplates xmlns="http://schemas.microsoft.com/sharepoint/v3/contenttype/forms">
-  <Display>DocumentLibraryForm</Display>
-  <Edit>DocumentLibraryForm</Edit>
-  <New>DocumentLibraryForm</New>
-</FormTemplates>
+<p:properties xmlns:p="http://schemas.microsoft.com/office/2006/metadata/properties" xmlns:xsi="http://www.w3.org/2001/XMLSchema-instance" xmlns:pc="http://schemas.microsoft.com/office/infopath/2007/PartnerControls">
+  <documentManagement>
+    <SharedWithUsers xmlns="5bceed9a-bae5-4329-97ef-b259bd0b225e">
+      <UserInfo>
+        <DisplayName>Ambrose, Nalini</DisplayName>
+        <AccountId>13</AccountId>
+        <AccountType/>
+      </UserInfo>
+      <UserInfo>
+        <DisplayName>Lyall, Jessica</DisplayName>
+        <AccountId>178</AccountId>
+        <AccountType/>
+      </UserInfo>
+      <UserInfo>
+        <DisplayName>Horbachevsky, Olexa</DisplayName>
+        <AccountId>10</AccountId>
+        <AccountType/>
+      </UserInfo>
+    </SharedWithUsers>
+  </documentManagement>
+</p:properties>
 </file>
 
 <file path=customXml/item2.xml><?xml version="1.0" encoding="utf-8"?>
@@ -22237,33 +23925,27 @@
 </file>
 
 <file path=customXml/item3.xml><?xml version="1.0" encoding="utf-8"?>
-<p:properties xmlns:p="http://schemas.microsoft.com/office/2006/metadata/properties" xmlns:xsi="http://www.w3.org/2001/XMLSchema-instance" xmlns:pc="http://schemas.microsoft.com/office/infopath/2007/PartnerControls">
-  <documentManagement>
-    <SharedWithUsers xmlns="5bceed9a-bae5-4329-97ef-b259bd0b225e">
-      <UserInfo>
-        <DisplayName>Ambrose, Nalini</DisplayName>
-        <AccountId>13</AccountId>
-        <AccountType/>
-      </UserInfo>
-      <UserInfo>
-        <DisplayName>Lyall, Jessica</DisplayName>
-        <AccountId>178</AccountId>
-        <AccountType/>
-      </UserInfo>
-      <UserInfo>
-        <DisplayName>Horbachevsky, Olexa</DisplayName>
-        <AccountId>10</AccountId>
-        <AccountType/>
-      </UserInfo>
-    </SharedWithUsers>
-  </documentManagement>
-</p:properties>
+<?mso-contentType ?>
+<FormTemplates xmlns="http://schemas.microsoft.com/sharepoint/v3/contenttype/forms">
+  <Display>DocumentLibraryForm</Display>
+  <Edit>DocumentLibraryForm</Edit>
+  <New>DocumentLibraryForm</New>
+</FormTemplates>
 </file>
 
 <file path=customXml/itemProps1.xml><?xml version="1.0" encoding="utf-8"?>
-<ds:datastoreItem xmlns:ds="http://schemas.openxmlformats.org/officeDocument/2006/customXml" ds:itemID="{416BA5C9-2D71-4B86-AE8A-8C0D9BC5FB22}">
+<ds:datastoreItem xmlns:ds="http://schemas.openxmlformats.org/officeDocument/2006/customXml" ds:itemID="{5450FCDD-08B1-48D8-BB50-7A17E590A5EE}">
   <ds:schemaRefs>
-    <ds:schemaRef ds:uri="http://schemas.microsoft.com/sharepoint/v3/contenttype/forms"/>
+    <ds:schemaRef ds:uri="http://purl.org/dc/terms/"/>
+    <ds:schemaRef ds:uri="http://schemas.openxmlformats.org/package/2006/metadata/core-properties"/>
+    <ds:schemaRef ds:uri="http://purl.org/dc/dcmitype/"/>
+    <ds:schemaRef ds:uri="http://schemas.microsoft.com/office/infopath/2007/PartnerControls"/>
+    <ds:schemaRef ds:uri="http://schemas.microsoft.com/office/2006/documentManagement/types"/>
+    <ds:schemaRef ds:uri="5bceed9a-bae5-4329-97ef-b259bd0b225e"/>
+    <ds:schemaRef ds:uri="http://purl.org/dc/elements/1.1/"/>
+    <ds:schemaRef ds:uri="http://schemas.microsoft.com/office/2006/metadata/properties"/>
+    <ds:schemaRef ds:uri="c6e6fbc9-cbf1-42ee-bbf0-d6e110e2b732"/>
+    <ds:schemaRef ds:uri="http://www.w3.org/XML/1998/namespace"/>
   </ds:schemaRefs>
 </ds:datastoreItem>
 </file>
@@ -22288,18 +23970,9 @@
 </file>
 
 <file path=customXml/itemProps3.xml><?xml version="1.0" encoding="utf-8"?>
-<ds:datastoreItem xmlns:ds="http://schemas.openxmlformats.org/officeDocument/2006/customXml" ds:itemID="{5450FCDD-08B1-48D8-BB50-7A17E590A5EE}">
+<ds:datastoreItem xmlns:ds="http://schemas.openxmlformats.org/officeDocument/2006/customXml" ds:itemID="{416BA5C9-2D71-4B86-AE8A-8C0D9BC5FB22}">
   <ds:schemaRefs>
-    <ds:schemaRef ds:uri="http://purl.org/dc/terms/"/>
-    <ds:schemaRef ds:uri="http://schemas.openxmlformats.org/package/2006/metadata/core-properties"/>
-    <ds:schemaRef ds:uri="http://purl.org/dc/dcmitype/"/>
-    <ds:schemaRef ds:uri="http://schemas.microsoft.com/office/infopath/2007/PartnerControls"/>
-    <ds:schemaRef ds:uri="http://schemas.microsoft.com/office/2006/documentManagement/types"/>
-    <ds:schemaRef ds:uri="5bceed9a-bae5-4329-97ef-b259bd0b225e"/>
-    <ds:schemaRef ds:uri="http://purl.org/dc/elements/1.1/"/>
-    <ds:schemaRef ds:uri="http://schemas.microsoft.com/office/2006/metadata/properties"/>
-    <ds:schemaRef ds:uri="c6e6fbc9-cbf1-42ee-bbf0-d6e110e2b732"/>
-    <ds:schemaRef ds:uri="http://www.w3.org/XML/1998/namespace"/>
+    <ds:schemaRef ds:uri="http://schemas.microsoft.com/sharepoint/v3/contenttype/forms"/>
   </ds:schemaRefs>
 </ds:datastoreItem>
 </file>
--- a/input/images-source/CRD_DTR_Flow.pptx
+++ b/input/images-source/CRD_DTR_Flow.pptx
@@ -3246,7 +3246,7 @@
           <a:p>
             <a:fld id="{FD8C879B-2DAC-426D-B5B4-08F42B952A26}" type="datetimeFigureOut">
               <a:rPr lang="en-US" smtClean="0"/>
-              <a:t>12/15/2024</a:t>
+              <a:t>12/16/2024</a:t>
             </a:fld>
             <a:endParaRPr lang="en-US" dirty="0"/>
           </a:p>
@@ -3423,7 +3423,7 @@
           <a:p>
             <a:fld id="{92E54576-A3BB-48F9-891E-992E86D01A7B}" type="datetimeFigureOut">
               <a:rPr lang="en-US" smtClean="0"/>
-              <a:t>12/15/2024</a:t>
+              <a:t>12/16/2024</a:t>
             </a:fld>
             <a:endParaRPr lang="en-US" dirty="0"/>
           </a:p>
@@ -7712,7 +7712,7 @@
           <a:p>
             <a:fld id="{41EA1E7C-71D6-4729-84AA-F013DDAF4032}" type="datetimeFigureOut">
               <a:rPr lang="en-US" smtClean="0"/>
-              <a:t>12/15/2024</a:t>
+              <a:t>12/16/2024</a:t>
             </a:fld>
             <a:endParaRPr lang="en-US" dirty="0"/>
           </a:p>
@@ -20665,7 +20665,7 @@
         </p:nvSpPr>
         <p:spPr>
           <a:xfrm>
-            <a:off x="3250581" y="3857549"/>
+            <a:off x="3241701" y="4454403"/>
             <a:ext cx="1961874" cy="718205"/>
           </a:xfrm>
           <a:prstGeom prst="rect">
@@ -20914,7 +20914,7 @@
         </p:nvSpPr>
         <p:spPr>
           <a:xfrm flipH="1">
-            <a:off x="4520318" y="3956365"/>
+            <a:off x="4511438" y="4553219"/>
             <a:ext cx="714855" cy="506959"/>
           </a:xfrm>
           <a:prstGeom prst="homePlate">
@@ -21008,7 +21008,7 @@
         </p:nvSpPr>
         <p:spPr>
           <a:xfrm>
-            <a:off x="4141250" y="3261513"/>
+            <a:off x="4132370" y="3858367"/>
             <a:ext cx="1075645" cy="448065"/>
           </a:xfrm>
           <a:prstGeom prst="rect">
@@ -21144,7 +21144,7 @@
         </p:nvSpPr>
         <p:spPr>
           <a:xfrm>
-            <a:off x="5225081" y="3293860"/>
+            <a:off x="5216201" y="3890714"/>
             <a:ext cx="1304945" cy="363127"/>
           </a:xfrm>
           <a:prstGeom prst="leftRightArrow">
@@ -21228,7 +21228,7 @@
         </p:nvSpPr>
         <p:spPr>
           <a:xfrm>
-            <a:off x="6538905" y="3195873"/>
+            <a:off x="6530025" y="3792727"/>
             <a:ext cx="1696884" cy="1379881"/>
           </a:xfrm>
           <a:prstGeom prst="rect">
@@ -21330,7 +21330,7 @@
         </p:nvSpPr>
         <p:spPr>
           <a:xfrm>
-            <a:off x="5216894" y="4037176"/>
+            <a:off x="5208014" y="4634030"/>
             <a:ext cx="1313131" cy="363127"/>
           </a:xfrm>
           <a:prstGeom prst="leftRightArrow">
@@ -21480,8 +21480,8 @@
         </p:nvSpPr>
         <p:spPr>
           <a:xfrm>
-            <a:off x="4339318" y="1591489"/>
-            <a:ext cx="1304945" cy="718205"/>
+            <a:off x="4002635" y="1910050"/>
+            <a:ext cx="1615036" cy="718205"/>
           </a:xfrm>
           <a:prstGeom prst="rect">
             <a:avLst/>
@@ -21536,7 +21536,7 @@
           <a:bodyPr rtlCol="0" anchor="ctr"/>
           <a:lstStyle/>
           <a:p>
-            <a:pPr marL="0" marR="0" lvl="0" indent="0" algn="ctr" defTabSz="914400" rtl="0" eaLnBrk="1" fontAlgn="auto" latinLnBrk="0" hangingPunct="1">
+            <a:pPr marL="0" marR="0" lvl="0" indent="0" defTabSz="914400" rtl="0" eaLnBrk="1" fontAlgn="auto" latinLnBrk="0" hangingPunct="1">
               <a:lnSpc>
                 <a:spcPct val="100000"/>
               </a:lnSpc>
@@ -21568,7 +21568,52 @@
                 <a:ea typeface="+mn-ea"/>
                 <a:cs typeface="+mn-cs"/>
               </a:rPr>
-              <a:t>Light DTR EHR</a:t>
+              <a:t>                Light DTR     </a:t>
+            </a:r>
+          </a:p>
+          <a:p>
+            <a:pPr marL="0" marR="0" lvl="0" indent="0" defTabSz="914400" rtl="0" eaLnBrk="1" fontAlgn="auto" latinLnBrk="0" hangingPunct="1">
+              <a:lnSpc>
+                <a:spcPct val="100000"/>
+              </a:lnSpc>
+              <a:spcBef>
+                <a:spcPts val="0"/>
+              </a:spcBef>
+              <a:spcAft>
+                <a:spcPts val="0"/>
+              </a:spcAft>
+              <a:buClrTx/>
+              <a:buSzTx/>
+              <a:buFontTx/>
+              <a:buNone/>
+              <a:tabLst/>
+              <a:defRPr/>
+            </a:pPr>
+            <a:r>
+              <a:rPr lang="en-US" sz="1200" dirty="0">
+                <a:solidFill>
+                  <a:srgbClr val="FFFFFF"/>
+                </a:solidFill>
+                <a:latin typeface="Arial" panose="020B0604020202020204"/>
+              </a:rPr>
+              <a:t>                    </a:t>
+            </a:r>
+            <a:r>
+              <a:rPr kumimoji="0" lang="en-US" sz="1200" i="0" u="none" strike="noStrike" kern="1200" cap="none" spc="0" normalizeH="0" baseline="0" noProof="0" dirty="0">
+                <a:ln>
+                  <a:noFill/>
+                </a:ln>
+                <a:solidFill>
+                  <a:srgbClr val="FFFFFF"/>
+                </a:solidFill>
+                <a:effectLst/>
+                <a:uLnTx/>
+                <a:uFillTx/>
+                <a:latin typeface="Arial" panose="020B0604020202020204"/>
+                <a:ea typeface="+mn-ea"/>
+                <a:cs typeface="+mn-cs"/>
+              </a:rPr>
+              <a:t>EHR</a:t>
             </a:r>
           </a:p>
         </p:txBody>
@@ -21587,7 +21632,7 @@
         </p:nvSpPr>
         <p:spPr>
           <a:xfrm>
-            <a:off x="6547738" y="1726558"/>
+            <a:off x="6521145" y="2045119"/>
             <a:ext cx="1075645" cy="448065"/>
           </a:xfrm>
           <a:prstGeom prst="rect">
@@ -21723,7 +21768,7 @@
         </p:nvSpPr>
         <p:spPr>
           <a:xfrm>
-            <a:off x="5644264" y="1767783"/>
+            <a:off x="5617671" y="2086344"/>
             <a:ext cx="894642" cy="363127"/>
           </a:xfrm>
           <a:prstGeom prst="leftRightArrow">
@@ -21807,7 +21852,7 @@
         </p:nvSpPr>
         <p:spPr>
           <a:xfrm>
-            <a:off x="2649800" y="3303981"/>
+            <a:off x="2640920" y="3900835"/>
             <a:ext cx="1476359" cy="363127"/>
           </a:xfrm>
           <a:prstGeom prst="leftRightArrow">
@@ -21891,7 +21936,7 @@
         </p:nvSpPr>
         <p:spPr>
           <a:xfrm>
-            <a:off x="2586426" y="3234020"/>
+            <a:off x="2577546" y="3830874"/>
             <a:ext cx="1547919" cy="549544"/>
           </a:xfrm>
           <a:prstGeom prst="rect">
@@ -21945,8 +21990,63 @@
         </p:nvSpPr>
         <p:spPr>
           <a:xfrm>
-            <a:off x="2396526" y="3044200"/>
+            <a:off x="2387646" y="3641054"/>
             <a:ext cx="1547919" cy="1917100"/>
+          </a:xfrm>
+          <a:prstGeom prst="rect">
+            <a:avLst/>
+          </a:prstGeom>
+          <a:solidFill>
+            <a:schemeClr val="bg1"/>
+          </a:solidFill>
+          <a:ln>
+            <a:noFill/>
+          </a:ln>
+          <a:effectLst>
+            <a:softEdge rad="190500"/>
+          </a:effectLst>
+        </p:spPr>
+        <p:style>
+          <a:lnRef idx="2">
+            <a:schemeClr val="accent1">
+              <a:shade val="15000"/>
+            </a:schemeClr>
+          </a:lnRef>
+          <a:fillRef idx="1">
+            <a:schemeClr val="accent1"/>
+          </a:fillRef>
+          <a:effectRef idx="0">
+            <a:schemeClr val="accent1"/>
+          </a:effectRef>
+          <a:fontRef idx="minor">
+            <a:schemeClr val="lt1"/>
+          </a:fontRef>
+        </p:style>
+        <p:txBody>
+          <a:bodyPr rtlCol="0" anchor="ctr"/>
+          <a:lstStyle/>
+          <a:p>
+            <a:pPr algn="ctr"/>
+            <a:endParaRPr lang="en-US"/>
+          </a:p>
+        </p:txBody>
+      </p:sp>
+      <p:sp>
+        <p:nvSpPr>
+          <p:cNvPr id="11" name="Rectangle 10">
+            <a:extLst>
+              <a:ext uri="{FF2B5EF4-FFF2-40B4-BE49-F238E27FC236}">
+                <a16:creationId xmlns:a16="http://schemas.microsoft.com/office/drawing/2014/main" id="{A3DE90FD-5DEB-6028-98D9-E8F248887C8F}"/>
+              </a:ext>
+            </a:extLst>
+          </p:cNvPr>
+          <p:cNvSpPr/>
+          <p:nvPr/>
+        </p:nvSpPr>
+        <p:spPr>
+          <a:xfrm>
+            <a:off x="3228675" y="1595100"/>
+            <a:ext cx="1547919" cy="1382115"/>
           </a:xfrm>
           <a:prstGeom prst="rect">
             <a:avLst/>
@@ -23704,27 +23804,12 @@
 </file>
 
 <file path=customXml/item1.xml><?xml version="1.0" encoding="utf-8"?>
-<p:properties xmlns:p="http://schemas.microsoft.com/office/2006/metadata/properties" xmlns:xsi="http://www.w3.org/2001/XMLSchema-instance" xmlns:pc="http://schemas.microsoft.com/office/infopath/2007/PartnerControls">
-  <documentManagement>
-    <SharedWithUsers xmlns="5bceed9a-bae5-4329-97ef-b259bd0b225e">
-      <UserInfo>
-        <DisplayName>Ambrose, Nalini</DisplayName>
-        <AccountId>13</AccountId>
-        <AccountType/>
-      </UserInfo>
-      <UserInfo>
-        <DisplayName>Lyall, Jessica</DisplayName>
-        <AccountId>178</AccountId>
-        <AccountType/>
-      </UserInfo>
-      <UserInfo>
-        <DisplayName>Horbachevsky, Olexa</DisplayName>
-        <AccountId>10</AccountId>
-        <AccountType/>
-      </UserInfo>
-    </SharedWithUsers>
-  </documentManagement>
-</p:properties>
+<?mso-contentType ?>
+<FormTemplates xmlns="http://schemas.microsoft.com/sharepoint/v3/contenttype/forms">
+  <Display>DocumentLibraryForm</Display>
+  <Edit>DocumentLibraryForm</Edit>
+  <New>DocumentLibraryForm</New>
+</FormTemplates>
 </file>
 
 <file path=customXml/item2.xml><?xml version="1.0" encoding="utf-8"?>
@@ -23925,27 +24010,33 @@
 </file>
 
 <file path=customXml/item3.xml><?xml version="1.0" encoding="utf-8"?>
-<?mso-contentType ?>
-<FormTemplates xmlns="http://schemas.microsoft.com/sharepoint/v3/contenttype/forms">
-  <Display>DocumentLibraryForm</Display>
-  <Edit>DocumentLibraryForm</Edit>
-  <New>DocumentLibraryForm</New>
-</FormTemplates>
+<p:properties xmlns:p="http://schemas.microsoft.com/office/2006/metadata/properties" xmlns:xsi="http://www.w3.org/2001/XMLSchema-instance" xmlns:pc="http://schemas.microsoft.com/office/infopath/2007/PartnerControls">
+  <documentManagement>
+    <SharedWithUsers xmlns="5bceed9a-bae5-4329-97ef-b259bd0b225e">
+      <UserInfo>
+        <DisplayName>Ambrose, Nalini</DisplayName>
+        <AccountId>13</AccountId>
+        <AccountType/>
+      </UserInfo>
+      <UserInfo>
+        <DisplayName>Lyall, Jessica</DisplayName>
+        <AccountId>178</AccountId>
+        <AccountType/>
+      </UserInfo>
+      <UserInfo>
+        <DisplayName>Horbachevsky, Olexa</DisplayName>
+        <AccountId>10</AccountId>
+        <AccountType/>
+      </UserInfo>
+    </SharedWithUsers>
+  </documentManagement>
+</p:properties>
 </file>
 
 <file path=customXml/itemProps1.xml><?xml version="1.0" encoding="utf-8"?>
-<ds:datastoreItem xmlns:ds="http://schemas.openxmlformats.org/officeDocument/2006/customXml" ds:itemID="{5450FCDD-08B1-48D8-BB50-7A17E590A5EE}">
+<ds:datastoreItem xmlns:ds="http://schemas.openxmlformats.org/officeDocument/2006/customXml" ds:itemID="{416BA5C9-2D71-4B86-AE8A-8C0D9BC5FB22}">
   <ds:schemaRefs>
-    <ds:schemaRef ds:uri="http://purl.org/dc/terms/"/>
-    <ds:schemaRef ds:uri="http://schemas.openxmlformats.org/package/2006/metadata/core-properties"/>
-    <ds:schemaRef ds:uri="http://purl.org/dc/dcmitype/"/>
-    <ds:schemaRef ds:uri="http://schemas.microsoft.com/office/infopath/2007/PartnerControls"/>
-    <ds:schemaRef ds:uri="http://schemas.microsoft.com/office/2006/documentManagement/types"/>
-    <ds:schemaRef ds:uri="5bceed9a-bae5-4329-97ef-b259bd0b225e"/>
-    <ds:schemaRef ds:uri="http://purl.org/dc/elements/1.1/"/>
-    <ds:schemaRef ds:uri="http://schemas.microsoft.com/office/2006/metadata/properties"/>
-    <ds:schemaRef ds:uri="c6e6fbc9-cbf1-42ee-bbf0-d6e110e2b732"/>
-    <ds:schemaRef ds:uri="http://www.w3.org/XML/1998/namespace"/>
+    <ds:schemaRef ds:uri="http://schemas.microsoft.com/sharepoint/v3/contenttype/forms"/>
   </ds:schemaRefs>
 </ds:datastoreItem>
 </file>
@@ -23970,9 +24061,18 @@
 </file>
 
 <file path=customXml/itemProps3.xml><?xml version="1.0" encoding="utf-8"?>
-<ds:datastoreItem xmlns:ds="http://schemas.openxmlformats.org/officeDocument/2006/customXml" ds:itemID="{416BA5C9-2D71-4B86-AE8A-8C0D9BC5FB22}">
+<ds:datastoreItem xmlns:ds="http://schemas.openxmlformats.org/officeDocument/2006/customXml" ds:itemID="{5450FCDD-08B1-48D8-BB50-7A17E590A5EE}">
   <ds:schemaRefs>
-    <ds:schemaRef ds:uri="http://schemas.microsoft.com/sharepoint/v3/contenttype/forms"/>
+    <ds:schemaRef ds:uri="http://purl.org/dc/terms/"/>
+    <ds:schemaRef ds:uri="http://schemas.openxmlformats.org/package/2006/metadata/core-properties"/>
+    <ds:schemaRef ds:uri="http://purl.org/dc/dcmitype/"/>
+    <ds:schemaRef ds:uri="http://schemas.microsoft.com/office/infopath/2007/PartnerControls"/>
+    <ds:schemaRef ds:uri="http://schemas.microsoft.com/office/2006/documentManagement/types"/>
+    <ds:schemaRef ds:uri="5bceed9a-bae5-4329-97ef-b259bd0b225e"/>
+    <ds:schemaRef ds:uri="http://purl.org/dc/elements/1.1/"/>
+    <ds:schemaRef ds:uri="http://schemas.microsoft.com/office/2006/metadata/properties"/>
+    <ds:schemaRef ds:uri="c6e6fbc9-cbf1-42ee-bbf0-d6e110e2b732"/>
+    <ds:schemaRef ds:uri="http://www.w3.org/XML/1998/namespace"/>
   </ds:schemaRefs>
 </ds:datastoreItem>
 </file>
--- a/input/images-source/CRD_DTR_Flow.pptx
+++ b/input/images-source/CRD_DTR_Flow.pptx
@@ -15,7 +15,7 @@
   </p:handoutMasterIdLst>
   <p:sldIdLst>
     <p:sldId id="2919" r:id="rId8"/>
-    <p:sldId id="2924" r:id="rId9"/>
+    <p:sldId id="2925" r:id="rId9"/>
     <p:sldId id="2922" r:id="rId10"/>
     <p:sldId id="2923" r:id="rId11"/>
   </p:sldIdLst>
@@ -122,7 +122,7 @@
         <p14:section name="Default Section" id="{2A4ADE3A-30A3-434C-A0A8-D43F949D9DE1}">
           <p14:sldIdLst>
             <p14:sldId id="2919"/>
-            <p14:sldId id="2924"/>
+            <p14:sldId id="2925"/>
             <p14:sldId id="2922"/>
             <p14:sldId id="2923"/>
           </p14:sldIdLst>
@@ -3790,7 +3790,7 @@
         <p:cNvPr id="1" name="">
           <a:extLst>
             <a:ext uri="{FF2B5EF4-FFF2-40B4-BE49-F238E27FC236}">
-              <a16:creationId xmlns:a16="http://schemas.microsoft.com/office/drawing/2014/main" id="{5FD1A7AA-45C5-0BA9-22CE-951EE1D4579B}"/>
+              <a16:creationId xmlns:a16="http://schemas.microsoft.com/office/drawing/2014/main" id="{2E61C5AD-62F1-DB92-75F6-CCD64508A062}"/>
             </a:ext>
           </a:extLst>
         </p:cNvPr>
@@ -3810,7 +3810,7 @@
           <p:cNvPr id="2" name="Slide Image Placeholder 1">
             <a:extLst>
               <a:ext uri="{FF2B5EF4-FFF2-40B4-BE49-F238E27FC236}">
-                <a16:creationId xmlns:a16="http://schemas.microsoft.com/office/drawing/2014/main" id="{E01D4F1B-F18D-F01C-0B51-4566D01DF6D2}"/>
+                <a16:creationId xmlns:a16="http://schemas.microsoft.com/office/drawing/2014/main" id="{0B5015B6-FDD1-A9F2-A46E-242315FFBA2C}"/>
               </a:ext>
             </a:extLst>
           </p:cNvPr>
@@ -3828,7 +3828,7 @@
           <p:cNvPr id="3" name="Notes Placeholder 2">
             <a:extLst>
               <a:ext uri="{FF2B5EF4-FFF2-40B4-BE49-F238E27FC236}">
-                <a16:creationId xmlns:a16="http://schemas.microsoft.com/office/drawing/2014/main" id="{ECCCD464-7DFC-9BF1-32CE-0A96E380764A}"/>
+                <a16:creationId xmlns:a16="http://schemas.microsoft.com/office/drawing/2014/main" id="{8319A172-4D4F-9B68-BDCC-93ADF97EC46A}"/>
               </a:ext>
             </a:extLst>
           </p:cNvPr>
@@ -3861,7 +3861,7 @@
           <p:cNvPr id="4" name="Slide Number Placeholder 3">
             <a:extLst>
               <a:ext uri="{FF2B5EF4-FFF2-40B4-BE49-F238E27FC236}">
-                <a16:creationId xmlns:a16="http://schemas.microsoft.com/office/drawing/2014/main" id="{2067B3DC-735A-4749-4B13-BBEDA3CC0E71}"/>
+                <a16:creationId xmlns:a16="http://schemas.microsoft.com/office/drawing/2014/main" id="{00E55686-584C-3614-9CB5-237EADDD39FF}"/>
               </a:ext>
             </a:extLst>
           </p:cNvPr>
@@ -3888,7 +3888,7 @@
     </p:spTree>
     <p:extLst>
       <p:ext uri="{BB962C8B-B14F-4D97-AF65-F5344CB8AC3E}">
-        <p14:creationId xmlns:p14="http://schemas.microsoft.com/office/powerpoint/2010/main" val="263957659"/>
+        <p14:creationId xmlns:p14="http://schemas.microsoft.com/office/powerpoint/2010/main" val="2746767407"/>
       </p:ext>
     </p:extLst>
   </p:cSld>
@@ -17458,7 +17458,7 @@
         <p:cNvPr id="1" name="">
           <a:extLst>
             <a:ext uri="{FF2B5EF4-FFF2-40B4-BE49-F238E27FC236}">
-              <a16:creationId xmlns:a16="http://schemas.microsoft.com/office/drawing/2014/main" id="{3E10F06B-580C-18F8-BA37-4DA3D9DC1905}"/>
+              <a16:creationId xmlns:a16="http://schemas.microsoft.com/office/drawing/2014/main" id="{60CF00C9-5403-847F-979F-2F86C8299159}"/>
             </a:ext>
           </a:extLst>
         </p:cNvPr>
@@ -17478,7 +17478,7 @@
           <p:cNvPr id="17" name="Rectangle: Rounded Corners 16">
             <a:extLst>
               <a:ext uri="{FF2B5EF4-FFF2-40B4-BE49-F238E27FC236}">
-                <a16:creationId xmlns:a16="http://schemas.microsoft.com/office/drawing/2014/main" id="{37680226-4D9F-9C74-8998-E1B23C82CABF}"/>
+                <a16:creationId xmlns:a16="http://schemas.microsoft.com/office/drawing/2014/main" id="{5A6F5DE3-467D-6E9C-C44A-6967C146875B}"/>
               </a:ext>
             </a:extLst>
           </p:cNvPr>
@@ -17534,7 +17534,7 @@
           <p:cNvPr id="19" name="Rectangle 18">
             <a:extLst>
               <a:ext uri="{FF2B5EF4-FFF2-40B4-BE49-F238E27FC236}">
-                <a16:creationId xmlns:a16="http://schemas.microsoft.com/office/drawing/2014/main" id="{5ADEFB3D-300F-0EFD-D44B-E4BDF206821B}"/>
+                <a16:creationId xmlns:a16="http://schemas.microsoft.com/office/drawing/2014/main" id="{76D006D2-1154-6426-6C46-29D30CE2562E}"/>
               </a:ext>
             </a:extLst>
           </p:cNvPr>
@@ -17591,7 +17591,7 @@
           <p:cNvPr id="20" name="Straight Connector 19">
             <a:extLst>
               <a:ext uri="{FF2B5EF4-FFF2-40B4-BE49-F238E27FC236}">
-                <a16:creationId xmlns:a16="http://schemas.microsoft.com/office/drawing/2014/main" id="{AF099690-FF18-5DCD-AF87-23066A62A211}"/>
+                <a16:creationId xmlns:a16="http://schemas.microsoft.com/office/drawing/2014/main" id="{32001FFF-73F2-D4B8-F949-C0CE6F185221}"/>
               </a:ext>
             </a:extLst>
           </p:cNvPr>
@@ -17634,7 +17634,7 @@
           <p:cNvPr id="23" name="Rectangle 22">
             <a:extLst>
               <a:ext uri="{FF2B5EF4-FFF2-40B4-BE49-F238E27FC236}">
-                <a16:creationId xmlns:a16="http://schemas.microsoft.com/office/drawing/2014/main" id="{D6D050D9-AC70-C7F2-A366-D14C26C373DB}"/>
+                <a16:creationId xmlns:a16="http://schemas.microsoft.com/office/drawing/2014/main" id="{6391BD7A-BE5E-B485-8274-B01F4E98BE10}"/>
               </a:ext>
             </a:extLst>
           </p:cNvPr>
@@ -17691,7 +17691,7 @@
           <p:cNvPr id="25" name="Rectangle 24">
             <a:extLst>
               <a:ext uri="{FF2B5EF4-FFF2-40B4-BE49-F238E27FC236}">
-                <a16:creationId xmlns:a16="http://schemas.microsoft.com/office/drawing/2014/main" id="{23C962E9-CA2C-512E-E327-3E4C4679CA11}"/>
+                <a16:creationId xmlns:a16="http://schemas.microsoft.com/office/drawing/2014/main" id="{4DBC32F2-1CB0-F715-1F2F-F50E43CC9213}"/>
               </a:ext>
             </a:extLst>
           </p:cNvPr>
@@ -17750,7 +17750,7 @@
           <p:cNvPr id="26" name="Rectangle 25">
             <a:extLst>
               <a:ext uri="{FF2B5EF4-FFF2-40B4-BE49-F238E27FC236}">
-                <a16:creationId xmlns:a16="http://schemas.microsoft.com/office/drawing/2014/main" id="{0E07FD8E-1501-8FC3-D719-85015EA42386}"/>
+                <a16:creationId xmlns:a16="http://schemas.microsoft.com/office/drawing/2014/main" id="{7B38A46C-A2A3-8C89-C920-B2273213F41A}"/>
               </a:ext>
             </a:extLst>
           </p:cNvPr>
@@ -17807,7 +17807,7 @@
           <p:cNvPr id="28" name="Straight Connector 27">
             <a:extLst>
               <a:ext uri="{FF2B5EF4-FFF2-40B4-BE49-F238E27FC236}">
-                <a16:creationId xmlns:a16="http://schemas.microsoft.com/office/drawing/2014/main" id="{19C20A51-28CE-752E-70A3-8F416D34F760}"/>
+                <a16:creationId xmlns:a16="http://schemas.microsoft.com/office/drawing/2014/main" id="{C7E26ED8-3C68-D6C9-0807-78E452D85865}"/>
               </a:ext>
             </a:extLst>
           </p:cNvPr>
@@ -17850,7 +17850,7 @@
           <p:cNvPr id="32" name="Rectangle 31">
             <a:extLst>
               <a:ext uri="{FF2B5EF4-FFF2-40B4-BE49-F238E27FC236}">
-                <a16:creationId xmlns:a16="http://schemas.microsoft.com/office/drawing/2014/main" id="{EAF9B7A4-5321-04D1-3FE3-614EAA2637B1}"/>
+                <a16:creationId xmlns:a16="http://schemas.microsoft.com/office/drawing/2014/main" id="{0BC02A8B-0C55-8904-F3B6-BE1B70EE765D}"/>
               </a:ext>
             </a:extLst>
           </p:cNvPr>
@@ -17907,7 +17907,7 @@
           <p:cNvPr id="33" name="Rectangle 32">
             <a:extLst>
               <a:ext uri="{FF2B5EF4-FFF2-40B4-BE49-F238E27FC236}">
-                <a16:creationId xmlns:a16="http://schemas.microsoft.com/office/drawing/2014/main" id="{4CE074BB-C7C5-BE5D-C282-31D834CD68E5}"/>
+                <a16:creationId xmlns:a16="http://schemas.microsoft.com/office/drawing/2014/main" id="{EAB01DD2-4629-013E-DF0D-7161857993C9}"/>
               </a:ext>
             </a:extLst>
           </p:cNvPr>
@@ -17979,7 +17979,7 @@
           <p:cNvPr id="34" name="Straight Arrow Connector 33">
             <a:extLst>
               <a:ext uri="{FF2B5EF4-FFF2-40B4-BE49-F238E27FC236}">
-                <a16:creationId xmlns:a16="http://schemas.microsoft.com/office/drawing/2014/main" id="{B91EE50C-2AB7-86EE-68A2-AF4B2E7B8E96}"/>
+                <a16:creationId xmlns:a16="http://schemas.microsoft.com/office/drawing/2014/main" id="{C8A5E9C3-4064-3B01-F1EC-7B226680D7DF}"/>
               </a:ext>
             </a:extLst>
           </p:cNvPr>
@@ -18023,7 +18023,7 @@
           <p:cNvPr id="35" name="Rectangle 34">
             <a:extLst>
               <a:ext uri="{FF2B5EF4-FFF2-40B4-BE49-F238E27FC236}">
-                <a16:creationId xmlns:a16="http://schemas.microsoft.com/office/drawing/2014/main" id="{EF2246DA-E50A-1722-5998-71956DE8BD00}"/>
+                <a16:creationId xmlns:a16="http://schemas.microsoft.com/office/drawing/2014/main" id="{DC2BD5F1-C8B7-8909-DA74-E84AEB3F3A40}"/>
               </a:ext>
             </a:extLst>
           </p:cNvPr>
@@ -18080,7 +18080,7 @@
           <p:cNvPr id="36" name="Straight Connector 35">
             <a:extLst>
               <a:ext uri="{FF2B5EF4-FFF2-40B4-BE49-F238E27FC236}">
-                <a16:creationId xmlns:a16="http://schemas.microsoft.com/office/drawing/2014/main" id="{1F55EEB7-1C15-969D-4908-7FABB3981259}"/>
+                <a16:creationId xmlns:a16="http://schemas.microsoft.com/office/drawing/2014/main" id="{1485DD90-A585-185C-CAA2-B85A2802D5DF}"/>
               </a:ext>
             </a:extLst>
           </p:cNvPr>
@@ -18123,7 +18123,7 @@
           <p:cNvPr id="37" name="Rectangle 36">
             <a:extLst>
               <a:ext uri="{FF2B5EF4-FFF2-40B4-BE49-F238E27FC236}">
-                <a16:creationId xmlns:a16="http://schemas.microsoft.com/office/drawing/2014/main" id="{D8540DC6-641C-C7B0-ECDE-F75753A1970B}"/>
+                <a16:creationId xmlns:a16="http://schemas.microsoft.com/office/drawing/2014/main" id="{80385562-4BFC-19F9-905D-6031EA964D6A}"/>
               </a:ext>
             </a:extLst>
           </p:cNvPr>
@@ -18180,7 +18180,7 @@
           <p:cNvPr id="38" name="Straight Arrow Connector 37">
             <a:extLst>
               <a:ext uri="{FF2B5EF4-FFF2-40B4-BE49-F238E27FC236}">
-                <a16:creationId xmlns:a16="http://schemas.microsoft.com/office/drawing/2014/main" id="{81F78476-E9E4-D69F-8179-CA809AE6A6F6}"/>
+                <a16:creationId xmlns:a16="http://schemas.microsoft.com/office/drawing/2014/main" id="{FBCEAEA7-E3E6-9644-74D2-320BC9782AB9}"/>
               </a:ext>
             </a:extLst>
           </p:cNvPr>
@@ -18191,7 +18191,7 @@
         </p:nvCxnSpPr>
         <p:spPr>
           <a:xfrm>
-            <a:off x="6515817" y="3269647"/>
+            <a:off x="6515817" y="3287753"/>
             <a:ext cx="2505312" cy="0"/>
           </a:xfrm>
           <a:prstGeom prst="straightConnector1">
@@ -18224,7 +18224,7 @@
           <p:cNvPr id="40" name="TextBox 39">
             <a:extLst>
               <a:ext uri="{FF2B5EF4-FFF2-40B4-BE49-F238E27FC236}">
-                <a16:creationId xmlns:a16="http://schemas.microsoft.com/office/drawing/2014/main" id="{AA75EDC0-F67A-2177-BCF0-FAB83F457039}"/>
+                <a16:creationId xmlns:a16="http://schemas.microsoft.com/office/drawing/2014/main" id="{70837D25-428A-3EEA-F1BF-8D460F9D4516}"/>
               </a:ext>
             </a:extLst>
           </p:cNvPr>
@@ -18233,7 +18233,7 @@
         </p:nvSpPr>
         <p:spPr>
           <a:xfrm>
-            <a:off x="6513483" y="3097242"/>
+            <a:off x="6513483" y="3115348"/>
             <a:ext cx="2505283" cy="161583"/>
           </a:xfrm>
           <a:prstGeom prst="rect">
@@ -18296,54 +18296,10 @@
       </p:sp>
       <p:sp>
         <p:nvSpPr>
-          <p:cNvPr id="41" name="TextBox 40">
-            <a:extLst>
-              <a:ext uri="{FF2B5EF4-FFF2-40B4-BE49-F238E27FC236}">
-                <a16:creationId xmlns:a16="http://schemas.microsoft.com/office/drawing/2014/main" id="{92564CF6-CDF4-6C86-CFBD-08A9BB80628A}"/>
-              </a:ext>
-            </a:extLst>
-          </p:cNvPr>
-          <p:cNvSpPr txBox="1"/>
-          <p:nvPr/>
-        </p:nvSpPr>
-        <p:spPr>
-          <a:xfrm>
-            <a:off x="6520826" y="3447848"/>
-            <a:ext cx="2505283" cy="169277"/>
-          </a:xfrm>
-          <a:prstGeom prst="rect">
-            <a:avLst/>
-          </a:prstGeom>
-          <a:noFill/>
-        </p:spPr>
-        <p:txBody>
-          <a:bodyPr wrap="square" lIns="0" tIns="0" rIns="0" bIns="0" rtlCol="0">
-            <a:spAutoFit/>
-          </a:bodyPr>
-          <a:lstStyle/>
-          <a:p>
-            <a:pPr algn="ctr"/>
-            <a:r>
-              <a:rPr lang="en-US" sz="1100" dirty="0">
-                <a:solidFill>
-                  <a:schemeClr val="accent1">
-                    <a:lumMod val="50000"/>
-                  </a:schemeClr>
-                </a:solidFill>
-                <a:latin typeface="Calibri" panose="020F0502020204030204" pitchFamily="34" charset="0"/>
-                <a:cs typeface="Calibri" panose="020F0502020204030204" pitchFamily="34" charset="0"/>
-              </a:rPr>
-              <a:t>Returns “Questionnaire Package”</a:t>
-            </a:r>
-          </a:p>
-        </p:txBody>
-      </p:sp>
-      <p:sp>
-        <p:nvSpPr>
           <p:cNvPr id="42" name="Rectangle 41">
             <a:extLst>
               <a:ext uri="{FF2B5EF4-FFF2-40B4-BE49-F238E27FC236}">
-                <a16:creationId xmlns:a16="http://schemas.microsoft.com/office/drawing/2014/main" id="{6D463DC4-4B9E-5190-6625-39E7FB9B0AB6}"/>
+                <a16:creationId xmlns:a16="http://schemas.microsoft.com/office/drawing/2014/main" id="{F1DEE27B-B0DA-14F1-8E33-47BBD681D92B}"/>
               </a:ext>
             </a:extLst>
           </p:cNvPr>
@@ -18352,7 +18308,7 @@
         </p:nvSpPr>
         <p:spPr>
           <a:xfrm>
-            <a:off x="5267710" y="4192113"/>
+            <a:off x="5267710" y="4237378"/>
             <a:ext cx="2505283" cy="339993"/>
           </a:xfrm>
           <a:prstGeom prst="rect">
@@ -18415,7 +18371,7 @@
           <p:cNvPr id="43" name="TextBox 42">
             <a:extLst>
               <a:ext uri="{FF2B5EF4-FFF2-40B4-BE49-F238E27FC236}">
-                <a16:creationId xmlns:a16="http://schemas.microsoft.com/office/drawing/2014/main" id="{9BA9ABC2-36CC-294C-99E3-2FEBBF9DAA2B}"/>
+                <a16:creationId xmlns:a16="http://schemas.microsoft.com/office/drawing/2014/main" id="{DF10D2CE-92C6-47B6-9AA8-FC75BAE8C333}"/>
               </a:ext>
             </a:extLst>
           </p:cNvPr>
@@ -18453,7 +18409,7 @@
           <p:cNvPr id="4" name="TextBox 3">
             <a:extLst>
               <a:ext uri="{FF2B5EF4-FFF2-40B4-BE49-F238E27FC236}">
-                <a16:creationId xmlns:a16="http://schemas.microsoft.com/office/drawing/2014/main" id="{A22044D8-23A7-7681-5130-5C4217B38ED6}"/>
+                <a16:creationId xmlns:a16="http://schemas.microsoft.com/office/drawing/2014/main" id="{D2E9DC32-5B05-5915-58F8-31B95B3EA32A}"/>
               </a:ext>
             </a:extLst>
           </p:cNvPr>
@@ -18462,7 +18418,7 @@
         </p:nvSpPr>
         <p:spPr>
           <a:xfrm>
-            <a:off x="4027626" y="3759893"/>
+            <a:off x="4027626" y="3823264"/>
             <a:ext cx="2471124" cy="169277"/>
           </a:xfrm>
           <a:prstGeom prst="rect">
@@ -18497,7 +18453,7 @@
           <p:cNvPr id="9" name="Straight Arrow Connector 8">
             <a:extLst>
               <a:ext uri="{FF2B5EF4-FFF2-40B4-BE49-F238E27FC236}">
-                <a16:creationId xmlns:a16="http://schemas.microsoft.com/office/drawing/2014/main" id="{C86944A9-E864-010E-496D-47A0C5E8F76C}"/>
+                <a16:creationId xmlns:a16="http://schemas.microsoft.com/office/drawing/2014/main" id="{AD6647AC-A694-96E4-FBC1-E7726CB32E64}"/>
               </a:ext>
             </a:extLst>
           </p:cNvPr>
@@ -18508,7 +18464,7 @@
         </p:nvCxnSpPr>
         <p:spPr>
           <a:xfrm>
-            <a:off x="4016880" y="1444640"/>
+            <a:off x="4007827" y="1444640"/>
             <a:ext cx="2505312" cy="0"/>
           </a:xfrm>
           <a:prstGeom prst="straightConnector1">
@@ -18545,7 +18501,7 @@
           <p:cNvPr id="10" name="TextBox 9">
             <a:extLst>
               <a:ext uri="{FF2B5EF4-FFF2-40B4-BE49-F238E27FC236}">
-                <a16:creationId xmlns:a16="http://schemas.microsoft.com/office/drawing/2014/main" id="{9DDCAC49-1C72-AFEA-6C38-C43C94B3FD59}"/>
+                <a16:creationId xmlns:a16="http://schemas.microsoft.com/office/drawing/2014/main" id="{C9753410-BD7D-4F5A-23EF-9FCA09B66E40}"/>
               </a:ext>
             </a:extLst>
           </p:cNvPr>
@@ -18589,7 +18545,7 @@
           <p:cNvPr id="12" name="TextBox 11">
             <a:extLst>
               <a:ext uri="{FF2B5EF4-FFF2-40B4-BE49-F238E27FC236}">
-                <a16:creationId xmlns:a16="http://schemas.microsoft.com/office/drawing/2014/main" id="{10A9E7AE-CBD8-7BE8-9C00-2C69A502D606}"/>
+                <a16:creationId xmlns:a16="http://schemas.microsoft.com/office/drawing/2014/main" id="{2B7A3296-9CE9-6C2E-1714-0F826D98225A}"/>
               </a:ext>
             </a:extLst>
           </p:cNvPr>
@@ -18635,7 +18591,7 @@
           <p:cNvPr id="13" name="Straight Arrow Connector 12">
             <a:extLst>
               <a:ext uri="{FF2B5EF4-FFF2-40B4-BE49-F238E27FC236}">
-                <a16:creationId xmlns:a16="http://schemas.microsoft.com/office/drawing/2014/main" id="{CF84426D-0E64-D219-7A85-BC49854F5C0C}"/>
+                <a16:creationId xmlns:a16="http://schemas.microsoft.com/office/drawing/2014/main" id="{6FA7AE58-91F2-BEBC-32CE-F4FE0ADEC256}"/>
               </a:ext>
             </a:extLst>
           </p:cNvPr>
@@ -18683,7 +18639,7 @@
           <p:cNvPr id="11" name="Straight Arrow Connector 10">
             <a:extLst>
               <a:ext uri="{FF2B5EF4-FFF2-40B4-BE49-F238E27FC236}">
-                <a16:creationId xmlns:a16="http://schemas.microsoft.com/office/drawing/2014/main" id="{5984D15B-8CD4-0422-BEA5-D4758C83571C}"/>
+                <a16:creationId xmlns:a16="http://schemas.microsoft.com/office/drawing/2014/main" id="{22D3A5EB-D458-CFCC-DAEE-BCD016AF2F41}"/>
               </a:ext>
             </a:extLst>
           </p:cNvPr>
@@ -18731,7 +18687,7 @@
           <p:cNvPr id="14" name="Oval 13">
             <a:extLst>
               <a:ext uri="{FF2B5EF4-FFF2-40B4-BE49-F238E27FC236}">
-                <a16:creationId xmlns:a16="http://schemas.microsoft.com/office/drawing/2014/main" id="{A13D5108-EE65-EC61-EBB3-9B8684545452}"/>
+                <a16:creationId xmlns:a16="http://schemas.microsoft.com/office/drawing/2014/main" id="{0CD1C7AC-DE12-2138-23EC-4A921C577B26}"/>
               </a:ext>
             </a:extLst>
           </p:cNvPr>
@@ -18785,7 +18741,7 @@
           <p:cNvPr id="3" name="Straight Arrow Connector 2">
             <a:extLst>
               <a:ext uri="{FF2B5EF4-FFF2-40B4-BE49-F238E27FC236}">
-                <a16:creationId xmlns:a16="http://schemas.microsoft.com/office/drawing/2014/main" id="{3655DF4D-14A0-B408-149B-9D142B86CAA2}"/>
+                <a16:creationId xmlns:a16="http://schemas.microsoft.com/office/drawing/2014/main" id="{2A127B4B-BA32-0896-241A-48454C8F6CA6}"/>
               </a:ext>
             </a:extLst>
           </p:cNvPr>
@@ -18830,7 +18786,7 @@
           <p:cNvPr id="5" name="TextBox 4">
             <a:extLst>
               <a:ext uri="{FF2B5EF4-FFF2-40B4-BE49-F238E27FC236}">
-                <a16:creationId xmlns:a16="http://schemas.microsoft.com/office/drawing/2014/main" id="{81D7E179-4C34-D259-36DD-AD72E60B9C53}"/>
+                <a16:creationId xmlns:a16="http://schemas.microsoft.com/office/drawing/2014/main" id="{A0D44603-1B22-C89F-90AF-87ABB2073A38}"/>
               </a:ext>
             </a:extLst>
           </p:cNvPr>
@@ -18874,7 +18830,7 @@
           <p:cNvPr id="6" name="Rectangle 5">
             <a:extLst>
               <a:ext uri="{FF2B5EF4-FFF2-40B4-BE49-F238E27FC236}">
-                <a16:creationId xmlns:a16="http://schemas.microsoft.com/office/drawing/2014/main" id="{88591952-5733-D2CD-5CCD-697ABA79E734}"/>
+                <a16:creationId xmlns:a16="http://schemas.microsoft.com/office/drawing/2014/main" id="{B5732CBF-00A5-8044-53B2-6C951F4EF47F}"/>
               </a:ext>
             </a:extLst>
           </p:cNvPr>
@@ -18883,7 +18839,7 @@
         </p:nvSpPr>
         <p:spPr>
           <a:xfrm>
-            <a:off x="5267710" y="4691290"/>
+            <a:off x="5267710" y="4736555"/>
             <a:ext cx="2505283" cy="339993"/>
           </a:xfrm>
           <a:prstGeom prst="rect">
@@ -18933,7 +18889,7 @@
           <p:cNvPr id="7" name="Straight Arrow Connector 6">
             <a:extLst>
               <a:ext uri="{FF2B5EF4-FFF2-40B4-BE49-F238E27FC236}">
-                <a16:creationId xmlns:a16="http://schemas.microsoft.com/office/drawing/2014/main" id="{37941D58-8B63-0226-5150-225D4309AABB}"/>
+                <a16:creationId xmlns:a16="http://schemas.microsoft.com/office/drawing/2014/main" id="{A7EEDCD5-6D68-CAF3-FE70-1367A905593B}"/>
               </a:ext>
             </a:extLst>
           </p:cNvPr>
@@ -18944,7 +18900,7 @@
         </p:nvCxnSpPr>
         <p:spPr>
           <a:xfrm flipH="1">
-            <a:off x="4002818" y="3945003"/>
+            <a:off x="4002818" y="4008374"/>
             <a:ext cx="2505312" cy="0"/>
           </a:xfrm>
           <a:prstGeom prst="straightConnector1">
@@ -18954,7 +18910,7 @@
             <a:solidFill>
               <a:schemeClr val="tx1"/>
             </a:solidFill>
-            <a:prstDash val="dash"/>
+            <a:prstDash val="sysDash"/>
             <a:headEnd type="stealth"/>
             <a:tailEnd type="stealth"/>
           </a:ln>
@@ -18979,7 +18935,7 @@
           <p:cNvPr id="8" name="TextBox 7">
             <a:extLst>
               <a:ext uri="{FF2B5EF4-FFF2-40B4-BE49-F238E27FC236}">
-                <a16:creationId xmlns:a16="http://schemas.microsoft.com/office/drawing/2014/main" id="{820B32E4-0FDA-F5DA-7308-E5412D548CBE}"/>
+                <a16:creationId xmlns:a16="http://schemas.microsoft.com/office/drawing/2014/main" id="{9ACBEB1D-E578-0F47-D9CF-A9508F7F26BE}"/>
               </a:ext>
             </a:extLst>
           </p:cNvPr>
@@ -19054,7 +19010,7 @@
           <p:cNvPr id="15" name="TextBox 14">
             <a:extLst>
               <a:ext uri="{FF2B5EF4-FFF2-40B4-BE49-F238E27FC236}">
-                <a16:creationId xmlns:a16="http://schemas.microsoft.com/office/drawing/2014/main" id="{9514C956-DD80-F1E8-5AE5-227123109ACC}"/>
+                <a16:creationId xmlns:a16="http://schemas.microsoft.com/office/drawing/2014/main" id="{F712FF32-EF4C-FC2A-40ED-45A1BEAA1500}"/>
               </a:ext>
             </a:extLst>
           </p:cNvPr>
@@ -19063,7 +19019,7 @@
         </p:nvSpPr>
         <p:spPr>
           <a:xfrm>
-            <a:off x="7012407" y="5222423"/>
+            <a:off x="7012407" y="5240529"/>
             <a:ext cx="1492658" cy="153888"/>
           </a:xfrm>
           <a:prstGeom prst="rect">
@@ -19093,7 +19049,7 @@
           <p:cNvPr id="22" name="Rectangle 21">
             <a:extLst>
               <a:ext uri="{FF2B5EF4-FFF2-40B4-BE49-F238E27FC236}">
-                <a16:creationId xmlns:a16="http://schemas.microsoft.com/office/drawing/2014/main" id="{AC402EFA-AFA9-004D-593E-05AEB1969D04}"/>
+                <a16:creationId xmlns:a16="http://schemas.microsoft.com/office/drawing/2014/main" id="{DDD914BB-69ED-4A2C-F275-4704962EF083}"/>
               </a:ext>
             </a:extLst>
           </p:cNvPr>
@@ -19145,7 +19101,7 @@
           <p:cNvPr id="16" name="Straight Arrow Connector 15">
             <a:extLst>
               <a:ext uri="{FF2B5EF4-FFF2-40B4-BE49-F238E27FC236}">
-                <a16:creationId xmlns:a16="http://schemas.microsoft.com/office/drawing/2014/main" id="{9007C959-3416-10EC-137E-515E602D5117}"/>
+                <a16:creationId xmlns:a16="http://schemas.microsoft.com/office/drawing/2014/main" id="{BC997852-4855-4160-E468-8E2F1028E239}"/>
               </a:ext>
             </a:extLst>
           </p:cNvPr>
@@ -19156,7 +19112,7 @@
         </p:nvCxnSpPr>
         <p:spPr>
           <a:xfrm flipH="1">
-            <a:off x="6497013" y="5577794"/>
+            <a:off x="6506066" y="5577794"/>
             <a:ext cx="2505312" cy="0"/>
           </a:xfrm>
           <a:prstGeom prst="straightConnector1">
@@ -19164,9 +19120,11 @@
           </a:prstGeom>
           <a:ln w="15875">
             <a:solidFill>
-              <a:schemeClr val="tx1"/>
+              <a:schemeClr val="accent6">
+                <a:lumMod val="50000"/>
+              </a:schemeClr>
             </a:solidFill>
-            <a:prstDash val="dash"/>
+            <a:prstDash val="sysDash"/>
             <a:headEnd type="triangle"/>
             <a:tailEnd type="none"/>
           </a:ln>
@@ -19191,7 +19149,7 @@
           <p:cNvPr id="18" name="Straight Arrow Connector 17">
             <a:extLst>
               <a:ext uri="{FF2B5EF4-FFF2-40B4-BE49-F238E27FC236}">
-                <a16:creationId xmlns:a16="http://schemas.microsoft.com/office/drawing/2014/main" id="{9D4BEED4-0DD0-6A0F-263B-E9D4D666F759}"/>
+                <a16:creationId xmlns:a16="http://schemas.microsoft.com/office/drawing/2014/main" id="{4E4A51CE-35FA-9024-3D1E-C4DDB5184CF1}"/>
               </a:ext>
             </a:extLst>
           </p:cNvPr>
@@ -19210,9 +19168,11 @@
           </a:prstGeom>
           <a:ln w="15875">
             <a:solidFill>
-              <a:schemeClr val="tx1"/>
+              <a:schemeClr val="accent6">
+                <a:lumMod val="50000"/>
+              </a:schemeClr>
             </a:solidFill>
-            <a:prstDash val="dash"/>
+            <a:prstDash val="sysDash"/>
             <a:headEnd type="triangle"/>
             <a:tailEnd type="none"/>
           </a:ln>
@@ -19237,7 +19197,7 @@
           <p:cNvPr id="39" name="Straight Arrow Connector 38">
             <a:extLst>
               <a:ext uri="{FF2B5EF4-FFF2-40B4-BE49-F238E27FC236}">
-                <a16:creationId xmlns:a16="http://schemas.microsoft.com/office/drawing/2014/main" id="{E49DD6FB-31B1-6BC7-E9A0-4AA0055F90F9}"/>
+                <a16:creationId xmlns:a16="http://schemas.microsoft.com/office/drawing/2014/main" id="{5B5F0632-63CD-A147-6D9F-2EE1CC9B93CE}"/>
               </a:ext>
             </a:extLst>
           </p:cNvPr>
@@ -19248,7 +19208,7 @@
         </p:nvCxnSpPr>
         <p:spPr>
           <a:xfrm flipH="1">
-            <a:off x="6515817" y="3632808"/>
+            <a:off x="6515817" y="3650914"/>
             <a:ext cx="2505312" cy="0"/>
           </a:xfrm>
           <a:prstGeom prst="straightConnector1">
@@ -19256,9 +19216,11 @@
           </a:prstGeom>
           <a:ln w="15875">
             <a:solidFill>
-              <a:schemeClr val="tx1"/>
+              <a:schemeClr val="accent6">
+                <a:lumMod val="50000"/>
+              </a:schemeClr>
             </a:solidFill>
-            <a:prstDash val="dash"/>
+            <a:prstDash val="sysDash"/>
             <a:tailEnd type="triangle"/>
           </a:ln>
         </p:spPr>
@@ -19277,10 +19239,88 @@
           </a:fontRef>
         </p:style>
       </p:cxnSp>
+      <p:sp>
+        <p:nvSpPr>
+          <p:cNvPr id="2" name="TextBox 1">
+            <a:extLst>
+              <a:ext uri="{FF2B5EF4-FFF2-40B4-BE49-F238E27FC236}">
+                <a16:creationId xmlns:a16="http://schemas.microsoft.com/office/drawing/2014/main" id="{3B1C4166-7C94-13BC-5D5E-5154C2BE0792}"/>
+              </a:ext>
+            </a:extLst>
+          </p:cNvPr>
+          <p:cNvSpPr txBox="1"/>
+          <p:nvPr/>
+        </p:nvSpPr>
+        <p:spPr>
+          <a:xfrm>
+            <a:off x="6712183" y="3301324"/>
+            <a:ext cx="2105885" cy="153888"/>
+          </a:xfrm>
+          <a:prstGeom prst="rect">
+            <a:avLst/>
+          </a:prstGeom>
+          <a:noFill/>
+        </p:spPr>
+        <p:txBody>
+          <a:bodyPr wrap="square" lIns="0" tIns="0" rIns="0" bIns="0" rtlCol="0">
+            <a:spAutoFit/>
+          </a:bodyPr>
+          <a:lstStyle/>
+          <a:p>
+            <a:pPr algn="ctr"/>
+            <a:r>
+              <a:rPr lang="en-US" sz="1000" i="1" dirty="0">
+                <a:latin typeface="Calibri" panose="020F0502020204030204" pitchFamily="34" charset="0"/>
+                <a:cs typeface="Calibri" panose="020F0502020204030204" pitchFamily="34" charset="0"/>
+              </a:rPr>
+              <a:t>(Returns “Questionnaire Package”)</a:t>
+            </a:r>
+          </a:p>
+        </p:txBody>
+      </p:sp>
+      <p:sp>
+        <p:nvSpPr>
+          <p:cNvPr id="24" name="TextBox 23">
+            <a:extLst>
+              <a:ext uri="{FF2B5EF4-FFF2-40B4-BE49-F238E27FC236}">
+                <a16:creationId xmlns:a16="http://schemas.microsoft.com/office/drawing/2014/main" id="{CE3A7100-D233-A944-7479-E4BF14067A51}"/>
+              </a:ext>
+            </a:extLst>
+          </p:cNvPr>
+          <p:cNvSpPr txBox="1"/>
+          <p:nvPr/>
+        </p:nvSpPr>
+        <p:spPr>
+          <a:xfrm>
+            <a:off x="6711696" y="3671499"/>
+            <a:ext cx="2105885" cy="153888"/>
+          </a:xfrm>
+          <a:prstGeom prst="rect">
+            <a:avLst/>
+          </a:prstGeom>
+          <a:noFill/>
+        </p:spPr>
+        <p:txBody>
+          <a:bodyPr wrap="square" lIns="0" tIns="0" rIns="0" bIns="0" rtlCol="0">
+            <a:spAutoFit/>
+          </a:bodyPr>
+          <a:lstStyle/>
+          <a:p>
+            <a:pPr algn="ctr"/>
+            <a:r>
+              <a:rPr lang="en-US" sz="1000" i="1" dirty="0">
+                <a:latin typeface="Calibri" panose="020F0502020204030204" pitchFamily="34" charset="0"/>
+                <a:cs typeface="Calibri" panose="020F0502020204030204" pitchFamily="34" charset="0"/>
+              </a:rPr>
+              <a:t>(Returns QuestionnaireResponse)</a:t>
+            </a:r>
+          </a:p>
+        </p:txBody>
+      </p:sp>
     </p:spTree>
     <p:extLst>
       <p:ext uri="{BB962C8B-B14F-4D97-AF65-F5344CB8AC3E}">
-        <p14:creationId xmlns:p14="http://schemas.microsoft.com/office/powerpoint/2010/main" val="2567632467"/>
+        <p14:creationId xmlns:p14="http://schemas.microsoft.com/office/powerpoint/2010/main" val="546660023"/>
       </p:ext>
     </p:extLst>
   </p:cSld>
@@ -23804,12 +23844,27 @@
 </file>
 
 <file path=customXml/item1.xml><?xml version="1.0" encoding="utf-8"?>
-<?mso-contentType ?>
-<FormTemplates xmlns="http://schemas.microsoft.com/sharepoint/v3/contenttype/forms">
-  <Display>DocumentLibraryForm</Display>
-  <Edit>DocumentLibraryForm</Edit>
-  <New>DocumentLibraryForm</New>
-</FormTemplates>
+<p:properties xmlns:p="http://schemas.microsoft.com/office/2006/metadata/properties" xmlns:xsi="http://www.w3.org/2001/XMLSchema-instance" xmlns:pc="http://schemas.microsoft.com/office/infopath/2007/PartnerControls">
+  <documentManagement>
+    <SharedWithUsers xmlns="5bceed9a-bae5-4329-97ef-b259bd0b225e">
+      <UserInfo>
+        <DisplayName>Ambrose, Nalini</DisplayName>
+        <AccountId>13</AccountId>
+        <AccountType/>
+      </UserInfo>
+      <UserInfo>
+        <DisplayName>Lyall, Jessica</DisplayName>
+        <AccountId>178</AccountId>
+        <AccountType/>
+      </UserInfo>
+      <UserInfo>
+        <DisplayName>Horbachevsky, Olexa</DisplayName>
+        <AccountId>10</AccountId>
+        <AccountType/>
+      </UserInfo>
+    </SharedWithUsers>
+  </documentManagement>
+</p:properties>
 </file>
 
 <file path=customXml/item2.xml><?xml version="1.0" encoding="utf-8"?>
@@ -24010,33 +24065,27 @@
 </file>
 
 <file path=customXml/item3.xml><?xml version="1.0" encoding="utf-8"?>
-<p:properties xmlns:p="http://schemas.microsoft.com/office/2006/metadata/properties" xmlns:xsi="http://www.w3.org/2001/XMLSchema-instance" xmlns:pc="http://schemas.microsoft.com/office/infopath/2007/PartnerControls">
-  <documentManagement>
-    <SharedWithUsers xmlns="5bceed9a-bae5-4329-97ef-b259bd0b225e">
-      <UserInfo>
-        <DisplayName>Ambrose, Nalini</DisplayName>
-        <AccountId>13</AccountId>
-        <AccountType/>
-      </UserInfo>
-      <UserInfo>
-        <DisplayName>Lyall, Jessica</DisplayName>
-        <AccountId>178</AccountId>
-        <AccountType/>
-      </UserInfo>
-      <UserInfo>
-        <DisplayName>Horbachevsky, Olexa</DisplayName>
-        <AccountId>10</AccountId>
-        <AccountType/>
-      </UserInfo>
-    </SharedWithUsers>
-  </documentManagement>
-</p:properties>
+<?mso-contentType ?>
+<FormTemplates xmlns="http://schemas.microsoft.com/sharepoint/v3/contenttype/forms">
+  <Display>DocumentLibraryForm</Display>
+  <Edit>DocumentLibraryForm</Edit>
+  <New>DocumentLibraryForm</New>
+</FormTemplates>
 </file>
 
 <file path=customXml/itemProps1.xml><?xml version="1.0" encoding="utf-8"?>
-<ds:datastoreItem xmlns:ds="http://schemas.openxmlformats.org/officeDocument/2006/customXml" ds:itemID="{416BA5C9-2D71-4B86-AE8A-8C0D9BC5FB22}">
+<ds:datastoreItem xmlns:ds="http://schemas.openxmlformats.org/officeDocument/2006/customXml" ds:itemID="{5450FCDD-08B1-48D8-BB50-7A17E590A5EE}">
   <ds:schemaRefs>
-    <ds:schemaRef ds:uri="http://schemas.microsoft.com/sharepoint/v3/contenttype/forms"/>
+    <ds:schemaRef ds:uri="http://purl.org/dc/terms/"/>
+    <ds:schemaRef ds:uri="http://schemas.openxmlformats.org/package/2006/metadata/core-properties"/>
+    <ds:schemaRef ds:uri="http://purl.org/dc/dcmitype/"/>
+    <ds:schemaRef ds:uri="http://schemas.microsoft.com/office/infopath/2007/PartnerControls"/>
+    <ds:schemaRef ds:uri="http://schemas.microsoft.com/office/2006/documentManagement/types"/>
+    <ds:schemaRef ds:uri="5bceed9a-bae5-4329-97ef-b259bd0b225e"/>
+    <ds:schemaRef ds:uri="http://purl.org/dc/elements/1.1/"/>
+    <ds:schemaRef ds:uri="http://schemas.microsoft.com/office/2006/metadata/properties"/>
+    <ds:schemaRef ds:uri="c6e6fbc9-cbf1-42ee-bbf0-d6e110e2b732"/>
+    <ds:schemaRef ds:uri="http://www.w3.org/XML/1998/namespace"/>
   </ds:schemaRefs>
 </ds:datastoreItem>
 </file>
@@ -24061,18 +24110,9 @@
 </file>
 
 <file path=customXml/itemProps3.xml><?xml version="1.0" encoding="utf-8"?>
-<ds:datastoreItem xmlns:ds="http://schemas.openxmlformats.org/officeDocument/2006/customXml" ds:itemID="{5450FCDD-08B1-48D8-BB50-7A17E590A5EE}">
+<ds:datastoreItem xmlns:ds="http://schemas.openxmlformats.org/officeDocument/2006/customXml" ds:itemID="{416BA5C9-2D71-4B86-AE8A-8C0D9BC5FB22}">
   <ds:schemaRefs>
-    <ds:schemaRef ds:uri="http://purl.org/dc/terms/"/>
-    <ds:schemaRef ds:uri="http://schemas.openxmlformats.org/package/2006/metadata/core-properties"/>
-    <ds:schemaRef ds:uri="http://purl.org/dc/dcmitype/"/>
-    <ds:schemaRef ds:uri="http://schemas.microsoft.com/office/infopath/2007/PartnerControls"/>
-    <ds:schemaRef ds:uri="http://schemas.microsoft.com/office/2006/documentManagement/types"/>
-    <ds:schemaRef ds:uri="5bceed9a-bae5-4329-97ef-b259bd0b225e"/>
-    <ds:schemaRef ds:uri="http://purl.org/dc/elements/1.1/"/>
-    <ds:schemaRef ds:uri="http://schemas.microsoft.com/office/2006/metadata/properties"/>
-    <ds:schemaRef ds:uri="c6e6fbc9-cbf1-42ee-bbf0-d6e110e2b732"/>
-    <ds:schemaRef ds:uri="http://www.w3.org/XML/1998/namespace"/>
+    <ds:schemaRef ds:uri="http://schemas.microsoft.com/sharepoint/v3/contenttype/forms"/>
   </ds:schemaRefs>
 </ds:datastoreItem>
 </file>
--- a/input/images-source/CRD_DTR_Flow.pptx
+++ b/input/images-source/CRD_DTR_Flow.pptx
@@ -8,16 +8,17 @@
     <p:sldMasterId id="2147483738" r:id="rId7"/>
   </p:sldMasterIdLst>
   <p:notesMasterIdLst>
-    <p:notesMasterId r:id="rId12"/>
+    <p:notesMasterId r:id="rId13"/>
   </p:notesMasterIdLst>
   <p:handoutMasterIdLst>
-    <p:handoutMasterId r:id="rId13"/>
+    <p:handoutMasterId r:id="rId14"/>
   </p:handoutMasterIdLst>
   <p:sldIdLst>
     <p:sldId id="2919" r:id="rId8"/>
     <p:sldId id="2925" r:id="rId9"/>
-    <p:sldId id="2922" r:id="rId10"/>
-    <p:sldId id="2923" r:id="rId11"/>
+    <p:sldId id="2926" r:id="rId10"/>
+    <p:sldId id="2922" r:id="rId11"/>
+    <p:sldId id="2923" r:id="rId12"/>
   </p:sldIdLst>
   <p:sldSz cx="12192000" cy="6858000"/>
   <p:notesSz cx="7010400" cy="9236075"/>
@@ -123,6 +124,7 @@
           <p14:sldIdLst>
             <p14:sldId id="2919"/>
             <p14:sldId id="2925"/>
+            <p14:sldId id="2926"/>
             <p14:sldId id="2922"/>
             <p14:sldId id="2923"/>
           </p14:sldIdLst>
@@ -3898,6 +3900,122 @@
 </p:notes>
 </file>
 
+<file path=ppt/notesSlides/notesSlide3.xml><?xml version="1.0" encoding="utf-8"?>
+<p:notes xmlns:a="http://schemas.openxmlformats.org/drawingml/2006/main" xmlns:r="http://schemas.openxmlformats.org/officeDocument/2006/relationships" xmlns:p="http://schemas.openxmlformats.org/presentationml/2006/main">
+  <p:cSld>
+    <p:spTree>
+      <p:nvGrpSpPr>
+        <p:cNvPr id="1" name="">
+          <a:extLst>
+            <a:ext uri="{FF2B5EF4-FFF2-40B4-BE49-F238E27FC236}">
+              <a16:creationId xmlns:a16="http://schemas.microsoft.com/office/drawing/2014/main" id="{758CAF8C-8B8A-2173-0881-80A8E428A22C}"/>
+            </a:ext>
+          </a:extLst>
+        </p:cNvPr>
+        <p:cNvGrpSpPr/>
+        <p:nvPr/>
+      </p:nvGrpSpPr>
+      <p:grpSpPr>
+        <a:xfrm>
+          <a:off x="0" y="0"/>
+          <a:ext cx="0" cy="0"/>
+          <a:chOff x="0" y="0"/>
+          <a:chExt cx="0" cy="0"/>
+        </a:xfrm>
+      </p:grpSpPr>
+      <p:sp>
+        <p:nvSpPr>
+          <p:cNvPr id="2" name="Slide Image Placeholder 1">
+            <a:extLst>
+              <a:ext uri="{FF2B5EF4-FFF2-40B4-BE49-F238E27FC236}">
+                <a16:creationId xmlns:a16="http://schemas.microsoft.com/office/drawing/2014/main" id="{3199ACFB-DF6B-3167-613F-768CBCF68353}"/>
+              </a:ext>
+            </a:extLst>
+          </p:cNvPr>
+          <p:cNvSpPr>
+            <a:spLocks noGrp="1" noRot="1" noChangeAspect="1"/>
+          </p:cNvSpPr>
+          <p:nvPr>
+            <p:ph type="sldImg"/>
+          </p:nvPr>
+        </p:nvSpPr>
+        <p:spPr/>
+      </p:sp>
+      <p:sp>
+        <p:nvSpPr>
+          <p:cNvPr id="3" name="Notes Placeholder 2">
+            <a:extLst>
+              <a:ext uri="{FF2B5EF4-FFF2-40B4-BE49-F238E27FC236}">
+                <a16:creationId xmlns:a16="http://schemas.microsoft.com/office/drawing/2014/main" id="{1C12555E-769D-5A60-2BF9-DE9C5C4F4C70}"/>
+              </a:ext>
+            </a:extLst>
+          </p:cNvPr>
+          <p:cNvSpPr>
+            <a:spLocks noGrp="1"/>
+          </p:cNvSpPr>
+          <p:nvPr>
+            <p:ph type="body" idx="1"/>
+          </p:nvPr>
+        </p:nvSpPr>
+        <p:spPr/>
+        <p:txBody>
+          <a:bodyPr/>
+          <a:lstStyle/>
+          <a:p>
+            <a:endParaRPr lang="en-US" sz="1200" kern="1200" dirty="0">
+              <a:solidFill>
+                <a:schemeClr val="tx1"/>
+              </a:solidFill>
+              <a:effectLst/>
+              <a:latin typeface="+mn-lt"/>
+              <a:ea typeface="+mn-ea"/>
+              <a:cs typeface="+mn-cs"/>
+            </a:endParaRPr>
+          </a:p>
+        </p:txBody>
+      </p:sp>
+      <p:sp>
+        <p:nvSpPr>
+          <p:cNvPr id="4" name="Slide Number Placeholder 3">
+            <a:extLst>
+              <a:ext uri="{FF2B5EF4-FFF2-40B4-BE49-F238E27FC236}">
+                <a16:creationId xmlns:a16="http://schemas.microsoft.com/office/drawing/2014/main" id="{CEE7F0D5-0509-39A4-345A-E66DE7ABFD72}"/>
+              </a:ext>
+            </a:extLst>
+          </p:cNvPr>
+          <p:cNvSpPr>
+            <a:spLocks noGrp="1"/>
+          </p:cNvSpPr>
+          <p:nvPr>
+            <p:ph type="sldNum" sz="quarter" idx="5"/>
+          </p:nvPr>
+        </p:nvSpPr>
+        <p:spPr/>
+        <p:txBody>
+          <a:bodyPr/>
+          <a:lstStyle/>
+          <a:p>
+            <a:fld id="{D58F3C89-9E49-4851-A18A-DAECD34FD650}" type="slidenum">
+              <a:rPr lang="en-US" smtClean="0"/>
+              <a:t>3</a:t>
+            </a:fld>
+            <a:endParaRPr lang="en-US" dirty="0"/>
+          </a:p>
+        </p:txBody>
+      </p:sp>
+    </p:spTree>
+    <p:extLst>
+      <p:ext uri="{BB962C8B-B14F-4D97-AF65-F5344CB8AC3E}">
+        <p14:creationId xmlns:p14="http://schemas.microsoft.com/office/powerpoint/2010/main" val="2667693664"/>
+      </p:ext>
+    </p:extLst>
+  </p:cSld>
+  <p:clrMapOvr>
+    <a:masterClrMapping/>
+  </p:clrMapOvr>
+</p:notes>
+</file>
+
 <file path=ppt/slideLayouts/slideLayout1.xml><?xml version="1.0" encoding="utf-8"?>
 <p:sldLayout xmlns:a="http://schemas.openxmlformats.org/drawingml/2006/main" xmlns:r="http://schemas.openxmlformats.org/officeDocument/2006/relationships" xmlns:p="http://schemas.openxmlformats.org/presentationml/2006/main" type="title" preserve="1">
   <p:cSld name="Title Slide">
@@ -19331,6 +19449,1900 @@
 </file>
 
 <file path=ppt/slides/slide3.xml><?xml version="1.0" encoding="utf-8"?>
+<p:sld xmlns:a="http://schemas.openxmlformats.org/drawingml/2006/main" xmlns:r="http://schemas.openxmlformats.org/officeDocument/2006/relationships" xmlns:p="http://schemas.openxmlformats.org/presentationml/2006/main" showMasterSp="0">
+  <p:cSld>
+    <p:bg>
+      <p:bgPr>
+        <a:solidFill>
+          <a:schemeClr val="bg1"/>
+        </a:solidFill>
+        <a:effectLst/>
+      </p:bgPr>
+    </p:bg>
+    <p:spTree>
+      <p:nvGrpSpPr>
+        <p:cNvPr id="1" name="">
+          <a:extLst>
+            <a:ext uri="{FF2B5EF4-FFF2-40B4-BE49-F238E27FC236}">
+              <a16:creationId xmlns:a16="http://schemas.microsoft.com/office/drawing/2014/main" id="{865B75F7-06E4-1AC2-9610-123AA3F6353C}"/>
+            </a:ext>
+          </a:extLst>
+        </p:cNvPr>
+        <p:cNvGrpSpPr/>
+        <p:nvPr/>
+      </p:nvGrpSpPr>
+      <p:grpSpPr>
+        <a:xfrm>
+          <a:off x="0" y="0"/>
+          <a:ext cx="0" cy="0"/>
+          <a:chOff x="0" y="0"/>
+          <a:chExt cx="0" cy="0"/>
+        </a:xfrm>
+      </p:grpSpPr>
+      <p:sp>
+        <p:nvSpPr>
+          <p:cNvPr id="17" name="Rectangle: Rounded Corners 16">
+            <a:extLst>
+              <a:ext uri="{FF2B5EF4-FFF2-40B4-BE49-F238E27FC236}">
+                <a16:creationId xmlns:a16="http://schemas.microsoft.com/office/drawing/2014/main" id="{3B553C01-1228-BC67-EC4F-6CFB9DE7D44C}"/>
+              </a:ext>
+            </a:extLst>
+          </p:cNvPr>
+          <p:cNvSpPr/>
+          <p:nvPr/>
+        </p:nvSpPr>
+        <p:spPr>
+          <a:xfrm>
+            <a:off x="2402186" y="572210"/>
+            <a:ext cx="7387628" cy="5910071"/>
+          </a:xfrm>
+          <a:prstGeom prst="roundRect">
+            <a:avLst>
+              <a:gd name="adj" fmla="val 9509"/>
+            </a:avLst>
+          </a:prstGeom>
+          <a:noFill/>
+          <a:ln w="19050">
+            <a:solidFill>
+              <a:schemeClr val="accent2">
+                <a:lumMod val="75000"/>
+              </a:schemeClr>
+            </a:solidFill>
+          </a:ln>
+        </p:spPr>
+        <p:style>
+          <a:lnRef idx="2">
+            <a:schemeClr val="accent1">
+              <a:shade val="15000"/>
+            </a:schemeClr>
+          </a:lnRef>
+          <a:fillRef idx="1">
+            <a:schemeClr val="accent1"/>
+          </a:fillRef>
+          <a:effectRef idx="0">
+            <a:schemeClr val="accent1"/>
+          </a:effectRef>
+          <a:fontRef idx="minor">
+            <a:schemeClr val="lt1"/>
+          </a:fontRef>
+        </p:style>
+        <p:txBody>
+          <a:bodyPr rtlCol="0" anchor="ctr"/>
+          <a:lstStyle/>
+          <a:p>
+            <a:pPr algn="ctr"/>
+            <a:endParaRPr lang="en-US"/>
+          </a:p>
+        </p:txBody>
+      </p:sp>
+      <p:sp>
+        <p:nvSpPr>
+          <p:cNvPr id="19" name="Rectangle 18">
+            <a:extLst>
+              <a:ext uri="{FF2B5EF4-FFF2-40B4-BE49-F238E27FC236}">
+                <a16:creationId xmlns:a16="http://schemas.microsoft.com/office/drawing/2014/main" id="{F11DCE2A-2A2C-79D3-BFEC-462E440A0A71}"/>
+              </a:ext>
+            </a:extLst>
+          </p:cNvPr>
+          <p:cNvSpPr/>
+          <p:nvPr/>
+        </p:nvSpPr>
+        <p:spPr>
+          <a:xfrm>
+            <a:off x="2753289" y="772252"/>
+            <a:ext cx="2512464" cy="273466"/>
+          </a:xfrm>
+          <a:prstGeom prst="rect">
+            <a:avLst/>
+          </a:prstGeom>
+          <a:solidFill>
+            <a:srgbClr val="FCF0D0"/>
+          </a:solidFill>
+          <a:ln w="12700"/>
+        </p:spPr>
+        <p:style>
+          <a:lnRef idx="2">
+            <a:schemeClr val="accent1">
+              <a:shade val="15000"/>
+            </a:schemeClr>
+          </a:lnRef>
+          <a:fillRef idx="1">
+            <a:schemeClr val="accent1"/>
+          </a:fillRef>
+          <a:effectRef idx="0">
+            <a:schemeClr val="accent1"/>
+          </a:effectRef>
+          <a:fontRef idx="minor">
+            <a:schemeClr val="lt1"/>
+          </a:fontRef>
+        </p:style>
+        <p:txBody>
+          <a:bodyPr rtlCol="0" anchor="ctr"/>
+          <a:lstStyle/>
+          <a:p>
+            <a:pPr algn="ctr"/>
+            <a:r>
+              <a:rPr lang="en-US" sz="1100" dirty="0">
+                <a:solidFill>
+                  <a:schemeClr val="tx1"/>
+                </a:solidFill>
+              </a:rPr>
+              <a:t>Provider EHR / Authorization Server</a:t>
+            </a:r>
+          </a:p>
+        </p:txBody>
+      </p:sp>
+      <p:cxnSp>
+        <p:nvCxnSpPr>
+          <p:cNvPr id="20" name="Straight Connector 19">
+            <a:extLst>
+              <a:ext uri="{FF2B5EF4-FFF2-40B4-BE49-F238E27FC236}">
+                <a16:creationId xmlns:a16="http://schemas.microsoft.com/office/drawing/2014/main" id="{2B244102-53F0-94AA-89B6-540F80B79136}"/>
+              </a:ext>
+            </a:extLst>
+          </p:cNvPr>
+          <p:cNvCxnSpPr>
+            <a:cxnSpLocks/>
+          </p:cNvCxnSpPr>
+          <p:nvPr/>
+        </p:nvCxnSpPr>
+        <p:spPr>
+          <a:xfrm>
+            <a:off x="4009521" y="1048259"/>
+            <a:ext cx="0" cy="4983480"/>
+          </a:xfrm>
+          <a:prstGeom prst="line">
+            <a:avLst/>
+          </a:prstGeom>
+          <a:ln w="15875">
+            <a:solidFill>
+              <a:schemeClr val="tx1"/>
+            </a:solidFill>
+          </a:ln>
+        </p:spPr>
+        <p:style>
+          <a:lnRef idx="1">
+            <a:schemeClr val="accent1"/>
+          </a:lnRef>
+          <a:fillRef idx="0">
+            <a:schemeClr val="accent1"/>
+          </a:fillRef>
+          <a:effectRef idx="0">
+            <a:schemeClr val="accent1"/>
+          </a:effectRef>
+          <a:fontRef idx="minor">
+            <a:schemeClr val="tx1"/>
+          </a:fontRef>
+        </p:style>
+      </p:cxnSp>
+      <p:sp>
+        <p:nvSpPr>
+          <p:cNvPr id="23" name="Rectangle 22">
+            <a:extLst>
+              <a:ext uri="{FF2B5EF4-FFF2-40B4-BE49-F238E27FC236}">
+                <a16:creationId xmlns:a16="http://schemas.microsoft.com/office/drawing/2014/main" id="{E75C9F8B-B965-E493-26DE-E7B344F7AA1B}"/>
+              </a:ext>
+            </a:extLst>
+          </p:cNvPr>
+          <p:cNvSpPr/>
+          <p:nvPr/>
+        </p:nvSpPr>
+        <p:spPr>
+          <a:xfrm>
+            <a:off x="2753289" y="6027690"/>
+            <a:ext cx="2512464" cy="273466"/>
+          </a:xfrm>
+          <a:prstGeom prst="rect">
+            <a:avLst/>
+          </a:prstGeom>
+          <a:solidFill>
+            <a:srgbClr val="FCF0D0"/>
+          </a:solidFill>
+          <a:ln w="12700"/>
+        </p:spPr>
+        <p:style>
+          <a:lnRef idx="2">
+            <a:schemeClr val="accent1">
+              <a:shade val="15000"/>
+            </a:schemeClr>
+          </a:lnRef>
+          <a:fillRef idx="1">
+            <a:schemeClr val="accent1"/>
+          </a:fillRef>
+          <a:effectRef idx="0">
+            <a:schemeClr val="accent1"/>
+          </a:effectRef>
+          <a:fontRef idx="minor">
+            <a:schemeClr val="lt1"/>
+          </a:fontRef>
+        </p:style>
+        <p:txBody>
+          <a:bodyPr rtlCol="0" anchor="ctr"/>
+          <a:lstStyle/>
+          <a:p>
+            <a:pPr algn="ctr"/>
+            <a:r>
+              <a:rPr lang="en-US" sz="1100" dirty="0">
+                <a:solidFill>
+                  <a:schemeClr val="tx1"/>
+                </a:solidFill>
+              </a:rPr>
+              <a:t>Provider EHR / Authorization Server</a:t>
+            </a:r>
+          </a:p>
+        </p:txBody>
+      </p:sp>
+      <p:sp>
+        <p:nvSpPr>
+          <p:cNvPr id="25" name="Rectangle 24">
+            <a:extLst>
+              <a:ext uri="{FF2B5EF4-FFF2-40B4-BE49-F238E27FC236}">
+                <a16:creationId xmlns:a16="http://schemas.microsoft.com/office/drawing/2014/main" id="{4B06A6B1-02F5-3BD0-D7FC-D38001566C95}"/>
+              </a:ext>
+            </a:extLst>
+          </p:cNvPr>
+          <p:cNvSpPr/>
+          <p:nvPr/>
+        </p:nvSpPr>
+        <p:spPr>
+          <a:xfrm>
+            <a:off x="3213050" y="2033416"/>
+            <a:ext cx="1757822" cy="304054"/>
+          </a:xfrm>
+          <a:prstGeom prst="rect">
+            <a:avLst/>
+          </a:prstGeom>
+          <a:solidFill>
+            <a:srgbClr val="EFF4F5"/>
+          </a:solidFill>
+          <a:ln w="12700"/>
+        </p:spPr>
+        <p:style>
+          <a:lnRef idx="2">
+            <a:schemeClr val="accent1">
+              <a:shade val="15000"/>
+            </a:schemeClr>
+          </a:lnRef>
+          <a:fillRef idx="1">
+            <a:schemeClr val="accent1"/>
+          </a:fillRef>
+          <a:effectRef idx="0">
+            <a:schemeClr val="accent1"/>
+          </a:effectRef>
+          <a:fontRef idx="minor">
+            <a:schemeClr val="lt1"/>
+          </a:fontRef>
+        </p:style>
+        <p:txBody>
+          <a:bodyPr rtlCol="0" anchor="ctr"/>
+          <a:lstStyle/>
+          <a:p>
+            <a:pPr algn="ctr"/>
+            <a:r>
+              <a:rPr lang="en-US" sz="1050" dirty="0">
+                <a:solidFill>
+                  <a:schemeClr val="tx1"/>
+                </a:solidFill>
+                <a:latin typeface="Calibri" panose="020F0502020204030204" pitchFamily="34" charset="0"/>
+                <a:cs typeface="Calibri" panose="020F0502020204030204" pitchFamily="34" charset="0"/>
+              </a:rPr>
+              <a:t>SMART / Native App Launch</a:t>
+            </a:r>
+          </a:p>
+        </p:txBody>
+      </p:sp>
+      <p:sp>
+        <p:nvSpPr>
+          <p:cNvPr id="26" name="Rectangle 25">
+            <a:extLst>
+              <a:ext uri="{FF2B5EF4-FFF2-40B4-BE49-F238E27FC236}">
+                <a16:creationId xmlns:a16="http://schemas.microsoft.com/office/drawing/2014/main" id="{84605127-E6CB-4967-77BA-427CD75DDCAF}"/>
+              </a:ext>
+            </a:extLst>
+          </p:cNvPr>
+          <p:cNvSpPr/>
+          <p:nvPr/>
+        </p:nvSpPr>
+        <p:spPr>
+          <a:xfrm>
+            <a:off x="6128713" y="772252"/>
+            <a:ext cx="784168" cy="273466"/>
+          </a:xfrm>
+          <a:prstGeom prst="rect">
+            <a:avLst/>
+          </a:prstGeom>
+          <a:solidFill>
+            <a:srgbClr val="FCF0D0"/>
+          </a:solidFill>
+          <a:ln w="12700"/>
+        </p:spPr>
+        <p:style>
+          <a:lnRef idx="2">
+            <a:schemeClr val="accent1">
+              <a:shade val="15000"/>
+            </a:schemeClr>
+          </a:lnRef>
+          <a:fillRef idx="1">
+            <a:schemeClr val="accent1"/>
+          </a:fillRef>
+          <a:effectRef idx="0">
+            <a:schemeClr val="accent1"/>
+          </a:effectRef>
+          <a:fontRef idx="minor">
+            <a:schemeClr val="lt1"/>
+          </a:fontRef>
+        </p:style>
+        <p:txBody>
+          <a:bodyPr rtlCol="0" anchor="ctr"/>
+          <a:lstStyle/>
+          <a:p>
+            <a:pPr algn="ctr"/>
+            <a:r>
+              <a:rPr lang="en-US" sz="1100" dirty="0">
+                <a:solidFill>
+                  <a:schemeClr val="tx1"/>
+                </a:solidFill>
+              </a:rPr>
+              <a:t>DTR App</a:t>
+            </a:r>
+          </a:p>
+        </p:txBody>
+      </p:sp>
+      <p:cxnSp>
+        <p:nvCxnSpPr>
+          <p:cNvPr id="28" name="Straight Connector 27">
+            <a:extLst>
+              <a:ext uri="{FF2B5EF4-FFF2-40B4-BE49-F238E27FC236}">
+                <a16:creationId xmlns:a16="http://schemas.microsoft.com/office/drawing/2014/main" id="{B8D3652B-6983-5969-6EDD-BA73F8B160A4}"/>
+              </a:ext>
+            </a:extLst>
+          </p:cNvPr>
+          <p:cNvCxnSpPr>
+            <a:cxnSpLocks/>
+          </p:cNvCxnSpPr>
+          <p:nvPr/>
+        </p:nvCxnSpPr>
+        <p:spPr>
+          <a:xfrm>
+            <a:off x="6513481" y="1048259"/>
+            <a:ext cx="0" cy="4983480"/>
+          </a:xfrm>
+          <a:prstGeom prst="line">
+            <a:avLst/>
+          </a:prstGeom>
+          <a:ln w="15875">
+            <a:solidFill>
+              <a:schemeClr val="tx1"/>
+            </a:solidFill>
+          </a:ln>
+        </p:spPr>
+        <p:style>
+          <a:lnRef idx="1">
+            <a:schemeClr val="accent1"/>
+          </a:lnRef>
+          <a:fillRef idx="0">
+            <a:schemeClr val="accent1"/>
+          </a:fillRef>
+          <a:effectRef idx="0">
+            <a:schemeClr val="accent1"/>
+          </a:effectRef>
+          <a:fontRef idx="minor">
+            <a:schemeClr val="tx1"/>
+          </a:fontRef>
+        </p:style>
+      </p:cxnSp>
+      <p:sp>
+        <p:nvSpPr>
+          <p:cNvPr id="32" name="Rectangle 31">
+            <a:extLst>
+              <a:ext uri="{FF2B5EF4-FFF2-40B4-BE49-F238E27FC236}">
+                <a16:creationId xmlns:a16="http://schemas.microsoft.com/office/drawing/2014/main" id="{DF7FB96D-44D6-18B6-20A5-8AE3C22BCB0F}"/>
+              </a:ext>
+            </a:extLst>
+          </p:cNvPr>
+          <p:cNvSpPr/>
+          <p:nvPr/>
+        </p:nvSpPr>
+        <p:spPr>
+          <a:xfrm>
+            <a:off x="6128713" y="6027690"/>
+            <a:ext cx="784168" cy="273466"/>
+          </a:xfrm>
+          <a:prstGeom prst="rect">
+            <a:avLst/>
+          </a:prstGeom>
+          <a:solidFill>
+            <a:srgbClr val="FCF0D0"/>
+          </a:solidFill>
+          <a:ln w="12700"/>
+        </p:spPr>
+        <p:style>
+          <a:lnRef idx="2">
+            <a:schemeClr val="accent1">
+              <a:shade val="15000"/>
+            </a:schemeClr>
+          </a:lnRef>
+          <a:fillRef idx="1">
+            <a:schemeClr val="accent1"/>
+          </a:fillRef>
+          <a:effectRef idx="0">
+            <a:schemeClr val="accent1"/>
+          </a:effectRef>
+          <a:fontRef idx="minor">
+            <a:schemeClr val="lt1"/>
+          </a:fontRef>
+        </p:style>
+        <p:txBody>
+          <a:bodyPr rtlCol="0" anchor="ctr"/>
+          <a:lstStyle/>
+          <a:p>
+            <a:pPr algn="ctr"/>
+            <a:r>
+              <a:rPr lang="en-US" sz="1100" dirty="0">
+                <a:solidFill>
+                  <a:schemeClr val="tx1"/>
+                </a:solidFill>
+              </a:rPr>
+              <a:t>DTR App</a:t>
+            </a:r>
+          </a:p>
+        </p:txBody>
+      </p:sp>
+      <p:sp>
+        <p:nvSpPr>
+          <p:cNvPr id="33" name="Rectangle 32">
+            <a:extLst>
+              <a:ext uri="{FF2B5EF4-FFF2-40B4-BE49-F238E27FC236}">
+                <a16:creationId xmlns:a16="http://schemas.microsoft.com/office/drawing/2014/main" id="{C2A65684-D539-B1FA-C0FB-CD621C233B8B}"/>
+              </a:ext>
+            </a:extLst>
+          </p:cNvPr>
+          <p:cNvSpPr/>
+          <p:nvPr/>
+        </p:nvSpPr>
+        <p:spPr>
+          <a:xfrm>
+            <a:off x="5417048" y="2630374"/>
+            <a:ext cx="2192866" cy="343074"/>
+          </a:xfrm>
+          <a:prstGeom prst="rect">
+            <a:avLst/>
+          </a:prstGeom>
+          <a:solidFill>
+            <a:srgbClr val="EFF4F5"/>
+          </a:solidFill>
+          <a:ln w="12700"/>
+        </p:spPr>
+        <p:style>
+          <a:lnRef idx="2">
+            <a:schemeClr val="accent1">
+              <a:shade val="15000"/>
+            </a:schemeClr>
+          </a:lnRef>
+          <a:fillRef idx="1">
+            <a:schemeClr val="accent1"/>
+          </a:fillRef>
+          <a:effectRef idx="0">
+            <a:schemeClr val="accent1"/>
+          </a:effectRef>
+          <a:fontRef idx="minor">
+            <a:schemeClr val="lt1"/>
+          </a:fontRef>
+        </p:style>
+        <p:txBody>
+          <a:bodyPr rtlCol="0" anchor="ctr"/>
+          <a:lstStyle/>
+          <a:p>
+            <a:pPr algn="ctr"/>
+            <a:r>
+              <a:rPr lang="en-US" sz="1050" dirty="0">
+                <a:solidFill>
+                  <a:schemeClr val="tx1"/>
+                </a:solidFill>
+                <a:latin typeface="Calibri" panose="020F0502020204030204" pitchFamily="34" charset="0"/>
+                <a:cs typeface="Calibri" panose="020F0502020204030204" pitchFamily="34" charset="0"/>
+              </a:rPr>
+              <a:t>DTR App Leverages</a:t>
+            </a:r>
+          </a:p>
+          <a:p>
+            <a:pPr algn="ctr"/>
+            <a:r>
+              <a:rPr lang="en-US" sz="1050" dirty="0">
+                <a:solidFill>
+                  <a:schemeClr val="tx1"/>
+                </a:solidFill>
+                <a:latin typeface="Calibri" panose="020F0502020204030204" pitchFamily="34" charset="0"/>
+                <a:cs typeface="Calibri" panose="020F0502020204030204" pitchFamily="34" charset="0"/>
+              </a:rPr>
+              <a:t>Pre-defined Payer Information</a:t>
+            </a:r>
+          </a:p>
+        </p:txBody>
+      </p:sp>
+      <p:cxnSp>
+        <p:nvCxnSpPr>
+          <p:cNvPr id="34" name="Straight Arrow Connector 33">
+            <a:extLst>
+              <a:ext uri="{FF2B5EF4-FFF2-40B4-BE49-F238E27FC236}">
+                <a16:creationId xmlns:a16="http://schemas.microsoft.com/office/drawing/2014/main" id="{0BF035D0-F961-9D52-2D6C-B3D6D3700728}"/>
+              </a:ext>
+            </a:extLst>
+          </p:cNvPr>
+          <p:cNvCxnSpPr>
+            <a:cxnSpLocks/>
+          </p:cNvCxnSpPr>
+          <p:nvPr/>
+        </p:nvCxnSpPr>
+        <p:spPr>
+          <a:xfrm>
+            <a:off x="4008169" y="2496468"/>
+            <a:ext cx="2507648" cy="0"/>
+          </a:xfrm>
+          <a:prstGeom prst="straightConnector1">
+            <a:avLst/>
+          </a:prstGeom>
+          <a:ln w="15875">
+            <a:solidFill>
+              <a:schemeClr val="tx1"/>
+            </a:solidFill>
+            <a:tailEnd type="triangle"/>
+          </a:ln>
+        </p:spPr>
+        <p:style>
+          <a:lnRef idx="1">
+            <a:schemeClr val="accent1"/>
+          </a:lnRef>
+          <a:fillRef idx="0">
+            <a:schemeClr val="accent1"/>
+          </a:fillRef>
+          <a:effectRef idx="0">
+            <a:schemeClr val="accent1"/>
+          </a:effectRef>
+          <a:fontRef idx="minor">
+            <a:schemeClr val="tx1"/>
+          </a:fontRef>
+        </p:style>
+      </p:cxnSp>
+      <p:sp>
+        <p:nvSpPr>
+          <p:cNvPr id="35" name="Rectangle 34">
+            <a:extLst>
+              <a:ext uri="{FF2B5EF4-FFF2-40B4-BE49-F238E27FC236}">
+                <a16:creationId xmlns:a16="http://schemas.microsoft.com/office/drawing/2014/main" id="{E4C71125-35C1-CCF0-4774-65DBD23A196E}"/>
+              </a:ext>
+            </a:extLst>
+          </p:cNvPr>
+          <p:cNvSpPr/>
+          <p:nvPr/>
+        </p:nvSpPr>
+        <p:spPr>
+          <a:xfrm>
+            <a:off x="8634025" y="774637"/>
+            <a:ext cx="784168" cy="273466"/>
+          </a:xfrm>
+          <a:prstGeom prst="rect">
+            <a:avLst/>
+          </a:prstGeom>
+          <a:solidFill>
+            <a:srgbClr val="FCF0D0"/>
+          </a:solidFill>
+          <a:ln w="12700"/>
+        </p:spPr>
+        <p:style>
+          <a:lnRef idx="2">
+            <a:schemeClr val="accent1">
+              <a:shade val="15000"/>
+            </a:schemeClr>
+          </a:lnRef>
+          <a:fillRef idx="1">
+            <a:schemeClr val="accent1"/>
+          </a:fillRef>
+          <a:effectRef idx="0">
+            <a:schemeClr val="accent1"/>
+          </a:effectRef>
+          <a:fontRef idx="minor">
+            <a:schemeClr val="lt1"/>
+          </a:fontRef>
+        </p:style>
+        <p:txBody>
+          <a:bodyPr rtlCol="0" anchor="ctr"/>
+          <a:lstStyle/>
+          <a:p>
+            <a:pPr algn="ctr"/>
+            <a:r>
+              <a:rPr lang="en-US" sz="1100" dirty="0">
+                <a:solidFill>
+                  <a:schemeClr val="tx1"/>
+                </a:solidFill>
+              </a:rPr>
+              <a:t>Payer</a:t>
+            </a:r>
+          </a:p>
+        </p:txBody>
+      </p:sp>
+      <p:cxnSp>
+        <p:nvCxnSpPr>
+          <p:cNvPr id="36" name="Straight Connector 35">
+            <a:extLst>
+              <a:ext uri="{FF2B5EF4-FFF2-40B4-BE49-F238E27FC236}">
+                <a16:creationId xmlns:a16="http://schemas.microsoft.com/office/drawing/2014/main" id="{2D481357-FBD9-8E95-E2DD-673756CB5E3E}"/>
+              </a:ext>
+            </a:extLst>
+          </p:cNvPr>
+          <p:cNvCxnSpPr>
+            <a:cxnSpLocks/>
+          </p:cNvCxnSpPr>
+          <p:nvPr/>
+        </p:nvCxnSpPr>
+        <p:spPr>
+          <a:xfrm>
+            <a:off x="9018765" y="1048514"/>
+            <a:ext cx="0" cy="4983480"/>
+          </a:xfrm>
+          <a:prstGeom prst="line">
+            <a:avLst/>
+          </a:prstGeom>
+          <a:ln w="15875">
+            <a:solidFill>
+              <a:schemeClr val="tx1"/>
+            </a:solidFill>
+          </a:ln>
+        </p:spPr>
+        <p:style>
+          <a:lnRef idx="1">
+            <a:schemeClr val="accent1"/>
+          </a:lnRef>
+          <a:fillRef idx="0">
+            <a:schemeClr val="accent1"/>
+          </a:fillRef>
+          <a:effectRef idx="0">
+            <a:schemeClr val="accent1"/>
+          </a:effectRef>
+          <a:fontRef idx="minor">
+            <a:schemeClr val="tx1"/>
+          </a:fontRef>
+        </p:style>
+      </p:cxnSp>
+      <p:sp>
+        <p:nvSpPr>
+          <p:cNvPr id="37" name="Rectangle 36">
+            <a:extLst>
+              <a:ext uri="{FF2B5EF4-FFF2-40B4-BE49-F238E27FC236}">
+                <a16:creationId xmlns:a16="http://schemas.microsoft.com/office/drawing/2014/main" id="{29EAA62C-E1C1-494C-2B83-39E37A243122}"/>
+              </a:ext>
+            </a:extLst>
+          </p:cNvPr>
+          <p:cNvSpPr/>
+          <p:nvPr/>
+        </p:nvSpPr>
+        <p:spPr>
+          <a:xfrm>
+            <a:off x="8634025" y="6030075"/>
+            <a:ext cx="784168" cy="273466"/>
+          </a:xfrm>
+          <a:prstGeom prst="rect">
+            <a:avLst/>
+          </a:prstGeom>
+          <a:solidFill>
+            <a:srgbClr val="FCF0D0"/>
+          </a:solidFill>
+          <a:ln w="12700"/>
+        </p:spPr>
+        <p:style>
+          <a:lnRef idx="2">
+            <a:schemeClr val="accent1">
+              <a:shade val="15000"/>
+            </a:schemeClr>
+          </a:lnRef>
+          <a:fillRef idx="1">
+            <a:schemeClr val="accent1"/>
+          </a:fillRef>
+          <a:effectRef idx="0">
+            <a:schemeClr val="accent1"/>
+          </a:effectRef>
+          <a:fontRef idx="minor">
+            <a:schemeClr val="lt1"/>
+          </a:fontRef>
+        </p:style>
+        <p:txBody>
+          <a:bodyPr rtlCol="0" anchor="ctr"/>
+          <a:lstStyle/>
+          <a:p>
+            <a:pPr algn="ctr"/>
+            <a:r>
+              <a:rPr lang="en-US" sz="1100" dirty="0">
+                <a:solidFill>
+                  <a:schemeClr val="tx1"/>
+                </a:solidFill>
+              </a:rPr>
+              <a:t>Payer</a:t>
+            </a:r>
+          </a:p>
+        </p:txBody>
+      </p:sp>
+      <p:cxnSp>
+        <p:nvCxnSpPr>
+          <p:cNvPr id="38" name="Straight Arrow Connector 37">
+            <a:extLst>
+              <a:ext uri="{FF2B5EF4-FFF2-40B4-BE49-F238E27FC236}">
+                <a16:creationId xmlns:a16="http://schemas.microsoft.com/office/drawing/2014/main" id="{B2975188-727A-6537-C21A-3388D450C345}"/>
+              </a:ext>
+            </a:extLst>
+          </p:cNvPr>
+          <p:cNvCxnSpPr>
+            <a:cxnSpLocks/>
+          </p:cNvCxnSpPr>
+          <p:nvPr/>
+        </p:nvCxnSpPr>
+        <p:spPr>
+          <a:xfrm>
+            <a:off x="6515817" y="3287753"/>
+            <a:ext cx="2505312" cy="0"/>
+          </a:xfrm>
+          <a:prstGeom prst="straightConnector1">
+            <a:avLst/>
+          </a:prstGeom>
+          <a:ln w="15875">
+            <a:solidFill>
+              <a:schemeClr val="accent1">
+                <a:lumMod val="75000"/>
+              </a:schemeClr>
+            </a:solidFill>
+            <a:prstDash val="sysDash"/>
+            <a:headEnd type="triangle"/>
+            <a:tailEnd type="triangle"/>
+          </a:ln>
+        </p:spPr>
+        <p:style>
+          <a:lnRef idx="1">
+            <a:schemeClr val="accent1"/>
+          </a:lnRef>
+          <a:fillRef idx="0">
+            <a:schemeClr val="accent1"/>
+          </a:fillRef>
+          <a:effectRef idx="0">
+            <a:schemeClr val="accent1"/>
+          </a:effectRef>
+          <a:fontRef idx="minor">
+            <a:schemeClr val="tx1"/>
+          </a:fontRef>
+        </p:style>
+      </p:cxnSp>
+      <p:sp>
+        <p:nvSpPr>
+          <p:cNvPr id="40" name="TextBox 39">
+            <a:extLst>
+              <a:ext uri="{FF2B5EF4-FFF2-40B4-BE49-F238E27FC236}">
+                <a16:creationId xmlns:a16="http://schemas.microsoft.com/office/drawing/2014/main" id="{D9009B21-871D-371D-692B-6DCD8AE87288}"/>
+              </a:ext>
+            </a:extLst>
+          </p:cNvPr>
+          <p:cNvSpPr txBox="1"/>
+          <p:nvPr/>
+        </p:nvSpPr>
+        <p:spPr>
+          <a:xfrm>
+            <a:off x="6513483" y="3115348"/>
+            <a:ext cx="2505283" cy="161583"/>
+          </a:xfrm>
+          <a:prstGeom prst="rect">
+            <a:avLst/>
+          </a:prstGeom>
+          <a:noFill/>
+        </p:spPr>
+        <p:txBody>
+          <a:bodyPr wrap="square" lIns="0" tIns="0" rIns="0" bIns="0" rtlCol="0">
+            <a:spAutoFit/>
+          </a:bodyPr>
+          <a:lstStyle/>
+          <a:p>
+            <a:pPr algn="ctr"/>
+            <a:r>
+              <a:rPr lang="en-US" sz="1050" dirty="0">
+                <a:solidFill>
+                  <a:srgbClr val="533F05"/>
+                </a:solidFill>
+                <a:latin typeface="Consolas" panose="020B0609020204030204" pitchFamily="49" charset="0"/>
+                <a:cs typeface="Calibri" panose="020F0502020204030204" pitchFamily="34" charset="0"/>
+              </a:rPr>
+              <a:t>$questionnaire-package</a:t>
+            </a:r>
+            <a:r>
+              <a:rPr lang="en-US" sz="1050" dirty="0">
+                <a:solidFill>
+                  <a:schemeClr val="accent1">
+                    <a:lumMod val="50000"/>
+                  </a:schemeClr>
+                </a:solidFill>
+                <a:latin typeface="Consolas" panose="020B0609020204030204" pitchFamily="49" charset="0"/>
+                <a:cs typeface="Calibri" panose="020F0502020204030204" pitchFamily="34" charset="0"/>
+              </a:rPr>
+              <a:t> </a:t>
+            </a:r>
+            <a:r>
+              <a:rPr lang="en-US" sz="1050" dirty="0">
+                <a:solidFill>
+                  <a:schemeClr val="accent1">
+                    <a:lumMod val="50000"/>
+                  </a:schemeClr>
+                </a:solidFill>
+                <a:latin typeface="Calibri" panose="020F0502020204030204" pitchFamily="34" charset="0"/>
+                <a:cs typeface="Calibri" panose="020F0502020204030204" pitchFamily="34" charset="0"/>
+              </a:rPr>
+              <a:t>Operation</a:t>
+            </a:r>
+            <a:endParaRPr lang="en-US" sz="1000" dirty="0">
+              <a:solidFill>
+                <a:schemeClr val="accent1">
+                  <a:lumMod val="50000"/>
+                </a:schemeClr>
+              </a:solidFill>
+              <a:latin typeface="Calibri" panose="020F0502020204030204" pitchFamily="34" charset="0"/>
+              <a:cs typeface="Calibri" panose="020F0502020204030204" pitchFamily="34" charset="0"/>
+            </a:endParaRPr>
+          </a:p>
+        </p:txBody>
+      </p:sp>
+      <p:sp>
+        <p:nvSpPr>
+          <p:cNvPr id="42" name="Rectangle 41">
+            <a:extLst>
+              <a:ext uri="{FF2B5EF4-FFF2-40B4-BE49-F238E27FC236}">
+                <a16:creationId xmlns:a16="http://schemas.microsoft.com/office/drawing/2014/main" id="{70FBA49C-9A38-FEF2-BBAB-C4B425B0B67C}"/>
+              </a:ext>
+            </a:extLst>
+          </p:cNvPr>
+          <p:cNvSpPr/>
+          <p:nvPr/>
+        </p:nvSpPr>
+        <p:spPr>
+          <a:xfrm>
+            <a:off x="5267710" y="4237378"/>
+            <a:ext cx="2505283" cy="339993"/>
+          </a:xfrm>
+          <a:prstGeom prst="rect">
+            <a:avLst/>
+          </a:prstGeom>
+          <a:solidFill>
+            <a:srgbClr val="EFF4F5"/>
+          </a:solidFill>
+          <a:ln w="12700"/>
+        </p:spPr>
+        <p:style>
+          <a:lnRef idx="2">
+            <a:schemeClr val="accent1">
+              <a:shade val="15000"/>
+            </a:schemeClr>
+          </a:lnRef>
+          <a:fillRef idx="1">
+            <a:schemeClr val="accent1"/>
+          </a:fillRef>
+          <a:effectRef idx="0">
+            <a:schemeClr val="accent1"/>
+          </a:effectRef>
+          <a:fontRef idx="minor">
+            <a:schemeClr val="lt1"/>
+          </a:fontRef>
+        </p:style>
+        <p:txBody>
+          <a:bodyPr rtlCol="0" anchor="ctr"/>
+          <a:lstStyle/>
+          <a:p>
+            <a:pPr algn="ctr"/>
+            <a:r>
+              <a:rPr lang="en-US" sz="1050" dirty="0">
+                <a:solidFill>
+                  <a:schemeClr val="tx1"/>
+                </a:solidFill>
+                <a:latin typeface="Calibri" panose="020F0502020204030204" pitchFamily="34" charset="0"/>
+                <a:cs typeface="Calibri" panose="020F0502020204030204" pitchFamily="34" charset="0"/>
+              </a:rPr>
+              <a:t>DTR uses data extracted by CQL</a:t>
+            </a:r>
+          </a:p>
+          <a:p>
+            <a:pPr algn="ctr"/>
+            <a:r>
+              <a:rPr lang="en-US" sz="1050" dirty="0">
+                <a:solidFill>
+                  <a:schemeClr val="tx1"/>
+                </a:solidFill>
+                <a:latin typeface="Calibri" panose="020F0502020204030204" pitchFamily="34" charset="0"/>
+                <a:cs typeface="Calibri" panose="020F0502020204030204" pitchFamily="34" charset="0"/>
+              </a:rPr>
+              <a:t>to pre-populate QuestionnaireResponse</a:t>
+            </a:r>
+          </a:p>
+        </p:txBody>
+      </p:sp>
+      <p:sp>
+        <p:nvSpPr>
+          <p:cNvPr id="43" name="TextBox 42">
+            <a:extLst>
+              <a:ext uri="{FF2B5EF4-FFF2-40B4-BE49-F238E27FC236}">
+                <a16:creationId xmlns:a16="http://schemas.microsoft.com/office/drawing/2014/main" id="{F8B08733-373D-4958-ACEF-755DEC8F7FE1}"/>
+              </a:ext>
+            </a:extLst>
+          </p:cNvPr>
+          <p:cNvSpPr txBox="1"/>
+          <p:nvPr/>
+        </p:nvSpPr>
+        <p:spPr>
+          <a:xfrm>
+            <a:off x="2402186" y="343363"/>
+            <a:ext cx="7387627" cy="184666"/>
+          </a:xfrm>
+          <a:prstGeom prst="rect">
+            <a:avLst/>
+          </a:prstGeom>
+          <a:noFill/>
+        </p:spPr>
+        <p:txBody>
+          <a:bodyPr wrap="square" lIns="0" tIns="0" rIns="0" bIns="0" rtlCol="0">
+            <a:spAutoFit/>
+          </a:bodyPr>
+          <a:lstStyle/>
+          <a:p>
+            <a:pPr algn="ctr"/>
+            <a:r>
+              <a:rPr lang="en-US" sz="1200" b="1" dirty="0">
+                <a:cs typeface="Calibri" panose="020F0502020204030204" pitchFamily="34" charset="0"/>
+              </a:rPr>
+              <a:t>DTR Sequence Diagram</a:t>
+            </a:r>
+          </a:p>
+        </p:txBody>
+      </p:sp>
+      <p:sp>
+        <p:nvSpPr>
+          <p:cNvPr id="4" name="TextBox 3">
+            <a:extLst>
+              <a:ext uri="{FF2B5EF4-FFF2-40B4-BE49-F238E27FC236}">
+                <a16:creationId xmlns:a16="http://schemas.microsoft.com/office/drawing/2014/main" id="{EABA03BD-1C28-D37C-00B7-E765FF794377}"/>
+              </a:ext>
+            </a:extLst>
+          </p:cNvPr>
+          <p:cNvSpPr txBox="1"/>
+          <p:nvPr/>
+        </p:nvSpPr>
+        <p:spPr>
+          <a:xfrm>
+            <a:off x="4027626" y="3823264"/>
+            <a:ext cx="2471124" cy="169277"/>
+          </a:xfrm>
+          <a:prstGeom prst="rect">
+            <a:avLst/>
+          </a:prstGeom>
+          <a:noFill/>
+        </p:spPr>
+        <p:txBody>
+          <a:bodyPr wrap="square" lIns="0" tIns="0" rIns="0" bIns="0" rtlCol="0">
+            <a:spAutoFit/>
+          </a:bodyPr>
+          <a:lstStyle/>
+          <a:p>
+            <a:pPr algn="ctr"/>
+            <a:r>
+              <a:rPr lang="en-US" sz="1100" dirty="0">
+                <a:solidFill>
+                  <a:schemeClr val="accent1">
+                    <a:lumMod val="50000"/>
+                  </a:schemeClr>
+                </a:solidFill>
+                <a:latin typeface="Calibri" panose="020F0502020204030204" pitchFamily="34" charset="0"/>
+                <a:cs typeface="Calibri" panose="020F0502020204030204" pitchFamily="34" charset="0"/>
+              </a:rPr>
+              <a:t>Execute CQL/Retrieve data from EHR</a:t>
+            </a:r>
+          </a:p>
+        </p:txBody>
+      </p:sp>
+      <p:cxnSp>
+        <p:nvCxnSpPr>
+          <p:cNvPr id="9" name="Straight Arrow Connector 8">
+            <a:extLst>
+              <a:ext uri="{FF2B5EF4-FFF2-40B4-BE49-F238E27FC236}">
+                <a16:creationId xmlns:a16="http://schemas.microsoft.com/office/drawing/2014/main" id="{82811EB8-849A-2A3D-A5C6-4D9F496E5EA6}"/>
+              </a:ext>
+            </a:extLst>
+          </p:cNvPr>
+          <p:cNvCxnSpPr>
+            <a:cxnSpLocks/>
+          </p:cNvCxnSpPr>
+          <p:nvPr/>
+        </p:nvCxnSpPr>
+        <p:spPr>
+          <a:xfrm>
+            <a:off x="4007827" y="1444640"/>
+            <a:ext cx="2505312" cy="0"/>
+          </a:xfrm>
+          <a:prstGeom prst="straightConnector1">
+            <a:avLst/>
+          </a:prstGeom>
+          <a:ln w="15875">
+            <a:solidFill>
+              <a:schemeClr val="accent6">
+                <a:lumMod val="50000"/>
+              </a:schemeClr>
+            </a:solidFill>
+            <a:prstDash val="sysDash"/>
+            <a:headEnd type="triangle"/>
+            <a:tailEnd type="triangle"/>
+          </a:ln>
+        </p:spPr>
+        <p:style>
+          <a:lnRef idx="1">
+            <a:schemeClr val="accent1"/>
+          </a:lnRef>
+          <a:fillRef idx="0">
+            <a:schemeClr val="accent1"/>
+          </a:fillRef>
+          <a:effectRef idx="0">
+            <a:schemeClr val="accent1"/>
+          </a:effectRef>
+          <a:fontRef idx="minor">
+            <a:schemeClr val="tx1"/>
+          </a:fontRef>
+        </p:style>
+      </p:cxnSp>
+      <p:sp>
+        <p:nvSpPr>
+          <p:cNvPr id="10" name="TextBox 9">
+            <a:extLst>
+              <a:ext uri="{FF2B5EF4-FFF2-40B4-BE49-F238E27FC236}">
+                <a16:creationId xmlns:a16="http://schemas.microsoft.com/office/drawing/2014/main" id="{7BAA8B0A-8017-947D-FF6A-DFD16AA61798}"/>
+              </a:ext>
+            </a:extLst>
+          </p:cNvPr>
+          <p:cNvSpPr txBox="1"/>
+          <p:nvPr/>
+        </p:nvSpPr>
+        <p:spPr>
+          <a:xfrm>
+            <a:off x="4036337" y="1266614"/>
+            <a:ext cx="2471124" cy="169277"/>
+          </a:xfrm>
+          <a:prstGeom prst="rect">
+            <a:avLst/>
+          </a:prstGeom>
+          <a:noFill/>
+        </p:spPr>
+        <p:txBody>
+          <a:bodyPr wrap="square" lIns="0" tIns="0" rIns="0" bIns="0" rtlCol="0">
+            <a:spAutoFit/>
+          </a:bodyPr>
+          <a:lstStyle/>
+          <a:p>
+            <a:pPr algn="ctr"/>
+            <a:r>
+              <a:rPr lang="en-US" sz="1100" dirty="0">
+                <a:solidFill>
+                  <a:schemeClr val="accent1">
+                    <a:lumMod val="50000"/>
+                  </a:schemeClr>
+                </a:solidFill>
+                <a:latin typeface="Calibri" panose="020F0502020204030204" pitchFamily="34" charset="0"/>
+                <a:cs typeface="Calibri" panose="020F0502020204030204" pitchFamily="34" charset="0"/>
+              </a:rPr>
+              <a:t>Configure EHR to App Connectivity</a:t>
+            </a:r>
+          </a:p>
+        </p:txBody>
+      </p:sp>
+      <p:sp>
+        <p:nvSpPr>
+          <p:cNvPr id="12" name="TextBox 11">
+            <a:extLst>
+              <a:ext uri="{FF2B5EF4-FFF2-40B4-BE49-F238E27FC236}">
+                <a16:creationId xmlns:a16="http://schemas.microsoft.com/office/drawing/2014/main" id="{2FA16C61-52F2-0039-FD6E-C30D6D52F231}"/>
+              </a:ext>
+            </a:extLst>
+          </p:cNvPr>
+          <p:cNvSpPr txBox="1"/>
+          <p:nvPr/>
+        </p:nvSpPr>
+        <p:spPr>
+          <a:xfrm>
+            <a:off x="5060516" y="1633028"/>
+            <a:ext cx="2902926" cy="215444"/>
+          </a:xfrm>
+          <a:prstGeom prst="rect">
+            <a:avLst/>
+          </a:prstGeom>
+          <a:solidFill>
+            <a:schemeClr val="bg1"/>
+          </a:solidFill>
+        </p:spPr>
+        <p:txBody>
+          <a:bodyPr wrap="square" lIns="0" tIns="0" rIns="0" bIns="45720" rtlCol="0">
+            <a:spAutoFit/>
+          </a:bodyPr>
+          <a:lstStyle/>
+          <a:p>
+            <a:pPr algn="ctr"/>
+            <a:r>
+              <a:rPr lang="en-US" sz="1100" dirty="0">
+                <a:solidFill>
+                  <a:schemeClr val="accent1">
+                    <a:lumMod val="50000"/>
+                  </a:schemeClr>
+                </a:solidFill>
+                <a:latin typeface="Calibri" panose="020F0502020204030204" pitchFamily="34" charset="0"/>
+                <a:cs typeface="Calibri" panose="020F0502020204030204" pitchFamily="34" charset="0"/>
+              </a:rPr>
+              <a:t>Configure App/EHR to Payer Connectivity</a:t>
+            </a:r>
+          </a:p>
+        </p:txBody>
+      </p:sp>
+      <p:cxnSp>
+        <p:nvCxnSpPr>
+          <p:cNvPr id="13" name="Straight Arrow Connector 12">
+            <a:extLst>
+              <a:ext uri="{FF2B5EF4-FFF2-40B4-BE49-F238E27FC236}">
+                <a16:creationId xmlns:a16="http://schemas.microsoft.com/office/drawing/2014/main" id="{EF4C9F24-452A-EA3A-5ADF-83D4C73CD334}"/>
+              </a:ext>
+            </a:extLst>
+          </p:cNvPr>
+          <p:cNvCxnSpPr>
+            <a:cxnSpLocks/>
+          </p:cNvCxnSpPr>
+          <p:nvPr/>
+        </p:nvCxnSpPr>
+        <p:spPr>
+          <a:xfrm>
+            <a:off x="4008169" y="1813586"/>
+            <a:ext cx="2505312" cy="0"/>
+          </a:xfrm>
+          <a:prstGeom prst="straightConnector1">
+            <a:avLst/>
+          </a:prstGeom>
+          <a:ln w="15875">
+            <a:solidFill>
+              <a:schemeClr val="accent6">
+                <a:lumMod val="50000"/>
+              </a:schemeClr>
+            </a:solidFill>
+            <a:prstDash val="sysDash"/>
+            <a:headEnd type="triangle"/>
+            <a:tailEnd type="none"/>
+          </a:ln>
+        </p:spPr>
+        <p:style>
+          <a:lnRef idx="1">
+            <a:schemeClr val="accent1"/>
+          </a:lnRef>
+          <a:fillRef idx="0">
+            <a:schemeClr val="accent1"/>
+          </a:fillRef>
+          <a:effectRef idx="0">
+            <a:schemeClr val="accent1"/>
+          </a:effectRef>
+          <a:fontRef idx="minor">
+            <a:schemeClr val="tx1"/>
+          </a:fontRef>
+        </p:style>
+      </p:cxnSp>
+      <p:cxnSp>
+        <p:nvCxnSpPr>
+          <p:cNvPr id="11" name="Straight Arrow Connector 10">
+            <a:extLst>
+              <a:ext uri="{FF2B5EF4-FFF2-40B4-BE49-F238E27FC236}">
+                <a16:creationId xmlns:a16="http://schemas.microsoft.com/office/drawing/2014/main" id="{66AF62D3-69A1-8276-A0F1-07BC5042F4A9}"/>
+              </a:ext>
+            </a:extLst>
+          </p:cNvPr>
+          <p:cNvCxnSpPr>
+            <a:cxnSpLocks/>
+          </p:cNvCxnSpPr>
+          <p:nvPr/>
+        </p:nvCxnSpPr>
+        <p:spPr>
+          <a:xfrm>
+            <a:off x="6512470" y="1813586"/>
+            <a:ext cx="2505312" cy="0"/>
+          </a:xfrm>
+          <a:prstGeom prst="straightConnector1">
+            <a:avLst/>
+          </a:prstGeom>
+          <a:ln w="15875">
+            <a:solidFill>
+              <a:schemeClr val="accent6">
+                <a:lumMod val="50000"/>
+              </a:schemeClr>
+            </a:solidFill>
+            <a:prstDash val="sysDash"/>
+            <a:headEnd type="none"/>
+            <a:tailEnd type="triangle"/>
+          </a:ln>
+        </p:spPr>
+        <p:style>
+          <a:lnRef idx="1">
+            <a:schemeClr val="accent1"/>
+          </a:lnRef>
+          <a:fillRef idx="0">
+            <a:schemeClr val="accent1"/>
+          </a:fillRef>
+          <a:effectRef idx="0">
+            <a:schemeClr val="accent1"/>
+          </a:effectRef>
+          <a:fontRef idx="minor">
+            <a:schemeClr val="tx1"/>
+          </a:fontRef>
+        </p:style>
+      </p:cxnSp>
+      <p:sp>
+        <p:nvSpPr>
+          <p:cNvPr id="14" name="Oval 13">
+            <a:extLst>
+              <a:ext uri="{FF2B5EF4-FFF2-40B4-BE49-F238E27FC236}">
+                <a16:creationId xmlns:a16="http://schemas.microsoft.com/office/drawing/2014/main" id="{92AE3496-E8CC-7BD8-597E-B91341C4EC41}"/>
+              </a:ext>
+            </a:extLst>
+          </p:cNvPr>
+          <p:cNvSpPr/>
+          <p:nvPr/>
+        </p:nvSpPr>
+        <p:spPr>
+          <a:xfrm>
+            <a:off x="6475764" y="1775912"/>
+            <a:ext cx="73152" cy="73152"/>
+          </a:xfrm>
+          <a:prstGeom prst="ellipse">
+            <a:avLst/>
+          </a:prstGeom>
+          <a:solidFill>
+            <a:schemeClr val="accent6">
+              <a:lumMod val="50000"/>
+            </a:schemeClr>
+          </a:solidFill>
+          <a:ln>
+            <a:noFill/>
+          </a:ln>
+        </p:spPr>
+        <p:style>
+          <a:lnRef idx="2">
+            <a:schemeClr val="accent1">
+              <a:shade val="15000"/>
+            </a:schemeClr>
+          </a:lnRef>
+          <a:fillRef idx="1">
+            <a:schemeClr val="accent1"/>
+          </a:fillRef>
+          <a:effectRef idx="0">
+            <a:schemeClr val="accent1"/>
+          </a:effectRef>
+          <a:fontRef idx="minor">
+            <a:schemeClr val="lt1"/>
+          </a:fontRef>
+        </p:style>
+        <p:txBody>
+          <a:bodyPr rtlCol="0" anchor="ctr"/>
+          <a:lstStyle/>
+          <a:p>
+            <a:pPr algn="ctr"/>
+            <a:endParaRPr lang="en-US"/>
+          </a:p>
+        </p:txBody>
+      </p:sp>
+      <p:cxnSp>
+        <p:nvCxnSpPr>
+          <p:cNvPr id="3" name="Straight Arrow Connector 2">
+            <a:extLst>
+              <a:ext uri="{FF2B5EF4-FFF2-40B4-BE49-F238E27FC236}">
+                <a16:creationId xmlns:a16="http://schemas.microsoft.com/office/drawing/2014/main" id="{806DBEF4-4956-0FBE-C41E-2D1632442676}"/>
+              </a:ext>
+            </a:extLst>
+          </p:cNvPr>
+          <p:cNvCxnSpPr>
+            <a:cxnSpLocks/>
+          </p:cNvCxnSpPr>
+          <p:nvPr/>
+        </p:nvCxnSpPr>
+        <p:spPr>
+          <a:xfrm>
+            <a:off x="4010734" y="5884348"/>
+            <a:ext cx="2505312" cy="0"/>
+          </a:xfrm>
+          <a:prstGeom prst="straightConnector1">
+            <a:avLst/>
+          </a:prstGeom>
+          <a:ln w="15875">
+            <a:solidFill>
+              <a:schemeClr val="tx1"/>
+            </a:solidFill>
+            <a:headEnd type="triangle"/>
+            <a:tailEnd type="none"/>
+          </a:ln>
+        </p:spPr>
+        <p:style>
+          <a:lnRef idx="1">
+            <a:schemeClr val="accent1"/>
+          </a:lnRef>
+          <a:fillRef idx="0">
+            <a:schemeClr val="accent1"/>
+          </a:fillRef>
+          <a:effectRef idx="0">
+            <a:schemeClr val="accent1"/>
+          </a:effectRef>
+          <a:fontRef idx="minor">
+            <a:schemeClr val="tx1"/>
+          </a:fontRef>
+        </p:style>
+      </p:cxnSp>
+      <p:sp>
+        <p:nvSpPr>
+          <p:cNvPr id="5" name="TextBox 4">
+            <a:extLst>
+              <a:ext uri="{FF2B5EF4-FFF2-40B4-BE49-F238E27FC236}">
+                <a16:creationId xmlns:a16="http://schemas.microsoft.com/office/drawing/2014/main" id="{AD61C36E-EB6A-AC79-CBDE-F0879D4EB3DD}"/>
+              </a:ext>
+            </a:extLst>
+          </p:cNvPr>
+          <p:cNvSpPr txBox="1"/>
+          <p:nvPr/>
+        </p:nvSpPr>
+        <p:spPr>
+          <a:xfrm>
+            <a:off x="4030191" y="5701410"/>
+            <a:ext cx="2471124" cy="169277"/>
+          </a:xfrm>
+          <a:prstGeom prst="rect">
+            <a:avLst/>
+          </a:prstGeom>
+          <a:noFill/>
+        </p:spPr>
+        <p:txBody>
+          <a:bodyPr wrap="square" lIns="0" tIns="0" rIns="0" bIns="0" rtlCol="0">
+            <a:spAutoFit/>
+          </a:bodyPr>
+          <a:lstStyle/>
+          <a:p>
+            <a:pPr algn="ctr"/>
+            <a:r>
+              <a:rPr lang="en-US" sz="1100" dirty="0">
+                <a:solidFill>
+                  <a:schemeClr val="accent1">
+                    <a:lumMod val="50000"/>
+                  </a:schemeClr>
+                </a:solidFill>
+                <a:latin typeface="Calibri" panose="020F0502020204030204" pitchFamily="34" charset="0"/>
+                <a:cs typeface="Calibri" panose="020F0502020204030204" pitchFamily="34" charset="0"/>
+              </a:rPr>
+              <a:t>Store completed QuestionnaireResponse</a:t>
+            </a:r>
+          </a:p>
+        </p:txBody>
+      </p:sp>
+      <p:sp>
+        <p:nvSpPr>
+          <p:cNvPr id="6" name="Rectangle 5">
+            <a:extLst>
+              <a:ext uri="{FF2B5EF4-FFF2-40B4-BE49-F238E27FC236}">
+                <a16:creationId xmlns:a16="http://schemas.microsoft.com/office/drawing/2014/main" id="{0D6BC810-0559-7C1D-2315-2AAC7C9E5D71}"/>
+              </a:ext>
+            </a:extLst>
+          </p:cNvPr>
+          <p:cNvSpPr/>
+          <p:nvPr/>
+        </p:nvSpPr>
+        <p:spPr>
+          <a:xfrm>
+            <a:off x="5267710" y="4736555"/>
+            <a:ext cx="2505283" cy="339993"/>
+          </a:xfrm>
+          <a:prstGeom prst="rect">
+            <a:avLst/>
+          </a:prstGeom>
+          <a:solidFill>
+            <a:srgbClr val="EFF4F5"/>
+          </a:solidFill>
+          <a:ln w="12700"/>
+        </p:spPr>
+        <p:style>
+          <a:lnRef idx="2">
+            <a:schemeClr val="accent1">
+              <a:shade val="15000"/>
+            </a:schemeClr>
+          </a:lnRef>
+          <a:fillRef idx="1">
+            <a:schemeClr val="accent1"/>
+          </a:fillRef>
+          <a:effectRef idx="0">
+            <a:schemeClr val="accent1"/>
+          </a:effectRef>
+          <a:fontRef idx="minor">
+            <a:schemeClr val="lt1"/>
+          </a:fontRef>
+        </p:style>
+        <p:txBody>
+          <a:bodyPr rtlCol="0" anchor="ctr"/>
+          <a:lstStyle/>
+          <a:p>
+            <a:pPr algn="ctr"/>
+            <a:r>
+              <a:rPr lang="en-US" sz="1050" dirty="0">
+                <a:solidFill>
+                  <a:schemeClr val="tx1"/>
+                </a:solidFill>
+                <a:latin typeface="Calibri" panose="020F0502020204030204" pitchFamily="34" charset="0"/>
+                <a:cs typeface="Calibri" panose="020F0502020204030204" pitchFamily="34" charset="0"/>
+              </a:rPr>
+              <a:t>User verifies data and QuestionnaireResponse</a:t>
+            </a:r>
+          </a:p>
+        </p:txBody>
+      </p:sp>
+      <p:cxnSp>
+        <p:nvCxnSpPr>
+          <p:cNvPr id="7" name="Straight Arrow Connector 6">
+            <a:extLst>
+              <a:ext uri="{FF2B5EF4-FFF2-40B4-BE49-F238E27FC236}">
+                <a16:creationId xmlns:a16="http://schemas.microsoft.com/office/drawing/2014/main" id="{49294671-E6FA-EE29-5FBF-498F30D598BA}"/>
+              </a:ext>
+            </a:extLst>
+          </p:cNvPr>
+          <p:cNvCxnSpPr>
+            <a:cxnSpLocks/>
+          </p:cNvCxnSpPr>
+          <p:nvPr/>
+        </p:nvCxnSpPr>
+        <p:spPr>
+          <a:xfrm flipH="1">
+            <a:off x="4002818" y="4008374"/>
+            <a:ext cx="2505312" cy="0"/>
+          </a:xfrm>
+          <a:prstGeom prst="straightConnector1">
+            <a:avLst/>
+          </a:prstGeom>
+          <a:ln w="15875">
+            <a:solidFill>
+              <a:schemeClr val="accent1">
+                <a:lumMod val="75000"/>
+              </a:schemeClr>
+            </a:solidFill>
+            <a:prstDash val="sysDash"/>
+            <a:headEnd type="triangle"/>
+            <a:tailEnd type="triangle" w="med" len="med"/>
+          </a:ln>
+        </p:spPr>
+        <p:style>
+          <a:lnRef idx="1">
+            <a:schemeClr val="accent1"/>
+          </a:lnRef>
+          <a:fillRef idx="0">
+            <a:schemeClr val="accent1"/>
+          </a:fillRef>
+          <a:effectRef idx="0">
+            <a:schemeClr val="accent1"/>
+          </a:effectRef>
+          <a:fontRef idx="minor">
+            <a:schemeClr val="tx1"/>
+          </a:fontRef>
+        </p:style>
+      </p:cxnSp>
+      <p:sp>
+        <p:nvSpPr>
+          <p:cNvPr id="8" name="TextBox 7">
+            <a:extLst>
+              <a:ext uri="{FF2B5EF4-FFF2-40B4-BE49-F238E27FC236}">
+                <a16:creationId xmlns:a16="http://schemas.microsoft.com/office/drawing/2014/main" id="{AE0317D2-2282-81A6-DBC6-38D1615C4B08}"/>
+              </a:ext>
+            </a:extLst>
+          </p:cNvPr>
+          <p:cNvSpPr txBox="1"/>
+          <p:nvPr/>
+        </p:nvSpPr>
+        <p:spPr>
+          <a:xfrm>
+            <a:off x="6506095" y="5391700"/>
+            <a:ext cx="2505283" cy="161583"/>
+          </a:xfrm>
+          <a:prstGeom prst="rect">
+            <a:avLst/>
+          </a:prstGeom>
+          <a:noFill/>
+        </p:spPr>
+        <p:txBody>
+          <a:bodyPr wrap="square" lIns="0" tIns="0" rIns="0" bIns="0" rtlCol="0">
+            <a:spAutoFit/>
+          </a:bodyPr>
+          <a:lstStyle/>
+          <a:p>
+            <a:pPr algn="ctr"/>
+            <a:r>
+              <a:rPr lang="en-US" sz="1050" dirty="0">
+                <a:solidFill>
+                  <a:srgbClr val="533F05"/>
+                </a:solidFill>
+                <a:latin typeface="Consolas" panose="020B0609020204030204" pitchFamily="49" charset="0"/>
+                <a:cs typeface="Calibri" panose="020F0502020204030204" pitchFamily="34" charset="0"/>
+              </a:rPr>
+              <a:t>$next-question</a:t>
+            </a:r>
+            <a:r>
+              <a:rPr lang="en-US" sz="1050" dirty="0">
+                <a:solidFill>
+                  <a:schemeClr val="accent1">
+                    <a:lumMod val="50000"/>
+                  </a:schemeClr>
+                </a:solidFill>
+                <a:latin typeface="Consolas" panose="020B0609020204030204" pitchFamily="49" charset="0"/>
+                <a:cs typeface="Calibri" panose="020F0502020204030204" pitchFamily="34" charset="0"/>
+              </a:rPr>
+              <a:t> </a:t>
+            </a:r>
+            <a:r>
+              <a:rPr lang="en-US" sz="1050" dirty="0">
+                <a:solidFill>
+                  <a:schemeClr val="accent1">
+                    <a:lumMod val="50000"/>
+                  </a:schemeClr>
+                </a:solidFill>
+                <a:latin typeface="Calibri" panose="020F0502020204030204" pitchFamily="34" charset="0"/>
+                <a:cs typeface="Calibri" panose="020F0502020204030204" pitchFamily="34" charset="0"/>
+              </a:rPr>
+              <a:t>Operation</a:t>
+            </a:r>
+            <a:endParaRPr lang="en-US" sz="1000" dirty="0">
+              <a:solidFill>
+                <a:schemeClr val="accent1">
+                  <a:lumMod val="50000"/>
+                </a:schemeClr>
+              </a:solidFill>
+              <a:latin typeface="Calibri" panose="020F0502020204030204" pitchFamily="34" charset="0"/>
+              <a:cs typeface="Calibri" panose="020F0502020204030204" pitchFamily="34" charset="0"/>
+            </a:endParaRPr>
+          </a:p>
+        </p:txBody>
+      </p:sp>
+      <p:sp>
+        <p:nvSpPr>
+          <p:cNvPr id="15" name="TextBox 14">
+            <a:extLst>
+              <a:ext uri="{FF2B5EF4-FFF2-40B4-BE49-F238E27FC236}">
+                <a16:creationId xmlns:a16="http://schemas.microsoft.com/office/drawing/2014/main" id="{C28D2C54-6ACF-9D3D-336E-DE6786A2CEEE}"/>
+              </a:ext>
+            </a:extLst>
+          </p:cNvPr>
+          <p:cNvSpPr txBox="1"/>
+          <p:nvPr/>
+        </p:nvSpPr>
+        <p:spPr>
+          <a:xfrm>
+            <a:off x="7012407" y="5240529"/>
+            <a:ext cx="1492658" cy="153888"/>
+          </a:xfrm>
+          <a:prstGeom prst="rect">
+            <a:avLst/>
+          </a:prstGeom>
+          <a:noFill/>
+        </p:spPr>
+        <p:txBody>
+          <a:bodyPr wrap="square" lIns="0" tIns="0" rIns="0" bIns="0" rtlCol="0">
+            <a:spAutoFit/>
+          </a:bodyPr>
+          <a:lstStyle/>
+          <a:p>
+            <a:pPr algn="ctr"/>
+            <a:r>
+              <a:rPr lang="en-US" sz="1000" i="1" dirty="0">
+                <a:latin typeface="Calibri" panose="020F0502020204030204" pitchFamily="34" charset="0"/>
+                <a:cs typeface="Calibri" panose="020F0502020204030204" pitchFamily="34" charset="0"/>
+              </a:rPr>
+              <a:t>(Adaptive Questionnaire)</a:t>
+            </a:r>
+          </a:p>
+        </p:txBody>
+      </p:sp>
+      <p:sp>
+        <p:nvSpPr>
+          <p:cNvPr id="22" name="Rectangle 21">
+            <a:extLst>
+              <a:ext uri="{FF2B5EF4-FFF2-40B4-BE49-F238E27FC236}">
+                <a16:creationId xmlns:a16="http://schemas.microsoft.com/office/drawing/2014/main" id="{68A6BEC3-3971-188B-C622-A8D71DFB779D}"/>
+              </a:ext>
+            </a:extLst>
+          </p:cNvPr>
+          <p:cNvSpPr/>
+          <p:nvPr/>
+        </p:nvSpPr>
+        <p:spPr>
+          <a:xfrm>
+            <a:off x="8892816" y="3636202"/>
+            <a:ext cx="258250" cy="1924775"/>
+          </a:xfrm>
+          <a:prstGeom prst="rect">
+            <a:avLst/>
+          </a:prstGeom>
+          <a:solidFill>
+            <a:schemeClr val="bg1"/>
+          </a:solidFill>
+          <a:ln>
+            <a:noFill/>
+          </a:ln>
+        </p:spPr>
+        <p:style>
+          <a:lnRef idx="2">
+            <a:schemeClr val="accent1">
+              <a:shade val="15000"/>
+            </a:schemeClr>
+          </a:lnRef>
+          <a:fillRef idx="1">
+            <a:schemeClr val="accent1"/>
+          </a:fillRef>
+          <a:effectRef idx="0">
+            <a:schemeClr val="accent1"/>
+          </a:effectRef>
+          <a:fontRef idx="minor">
+            <a:schemeClr val="lt1"/>
+          </a:fontRef>
+        </p:style>
+        <p:txBody>
+          <a:bodyPr rtlCol="0" anchor="ctr"/>
+          <a:lstStyle/>
+          <a:p>
+            <a:pPr algn="ctr"/>
+            <a:endParaRPr lang="en-US"/>
+          </a:p>
+        </p:txBody>
+      </p:sp>
+      <p:cxnSp>
+        <p:nvCxnSpPr>
+          <p:cNvPr id="16" name="Straight Arrow Connector 15">
+            <a:extLst>
+              <a:ext uri="{FF2B5EF4-FFF2-40B4-BE49-F238E27FC236}">
+                <a16:creationId xmlns:a16="http://schemas.microsoft.com/office/drawing/2014/main" id="{AC636499-79D2-CA8B-5791-AAA153C7F2E8}"/>
+              </a:ext>
+            </a:extLst>
+          </p:cNvPr>
+          <p:cNvCxnSpPr>
+            <a:cxnSpLocks/>
+          </p:cNvCxnSpPr>
+          <p:nvPr/>
+        </p:nvCxnSpPr>
+        <p:spPr>
+          <a:xfrm flipH="1">
+            <a:off x="6506066" y="5577794"/>
+            <a:ext cx="2505312" cy="0"/>
+          </a:xfrm>
+          <a:prstGeom prst="straightConnector1">
+            <a:avLst/>
+          </a:prstGeom>
+          <a:ln w="15875">
+            <a:solidFill>
+              <a:schemeClr val="accent1">
+                <a:lumMod val="75000"/>
+              </a:schemeClr>
+            </a:solidFill>
+            <a:prstDash val="sysDash"/>
+            <a:headEnd type="triangle"/>
+            <a:tailEnd type="none"/>
+          </a:ln>
+        </p:spPr>
+        <p:style>
+          <a:lnRef idx="1">
+            <a:schemeClr val="accent1"/>
+          </a:lnRef>
+          <a:fillRef idx="0">
+            <a:schemeClr val="accent1"/>
+          </a:fillRef>
+          <a:effectRef idx="0">
+            <a:schemeClr val="accent1"/>
+          </a:effectRef>
+          <a:fontRef idx="minor">
+            <a:schemeClr val="tx1"/>
+          </a:fontRef>
+        </p:style>
+      </p:cxnSp>
+      <p:cxnSp>
+        <p:nvCxnSpPr>
+          <p:cNvPr id="18" name="Straight Arrow Connector 17">
+            <a:extLst>
+              <a:ext uri="{FF2B5EF4-FFF2-40B4-BE49-F238E27FC236}">
+                <a16:creationId xmlns:a16="http://schemas.microsoft.com/office/drawing/2014/main" id="{9A762CDA-D1A2-E064-AC88-9D76965350E3}"/>
+              </a:ext>
+            </a:extLst>
+          </p:cNvPr>
+          <p:cNvCxnSpPr>
+            <a:cxnSpLocks/>
+          </p:cNvCxnSpPr>
+          <p:nvPr/>
+        </p:nvCxnSpPr>
+        <p:spPr>
+          <a:xfrm>
+            <a:off x="9011318" y="3632808"/>
+            <a:ext cx="1570" cy="1928169"/>
+          </a:xfrm>
+          <a:prstGeom prst="straightConnector1">
+            <a:avLst/>
+          </a:prstGeom>
+          <a:ln w="15875">
+            <a:solidFill>
+              <a:schemeClr val="accent1">
+                <a:lumMod val="75000"/>
+              </a:schemeClr>
+            </a:solidFill>
+            <a:prstDash val="sysDash"/>
+            <a:headEnd type="triangle"/>
+            <a:tailEnd type="none"/>
+          </a:ln>
+        </p:spPr>
+        <p:style>
+          <a:lnRef idx="1">
+            <a:schemeClr val="accent1"/>
+          </a:lnRef>
+          <a:fillRef idx="0">
+            <a:schemeClr val="accent1"/>
+          </a:fillRef>
+          <a:effectRef idx="0">
+            <a:schemeClr val="accent1"/>
+          </a:effectRef>
+          <a:fontRef idx="minor">
+            <a:schemeClr val="tx1"/>
+          </a:fontRef>
+        </p:style>
+      </p:cxnSp>
+      <p:cxnSp>
+        <p:nvCxnSpPr>
+          <p:cNvPr id="39" name="Straight Arrow Connector 38">
+            <a:extLst>
+              <a:ext uri="{FF2B5EF4-FFF2-40B4-BE49-F238E27FC236}">
+                <a16:creationId xmlns:a16="http://schemas.microsoft.com/office/drawing/2014/main" id="{B39BDBC9-81F5-969B-88FB-BB1F518D6194}"/>
+              </a:ext>
+            </a:extLst>
+          </p:cNvPr>
+          <p:cNvCxnSpPr>
+            <a:cxnSpLocks/>
+          </p:cNvCxnSpPr>
+          <p:nvPr/>
+        </p:nvCxnSpPr>
+        <p:spPr>
+          <a:xfrm flipH="1">
+            <a:off x="6515817" y="3650914"/>
+            <a:ext cx="2505312" cy="0"/>
+          </a:xfrm>
+          <a:prstGeom prst="straightConnector1">
+            <a:avLst/>
+          </a:prstGeom>
+          <a:ln w="15875">
+            <a:solidFill>
+              <a:schemeClr val="accent1">
+                <a:lumMod val="75000"/>
+              </a:schemeClr>
+            </a:solidFill>
+            <a:prstDash val="sysDash"/>
+            <a:tailEnd type="triangle"/>
+          </a:ln>
+        </p:spPr>
+        <p:style>
+          <a:lnRef idx="1">
+            <a:schemeClr val="accent1"/>
+          </a:lnRef>
+          <a:fillRef idx="0">
+            <a:schemeClr val="accent1"/>
+          </a:fillRef>
+          <a:effectRef idx="0">
+            <a:schemeClr val="accent1"/>
+          </a:effectRef>
+          <a:fontRef idx="minor">
+            <a:schemeClr val="tx1"/>
+          </a:fontRef>
+        </p:style>
+      </p:cxnSp>
+      <p:sp>
+        <p:nvSpPr>
+          <p:cNvPr id="2" name="TextBox 1">
+            <a:extLst>
+              <a:ext uri="{FF2B5EF4-FFF2-40B4-BE49-F238E27FC236}">
+                <a16:creationId xmlns:a16="http://schemas.microsoft.com/office/drawing/2014/main" id="{29BCDDE4-5C8E-BB13-7522-7C66C9D46DCC}"/>
+              </a:ext>
+            </a:extLst>
+          </p:cNvPr>
+          <p:cNvSpPr txBox="1"/>
+          <p:nvPr/>
+        </p:nvSpPr>
+        <p:spPr>
+          <a:xfrm>
+            <a:off x="6712183" y="3301324"/>
+            <a:ext cx="2105885" cy="153888"/>
+          </a:xfrm>
+          <a:prstGeom prst="rect">
+            <a:avLst/>
+          </a:prstGeom>
+          <a:noFill/>
+        </p:spPr>
+        <p:txBody>
+          <a:bodyPr wrap="square" lIns="0" tIns="0" rIns="0" bIns="0" rtlCol="0">
+            <a:spAutoFit/>
+          </a:bodyPr>
+          <a:lstStyle/>
+          <a:p>
+            <a:pPr algn="ctr"/>
+            <a:r>
+              <a:rPr lang="en-US" sz="1000" i="1" dirty="0">
+                <a:latin typeface="Calibri" panose="020F0502020204030204" pitchFamily="34" charset="0"/>
+                <a:cs typeface="Calibri" panose="020F0502020204030204" pitchFamily="34" charset="0"/>
+              </a:rPr>
+              <a:t>(Returns “Questionnaire Package”)</a:t>
+            </a:r>
+          </a:p>
+        </p:txBody>
+      </p:sp>
+      <p:sp>
+        <p:nvSpPr>
+          <p:cNvPr id="24" name="TextBox 23">
+            <a:extLst>
+              <a:ext uri="{FF2B5EF4-FFF2-40B4-BE49-F238E27FC236}">
+                <a16:creationId xmlns:a16="http://schemas.microsoft.com/office/drawing/2014/main" id="{41127CD7-9A26-D35B-FE9F-658D5D6B5E2A}"/>
+              </a:ext>
+            </a:extLst>
+          </p:cNvPr>
+          <p:cNvSpPr txBox="1"/>
+          <p:nvPr/>
+        </p:nvSpPr>
+        <p:spPr>
+          <a:xfrm>
+            <a:off x="6711696" y="3671499"/>
+            <a:ext cx="2105885" cy="153888"/>
+          </a:xfrm>
+          <a:prstGeom prst="rect">
+            <a:avLst/>
+          </a:prstGeom>
+          <a:noFill/>
+        </p:spPr>
+        <p:txBody>
+          <a:bodyPr wrap="square" lIns="0" tIns="0" rIns="0" bIns="0" rtlCol="0">
+            <a:spAutoFit/>
+          </a:bodyPr>
+          <a:lstStyle/>
+          <a:p>
+            <a:pPr algn="ctr"/>
+            <a:r>
+              <a:rPr lang="en-US" sz="1000" i="1" dirty="0">
+                <a:latin typeface="Calibri" panose="020F0502020204030204" pitchFamily="34" charset="0"/>
+                <a:cs typeface="Calibri" panose="020F0502020204030204" pitchFamily="34" charset="0"/>
+              </a:rPr>
+              <a:t>(Returns QuestionnaireResponse)</a:t>
+            </a:r>
+          </a:p>
+        </p:txBody>
+      </p:sp>
+    </p:spTree>
+    <p:extLst>
+      <p:ext uri="{BB962C8B-B14F-4D97-AF65-F5344CB8AC3E}">
+        <p14:creationId xmlns:p14="http://schemas.microsoft.com/office/powerpoint/2010/main" val="2244678594"/>
+      </p:ext>
+    </p:extLst>
+  </p:cSld>
+  <p:clrMapOvr>
+    <a:masterClrMapping/>
+  </p:clrMapOvr>
+</p:sld>
+</file>
+
+<file path=ppt/slides/slide4.xml><?xml version="1.0" encoding="utf-8"?>
 <p:sld xmlns:a="http://schemas.openxmlformats.org/drawingml/2006/main" xmlns:r="http://schemas.openxmlformats.org/officeDocument/2006/relationships" xmlns:p="http://schemas.openxmlformats.org/presentationml/2006/main">
   <p:cSld>
     <p:spTree>
@@ -19353,1502 +21365,6 @@
             <a:extLst>
               <a:ext uri="{FF2B5EF4-FFF2-40B4-BE49-F238E27FC236}">
                 <a16:creationId xmlns:a16="http://schemas.microsoft.com/office/drawing/2014/main" id="{11519A10-B3C4-4245-B658-F5FCA028DF11}"/>
-              </a:ext>
-            </a:extLst>
-          </p:cNvPr>
-          <p:cNvSpPr>
-            <a:spLocks noGrp="1"/>
-          </p:cNvSpPr>
-          <p:nvPr>
-            <p:ph type="sldNum" sz="quarter" idx="4294967295"/>
-          </p:nvPr>
-        </p:nvSpPr>
-        <p:spPr>
-          <a:xfrm>
-            <a:off x="11569700" y="6400802"/>
-            <a:ext cx="622300" cy="365125"/>
-          </a:xfrm>
-          <a:prstGeom prst="rect">
-            <a:avLst/>
-          </a:prstGeom>
-        </p:spPr>
-        <p:txBody>
-          <a:bodyPr/>
-          <a:lstStyle/>
-          <a:p>
-            <a:pPr marL="0" marR="0" lvl="0" indent="0" algn="l" defTabSz="914400" rtl="0" eaLnBrk="1" fontAlgn="auto" latinLnBrk="0" hangingPunct="1">
-              <a:lnSpc>
-                <a:spcPct val="100000"/>
-              </a:lnSpc>
-              <a:spcBef>
-                <a:spcPts val="0"/>
-              </a:spcBef>
-              <a:spcAft>
-                <a:spcPts val="0"/>
-              </a:spcAft>
-              <a:buClrTx/>
-              <a:buSzTx/>
-              <a:buFontTx/>
-              <a:buNone/>
-              <a:tabLst/>
-              <a:defRPr/>
-            </a:pPr>
-            <a:fld id="{BECF63ED-5365-0347-943C-46237B9951C9}" type="slidenum">
-              <a:rPr kumimoji="0" lang="en-US" sz="1800" b="0" i="0" u="none" strike="noStrike" kern="1200" cap="none" spc="0" normalizeH="0" baseline="0" noProof="0" smtClean="0">
-                <a:ln>
-                  <a:noFill/>
-                </a:ln>
-                <a:solidFill>
-                  <a:srgbClr val="000000"/>
-                </a:solidFill>
-                <a:effectLst/>
-                <a:uLnTx/>
-                <a:uFillTx/>
-                <a:latin typeface="Arial" panose="020B0604020202020204"/>
-                <a:ea typeface="+mn-ea"/>
-                <a:cs typeface="+mn-cs"/>
-              </a:rPr>
-              <a:pPr marL="0" marR="0" lvl="0" indent="0" algn="l" defTabSz="914400" rtl="0" eaLnBrk="1" fontAlgn="auto" latinLnBrk="0" hangingPunct="1">
-                <a:lnSpc>
-                  <a:spcPct val="100000"/>
-                </a:lnSpc>
-                <a:spcBef>
-                  <a:spcPts val="0"/>
-                </a:spcBef>
-                <a:spcAft>
-                  <a:spcPts val="0"/>
-                </a:spcAft>
-                <a:buClrTx/>
-                <a:buSzTx/>
-                <a:buFontTx/>
-                <a:buNone/>
-                <a:tabLst/>
-                <a:defRPr/>
-              </a:pPr>
-              <a:t>3</a:t>
-            </a:fld>
-            <a:endParaRPr kumimoji="0" lang="en-US" sz="1800" b="0" i="0" u="none" strike="noStrike" kern="1200" cap="none" spc="0" normalizeH="0" baseline="0" noProof="0">
-              <a:ln>
-                <a:noFill/>
-              </a:ln>
-              <a:solidFill>
-                <a:srgbClr val="000000"/>
-              </a:solidFill>
-              <a:effectLst/>
-              <a:uLnTx/>
-              <a:uFillTx/>
-              <a:latin typeface="Arial" panose="020B0604020202020204"/>
-              <a:ea typeface="+mn-ea"/>
-              <a:cs typeface="+mn-cs"/>
-            </a:endParaRPr>
-          </a:p>
-        </p:txBody>
-      </p:sp>
-      <p:sp>
-        <p:nvSpPr>
-          <p:cNvPr id="33" name="Rectangle: Rounded Corners 32">
-            <a:extLst>
-              <a:ext uri="{FF2B5EF4-FFF2-40B4-BE49-F238E27FC236}">
-                <a16:creationId xmlns:a16="http://schemas.microsoft.com/office/drawing/2014/main" id="{50E03A93-18E5-7CD7-8C4D-3A9801BA6E07}"/>
-              </a:ext>
-            </a:extLst>
-          </p:cNvPr>
-          <p:cNvSpPr/>
-          <p:nvPr/>
-        </p:nvSpPr>
-        <p:spPr>
-          <a:xfrm>
-            <a:off x="1781988" y="1835009"/>
-            <a:ext cx="4116805" cy="2745750"/>
-          </a:xfrm>
-          <a:prstGeom prst="roundRect">
-            <a:avLst/>
-          </a:prstGeom>
-          <a:gradFill>
-            <a:gsLst>
-              <a:gs pos="0">
-                <a:schemeClr val="accent1">
-                  <a:lumMod val="5000"/>
-                  <a:lumOff val="95000"/>
-                </a:schemeClr>
-              </a:gs>
-              <a:gs pos="74000">
-                <a:schemeClr val="accent1">
-                  <a:lumMod val="20000"/>
-                  <a:lumOff val="80000"/>
-                </a:schemeClr>
-              </a:gs>
-              <a:gs pos="100000">
-                <a:schemeClr val="accent1">
-                  <a:lumMod val="30000"/>
-                  <a:lumOff val="70000"/>
-                </a:schemeClr>
-              </a:gs>
-            </a:gsLst>
-            <a:lin ang="3000000" scaled="0"/>
-          </a:gradFill>
-          <a:ln>
-            <a:solidFill>
-              <a:schemeClr val="accent1">
-                <a:lumMod val="40000"/>
-                <a:lumOff val="60000"/>
-              </a:schemeClr>
-            </a:solidFill>
-          </a:ln>
-        </p:spPr>
-        <p:style>
-          <a:lnRef idx="2">
-            <a:schemeClr val="accent2">
-              <a:shade val="50000"/>
-            </a:schemeClr>
-          </a:lnRef>
-          <a:fillRef idx="1">
-            <a:schemeClr val="accent2"/>
-          </a:fillRef>
-          <a:effectRef idx="0">
-            <a:schemeClr val="accent2"/>
-          </a:effectRef>
-          <a:fontRef idx="minor">
-            <a:schemeClr val="lt1"/>
-          </a:fontRef>
-        </p:style>
-        <p:txBody>
-          <a:bodyPr rtlCol="0" anchor="ctr"/>
-          <a:lstStyle/>
-          <a:p>
-            <a:pPr marL="0" marR="0" lvl="0" indent="0" algn="ctr" defTabSz="914400" rtl="0" eaLnBrk="1" fontAlgn="auto" latinLnBrk="0" hangingPunct="1">
-              <a:lnSpc>
-                <a:spcPct val="100000"/>
-              </a:lnSpc>
-              <a:spcBef>
-                <a:spcPts val="0"/>
-              </a:spcBef>
-              <a:spcAft>
-                <a:spcPts val="0"/>
-              </a:spcAft>
-              <a:buClrTx/>
-              <a:buSzTx/>
-              <a:buFontTx/>
-              <a:buNone/>
-              <a:tabLst/>
-              <a:defRPr/>
-            </a:pPr>
-            <a:endParaRPr kumimoji="0" lang="en-US" sz="1801" b="0" i="0" u="none" strike="noStrike" kern="1200" cap="none" spc="0" normalizeH="0" baseline="0" noProof="0">
-              <a:ln>
-                <a:noFill/>
-              </a:ln>
-              <a:solidFill>
-                <a:srgbClr val="FFFFFF"/>
-              </a:solidFill>
-              <a:effectLst/>
-              <a:uLnTx/>
-              <a:uFillTx/>
-              <a:latin typeface="Arial" panose="020B0604020202020204"/>
-              <a:ea typeface="+mn-ea"/>
-              <a:cs typeface="+mn-cs"/>
-            </a:endParaRPr>
-          </a:p>
-        </p:txBody>
-      </p:sp>
-      <p:sp>
-        <p:nvSpPr>
-          <p:cNvPr id="34" name="Rectangle 33">
-            <a:extLst>
-              <a:ext uri="{FF2B5EF4-FFF2-40B4-BE49-F238E27FC236}">
-                <a16:creationId xmlns:a16="http://schemas.microsoft.com/office/drawing/2014/main" id="{336786EA-2A54-12C9-6534-A8CAA16C1E77}"/>
-              </a:ext>
-            </a:extLst>
-          </p:cNvPr>
-          <p:cNvSpPr/>
-          <p:nvPr/>
-        </p:nvSpPr>
-        <p:spPr>
-          <a:xfrm>
-            <a:off x="2166148" y="2338792"/>
-            <a:ext cx="1961875" cy="718205"/>
-          </a:xfrm>
-          <a:prstGeom prst="rect">
-            <a:avLst/>
-          </a:prstGeom>
-          <a:gradFill flip="none" rotWithShape="1">
-            <a:gsLst>
-              <a:gs pos="0">
-                <a:schemeClr val="accent5">
-                  <a:lumMod val="67000"/>
-                </a:schemeClr>
-              </a:gs>
-              <a:gs pos="100000">
-                <a:schemeClr val="accent5">
-                  <a:lumMod val="97000"/>
-                  <a:lumOff val="3000"/>
-                </a:schemeClr>
-              </a:gs>
-            </a:gsLst>
-            <a:lin ang="5400000" scaled="1"/>
-            <a:tileRect/>
-          </a:gradFill>
-          <a:ln>
-            <a:solidFill>
-              <a:schemeClr val="tx1"/>
-            </a:solidFill>
-          </a:ln>
-          <a:effectLst>
-            <a:outerShdw blurRad="50800" dist="38100" dir="2700000" algn="tl" rotWithShape="0">
-              <a:prstClr val="black">
-                <a:alpha val="40000"/>
-              </a:prstClr>
-            </a:outerShdw>
-          </a:effectLst>
-        </p:spPr>
-        <p:style>
-          <a:lnRef idx="2">
-            <a:schemeClr val="accent2">
-              <a:shade val="50000"/>
-            </a:schemeClr>
-          </a:lnRef>
-          <a:fillRef idx="1">
-            <a:schemeClr val="accent2"/>
-          </a:fillRef>
-          <a:effectRef idx="0">
-            <a:schemeClr val="accent2"/>
-          </a:effectRef>
-          <a:fontRef idx="minor">
-            <a:schemeClr val="lt1"/>
-          </a:fontRef>
-        </p:style>
-        <p:txBody>
-          <a:bodyPr rtlCol="0" anchor="ctr"/>
-          <a:lstStyle/>
-          <a:p>
-            <a:pPr marL="0" marR="0" lvl="0" indent="0" algn="l" defTabSz="914400" rtl="0" eaLnBrk="1" fontAlgn="auto" latinLnBrk="0" hangingPunct="1">
-              <a:lnSpc>
-                <a:spcPct val="100000"/>
-              </a:lnSpc>
-              <a:spcBef>
-                <a:spcPts val="0"/>
-              </a:spcBef>
-              <a:spcAft>
-                <a:spcPts val="0"/>
-              </a:spcAft>
-              <a:buClrTx/>
-              <a:buSzTx/>
-              <a:buFontTx/>
-              <a:buNone/>
-              <a:tabLst/>
-              <a:defRPr/>
-            </a:pPr>
-            <a:r>
-              <a:rPr kumimoji="0" lang="en-US" sz="1200" b="1" i="0" u="none" strike="noStrike" kern="1200" cap="none" spc="0" normalizeH="0" baseline="0" noProof="0" dirty="0">
-                <a:ln>
-                  <a:noFill/>
-                </a:ln>
-                <a:solidFill>
-                  <a:srgbClr val="FFFFFF"/>
-                </a:solidFill>
-                <a:effectLst/>
-                <a:uLnTx/>
-                <a:uFillTx/>
-                <a:latin typeface="Arial" panose="020B0604020202020204"/>
-                <a:ea typeface="+mn-ea"/>
-                <a:cs typeface="+mn-cs"/>
-              </a:rPr>
-              <a:t>       Light DTR EHR</a:t>
-            </a:r>
-          </a:p>
-        </p:txBody>
-      </p:sp>
-      <p:sp>
-        <p:nvSpPr>
-          <p:cNvPr id="35" name="Rectangle 34">
-            <a:extLst>
-              <a:ext uri="{FF2B5EF4-FFF2-40B4-BE49-F238E27FC236}">
-                <a16:creationId xmlns:a16="http://schemas.microsoft.com/office/drawing/2014/main" id="{9B7C5A8A-8D29-20B4-6579-7328151459B8}"/>
-              </a:ext>
-            </a:extLst>
-          </p:cNvPr>
-          <p:cNvSpPr/>
-          <p:nvPr/>
-        </p:nvSpPr>
-        <p:spPr>
-          <a:xfrm>
-            <a:off x="2166148" y="3556778"/>
-            <a:ext cx="1961874" cy="718205"/>
-          </a:xfrm>
-          <a:prstGeom prst="rect">
-            <a:avLst/>
-          </a:prstGeom>
-          <a:gradFill flip="none" rotWithShape="1">
-            <a:gsLst>
-              <a:gs pos="0">
-                <a:schemeClr val="accent5">
-                  <a:lumMod val="67000"/>
-                </a:schemeClr>
-              </a:gs>
-              <a:gs pos="100000">
-                <a:schemeClr val="accent5">
-                  <a:lumMod val="97000"/>
-                  <a:lumOff val="3000"/>
-                </a:schemeClr>
-              </a:gs>
-            </a:gsLst>
-            <a:lin ang="5400000" scaled="1"/>
-            <a:tileRect/>
-          </a:gradFill>
-          <a:ln>
-            <a:solidFill>
-              <a:schemeClr val="tx1"/>
-            </a:solidFill>
-          </a:ln>
-          <a:effectLst>
-            <a:outerShdw blurRad="50800" dist="38100" dir="2700000" algn="tl" rotWithShape="0">
-              <a:prstClr val="black">
-                <a:alpha val="40000"/>
-              </a:prstClr>
-            </a:outerShdw>
-          </a:effectLst>
-        </p:spPr>
-        <p:style>
-          <a:lnRef idx="2">
-            <a:schemeClr val="accent2">
-              <a:shade val="50000"/>
-            </a:schemeClr>
-          </a:lnRef>
-          <a:fillRef idx="1">
-            <a:schemeClr val="accent2"/>
-          </a:fillRef>
-          <a:effectRef idx="0">
-            <a:schemeClr val="accent2"/>
-          </a:effectRef>
-          <a:fontRef idx="minor">
-            <a:schemeClr val="lt1"/>
-          </a:fontRef>
-        </p:style>
-        <p:txBody>
-          <a:bodyPr rtlCol="0" anchor="ctr"/>
-          <a:lstStyle/>
-          <a:p>
-            <a:pPr marL="0" marR="0" lvl="0" indent="0" algn="l" defTabSz="914400" rtl="0" eaLnBrk="1" fontAlgn="auto" latinLnBrk="0" hangingPunct="1">
-              <a:lnSpc>
-                <a:spcPct val="100000"/>
-              </a:lnSpc>
-              <a:spcBef>
-                <a:spcPts val="0"/>
-              </a:spcBef>
-              <a:spcAft>
-                <a:spcPts val="0"/>
-              </a:spcAft>
-              <a:buClrTx/>
-              <a:buSzTx/>
-              <a:buFontTx/>
-              <a:buNone/>
-              <a:tabLst/>
-              <a:defRPr/>
-            </a:pPr>
-            <a:r>
-              <a:rPr kumimoji="0" lang="en-US" sz="1200" b="1" i="0" u="none" strike="noStrike" kern="1200" cap="none" spc="0" normalizeH="0" baseline="0" noProof="0" dirty="0">
-                <a:ln>
-                  <a:noFill/>
-                </a:ln>
-                <a:solidFill>
-                  <a:srgbClr val="FFFFFF"/>
-                </a:solidFill>
-                <a:effectLst/>
-                <a:uLnTx/>
-                <a:uFillTx/>
-                <a:latin typeface="Arial" panose="020B0604020202020204"/>
-                <a:ea typeface="+mn-ea"/>
-                <a:cs typeface="+mn-cs"/>
-              </a:rPr>
-              <a:t>     Full DTR EHR</a:t>
-            </a:r>
-          </a:p>
-        </p:txBody>
-      </p:sp>
-      <p:sp>
-        <p:nvSpPr>
-          <p:cNvPr id="37" name="Rectangle: Rounded Corners 36">
-            <a:extLst>
-              <a:ext uri="{FF2B5EF4-FFF2-40B4-BE49-F238E27FC236}">
-                <a16:creationId xmlns:a16="http://schemas.microsoft.com/office/drawing/2014/main" id="{4A00B4D6-413C-A237-83CF-0B8ECD11EAA0}"/>
-              </a:ext>
-            </a:extLst>
-          </p:cNvPr>
-          <p:cNvSpPr/>
-          <p:nvPr/>
-        </p:nvSpPr>
-        <p:spPr>
-          <a:xfrm>
-            <a:off x="6788704" y="1835009"/>
-            <a:ext cx="3018408" cy="2745750"/>
-          </a:xfrm>
-          <a:prstGeom prst="roundRect">
-            <a:avLst/>
-          </a:prstGeom>
-          <a:gradFill>
-            <a:gsLst>
-              <a:gs pos="0">
-                <a:schemeClr val="accent1">
-                  <a:lumMod val="5000"/>
-                  <a:lumOff val="95000"/>
-                </a:schemeClr>
-              </a:gs>
-              <a:gs pos="74000">
-                <a:schemeClr val="accent1">
-                  <a:lumMod val="20000"/>
-                  <a:lumOff val="80000"/>
-                </a:schemeClr>
-              </a:gs>
-              <a:gs pos="100000">
-                <a:schemeClr val="accent1">
-                  <a:lumMod val="30000"/>
-                  <a:lumOff val="70000"/>
-                </a:schemeClr>
-              </a:gs>
-            </a:gsLst>
-            <a:lin ang="3000000" scaled="0"/>
-          </a:gradFill>
-          <a:ln>
-            <a:solidFill>
-              <a:schemeClr val="accent1">
-                <a:lumMod val="40000"/>
-                <a:lumOff val="60000"/>
-              </a:schemeClr>
-            </a:solidFill>
-          </a:ln>
-        </p:spPr>
-        <p:style>
-          <a:lnRef idx="2">
-            <a:schemeClr val="accent2">
-              <a:shade val="50000"/>
-            </a:schemeClr>
-          </a:lnRef>
-          <a:fillRef idx="1">
-            <a:schemeClr val="accent2"/>
-          </a:fillRef>
-          <a:effectRef idx="0">
-            <a:schemeClr val="accent2"/>
-          </a:effectRef>
-          <a:fontRef idx="minor">
-            <a:schemeClr val="lt1"/>
-          </a:fontRef>
-        </p:style>
-        <p:txBody>
-          <a:bodyPr rtlCol="0" anchor="ctr"/>
-          <a:lstStyle/>
-          <a:p>
-            <a:pPr marL="0" marR="0" lvl="0" indent="0" algn="ctr" defTabSz="914400" rtl="0" eaLnBrk="1" fontAlgn="auto" latinLnBrk="0" hangingPunct="1">
-              <a:lnSpc>
-                <a:spcPct val="100000"/>
-              </a:lnSpc>
-              <a:spcBef>
-                <a:spcPts val="0"/>
-              </a:spcBef>
-              <a:spcAft>
-                <a:spcPts val="0"/>
-              </a:spcAft>
-              <a:buClrTx/>
-              <a:buSzTx/>
-              <a:buFontTx/>
-              <a:buNone/>
-              <a:tabLst/>
-              <a:defRPr/>
-            </a:pPr>
-            <a:endParaRPr kumimoji="0" lang="en-US" sz="1801" b="0" i="0" u="none" strike="noStrike" kern="1200" cap="none" spc="0" normalizeH="0" baseline="0" noProof="0">
-              <a:ln>
-                <a:noFill/>
-              </a:ln>
-              <a:solidFill>
-                <a:srgbClr val="FFFFFF"/>
-              </a:solidFill>
-              <a:effectLst/>
-              <a:uLnTx/>
-              <a:uFillTx/>
-              <a:latin typeface="Arial" panose="020B0604020202020204"/>
-              <a:ea typeface="+mn-ea"/>
-              <a:cs typeface="+mn-cs"/>
-            </a:endParaRPr>
-          </a:p>
-        </p:txBody>
-      </p:sp>
-      <p:sp>
-        <p:nvSpPr>
-          <p:cNvPr id="38" name="Arrow: Pentagon 37">
-            <a:extLst>
-              <a:ext uri="{FF2B5EF4-FFF2-40B4-BE49-F238E27FC236}">
-                <a16:creationId xmlns:a16="http://schemas.microsoft.com/office/drawing/2014/main" id="{9956C94B-BB01-3D5A-7C4C-2FEEE32CB91A}"/>
-              </a:ext>
-            </a:extLst>
-          </p:cNvPr>
-          <p:cNvSpPr/>
-          <p:nvPr/>
-        </p:nvSpPr>
-        <p:spPr>
-          <a:xfrm flipH="1">
-            <a:off x="3502372" y="3711420"/>
-            <a:ext cx="625649" cy="428667"/>
-          </a:xfrm>
-          <a:prstGeom prst="homePlate">
-            <a:avLst>
-              <a:gd name="adj" fmla="val 41176"/>
-            </a:avLst>
-          </a:prstGeom>
-          <a:solidFill>
-            <a:schemeClr val="accent5">
-              <a:lumMod val="20000"/>
-              <a:lumOff val="80000"/>
-            </a:schemeClr>
-          </a:solidFill>
-          <a:ln>
-            <a:prstDash val="sysDash"/>
-          </a:ln>
-        </p:spPr>
-        <p:style>
-          <a:lnRef idx="2">
-            <a:schemeClr val="accent1">
-              <a:shade val="15000"/>
-            </a:schemeClr>
-          </a:lnRef>
-          <a:fillRef idx="1">
-            <a:schemeClr val="accent1"/>
-          </a:fillRef>
-          <a:effectRef idx="0">
-            <a:schemeClr val="accent1"/>
-          </a:effectRef>
-          <a:fontRef idx="minor">
-            <a:schemeClr val="lt1"/>
-          </a:fontRef>
-        </p:style>
-        <p:txBody>
-          <a:bodyPr lIns="82296" rIns="82296" rtlCol="0" anchor="ctr"/>
-          <a:lstStyle/>
-          <a:p>
-            <a:pPr marL="0" marR="0" lvl="0" indent="0" algn="ctr" defTabSz="914400" rtl="0" eaLnBrk="1" fontAlgn="auto" latinLnBrk="0" hangingPunct="1">
-              <a:lnSpc>
-                <a:spcPct val="100000"/>
-              </a:lnSpc>
-              <a:spcBef>
-                <a:spcPts val="0"/>
-              </a:spcBef>
-              <a:spcAft>
-                <a:spcPts val="0"/>
-              </a:spcAft>
-              <a:buClrTx/>
-              <a:buSzTx/>
-              <a:buFontTx/>
-              <a:buNone/>
-              <a:tabLst/>
-              <a:defRPr/>
-            </a:pPr>
-            <a:r>
-              <a:rPr kumimoji="0" lang="en-US" sz="1000" b="0" i="0" u="none" strike="noStrike" kern="1200" cap="none" spc="0" normalizeH="0" baseline="0" noProof="0" dirty="0">
-                <a:ln>
-                  <a:noFill/>
-                </a:ln>
-                <a:solidFill>
-                  <a:srgbClr val="335EAC">
-                    <a:lumMod val="50000"/>
-                  </a:srgbClr>
-                </a:solidFill>
-                <a:effectLst/>
-                <a:uLnTx/>
-                <a:uFillTx/>
-                <a:latin typeface="Arial" panose="020B0604020202020204"/>
-                <a:ea typeface="+mn-ea"/>
-                <a:cs typeface="+mn-cs"/>
-              </a:rPr>
-              <a:t>Native App</a:t>
-            </a:r>
-          </a:p>
-        </p:txBody>
-      </p:sp>
-      <p:sp>
-        <p:nvSpPr>
-          <p:cNvPr id="39" name="Rectangle 38">
-            <a:extLst>
-              <a:ext uri="{FF2B5EF4-FFF2-40B4-BE49-F238E27FC236}">
-                <a16:creationId xmlns:a16="http://schemas.microsoft.com/office/drawing/2014/main" id="{6CB75318-C91B-2977-C20D-CB98D41E7A70}"/>
-              </a:ext>
-            </a:extLst>
-          </p:cNvPr>
-          <p:cNvSpPr/>
-          <p:nvPr/>
-        </p:nvSpPr>
-        <p:spPr>
-          <a:xfrm>
-            <a:off x="4705430" y="2473861"/>
-            <a:ext cx="1075645" cy="448065"/>
-          </a:xfrm>
-          <a:prstGeom prst="rect">
-            <a:avLst/>
-          </a:prstGeom>
-          <a:solidFill>
-            <a:schemeClr val="accent5">
-              <a:lumMod val="20000"/>
-              <a:lumOff val="80000"/>
-            </a:schemeClr>
-          </a:solidFill>
-          <a:ln>
-            <a:solidFill>
-              <a:schemeClr val="tx1"/>
-            </a:solidFill>
-          </a:ln>
-          <a:effectLst>
-            <a:outerShdw blurRad="50800" dist="38100" dir="2700000" algn="tl" rotWithShape="0">
-              <a:prstClr val="black">
-                <a:alpha val="40000"/>
-              </a:prstClr>
-            </a:outerShdw>
-          </a:effectLst>
-        </p:spPr>
-        <p:style>
-          <a:lnRef idx="2">
-            <a:schemeClr val="accent2">
-              <a:shade val="50000"/>
-            </a:schemeClr>
-          </a:lnRef>
-          <a:fillRef idx="1">
-            <a:schemeClr val="accent2"/>
-          </a:fillRef>
-          <a:effectRef idx="0">
-            <a:schemeClr val="accent2"/>
-          </a:effectRef>
-          <a:fontRef idx="minor">
-            <a:schemeClr val="lt1"/>
-          </a:fontRef>
-        </p:style>
-        <p:txBody>
-          <a:bodyPr rtlCol="0" anchor="ctr"/>
-          <a:lstStyle/>
-          <a:p>
-            <a:pPr marL="0" marR="0" lvl="0" indent="0" algn="ctr" defTabSz="914400" rtl="0" eaLnBrk="1" fontAlgn="auto" latinLnBrk="0" hangingPunct="1">
-              <a:lnSpc>
-                <a:spcPct val="100000"/>
-              </a:lnSpc>
-              <a:spcBef>
-                <a:spcPts val="0"/>
-              </a:spcBef>
-              <a:spcAft>
-                <a:spcPts val="0"/>
-              </a:spcAft>
-              <a:buClrTx/>
-              <a:buSzTx/>
-              <a:buFontTx/>
-              <a:buNone/>
-              <a:tabLst/>
-              <a:defRPr/>
-            </a:pPr>
-            <a:r>
-              <a:rPr kumimoji="0" lang="en-US" sz="1200" b="0" i="0" u="none" strike="noStrike" kern="1200" cap="none" spc="0" normalizeH="0" baseline="0" noProof="0" dirty="0">
-                <a:ln>
-                  <a:noFill/>
-                </a:ln>
-                <a:solidFill>
-                  <a:srgbClr val="335EAC">
-                    <a:lumMod val="50000"/>
-                  </a:srgbClr>
-                </a:solidFill>
-                <a:effectLst/>
-                <a:uLnTx/>
-                <a:uFillTx/>
-                <a:latin typeface="Arial" panose="020B0604020202020204"/>
-                <a:ea typeface="+mn-ea"/>
-                <a:cs typeface="+mn-cs"/>
-              </a:rPr>
-              <a:t>SMART </a:t>
-            </a:r>
-          </a:p>
-          <a:p>
-            <a:pPr marL="0" marR="0" lvl="0" indent="0" algn="ctr" defTabSz="914400" rtl="0" eaLnBrk="1" fontAlgn="auto" latinLnBrk="0" hangingPunct="1">
-              <a:lnSpc>
-                <a:spcPct val="100000"/>
-              </a:lnSpc>
-              <a:spcBef>
-                <a:spcPts val="0"/>
-              </a:spcBef>
-              <a:spcAft>
-                <a:spcPts val="0"/>
-              </a:spcAft>
-              <a:buClrTx/>
-              <a:buSzTx/>
-              <a:buFontTx/>
-              <a:buNone/>
-              <a:tabLst/>
-              <a:defRPr/>
-            </a:pPr>
-            <a:r>
-              <a:rPr kumimoji="0" lang="en-US" sz="1200" b="0" i="0" u="none" strike="noStrike" kern="1200" cap="none" spc="0" normalizeH="0" baseline="0" noProof="0" dirty="0">
-                <a:ln>
-                  <a:noFill/>
-                </a:ln>
-                <a:solidFill>
-                  <a:srgbClr val="335EAC">
-                    <a:lumMod val="50000"/>
-                  </a:srgbClr>
-                </a:solidFill>
-                <a:effectLst/>
-                <a:uLnTx/>
-                <a:uFillTx/>
-                <a:latin typeface="Arial" panose="020B0604020202020204"/>
-                <a:ea typeface="+mn-ea"/>
-                <a:cs typeface="+mn-cs"/>
-              </a:rPr>
-              <a:t>DTR Client</a:t>
-            </a:r>
-          </a:p>
-        </p:txBody>
-      </p:sp>
-      <p:sp>
-        <p:nvSpPr>
-          <p:cNvPr id="41" name="Arrow: Left-Right 40">
-            <a:extLst>
-              <a:ext uri="{FF2B5EF4-FFF2-40B4-BE49-F238E27FC236}">
-                <a16:creationId xmlns:a16="http://schemas.microsoft.com/office/drawing/2014/main" id="{DE26C6BC-A32C-3DAF-22B2-49A467B43BE7}"/>
-              </a:ext>
-            </a:extLst>
-          </p:cNvPr>
-          <p:cNvSpPr/>
-          <p:nvPr/>
-        </p:nvSpPr>
-        <p:spPr>
-          <a:xfrm>
-            <a:off x="5789261" y="2506208"/>
-            <a:ext cx="1304945" cy="363127"/>
-          </a:xfrm>
-          <a:prstGeom prst="leftRightArrow">
-            <a:avLst>
-              <a:gd name="adj1" fmla="val 34616"/>
-              <a:gd name="adj2" fmla="val 45433"/>
-            </a:avLst>
-          </a:prstGeom>
-          <a:solidFill>
-            <a:schemeClr val="accent4">
-              <a:lumMod val="60000"/>
-              <a:lumOff val="40000"/>
-            </a:schemeClr>
-          </a:solidFill>
-        </p:spPr>
-        <p:style>
-          <a:lnRef idx="2">
-            <a:schemeClr val="accent1">
-              <a:shade val="15000"/>
-            </a:schemeClr>
-          </a:lnRef>
-          <a:fillRef idx="1">
-            <a:schemeClr val="accent1"/>
-          </a:fillRef>
-          <a:effectRef idx="0">
-            <a:schemeClr val="accent1"/>
-          </a:effectRef>
-          <a:fontRef idx="minor">
-            <a:schemeClr val="lt1"/>
-          </a:fontRef>
-        </p:style>
-        <p:txBody>
-          <a:bodyPr rtlCol="0" anchor="ctr"/>
-          <a:lstStyle/>
-          <a:p>
-            <a:pPr marL="0" marR="0" lvl="0" indent="0" algn="ctr" defTabSz="914400" rtl="0" eaLnBrk="1" fontAlgn="auto" latinLnBrk="0" hangingPunct="1">
-              <a:lnSpc>
-                <a:spcPct val="100000"/>
-              </a:lnSpc>
-              <a:spcBef>
-                <a:spcPts val="0"/>
-              </a:spcBef>
-              <a:spcAft>
-                <a:spcPts val="0"/>
-              </a:spcAft>
-              <a:buClrTx/>
-              <a:buSzTx/>
-              <a:buFontTx/>
-              <a:buNone/>
-              <a:tabLst/>
-              <a:defRPr/>
-            </a:pPr>
-            <a:endParaRPr kumimoji="0" lang="en-US" sz="1800" b="0" i="0" u="none" strike="noStrike" kern="1200" cap="none" spc="0" normalizeH="0" baseline="0" noProof="0">
-              <a:ln>
-                <a:noFill/>
-              </a:ln>
-              <a:solidFill>
-                <a:srgbClr val="FFFFFF"/>
-              </a:solidFill>
-              <a:effectLst/>
-              <a:uLnTx/>
-              <a:uFillTx/>
-              <a:latin typeface="Arial" panose="020B0604020202020204"/>
-              <a:ea typeface="+mn-ea"/>
-              <a:cs typeface="+mn-cs"/>
-            </a:endParaRPr>
-          </a:p>
-        </p:txBody>
-      </p:sp>
-      <p:sp>
-        <p:nvSpPr>
-          <p:cNvPr id="42" name="Rectangle 41">
-            <a:extLst>
-              <a:ext uri="{FF2B5EF4-FFF2-40B4-BE49-F238E27FC236}">
-                <a16:creationId xmlns:a16="http://schemas.microsoft.com/office/drawing/2014/main" id="{802AC834-2F2E-344F-F2AF-5988427D2E9B}"/>
-              </a:ext>
-            </a:extLst>
-          </p:cNvPr>
-          <p:cNvSpPr/>
-          <p:nvPr/>
-        </p:nvSpPr>
-        <p:spPr>
-          <a:xfrm>
-            <a:off x="7103084" y="2338763"/>
-            <a:ext cx="2391175" cy="1936220"/>
-          </a:xfrm>
-          <a:prstGeom prst="rect">
-            <a:avLst/>
-          </a:prstGeom>
-          <a:gradFill flip="none" rotWithShape="1">
-            <a:gsLst>
-              <a:gs pos="0">
-                <a:srgbClr val="B88C00"/>
-              </a:gs>
-              <a:gs pos="97000">
-                <a:srgbClr val="FFC000"/>
-              </a:gs>
-            </a:gsLst>
-            <a:lin ang="5400000" scaled="1"/>
-            <a:tileRect/>
-          </a:gradFill>
-          <a:ln>
-            <a:solidFill>
-              <a:schemeClr val="tx1"/>
-            </a:solidFill>
-          </a:ln>
-          <a:effectLst>
-            <a:outerShdw blurRad="50800" dist="38100" dir="2700000" algn="tl" rotWithShape="0">
-              <a:prstClr val="black">
-                <a:alpha val="40000"/>
-              </a:prstClr>
-            </a:outerShdw>
-          </a:effectLst>
-        </p:spPr>
-        <p:style>
-          <a:lnRef idx="2">
-            <a:schemeClr val="accent2">
-              <a:shade val="50000"/>
-            </a:schemeClr>
-          </a:lnRef>
-          <a:fillRef idx="1">
-            <a:schemeClr val="accent2"/>
-          </a:fillRef>
-          <a:effectRef idx="0">
-            <a:schemeClr val="accent2"/>
-          </a:effectRef>
-          <a:fontRef idx="minor">
-            <a:schemeClr val="lt1"/>
-          </a:fontRef>
-        </p:style>
-        <p:txBody>
-          <a:bodyPr rtlCol="0" anchor="ctr"/>
-          <a:lstStyle/>
-          <a:p>
-            <a:pPr marL="0" marR="0" lvl="0" indent="0" algn="ctr" defTabSz="914400" rtl="0" eaLnBrk="1" fontAlgn="auto" latinLnBrk="0" hangingPunct="1">
-              <a:lnSpc>
-                <a:spcPct val="100000"/>
-              </a:lnSpc>
-              <a:spcBef>
-                <a:spcPts val="0"/>
-              </a:spcBef>
-              <a:spcAft>
-                <a:spcPts val="0"/>
-              </a:spcAft>
-              <a:buClrTx/>
-              <a:buSzTx/>
-              <a:buFontTx/>
-              <a:buNone/>
-              <a:tabLst/>
-              <a:defRPr/>
-            </a:pPr>
-            <a:r>
-              <a:rPr kumimoji="0" lang="en-US" sz="1200" b="1" i="0" u="none" strike="noStrike" kern="1200" cap="none" spc="0" normalizeH="0" baseline="0" noProof="0" dirty="0">
-                <a:ln>
-                  <a:noFill/>
-                </a:ln>
-                <a:solidFill>
-                  <a:srgbClr val="FFFFFF"/>
-                </a:solidFill>
-                <a:effectLst/>
-                <a:uLnTx/>
-                <a:uFillTx/>
-                <a:latin typeface="Arial" panose="020B0604020202020204"/>
-                <a:ea typeface="+mn-ea"/>
-                <a:cs typeface="+mn-cs"/>
-              </a:rPr>
-              <a:t>DTR Payer Service</a:t>
-            </a:r>
-          </a:p>
-        </p:txBody>
-      </p:sp>
-      <p:sp>
-        <p:nvSpPr>
-          <p:cNvPr id="43" name="Arrow: Left-Right 42">
-            <a:extLst>
-              <a:ext uri="{FF2B5EF4-FFF2-40B4-BE49-F238E27FC236}">
-                <a16:creationId xmlns:a16="http://schemas.microsoft.com/office/drawing/2014/main" id="{0065B399-EFAB-C872-C04A-4D14EF6EE5FF}"/>
-              </a:ext>
-            </a:extLst>
-          </p:cNvPr>
-          <p:cNvSpPr/>
-          <p:nvPr/>
-        </p:nvSpPr>
-        <p:spPr>
-          <a:xfrm>
-            <a:off x="4141824" y="3720298"/>
-            <a:ext cx="2952382" cy="363127"/>
-          </a:xfrm>
-          <a:prstGeom prst="leftRightArrow">
-            <a:avLst>
-              <a:gd name="adj1" fmla="val 34616"/>
-              <a:gd name="adj2" fmla="val 45433"/>
-            </a:avLst>
-          </a:prstGeom>
-          <a:solidFill>
-            <a:schemeClr val="accent4">
-              <a:lumMod val="60000"/>
-              <a:lumOff val="40000"/>
-            </a:schemeClr>
-          </a:solidFill>
-        </p:spPr>
-        <p:style>
-          <a:lnRef idx="2">
-            <a:schemeClr val="accent1">
-              <a:shade val="15000"/>
-            </a:schemeClr>
-          </a:lnRef>
-          <a:fillRef idx="1">
-            <a:schemeClr val="accent1"/>
-          </a:fillRef>
-          <a:effectRef idx="0">
-            <a:schemeClr val="accent1"/>
-          </a:effectRef>
-          <a:fontRef idx="minor">
-            <a:schemeClr val="lt1"/>
-          </a:fontRef>
-        </p:style>
-        <p:txBody>
-          <a:bodyPr rtlCol="0" anchor="ctr"/>
-          <a:lstStyle/>
-          <a:p>
-            <a:pPr marL="0" marR="0" lvl="0" indent="0" algn="ctr" defTabSz="914400" rtl="0" eaLnBrk="1" fontAlgn="auto" latinLnBrk="0" hangingPunct="1">
-              <a:lnSpc>
-                <a:spcPct val="100000"/>
-              </a:lnSpc>
-              <a:spcBef>
-                <a:spcPts val="0"/>
-              </a:spcBef>
-              <a:spcAft>
-                <a:spcPts val="0"/>
-              </a:spcAft>
-              <a:buClrTx/>
-              <a:buSzTx/>
-              <a:buFontTx/>
-              <a:buNone/>
-              <a:tabLst/>
-              <a:defRPr/>
-            </a:pPr>
-            <a:endParaRPr kumimoji="0" lang="en-US" sz="1800" b="0" i="0" u="none" strike="noStrike" kern="1200" cap="none" spc="0" normalizeH="0" baseline="0" noProof="0">
-              <a:ln>
-                <a:noFill/>
-              </a:ln>
-              <a:solidFill>
-                <a:srgbClr val="FFFFFF"/>
-              </a:solidFill>
-              <a:effectLst/>
-              <a:uLnTx/>
-              <a:uFillTx/>
-              <a:latin typeface="Arial" panose="020B0604020202020204"/>
-              <a:ea typeface="+mn-ea"/>
-              <a:cs typeface="+mn-cs"/>
-            </a:endParaRPr>
-          </a:p>
-        </p:txBody>
-      </p:sp>
-      <p:sp>
-        <p:nvSpPr>
-          <p:cNvPr id="48" name="Arrow: Left-Right 47">
-            <a:extLst>
-              <a:ext uri="{FF2B5EF4-FFF2-40B4-BE49-F238E27FC236}">
-                <a16:creationId xmlns:a16="http://schemas.microsoft.com/office/drawing/2014/main" id="{93434836-9157-56D2-BD7B-BDDDE2D5BBC1}"/>
-              </a:ext>
-            </a:extLst>
-          </p:cNvPr>
-          <p:cNvSpPr/>
-          <p:nvPr/>
-        </p:nvSpPr>
-        <p:spPr>
-          <a:xfrm>
-            <a:off x="4141824" y="2515086"/>
-            <a:ext cx="554773" cy="363127"/>
-          </a:xfrm>
-          <a:prstGeom prst="leftRightArrow">
-            <a:avLst>
-              <a:gd name="adj1" fmla="val 34616"/>
-              <a:gd name="adj2" fmla="val 45433"/>
-            </a:avLst>
-          </a:prstGeom>
-          <a:solidFill>
-            <a:schemeClr val="accent4">
-              <a:lumMod val="60000"/>
-              <a:lumOff val="40000"/>
-            </a:schemeClr>
-          </a:solidFill>
-        </p:spPr>
-        <p:style>
-          <a:lnRef idx="2">
-            <a:schemeClr val="accent1">
-              <a:shade val="15000"/>
-            </a:schemeClr>
-          </a:lnRef>
-          <a:fillRef idx="1">
-            <a:schemeClr val="accent1"/>
-          </a:fillRef>
-          <a:effectRef idx="0">
-            <a:schemeClr val="accent1"/>
-          </a:effectRef>
-          <a:fontRef idx="minor">
-            <a:schemeClr val="lt1"/>
-          </a:fontRef>
-        </p:style>
-        <p:txBody>
-          <a:bodyPr rtlCol="0" anchor="ctr"/>
-          <a:lstStyle/>
-          <a:p>
-            <a:pPr marL="0" marR="0" lvl="0" indent="0" algn="ctr" defTabSz="914400" rtl="0" eaLnBrk="1" fontAlgn="auto" latinLnBrk="0" hangingPunct="1">
-              <a:lnSpc>
-                <a:spcPct val="100000"/>
-              </a:lnSpc>
-              <a:spcBef>
-                <a:spcPts val="0"/>
-              </a:spcBef>
-              <a:spcAft>
-                <a:spcPts val="0"/>
-              </a:spcAft>
-              <a:buClrTx/>
-              <a:buSzTx/>
-              <a:buFontTx/>
-              <a:buNone/>
-              <a:tabLst/>
-              <a:defRPr/>
-            </a:pPr>
-            <a:endParaRPr kumimoji="0" lang="en-US" sz="1800" b="0" i="0" u="none" strike="noStrike" kern="1200" cap="none" spc="0" normalizeH="0" baseline="0" noProof="0">
-              <a:ln>
-                <a:noFill/>
-              </a:ln>
-              <a:solidFill>
-                <a:srgbClr val="FFFFFF"/>
-              </a:solidFill>
-              <a:effectLst/>
-              <a:uLnTx/>
-              <a:uFillTx/>
-              <a:latin typeface="Arial" panose="020B0604020202020204"/>
-              <a:ea typeface="+mn-ea"/>
-              <a:cs typeface="+mn-cs"/>
-            </a:endParaRPr>
-          </a:p>
-        </p:txBody>
-      </p:sp>
-      <p:sp>
-        <p:nvSpPr>
-          <p:cNvPr id="3" name="Rectangle 2">
-            <a:extLst>
-              <a:ext uri="{FF2B5EF4-FFF2-40B4-BE49-F238E27FC236}">
-                <a16:creationId xmlns:a16="http://schemas.microsoft.com/office/drawing/2014/main" id="{812EABE3-4C23-1654-C89B-23AD869D9026}"/>
-              </a:ext>
-            </a:extLst>
-          </p:cNvPr>
-          <p:cNvSpPr/>
-          <p:nvPr/>
-        </p:nvSpPr>
-        <p:spPr>
-          <a:xfrm>
-            <a:off x="231095" y="384741"/>
-            <a:ext cx="2359705" cy="523220"/>
-          </a:xfrm>
-          <a:prstGeom prst="rect">
-            <a:avLst/>
-          </a:prstGeom>
-        </p:spPr>
-        <p:txBody>
-          <a:bodyPr wrap="square">
-            <a:spAutoFit/>
-          </a:bodyPr>
-          <a:lstStyle/>
-          <a:p>
-            <a:pPr marL="0" marR="0" lvl="0" indent="0" algn="ctr" defTabSz="914400" rtl="0" eaLnBrk="1" fontAlgn="auto" latinLnBrk="0" hangingPunct="1">
-              <a:lnSpc>
-                <a:spcPct val="100000"/>
-              </a:lnSpc>
-              <a:spcBef>
-                <a:spcPts val="0"/>
-              </a:spcBef>
-              <a:spcAft>
-                <a:spcPts val="1200"/>
-              </a:spcAft>
-              <a:buClrTx/>
-              <a:buSzTx/>
-              <a:buFontTx/>
-              <a:buNone/>
-              <a:tabLst/>
-              <a:defRPr/>
-            </a:pPr>
-            <a:r>
-              <a:rPr kumimoji="0" lang="en-US" sz="2800" b="1" i="0" u="sng" strike="noStrike" kern="1200" cap="none" spc="0" normalizeH="0" baseline="0" noProof="0" dirty="0">
-                <a:ln>
-                  <a:noFill/>
-                </a:ln>
-                <a:solidFill>
-                  <a:schemeClr val="accent1">
-                    <a:lumMod val="50000"/>
-                  </a:schemeClr>
-                </a:solidFill>
-                <a:effectLst/>
-                <a:uLnTx/>
-                <a:uFillTx/>
-                <a:latin typeface="Helvetica Neue"/>
-                <a:ea typeface="+mn-ea"/>
-                <a:cs typeface="+mn-cs"/>
-              </a:rPr>
-              <a:t>DTR Actors</a:t>
-            </a:r>
-          </a:p>
-        </p:txBody>
-      </p:sp>
-      <p:sp>
-        <p:nvSpPr>
-          <p:cNvPr id="36" name="Rectangle 35">
-            <a:extLst>
-              <a:ext uri="{FF2B5EF4-FFF2-40B4-BE49-F238E27FC236}">
-                <a16:creationId xmlns:a16="http://schemas.microsoft.com/office/drawing/2014/main" id="{9CF004FB-32F3-D0E0-7E1D-6C5CB854FEBB}"/>
-              </a:ext>
-            </a:extLst>
-          </p:cNvPr>
-          <p:cNvSpPr/>
-          <p:nvPr/>
-        </p:nvSpPr>
-        <p:spPr>
-          <a:xfrm>
-            <a:off x="6788704" y="1864404"/>
-            <a:ext cx="3018408" cy="338554"/>
-          </a:xfrm>
-          <a:prstGeom prst="rect">
-            <a:avLst/>
-          </a:prstGeom>
-        </p:spPr>
-        <p:txBody>
-          <a:bodyPr wrap="square">
-            <a:spAutoFit/>
-          </a:bodyPr>
-          <a:lstStyle/>
-          <a:p>
-            <a:pPr marL="0" marR="0" lvl="0" indent="0" algn="ctr" defTabSz="914400" rtl="0" eaLnBrk="1" fontAlgn="auto" latinLnBrk="0" hangingPunct="1">
-              <a:lnSpc>
-                <a:spcPct val="100000"/>
-              </a:lnSpc>
-              <a:spcBef>
-                <a:spcPts val="0"/>
-              </a:spcBef>
-              <a:spcAft>
-                <a:spcPts val="1200"/>
-              </a:spcAft>
-              <a:buClrTx/>
-              <a:buSzTx/>
-              <a:buFontTx/>
-              <a:buNone/>
-              <a:tabLst/>
-              <a:defRPr/>
-            </a:pPr>
-            <a:r>
-              <a:rPr kumimoji="0" lang="en-US" sz="1600" i="0" u="none" strike="noStrike" kern="1200" cap="none" spc="0" normalizeH="0" baseline="0" noProof="0" dirty="0">
-                <a:ln>
-                  <a:noFill/>
-                </a:ln>
-                <a:solidFill>
-                  <a:srgbClr val="000000"/>
-                </a:solidFill>
-                <a:effectLst/>
-                <a:uLnTx/>
-                <a:uFillTx/>
-                <a:latin typeface="Calibri" panose="020F0502020204030204" pitchFamily="34" charset="0"/>
-                <a:cs typeface="Calibri" panose="020F0502020204030204" pitchFamily="34" charset="0"/>
-              </a:rPr>
-              <a:t>Payer System</a:t>
-            </a:r>
-          </a:p>
-        </p:txBody>
-      </p:sp>
-      <p:sp>
-        <p:nvSpPr>
-          <p:cNvPr id="4" name="Rectangle 3">
-            <a:extLst>
-              <a:ext uri="{FF2B5EF4-FFF2-40B4-BE49-F238E27FC236}">
-                <a16:creationId xmlns:a16="http://schemas.microsoft.com/office/drawing/2014/main" id="{EBDD533E-AE91-CBE9-157F-0A4A40F1E700}"/>
-              </a:ext>
-            </a:extLst>
-          </p:cNvPr>
-          <p:cNvSpPr/>
-          <p:nvPr/>
-        </p:nvSpPr>
-        <p:spPr>
-          <a:xfrm>
-            <a:off x="1781988" y="1864404"/>
-            <a:ext cx="4116804" cy="338554"/>
-          </a:xfrm>
-          <a:prstGeom prst="rect">
-            <a:avLst/>
-          </a:prstGeom>
-        </p:spPr>
-        <p:txBody>
-          <a:bodyPr wrap="square">
-            <a:spAutoFit/>
-          </a:bodyPr>
-          <a:lstStyle/>
-          <a:p>
-            <a:pPr marL="0" marR="0" lvl="0" indent="0" algn="ctr" defTabSz="914400" rtl="0" eaLnBrk="1" fontAlgn="auto" latinLnBrk="0" hangingPunct="1">
-              <a:lnSpc>
-                <a:spcPct val="100000"/>
-              </a:lnSpc>
-              <a:spcBef>
-                <a:spcPts val="0"/>
-              </a:spcBef>
-              <a:spcAft>
-                <a:spcPts val="1200"/>
-              </a:spcAft>
-              <a:buClrTx/>
-              <a:buSzTx/>
-              <a:buFontTx/>
-              <a:buNone/>
-              <a:tabLst/>
-              <a:defRPr/>
-            </a:pPr>
-            <a:r>
-              <a:rPr kumimoji="0" lang="en-US" sz="1600" i="0" u="none" strike="noStrike" kern="1200" cap="none" spc="0" normalizeH="0" baseline="0" noProof="0" dirty="0">
-                <a:ln>
-                  <a:noFill/>
-                </a:ln>
-                <a:solidFill>
-                  <a:srgbClr val="000000"/>
-                </a:solidFill>
-                <a:effectLst/>
-                <a:uLnTx/>
-                <a:uFillTx/>
-                <a:latin typeface="Calibri" panose="020F0502020204030204" pitchFamily="34" charset="0"/>
-                <a:cs typeface="Calibri" panose="020F0502020204030204" pitchFamily="34" charset="0"/>
-              </a:rPr>
-              <a:t>Provider System</a:t>
-            </a:r>
-          </a:p>
-        </p:txBody>
-      </p:sp>
-    </p:spTree>
-    <p:extLst>
-      <p:ext uri="{BB962C8B-B14F-4D97-AF65-F5344CB8AC3E}">
-        <p14:creationId xmlns:p14="http://schemas.microsoft.com/office/powerpoint/2010/main" val="3407885490"/>
-      </p:ext>
-    </p:extLst>
-  </p:cSld>
-  <p:clrMapOvr>
-    <a:masterClrMapping/>
-  </p:clrMapOvr>
-  <mc:AlternateContent xmlns:mc="http://schemas.openxmlformats.org/markup-compatibility/2006" xmlns:p14="http://schemas.microsoft.com/office/powerpoint/2010/main">
-    <mc:Choice Requires="p14">
-      <p:transition spd="med" p14:dur="700">
-        <p:fade/>
-      </p:transition>
-    </mc:Choice>
-    <mc:Fallback xmlns="">
-      <p:transition spd="med">
-        <p:fade/>
-      </p:transition>
-    </mc:Fallback>
-  </mc:AlternateContent>
-</p:sld>
-</file>
-
-<file path=ppt/slides/slide4.xml><?xml version="1.0" encoding="utf-8"?>
-<p:sld xmlns:a="http://schemas.openxmlformats.org/drawingml/2006/main" xmlns:r="http://schemas.openxmlformats.org/officeDocument/2006/relationships" xmlns:p="http://schemas.openxmlformats.org/presentationml/2006/main">
-  <p:cSld>
-    <p:spTree>
-      <p:nvGrpSpPr>
-        <p:cNvPr id="1" name="">
-          <a:extLst>
-            <a:ext uri="{FF2B5EF4-FFF2-40B4-BE49-F238E27FC236}">
-              <a16:creationId xmlns:a16="http://schemas.microsoft.com/office/drawing/2014/main" id="{F90C8C6B-9CD8-8036-6EB8-4DB0F88CFE71}"/>
-            </a:ext>
-          </a:extLst>
-        </p:cNvPr>
-        <p:cNvGrpSpPr/>
-        <p:nvPr/>
-      </p:nvGrpSpPr>
-      <p:grpSpPr>
-        <a:xfrm>
-          <a:off x="0" y="0"/>
-          <a:ext cx="0" cy="0"/>
-          <a:chOff x="0" y="0"/>
-          <a:chExt cx="0" cy="0"/>
-        </a:xfrm>
-      </p:grpSpPr>
-      <p:sp>
-        <p:nvSpPr>
-          <p:cNvPr id="8" name="Rectangle 7">
-            <a:extLst>
-              <a:ext uri="{FF2B5EF4-FFF2-40B4-BE49-F238E27FC236}">
-                <a16:creationId xmlns:a16="http://schemas.microsoft.com/office/drawing/2014/main" id="{0ECA9B41-EE22-89F2-3349-3066A0341B60}"/>
-              </a:ext>
-            </a:extLst>
-          </p:cNvPr>
-          <p:cNvSpPr/>
-          <p:nvPr/>
-        </p:nvSpPr>
-        <p:spPr>
-          <a:xfrm>
-            <a:off x="3241701" y="4454403"/>
-            <a:ext cx="1961874" cy="718205"/>
-          </a:xfrm>
-          <a:prstGeom prst="rect">
-            <a:avLst/>
-          </a:prstGeom>
-          <a:gradFill flip="none" rotWithShape="1">
-            <a:gsLst>
-              <a:gs pos="0">
-                <a:schemeClr val="accent5">
-                  <a:lumMod val="67000"/>
-                </a:schemeClr>
-              </a:gs>
-              <a:gs pos="100000">
-                <a:schemeClr val="accent5">
-                  <a:lumMod val="97000"/>
-                  <a:lumOff val="3000"/>
-                </a:schemeClr>
-              </a:gs>
-            </a:gsLst>
-            <a:lin ang="5400000" scaled="1"/>
-            <a:tileRect/>
-          </a:gradFill>
-          <a:ln>
-            <a:solidFill>
-              <a:schemeClr val="tx1"/>
-            </a:solidFill>
-          </a:ln>
-          <a:effectLst>
-            <a:outerShdw blurRad="50800" dist="38100" dir="2700000" algn="tl" rotWithShape="0">
-              <a:prstClr val="black">
-                <a:alpha val="40000"/>
-              </a:prstClr>
-            </a:outerShdw>
-          </a:effectLst>
-        </p:spPr>
-        <p:style>
-          <a:lnRef idx="2">
-            <a:schemeClr val="accent2">
-              <a:shade val="50000"/>
-            </a:schemeClr>
-          </a:lnRef>
-          <a:fillRef idx="1">
-            <a:schemeClr val="accent2"/>
-          </a:fillRef>
-          <a:effectRef idx="0">
-            <a:schemeClr val="accent2"/>
-          </a:effectRef>
-          <a:fontRef idx="minor">
-            <a:schemeClr val="lt1"/>
-          </a:fontRef>
-        </p:style>
-        <p:txBody>
-          <a:bodyPr rtlCol="0" anchor="ctr"/>
-          <a:lstStyle/>
-          <a:p>
-            <a:pPr marL="0" marR="0" lvl="0" indent="0" algn="l" defTabSz="914400" rtl="0" eaLnBrk="1" fontAlgn="auto" latinLnBrk="0" hangingPunct="1">
-              <a:lnSpc>
-                <a:spcPct val="100000"/>
-              </a:lnSpc>
-              <a:spcBef>
-                <a:spcPts val="0"/>
-              </a:spcBef>
-              <a:spcAft>
-                <a:spcPts val="0"/>
-              </a:spcAft>
-              <a:buClrTx/>
-              <a:buSzTx/>
-              <a:buFontTx/>
-              <a:buNone/>
-              <a:tabLst/>
-              <a:defRPr/>
-            </a:pPr>
-            <a:r>
-              <a:rPr kumimoji="0" lang="en-US" sz="1100" i="0" u="none" strike="noStrike" kern="1200" cap="none" spc="0" normalizeH="0" baseline="0" noProof="0" dirty="0">
-                <a:ln>
-                  <a:noFill/>
-                </a:ln>
-                <a:solidFill>
-                  <a:srgbClr val="FFFFFF"/>
-                </a:solidFill>
-                <a:effectLst/>
-                <a:uLnTx/>
-                <a:uFillTx/>
-                <a:latin typeface="Arial" panose="020B0604020202020204"/>
-                <a:ea typeface="+mn-ea"/>
-                <a:cs typeface="+mn-cs"/>
-              </a:rPr>
-              <a:t>                Full DTR </a:t>
-            </a:r>
-          </a:p>
-          <a:p>
-            <a:pPr marL="0" marR="0" lvl="0" indent="0" algn="l" defTabSz="914400" rtl="0" eaLnBrk="1" fontAlgn="auto" latinLnBrk="0" hangingPunct="1">
-              <a:lnSpc>
-                <a:spcPct val="100000"/>
-              </a:lnSpc>
-              <a:spcBef>
-                <a:spcPts val="0"/>
-              </a:spcBef>
-              <a:spcAft>
-                <a:spcPts val="0"/>
-              </a:spcAft>
-              <a:buClrTx/>
-              <a:buSzTx/>
-              <a:buFontTx/>
-              <a:buNone/>
-              <a:tabLst/>
-              <a:defRPr/>
-            </a:pPr>
-            <a:r>
-              <a:rPr lang="en-US" sz="1100" dirty="0">
-                <a:solidFill>
-                  <a:srgbClr val="FFFFFF"/>
-                </a:solidFill>
-                <a:latin typeface="Arial" panose="020B0604020202020204"/>
-              </a:rPr>
-              <a:t>                   </a:t>
-            </a:r>
-            <a:r>
-              <a:rPr kumimoji="0" lang="en-US" sz="1100" i="0" u="none" strike="noStrike" kern="1200" cap="none" spc="0" normalizeH="0" baseline="0" noProof="0" dirty="0">
-                <a:ln>
-                  <a:noFill/>
-                </a:ln>
-                <a:solidFill>
-                  <a:srgbClr val="FFFFFF"/>
-                </a:solidFill>
-                <a:effectLst/>
-                <a:uLnTx/>
-                <a:uFillTx/>
-                <a:latin typeface="Arial" panose="020B0604020202020204"/>
-                <a:ea typeface="+mn-ea"/>
-                <a:cs typeface="+mn-cs"/>
-              </a:rPr>
-              <a:t>EHR</a:t>
-            </a:r>
-          </a:p>
-        </p:txBody>
-      </p:sp>
-      <p:sp>
-        <p:nvSpPr>
-          <p:cNvPr id="2" name="Slide Number Placeholder 1">
-            <a:extLst>
-              <a:ext uri="{FF2B5EF4-FFF2-40B4-BE49-F238E27FC236}">
-                <a16:creationId xmlns:a16="http://schemas.microsoft.com/office/drawing/2014/main" id="{543CA484-92FE-ABC7-BBA5-3AE846FC1E55}"/>
               </a:ext>
             </a:extLst>
           </p:cNvPr>
@@ -20922,6 +21438,1502 @@
                 <a:defRPr/>
               </a:pPr>
               <a:t>4</a:t>
+            </a:fld>
+            <a:endParaRPr kumimoji="0" lang="en-US" sz="1800" b="0" i="0" u="none" strike="noStrike" kern="1200" cap="none" spc="0" normalizeH="0" baseline="0" noProof="0">
+              <a:ln>
+                <a:noFill/>
+              </a:ln>
+              <a:solidFill>
+                <a:srgbClr val="000000"/>
+              </a:solidFill>
+              <a:effectLst/>
+              <a:uLnTx/>
+              <a:uFillTx/>
+              <a:latin typeface="Arial" panose="020B0604020202020204"/>
+              <a:ea typeface="+mn-ea"/>
+              <a:cs typeface="+mn-cs"/>
+            </a:endParaRPr>
+          </a:p>
+        </p:txBody>
+      </p:sp>
+      <p:sp>
+        <p:nvSpPr>
+          <p:cNvPr id="33" name="Rectangle: Rounded Corners 32">
+            <a:extLst>
+              <a:ext uri="{FF2B5EF4-FFF2-40B4-BE49-F238E27FC236}">
+                <a16:creationId xmlns:a16="http://schemas.microsoft.com/office/drawing/2014/main" id="{50E03A93-18E5-7CD7-8C4D-3A9801BA6E07}"/>
+              </a:ext>
+            </a:extLst>
+          </p:cNvPr>
+          <p:cNvSpPr/>
+          <p:nvPr/>
+        </p:nvSpPr>
+        <p:spPr>
+          <a:xfrm>
+            <a:off x="1781988" y="1835009"/>
+            <a:ext cx="4116805" cy="2745750"/>
+          </a:xfrm>
+          <a:prstGeom prst="roundRect">
+            <a:avLst/>
+          </a:prstGeom>
+          <a:gradFill>
+            <a:gsLst>
+              <a:gs pos="0">
+                <a:schemeClr val="accent1">
+                  <a:lumMod val="5000"/>
+                  <a:lumOff val="95000"/>
+                </a:schemeClr>
+              </a:gs>
+              <a:gs pos="74000">
+                <a:schemeClr val="accent1">
+                  <a:lumMod val="20000"/>
+                  <a:lumOff val="80000"/>
+                </a:schemeClr>
+              </a:gs>
+              <a:gs pos="100000">
+                <a:schemeClr val="accent1">
+                  <a:lumMod val="30000"/>
+                  <a:lumOff val="70000"/>
+                </a:schemeClr>
+              </a:gs>
+            </a:gsLst>
+            <a:lin ang="3000000" scaled="0"/>
+          </a:gradFill>
+          <a:ln>
+            <a:solidFill>
+              <a:schemeClr val="accent1">
+                <a:lumMod val="40000"/>
+                <a:lumOff val="60000"/>
+              </a:schemeClr>
+            </a:solidFill>
+          </a:ln>
+        </p:spPr>
+        <p:style>
+          <a:lnRef idx="2">
+            <a:schemeClr val="accent2">
+              <a:shade val="50000"/>
+            </a:schemeClr>
+          </a:lnRef>
+          <a:fillRef idx="1">
+            <a:schemeClr val="accent2"/>
+          </a:fillRef>
+          <a:effectRef idx="0">
+            <a:schemeClr val="accent2"/>
+          </a:effectRef>
+          <a:fontRef idx="minor">
+            <a:schemeClr val="lt1"/>
+          </a:fontRef>
+        </p:style>
+        <p:txBody>
+          <a:bodyPr rtlCol="0" anchor="ctr"/>
+          <a:lstStyle/>
+          <a:p>
+            <a:pPr marL="0" marR="0" lvl="0" indent="0" algn="ctr" defTabSz="914400" rtl="0" eaLnBrk="1" fontAlgn="auto" latinLnBrk="0" hangingPunct="1">
+              <a:lnSpc>
+                <a:spcPct val="100000"/>
+              </a:lnSpc>
+              <a:spcBef>
+                <a:spcPts val="0"/>
+              </a:spcBef>
+              <a:spcAft>
+                <a:spcPts val="0"/>
+              </a:spcAft>
+              <a:buClrTx/>
+              <a:buSzTx/>
+              <a:buFontTx/>
+              <a:buNone/>
+              <a:tabLst/>
+              <a:defRPr/>
+            </a:pPr>
+            <a:endParaRPr kumimoji="0" lang="en-US" sz="1801" b="0" i="0" u="none" strike="noStrike" kern="1200" cap="none" spc="0" normalizeH="0" baseline="0" noProof="0">
+              <a:ln>
+                <a:noFill/>
+              </a:ln>
+              <a:solidFill>
+                <a:srgbClr val="FFFFFF"/>
+              </a:solidFill>
+              <a:effectLst/>
+              <a:uLnTx/>
+              <a:uFillTx/>
+              <a:latin typeface="Arial" panose="020B0604020202020204"/>
+              <a:ea typeface="+mn-ea"/>
+              <a:cs typeface="+mn-cs"/>
+            </a:endParaRPr>
+          </a:p>
+        </p:txBody>
+      </p:sp>
+      <p:sp>
+        <p:nvSpPr>
+          <p:cNvPr id="34" name="Rectangle 33">
+            <a:extLst>
+              <a:ext uri="{FF2B5EF4-FFF2-40B4-BE49-F238E27FC236}">
+                <a16:creationId xmlns:a16="http://schemas.microsoft.com/office/drawing/2014/main" id="{336786EA-2A54-12C9-6534-A8CAA16C1E77}"/>
+              </a:ext>
+            </a:extLst>
+          </p:cNvPr>
+          <p:cNvSpPr/>
+          <p:nvPr/>
+        </p:nvSpPr>
+        <p:spPr>
+          <a:xfrm>
+            <a:off x="2166148" y="2338792"/>
+            <a:ext cx="1961875" cy="718205"/>
+          </a:xfrm>
+          <a:prstGeom prst="rect">
+            <a:avLst/>
+          </a:prstGeom>
+          <a:gradFill flip="none" rotWithShape="1">
+            <a:gsLst>
+              <a:gs pos="0">
+                <a:schemeClr val="accent5">
+                  <a:lumMod val="67000"/>
+                </a:schemeClr>
+              </a:gs>
+              <a:gs pos="100000">
+                <a:schemeClr val="accent5">
+                  <a:lumMod val="97000"/>
+                  <a:lumOff val="3000"/>
+                </a:schemeClr>
+              </a:gs>
+            </a:gsLst>
+            <a:lin ang="5400000" scaled="1"/>
+            <a:tileRect/>
+          </a:gradFill>
+          <a:ln>
+            <a:solidFill>
+              <a:schemeClr val="tx1"/>
+            </a:solidFill>
+          </a:ln>
+          <a:effectLst>
+            <a:outerShdw blurRad="50800" dist="38100" dir="2700000" algn="tl" rotWithShape="0">
+              <a:prstClr val="black">
+                <a:alpha val="40000"/>
+              </a:prstClr>
+            </a:outerShdw>
+          </a:effectLst>
+        </p:spPr>
+        <p:style>
+          <a:lnRef idx="2">
+            <a:schemeClr val="accent2">
+              <a:shade val="50000"/>
+            </a:schemeClr>
+          </a:lnRef>
+          <a:fillRef idx="1">
+            <a:schemeClr val="accent2"/>
+          </a:fillRef>
+          <a:effectRef idx="0">
+            <a:schemeClr val="accent2"/>
+          </a:effectRef>
+          <a:fontRef idx="minor">
+            <a:schemeClr val="lt1"/>
+          </a:fontRef>
+        </p:style>
+        <p:txBody>
+          <a:bodyPr rtlCol="0" anchor="ctr"/>
+          <a:lstStyle/>
+          <a:p>
+            <a:pPr marL="0" marR="0" lvl="0" indent="0" algn="l" defTabSz="914400" rtl="0" eaLnBrk="1" fontAlgn="auto" latinLnBrk="0" hangingPunct="1">
+              <a:lnSpc>
+                <a:spcPct val="100000"/>
+              </a:lnSpc>
+              <a:spcBef>
+                <a:spcPts val="0"/>
+              </a:spcBef>
+              <a:spcAft>
+                <a:spcPts val="0"/>
+              </a:spcAft>
+              <a:buClrTx/>
+              <a:buSzTx/>
+              <a:buFontTx/>
+              <a:buNone/>
+              <a:tabLst/>
+              <a:defRPr/>
+            </a:pPr>
+            <a:r>
+              <a:rPr kumimoji="0" lang="en-US" sz="1200" b="1" i="0" u="none" strike="noStrike" kern="1200" cap="none" spc="0" normalizeH="0" baseline="0" noProof="0" dirty="0">
+                <a:ln>
+                  <a:noFill/>
+                </a:ln>
+                <a:solidFill>
+                  <a:srgbClr val="FFFFFF"/>
+                </a:solidFill>
+                <a:effectLst/>
+                <a:uLnTx/>
+                <a:uFillTx/>
+                <a:latin typeface="Arial" panose="020B0604020202020204"/>
+                <a:ea typeface="+mn-ea"/>
+                <a:cs typeface="+mn-cs"/>
+              </a:rPr>
+              <a:t>       Light DTR EHR</a:t>
+            </a:r>
+          </a:p>
+        </p:txBody>
+      </p:sp>
+      <p:sp>
+        <p:nvSpPr>
+          <p:cNvPr id="35" name="Rectangle 34">
+            <a:extLst>
+              <a:ext uri="{FF2B5EF4-FFF2-40B4-BE49-F238E27FC236}">
+                <a16:creationId xmlns:a16="http://schemas.microsoft.com/office/drawing/2014/main" id="{9B7C5A8A-8D29-20B4-6579-7328151459B8}"/>
+              </a:ext>
+            </a:extLst>
+          </p:cNvPr>
+          <p:cNvSpPr/>
+          <p:nvPr/>
+        </p:nvSpPr>
+        <p:spPr>
+          <a:xfrm>
+            <a:off x="2166148" y="3556778"/>
+            <a:ext cx="1961874" cy="718205"/>
+          </a:xfrm>
+          <a:prstGeom prst="rect">
+            <a:avLst/>
+          </a:prstGeom>
+          <a:gradFill flip="none" rotWithShape="1">
+            <a:gsLst>
+              <a:gs pos="0">
+                <a:schemeClr val="accent5">
+                  <a:lumMod val="67000"/>
+                </a:schemeClr>
+              </a:gs>
+              <a:gs pos="100000">
+                <a:schemeClr val="accent5">
+                  <a:lumMod val="97000"/>
+                  <a:lumOff val="3000"/>
+                </a:schemeClr>
+              </a:gs>
+            </a:gsLst>
+            <a:lin ang="5400000" scaled="1"/>
+            <a:tileRect/>
+          </a:gradFill>
+          <a:ln>
+            <a:solidFill>
+              <a:schemeClr val="tx1"/>
+            </a:solidFill>
+          </a:ln>
+          <a:effectLst>
+            <a:outerShdw blurRad="50800" dist="38100" dir="2700000" algn="tl" rotWithShape="0">
+              <a:prstClr val="black">
+                <a:alpha val="40000"/>
+              </a:prstClr>
+            </a:outerShdw>
+          </a:effectLst>
+        </p:spPr>
+        <p:style>
+          <a:lnRef idx="2">
+            <a:schemeClr val="accent2">
+              <a:shade val="50000"/>
+            </a:schemeClr>
+          </a:lnRef>
+          <a:fillRef idx="1">
+            <a:schemeClr val="accent2"/>
+          </a:fillRef>
+          <a:effectRef idx="0">
+            <a:schemeClr val="accent2"/>
+          </a:effectRef>
+          <a:fontRef idx="minor">
+            <a:schemeClr val="lt1"/>
+          </a:fontRef>
+        </p:style>
+        <p:txBody>
+          <a:bodyPr rtlCol="0" anchor="ctr"/>
+          <a:lstStyle/>
+          <a:p>
+            <a:pPr marL="0" marR="0" lvl="0" indent="0" algn="l" defTabSz="914400" rtl="0" eaLnBrk="1" fontAlgn="auto" latinLnBrk="0" hangingPunct="1">
+              <a:lnSpc>
+                <a:spcPct val="100000"/>
+              </a:lnSpc>
+              <a:spcBef>
+                <a:spcPts val="0"/>
+              </a:spcBef>
+              <a:spcAft>
+                <a:spcPts val="0"/>
+              </a:spcAft>
+              <a:buClrTx/>
+              <a:buSzTx/>
+              <a:buFontTx/>
+              <a:buNone/>
+              <a:tabLst/>
+              <a:defRPr/>
+            </a:pPr>
+            <a:r>
+              <a:rPr kumimoji="0" lang="en-US" sz="1200" b="1" i="0" u="none" strike="noStrike" kern="1200" cap="none" spc="0" normalizeH="0" baseline="0" noProof="0" dirty="0">
+                <a:ln>
+                  <a:noFill/>
+                </a:ln>
+                <a:solidFill>
+                  <a:srgbClr val="FFFFFF"/>
+                </a:solidFill>
+                <a:effectLst/>
+                <a:uLnTx/>
+                <a:uFillTx/>
+                <a:latin typeface="Arial" panose="020B0604020202020204"/>
+                <a:ea typeface="+mn-ea"/>
+                <a:cs typeface="+mn-cs"/>
+              </a:rPr>
+              <a:t>     Full DTR EHR</a:t>
+            </a:r>
+          </a:p>
+        </p:txBody>
+      </p:sp>
+      <p:sp>
+        <p:nvSpPr>
+          <p:cNvPr id="37" name="Rectangle: Rounded Corners 36">
+            <a:extLst>
+              <a:ext uri="{FF2B5EF4-FFF2-40B4-BE49-F238E27FC236}">
+                <a16:creationId xmlns:a16="http://schemas.microsoft.com/office/drawing/2014/main" id="{4A00B4D6-413C-A237-83CF-0B8ECD11EAA0}"/>
+              </a:ext>
+            </a:extLst>
+          </p:cNvPr>
+          <p:cNvSpPr/>
+          <p:nvPr/>
+        </p:nvSpPr>
+        <p:spPr>
+          <a:xfrm>
+            <a:off x="6788704" y="1835009"/>
+            <a:ext cx="3018408" cy="2745750"/>
+          </a:xfrm>
+          <a:prstGeom prst="roundRect">
+            <a:avLst/>
+          </a:prstGeom>
+          <a:gradFill>
+            <a:gsLst>
+              <a:gs pos="0">
+                <a:schemeClr val="accent1">
+                  <a:lumMod val="5000"/>
+                  <a:lumOff val="95000"/>
+                </a:schemeClr>
+              </a:gs>
+              <a:gs pos="74000">
+                <a:schemeClr val="accent1">
+                  <a:lumMod val="20000"/>
+                  <a:lumOff val="80000"/>
+                </a:schemeClr>
+              </a:gs>
+              <a:gs pos="100000">
+                <a:schemeClr val="accent1">
+                  <a:lumMod val="30000"/>
+                  <a:lumOff val="70000"/>
+                </a:schemeClr>
+              </a:gs>
+            </a:gsLst>
+            <a:lin ang="3000000" scaled="0"/>
+          </a:gradFill>
+          <a:ln>
+            <a:solidFill>
+              <a:schemeClr val="accent1">
+                <a:lumMod val="40000"/>
+                <a:lumOff val="60000"/>
+              </a:schemeClr>
+            </a:solidFill>
+          </a:ln>
+        </p:spPr>
+        <p:style>
+          <a:lnRef idx="2">
+            <a:schemeClr val="accent2">
+              <a:shade val="50000"/>
+            </a:schemeClr>
+          </a:lnRef>
+          <a:fillRef idx="1">
+            <a:schemeClr val="accent2"/>
+          </a:fillRef>
+          <a:effectRef idx="0">
+            <a:schemeClr val="accent2"/>
+          </a:effectRef>
+          <a:fontRef idx="minor">
+            <a:schemeClr val="lt1"/>
+          </a:fontRef>
+        </p:style>
+        <p:txBody>
+          <a:bodyPr rtlCol="0" anchor="ctr"/>
+          <a:lstStyle/>
+          <a:p>
+            <a:pPr marL="0" marR="0" lvl="0" indent="0" algn="ctr" defTabSz="914400" rtl="0" eaLnBrk="1" fontAlgn="auto" latinLnBrk="0" hangingPunct="1">
+              <a:lnSpc>
+                <a:spcPct val="100000"/>
+              </a:lnSpc>
+              <a:spcBef>
+                <a:spcPts val="0"/>
+              </a:spcBef>
+              <a:spcAft>
+                <a:spcPts val="0"/>
+              </a:spcAft>
+              <a:buClrTx/>
+              <a:buSzTx/>
+              <a:buFontTx/>
+              <a:buNone/>
+              <a:tabLst/>
+              <a:defRPr/>
+            </a:pPr>
+            <a:endParaRPr kumimoji="0" lang="en-US" sz="1801" b="0" i="0" u="none" strike="noStrike" kern="1200" cap="none" spc="0" normalizeH="0" baseline="0" noProof="0">
+              <a:ln>
+                <a:noFill/>
+              </a:ln>
+              <a:solidFill>
+                <a:srgbClr val="FFFFFF"/>
+              </a:solidFill>
+              <a:effectLst/>
+              <a:uLnTx/>
+              <a:uFillTx/>
+              <a:latin typeface="Arial" panose="020B0604020202020204"/>
+              <a:ea typeface="+mn-ea"/>
+              <a:cs typeface="+mn-cs"/>
+            </a:endParaRPr>
+          </a:p>
+        </p:txBody>
+      </p:sp>
+      <p:sp>
+        <p:nvSpPr>
+          <p:cNvPr id="38" name="Arrow: Pentagon 37">
+            <a:extLst>
+              <a:ext uri="{FF2B5EF4-FFF2-40B4-BE49-F238E27FC236}">
+                <a16:creationId xmlns:a16="http://schemas.microsoft.com/office/drawing/2014/main" id="{9956C94B-BB01-3D5A-7C4C-2FEEE32CB91A}"/>
+              </a:ext>
+            </a:extLst>
+          </p:cNvPr>
+          <p:cNvSpPr/>
+          <p:nvPr/>
+        </p:nvSpPr>
+        <p:spPr>
+          <a:xfrm flipH="1">
+            <a:off x="3502372" y="3711420"/>
+            <a:ext cx="625649" cy="428667"/>
+          </a:xfrm>
+          <a:prstGeom prst="homePlate">
+            <a:avLst>
+              <a:gd name="adj" fmla="val 41176"/>
+            </a:avLst>
+          </a:prstGeom>
+          <a:solidFill>
+            <a:schemeClr val="accent5">
+              <a:lumMod val="20000"/>
+              <a:lumOff val="80000"/>
+            </a:schemeClr>
+          </a:solidFill>
+          <a:ln>
+            <a:prstDash val="sysDash"/>
+          </a:ln>
+        </p:spPr>
+        <p:style>
+          <a:lnRef idx="2">
+            <a:schemeClr val="accent1">
+              <a:shade val="15000"/>
+            </a:schemeClr>
+          </a:lnRef>
+          <a:fillRef idx="1">
+            <a:schemeClr val="accent1"/>
+          </a:fillRef>
+          <a:effectRef idx="0">
+            <a:schemeClr val="accent1"/>
+          </a:effectRef>
+          <a:fontRef idx="minor">
+            <a:schemeClr val="lt1"/>
+          </a:fontRef>
+        </p:style>
+        <p:txBody>
+          <a:bodyPr lIns="82296" rIns="82296" rtlCol="0" anchor="ctr"/>
+          <a:lstStyle/>
+          <a:p>
+            <a:pPr marL="0" marR="0" lvl="0" indent="0" algn="ctr" defTabSz="914400" rtl="0" eaLnBrk="1" fontAlgn="auto" latinLnBrk="0" hangingPunct="1">
+              <a:lnSpc>
+                <a:spcPct val="100000"/>
+              </a:lnSpc>
+              <a:spcBef>
+                <a:spcPts val="0"/>
+              </a:spcBef>
+              <a:spcAft>
+                <a:spcPts val="0"/>
+              </a:spcAft>
+              <a:buClrTx/>
+              <a:buSzTx/>
+              <a:buFontTx/>
+              <a:buNone/>
+              <a:tabLst/>
+              <a:defRPr/>
+            </a:pPr>
+            <a:r>
+              <a:rPr kumimoji="0" lang="en-US" sz="1000" b="0" i="0" u="none" strike="noStrike" kern="1200" cap="none" spc="0" normalizeH="0" baseline="0" noProof="0" dirty="0">
+                <a:ln>
+                  <a:noFill/>
+                </a:ln>
+                <a:solidFill>
+                  <a:srgbClr val="335EAC">
+                    <a:lumMod val="50000"/>
+                  </a:srgbClr>
+                </a:solidFill>
+                <a:effectLst/>
+                <a:uLnTx/>
+                <a:uFillTx/>
+                <a:latin typeface="Arial" panose="020B0604020202020204"/>
+                <a:ea typeface="+mn-ea"/>
+                <a:cs typeface="+mn-cs"/>
+              </a:rPr>
+              <a:t>Native App</a:t>
+            </a:r>
+          </a:p>
+        </p:txBody>
+      </p:sp>
+      <p:sp>
+        <p:nvSpPr>
+          <p:cNvPr id="39" name="Rectangle 38">
+            <a:extLst>
+              <a:ext uri="{FF2B5EF4-FFF2-40B4-BE49-F238E27FC236}">
+                <a16:creationId xmlns:a16="http://schemas.microsoft.com/office/drawing/2014/main" id="{6CB75318-C91B-2977-C20D-CB98D41E7A70}"/>
+              </a:ext>
+            </a:extLst>
+          </p:cNvPr>
+          <p:cNvSpPr/>
+          <p:nvPr/>
+        </p:nvSpPr>
+        <p:spPr>
+          <a:xfrm>
+            <a:off x="4705430" y="2473861"/>
+            <a:ext cx="1075645" cy="448065"/>
+          </a:xfrm>
+          <a:prstGeom prst="rect">
+            <a:avLst/>
+          </a:prstGeom>
+          <a:solidFill>
+            <a:schemeClr val="accent5">
+              <a:lumMod val="20000"/>
+              <a:lumOff val="80000"/>
+            </a:schemeClr>
+          </a:solidFill>
+          <a:ln>
+            <a:solidFill>
+              <a:schemeClr val="tx1"/>
+            </a:solidFill>
+          </a:ln>
+          <a:effectLst>
+            <a:outerShdw blurRad="50800" dist="38100" dir="2700000" algn="tl" rotWithShape="0">
+              <a:prstClr val="black">
+                <a:alpha val="40000"/>
+              </a:prstClr>
+            </a:outerShdw>
+          </a:effectLst>
+        </p:spPr>
+        <p:style>
+          <a:lnRef idx="2">
+            <a:schemeClr val="accent2">
+              <a:shade val="50000"/>
+            </a:schemeClr>
+          </a:lnRef>
+          <a:fillRef idx="1">
+            <a:schemeClr val="accent2"/>
+          </a:fillRef>
+          <a:effectRef idx="0">
+            <a:schemeClr val="accent2"/>
+          </a:effectRef>
+          <a:fontRef idx="minor">
+            <a:schemeClr val="lt1"/>
+          </a:fontRef>
+        </p:style>
+        <p:txBody>
+          <a:bodyPr rtlCol="0" anchor="ctr"/>
+          <a:lstStyle/>
+          <a:p>
+            <a:pPr marL="0" marR="0" lvl="0" indent="0" algn="ctr" defTabSz="914400" rtl="0" eaLnBrk="1" fontAlgn="auto" latinLnBrk="0" hangingPunct="1">
+              <a:lnSpc>
+                <a:spcPct val="100000"/>
+              </a:lnSpc>
+              <a:spcBef>
+                <a:spcPts val="0"/>
+              </a:spcBef>
+              <a:spcAft>
+                <a:spcPts val="0"/>
+              </a:spcAft>
+              <a:buClrTx/>
+              <a:buSzTx/>
+              <a:buFontTx/>
+              <a:buNone/>
+              <a:tabLst/>
+              <a:defRPr/>
+            </a:pPr>
+            <a:r>
+              <a:rPr kumimoji="0" lang="en-US" sz="1200" b="0" i="0" u="none" strike="noStrike" kern="1200" cap="none" spc="0" normalizeH="0" baseline="0" noProof="0" dirty="0">
+                <a:ln>
+                  <a:noFill/>
+                </a:ln>
+                <a:solidFill>
+                  <a:srgbClr val="335EAC">
+                    <a:lumMod val="50000"/>
+                  </a:srgbClr>
+                </a:solidFill>
+                <a:effectLst/>
+                <a:uLnTx/>
+                <a:uFillTx/>
+                <a:latin typeface="Arial" panose="020B0604020202020204"/>
+                <a:ea typeface="+mn-ea"/>
+                <a:cs typeface="+mn-cs"/>
+              </a:rPr>
+              <a:t>SMART </a:t>
+            </a:r>
+          </a:p>
+          <a:p>
+            <a:pPr marL="0" marR="0" lvl="0" indent="0" algn="ctr" defTabSz="914400" rtl="0" eaLnBrk="1" fontAlgn="auto" latinLnBrk="0" hangingPunct="1">
+              <a:lnSpc>
+                <a:spcPct val="100000"/>
+              </a:lnSpc>
+              <a:spcBef>
+                <a:spcPts val="0"/>
+              </a:spcBef>
+              <a:spcAft>
+                <a:spcPts val="0"/>
+              </a:spcAft>
+              <a:buClrTx/>
+              <a:buSzTx/>
+              <a:buFontTx/>
+              <a:buNone/>
+              <a:tabLst/>
+              <a:defRPr/>
+            </a:pPr>
+            <a:r>
+              <a:rPr kumimoji="0" lang="en-US" sz="1200" b="0" i="0" u="none" strike="noStrike" kern="1200" cap="none" spc="0" normalizeH="0" baseline="0" noProof="0" dirty="0">
+                <a:ln>
+                  <a:noFill/>
+                </a:ln>
+                <a:solidFill>
+                  <a:srgbClr val="335EAC">
+                    <a:lumMod val="50000"/>
+                  </a:srgbClr>
+                </a:solidFill>
+                <a:effectLst/>
+                <a:uLnTx/>
+                <a:uFillTx/>
+                <a:latin typeface="Arial" panose="020B0604020202020204"/>
+                <a:ea typeface="+mn-ea"/>
+                <a:cs typeface="+mn-cs"/>
+              </a:rPr>
+              <a:t>DTR Client</a:t>
+            </a:r>
+          </a:p>
+        </p:txBody>
+      </p:sp>
+      <p:sp>
+        <p:nvSpPr>
+          <p:cNvPr id="41" name="Arrow: Left-Right 40">
+            <a:extLst>
+              <a:ext uri="{FF2B5EF4-FFF2-40B4-BE49-F238E27FC236}">
+                <a16:creationId xmlns:a16="http://schemas.microsoft.com/office/drawing/2014/main" id="{DE26C6BC-A32C-3DAF-22B2-49A467B43BE7}"/>
+              </a:ext>
+            </a:extLst>
+          </p:cNvPr>
+          <p:cNvSpPr/>
+          <p:nvPr/>
+        </p:nvSpPr>
+        <p:spPr>
+          <a:xfrm>
+            <a:off x="5789261" y="2506208"/>
+            <a:ext cx="1304945" cy="363127"/>
+          </a:xfrm>
+          <a:prstGeom prst="leftRightArrow">
+            <a:avLst>
+              <a:gd name="adj1" fmla="val 34616"/>
+              <a:gd name="adj2" fmla="val 45433"/>
+            </a:avLst>
+          </a:prstGeom>
+          <a:solidFill>
+            <a:schemeClr val="accent4">
+              <a:lumMod val="60000"/>
+              <a:lumOff val="40000"/>
+            </a:schemeClr>
+          </a:solidFill>
+        </p:spPr>
+        <p:style>
+          <a:lnRef idx="2">
+            <a:schemeClr val="accent1">
+              <a:shade val="15000"/>
+            </a:schemeClr>
+          </a:lnRef>
+          <a:fillRef idx="1">
+            <a:schemeClr val="accent1"/>
+          </a:fillRef>
+          <a:effectRef idx="0">
+            <a:schemeClr val="accent1"/>
+          </a:effectRef>
+          <a:fontRef idx="minor">
+            <a:schemeClr val="lt1"/>
+          </a:fontRef>
+        </p:style>
+        <p:txBody>
+          <a:bodyPr rtlCol="0" anchor="ctr"/>
+          <a:lstStyle/>
+          <a:p>
+            <a:pPr marL="0" marR="0" lvl="0" indent="0" algn="ctr" defTabSz="914400" rtl="0" eaLnBrk="1" fontAlgn="auto" latinLnBrk="0" hangingPunct="1">
+              <a:lnSpc>
+                <a:spcPct val="100000"/>
+              </a:lnSpc>
+              <a:spcBef>
+                <a:spcPts val="0"/>
+              </a:spcBef>
+              <a:spcAft>
+                <a:spcPts val="0"/>
+              </a:spcAft>
+              <a:buClrTx/>
+              <a:buSzTx/>
+              <a:buFontTx/>
+              <a:buNone/>
+              <a:tabLst/>
+              <a:defRPr/>
+            </a:pPr>
+            <a:endParaRPr kumimoji="0" lang="en-US" sz="1800" b="0" i="0" u="none" strike="noStrike" kern="1200" cap="none" spc="0" normalizeH="0" baseline="0" noProof="0">
+              <a:ln>
+                <a:noFill/>
+              </a:ln>
+              <a:solidFill>
+                <a:srgbClr val="FFFFFF"/>
+              </a:solidFill>
+              <a:effectLst/>
+              <a:uLnTx/>
+              <a:uFillTx/>
+              <a:latin typeface="Arial" panose="020B0604020202020204"/>
+              <a:ea typeface="+mn-ea"/>
+              <a:cs typeface="+mn-cs"/>
+            </a:endParaRPr>
+          </a:p>
+        </p:txBody>
+      </p:sp>
+      <p:sp>
+        <p:nvSpPr>
+          <p:cNvPr id="42" name="Rectangle 41">
+            <a:extLst>
+              <a:ext uri="{FF2B5EF4-FFF2-40B4-BE49-F238E27FC236}">
+                <a16:creationId xmlns:a16="http://schemas.microsoft.com/office/drawing/2014/main" id="{802AC834-2F2E-344F-F2AF-5988427D2E9B}"/>
+              </a:ext>
+            </a:extLst>
+          </p:cNvPr>
+          <p:cNvSpPr/>
+          <p:nvPr/>
+        </p:nvSpPr>
+        <p:spPr>
+          <a:xfrm>
+            <a:off x="7103084" y="2338763"/>
+            <a:ext cx="2391175" cy="1936220"/>
+          </a:xfrm>
+          <a:prstGeom prst="rect">
+            <a:avLst/>
+          </a:prstGeom>
+          <a:gradFill flip="none" rotWithShape="1">
+            <a:gsLst>
+              <a:gs pos="0">
+                <a:srgbClr val="B88C00"/>
+              </a:gs>
+              <a:gs pos="97000">
+                <a:srgbClr val="FFC000"/>
+              </a:gs>
+            </a:gsLst>
+            <a:lin ang="5400000" scaled="1"/>
+            <a:tileRect/>
+          </a:gradFill>
+          <a:ln>
+            <a:solidFill>
+              <a:schemeClr val="tx1"/>
+            </a:solidFill>
+          </a:ln>
+          <a:effectLst>
+            <a:outerShdw blurRad="50800" dist="38100" dir="2700000" algn="tl" rotWithShape="0">
+              <a:prstClr val="black">
+                <a:alpha val="40000"/>
+              </a:prstClr>
+            </a:outerShdw>
+          </a:effectLst>
+        </p:spPr>
+        <p:style>
+          <a:lnRef idx="2">
+            <a:schemeClr val="accent2">
+              <a:shade val="50000"/>
+            </a:schemeClr>
+          </a:lnRef>
+          <a:fillRef idx="1">
+            <a:schemeClr val="accent2"/>
+          </a:fillRef>
+          <a:effectRef idx="0">
+            <a:schemeClr val="accent2"/>
+          </a:effectRef>
+          <a:fontRef idx="minor">
+            <a:schemeClr val="lt1"/>
+          </a:fontRef>
+        </p:style>
+        <p:txBody>
+          <a:bodyPr rtlCol="0" anchor="ctr"/>
+          <a:lstStyle/>
+          <a:p>
+            <a:pPr marL="0" marR="0" lvl="0" indent="0" algn="ctr" defTabSz="914400" rtl="0" eaLnBrk="1" fontAlgn="auto" latinLnBrk="0" hangingPunct="1">
+              <a:lnSpc>
+                <a:spcPct val="100000"/>
+              </a:lnSpc>
+              <a:spcBef>
+                <a:spcPts val="0"/>
+              </a:spcBef>
+              <a:spcAft>
+                <a:spcPts val="0"/>
+              </a:spcAft>
+              <a:buClrTx/>
+              <a:buSzTx/>
+              <a:buFontTx/>
+              <a:buNone/>
+              <a:tabLst/>
+              <a:defRPr/>
+            </a:pPr>
+            <a:r>
+              <a:rPr kumimoji="0" lang="en-US" sz="1200" b="1" i="0" u="none" strike="noStrike" kern="1200" cap="none" spc="0" normalizeH="0" baseline="0" noProof="0" dirty="0">
+                <a:ln>
+                  <a:noFill/>
+                </a:ln>
+                <a:solidFill>
+                  <a:srgbClr val="FFFFFF"/>
+                </a:solidFill>
+                <a:effectLst/>
+                <a:uLnTx/>
+                <a:uFillTx/>
+                <a:latin typeface="Arial" panose="020B0604020202020204"/>
+                <a:ea typeface="+mn-ea"/>
+                <a:cs typeface="+mn-cs"/>
+              </a:rPr>
+              <a:t>DTR Payer Service</a:t>
+            </a:r>
+          </a:p>
+        </p:txBody>
+      </p:sp>
+      <p:sp>
+        <p:nvSpPr>
+          <p:cNvPr id="43" name="Arrow: Left-Right 42">
+            <a:extLst>
+              <a:ext uri="{FF2B5EF4-FFF2-40B4-BE49-F238E27FC236}">
+                <a16:creationId xmlns:a16="http://schemas.microsoft.com/office/drawing/2014/main" id="{0065B399-EFAB-C872-C04A-4D14EF6EE5FF}"/>
+              </a:ext>
+            </a:extLst>
+          </p:cNvPr>
+          <p:cNvSpPr/>
+          <p:nvPr/>
+        </p:nvSpPr>
+        <p:spPr>
+          <a:xfrm>
+            <a:off x="4141824" y="3720298"/>
+            <a:ext cx="2952382" cy="363127"/>
+          </a:xfrm>
+          <a:prstGeom prst="leftRightArrow">
+            <a:avLst>
+              <a:gd name="adj1" fmla="val 34616"/>
+              <a:gd name="adj2" fmla="val 45433"/>
+            </a:avLst>
+          </a:prstGeom>
+          <a:solidFill>
+            <a:schemeClr val="accent4">
+              <a:lumMod val="60000"/>
+              <a:lumOff val="40000"/>
+            </a:schemeClr>
+          </a:solidFill>
+        </p:spPr>
+        <p:style>
+          <a:lnRef idx="2">
+            <a:schemeClr val="accent1">
+              <a:shade val="15000"/>
+            </a:schemeClr>
+          </a:lnRef>
+          <a:fillRef idx="1">
+            <a:schemeClr val="accent1"/>
+          </a:fillRef>
+          <a:effectRef idx="0">
+            <a:schemeClr val="accent1"/>
+          </a:effectRef>
+          <a:fontRef idx="minor">
+            <a:schemeClr val="lt1"/>
+          </a:fontRef>
+        </p:style>
+        <p:txBody>
+          <a:bodyPr rtlCol="0" anchor="ctr"/>
+          <a:lstStyle/>
+          <a:p>
+            <a:pPr marL="0" marR="0" lvl="0" indent="0" algn="ctr" defTabSz="914400" rtl="0" eaLnBrk="1" fontAlgn="auto" latinLnBrk="0" hangingPunct="1">
+              <a:lnSpc>
+                <a:spcPct val="100000"/>
+              </a:lnSpc>
+              <a:spcBef>
+                <a:spcPts val="0"/>
+              </a:spcBef>
+              <a:spcAft>
+                <a:spcPts val="0"/>
+              </a:spcAft>
+              <a:buClrTx/>
+              <a:buSzTx/>
+              <a:buFontTx/>
+              <a:buNone/>
+              <a:tabLst/>
+              <a:defRPr/>
+            </a:pPr>
+            <a:endParaRPr kumimoji="0" lang="en-US" sz="1800" b="0" i="0" u="none" strike="noStrike" kern="1200" cap="none" spc="0" normalizeH="0" baseline="0" noProof="0">
+              <a:ln>
+                <a:noFill/>
+              </a:ln>
+              <a:solidFill>
+                <a:srgbClr val="FFFFFF"/>
+              </a:solidFill>
+              <a:effectLst/>
+              <a:uLnTx/>
+              <a:uFillTx/>
+              <a:latin typeface="Arial" panose="020B0604020202020204"/>
+              <a:ea typeface="+mn-ea"/>
+              <a:cs typeface="+mn-cs"/>
+            </a:endParaRPr>
+          </a:p>
+        </p:txBody>
+      </p:sp>
+      <p:sp>
+        <p:nvSpPr>
+          <p:cNvPr id="48" name="Arrow: Left-Right 47">
+            <a:extLst>
+              <a:ext uri="{FF2B5EF4-FFF2-40B4-BE49-F238E27FC236}">
+                <a16:creationId xmlns:a16="http://schemas.microsoft.com/office/drawing/2014/main" id="{93434836-9157-56D2-BD7B-BDDDE2D5BBC1}"/>
+              </a:ext>
+            </a:extLst>
+          </p:cNvPr>
+          <p:cNvSpPr/>
+          <p:nvPr/>
+        </p:nvSpPr>
+        <p:spPr>
+          <a:xfrm>
+            <a:off x="4141824" y="2515086"/>
+            <a:ext cx="554773" cy="363127"/>
+          </a:xfrm>
+          <a:prstGeom prst="leftRightArrow">
+            <a:avLst>
+              <a:gd name="adj1" fmla="val 34616"/>
+              <a:gd name="adj2" fmla="val 45433"/>
+            </a:avLst>
+          </a:prstGeom>
+          <a:solidFill>
+            <a:schemeClr val="accent4">
+              <a:lumMod val="60000"/>
+              <a:lumOff val="40000"/>
+            </a:schemeClr>
+          </a:solidFill>
+        </p:spPr>
+        <p:style>
+          <a:lnRef idx="2">
+            <a:schemeClr val="accent1">
+              <a:shade val="15000"/>
+            </a:schemeClr>
+          </a:lnRef>
+          <a:fillRef idx="1">
+            <a:schemeClr val="accent1"/>
+          </a:fillRef>
+          <a:effectRef idx="0">
+            <a:schemeClr val="accent1"/>
+          </a:effectRef>
+          <a:fontRef idx="minor">
+            <a:schemeClr val="lt1"/>
+          </a:fontRef>
+        </p:style>
+        <p:txBody>
+          <a:bodyPr rtlCol="0" anchor="ctr"/>
+          <a:lstStyle/>
+          <a:p>
+            <a:pPr marL="0" marR="0" lvl="0" indent="0" algn="ctr" defTabSz="914400" rtl="0" eaLnBrk="1" fontAlgn="auto" latinLnBrk="0" hangingPunct="1">
+              <a:lnSpc>
+                <a:spcPct val="100000"/>
+              </a:lnSpc>
+              <a:spcBef>
+                <a:spcPts val="0"/>
+              </a:spcBef>
+              <a:spcAft>
+                <a:spcPts val="0"/>
+              </a:spcAft>
+              <a:buClrTx/>
+              <a:buSzTx/>
+              <a:buFontTx/>
+              <a:buNone/>
+              <a:tabLst/>
+              <a:defRPr/>
+            </a:pPr>
+            <a:endParaRPr kumimoji="0" lang="en-US" sz="1800" b="0" i="0" u="none" strike="noStrike" kern="1200" cap="none" spc="0" normalizeH="0" baseline="0" noProof="0">
+              <a:ln>
+                <a:noFill/>
+              </a:ln>
+              <a:solidFill>
+                <a:srgbClr val="FFFFFF"/>
+              </a:solidFill>
+              <a:effectLst/>
+              <a:uLnTx/>
+              <a:uFillTx/>
+              <a:latin typeface="Arial" panose="020B0604020202020204"/>
+              <a:ea typeface="+mn-ea"/>
+              <a:cs typeface="+mn-cs"/>
+            </a:endParaRPr>
+          </a:p>
+        </p:txBody>
+      </p:sp>
+      <p:sp>
+        <p:nvSpPr>
+          <p:cNvPr id="3" name="Rectangle 2">
+            <a:extLst>
+              <a:ext uri="{FF2B5EF4-FFF2-40B4-BE49-F238E27FC236}">
+                <a16:creationId xmlns:a16="http://schemas.microsoft.com/office/drawing/2014/main" id="{812EABE3-4C23-1654-C89B-23AD869D9026}"/>
+              </a:ext>
+            </a:extLst>
+          </p:cNvPr>
+          <p:cNvSpPr/>
+          <p:nvPr/>
+        </p:nvSpPr>
+        <p:spPr>
+          <a:xfrm>
+            <a:off x="231095" y="384741"/>
+            <a:ext cx="2359705" cy="523220"/>
+          </a:xfrm>
+          <a:prstGeom prst="rect">
+            <a:avLst/>
+          </a:prstGeom>
+        </p:spPr>
+        <p:txBody>
+          <a:bodyPr wrap="square">
+            <a:spAutoFit/>
+          </a:bodyPr>
+          <a:lstStyle/>
+          <a:p>
+            <a:pPr marL="0" marR="0" lvl="0" indent="0" algn="ctr" defTabSz="914400" rtl="0" eaLnBrk="1" fontAlgn="auto" latinLnBrk="0" hangingPunct="1">
+              <a:lnSpc>
+                <a:spcPct val="100000"/>
+              </a:lnSpc>
+              <a:spcBef>
+                <a:spcPts val="0"/>
+              </a:spcBef>
+              <a:spcAft>
+                <a:spcPts val="1200"/>
+              </a:spcAft>
+              <a:buClrTx/>
+              <a:buSzTx/>
+              <a:buFontTx/>
+              <a:buNone/>
+              <a:tabLst/>
+              <a:defRPr/>
+            </a:pPr>
+            <a:r>
+              <a:rPr kumimoji="0" lang="en-US" sz="2800" b="1" i="0" u="sng" strike="noStrike" kern="1200" cap="none" spc="0" normalizeH="0" baseline="0" noProof="0" dirty="0">
+                <a:ln>
+                  <a:noFill/>
+                </a:ln>
+                <a:solidFill>
+                  <a:schemeClr val="accent1">
+                    <a:lumMod val="50000"/>
+                  </a:schemeClr>
+                </a:solidFill>
+                <a:effectLst/>
+                <a:uLnTx/>
+                <a:uFillTx/>
+                <a:latin typeface="Helvetica Neue"/>
+                <a:ea typeface="+mn-ea"/>
+                <a:cs typeface="+mn-cs"/>
+              </a:rPr>
+              <a:t>DTR Actors</a:t>
+            </a:r>
+          </a:p>
+        </p:txBody>
+      </p:sp>
+      <p:sp>
+        <p:nvSpPr>
+          <p:cNvPr id="36" name="Rectangle 35">
+            <a:extLst>
+              <a:ext uri="{FF2B5EF4-FFF2-40B4-BE49-F238E27FC236}">
+                <a16:creationId xmlns:a16="http://schemas.microsoft.com/office/drawing/2014/main" id="{9CF004FB-32F3-D0E0-7E1D-6C5CB854FEBB}"/>
+              </a:ext>
+            </a:extLst>
+          </p:cNvPr>
+          <p:cNvSpPr/>
+          <p:nvPr/>
+        </p:nvSpPr>
+        <p:spPr>
+          <a:xfrm>
+            <a:off x="6788704" y="1864404"/>
+            <a:ext cx="3018408" cy="338554"/>
+          </a:xfrm>
+          <a:prstGeom prst="rect">
+            <a:avLst/>
+          </a:prstGeom>
+        </p:spPr>
+        <p:txBody>
+          <a:bodyPr wrap="square">
+            <a:spAutoFit/>
+          </a:bodyPr>
+          <a:lstStyle/>
+          <a:p>
+            <a:pPr marL="0" marR="0" lvl="0" indent="0" algn="ctr" defTabSz="914400" rtl="0" eaLnBrk="1" fontAlgn="auto" latinLnBrk="0" hangingPunct="1">
+              <a:lnSpc>
+                <a:spcPct val="100000"/>
+              </a:lnSpc>
+              <a:spcBef>
+                <a:spcPts val="0"/>
+              </a:spcBef>
+              <a:spcAft>
+                <a:spcPts val="1200"/>
+              </a:spcAft>
+              <a:buClrTx/>
+              <a:buSzTx/>
+              <a:buFontTx/>
+              <a:buNone/>
+              <a:tabLst/>
+              <a:defRPr/>
+            </a:pPr>
+            <a:r>
+              <a:rPr kumimoji="0" lang="en-US" sz="1600" i="0" u="none" strike="noStrike" kern="1200" cap="none" spc="0" normalizeH="0" baseline="0" noProof="0" dirty="0">
+                <a:ln>
+                  <a:noFill/>
+                </a:ln>
+                <a:solidFill>
+                  <a:srgbClr val="000000"/>
+                </a:solidFill>
+                <a:effectLst/>
+                <a:uLnTx/>
+                <a:uFillTx/>
+                <a:latin typeface="Calibri" panose="020F0502020204030204" pitchFamily="34" charset="0"/>
+                <a:cs typeface="Calibri" panose="020F0502020204030204" pitchFamily="34" charset="0"/>
+              </a:rPr>
+              <a:t>Payer System</a:t>
+            </a:r>
+          </a:p>
+        </p:txBody>
+      </p:sp>
+      <p:sp>
+        <p:nvSpPr>
+          <p:cNvPr id="4" name="Rectangle 3">
+            <a:extLst>
+              <a:ext uri="{FF2B5EF4-FFF2-40B4-BE49-F238E27FC236}">
+                <a16:creationId xmlns:a16="http://schemas.microsoft.com/office/drawing/2014/main" id="{EBDD533E-AE91-CBE9-157F-0A4A40F1E700}"/>
+              </a:ext>
+            </a:extLst>
+          </p:cNvPr>
+          <p:cNvSpPr/>
+          <p:nvPr/>
+        </p:nvSpPr>
+        <p:spPr>
+          <a:xfrm>
+            <a:off x="1781988" y="1864404"/>
+            <a:ext cx="4116804" cy="338554"/>
+          </a:xfrm>
+          <a:prstGeom prst="rect">
+            <a:avLst/>
+          </a:prstGeom>
+        </p:spPr>
+        <p:txBody>
+          <a:bodyPr wrap="square">
+            <a:spAutoFit/>
+          </a:bodyPr>
+          <a:lstStyle/>
+          <a:p>
+            <a:pPr marL="0" marR="0" lvl="0" indent="0" algn="ctr" defTabSz="914400" rtl="0" eaLnBrk="1" fontAlgn="auto" latinLnBrk="0" hangingPunct="1">
+              <a:lnSpc>
+                <a:spcPct val="100000"/>
+              </a:lnSpc>
+              <a:spcBef>
+                <a:spcPts val="0"/>
+              </a:spcBef>
+              <a:spcAft>
+                <a:spcPts val="1200"/>
+              </a:spcAft>
+              <a:buClrTx/>
+              <a:buSzTx/>
+              <a:buFontTx/>
+              <a:buNone/>
+              <a:tabLst/>
+              <a:defRPr/>
+            </a:pPr>
+            <a:r>
+              <a:rPr kumimoji="0" lang="en-US" sz="1600" i="0" u="none" strike="noStrike" kern="1200" cap="none" spc="0" normalizeH="0" baseline="0" noProof="0" dirty="0">
+                <a:ln>
+                  <a:noFill/>
+                </a:ln>
+                <a:solidFill>
+                  <a:srgbClr val="000000"/>
+                </a:solidFill>
+                <a:effectLst/>
+                <a:uLnTx/>
+                <a:uFillTx/>
+                <a:latin typeface="Calibri" panose="020F0502020204030204" pitchFamily="34" charset="0"/>
+                <a:cs typeface="Calibri" panose="020F0502020204030204" pitchFamily="34" charset="0"/>
+              </a:rPr>
+              <a:t>Provider System</a:t>
+            </a:r>
+          </a:p>
+        </p:txBody>
+      </p:sp>
+    </p:spTree>
+    <p:extLst>
+      <p:ext uri="{BB962C8B-B14F-4D97-AF65-F5344CB8AC3E}">
+        <p14:creationId xmlns:p14="http://schemas.microsoft.com/office/powerpoint/2010/main" val="3407885490"/>
+      </p:ext>
+    </p:extLst>
+  </p:cSld>
+  <p:clrMapOvr>
+    <a:masterClrMapping/>
+  </p:clrMapOvr>
+  <mc:AlternateContent xmlns:mc="http://schemas.openxmlformats.org/markup-compatibility/2006" xmlns:p14="http://schemas.microsoft.com/office/powerpoint/2010/main">
+    <mc:Choice Requires="p14">
+      <p:transition spd="med" p14:dur="700">
+        <p:fade/>
+      </p:transition>
+    </mc:Choice>
+    <mc:Fallback xmlns="">
+      <p:transition spd="med">
+        <p:fade/>
+      </p:transition>
+    </mc:Fallback>
+  </mc:AlternateContent>
+</p:sld>
+</file>
+
+<file path=ppt/slides/slide5.xml><?xml version="1.0" encoding="utf-8"?>
+<p:sld xmlns:a="http://schemas.openxmlformats.org/drawingml/2006/main" xmlns:r="http://schemas.openxmlformats.org/officeDocument/2006/relationships" xmlns:p="http://schemas.openxmlformats.org/presentationml/2006/main">
+  <p:cSld>
+    <p:spTree>
+      <p:nvGrpSpPr>
+        <p:cNvPr id="1" name="">
+          <a:extLst>
+            <a:ext uri="{FF2B5EF4-FFF2-40B4-BE49-F238E27FC236}">
+              <a16:creationId xmlns:a16="http://schemas.microsoft.com/office/drawing/2014/main" id="{F90C8C6B-9CD8-8036-6EB8-4DB0F88CFE71}"/>
+            </a:ext>
+          </a:extLst>
+        </p:cNvPr>
+        <p:cNvGrpSpPr/>
+        <p:nvPr/>
+      </p:nvGrpSpPr>
+      <p:grpSpPr>
+        <a:xfrm>
+          <a:off x="0" y="0"/>
+          <a:ext cx="0" cy="0"/>
+          <a:chOff x="0" y="0"/>
+          <a:chExt cx="0" cy="0"/>
+        </a:xfrm>
+      </p:grpSpPr>
+      <p:sp>
+        <p:nvSpPr>
+          <p:cNvPr id="8" name="Rectangle 7">
+            <a:extLst>
+              <a:ext uri="{FF2B5EF4-FFF2-40B4-BE49-F238E27FC236}">
+                <a16:creationId xmlns:a16="http://schemas.microsoft.com/office/drawing/2014/main" id="{0ECA9B41-EE22-89F2-3349-3066A0341B60}"/>
+              </a:ext>
+            </a:extLst>
+          </p:cNvPr>
+          <p:cNvSpPr/>
+          <p:nvPr/>
+        </p:nvSpPr>
+        <p:spPr>
+          <a:xfrm>
+            <a:off x="3241701" y="4454403"/>
+            <a:ext cx="1961874" cy="718205"/>
+          </a:xfrm>
+          <a:prstGeom prst="rect">
+            <a:avLst/>
+          </a:prstGeom>
+          <a:gradFill flip="none" rotWithShape="1">
+            <a:gsLst>
+              <a:gs pos="0">
+                <a:schemeClr val="accent5">
+                  <a:lumMod val="67000"/>
+                </a:schemeClr>
+              </a:gs>
+              <a:gs pos="100000">
+                <a:schemeClr val="accent5">
+                  <a:lumMod val="97000"/>
+                  <a:lumOff val="3000"/>
+                </a:schemeClr>
+              </a:gs>
+            </a:gsLst>
+            <a:lin ang="5400000" scaled="1"/>
+            <a:tileRect/>
+          </a:gradFill>
+          <a:ln>
+            <a:solidFill>
+              <a:schemeClr val="tx1"/>
+            </a:solidFill>
+          </a:ln>
+          <a:effectLst>
+            <a:outerShdw blurRad="50800" dist="38100" dir="2700000" algn="tl" rotWithShape="0">
+              <a:prstClr val="black">
+                <a:alpha val="40000"/>
+              </a:prstClr>
+            </a:outerShdw>
+          </a:effectLst>
+        </p:spPr>
+        <p:style>
+          <a:lnRef idx="2">
+            <a:schemeClr val="accent2">
+              <a:shade val="50000"/>
+            </a:schemeClr>
+          </a:lnRef>
+          <a:fillRef idx="1">
+            <a:schemeClr val="accent2"/>
+          </a:fillRef>
+          <a:effectRef idx="0">
+            <a:schemeClr val="accent2"/>
+          </a:effectRef>
+          <a:fontRef idx="minor">
+            <a:schemeClr val="lt1"/>
+          </a:fontRef>
+        </p:style>
+        <p:txBody>
+          <a:bodyPr rtlCol="0" anchor="ctr"/>
+          <a:lstStyle/>
+          <a:p>
+            <a:pPr marL="0" marR="0" lvl="0" indent="0" algn="l" defTabSz="914400" rtl="0" eaLnBrk="1" fontAlgn="auto" latinLnBrk="0" hangingPunct="1">
+              <a:lnSpc>
+                <a:spcPct val="100000"/>
+              </a:lnSpc>
+              <a:spcBef>
+                <a:spcPts val="0"/>
+              </a:spcBef>
+              <a:spcAft>
+                <a:spcPts val="0"/>
+              </a:spcAft>
+              <a:buClrTx/>
+              <a:buSzTx/>
+              <a:buFontTx/>
+              <a:buNone/>
+              <a:tabLst/>
+              <a:defRPr/>
+            </a:pPr>
+            <a:r>
+              <a:rPr kumimoji="0" lang="en-US" sz="1100" i="0" u="none" strike="noStrike" kern="1200" cap="none" spc="0" normalizeH="0" baseline="0" noProof="0" dirty="0">
+                <a:ln>
+                  <a:noFill/>
+                </a:ln>
+                <a:solidFill>
+                  <a:srgbClr val="FFFFFF"/>
+                </a:solidFill>
+                <a:effectLst/>
+                <a:uLnTx/>
+                <a:uFillTx/>
+                <a:latin typeface="Arial" panose="020B0604020202020204"/>
+                <a:ea typeface="+mn-ea"/>
+                <a:cs typeface="+mn-cs"/>
+              </a:rPr>
+              <a:t>                Full DTR </a:t>
+            </a:r>
+          </a:p>
+          <a:p>
+            <a:pPr marL="0" marR="0" lvl="0" indent="0" algn="l" defTabSz="914400" rtl="0" eaLnBrk="1" fontAlgn="auto" latinLnBrk="0" hangingPunct="1">
+              <a:lnSpc>
+                <a:spcPct val="100000"/>
+              </a:lnSpc>
+              <a:spcBef>
+                <a:spcPts val="0"/>
+              </a:spcBef>
+              <a:spcAft>
+                <a:spcPts val="0"/>
+              </a:spcAft>
+              <a:buClrTx/>
+              <a:buSzTx/>
+              <a:buFontTx/>
+              <a:buNone/>
+              <a:tabLst/>
+              <a:defRPr/>
+            </a:pPr>
+            <a:r>
+              <a:rPr lang="en-US" sz="1100" dirty="0">
+                <a:solidFill>
+                  <a:srgbClr val="FFFFFF"/>
+                </a:solidFill>
+                <a:latin typeface="Arial" panose="020B0604020202020204"/>
+              </a:rPr>
+              <a:t>                   </a:t>
+            </a:r>
+            <a:r>
+              <a:rPr kumimoji="0" lang="en-US" sz="1100" i="0" u="none" strike="noStrike" kern="1200" cap="none" spc="0" normalizeH="0" baseline="0" noProof="0" dirty="0">
+                <a:ln>
+                  <a:noFill/>
+                </a:ln>
+                <a:solidFill>
+                  <a:srgbClr val="FFFFFF"/>
+                </a:solidFill>
+                <a:effectLst/>
+                <a:uLnTx/>
+                <a:uFillTx/>
+                <a:latin typeface="Arial" panose="020B0604020202020204"/>
+                <a:ea typeface="+mn-ea"/>
+                <a:cs typeface="+mn-cs"/>
+              </a:rPr>
+              <a:t>EHR</a:t>
+            </a:r>
+          </a:p>
+        </p:txBody>
+      </p:sp>
+      <p:sp>
+        <p:nvSpPr>
+          <p:cNvPr id="2" name="Slide Number Placeholder 1">
+            <a:extLst>
+              <a:ext uri="{FF2B5EF4-FFF2-40B4-BE49-F238E27FC236}">
+                <a16:creationId xmlns:a16="http://schemas.microsoft.com/office/drawing/2014/main" id="{543CA484-92FE-ABC7-BBA5-3AE846FC1E55}"/>
+              </a:ext>
+            </a:extLst>
+          </p:cNvPr>
+          <p:cNvSpPr>
+            <a:spLocks noGrp="1"/>
+          </p:cNvSpPr>
+          <p:nvPr>
+            <p:ph type="sldNum" sz="quarter" idx="4294967295"/>
+          </p:nvPr>
+        </p:nvSpPr>
+        <p:spPr>
+          <a:xfrm>
+            <a:off x="11569700" y="6400802"/>
+            <a:ext cx="622300" cy="365125"/>
+          </a:xfrm>
+          <a:prstGeom prst="rect">
+            <a:avLst/>
+          </a:prstGeom>
+        </p:spPr>
+        <p:txBody>
+          <a:bodyPr/>
+          <a:lstStyle/>
+          <a:p>
+            <a:pPr marL="0" marR="0" lvl="0" indent="0" algn="l" defTabSz="914400" rtl="0" eaLnBrk="1" fontAlgn="auto" latinLnBrk="0" hangingPunct="1">
+              <a:lnSpc>
+                <a:spcPct val="100000"/>
+              </a:lnSpc>
+              <a:spcBef>
+                <a:spcPts val="0"/>
+              </a:spcBef>
+              <a:spcAft>
+                <a:spcPts val="0"/>
+              </a:spcAft>
+              <a:buClrTx/>
+              <a:buSzTx/>
+              <a:buFontTx/>
+              <a:buNone/>
+              <a:tabLst/>
+              <a:defRPr/>
+            </a:pPr>
+            <a:fld id="{BECF63ED-5365-0347-943C-46237B9951C9}" type="slidenum">
+              <a:rPr kumimoji="0" lang="en-US" sz="1800" b="0" i="0" u="none" strike="noStrike" kern="1200" cap="none" spc="0" normalizeH="0" baseline="0" noProof="0" smtClean="0">
+                <a:ln>
+                  <a:noFill/>
+                </a:ln>
+                <a:solidFill>
+                  <a:srgbClr val="000000"/>
+                </a:solidFill>
+                <a:effectLst/>
+                <a:uLnTx/>
+                <a:uFillTx/>
+                <a:latin typeface="Arial" panose="020B0604020202020204"/>
+                <a:ea typeface="+mn-ea"/>
+                <a:cs typeface="+mn-cs"/>
+              </a:rPr>
+              <a:pPr marL="0" marR="0" lvl="0" indent="0" algn="l" defTabSz="914400" rtl="0" eaLnBrk="1" fontAlgn="auto" latinLnBrk="0" hangingPunct="1">
+                <a:lnSpc>
+                  <a:spcPct val="100000"/>
+                </a:lnSpc>
+                <a:spcBef>
+                  <a:spcPts val="0"/>
+                </a:spcBef>
+                <a:spcAft>
+                  <a:spcPts val="0"/>
+                </a:spcAft>
+                <a:buClrTx/>
+                <a:buSzTx/>
+                <a:buFontTx/>
+                <a:buNone/>
+                <a:tabLst/>
+                <a:defRPr/>
+              </a:pPr>
+              <a:t>5</a:t>
             </a:fld>
             <a:endParaRPr kumimoji="0" lang="en-US" sz="1800" b="0" i="0" u="none" strike="noStrike" kern="1200" cap="none" spc="0" normalizeH="0" baseline="0" noProof="0">
               <a:ln>
@@ -23844,27 +25856,12 @@
 </file>
 
 <file path=customXml/item1.xml><?xml version="1.0" encoding="utf-8"?>
-<p:properties xmlns:p="http://schemas.microsoft.com/office/2006/metadata/properties" xmlns:xsi="http://www.w3.org/2001/XMLSchema-instance" xmlns:pc="http://schemas.microsoft.com/office/infopath/2007/PartnerControls">
-  <documentManagement>
-    <SharedWithUsers xmlns="5bceed9a-bae5-4329-97ef-b259bd0b225e">
-      <UserInfo>
-        <DisplayName>Ambrose, Nalini</DisplayName>
-        <AccountId>13</AccountId>
-        <AccountType/>
-      </UserInfo>
-      <UserInfo>
-        <DisplayName>Lyall, Jessica</DisplayName>
-        <AccountId>178</AccountId>
-        <AccountType/>
-      </UserInfo>
-      <UserInfo>
-        <DisplayName>Horbachevsky, Olexa</DisplayName>
-        <AccountId>10</AccountId>
-        <AccountType/>
-      </UserInfo>
-    </SharedWithUsers>
-  </documentManagement>
-</p:properties>
+<?mso-contentType ?>
+<FormTemplates xmlns="http://schemas.microsoft.com/sharepoint/v3/contenttype/forms">
+  <Display>DocumentLibraryForm</Display>
+  <Edit>DocumentLibraryForm</Edit>
+  <New>DocumentLibraryForm</New>
+</FormTemplates>
 </file>
 
 <file path=customXml/item2.xml><?xml version="1.0" encoding="utf-8"?>
@@ -24065,27 +26062,33 @@
 </file>
 
 <file path=customXml/item3.xml><?xml version="1.0" encoding="utf-8"?>
-<?mso-contentType ?>
-<FormTemplates xmlns="http://schemas.microsoft.com/sharepoint/v3/contenttype/forms">
-  <Display>DocumentLibraryForm</Display>
-  <Edit>DocumentLibraryForm</Edit>
-  <New>DocumentLibraryForm</New>
-</FormTemplates>
+<p:properties xmlns:p="http://schemas.microsoft.com/office/2006/metadata/properties" xmlns:xsi="http://www.w3.org/2001/XMLSchema-instance" xmlns:pc="http://schemas.microsoft.com/office/infopath/2007/PartnerControls">
+  <documentManagement>
+    <SharedWithUsers xmlns="5bceed9a-bae5-4329-97ef-b259bd0b225e">
+      <UserInfo>
+        <DisplayName>Ambrose, Nalini</DisplayName>
+        <AccountId>13</AccountId>
+        <AccountType/>
+      </UserInfo>
+      <UserInfo>
+        <DisplayName>Lyall, Jessica</DisplayName>
+        <AccountId>178</AccountId>
+        <AccountType/>
+      </UserInfo>
+      <UserInfo>
+        <DisplayName>Horbachevsky, Olexa</DisplayName>
+        <AccountId>10</AccountId>
+        <AccountType/>
+      </UserInfo>
+    </SharedWithUsers>
+  </documentManagement>
+</p:properties>
 </file>
 
 <file path=customXml/itemProps1.xml><?xml version="1.0" encoding="utf-8"?>
-<ds:datastoreItem xmlns:ds="http://schemas.openxmlformats.org/officeDocument/2006/customXml" ds:itemID="{5450FCDD-08B1-48D8-BB50-7A17E590A5EE}">
+<ds:datastoreItem xmlns:ds="http://schemas.openxmlformats.org/officeDocument/2006/customXml" ds:itemID="{416BA5C9-2D71-4B86-AE8A-8C0D9BC5FB22}">
   <ds:schemaRefs>
-    <ds:schemaRef ds:uri="http://purl.org/dc/terms/"/>
-    <ds:schemaRef ds:uri="http://schemas.openxmlformats.org/package/2006/metadata/core-properties"/>
-    <ds:schemaRef ds:uri="http://purl.org/dc/dcmitype/"/>
-    <ds:schemaRef ds:uri="http://schemas.microsoft.com/office/infopath/2007/PartnerControls"/>
-    <ds:schemaRef ds:uri="http://schemas.microsoft.com/office/2006/documentManagement/types"/>
-    <ds:schemaRef ds:uri="5bceed9a-bae5-4329-97ef-b259bd0b225e"/>
-    <ds:schemaRef ds:uri="http://purl.org/dc/elements/1.1/"/>
-    <ds:schemaRef ds:uri="http://schemas.microsoft.com/office/2006/metadata/properties"/>
-    <ds:schemaRef ds:uri="c6e6fbc9-cbf1-42ee-bbf0-d6e110e2b732"/>
-    <ds:schemaRef ds:uri="http://www.w3.org/XML/1998/namespace"/>
+    <ds:schemaRef ds:uri="http://schemas.microsoft.com/sharepoint/v3/contenttype/forms"/>
   </ds:schemaRefs>
 </ds:datastoreItem>
 </file>
@@ -24110,9 +26113,18 @@
 </file>
 
 <file path=customXml/itemProps3.xml><?xml version="1.0" encoding="utf-8"?>
-<ds:datastoreItem xmlns:ds="http://schemas.openxmlformats.org/officeDocument/2006/customXml" ds:itemID="{416BA5C9-2D71-4B86-AE8A-8C0D9BC5FB22}">
+<ds:datastoreItem xmlns:ds="http://schemas.openxmlformats.org/officeDocument/2006/customXml" ds:itemID="{5450FCDD-08B1-48D8-BB50-7A17E590A5EE}">
   <ds:schemaRefs>
-    <ds:schemaRef ds:uri="http://schemas.microsoft.com/sharepoint/v3/contenttype/forms"/>
+    <ds:schemaRef ds:uri="http://purl.org/dc/terms/"/>
+    <ds:schemaRef ds:uri="http://schemas.openxmlformats.org/package/2006/metadata/core-properties"/>
+    <ds:schemaRef ds:uri="http://purl.org/dc/dcmitype/"/>
+    <ds:schemaRef ds:uri="http://schemas.microsoft.com/office/infopath/2007/PartnerControls"/>
+    <ds:schemaRef ds:uri="http://schemas.microsoft.com/office/2006/documentManagement/types"/>
+    <ds:schemaRef ds:uri="5bceed9a-bae5-4329-97ef-b259bd0b225e"/>
+    <ds:schemaRef ds:uri="http://purl.org/dc/elements/1.1/"/>
+    <ds:schemaRef ds:uri="http://schemas.microsoft.com/office/2006/metadata/properties"/>
+    <ds:schemaRef ds:uri="c6e6fbc9-cbf1-42ee-bbf0-d6e110e2b732"/>
+    <ds:schemaRef ds:uri="http://www.w3.org/XML/1998/namespace"/>
   </ds:schemaRefs>
 </ds:datastoreItem>
 </file>
--- a/input/images-source/CRD_DTR_Flow.pptx
+++ b/input/images-source/CRD_DTR_Flow.pptx
@@ -8,17 +8,16 @@
     <p:sldMasterId id="2147483738" r:id="rId7"/>
   </p:sldMasterIdLst>
   <p:notesMasterIdLst>
-    <p:notesMasterId r:id="rId13"/>
+    <p:notesMasterId r:id="rId12"/>
   </p:notesMasterIdLst>
   <p:handoutMasterIdLst>
-    <p:handoutMasterId r:id="rId14"/>
+    <p:handoutMasterId r:id="rId13"/>
   </p:handoutMasterIdLst>
   <p:sldIdLst>
     <p:sldId id="2919" r:id="rId8"/>
-    <p:sldId id="2925" r:id="rId9"/>
-    <p:sldId id="2926" r:id="rId10"/>
-    <p:sldId id="2922" r:id="rId11"/>
-    <p:sldId id="2923" r:id="rId12"/>
+    <p:sldId id="2927" r:id="rId9"/>
+    <p:sldId id="2922" r:id="rId10"/>
+    <p:sldId id="2923" r:id="rId11"/>
   </p:sldIdLst>
   <p:sldSz cx="12192000" cy="6858000"/>
   <p:notesSz cx="7010400" cy="9236075"/>
@@ -123,8 +122,7 @@
         <p14:section name="Default Section" id="{2A4ADE3A-30A3-434C-A0A8-D43F949D9DE1}">
           <p14:sldIdLst>
             <p14:sldId id="2919"/>
-            <p14:sldId id="2925"/>
-            <p14:sldId id="2926"/>
+            <p14:sldId id="2927"/>
             <p14:sldId id="2922"/>
             <p14:sldId id="2923"/>
           </p14:sldIdLst>
@@ -3792,7 +3790,7 @@
         <p:cNvPr id="1" name="">
           <a:extLst>
             <a:ext uri="{FF2B5EF4-FFF2-40B4-BE49-F238E27FC236}">
-              <a16:creationId xmlns:a16="http://schemas.microsoft.com/office/drawing/2014/main" id="{2E61C5AD-62F1-DB92-75F6-CCD64508A062}"/>
+              <a16:creationId xmlns:a16="http://schemas.microsoft.com/office/drawing/2014/main" id="{AE6D4C1B-AB5B-66E8-4294-C422F1F8A076}"/>
             </a:ext>
           </a:extLst>
         </p:cNvPr>
@@ -3812,7 +3810,7 @@
           <p:cNvPr id="2" name="Slide Image Placeholder 1">
             <a:extLst>
               <a:ext uri="{FF2B5EF4-FFF2-40B4-BE49-F238E27FC236}">
-                <a16:creationId xmlns:a16="http://schemas.microsoft.com/office/drawing/2014/main" id="{0B5015B6-FDD1-A9F2-A46E-242315FFBA2C}"/>
+                <a16:creationId xmlns:a16="http://schemas.microsoft.com/office/drawing/2014/main" id="{9D72C1C5-DE3C-FE6C-237E-E5661710AD28}"/>
               </a:ext>
             </a:extLst>
           </p:cNvPr>
@@ -3830,7 +3828,7 @@
           <p:cNvPr id="3" name="Notes Placeholder 2">
             <a:extLst>
               <a:ext uri="{FF2B5EF4-FFF2-40B4-BE49-F238E27FC236}">
-                <a16:creationId xmlns:a16="http://schemas.microsoft.com/office/drawing/2014/main" id="{8319A172-4D4F-9B68-BDCC-93ADF97EC46A}"/>
+                <a16:creationId xmlns:a16="http://schemas.microsoft.com/office/drawing/2014/main" id="{F1B5B949-05ED-21A8-3287-5C765592120C}"/>
               </a:ext>
             </a:extLst>
           </p:cNvPr>
@@ -3863,7 +3861,7 @@
           <p:cNvPr id="4" name="Slide Number Placeholder 3">
             <a:extLst>
               <a:ext uri="{FF2B5EF4-FFF2-40B4-BE49-F238E27FC236}">
-                <a16:creationId xmlns:a16="http://schemas.microsoft.com/office/drawing/2014/main" id="{00E55686-584C-3614-9CB5-237EADDD39FF}"/>
+                <a16:creationId xmlns:a16="http://schemas.microsoft.com/office/drawing/2014/main" id="{71191A61-B1BB-BADF-26D0-D2507D4FEF2F}"/>
               </a:ext>
             </a:extLst>
           </p:cNvPr>
@@ -3890,123 +3888,7 @@
     </p:spTree>
     <p:extLst>
       <p:ext uri="{BB962C8B-B14F-4D97-AF65-F5344CB8AC3E}">
-        <p14:creationId xmlns:p14="http://schemas.microsoft.com/office/powerpoint/2010/main" val="2746767407"/>
-      </p:ext>
-    </p:extLst>
-  </p:cSld>
-  <p:clrMapOvr>
-    <a:masterClrMapping/>
-  </p:clrMapOvr>
-</p:notes>
-</file>
-
-<file path=ppt/notesSlides/notesSlide3.xml><?xml version="1.0" encoding="utf-8"?>
-<p:notes xmlns:a="http://schemas.openxmlformats.org/drawingml/2006/main" xmlns:r="http://schemas.openxmlformats.org/officeDocument/2006/relationships" xmlns:p="http://schemas.openxmlformats.org/presentationml/2006/main">
-  <p:cSld>
-    <p:spTree>
-      <p:nvGrpSpPr>
-        <p:cNvPr id="1" name="">
-          <a:extLst>
-            <a:ext uri="{FF2B5EF4-FFF2-40B4-BE49-F238E27FC236}">
-              <a16:creationId xmlns:a16="http://schemas.microsoft.com/office/drawing/2014/main" id="{758CAF8C-8B8A-2173-0881-80A8E428A22C}"/>
-            </a:ext>
-          </a:extLst>
-        </p:cNvPr>
-        <p:cNvGrpSpPr/>
-        <p:nvPr/>
-      </p:nvGrpSpPr>
-      <p:grpSpPr>
-        <a:xfrm>
-          <a:off x="0" y="0"/>
-          <a:ext cx="0" cy="0"/>
-          <a:chOff x="0" y="0"/>
-          <a:chExt cx="0" cy="0"/>
-        </a:xfrm>
-      </p:grpSpPr>
-      <p:sp>
-        <p:nvSpPr>
-          <p:cNvPr id="2" name="Slide Image Placeholder 1">
-            <a:extLst>
-              <a:ext uri="{FF2B5EF4-FFF2-40B4-BE49-F238E27FC236}">
-                <a16:creationId xmlns:a16="http://schemas.microsoft.com/office/drawing/2014/main" id="{3199ACFB-DF6B-3167-613F-768CBCF68353}"/>
-              </a:ext>
-            </a:extLst>
-          </p:cNvPr>
-          <p:cNvSpPr>
-            <a:spLocks noGrp="1" noRot="1" noChangeAspect="1"/>
-          </p:cNvSpPr>
-          <p:nvPr>
-            <p:ph type="sldImg"/>
-          </p:nvPr>
-        </p:nvSpPr>
-        <p:spPr/>
-      </p:sp>
-      <p:sp>
-        <p:nvSpPr>
-          <p:cNvPr id="3" name="Notes Placeholder 2">
-            <a:extLst>
-              <a:ext uri="{FF2B5EF4-FFF2-40B4-BE49-F238E27FC236}">
-                <a16:creationId xmlns:a16="http://schemas.microsoft.com/office/drawing/2014/main" id="{1C12555E-769D-5A60-2BF9-DE9C5C4F4C70}"/>
-              </a:ext>
-            </a:extLst>
-          </p:cNvPr>
-          <p:cNvSpPr>
-            <a:spLocks noGrp="1"/>
-          </p:cNvSpPr>
-          <p:nvPr>
-            <p:ph type="body" idx="1"/>
-          </p:nvPr>
-        </p:nvSpPr>
-        <p:spPr/>
-        <p:txBody>
-          <a:bodyPr/>
-          <a:lstStyle/>
-          <a:p>
-            <a:endParaRPr lang="en-US" sz="1200" kern="1200" dirty="0">
-              <a:solidFill>
-                <a:schemeClr val="tx1"/>
-              </a:solidFill>
-              <a:effectLst/>
-              <a:latin typeface="+mn-lt"/>
-              <a:ea typeface="+mn-ea"/>
-              <a:cs typeface="+mn-cs"/>
-            </a:endParaRPr>
-          </a:p>
-        </p:txBody>
-      </p:sp>
-      <p:sp>
-        <p:nvSpPr>
-          <p:cNvPr id="4" name="Slide Number Placeholder 3">
-            <a:extLst>
-              <a:ext uri="{FF2B5EF4-FFF2-40B4-BE49-F238E27FC236}">
-                <a16:creationId xmlns:a16="http://schemas.microsoft.com/office/drawing/2014/main" id="{CEE7F0D5-0509-39A4-345A-E66DE7ABFD72}"/>
-              </a:ext>
-            </a:extLst>
-          </p:cNvPr>
-          <p:cNvSpPr>
-            <a:spLocks noGrp="1"/>
-          </p:cNvSpPr>
-          <p:nvPr>
-            <p:ph type="sldNum" sz="quarter" idx="5"/>
-          </p:nvPr>
-        </p:nvSpPr>
-        <p:spPr/>
-        <p:txBody>
-          <a:bodyPr/>
-          <a:lstStyle/>
-          <a:p>
-            <a:fld id="{D58F3C89-9E49-4851-A18A-DAECD34FD650}" type="slidenum">
-              <a:rPr lang="en-US" smtClean="0"/>
-              <a:t>3</a:t>
-            </a:fld>
-            <a:endParaRPr lang="en-US" dirty="0"/>
-          </a:p>
-        </p:txBody>
-      </p:sp>
-    </p:spTree>
-    <p:extLst>
-      <p:ext uri="{BB962C8B-B14F-4D97-AF65-F5344CB8AC3E}">
-        <p14:creationId xmlns:p14="http://schemas.microsoft.com/office/powerpoint/2010/main" val="2667693664"/>
+        <p14:creationId xmlns:p14="http://schemas.microsoft.com/office/powerpoint/2010/main" val="4130590090"/>
       </p:ext>
     </p:extLst>
   </p:cSld>
@@ -17576,7 +17458,7 @@
         <p:cNvPr id="1" name="">
           <a:extLst>
             <a:ext uri="{FF2B5EF4-FFF2-40B4-BE49-F238E27FC236}">
-              <a16:creationId xmlns:a16="http://schemas.microsoft.com/office/drawing/2014/main" id="{60CF00C9-5403-847F-979F-2F86C8299159}"/>
+              <a16:creationId xmlns:a16="http://schemas.microsoft.com/office/drawing/2014/main" id="{3677D3F2-EB5A-D2A8-2F76-9E002FEFC2FD}"/>
             </a:ext>
           </a:extLst>
         </p:cNvPr>
@@ -17596,7 +17478,7 @@
           <p:cNvPr id="17" name="Rectangle: Rounded Corners 16">
             <a:extLst>
               <a:ext uri="{FF2B5EF4-FFF2-40B4-BE49-F238E27FC236}">
-                <a16:creationId xmlns:a16="http://schemas.microsoft.com/office/drawing/2014/main" id="{5A6F5DE3-467D-6E9C-C44A-6967C146875B}"/>
+                <a16:creationId xmlns:a16="http://schemas.microsoft.com/office/drawing/2014/main" id="{C5EC2113-F96B-5EB7-607B-5644E465C197}"/>
               </a:ext>
             </a:extLst>
           </p:cNvPr>
@@ -17652,7 +17534,7 @@
           <p:cNvPr id="19" name="Rectangle 18">
             <a:extLst>
               <a:ext uri="{FF2B5EF4-FFF2-40B4-BE49-F238E27FC236}">
-                <a16:creationId xmlns:a16="http://schemas.microsoft.com/office/drawing/2014/main" id="{76D006D2-1154-6426-6C46-29D30CE2562E}"/>
+                <a16:creationId xmlns:a16="http://schemas.microsoft.com/office/drawing/2014/main" id="{3E946416-FEC1-11D2-BB6B-0738B8BFA898}"/>
               </a:ext>
             </a:extLst>
           </p:cNvPr>
@@ -17709,7 +17591,7 @@
           <p:cNvPr id="20" name="Straight Connector 19">
             <a:extLst>
               <a:ext uri="{FF2B5EF4-FFF2-40B4-BE49-F238E27FC236}">
-                <a16:creationId xmlns:a16="http://schemas.microsoft.com/office/drawing/2014/main" id="{32001FFF-73F2-D4B8-F949-C0CE6F185221}"/>
+                <a16:creationId xmlns:a16="http://schemas.microsoft.com/office/drawing/2014/main" id="{D1B61E7E-0AD7-1AE1-199B-19A749E77852}"/>
               </a:ext>
             </a:extLst>
           </p:cNvPr>
@@ -17752,7 +17634,7 @@
           <p:cNvPr id="23" name="Rectangle 22">
             <a:extLst>
               <a:ext uri="{FF2B5EF4-FFF2-40B4-BE49-F238E27FC236}">
-                <a16:creationId xmlns:a16="http://schemas.microsoft.com/office/drawing/2014/main" id="{6391BD7A-BE5E-B485-8274-B01F4E98BE10}"/>
+                <a16:creationId xmlns:a16="http://schemas.microsoft.com/office/drawing/2014/main" id="{CB380851-9B00-963E-834C-7BBCB5312F0B}"/>
               </a:ext>
             </a:extLst>
           </p:cNvPr>
@@ -17809,7 +17691,7 @@
           <p:cNvPr id="25" name="Rectangle 24">
             <a:extLst>
               <a:ext uri="{FF2B5EF4-FFF2-40B4-BE49-F238E27FC236}">
-                <a16:creationId xmlns:a16="http://schemas.microsoft.com/office/drawing/2014/main" id="{4DBC32F2-1CB0-F715-1F2F-F50E43CC9213}"/>
+                <a16:creationId xmlns:a16="http://schemas.microsoft.com/office/drawing/2014/main" id="{EF432A56-C412-7056-9A1D-987B1AB599D4}"/>
               </a:ext>
             </a:extLst>
           </p:cNvPr>
@@ -17868,7 +17750,7 @@
           <p:cNvPr id="26" name="Rectangle 25">
             <a:extLst>
               <a:ext uri="{FF2B5EF4-FFF2-40B4-BE49-F238E27FC236}">
-                <a16:creationId xmlns:a16="http://schemas.microsoft.com/office/drawing/2014/main" id="{7B38A46C-A2A3-8C89-C920-B2273213F41A}"/>
+                <a16:creationId xmlns:a16="http://schemas.microsoft.com/office/drawing/2014/main" id="{32BA5A53-549F-4EA7-5CFC-AB73908D57C9}"/>
               </a:ext>
             </a:extLst>
           </p:cNvPr>
@@ -17925,7 +17807,7 @@
           <p:cNvPr id="28" name="Straight Connector 27">
             <a:extLst>
               <a:ext uri="{FF2B5EF4-FFF2-40B4-BE49-F238E27FC236}">
-                <a16:creationId xmlns:a16="http://schemas.microsoft.com/office/drawing/2014/main" id="{C7E26ED8-3C68-D6C9-0807-78E452D85865}"/>
+                <a16:creationId xmlns:a16="http://schemas.microsoft.com/office/drawing/2014/main" id="{C434C924-054B-5362-B97C-DB3558BC2E03}"/>
               </a:ext>
             </a:extLst>
           </p:cNvPr>
@@ -17968,7 +17850,7 @@
           <p:cNvPr id="32" name="Rectangle 31">
             <a:extLst>
               <a:ext uri="{FF2B5EF4-FFF2-40B4-BE49-F238E27FC236}">
-                <a16:creationId xmlns:a16="http://schemas.microsoft.com/office/drawing/2014/main" id="{0BC02A8B-0C55-8904-F3B6-BE1B70EE765D}"/>
+                <a16:creationId xmlns:a16="http://schemas.microsoft.com/office/drawing/2014/main" id="{08353DD4-65F0-847F-917D-E87D658BC533}"/>
               </a:ext>
             </a:extLst>
           </p:cNvPr>
@@ -18025,7 +17907,7 @@
           <p:cNvPr id="33" name="Rectangle 32">
             <a:extLst>
               <a:ext uri="{FF2B5EF4-FFF2-40B4-BE49-F238E27FC236}">
-                <a16:creationId xmlns:a16="http://schemas.microsoft.com/office/drawing/2014/main" id="{EAB01DD2-4629-013E-DF0D-7161857993C9}"/>
+                <a16:creationId xmlns:a16="http://schemas.microsoft.com/office/drawing/2014/main" id="{9E2C7EA5-1EFB-EDE7-150F-235AF899C484}"/>
               </a:ext>
             </a:extLst>
           </p:cNvPr>
@@ -18097,7 +17979,7 @@
           <p:cNvPr id="34" name="Straight Arrow Connector 33">
             <a:extLst>
               <a:ext uri="{FF2B5EF4-FFF2-40B4-BE49-F238E27FC236}">
-                <a16:creationId xmlns:a16="http://schemas.microsoft.com/office/drawing/2014/main" id="{C8A5E9C3-4064-3B01-F1EC-7B226680D7DF}"/>
+                <a16:creationId xmlns:a16="http://schemas.microsoft.com/office/drawing/2014/main" id="{C9CD7D7D-333C-6A03-CE45-55677DEBD36A}"/>
               </a:ext>
             </a:extLst>
           </p:cNvPr>
@@ -18141,7 +18023,7 @@
           <p:cNvPr id="35" name="Rectangle 34">
             <a:extLst>
               <a:ext uri="{FF2B5EF4-FFF2-40B4-BE49-F238E27FC236}">
-                <a16:creationId xmlns:a16="http://schemas.microsoft.com/office/drawing/2014/main" id="{DC2BD5F1-C8B7-8909-DA74-E84AEB3F3A40}"/>
+                <a16:creationId xmlns:a16="http://schemas.microsoft.com/office/drawing/2014/main" id="{C4C602AB-1AF6-B84F-1930-264473A1F90A}"/>
               </a:ext>
             </a:extLst>
           </p:cNvPr>
@@ -18198,7 +18080,7 @@
           <p:cNvPr id="36" name="Straight Connector 35">
             <a:extLst>
               <a:ext uri="{FF2B5EF4-FFF2-40B4-BE49-F238E27FC236}">
-                <a16:creationId xmlns:a16="http://schemas.microsoft.com/office/drawing/2014/main" id="{1485DD90-A585-185C-CAA2-B85A2802D5DF}"/>
+                <a16:creationId xmlns:a16="http://schemas.microsoft.com/office/drawing/2014/main" id="{3932EFED-510E-21DD-7A48-D3E80943B43E}"/>
               </a:ext>
             </a:extLst>
           </p:cNvPr>
@@ -18241,7 +18123,7 @@
           <p:cNvPr id="37" name="Rectangle 36">
             <a:extLst>
               <a:ext uri="{FF2B5EF4-FFF2-40B4-BE49-F238E27FC236}">
-                <a16:creationId xmlns:a16="http://schemas.microsoft.com/office/drawing/2014/main" id="{80385562-4BFC-19F9-905D-6031EA964D6A}"/>
+                <a16:creationId xmlns:a16="http://schemas.microsoft.com/office/drawing/2014/main" id="{FF9CFC41-6878-2A34-B726-3D3374E12D25}"/>
               </a:ext>
             </a:extLst>
           </p:cNvPr>
@@ -18298,7 +18180,7 @@
           <p:cNvPr id="38" name="Straight Arrow Connector 37">
             <a:extLst>
               <a:ext uri="{FF2B5EF4-FFF2-40B4-BE49-F238E27FC236}">
-                <a16:creationId xmlns:a16="http://schemas.microsoft.com/office/drawing/2014/main" id="{FBCEAEA7-E3E6-9644-74D2-320BC9782AB9}"/>
+                <a16:creationId xmlns:a16="http://schemas.microsoft.com/office/drawing/2014/main" id="{6AC1E94D-EE24-DACA-7133-8EB8C74052DC}"/>
               </a:ext>
             </a:extLst>
           </p:cNvPr>
@@ -18317,8 +18199,12 @@
           </a:prstGeom>
           <a:ln w="15875">
             <a:solidFill>
-              <a:schemeClr val="tx1"/>
+              <a:schemeClr val="accent1">
+                <a:lumMod val="75000"/>
+              </a:schemeClr>
             </a:solidFill>
+            <a:prstDash val="sysDash"/>
+            <a:headEnd type="triangle"/>
             <a:tailEnd type="triangle"/>
           </a:ln>
         </p:spPr>
@@ -18342,7 +18228,7 @@
           <p:cNvPr id="40" name="TextBox 39">
             <a:extLst>
               <a:ext uri="{FF2B5EF4-FFF2-40B4-BE49-F238E27FC236}">
-                <a16:creationId xmlns:a16="http://schemas.microsoft.com/office/drawing/2014/main" id="{70837D25-428A-3EEA-F1BF-8D460F9D4516}"/>
+                <a16:creationId xmlns:a16="http://schemas.microsoft.com/office/drawing/2014/main" id="{FF80A060-7DE6-9BE7-DCB2-C3C8754E983E}"/>
               </a:ext>
             </a:extLst>
           </p:cNvPr>
@@ -18417,7 +18303,7 @@
           <p:cNvPr id="42" name="Rectangle 41">
             <a:extLst>
               <a:ext uri="{FF2B5EF4-FFF2-40B4-BE49-F238E27FC236}">
-                <a16:creationId xmlns:a16="http://schemas.microsoft.com/office/drawing/2014/main" id="{F1DEE27B-B0DA-14F1-8E33-47BBD681D92B}"/>
+                <a16:creationId xmlns:a16="http://schemas.microsoft.com/office/drawing/2014/main" id="{2BEC2946-1B61-E509-C4D5-23F52C02D339}"/>
               </a:ext>
             </a:extLst>
           </p:cNvPr>
@@ -18489,7 +18375,7 @@
           <p:cNvPr id="43" name="TextBox 42">
             <a:extLst>
               <a:ext uri="{FF2B5EF4-FFF2-40B4-BE49-F238E27FC236}">
-                <a16:creationId xmlns:a16="http://schemas.microsoft.com/office/drawing/2014/main" id="{DF10D2CE-92C6-47B6-9AA8-FC75BAE8C333}"/>
+                <a16:creationId xmlns:a16="http://schemas.microsoft.com/office/drawing/2014/main" id="{EDB27ACB-881D-459A-D2A8-65E21803E34A}"/>
               </a:ext>
             </a:extLst>
           </p:cNvPr>
@@ -18517,7 +18403,7 @@
               <a:rPr lang="en-US" sz="1200" b="1" dirty="0">
                 <a:cs typeface="Calibri" panose="020F0502020204030204" pitchFamily="34" charset="0"/>
               </a:rPr>
-              <a:t>DTR Sequence Diagram</a:t>
+              <a:t>DTR Sequence Overview Diagram</a:t>
             </a:r>
           </a:p>
         </p:txBody>
@@ -18527,7 +18413,7 @@
           <p:cNvPr id="4" name="TextBox 3">
             <a:extLst>
               <a:ext uri="{FF2B5EF4-FFF2-40B4-BE49-F238E27FC236}">
-                <a16:creationId xmlns:a16="http://schemas.microsoft.com/office/drawing/2014/main" id="{D2E9DC32-5B05-5915-58F8-31B95B3EA32A}"/>
+                <a16:creationId xmlns:a16="http://schemas.microsoft.com/office/drawing/2014/main" id="{F8119878-AEA6-BE40-ABAA-5162E644E0D8}"/>
               </a:ext>
             </a:extLst>
           </p:cNvPr>
@@ -18571,7 +18457,7 @@
           <p:cNvPr id="9" name="Straight Arrow Connector 8">
             <a:extLst>
               <a:ext uri="{FF2B5EF4-FFF2-40B4-BE49-F238E27FC236}">
-                <a16:creationId xmlns:a16="http://schemas.microsoft.com/office/drawing/2014/main" id="{AD6647AC-A694-96E4-FBC1-E7726CB32E64}"/>
+                <a16:creationId xmlns:a16="http://schemas.microsoft.com/office/drawing/2014/main" id="{D60F97B7-EBB2-F5AA-6687-6ED6349F7B37}"/>
               </a:ext>
             </a:extLst>
           </p:cNvPr>
@@ -18619,7 +18505,7 @@
           <p:cNvPr id="10" name="TextBox 9">
             <a:extLst>
               <a:ext uri="{FF2B5EF4-FFF2-40B4-BE49-F238E27FC236}">
-                <a16:creationId xmlns:a16="http://schemas.microsoft.com/office/drawing/2014/main" id="{C9753410-BD7D-4F5A-23EF-9FCA09B66E40}"/>
+                <a16:creationId xmlns:a16="http://schemas.microsoft.com/office/drawing/2014/main" id="{4F1BBF7E-C488-7AAD-F6E7-A16199EA4C39}"/>
               </a:ext>
             </a:extLst>
           </p:cNvPr>
@@ -18663,7 +18549,7 @@
           <p:cNvPr id="12" name="TextBox 11">
             <a:extLst>
               <a:ext uri="{FF2B5EF4-FFF2-40B4-BE49-F238E27FC236}">
-                <a16:creationId xmlns:a16="http://schemas.microsoft.com/office/drawing/2014/main" id="{2B7A3296-9CE9-6C2E-1714-0F826D98225A}"/>
+                <a16:creationId xmlns:a16="http://schemas.microsoft.com/office/drawing/2014/main" id="{817D535C-62F2-F00C-6DC6-D70A436DF70F}"/>
               </a:ext>
             </a:extLst>
           </p:cNvPr>
@@ -18709,7 +18595,7 @@
           <p:cNvPr id="13" name="Straight Arrow Connector 12">
             <a:extLst>
               <a:ext uri="{FF2B5EF4-FFF2-40B4-BE49-F238E27FC236}">
-                <a16:creationId xmlns:a16="http://schemas.microsoft.com/office/drawing/2014/main" id="{6FA7AE58-91F2-BEBC-32CE-F4FE0ADEC256}"/>
+                <a16:creationId xmlns:a16="http://schemas.microsoft.com/office/drawing/2014/main" id="{EC2682B9-4837-AAB8-F649-0E4891F108D0}"/>
               </a:ext>
             </a:extLst>
           </p:cNvPr>
@@ -18757,7 +18643,7 @@
           <p:cNvPr id="11" name="Straight Arrow Connector 10">
             <a:extLst>
               <a:ext uri="{FF2B5EF4-FFF2-40B4-BE49-F238E27FC236}">
-                <a16:creationId xmlns:a16="http://schemas.microsoft.com/office/drawing/2014/main" id="{22D3A5EB-D458-CFCC-DAEE-BCD016AF2F41}"/>
+                <a16:creationId xmlns:a16="http://schemas.microsoft.com/office/drawing/2014/main" id="{2BC9958C-9E06-A340-E96A-06771CB4D504}"/>
               </a:ext>
             </a:extLst>
           </p:cNvPr>
@@ -18805,7 +18691,7 @@
           <p:cNvPr id="14" name="Oval 13">
             <a:extLst>
               <a:ext uri="{FF2B5EF4-FFF2-40B4-BE49-F238E27FC236}">
-                <a16:creationId xmlns:a16="http://schemas.microsoft.com/office/drawing/2014/main" id="{0CD1C7AC-DE12-2138-23EC-4A921C577B26}"/>
+                <a16:creationId xmlns:a16="http://schemas.microsoft.com/office/drawing/2014/main" id="{B93FD468-253D-2181-001D-FE12B1C149BA}"/>
               </a:ext>
             </a:extLst>
           </p:cNvPr>
@@ -18859,7 +18745,7 @@
           <p:cNvPr id="3" name="Straight Arrow Connector 2">
             <a:extLst>
               <a:ext uri="{FF2B5EF4-FFF2-40B4-BE49-F238E27FC236}">
-                <a16:creationId xmlns:a16="http://schemas.microsoft.com/office/drawing/2014/main" id="{2A127B4B-BA32-0896-241A-48454C8F6CA6}"/>
+                <a16:creationId xmlns:a16="http://schemas.microsoft.com/office/drawing/2014/main" id="{6B762A5F-C963-7EE2-A832-B9987DD21A7F}"/>
               </a:ext>
             </a:extLst>
           </p:cNvPr>
@@ -18904,7 +18790,7 @@
           <p:cNvPr id="5" name="TextBox 4">
             <a:extLst>
               <a:ext uri="{FF2B5EF4-FFF2-40B4-BE49-F238E27FC236}">
-                <a16:creationId xmlns:a16="http://schemas.microsoft.com/office/drawing/2014/main" id="{A0D44603-1B22-C89F-90AF-87ABB2073A38}"/>
+                <a16:creationId xmlns:a16="http://schemas.microsoft.com/office/drawing/2014/main" id="{B5F40A32-4219-9C51-C2D5-E1D6DF5A1768}"/>
               </a:ext>
             </a:extLst>
           </p:cNvPr>
@@ -18948,7 +18834,7 @@
           <p:cNvPr id="6" name="Rectangle 5">
             <a:extLst>
               <a:ext uri="{FF2B5EF4-FFF2-40B4-BE49-F238E27FC236}">
-                <a16:creationId xmlns:a16="http://schemas.microsoft.com/office/drawing/2014/main" id="{B5732CBF-00A5-8044-53B2-6C951F4EF47F}"/>
+                <a16:creationId xmlns:a16="http://schemas.microsoft.com/office/drawing/2014/main" id="{88A6D2EE-F2C0-CC52-5914-7155C4FD7579}"/>
               </a:ext>
             </a:extLst>
           </p:cNvPr>
@@ -19007,1899 +18893,7 @@
           <p:cNvPr id="7" name="Straight Arrow Connector 6">
             <a:extLst>
               <a:ext uri="{FF2B5EF4-FFF2-40B4-BE49-F238E27FC236}">
-                <a16:creationId xmlns:a16="http://schemas.microsoft.com/office/drawing/2014/main" id="{A7EEDCD5-6D68-CAF3-FE70-1367A905593B}"/>
-              </a:ext>
-            </a:extLst>
-          </p:cNvPr>
-          <p:cNvCxnSpPr>
-            <a:cxnSpLocks/>
-          </p:cNvCxnSpPr>
-          <p:nvPr/>
-        </p:nvCxnSpPr>
-        <p:spPr>
-          <a:xfrm flipH="1">
-            <a:off x="4002818" y="4008374"/>
-            <a:ext cx="2505312" cy="0"/>
-          </a:xfrm>
-          <a:prstGeom prst="straightConnector1">
-            <a:avLst/>
-          </a:prstGeom>
-          <a:ln w="15875">
-            <a:solidFill>
-              <a:schemeClr val="tx1"/>
-            </a:solidFill>
-            <a:prstDash val="sysDash"/>
-            <a:headEnd type="stealth"/>
-            <a:tailEnd type="stealth"/>
-          </a:ln>
-        </p:spPr>
-        <p:style>
-          <a:lnRef idx="1">
-            <a:schemeClr val="accent1"/>
-          </a:lnRef>
-          <a:fillRef idx="0">
-            <a:schemeClr val="accent1"/>
-          </a:fillRef>
-          <a:effectRef idx="0">
-            <a:schemeClr val="accent1"/>
-          </a:effectRef>
-          <a:fontRef idx="minor">
-            <a:schemeClr val="tx1"/>
-          </a:fontRef>
-        </p:style>
-      </p:cxnSp>
-      <p:sp>
-        <p:nvSpPr>
-          <p:cNvPr id="8" name="TextBox 7">
-            <a:extLst>
-              <a:ext uri="{FF2B5EF4-FFF2-40B4-BE49-F238E27FC236}">
-                <a16:creationId xmlns:a16="http://schemas.microsoft.com/office/drawing/2014/main" id="{9ACBEB1D-E578-0F47-D9CF-A9508F7F26BE}"/>
-              </a:ext>
-            </a:extLst>
-          </p:cNvPr>
-          <p:cNvSpPr txBox="1"/>
-          <p:nvPr/>
-        </p:nvSpPr>
-        <p:spPr>
-          <a:xfrm>
-            <a:off x="6506095" y="5391700"/>
-            <a:ext cx="2505283" cy="161583"/>
-          </a:xfrm>
-          <a:prstGeom prst="rect">
-            <a:avLst/>
-          </a:prstGeom>
-          <a:noFill/>
-        </p:spPr>
-        <p:txBody>
-          <a:bodyPr wrap="square" lIns="0" tIns="0" rIns="0" bIns="0" rtlCol="0">
-            <a:spAutoFit/>
-          </a:bodyPr>
-          <a:lstStyle/>
-          <a:p>
-            <a:pPr algn="ctr"/>
-            <a:r>
-              <a:rPr lang="en-US" sz="1050" dirty="0">
-                <a:solidFill>
-                  <a:srgbClr val="533F05"/>
-                </a:solidFill>
-                <a:latin typeface="Consolas" panose="020B0609020204030204" pitchFamily="49" charset="0"/>
-                <a:cs typeface="Calibri" panose="020F0502020204030204" pitchFamily="34" charset="0"/>
-              </a:rPr>
-              <a:t>$next-question</a:t>
-            </a:r>
-            <a:r>
-              <a:rPr lang="en-US" sz="1050" dirty="0">
-                <a:solidFill>
-                  <a:schemeClr val="accent1">
-                    <a:lumMod val="50000"/>
-                  </a:schemeClr>
-                </a:solidFill>
-                <a:latin typeface="Consolas" panose="020B0609020204030204" pitchFamily="49" charset="0"/>
-                <a:cs typeface="Calibri" panose="020F0502020204030204" pitchFamily="34" charset="0"/>
-              </a:rPr>
-              <a:t> </a:t>
-            </a:r>
-            <a:r>
-              <a:rPr lang="en-US" sz="1050" dirty="0">
-                <a:solidFill>
-                  <a:schemeClr val="accent1">
-                    <a:lumMod val="50000"/>
-                  </a:schemeClr>
-                </a:solidFill>
-                <a:latin typeface="Calibri" panose="020F0502020204030204" pitchFamily="34" charset="0"/>
-                <a:cs typeface="Calibri" panose="020F0502020204030204" pitchFamily="34" charset="0"/>
-              </a:rPr>
-              <a:t>Operation</a:t>
-            </a:r>
-            <a:endParaRPr lang="en-US" sz="1000" dirty="0">
-              <a:solidFill>
-                <a:schemeClr val="accent1">
-                  <a:lumMod val="50000"/>
-                </a:schemeClr>
-              </a:solidFill>
-              <a:latin typeface="Calibri" panose="020F0502020204030204" pitchFamily="34" charset="0"/>
-              <a:cs typeface="Calibri" panose="020F0502020204030204" pitchFamily="34" charset="0"/>
-            </a:endParaRPr>
-          </a:p>
-        </p:txBody>
-      </p:sp>
-      <p:sp>
-        <p:nvSpPr>
-          <p:cNvPr id="15" name="TextBox 14">
-            <a:extLst>
-              <a:ext uri="{FF2B5EF4-FFF2-40B4-BE49-F238E27FC236}">
-                <a16:creationId xmlns:a16="http://schemas.microsoft.com/office/drawing/2014/main" id="{F712FF32-EF4C-FC2A-40ED-45A1BEAA1500}"/>
-              </a:ext>
-            </a:extLst>
-          </p:cNvPr>
-          <p:cNvSpPr txBox="1"/>
-          <p:nvPr/>
-        </p:nvSpPr>
-        <p:spPr>
-          <a:xfrm>
-            <a:off x="7012407" y="5240529"/>
-            <a:ext cx="1492658" cy="153888"/>
-          </a:xfrm>
-          <a:prstGeom prst="rect">
-            <a:avLst/>
-          </a:prstGeom>
-          <a:noFill/>
-        </p:spPr>
-        <p:txBody>
-          <a:bodyPr wrap="square" lIns="0" tIns="0" rIns="0" bIns="0" rtlCol="0">
-            <a:spAutoFit/>
-          </a:bodyPr>
-          <a:lstStyle/>
-          <a:p>
-            <a:pPr algn="ctr"/>
-            <a:r>
-              <a:rPr lang="en-US" sz="1000" i="1" dirty="0">
-                <a:latin typeface="Calibri" panose="020F0502020204030204" pitchFamily="34" charset="0"/>
-                <a:cs typeface="Calibri" panose="020F0502020204030204" pitchFamily="34" charset="0"/>
-              </a:rPr>
-              <a:t>(Adaptive Questionnaire)</a:t>
-            </a:r>
-          </a:p>
-        </p:txBody>
-      </p:sp>
-      <p:sp>
-        <p:nvSpPr>
-          <p:cNvPr id="22" name="Rectangle 21">
-            <a:extLst>
-              <a:ext uri="{FF2B5EF4-FFF2-40B4-BE49-F238E27FC236}">
-                <a16:creationId xmlns:a16="http://schemas.microsoft.com/office/drawing/2014/main" id="{DDD914BB-69ED-4A2C-F275-4704962EF083}"/>
-              </a:ext>
-            </a:extLst>
-          </p:cNvPr>
-          <p:cNvSpPr/>
-          <p:nvPr/>
-        </p:nvSpPr>
-        <p:spPr>
-          <a:xfrm>
-            <a:off x="8892816" y="3636202"/>
-            <a:ext cx="258250" cy="1924775"/>
-          </a:xfrm>
-          <a:prstGeom prst="rect">
-            <a:avLst/>
-          </a:prstGeom>
-          <a:solidFill>
-            <a:schemeClr val="bg1"/>
-          </a:solidFill>
-          <a:ln>
-            <a:noFill/>
-          </a:ln>
-        </p:spPr>
-        <p:style>
-          <a:lnRef idx="2">
-            <a:schemeClr val="accent1">
-              <a:shade val="15000"/>
-            </a:schemeClr>
-          </a:lnRef>
-          <a:fillRef idx="1">
-            <a:schemeClr val="accent1"/>
-          </a:fillRef>
-          <a:effectRef idx="0">
-            <a:schemeClr val="accent1"/>
-          </a:effectRef>
-          <a:fontRef idx="minor">
-            <a:schemeClr val="lt1"/>
-          </a:fontRef>
-        </p:style>
-        <p:txBody>
-          <a:bodyPr rtlCol="0" anchor="ctr"/>
-          <a:lstStyle/>
-          <a:p>
-            <a:pPr algn="ctr"/>
-            <a:endParaRPr lang="en-US"/>
-          </a:p>
-        </p:txBody>
-      </p:sp>
-      <p:cxnSp>
-        <p:nvCxnSpPr>
-          <p:cNvPr id="16" name="Straight Arrow Connector 15">
-            <a:extLst>
-              <a:ext uri="{FF2B5EF4-FFF2-40B4-BE49-F238E27FC236}">
-                <a16:creationId xmlns:a16="http://schemas.microsoft.com/office/drawing/2014/main" id="{BC997852-4855-4160-E468-8E2F1028E239}"/>
-              </a:ext>
-            </a:extLst>
-          </p:cNvPr>
-          <p:cNvCxnSpPr>
-            <a:cxnSpLocks/>
-          </p:cNvCxnSpPr>
-          <p:nvPr/>
-        </p:nvCxnSpPr>
-        <p:spPr>
-          <a:xfrm flipH="1">
-            <a:off x="6506066" y="5577794"/>
-            <a:ext cx="2505312" cy="0"/>
-          </a:xfrm>
-          <a:prstGeom prst="straightConnector1">
-            <a:avLst/>
-          </a:prstGeom>
-          <a:ln w="15875">
-            <a:solidFill>
-              <a:schemeClr val="accent6">
-                <a:lumMod val="50000"/>
-              </a:schemeClr>
-            </a:solidFill>
-            <a:prstDash val="sysDash"/>
-            <a:headEnd type="triangle"/>
-            <a:tailEnd type="none"/>
-          </a:ln>
-        </p:spPr>
-        <p:style>
-          <a:lnRef idx="1">
-            <a:schemeClr val="accent1"/>
-          </a:lnRef>
-          <a:fillRef idx="0">
-            <a:schemeClr val="accent1"/>
-          </a:fillRef>
-          <a:effectRef idx="0">
-            <a:schemeClr val="accent1"/>
-          </a:effectRef>
-          <a:fontRef idx="minor">
-            <a:schemeClr val="tx1"/>
-          </a:fontRef>
-        </p:style>
-      </p:cxnSp>
-      <p:cxnSp>
-        <p:nvCxnSpPr>
-          <p:cNvPr id="18" name="Straight Arrow Connector 17">
-            <a:extLst>
-              <a:ext uri="{FF2B5EF4-FFF2-40B4-BE49-F238E27FC236}">
-                <a16:creationId xmlns:a16="http://schemas.microsoft.com/office/drawing/2014/main" id="{4E4A51CE-35FA-9024-3D1E-C4DDB5184CF1}"/>
-              </a:ext>
-            </a:extLst>
-          </p:cNvPr>
-          <p:cNvCxnSpPr>
-            <a:cxnSpLocks/>
-          </p:cNvCxnSpPr>
-          <p:nvPr/>
-        </p:nvCxnSpPr>
-        <p:spPr>
-          <a:xfrm>
-            <a:off x="9011318" y="3632808"/>
-            <a:ext cx="1570" cy="1928169"/>
-          </a:xfrm>
-          <a:prstGeom prst="straightConnector1">
-            <a:avLst/>
-          </a:prstGeom>
-          <a:ln w="15875">
-            <a:solidFill>
-              <a:schemeClr val="accent6">
-                <a:lumMod val="50000"/>
-              </a:schemeClr>
-            </a:solidFill>
-            <a:prstDash val="sysDash"/>
-            <a:headEnd type="triangle"/>
-            <a:tailEnd type="none"/>
-          </a:ln>
-        </p:spPr>
-        <p:style>
-          <a:lnRef idx="1">
-            <a:schemeClr val="accent1"/>
-          </a:lnRef>
-          <a:fillRef idx="0">
-            <a:schemeClr val="accent1"/>
-          </a:fillRef>
-          <a:effectRef idx="0">
-            <a:schemeClr val="accent1"/>
-          </a:effectRef>
-          <a:fontRef idx="minor">
-            <a:schemeClr val="tx1"/>
-          </a:fontRef>
-        </p:style>
-      </p:cxnSp>
-      <p:cxnSp>
-        <p:nvCxnSpPr>
-          <p:cNvPr id="39" name="Straight Arrow Connector 38">
-            <a:extLst>
-              <a:ext uri="{FF2B5EF4-FFF2-40B4-BE49-F238E27FC236}">
-                <a16:creationId xmlns:a16="http://schemas.microsoft.com/office/drawing/2014/main" id="{5B5F0632-63CD-A147-6D9F-2EE1CC9B93CE}"/>
-              </a:ext>
-            </a:extLst>
-          </p:cNvPr>
-          <p:cNvCxnSpPr>
-            <a:cxnSpLocks/>
-          </p:cNvCxnSpPr>
-          <p:nvPr/>
-        </p:nvCxnSpPr>
-        <p:spPr>
-          <a:xfrm flipH="1">
-            <a:off x="6515817" y="3650914"/>
-            <a:ext cx="2505312" cy="0"/>
-          </a:xfrm>
-          <a:prstGeom prst="straightConnector1">
-            <a:avLst/>
-          </a:prstGeom>
-          <a:ln w="15875">
-            <a:solidFill>
-              <a:schemeClr val="accent6">
-                <a:lumMod val="50000"/>
-              </a:schemeClr>
-            </a:solidFill>
-            <a:prstDash val="sysDash"/>
-            <a:tailEnd type="triangle"/>
-          </a:ln>
-        </p:spPr>
-        <p:style>
-          <a:lnRef idx="1">
-            <a:schemeClr val="accent1"/>
-          </a:lnRef>
-          <a:fillRef idx="0">
-            <a:schemeClr val="accent1"/>
-          </a:fillRef>
-          <a:effectRef idx="0">
-            <a:schemeClr val="accent1"/>
-          </a:effectRef>
-          <a:fontRef idx="minor">
-            <a:schemeClr val="tx1"/>
-          </a:fontRef>
-        </p:style>
-      </p:cxnSp>
-      <p:sp>
-        <p:nvSpPr>
-          <p:cNvPr id="2" name="TextBox 1">
-            <a:extLst>
-              <a:ext uri="{FF2B5EF4-FFF2-40B4-BE49-F238E27FC236}">
-                <a16:creationId xmlns:a16="http://schemas.microsoft.com/office/drawing/2014/main" id="{3B1C4166-7C94-13BC-5D5E-5154C2BE0792}"/>
-              </a:ext>
-            </a:extLst>
-          </p:cNvPr>
-          <p:cNvSpPr txBox="1"/>
-          <p:nvPr/>
-        </p:nvSpPr>
-        <p:spPr>
-          <a:xfrm>
-            <a:off x="6712183" y="3301324"/>
-            <a:ext cx="2105885" cy="153888"/>
-          </a:xfrm>
-          <a:prstGeom prst="rect">
-            <a:avLst/>
-          </a:prstGeom>
-          <a:noFill/>
-        </p:spPr>
-        <p:txBody>
-          <a:bodyPr wrap="square" lIns="0" tIns="0" rIns="0" bIns="0" rtlCol="0">
-            <a:spAutoFit/>
-          </a:bodyPr>
-          <a:lstStyle/>
-          <a:p>
-            <a:pPr algn="ctr"/>
-            <a:r>
-              <a:rPr lang="en-US" sz="1000" i="1" dirty="0">
-                <a:latin typeface="Calibri" panose="020F0502020204030204" pitchFamily="34" charset="0"/>
-                <a:cs typeface="Calibri" panose="020F0502020204030204" pitchFamily="34" charset="0"/>
-              </a:rPr>
-              <a:t>(Returns “Questionnaire Package”)</a:t>
-            </a:r>
-          </a:p>
-        </p:txBody>
-      </p:sp>
-      <p:sp>
-        <p:nvSpPr>
-          <p:cNvPr id="24" name="TextBox 23">
-            <a:extLst>
-              <a:ext uri="{FF2B5EF4-FFF2-40B4-BE49-F238E27FC236}">
-                <a16:creationId xmlns:a16="http://schemas.microsoft.com/office/drawing/2014/main" id="{CE3A7100-D233-A944-7479-E4BF14067A51}"/>
-              </a:ext>
-            </a:extLst>
-          </p:cNvPr>
-          <p:cNvSpPr txBox="1"/>
-          <p:nvPr/>
-        </p:nvSpPr>
-        <p:spPr>
-          <a:xfrm>
-            <a:off x="6711696" y="3671499"/>
-            <a:ext cx="2105885" cy="153888"/>
-          </a:xfrm>
-          <a:prstGeom prst="rect">
-            <a:avLst/>
-          </a:prstGeom>
-          <a:noFill/>
-        </p:spPr>
-        <p:txBody>
-          <a:bodyPr wrap="square" lIns="0" tIns="0" rIns="0" bIns="0" rtlCol="0">
-            <a:spAutoFit/>
-          </a:bodyPr>
-          <a:lstStyle/>
-          <a:p>
-            <a:pPr algn="ctr"/>
-            <a:r>
-              <a:rPr lang="en-US" sz="1000" i="1" dirty="0">
-                <a:latin typeface="Calibri" panose="020F0502020204030204" pitchFamily="34" charset="0"/>
-                <a:cs typeface="Calibri" panose="020F0502020204030204" pitchFamily="34" charset="0"/>
-              </a:rPr>
-              <a:t>(Returns QuestionnaireResponse)</a:t>
-            </a:r>
-          </a:p>
-        </p:txBody>
-      </p:sp>
-    </p:spTree>
-    <p:extLst>
-      <p:ext uri="{BB962C8B-B14F-4D97-AF65-F5344CB8AC3E}">
-        <p14:creationId xmlns:p14="http://schemas.microsoft.com/office/powerpoint/2010/main" val="546660023"/>
-      </p:ext>
-    </p:extLst>
-  </p:cSld>
-  <p:clrMapOvr>
-    <a:masterClrMapping/>
-  </p:clrMapOvr>
-</p:sld>
-</file>
-
-<file path=ppt/slides/slide3.xml><?xml version="1.0" encoding="utf-8"?>
-<p:sld xmlns:a="http://schemas.openxmlformats.org/drawingml/2006/main" xmlns:r="http://schemas.openxmlformats.org/officeDocument/2006/relationships" xmlns:p="http://schemas.openxmlformats.org/presentationml/2006/main" showMasterSp="0">
-  <p:cSld>
-    <p:bg>
-      <p:bgPr>
-        <a:solidFill>
-          <a:schemeClr val="bg1"/>
-        </a:solidFill>
-        <a:effectLst/>
-      </p:bgPr>
-    </p:bg>
-    <p:spTree>
-      <p:nvGrpSpPr>
-        <p:cNvPr id="1" name="">
-          <a:extLst>
-            <a:ext uri="{FF2B5EF4-FFF2-40B4-BE49-F238E27FC236}">
-              <a16:creationId xmlns:a16="http://schemas.microsoft.com/office/drawing/2014/main" id="{865B75F7-06E4-1AC2-9610-123AA3F6353C}"/>
-            </a:ext>
-          </a:extLst>
-        </p:cNvPr>
-        <p:cNvGrpSpPr/>
-        <p:nvPr/>
-      </p:nvGrpSpPr>
-      <p:grpSpPr>
-        <a:xfrm>
-          <a:off x="0" y="0"/>
-          <a:ext cx="0" cy="0"/>
-          <a:chOff x="0" y="0"/>
-          <a:chExt cx="0" cy="0"/>
-        </a:xfrm>
-      </p:grpSpPr>
-      <p:sp>
-        <p:nvSpPr>
-          <p:cNvPr id="17" name="Rectangle: Rounded Corners 16">
-            <a:extLst>
-              <a:ext uri="{FF2B5EF4-FFF2-40B4-BE49-F238E27FC236}">
-                <a16:creationId xmlns:a16="http://schemas.microsoft.com/office/drawing/2014/main" id="{3B553C01-1228-BC67-EC4F-6CFB9DE7D44C}"/>
-              </a:ext>
-            </a:extLst>
-          </p:cNvPr>
-          <p:cNvSpPr/>
-          <p:nvPr/>
-        </p:nvSpPr>
-        <p:spPr>
-          <a:xfrm>
-            <a:off x="2402186" y="572210"/>
-            <a:ext cx="7387628" cy="5910071"/>
-          </a:xfrm>
-          <a:prstGeom prst="roundRect">
-            <a:avLst>
-              <a:gd name="adj" fmla="val 9509"/>
-            </a:avLst>
-          </a:prstGeom>
-          <a:noFill/>
-          <a:ln w="19050">
-            <a:solidFill>
-              <a:schemeClr val="accent2">
-                <a:lumMod val="75000"/>
-              </a:schemeClr>
-            </a:solidFill>
-          </a:ln>
-        </p:spPr>
-        <p:style>
-          <a:lnRef idx="2">
-            <a:schemeClr val="accent1">
-              <a:shade val="15000"/>
-            </a:schemeClr>
-          </a:lnRef>
-          <a:fillRef idx="1">
-            <a:schemeClr val="accent1"/>
-          </a:fillRef>
-          <a:effectRef idx="0">
-            <a:schemeClr val="accent1"/>
-          </a:effectRef>
-          <a:fontRef idx="minor">
-            <a:schemeClr val="lt1"/>
-          </a:fontRef>
-        </p:style>
-        <p:txBody>
-          <a:bodyPr rtlCol="0" anchor="ctr"/>
-          <a:lstStyle/>
-          <a:p>
-            <a:pPr algn="ctr"/>
-            <a:endParaRPr lang="en-US"/>
-          </a:p>
-        </p:txBody>
-      </p:sp>
-      <p:sp>
-        <p:nvSpPr>
-          <p:cNvPr id="19" name="Rectangle 18">
-            <a:extLst>
-              <a:ext uri="{FF2B5EF4-FFF2-40B4-BE49-F238E27FC236}">
-                <a16:creationId xmlns:a16="http://schemas.microsoft.com/office/drawing/2014/main" id="{F11DCE2A-2A2C-79D3-BFEC-462E440A0A71}"/>
-              </a:ext>
-            </a:extLst>
-          </p:cNvPr>
-          <p:cNvSpPr/>
-          <p:nvPr/>
-        </p:nvSpPr>
-        <p:spPr>
-          <a:xfrm>
-            <a:off x="2753289" y="772252"/>
-            <a:ext cx="2512464" cy="273466"/>
-          </a:xfrm>
-          <a:prstGeom prst="rect">
-            <a:avLst/>
-          </a:prstGeom>
-          <a:solidFill>
-            <a:srgbClr val="FCF0D0"/>
-          </a:solidFill>
-          <a:ln w="12700"/>
-        </p:spPr>
-        <p:style>
-          <a:lnRef idx="2">
-            <a:schemeClr val="accent1">
-              <a:shade val="15000"/>
-            </a:schemeClr>
-          </a:lnRef>
-          <a:fillRef idx="1">
-            <a:schemeClr val="accent1"/>
-          </a:fillRef>
-          <a:effectRef idx="0">
-            <a:schemeClr val="accent1"/>
-          </a:effectRef>
-          <a:fontRef idx="minor">
-            <a:schemeClr val="lt1"/>
-          </a:fontRef>
-        </p:style>
-        <p:txBody>
-          <a:bodyPr rtlCol="0" anchor="ctr"/>
-          <a:lstStyle/>
-          <a:p>
-            <a:pPr algn="ctr"/>
-            <a:r>
-              <a:rPr lang="en-US" sz="1100" dirty="0">
-                <a:solidFill>
-                  <a:schemeClr val="tx1"/>
-                </a:solidFill>
-              </a:rPr>
-              <a:t>Provider EHR / Authorization Server</a:t>
-            </a:r>
-          </a:p>
-        </p:txBody>
-      </p:sp>
-      <p:cxnSp>
-        <p:nvCxnSpPr>
-          <p:cNvPr id="20" name="Straight Connector 19">
-            <a:extLst>
-              <a:ext uri="{FF2B5EF4-FFF2-40B4-BE49-F238E27FC236}">
-                <a16:creationId xmlns:a16="http://schemas.microsoft.com/office/drawing/2014/main" id="{2B244102-53F0-94AA-89B6-540F80B79136}"/>
-              </a:ext>
-            </a:extLst>
-          </p:cNvPr>
-          <p:cNvCxnSpPr>
-            <a:cxnSpLocks/>
-          </p:cNvCxnSpPr>
-          <p:nvPr/>
-        </p:nvCxnSpPr>
-        <p:spPr>
-          <a:xfrm>
-            <a:off x="4009521" y="1048259"/>
-            <a:ext cx="0" cy="4983480"/>
-          </a:xfrm>
-          <a:prstGeom prst="line">
-            <a:avLst/>
-          </a:prstGeom>
-          <a:ln w="15875">
-            <a:solidFill>
-              <a:schemeClr val="tx1"/>
-            </a:solidFill>
-          </a:ln>
-        </p:spPr>
-        <p:style>
-          <a:lnRef idx="1">
-            <a:schemeClr val="accent1"/>
-          </a:lnRef>
-          <a:fillRef idx="0">
-            <a:schemeClr val="accent1"/>
-          </a:fillRef>
-          <a:effectRef idx="0">
-            <a:schemeClr val="accent1"/>
-          </a:effectRef>
-          <a:fontRef idx="minor">
-            <a:schemeClr val="tx1"/>
-          </a:fontRef>
-        </p:style>
-      </p:cxnSp>
-      <p:sp>
-        <p:nvSpPr>
-          <p:cNvPr id="23" name="Rectangle 22">
-            <a:extLst>
-              <a:ext uri="{FF2B5EF4-FFF2-40B4-BE49-F238E27FC236}">
-                <a16:creationId xmlns:a16="http://schemas.microsoft.com/office/drawing/2014/main" id="{E75C9F8B-B965-E493-26DE-E7B344F7AA1B}"/>
-              </a:ext>
-            </a:extLst>
-          </p:cNvPr>
-          <p:cNvSpPr/>
-          <p:nvPr/>
-        </p:nvSpPr>
-        <p:spPr>
-          <a:xfrm>
-            <a:off x="2753289" y="6027690"/>
-            <a:ext cx="2512464" cy="273466"/>
-          </a:xfrm>
-          <a:prstGeom prst="rect">
-            <a:avLst/>
-          </a:prstGeom>
-          <a:solidFill>
-            <a:srgbClr val="FCF0D0"/>
-          </a:solidFill>
-          <a:ln w="12700"/>
-        </p:spPr>
-        <p:style>
-          <a:lnRef idx="2">
-            <a:schemeClr val="accent1">
-              <a:shade val="15000"/>
-            </a:schemeClr>
-          </a:lnRef>
-          <a:fillRef idx="1">
-            <a:schemeClr val="accent1"/>
-          </a:fillRef>
-          <a:effectRef idx="0">
-            <a:schemeClr val="accent1"/>
-          </a:effectRef>
-          <a:fontRef idx="minor">
-            <a:schemeClr val="lt1"/>
-          </a:fontRef>
-        </p:style>
-        <p:txBody>
-          <a:bodyPr rtlCol="0" anchor="ctr"/>
-          <a:lstStyle/>
-          <a:p>
-            <a:pPr algn="ctr"/>
-            <a:r>
-              <a:rPr lang="en-US" sz="1100" dirty="0">
-                <a:solidFill>
-                  <a:schemeClr val="tx1"/>
-                </a:solidFill>
-              </a:rPr>
-              <a:t>Provider EHR / Authorization Server</a:t>
-            </a:r>
-          </a:p>
-        </p:txBody>
-      </p:sp>
-      <p:sp>
-        <p:nvSpPr>
-          <p:cNvPr id="25" name="Rectangle 24">
-            <a:extLst>
-              <a:ext uri="{FF2B5EF4-FFF2-40B4-BE49-F238E27FC236}">
-                <a16:creationId xmlns:a16="http://schemas.microsoft.com/office/drawing/2014/main" id="{4B06A6B1-02F5-3BD0-D7FC-D38001566C95}"/>
-              </a:ext>
-            </a:extLst>
-          </p:cNvPr>
-          <p:cNvSpPr/>
-          <p:nvPr/>
-        </p:nvSpPr>
-        <p:spPr>
-          <a:xfrm>
-            <a:off x="3213050" y="2033416"/>
-            <a:ext cx="1757822" cy="304054"/>
-          </a:xfrm>
-          <a:prstGeom prst="rect">
-            <a:avLst/>
-          </a:prstGeom>
-          <a:solidFill>
-            <a:srgbClr val="EFF4F5"/>
-          </a:solidFill>
-          <a:ln w="12700"/>
-        </p:spPr>
-        <p:style>
-          <a:lnRef idx="2">
-            <a:schemeClr val="accent1">
-              <a:shade val="15000"/>
-            </a:schemeClr>
-          </a:lnRef>
-          <a:fillRef idx="1">
-            <a:schemeClr val="accent1"/>
-          </a:fillRef>
-          <a:effectRef idx="0">
-            <a:schemeClr val="accent1"/>
-          </a:effectRef>
-          <a:fontRef idx="minor">
-            <a:schemeClr val="lt1"/>
-          </a:fontRef>
-        </p:style>
-        <p:txBody>
-          <a:bodyPr rtlCol="0" anchor="ctr"/>
-          <a:lstStyle/>
-          <a:p>
-            <a:pPr algn="ctr"/>
-            <a:r>
-              <a:rPr lang="en-US" sz="1050" dirty="0">
-                <a:solidFill>
-                  <a:schemeClr val="tx1"/>
-                </a:solidFill>
-                <a:latin typeface="Calibri" panose="020F0502020204030204" pitchFamily="34" charset="0"/>
-                <a:cs typeface="Calibri" panose="020F0502020204030204" pitchFamily="34" charset="0"/>
-              </a:rPr>
-              <a:t>SMART / Native App Launch</a:t>
-            </a:r>
-          </a:p>
-        </p:txBody>
-      </p:sp>
-      <p:sp>
-        <p:nvSpPr>
-          <p:cNvPr id="26" name="Rectangle 25">
-            <a:extLst>
-              <a:ext uri="{FF2B5EF4-FFF2-40B4-BE49-F238E27FC236}">
-                <a16:creationId xmlns:a16="http://schemas.microsoft.com/office/drawing/2014/main" id="{84605127-E6CB-4967-77BA-427CD75DDCAF}"/>
-              </a:ext>
-            </a:extLst>
-          </p:cNvPr>
-          <p:cNvSpPr/>
-          <p:nvPr/>
-        </p:nvSpPr>
-        <p:spPr>
-          <a:xfrm>
-            <a:off x="6128713" y="772252"/>
-            <a:ext cx="784168" cy="273466"/>
-          </a:xfrm>
-          <a:prstGeom prst="rect">
-            <a:avLst/>
-          </a:prstGeom>
-          <a:solidFill>
-            <a:srgbClr val="FCF0D0"/>
-          </a:solidFill>
-          <a:ln w="12700"/>
-        </p:spPr>
-        <p:style>
-          <a:lnRef idx="2">
-            <a:schemeClr val="accent1">
-              <a:shade val="15000"/>
-            </a:schemeClr>
-          </a:lnRef>
-          <a:fillRef idx="1">
-            <a:schemeClr val="accent1"/>
-          </a:fillRef>
-          <a:effectRef idx="0">
-            <a:schemeClr val="accent1"/>
-          </a:effectRef>
-          <a:fontRef idx="minor">
-            <a:schemeClr val="lt1"/>
-          </a:fontRef>
-        </p:style>
-        <p:txBody>
-          <a:bodyPr rtlCol="0" anchor="ctr"/>
-          <a:lstStyle/>
-          <a:p>
-            <a:pPr algn="ctr"/>
-            <a:r>
-              <a:rPr lang="en-US" sz="1100" dirty="0">
-                <a:solidFill>
-                  <a:schemeClr val="tx1"/>
-                </a:solidFill>
-              </a:rPr>
-              <a:t>DTR App</a:t>
-            </a:r>
-          </a:p>
-        </p:txBody>
-      </p:sp>
-      <p:cxnSp>
-        <p:nvCxnSpPr>
-          <p:cNvPr id="28" name="Straight Connector 27">
-            <a:extLst>
-              <a:ext uri="{FF2B5EF4-FFF2-40B4-BE49-F238E27FC236}">
-                <a16:creationId xmlns:a16="http://schemas.microsoft.com/office/drawing/2014/main" id="{B8D3652B-6983-5969-6EDD-BA73F8B160A4}"/>
-              </a:ext>
-            </a:extLst>
-          </p:cNvPr>
-          <p:cNvCxnSpPr>
-            <a:cxnSpLocks/>
-          </p:cNvCxnSpPr>
-          <p:nvPr/>
-        </p:nvCxnSpPr>
-        <p:spPr>
-          <a:xfrm>
-            <a:off x="6513481" y="1048259"/>
-            <a:ext cx="0" cy="4983480"/>
-          </a:xfrm>
-          <a:prstGeom prst="line">
-            <a:avLst/>
-          </a:prstGeom>
-          <a:ln w="15875">
-            <a:solidFill>
-              <a:schemeClr val="tx1"/>
-            </a:solidFill>
-          </a:ln>
-        </p:spPr>
-        <p:style>
-          <a:lnRef idx="1">
-            <a:schemeClr val="accent1"/>
-          </a:lnRef>
-          <a:fillRef idx="0">
-            <a:schemeClr val="accent1"/>
-          </a:fillRef>
-          <a:effectRef idx="0">
-            <a:schemeClr val="accent1"/>
-          </a:effectRef>
-          <a:fontRef idx="minor">
-            <a:schemeClr val="tx1"/>
-          </a:fontRef>
-        </p:style>
-      </p:cxnSp>
-      <p:sp>
-        <p:nvSpPr>
-          <p:cNvPr id="32" name="Rectangle 31">
-            <a:extLst>
-              <a:ext uri="{FF2B5EF4-FFF2-40B4-BE49-F238E27FC236}">
-                <a16:creationId xmlns:a16="http://schemas.microsoft.com/office/drawing/2014/main" id="{DF7FB96D-44D6-18B6-20A5-8AE3C22BCB0F}"/>
-              </a:ext>
-            </a:extLst>
-          </p:cNvPr>
-          <p:cNvSpPr/>
-          <p:nvPr/>
-        </p:nvSpPr>
-        <p:spPr>
-          <a:xfrm>
-            <a:off x="6128713" y="6027690"/>
-            <a:ext cx="784168" cy="273466"/>
-          </a:xfrm>
-          <a:prstGeom prst="rect">
-            <a:avLst/>
-          </a:prstGeom>
-          <a:solidFill>
-            <a:srgbClr val="FCF0D0"/>
-          </a:solidFill>
-          <a:ln w="12700"/>
-        </p:spPr>
-        <p:style>
-          <a:lnRef idx="2">
-            <a:schemeClr val="accent1">
-              <a:shade val="15000"/>
-            </a:schemeClr>
-          </a:lnRef>
-          <a:fillRef idx="1">
-            <a:schemeClr val="accent1"/>
-          </a:fillRef>
-          <a:effectRef idx="0">
-            <a:schemeClr val="accent1"/>
-          </a:effectRef>
-          <a:fontRef idx="minor">
-            <a:schemeClr val="lt1"/>
-          </a:fontRef>
-        </p:style>
-        <p:txBody>
-          <a:bodyPr rtlCol="0" anchor="ctr"/>
-          <a:lstStyle/>
-          <a:p>
-            <a:pPr algn="ctr"/>
-            <a:r>
-              <a:rPr lang="en-US" sz="1100" dirty="0">
-                <a:solidFill>
-                  <a:schemeClr val="tx1"/>
-                </a:solidFill>
-              </a:rPr>
-              <a:t>DTR App</a:t>
-            </a:r>
-          </a:p>
-        </p:txBody>
-      </p:sp>
-      <p:sp>
-        <p:nvSpPr>
-          <p:cNvPr id="33" name="Rectangle 32">
-            <a:extLst>
-              <a:ext uri="{FF2B5EF4-FFF2-40B4-BE49-F238E27FC236}">
-                <a16:creationId xmlns:a16="http://schemas.microsoft.com/office/drawing/2014/main" id="{C2A65684-D539-B1FA-C0FB-CD621C233B8B}"/>
-              </a:ext>
-            </a:extLst>
-          </p:cNvPr>
-          <p:cNvSpPr/>
-          <p:nvPr/>
-        </p:nvSpPr>
-        <p:spPr>
-          <a:xfrm>
-            <a:off x="5417048" y="2630374"/>
-            <a:ext cx="2192866" cy="343074"/>
-          </a:xfrm>
-          <a:prstGeom prst="rect">
-            <a:avLst/>
-          </a:prstGeom>
-          <a:solidFill>
-            <a:srgbClr val="EFF4F5"/>
-          </a:solidFill>
-          <a:ln w="12700"/>
-        </p:spPr>
-        <p:style>
-          <a:lnRef idx="2">
-            <a:schemeClr val="accent1">
-              <a:shade val="15000"/>
-            </a:schemeClr>
-          </a:lnRef>
-          <a:fillRef idx="1">
-            <a:schemeClr val="accent1"/>
-          </a:fillRef>
-          <a:effectRef idx="0">
-            <a:schemeClr val="accent1"/>
-          </a:effectRef>
-          <a:fontRef idx="minor">
-            <a:schemeClr val="lt1"/>
-          </a:fontRef>
-        </p:style>
-        <p:txBody>
-          <a:bodyPr rtlCol="0" anchor="ctr"/>
-          <a:lstStyle/>
-          <a:p>
-            <a:pPr algn="ctr"/>
-            <a:r>
-              <a:rPr lang="en-US" sz="1050" dirty="0">
-                <a:solidFill>
-                  <a:schemeClr val="tx1"/>
-                </a:solidFill>
-                <a:latin typeface="Calibri" panose="020F0502020204030204" pitchFamily="34" charset="0"/>
-                <a:cs typeface="Calibri" panose="020F0502020204030204" pitchFamily="34" charset="0"/>
-              </a:rPr>
-              <a:t>DTR App Leverages</a:t>
-            </a:r>
-          </a:p>
-          <a:p>
-            <a:pPr algn="ctr"/>
-            <a:r>
-              <a:rPr lang="en-US" sz="1050" dirty="0">
-                <a:solidFill>
-                  <a:schemeClr val="tx1"/>
-                </a:solidFill>
-                <a:latin typeface="Calibri" panose="020F0502020204030204" pitchFamily="34" charset="0"/>
-                <a:cs typeface="Calibri" panose="020F0502020204030204" pitchFamily="34" charset="0"/>
-              </a:rPr>
-              <a:t>Pre-defined Payer Information</a:t>
-            </a:r>
-          </a:p>
-        </p:txBody>
-      </p:sp>
-      <p:cxnSp>
-        <p:nvCxnSpPr>
-          <p:cNvPr id="34" name="Straight Arrow Connector 33">
-            <a:extLst>
-              <a:ext uri="{FF2B5EF4-FFF2-40B4-BE49-F238E27FC236}">
-                <a16:creationId xmlns:a16="http://schemas.microsoft.com/office/drawing/2014/main" id="{0BF035D0-F961-9D52-2D6C-B3D6D3700728}"/>
-              </a:ext>
-            </a:extLst>
-          </p:cNvPr>
-          <p:cNvCxnSpPr>
-            <a:cxnSpLocks/>
-          </p:cNvCxnSpPr>
-          <p:nvPr/>
-        </p:nvCxnSpPr>
-        <p:spPr>
-          <a:xfrm>
-            <a:off x="4008169" y="2496468"/>
-            <a:ext cx="2507648" cy="0"/>
-          </a:xfrm>
-          <a:prstGeom prst="straightConnector1">
-            <a:avLst/>
-          </a:prstGeom>
-          <a:ln w="15875">
-            <a:solidFill>
-              <a:schemeClr val="tx1"/>
-            </a:solidFill>
-            <a:tailEnd type="triangle"/>
-          </a:ln>
-        </p:spPr>
-        <p:style>
-          <a:lnRef idx="1">
-            <a:schemeClr val="accent1"/>
-          </a:lnRef>
-          <a:fillRef idx="0">
-            <a:schemeClr val="accent1"/>
-          </a:fillRef>
-          <a:effectRef idx="0">
-            <a:schemeClr val="accent1"/>
-          </a:effectRef>
-          <a:fontRef idx="minor">
-            <a:schemeClr val="tx1"/>
-          </a:fontRef>
-        </p:style>
-      </p:cxnSp>
-      <p:sp>
-        <p:nvSpPr>
-          <p:cNvPr id="35" name="Rectangle 34">
-            <a:extLst>
-              <a:ext uri="{FF2B5EF4-FFF2-40B4-BE49-F238E27FC236}">
-                <a16:creationId xmlns:a16="http://schemas.microsoft.com/office/drawing/2014/main" id="{E4C71125-35C1-CCF0-4774-65DBD23A196E}"/>
-              </a:ext>
-            </a:extLst>
-          </p:cNvPr>
-          <p:cNvSpPr/>
-          <p:nvPr/>
-        </p:nvSpPr>
-        <p:spPr>
-          <a:xfrm>
-            <a:off x="8634025" y="774637"/>
-            <a:ext cx="784168" cy="273466"/>
-          </a:xfrm>
-          <a:prstGeom prst="rect">
-            <a:avLst/>
-          </a:prstGeom>
-          <a:solidFill>
-            <a:srgbClr val="FCF0D0"/>
-          </a:solidFill>
-          <a:ln w="12700"/>
-        </p:spPr>
-        <p:style>
-          <a:lnRef idx="2">
-            <a:schemeClr val="accent1">
-              <a:shade val="15000"/>
-            </a:schemeClr>
-          </a:lnRef>
-          <a:fillRef idx="1">
-            <a:schemeClr val="accent1"/>
-          </a:fillRef>
-          <a:effectRef idx="0">
-            <a:schemeClr val="accent1"/>
-          </a:effectRef>
-          <a:fontRef idx="minor">
-            <a:schemeClr val="lt1"/>
-          </a:fontRef>
-        </p:style>
-        <p:txBody>
-          <a:bodyPr rtlCol="0" anchor="ctr"/>
-          <a:lstStyle/>
-          <a:p>
-            <a:pPr algn="ctr"/>
-            <a:r>
-              <a:rPr lang="en-US" sz="1100" dirty="0">
-                <a:solidFill>
-                  <a:schemeClr val="tx1"/>
-                </a:solidFill>
-              </a:rPr>
-              <a:t>Payer</a:t>
-            </a:r>
-          </a:p>
-        </p:txBody>
-      </p:sp>
-      <p:cxnSp>
-        <p:nvCxnSpPr>
-          <p:cNvPr id="36" name="Straight Connector 35">
-            <a:extLst>
-              <a:ext uri="{FF2B5EF4-FFF2-40B4-BE49-F238E27FC236}">
-                <a16:creationId xmlns:a16="http://schemas.microsoft.com/office/drawing/2014/main" id="{2D481357-FBD9-8E95-E2DD-673756CB5E3E}"/>
-              </a:ext>
-            </a:extLst>
-          </p:cNvPr>
-          <p:cNvCxnSpPr>
-            <a:cxnSpLocks/>
-          </p:cNvCxnSpPr>
-          <p:nvPr/>
-        </p:nvCxnSpPr>
-        <p:spPr>
-          <a:xfrm>
-            <a:off x="9018765" y="1048514"/>
-            <a:ext cx="0" cy="4983480"/>
-          </a:xfrm>
-          <a:prstGeom prst="line">
-            <a:avLst/>
-          </a:prstGeom>
-          <a:ln w="15875">
-            <a:solidFill>
-              <a:schemeClr val="tx1"/>
-            </a:solidFill>
-          </a:ln>
-        </p:spPr>
-        <p:style>
-          <a:lnRef idx="1">
-            <a:schemeClr val="accent1"/>
-          </a:lnRef>
-          <a:fillRef idx="0">
-            <a:schemeClr val="accent1"/>
-          </a:fillRef>
-          <a:effectRef idx="0">
-            <a:schemeClr val="accent1"/>
-          </a:effectRef>
-          <a:fontRef idx="minor">
-            <a:schemeClr val="tx1"/>
-          </a:fontRef>
-        </p:style>
-      </p:cxnSp>
-      <p:sp>
-        <p:nvSpPr>
-          <p:cNvPr id="37" name="Rectangle 36">
-            <a:extLst>
-              <a:ext uri="{FF2B5EF4-FFF2-40B4-BE49-F238E27FC236}">
-                <a16:creationId xmlns:a16="http://schemas.microsoft.com/office/drawing/2014/main" id="{29EAA62C-E1C1-494C-2B83-39E37A243122}"/>
-              </a:ext>
-            </a:extLst>
-          </p:cNvPr>
-          <p:cNvSpPr/>
-          <p:nvPr/>
-        </p:nvSpPr>
-        <p:spPr>
-          <a:xfrm>
-            <a:off x="8634025" y="6030075"/>
-            <a:ext cx="784168" cy="273466"/>
-          </a:xfrm>
-          <a:prstGeom prst="rect">
-            <a:avLst/>
-          </a:prstGeom>
-          <a:solidFill>
-            <a:srgbClr val="FCF0D0"/>
-          </a:solidFill>
-          <a:ln w="12700"/>
-        </p:spPr>
-        <p:style>
-          <a:lnRef idx="2">
-            <a:schemeClr val="accent1">
-              <a:shade val="15000"/>
-            </a:schemeClr>
-          </a:lnRef>
-          <a:fillRef idx="1">
-            <a:schemeClr val="accent1"/>
-          </a:fillRef>
-          <a:effectRef idx="0">
-            <a:schemeClr val="accent1"/>
-          </a:effectRef>
-          <a:fontRef idx="minor">
-            <a:schemeClr val="lt1"/>
-          </a:fontRef>
-        </p:style>
-        <p:txBody>
-          <a:bodyPr rtlCol="0" anchor="ctr"/>
-          <a:lstStyle/>
-          <a:p>
-            <a:pPr algn="ctr"/>
-            <a:r>
-              <a:rPr lang="en-US" sz="1100" dirty="0">
-                <a:solidFill>
-                  <a:schemeClr val="tx1"/>
-                </a:solidFill>
-              </a:rPr>
-              <a:t>Payer</a:t>
-            </a:r>
-          </a:p>
-        </p:txBody>
-      </p:sp>
-      <p:cxnSp>
-        <p:nvCxnSpPr>
-          <p:cNvPr id="38" name="Straight Arrow Connector 37">
-            <a:extLst>
-              <a:ext uri="{FF2B5EF4-FFF2-40B4-BE49-F238E27FC236}">
-                <a16:creationId xmlns:a16="http://schemas.microsoft.com/office/drawing/2014/main" id="{B2975188-727A-6537-C21A-3388D450C345}"/>
-              </a:ext>
-            </a:extLst>
-          </p:cNvPr>
-          <p:cNvCxnSpPr>
-            <a:cxnSpLocks/>
-          </p:cNvCxnSpPr>
-          <p:nvPr/>
-        </p:nvCxnSpPr>
-        <p:spPr>
-          <a:xfrm>
-            <a:off x="6515817" y="3287753"/>
-            <a:ext cx="2505312" cy="0"/>
-          </a:xfrm>
-          <a:prstGeom prst="straightConnector1">
-            <a:avLst/>
-          </a:prstGeom>
-          <a:ln w="15875">
-            <a:solidFill>
-              <a:schemeClr val="accent1">
-                <a:lumMod val="75000"/>
-              </a:schemeClr>
-            </a:solidFill>
-            <a:prstDash val="sysDash"/>
-            <a:headEnd type="triangle"/>
-            <a:tailEnd type="triangle"/>
-          </a:ln>
-        </p:spPr>
-        <p:style>
-          <a:lnRef idx="1">
-            <a:schemeClr val="accent1"/>
-          </a:lnRef>
-          <a:fillRef idx="0">
-            <a:schemeClr val="accent1"/>
-          </a:fillRef>
-          <a:effectRef idx="0">
-            <a:schemeClr val="accent1"/>
-          </a:effectRef>
-          <a:fontRef idx="minor">
-            <a:schemeClr val="tx1"/>
-          </a:fontRef>
-        </p:style>
-      </p:cxnSp>
-      <p:sp>
-        <p:nvSpPr>
-          <p:cNvPr id="40" name="TextBox 39">
-            <a:extLst>
-              <a:ext uri="{FF2B5EF4-FFF2-40B4-BE49-F238E27FC236}">
-                <a16:creationId xmlns:a16="http://schemas.microsoft.com/office/drawing/2014/main" id="{D9009B21-871D-371D-692B-6DCD8AE87288}"/>
-              </a:ext>
-            </a:extLst>
-          </p:cNvPr>
-          <p:cNvSpPr txBox="1"/>
-          <p:nvPr/>
-        </p:nvSpPr>
-        <p:spPr>
-          <a:xfrm>
-            <a:off x="6513483" y="3115348"/>
-            <a:ext cx="2505283" cy="161583"/>
-          </a:xfrm>
-          <a:prstGeom prst="rect">
-            <a:avLst/>
-          </a:prstGeom>
-          <a:noFill/>
-        </p:spPr>
-        <p:txBody>
-          <a:bodyPr wrap="square" lIns="0" tIns="0" rIns="0" bIns="0" rtlCol="0">
-            <a:spAutoFit/>
-          </a:bodyPr>
-          <a:lstStyle/>
-          <a:p>
-            <a:pPr algn="ctr"/>
-            <a:r>
-              <a:rPr lang="en-US" sz="1050" dirty="0">
-                <a:solidFill>
-                  <a:srgbClr val="533F05"/>
-                </a:solidFill>
-                <a:latin typeface="Consolas" panose="020B0609020204030204" pitchFamily="49" charset="0"/>
-                <a:cs typeface="Calibri" panose="020F0502020204030204" pitchFamily="34" charset="0"/>
-              </a:rPr>
-              <a:t>$questionnaire-package</a:t>
-            </a:r>
-            <a:r>
-              <a:rPr lang="en-US" sz="1050" dirty="0">
-                <a:solidFill>
-                  <a:schemeClr val="accent1">
-                    <a:lumMod val="50000"/>
-                  </a:schemeClr>
-                </a:solidFill>
-                <a:latin typeface="Consolas" panose="020B0609020204030204" pitchFamily="49" charset="0"/>
-                <a:cs typeface="Calibri" panose="020F0502020204030204" pitchFamily="34" charset="0"/>
-              </a:rPr>
-              <a:t> </a:t>
-            </a:r>
-            <a:r>
-              <a:rPr lang="en-US" sz="1050" dirty="0">
-                <a:solidFill>
-                  <a:schemeClr val="accent1">
-                    <a:lumMod val="50000"/>
-                  </a:schemeClr>
-                </a:solidFill>
-                <a:latin typeface="Calibri" panose="020F0502020204030204" pitchFamily="34" charset="0"/>
-                <a:cs typeface="Calibri" panose="020F0502020204030204" pitchFamily="34" charset="0"/>
-              </a:rPr>
-              <a:t>Operation</a:t>
-            </a:r>
-            <a:endParaRPr lang="en-US" sz="1000" dirty="0">
-              <a:solidFill>
-                <a:schemeClr val="accent1">
-                  <a:lumMod val="50000"/>
-                </a:schemeClr>
-              </a:solidFill>
-              <a:latin typeface="Calibri" panose="020F0502020204030204" pitchFamily="34" charset="0"/>
-              <a:cs typeface="Calibri" panose="020F0502020204030204" pitchFamily="34" charset="0"/>
-            </a:endParaRPr>
-          </a:p>
-        </p:txBody>
-      </p:sp>
-      <p:sp>
-        <p:nvSpPr>
-          <p:cNvPr id="42" name="Rectangle 41">
-            <a:extLst>
-              <a:ext uri="{FF2B5EF4-FFF2-40B4-BE49-F238E27FC236}">
-                <a16:creationId xmlns:a16="http://schemas.microsoft.com/office/drawing/2014/main" id="{70FBA49C-9A38-FEF2-BBAB-C4B425B0B67C}"/>
-              </a:ext>
-            </a:extLst>
-          </p:cNvPr>
-          <p:cNvSpPr/>
-          <p:nvPr/>
-        </p:nvSpPr>
-        <p:spPr>
-          <a:xfrm>
-            <a:off x="5267710" y="4237378"/>
-            <a:ext cx="2505283" cy="339993"/>
-          </a:xfrm>
-          <a:prstGeom prst="rect">
-            <a:avLst/>
-          </a:prstGeom>
-          <a:solidFill>
-            <a:srgbClr val="EFF4F5"/>
-          </a:solidFill>
-          <a:ln w="12700"/>
-        </p:spPr>
-        <p:style>
-          <a:lnRef idx="2">
-            <a:schemeClr val="accent1">
-              <a:shade val="15000"/>
-            </a:schemeClr>
-          </a:lnRef>
-          <a:fillRef idx="1">
-            <a:schemeClr val="accent1"/>
-          </a:fillRef>
-          <a:effectRef idx="0">
-            <a:schemeClr val="accent1"/>
-          </a:effectRef>
-          <a:fontRef idx="minor">
-            <a:schemeClr val="lt1"/>
-          </a:fontRef>
-        </p:style>
-        <p:txBody>
-          <a:bodyPr rtlCol="0" anchor="ctr"/>
-          <a:lstStyle/>
-          <a:p>
-            <a:pPr algn="ctr"/>
-            <a:r>
-              <a:rPr lang="en-US" sz="1050" dirty="0">
-                <a:solidFill>
-                  <a:schemeClr val="tx1"/>
-                </a:solidFill>
-                <a:latin typeface="Calibri" panose="020F0502020204030204" pitchFamily="34" charset="0"/>
-                <a:cs typeface="Calibri" panose="020F0502020204030204" pitchFamily="34" charset="0"/>
-              </a:rPr>
-              <a:t>DTR uses data extracted by CQL</a:t>
-            </a:r>
-          </a:p>
-          <a:p>
-            <a:pPr algn="ctr"/>
-            <a:r>
-              <a:rPr lang="en-US" sz="1050" dirty="0">
-                <a:solidFill>
-                  <a:schemeClr val="tx1"/>
-                </a:solidFill>
-                <a:latin typeface="Calibri" panose="020F0502020204030204" pitchFamily="34" charset="0"/>
-                <a:cs typeface="Calibri" panose="020F0502020204030204" pitchFamily="34" charset="0"/>
-              </a:rPr>
-              <a:t>to pre-populate QuestionnaireResponse</a:t>
-            </a:r>
-          </a:p>
-        </p:txBody>
-      </p:sp>
-      <p:sp>
-        <p:nvSpPr>
-          <p:cNvPr id="43" name="TextBox 42">
-            <a:extLst>
-              <a:ext uri="{FF2B5EF4-FFF2-40B4-BE49-F238E27FC236}">
-                <a16:creationId xmlns:a16="http://schemas.microsoft.com/office/drawing/2014/main" id="{F8B08733-373D-4958-ACEF-755DEC8F7FE1}"/>
-              </a:ext>
-            </a:extLst>
-          </p:cNvPr>
-          <p:cNvSpPr txBox="1"/>
-          <p:nvPr/>
-        </p:nvSpPr>
-        <p:spPr>
-          <a:xfrm>
-            <a:off x="2402186" y="343363"/>
-            <a:ext cx="7387627" cy="184666"/>
-          </a:xfrm>
-          <a:prstGeom prst="rect">
-            <a:avLst/>
-          </a:prstGeom>
-          <a:noFill/>
-        </p:spPr>
-        <p:txBody>
-          <a:bodyPr wrap="square" lIns="0" tIns="0" rIns="0" bIns="0" rtlCol="0">
-            <a:spAutoFit/>
-          </a:bodyPr>
-          <a:lstStyle/>
-          <a:p>
-            <a:pPr algn="ctr"/>
-            <a:r>
-              <a:rPr lang="en-US" sz="1200" b="1" dirty="0">
-                <a:cs typeface="Calibri" panose="020F0502020204030204" pitchFamily="34" charset="0"/>
-              </a:rPr>
-              <a:t>DTR Sequence Diagram</a:t>
-            </a:r>
-          </a:p>
-        </p:txBody>
-      </p:sp>
-      <p:sp>
-        <p:nvSpPr>
-          <p:cNvPr id="4" name="TextBox 3">
-            <a:extLst>
-              <a:ext uri="{FF2B5EF4-FFF2-40B4-BE49-F238E27FC236}">
-                <a16:creationId xmlns:a16="http://schemas.microsoft.com/office/drawing/2014/main" id="{EABA03BD-1C28-D37C-00B7-E765FF794377}"/>
-              </a:ext>
-            </a:extLst>
-          </p:cNvPr>
-          <p:cNvSpPr txBox="1"/>
-          <p:nvPr/>
-        </p:nvSpPr>
-        <p:spPr>
-          <a:xfrm>
-            <a:off x="4027626" y="3823264"/>
-            <a:ext cx="2471124" cy="169277"/>
-          </a:xfrm>
-          <a:prstGeom prst="rect">
-            <a:avLst/>
-          </a:prstGeom>
-          <a:noFill/>
-        </p:spPr>
-        <p:txBody>
-          <a:bodyPr wrap="square" lIns="0" tIns="0" rIns="0" bIns="0" rtlCol="0">
-            <a:spAutoFit/>
-          </a:bodyPr>
-          <a:lstStyle/>
-          <a:p>
-            <a:pPr algn="ctr"/>
-            <a:r>
-              <a:rPr lang="en-US" sz="1100" dirty="0">
-                <a:solidFill>
-                  <a:schemeClr val="accent1">
-                    <a:lumMod val="50000"/>
-                  </a:schemeClr>
-                </a:solidFill>
-                <a:latin typeface="Calibri" panose="020F0502020204030204" pitchFamily="34" charset="0"/>
-                <a:cs typeface="Calibri" panose="020F0502020204030204" pitchFamily="34" charset="0"/>
-              </a:rPr>
-              <a:t>Execute CQL/Retrieve data from EHR</a:t>
-            </a:r>
-          </a:p>
-        </p:txBody>
-      </p:sp>
-      <p:cxnSp>
-        <p:nvCxnSpPr>
-          <p:cNvPr id="9" name="Straight Arrow Connector 8">
-            <a:extLst>
-              <a:ext uri="{FF2B5EF4-FFF2-40B4-BE49-F238E27FC236}">
-                <a16:creationId xmlns:a16="http://schemas.microsoft.com/office/drawing/2014/main" id="{82811EB8-849A-2A3D-A5C6-4D9F496E5EA6}"/>
-              </a:ext>
-            </a:extLst>
-          </p:cNvPr>
-          <p:cNvCxnSpPr>
-            <a:cxnSpLocks/>
-          </p:cNvCxnSpPr>
-          <p:nvPr/>
-        </p:nvCxnSpPr>
-        <p:spPr>
-          <a:xfrm>
-            <a:off x="4007827" y="1444640"/>
-            <a:ext cx="2505312" cy="0"/>
-          </a:xfrm>
-          <a:prstGeom prst="straightConnector1">
-            <a:avLst/>
-          </a:prstGeom>
-          <a:ln w="15875">
-            <a:solidFill>
-              <a:schemeClr val="accent6">
-                <a:lumMod val="50000"/>
-              </a:schemeClr>
-            </a:solidFill>
-            <a:prstDash val="sysDash"/>
-            <a:headEnd type="triangle"/>
-            <a:tailEnd type="triangle"/>
-          </a:ln>
-        </p:spPr>
-        <p:style>
-          <a:lnRef idx="1">
-            <a:schemeClr val="accent1"/>
-          </a:lnRef>
-          <a:fillRef idx="0">
-            <a:schemeClr val="accent1"/>
-          </a:fillRef>
-          <a:effectRef idx="0">
-            <a:schemeClr val="accent1"/>
-          </a:effectRef>
-          <a:fontRef idx="minor">
-            <a:schemeClr val="tx1"/>
-          </a:fontRef>
-        </p:style>
-      </p:cxnSp>
-      <p:sp>
-        <p:nvSpPr>
-          <p:cNvPr id="10" name="TextBox 9">
-            <a:extLst>
-              <a:ext uri="{FF2B5EF4-FFF2-40B4-BE49-F238E27FC236}">
-                <a16:creationId xmlns:a16="http://schemas.microsoft.com/office/drawing/2014/main" id="{7BAA8B0A-8017-947D-FF6A-DFD16AA61798}"/>
-              </a:ext>
-            </a:extLst>
-          </p:cNvPr>
-          <p:cNvSpPr txBox="1"/>
-          <p:nvPr/>
-        </p:nvSpPr>
-        <p:spPr>
-          <a:xfrm>
-            <a:off x="4036337" y="1266614"/>
-            <a:ext cx="2471124" cy="169277"/>
-          </a:xfrm>
-          <a:prstGeom prst="rect">
-            <a:avLst/>
-          </a:prstGeom>
-          <a:noFill/>
-        </p:spPr>
-        <p:txBody>
-          <a:bodyPr wrap="square" lIns="0" tIns="0" rIns="0" bIns="0" rtlCol="0">
-            <a:spAutoFit/>
-          </a:bodyPr>
-          <a:lstStyle/>
-          <a:p>
-            <a:pPr algn="ctr"/>
-            <a:r>
-              <a:rPr lang="en-US" sz="1100" dirty="0">
-                <a:solidFill>
-                  <a:schemeClr val="accent1">
-                    <a:lumMod val="50000"/>
-                  </a:schemeClr>
-                </a:solidFill>
-                <a:latin typeface="Calibri" panose="020F0502020204030204" pitchFamily="34" charset="0"/>
-                <a:cs typeface="Calibri" panose="020F0502020204030204" pitchFamily="34" charset="0"/>
-              </a:rPr>
-              <a:t>Configure EHR to App Connectivity</a:t>
-            </a:r>
-          </a:p>
-        </p:txBody>
-      </p:sp>
-      <p:sp>
-        <p:nvSpPr>
-          <p:cNvPr id="12" name="TextBox 11">
-            <a:extLst>
-              <a:ext uri="{FF2B5EF4-FFF2-40B4-BE49-F238E27FC236}">
-                <a16:creationId xmlns:a16="http://schemas.microsoft.com/office/drawing/2014/main" id="{2FA16C61-52F2-0039-FD6E-C30D6D52F231}"/>
-              </a:ext>
-            </a:extLst>
-          </p:cNvPr>
-          <p:cNvSpPr txBox="1"/>
-          <p:nvPr/>
-        </p:nvSpPr>
-        <p:spPr>
-          <a:xfrm>
-            <a:off x="5060516" y="1633028"/>
-            <a:ext cx="2902926" cy="215444"/>
-          </a:xfrm>
-          <a:prstGeom prst="rect">
-            <a:avLst/>
-          </a:prstGeom>
-          <a:solidFill>
-            <a:schemeClr val="bg1"/>
-          </a:solidFill>
-        </p:spPr>
-        <p:txBody>
-          <a:bodyPr wrap="square" lIns="0" tIns="0" rIns="0" bIns="45720" rtlCol="0">
-            <a:spAutoFit/>
-          </a:bodyPr>
-          <a:lstStyle/>
-          <a:p>
-            <a:pPr algn="ctr"/>
-            <a:r>
-              <a:rPr lang="en-US" sz="1100" dirty="0">
-                <a:solidFill>
-                  <a:schemeClr val="accent1">
-                    <a:lumMod val="50000"/>
-                  </a:schemeClr>
-                </a:solidFill>
-                <a:latin typeface="Calibri" panose="020F0502020204030204" pitchFamily="34" charset="0"/>
-                <a:cs typeface="Calibri" panose="020F0502020204030204" pitchFamily="34" charset="0"/>
-              </a:rPr>
-              <a:t>Configure App/EHR to Payer Connectivity</a:t>
-            </a:r>
-          </a:p>
-        </p:txBody>
-      </p:sp>
-      <p:cxnSp>
-        <p:nvCxnSpPr>
-          <p:cNvPr id="13" name="Straight Arrow Connector 12">
-            <a:extLst>
-              <a:ext uri="{FF2B5EF4-FFF2-40B4-BE49-F238E27FC236}">
-                <a16:creationId xmlns:a16="http://schemas.microsoft.com/office/drawing/2014/main" id="{EF4C9F24-452A-EA3A-5ADF-83D4C73CD334}"/>
-              </a:ext>
-            </a:extLst>
-          </p:cNvPr>
-          <p:cNvCxnSpPr>
-            <a:cxnSpLocks/>
-          </p:cNvCxnSpPr>
-          <p:nvPr/>
-        </p:nvCxnSpPr>
-        <p:spPr>
-          <a:xfrm>
-            <a:off x="4008169" y="1813586"/>
-            <a:ext cx="2505312" cy="0"/>
-          </a:xfrm>
-          <a:prstGeom prst="straightConnector1">
-            <a:avLst/>
-          </a:prstGeom>
-          <a:ln w="15875">
-            <a:solidFill>
-              <a:schemeClr val="accent6">
-                <a:lumMod val="50000"/>
-              </a:schemeClr>
-            </a:solidFill>
-            <a:prstDash val="sysDash"/>
-            <a:headEnd type="triangle"/>
-            <a:tailEnd type="none"/>
-          </a:ln>
-        </p:spPr>
-        <p:style>
-          <a:lnRef idx="1">
-            <a:schemeClr val="accent1"/>
-          </a:lnRef>
-          <a:fillRef idx="0">
-            <a:schemeClr val="accent1"/>
-          </a:fillRef>
-          <a:effectRef idx="0">
-            <a:schemeClr val="accent1"/>
-          </a:effectRef>
-          <a:fontRef idx="minor">
-            <a:schemeClr val="tx1"/>
-          </a:fontRef>
-        </p:style>
-      </p:cxnSp>
-      <p:cxnSp>
-        <p:nvCxnSpPr>
-          <p:cNvPr id="11" name="Straight Arrow Connector 10">
-            <a:extLst>
-              <a:ext uri="{FF2B5EF4-FFF2-40B4-BE49-F238E27FC236}">
-                <a16:creationId xmlns:a16="http://schemas.microsoft.com/office/drawing/2014/main" id="{66AF62D3-69A1-8276-A0F1-07BC5042F4A9}"/>
-              </a:ext>
-            </a:extLst>
-          </p:cNvPr>
-          <p:cNvCxnSpPr>
-            <a:cxnSpLocks/>
-          </p:cNvCxnSpPr>
-          <p:nvPr/>
-        </p:nvCxnSpPr>
-        <p:spPr>
-          <a:xfrm>
-            <a:off x="6512470" y="1813586"/>
-            <a:ext cx="2505312" cy="0"/>
-          </a:xfrm>
-          <a:prstGeom prst="straightConnector1">
-            <a:avLst/>
-          </a:prstGeom>
-          <a:ln w="15875">
-            <a:solidFill>
-              <a:schemeClr val="accent6">
-                <a:lumMod val="50000"/>
-              </a:schemeClr>
-            </a:solidFill>
-            <a:prstDash val="sysDash"/>
-            <a:headEnd type="none"/>
-            <a:tailEnd type="triangle"/>
-          </a:ln>
-        </p:spPr>
-        <p:style>
-          <a:lnRef idx="1">
-            <a:schemeClr val="accent1"/>
-          </a:lnRef>
-          <a:fillRef idx="0">
-            <a:schemeClr val="accent1"/>
-          </a:fillRef>
-          <a:effectRef idx="0">
-            <a:schemeClr val="accent1"/>
-          </a:effectRef>
-          <a:fontRef idx="minor">
-            <a:schemeClr val="tx1"/>
-          </a:fontRef>
-        </p:style>
-      </p:cxnSp>
-      <p:sp>
-        <p:nvSpPr>
-          <p:cNvPr id="14" name="Oval 13">
-            <a:extLst>
-              <a:ext uri="{FF2B5EF4-FFF2-40B4-BE49-F238E27FC236}">
-                <a16:creationId xmlns:a16="http://schemas.microsoft.com/office/drawing/2014/main" id="{92AE3496-E8CC-7BD8-597E-B91341C4EC41}"/>
-              </a:ext>
-            </a:extLst>
-          </p:cNvPr>
-          <p:cNvSpPr/>
-          <p:nvPr/>
-        </p:nvSpPr>
-        <p:spPr>
-          <a:xfrm>
-            <a:off x="6475764" y="1775912"/>
-            <a:ext cx="73152" cy="73152"/>
-          </a:xfrm>
-          <a:prstGeom prst="ellipse">
-            <a:avLst/>
-          </a:prstGeom>
-          <a:solidFill>
-            <a:schemeClr val="accent6">
-              <a:lumMod val="50000"/>
-            </a:schemeClr>
-          </a:solidFill>
-          <a:ln>
-            <a:noFill/>
-          </a:ln>
-        </p:spPr>
-        <p:style>
-          <a:lnRef idx="2">
-            <a:schemeClr val="accent1">
-              <a:shade val="15000"/>
-            </a:schemeClr>
-          </a:lnRef>
-          <a:fillRef idx="1">
-            <a:schemeClr val="accent1"/>
-          </a:fillRef>
-          <a:effectRef idx="0">
-            <a:schemeClr val="accent1"/>
-          </a:effectRef>
-          <a:fontRef idx="minor">
-            <a:schemeClr val="lt1"/>
-          </a:fontRef>
-        </p:style>
-        <p:txBody>
-          <a:bodyPr rtlCol="0" anchor="ctr"/>
-          <a:lstStyle/>
-          <a:p>
-            <a:pPr algn="ctr"/>
-            <a:endParaRPr lang="en-US"/>
-          </a:p>
-        </p:txBody>
-      </p:sp>
-      <p:cxnSp>
-        <p:nvCxnSpPr>
-          <p:cNvPr id="3" name="Straight Arrow Connector 2">
-            <a:extLst>
-              <a:ext uri="{FF2B5EF4-FFF2-40B4-BE49-F238E27FC236}">
-                <a16:creationId xmlns:a16="http://schemas.microsoft.com/office/drawing/2014/main" id="{806DBEF4-4956-0FBE-C41E-2D1632442676}"/>
-              </a:ext>
-            </a:extLst>
-          </p:cNvPr>
-          <p:cNvCxnSpPr>
-            <a:cxnSpLocks/>
-          </p:cNvCxnSpPr>
-          <p:nvPr/>
-        </p:nvCxnSpPr>
-        <p:spPr>
-          <a:xfrm>
-            <a:off x="4010734" y="5884348"/>
-            <a:ext cx="2505312" cy="0"/>
-          </a:xfrm>
-          <a:prstGeom prst="straightConnector1">
-            <a:avLst/>
-          </a:prstGeom>
-          <a:ln w="15875">
-            <a:solidFill>
-              <a:schemeClr val="tx1"/>
-            </a:solidFill>
-            <a:headEnd type="triangle"/>
-            <a:tailEnd type="none"/>
-          </a:ln>
-        </p:spPr>
-        <p:style>
-          <a:lnRef idx="1">
-            <a:schemeClr val="accent1"/>
-          </a:lnRef>
-          <a:fillRef idx="0">
-            <a:schemeClr val="accent1"/>
-          </a:fillRef>
-          <a:effectRef idx="0">
-            <a:schemeClr val="accent1"/>
-          </a:effectRef>
-          <a:fontRef idx="minor">
-            <a:schemeClr val="tx1"/>
-          </a:fontRef>
-        </p:style>
-      </p:cxnSp>
-      <p:sp>
-        <p:nvSpPr>
-          <p:cNvPr id="5" name="TextBox 4">
-            <a:extLst>
-              <a:ext uri="{FF2B5EF4-FFF2-40B4-BE49-F238E27FC236}">
-                <a16:creationId xmlns:a16="http://schemas.microsoft.com/office/drawing/2014/main" id="{AD61C36E-EB6A-AC79-CBDE-F0879D4EB3DD}"/>
-              </a:ext>
-            </a:extLst>
-          </p:cNvPr>
-          <p:cNvSpPr txBox="1"/>
-          <p:nvPr/>
-        </p:nvSpPr>
-        <p:spPr>
-          <a:xfrm>
-            <a:off x="4030191" y="5701410"/>
-            <a:ext cx="2471124" cy="169277"/>
-          </a:xfrm>
-          <a:prstGeom prst="rect">
-            <a:avLst/>
-          </a:prstGeom>
-          <a:noFill/>
-        </p:spPr>
-        <p:txBody>
-          <a:bodyPr wrap="square" lIns="0" tIns="0" rIns="0" bIns="0" rtlCol="0">
-            <a:spAutoFit/>
-          </a:bodyPr>
-          <a:lstStyle/>
-          <a:p>
-            <a:pPr algn="ctr"/>
-            <a:r>
-              <a:rPr lang="en-US" sz="1100" dirty="0">
-                <a:solidFill>
-                  <a:schemeClr val="accent1">
-                    <a:lumMod val="50000"/>
-                  </a:schemeClr>
-                </a:solidFill>
-                <a:latin typeface="Calibri" panose="020F0502020204030204" pitchFamily="34" charset="0"/>
-                <a:cs typeface="Calibri" panose="020F0502020204030204" pitchFamily="34" charset="0"/>
-              </a:rPr>
-              <a:t>Store completed QuestionnaireResponse</a:t>
-            </a:r>
-          </a:p>
-        </p:txBody>
-      </p:sp>
-      <p:sp>
-        <p:nvSpPr>
-          <p:cNvPr id="6" name="Rectangle 5">
-            <a:extLst>
-              <a:ext uri="{FF2B5EF4-FFF2-40B4-BE49-F238E27FC236}">
-                <a16:creationId xmlns:a16="http://schemas.microsoft.com/office/drawing/2014/main" id="{0D6BC810-0559-7C1D-2315-2AAC7C9E5D71}"/>
-              </a:ext>
-            </a:extLst>
-          </p:cNvPr>
-          <p:cNvSpPr/>
-          <p:nvPr/>
-        </p:nvSpPr>
-        <p:spPr>
-          <a:xfrm>
-            <a:off x="5267710" y="4736555"/>
-            <a:ext cx="2505283" cy="339993"/>
-          </a:xfrm>
-          <a:prstGeom prst="rect">
-            <a:avLst/>
-          </a:prstGeom>
-          <a:solidFill>
-            <a:srgbClr val="EFF4F5"/>
-          </a:solidFill>
-          <a:ln w="12700"/>
-        </p:spPr>
-        <p:style>
-          <a:lnRef idx="2">
-            <a:schemeClr val="accent1">
-              <a:shade val="15000"/>
-            </a:schemeClr>
-          </a:lnRef>
-          <a:fillRef idx="1">
-            <a:schemeClr val="accent1"/>
-          </a:fillRef>
-          <a:effectRef idx="0">
-            <a:schemeClr val="accent1"/>
-          </a:effectRef>
-          <a:fontRef idx="minor">
-            <a:schemeClr val="lt1"/>
-          </a:fontRef>
-        </p:style>
-        <p:txBody>
-          <a:bodyPr rtlCol="0" anchor="ctr"/>
-          <a:lstStyle/>
-          <a:p>
-            <a:pPr algn="ctr"/>
-            <a:r>
-              <a:rPr lang="en-US" sz="1050" dirty="0">
-                <a:solidFill>
-                  <a:schemeClr val="tx1"/>
-                </a:solidFill>
-                <a:latin typeface="Calibri" panose="020F0502020204030204" pitchFamily="34" charset="0"/>
-                <a:cs typeface="Calibri" panose="020F0502020204030204" pitchFamily="34" charset="0"/>
-              </a:rPr>
-              <a:t>User verifies data and QuestionnaireResponse</a:t>
-            </a:r>
-          </a:p>
-        </p:txBody>
-      </p:sp>
-      <p:cxnSp>
-        <p:nvCxnSpPr>
-          <p:cNvPr id="7" name="Straight Arrow Connector 6">
-            <a:extLst>
-              <a:ext uri="{FF2B5EF4-FFF2-40B4-BE49-F238E27FC236}">
-                <a16:creationId xmlns:a16="http://schemas.microsoft.com/office/drawing/2014/main" id="{49294671-E6FA-EE29-5FBF-498F30D598BA}"/>
+                <a16:creationId xmlns:a16="http://schemas.microsoft.com/office/drawing/2014/main" id="{AC058317-3BFB-9516-1C38-B575DA172D94}"/>
               </a:ext>
             </a:extLst>
           </p:cNvPr>
@@ -20947,7 +18941,7 @@
           <p:cNvPr id="8" name="TextBox 7">
             <a:extLst>
               <a:ext uri="{FF2B5EF4-FFF2-40B4-BE49-F238E27FC236}">
-                <a16:creationId xmlns:a16="http://schemas.microsoft.com/office/drawing/2014/main" id="{AE0317D2-2282-81A6-DBC6-38D1615C4B08}"/>
+                <a16:creationId xmlns:a16="http://schemas.microsoft.com/office/drawing/2014/main" id="{0E1B4F7C-3879-63D4-95AE-7B730BE36D20}"/>
               </a:ext>
             </a:extLst>
           </p:cNvPr>
@@ -21022,7 +19016,7 @@
           <p:cNvPr id="15" name="TextBox 14">
             <a:extLst>
               <a:ext uri="{FF2B5EF4-FFF2-40B4-BE49-F238E27FC236}">
-                <a16:creationId xmlns:a16="http://schemas.microsoft.com/office/drawing/2014/main" id="{C28D2C54-6ACF-9D3D-336E-DE6786A2CEEE}"/>
+                <a16:creationId xmlns:a16="http://schemas.microsoft.com/office/drawing/2014/main" id="{EF46B5B7-199D-2941-0894-B7AAE47E4383}"/>
               </a:ext>
             </a:extLst>
           </p:cNvPr>
@@ -21051,7 +19045,7 @@
                 <a:latin typeface="Calibri" panose="020F0502020204030204" pitchFamily="34" charset="0"/>
                 <a:cs typeface="Calibri" panose="020F0502020204030204" pitchFamily="34" charset="0"/>
               </a:rPr>
-              <a:t>(Adaptive Questionnaire)</a:t>
+              <a:t>(if Adaptive Questionnaire)</a:t>
             </a:r>
           </a:p>
         </p:txBody>
@@ -21061,7 +19055,7 @@
           <p:cNvPr id="22" name="Rectangle 21">
             <a:extLst>
               <a:ext uri="{FF2B5EF4-FFF2-40B4-BE49-F238E27FC236}">
-                <a16:creationId xmlns:a16="http://schemas.microsoft.com/office/drawing/2014/main" id="{68A6BEC3-3971-188B-C622-A8D71DFB779D}"/>
+                <a16:creationId xmlns:a16="http://schemas.microsoft.com/office/drawing/2014/main" id="{23E17279-4B69-0411-305C-5A57AA350ECD}"/>
               </a:ext>
             </a:extLst>
           </p:cNvPr>
@@ -21113,7 +19107,7 @@
           <p:cNvPr id="16" name="Straight Arrow Connector 15">
             <a:extLst>
               <a:ext uri="{FF2B5EF4-FFF2-40B4-BE49-F238E27FC236}">
-                <a16:creationId xmlns:a16="http://schemas.microsoft.com/office/drawing/2014/main" id="{AC636499-79D2-CA8B-5791-AAA153C7F2E8}"/>
+                <a16:creationId xmlns:a16="http://schemas.microsoft.com/office/drawing/2014/main" id="{59C0715E-72B0-5B05-00D4-B9E9A11D030C}"/>
               </a:ext>
             </a:extLst>
           </p:cNvPr>
@@ -21161,7 +19155,7 @@
           <p:cNvPr id="18" name="Straight Arrow Connector 17">
             <a:extLst>
               <a:ext uri="{FF2B5EF4-FFF2-40B4-BE49-F238E27FC236}">
-                <a16:creationId xmlns:a16="http://schemas.microsoft.com/office/drawing/2014/main" id="{9A762CDA-D1A2-E064-AC88-9D76965350E3}"/>
+                <a16:creationId xmlns:a16="http://schemas.microsoft.com/office/drawing/2014/main" id="{A5325023-F63F-C088-8FBB-C0B12B9FEAA3}"/>
               </a:ext>
             </a:extLst>
           </p:cNvPr>
@@ -21171,9 +19165,9 @@
           <p:nvPr/>
         </p:nvCxnSpPr>
         <p:spPr>
-          <a:xfrm>
-            <a:off x="9011318" y="3632808"/>
-            <a:ext cx="1570" cy="1928169"/>
+          <a:xfrm flipH="1">
+            <a:off x="9015984" y="4577371"/>
+            <a:ext cx="4894" cy="983606"/>
           </a:xfrm>
           <a:prstGeom prst="straightConnector1">
             <a:avLst/>
@@ -21209,7 +19203,7 @@
           <p:cNvPr id="39" name="Straight Arrow Connector 38">
             <a:extLst>
               <a:ext uri="{FF2B5EF4-FFF2-40B4-BE49-F238E27FC236}">
-                <a16:creationId xmlns:a16="http://schemas.microsoft.com/office/drawing/2014/main" id="{B39BDBC9-81F5-969B-88FB-BB1F518D6194}"/>
+                <a16:creationId xmlns:a16="http://schemas.microsoft.com/office/drawing/2014/main" id="{21C9D545-692F-A82A-A99A-AC877AC67795}"/>
               </a:ext>
             </a:extLst>
           </p:cNvPr>
@@ -21256,7 +19250,7 @@
           <p:cNvPr id="2" name="TextBox 1">
             <a:extLst>
               <a:ext uri="{FF2B5EF4-FFF2-40B4-BE49-F238E27FC236}">
-                <a16:creationId xmlns:a16="http://schemas.microsoft.com/office/drawing/2014/main" id="{29BCDDE4-5C8E-BB13-7522-7C66C9D46DCC}"/>
+                <a16:creationId xmlns:a16="http://schemas.microsoft.com/office/drawing/2014/main" id="{C8D04661-6F6E-C4D3-8EB8-F9AD28213C21}"/>
               </a:ext>
             </a:extLst>
           </p:cNvPr>
@@ -21295,7 +19289,7 @@
           <p:cNvPr id="24" name="TextBox 23">
             <a:extLst>
               <a:ext uri="{FF2B5EF4-FFF2-40B4-BE49-F238E27FC236}">
-                <a16:creationId xmlns:a16="http://schemas.microsoft.com/office/drawing/2014/main" id="{41127CD7-9A26-D35B-FE9F-658D5D6B5E2A}"/>
+                <a16:creationId xmlns:a16="http://schemas.microsoft.com/office/drawing/2014/main" id="{A3C9581B-5B13-A507-2D07-9065DBBB4DE7}"/>
               </a:ext>
             </a:extLst>
           </p:cNvPr>
@@ -21329,10 +19323,58 @@
           </a:p>
         </p:txBody>
       </p:sp>
+      <p:cxnSp>
+        <p:nvCxnSpPr>
+          <p:cNvPr id="27" name="Straight Arrow Connector 26">
+            <a:extLst>
+              <a:ext uri="{FF2B5EF4-FFF2-40B4-BE49-F238E27FC236}">
+                <a16:creationId xmlns:a16="http://schemas.microsoft.com/office/drawing/2014/main" id="{26998B13-7F1D-70EA-1A7E-8AD87F17B848}"/>
+              </a:ext>
+            </a:extLst>
+          </p:cNvPr>
+          <p:cNvCxnSpPr>
+            <a:cxnSpLocks/>
+          </p:cNvCxnSpPr>
+          <p:nvPr/>
+        </p:nvCxnSpPr>
+        <p:spPr>
+          <a:xfrm flipH="1">
+            <a:off x="9015984" y="3624938"/>
+            <a:ext cx="4894" cy="983606"/>
+          </a:xfrm>
+          <a:prstGeom prst="straightConnector1">
+            <a:avLst/>
+          </a:prstGeom>
+          <a:ln w="15875">
+            <a:solidFill>
+              <a:schemeClr val="accent1">
+                <a:lumMod val="75000"/>
+              </a:schemeClr>
+            </a:solidFill>
+            <a:prstDash val="sysDash"/>
+            <a:headEnd type="triangle"/>
+            <a:tailEnd type="none"/>
+          </a:ln>
+        </p:spPr>
+        <p:style>
+          <a:lnRef idx="1">
+            <a:schemeClr val="accent1"/>
+          </a:lnRef>
+          <a:fillRef idx="0">
+            <a:schemeClr val="accent1"/>
+          </a:fillRef>
+          <a:effectRef idx="0">
+            <a:schemeClr val="accent1"/>
+          </a:effectRef>
+          <a:fontRef idx="minor">
+            <a:schemeClr val="tx1"/>
+          </a:fontRef>
+        </p:style>
+      </p:cxnSp>
     </p:spTree>
     <p:extLst>
       <p:ext uri="{BB962C8B-B14F-4D97-AF65-F5344CB8AC3E}">
-        <p14:creationId xmlns:p14="http://schemas.microsoft.com/office/powerpoint/2010/main" val="2244678594"/>
+        <p14:creationId xmlns:p14="http://schemas.microsoft.com/office/powerpoint/2010/main" val="2176042660"/>
       </p:ext>
     </p:extLst>
   </p:cSld>
@@ -21342,7 +19384,7 @@
 </p:sld>
 </file>
 
-<file path=ppt/slides/slide4.xml><?xml version="1.0" encoding="utf-8"?>
+<file path=ppt/slides/slide3.xml><?xml version="1.0" encoding="utf-8"?>
 <p:sld xmlns:a="http://schemas.openxmlformats.org/drawingml/2006/main" xmlns:r="http://schemas.openxmlformats.org/officeDocument/2006/relationships" xmlns:p="http://schemas.openxmlformats.org/presentationml/2006/main">
   <p:cSld>
     <p:spTree>
@@ -21437,7 +19479,7 @@
                 <a:tabLst/>
                 <a:defRPr/>
               </a:pPr>
-              <a:t>4</a:t>
+              <a:t>3</a:t>
             </a:fld>
             <a:endParaRPr kumimoji="0" lang="en-US" sz="1800" b="0" i="0" u="none" strike="noStrike" kern="1200" cap="none" spc="0" normalizeH="0" baseline="0" noProof="0">
               <a:ln>
@@ -22680,7 +20722,7 @@
 </p:sld>
 </file>
 
-<file path=ppt/slides/slide5.xml><?xml version="1.0" encoding="utf-8"?>
+<file path=ppt/slides/slide4.xml><?xml version="1.0" encoding="utf-8"?>
 <p:sld xmlns:a="http://schemas.openxmlformats.org/drawingml/2006/main" xmlns:r="http://schemas.openxmlformats.org/officeDocument/2006/relationships" xmlns:p="http://schemas.openxmlformats.org/presentationml/2006/main">
   <p:cSld>
     <p:spTree>
@@ -22933,7 +20975,7 @@
                 <a:tabLst/>
                 <a:defRPr/>
               </a:pPr>
-              <a:t>5</a:t>
+              <a:t>4</a:t>
             </a:fld>
             <a:endParaRPr kumimoji="0" lang="en-US" sz="1800" b="0" i="0" u="none" strike="noStrike" kern="1200" cap="none" spc="0" normalizeH="0" baseline="0" noProof="0">
               <a:ln>
@@ -25856,12 +23898,27 @@
 </file>
 
 <file path=customXml/item1.xml><?xml version="1.0" encoding="utf-8"?>
-<?mso-contentType ?>
-<FormTemplates xmlns="http://schemas.microsoft.com/sharepoint/v3/contenttype/forms">
-  <Display>DocumentLibraryForm</Display>
-  <Edit>DocumentLibraryForm</Edit>
-  <New>DocumentLibraryForm</New>
-</FormTemplates>
+<p:properties xmlns:p="http://schemas.microsoft.com/office/2006/metadata/properties" xmlns:xsi="http://www.w3.org/2001/XMLSchema-instance" xmlns:pc="http://schemas.microsoft.com/office/infopath/2007/PartnerControls">
+  <documentManagement>
+    <SharedWithUsers xmlns="5bceed9a-bae5-4329-97ef-b259bd0b225e">
+      <UserInfo>
+        <DisplayName>Ambrose, Nalini</DisplayName>
+        <AccountId>13</AccountId>
+        <AccountType/>
+      </UserInfo>
+      <UserInfo>
+        <DisplayName>Lyall, Jessica</DisplayName>
+        <AccountId>178</AccountId>
+        <AccountType/>
+      </UserInfo>
+      <UserInfo>
+        <DisplayName>Horbachevsky, Olexa</DisplayName>
+        <AccountId>10</AccountId>
+        <AccountType/>
+      </UserInfo>
+    </SharedWithUsers>
+  </documentManagement>
+</p:properties>
 </file>
 
 <file path=customXml/item2.xml><?xml version="1.0" encoding="utf-8"?>
@@ -26062,33 +24119,27 @@
 </file>
 
 <file path=customXml/item3.xml><?xml version="1.0" encoding="utf-8"?>
-<p:properties xmlns:p="http://schemas.microsoft.com/office/2006/metadata/properties" xmlns:xsi="http://www.w3.org/2001/XMLSchema-instance" xmlns:pc="http://schemas.microsoft.com/office/infopath/2007/PartnerControls">
-  <documentManagement>
-    <SharedWithUsers xmlns="5bceed9a-bae5-4329-97ef-b259bd0b225e">
-      <UserInfo>
-        <DisplayName>Ambrose, Nalini</DisplayName>
-        <AccountId>13</AccountId>
-        <AccountType/>
-      </UserInfo>
-      <UserInfo>
-        <DisplayName>Lyall, Jessica</DisplayName>
-        <AccountId>178</AccountId>
-        <AccountType/>
-      </UserInfo>
-      <UserInfo>
-        <DisplayName>Horbachevsky, Olexa</DisplayName>
-        <AccountId>10</AccountId>
-        <AccountType/>
-      </UserInfo>
-    </SharedWithUsers>
-  </documentManagement>
-</p:properties>
+<?mso-contentType ?>
+<FormTemplates xmlns="http://schemas.microsoft.com/sharepoint/v3/contenttype/forms">
+  <Display>DocumentLibraryForm</Display>
+  <Edit>DocumentLibraryForm</Edit>
+  <New>DocumentLibraryForm</New>
+</FormTemplates>
 </file>
 
 <file path=customXml/itemProps1.xml><?xml version="1.0" encoding="utf-8"?>
-<ds:datastoreItem xmlns:ds="http://schemas.openxmlformats.org/officeDocument/2006/customXml" ds:itemID="{416BA5C9-2D71-4B86-AE8A-8C0D9BC5FB22}">
+<ds:datastoreItem xmlns:ds="http://schemas.openxmlformats.org/officeDocument/2006/customXml" ds:itemID="{5450FCDD-08B1-48D8-BB50-7A17E590A5EE}">
   <ds:schemaRefs>
-    <ds:schemaRef ds:uri="http://schemas.microsoft.com/sharepoint/v3/contenttype/forms"/>
+    <ds:schemaRef ds:uri="http://purl.org/dc/terms/"/>
+    <ds:schemaRef ds:uri="http://schemas.openxmlformats.org/package/2006/metadata/core-properties"/>
+    <ds:schemaRef ds:uri="http://purl.org/dc/dcmitype/"/>
+    <ds:schemaRef ds:uri="http://schemas.microsoft.com/office/infopath/2007/PartnerControls"/>
+    <ds:schemaRef ds:uri="http://schemas.microsoft.com/office/2006/documentManagement/types"/>
+    <ds:schemaRef ds:uri="5bceed9a-bae5-4329-97ef-b259bd0b225e"/>
+    <ds:schemaRef ds:uri="http://purl.org/dc/elements/1.1/"/>
+    <ds:schemaRef ds:uri="http://schemas.microsoft.com/office/2006/metadata/properties"/>
+    <ds:schemaRef ds:uri="c6e6fbc9-cbf1-42ee-bbf0-d6e110e2b732"/>
+    <ds:schemaRef ds:uri="http://www.w3.org/XML/1998/namespace"/>
   </ds:schemaRefs>
 </ds:datastoreItem>
 </file>
@@ -26113,18 +24164,9 @@
 </file>
 
 <file path=customXml/itemProps3.xml><?xml version="1.0" encoding="utf-8"?>
-<ds:datastoreItem xmlns:ds="http://schemas.openxmlformats.org/officeDocument/2006/customXml" ds:itemID="{5450FCDD-08B1-48D8-BB50-7A17E590A5EE}">
+<ds:datastoreItem xmlns:ds="http://schemas.openxmlformats.org/officeDocument/2006/customXml" ds:itemID="{416BA5C9-2D71-4B86-AE8A-8C0D9BC5FB22}">
   <ds:schemaRefs>
-    <ds:schemaRef ds:uri="http://purl.org/dc/terms/"/>
-    <ds:schemaRef ds:uri="http://schemas.openxmlformats.org/package/2006/metadata/core-properties"/>
-    <ds:schemaRef ds:uri="http://purl.org/dc/dcmitype/"/>
-    <ds:schemaRef ds:uri="http://schemas.microsoft.com/office/infopath/2007/PartnerControls"/>
-    <ds:schemaRef ds:uri="http://schemas.microsoft.com/office/2006/documentManagement/types"/>
-    <ds:schemaRef ds:uri="5bceed9a-bae5-4329-97ef-b259bd0b225e"/>
-    <ds:schemaRef ds:uri="http://purl.org/dc/elements/1.1/"/>
-    <ds:schemaRef ds:uri="http://schemas.microsoft.com/office/2006/metadata/properties"/>
-    <ds:schemaRef ds:uri="c6e6fbc9-cbf1-42ee-bbf0-d6e110e2b732"/>
-    <ds:schemaRef ds:uri="http://www.w3.org/XML/1998/namespace"/>
+    <ds:schemaRef ds:uri="http://schemas.microsoft.com/sharepoint/v3/contenttype/forms"/>
   </ds:schemaRefs>
 </ds:datastoreItem>
 </file>
--- a/input/images-source/CRD_DTR_Flow.pptx
+++ b/input/images-source/CRD_DTR_Flow.pptx
@@ -20759,8 +20759,8 @@
         </p:nvSpPr>
         <p:spPr>
           <a:xfrm>
-            <a:off x="3241701" y="4454403"/>
-            <a:ext cx="1961874" cy="718205"/>
+            <a:off x="3655655" y="4454403"/>
+            <a:ext cx="1547919" cy="718205"/>
           </a:xfrm>
           <a:prstGeom prst="rect">
             <a:avLst/>
@@ -20847,7 +20847,7 @@
                 <a:ea typeface="+mn-ea"/>
                 <a:cs typeface="+mn-cs"/>
               </a:rPr>
-              <a:t>                Full DTR </a:t>
+              <a:t>    Full DTR </a:t>
             </a:r>
           </a:p>
           <a:p>
@@ -20875,7 +20875,7 @@
                 </a:solidFill>
                 <a:latin typeface="Arial" panose="020B0604020202020204"/>
               </a:rPr>
-              <a:t>                   </a:t>
+              <a:t>       </a:t>
             </a:r>
             <a:r>
               <a:rPr kumimoji="0" lang="en-US" sz="1100" i="0" u="none" strike="noStrike" kern="1200" cap="none" spc="0" normalizeH="0" baseline="0" noProof="0" dirty="0">
@@ -21405,7 +21405,24 @@
                 <a:ea typeface="+mn-ea"/>
                 <a:cs typeface="+mn-cs"/>
               </a:rPr>
-              <a:t>  DTR Payer Service</a:t>
+              <a:t>  </a:t>
+            </a:r>
+            <a:r>
+              <a:rPr kumimoji="0" lang="en-US" sz="1200" i="0" u="none" strike="noStrike" kern="1200" cap="none" spc="0" normalizeH="0" baseline="0" noProof="0" dirty="0">
+                <a:ln>
+                  <a:noFill/>
+                </a:ln>
+                <a:solidFill>
+                  <a:srgbClr val="FFFFFF"/>
+                </a:solidFill>
+                <a:effectLst/>
+                <a:uLnTx/>
+                <a:uFillTx/>
+                <a:latin typeface="Arial" panose="020B0604020202020204"/>
+                <a:ea typeface="+mn-ea"/>
+                <a:cs typeface="+mn-cs"/>
+              </a:rPr>
+              <a:t>DTR Payer Service</a:t>
             </a:r>
           </a:p>
         </p:txBody>
@@ -21574,8 +21591,8 @@
         </p:nvSpPr>
         <p:spPr>
           <a:xfrm>
-            <a:off x="4002635" y="1910050"/>
-            <a:ext cx="1615036" cy="718205"/>
+            <a:off x="4626321" y="1910050"/>
+            <a:ext cx="991350" cy="718205"/>
           </a:xfrm>
           <a:prstGeom prst="rect">
             <a:avLst/>
@@ -21662,7 +21679,7 @@
                 <a:ea typeface="+mn-ea"/>
                 <a:cs typeface="+mn-cs"/>
               </a:rPr>
-              <a:t>                Light DTR     </a:t>
+              <a:t> Light DTR     </a:t>
             </a:r>
           </a:p>
           <a:p>
@@ -21690,7 +21707,7 @@
                 </a:solidFill>
                 <a:latin typeface="Arial" panose="020B0604020202020204"/>
               </a:rPr>
-              <a:t>                    </a:t>
+              <a:t>     </a:t>
             </a:r>
             <a:r>
               <a:rPr kumimoji="0" lang="en-US" sz="1200" i="0" u="none" strike="noStrike" kern="1200" cap="none" spc="0" normalizeH="0" baseline="0" noProof="0" dirty="0">
@@ -22084,63 +22101,8 @@
         </p:nvSpPr>
         <p:spPr>
           <a:xfrm>
-            <a:off x="2387646" y="3641054"/>
+            <a:off x="2229830" y="3594669"/>
             <a:ext cx="1547919" cy="1917100"/>
-          </a:xfrm>
-          <a:prstGeom prst="rect">
-            <a:avLst/>
-          </a:prstGeom>
-          <a:solidFill>
-            <a:schemeClr val="bg1"/>
-          </a:solidFill>
-          <a:ln>
-            <a:noFill/>
-          </a:ln>
-          <a:effectLst>
-            <a:softEdge rad="190500"/>
-          </a:effectLst>
-        </p:spPr>
-        <p:style>
-          <a:lnRef idx="2">
-            <a:schemeClr val="accent1">
-              <a:shade val="15000"/>
-            </a:schemeClr>
-          </a:lnRef>
-          <a:fillRef idx="1">
-            <a:schemeClr val="accent1"/>
-          </a:fillRef>
-          <a:effectRef idx="0">
-            <a:schemeClr val="accent1"/>
-          </a:effectRef>
-          <a:fontRef idx="minor">
-            <a:schemeClr val="lt1"/>
-          </a:fontRef>
-        </p:style>
-        <p:txBody>
-          <a:bodyPr rtlCol="0" anchor="ctr"/>
-          <a:lstStyle/>
-          <a:p>
-            <a:pPr algn="ctr"/>
-            <a:endParaRPr lang="en-US"/>
-          </a:p>
-        </p:txBody>
-      </p:sp>
-      <p:sp>
-        <p:nvSpPr>
-          <p:cNvPr id="11" name="Rectangle 10">
-            <a:extLst>
-              <a:ext uri="{FF2B5EF4-FFF2-40B4-BE49-F238E27FC236}">
-                <a16:creationId xmlns:a16="http://schemas.microsoft.com/office/drawing/2014/main" id="{A3DE90FD-5DEB-6028-98D9-E8F248887C8F}"/>
-              </a:ext>
-            </a:extLst>
-          </p:cNvPr>
-          <p:cNvSpPr/>
-          <p:nvPr/>
-        </p:nvSpPr>
-        <p:spPr>
-          <a:xfrm>
-            <a:off x="3228675" y="1595100"/>
-            <a:ext cx="1547919" cy="1382115"/>
           </a:xfrm>
           <a:prstGeom prst="rect">
             <a:avLst/>
@@ -23898,27 +23860,12 @@
 </file>
 
 <file path=customXml/item1.xml><?xml version="1.0" encoding="utf-8"?>
-<p:properties xmlns:p="http://schemas.microsoft.com/office/2006/metadata/properties" xmlns:xsi="http://www.w3.org/2001/XMLSchema-instance" xmlns:pc="http://schemas.microsoft.com/office/infopath/2007/PartnerControls">
-  <documentManagement>
-    <SharedWithUsers xmlns="5bceed9a-bae5-4329-97ef-b259bd0b225e">
-      <UserInfo>
-        <DisplayName>Ambrose, Nalini</DisplayName>
-        <AccountId>13</AccountId>
-        <AccountType/>
-      </UserInfo>
-      <UserInfo>
-        <DisplayName>Lyall, Jessica</DisplayName>
-        <AccountId>178</AccountId>
-        <AccountType/>
-      </UserInfo>
-      <UserInfo>
-        <DisplayName>Horbachevsky, Olexa</DisplayName>
-        <AccountId>10</AccountId>
-        <AccountType/>
-      </UserInfo>
-    </SharedWithUsers>
-  </documentManagement>
-</p:properties>
+<?mso-contentType ?>
+<FormTemplates xmlns="http://schemas.microsoft.com/sharepoint/v3/contenttype/forms">
+  <Display>DocumentLibraryForm</Display>
+  <Edit>DocumentLibraryForm</Edit>
+  <New>DocumentLibraryForm</New>
+</FormTemplates>
 </file>
 
 <file path=customXml/item2.xml><?xml version="1.0" encoding="utf-8"?>
@@ -24119,27 +24066,33 @@
 </file>
 
 <file path=customXml/item3.xml><?xml version="1.0" encoding="utf-8"?>
-<?mso-contentType ?>
-<FormTemplates xmlns="http://schemas.microsoft.com/sharepoint/v3/contenttype/forms">
-  <Display>DocumentLibraryForm</Display>
-  <Edit>DocumentLibraryForm</Edit>
-  <New>DocumentLibraryForm</New>
-</FormTemplates>
+<p:properties xmlns:p="http://schemas.microsoft.com/office/2006/metadata/properties" xmlns:xsi="http://www.w3.org/2001/XMLSchema-instance" xmlns:pc="http://schemas.microsoft.com/office/infopath/2007/PartnerControls">
+  <documentManagement>
+    <SharedWithUsers xmlns="5bceed9a-bae5-4329-97ef-b259bd0b225e">
+      <UserInfo>
+        <DisplayName>Ambrose, Nalini</DisplayName>
+        <AccountId>13</AccountId>
+        <AccountType/>
+      </UserInfo>
+      <UserInfo>
+        <DisplayName>Lyall, Jessica</DisplayName>
+        <AccountId>178</AccountId>
+        <AccountType/>
+      </UserInfo>
+      <UserInfo>
+        <DisplayName>Horbachevsky, Olexa</DisplayName>
+        <AccountId>10</AccountId>
+        <AccountType/>
+      </UserInfo>
+    </SharedWithUsers>
+  </documentManagement>
+</p:properties>
 </file>
 
 <file path=customXml/itemProps1.xml><?xml version="1.0" encoding="utf-8"?>
-<ds:datastoreItem xmlns:ds="http://schemas.openxmlformats.org/officeDocument/2006/customXml" ds:itemID="{5450FCDD-08B1-48D8-BB50-7A17E590A5EE}">
+<ds:datastoreItem xmlns:ds="http://schemas.openxmlformats.org/officeDocument/2006/customXml" ds:itemID="{416BA5C9-2D71-4B86-AE8A-8C0D9BC5FB22}">
   <ds:schemaRefs>
-    <ds:schemaRef ds:uri="http://purl.org/dc/terms/"/>
-    <ds:schemaRef ds:uri="http://schemas.openxmlformats.org/package/2006/metadata/core-properties"/>
-    <ds:schemaRef ds:uri="http://purl.org/dc/dcmitype/"/>
-    <ds:schemaRef ds:uri="http://schemas.microsoft.com/office/infopath/2007/PartnerControls"/>
-    <ds:schemaRef ds:uri="http://schemas.microsoft.com/office/2006/documentManagement/types"/>
-    <ds:schemaRef ds:uri="5bceed9a-bae5-4329-97ef-b259bd0b225e"/>
-    <ds:schemaRef ds:uri="http://purl.org/dc/elements/1.1/"/>
-    <ds:schemaRef ds:uri="http://schemas.microsoft.com/office/2006/metadata/properties"/>
-    <ds:schemaRef ds:uri="c6e6fbc9-cbf1-42ee-bbf0-d6e110e2b732"/>
-    <ds:schemaRef ds:uri="http://www.w3.org/XML/1998/namespace"/>
+    <ds:schemaRef ds:uri="http://schemas.microsoft.com/sharepoint/v3/contenttype/forms"/>
   </ds:schemaRefs>
 </ds:datastoreItem>
 </file>
@@ -24164,9 +24117,18 @@
 </file>
 
 <file path=customXml/itemProps3.xml><?xml version="1.0" encoding="utf-8"?>
-<ds:datastoreItem xmlns:ds="http://schemas.openxmlformats.org/officeDocument/2006/customXml" ds:itemID="{416BA5C9-2D71-4B86-AE8A-8C0D9BC5FB22}">
+<ds:datastoreItem xmlns:ds="http://schemas.openxmlformats.org/officeDocument/2006/customXml" ds:itemID="{5450FCDD-08B1-48D8-BB50-7A17E590A5EE}">
   <ds:schemaRefs>
-    <ds:schemaRef ds:uri="http://schemas.microsoft.com/sharepoint/v3/contenttype/forms"/>
+    <ds:schemaRef ds:uri="http://purl.org/dc/terms/"/>
+    <ds:schemaRef ds:uri="http://schemas.openxmlformats.org/package/2006/metadata/core-properties"/>
+    <ds:schemaRef ds:uri="http://purl.org/dc/dcmitype/"/>
+    <ds:schemaRef ds:uri="http://schemas.microsoft.com/office/infopath/2007/PartnerControls"/>
+    <ds:schemaRef ds:uri="http://schemas.microsoft.com/office/2006/documentManagement/types"/>
+    <ds:schemaRef ds:uri="5bceed9a-bae5-4329-97ef-b259bd0b225e"/>
+    <ds:schemaRef ds:uri="http://purl.org/dc/elements/1.1/"/>
+    <ds:schemaRef ds:uri="http://schemas.microsoft.com/office/2006/metadata/properties"/>
+    <ds:schemaRef ds:uri="c6e6fbc9-cbf1-42ee-bbf0-d6e110e2b732"/>
+    <ds:schemaRef ds:uri="http://www.w3.org/XML/1998/namespace"/>
   </ds:schemaRefs>
 </ds:datastoreItem>
 </file>
--- a/input/images-source/CRD_DTR_Flow.pptx
+++ b/input/images-source/CRD_DTR_Flow.pptx
@@ -3246,7 +3246,7 @@
           <a:p>
             <a:fld id="{FD8C879B-2DAC-426D-B5B4-08F42B952A26}" type="datetimeFigureOut">
               <a:rPr lang="en-US" smtClean="0"/>
-              <a:t>12/16/2024</a:t>
+              <a:t>12/17/2024</a:t>
             </a:fld>
             <a:endParaRPr lang="en-US" dirty="0"/>
           </a:p>
@@ -3423,7 +3423,7 @@
           <a:p>
             <a:fld id="{92E54576-A3BB-48F9-891E-992E86D01A7B}" type="datetimeFigureOut">
               <a:rPr lang="en-US" smtClean="0"/>
-              <a:t>12/16/2024</a:t>
+              <a:t>12/17/2024</a:t>
             </a:fld>
             <a:endParaRPr lang="en-US" dirty="0"/>
           </a:p>
@@ -7712,7 +7712,7 @@
           <a:p>
             <a:fld id="{41EA1E7C-71D6-4729-84AA-F013DDAF4032}" type="datetimeFigureOut">
               <a:rPr lang="en-US" smtClean="0"/>
-              <a:t>12/16/2024</a:t>
+              <a:t>12/17/2024</a:t>
             </a:fld>
             <a:endParaRPr lang="en-US" dirty="0"/>
           </a:p>
@@ -20747,158 +20747,6 @@
       </p:grpSpPr>
       <p:sp>
         <p:nvSpPr>
-          <p:cNvPr id="8" name="Rectangle 7">
-            <a:extLst>
-              <a:ext uri="{FF2B5EF4-FFF2-40B4-BE49-F238E27FC236}">
-                <a16:creationId xmlns:a16="http://schemas.microsoft.com/office/drawing/2014/main" id="{0ECA9B41-EE22-89F2-3349-3066A0341B60}"/>
-              </a:ext>
-            </a:extLst>
-          </p:cNvPr>
-          <p:cNvSpPr/>
-          <p:nvPr/>
-        </p:nvSpPr>
-        <p:spPr>
-          <a:xfrm>
-            <a:off x="3655655" y="4454403"/>
-            <a:ext cx="1547919" cy="718205"/>
-          </a:xfrm>
-          <a:prstGeom prst="rect">
-            <a:avLst/>
-          </a:prstGeom>
-          <a:gradFill flip="none" rotWithShape="1">
-            <a:gsLst>
-              <a:gs pos="0">
-                <a:schemeClr val="accent5">
-                  <a:lumMod val="67000"/>
-                </a:schemeClr>
-              </a:gs>
-              <a:gs pos="100000">
-                <a:schemeClr val="accent5">
-                  <a:lumMod val="97000"/>
-                  <a:lumOff val="3000"/>
-                </a:schemeClr>
-              </a:gs>
-            </a:gsLst>
-            <a:lin ang="5400000" scaled="1"/>
-            <a:tileRect/>
-          </a:gradFill>
-          <a:ln>
-            <a:solidFill>
-              <a:schemeClr val="tx1"/>
-            </a:solidFill>
-          </a:ln>
-          <a:effectLst>
-            <a:outerShdw blurRad="50800" dist="38100" dir="2700000" algn="tl" rotWithShape="0">
-              <a:prstClr val="black">
-                <a:alpha val="40000"/>
-              </a:prstClr>
-            </a:outerShdw>
-          </a:effectLst>
-        </p:spPr>
-        <p:style>
-          <a:lnRef idx="2">
-            <a:schemeClr val="accent2">
-              <a:shade val="50000"/>
-            </a:schemeClr>
-          </a:lnRef>
-          <a:fillRef idx="1">
-            <a:schemeClr val="accent2"/>
-          </a:fillRef>
-          <a:effectRef idx="0">
-            <a:schemeClr val="accent2"/>
-          </a:effectRef>
-          <a:fontRef idx="minor">
-            <a:schemeClr val="lt1"/>
-          </a:fontRef>
-        </p:style>
-        <p:txBody>
-          <a:bodyPr rtlCol="0" anchor="ctr"/>
-          <a:lstStyle/>
-          <a:p>
-            <a:pPr marL="0" marR="0" lvl="0" indent="0" algn="l" defTabSz="914400" rtl="0" eaLnBrk="1" fontAlgn="auto" latinLnBrk="0" hangingPunct="1">
-              <a:lnSpc>
-                <a:spcPct val="100000"/>
-              </a:lnSpc>
-              <a:spcBef>
-                <a:spcPts val="0"/>
-              </a:spcBef>
-              <a:spcAft>
-                <a:spcPts val="0"/>
-              </a:spcAft>
-              <a:buClrTx/>
-              <a:buSzTx/>
-              <a:buFontTx/>
-              <a:buNone/>
-              <a:tabLst/>
-              <a:defRPr/>
-            </a:pPr>
-            <a:r>
-              <a:rPr kumimoji="0" lang="en-US" sz="1100" i="0" u="none" strike="noStrike" kern="1200" cap="none" spc="0" normalizeH="0" baseline="0" noProof="0" dirty="0">
-                <a:ln>
-                  <a:noFill/>
-                </a:ln>
-                <a:solidFill>
-                  <a:srgbClr val="FFFFFF"/>
-                </a:solidFill>
-                <a:effectLst/>
-                <a:uLnTx/>
-                <a:uFillTx/>
-                <a:latin typeface="Arial" panose="020B0604020202020204"/>
-                <a:ea typeface="+mn-ea"/>
-                <a:cs typeface="+mn-cs"/>
-              </a:rPr>
-              <a:t>    Full DTR </a:t>
-            </a:r>
-          </a:p>
-          <a:p>
-            <a:pPr marL="0" marR="0" lvl="0" indent="0" algn="l" defTabSz="914400" rtl="0" eaLnBrk="1" fontAlgn="auto" latinLnBrk="0" hangingPunct="1">
-              <a:lnSpc>
-                <a:spcPct val="100000"/>
-              </a:lnSpc>
-              <a:spcBef>
-                <a:spcPts val="0"/>
-              </a:spcBef>
-              <a:spcAft>
-                <a:spcPts val="0"/>
-              </a:spcAft>
-              <a:buClrTx/>
-              <a:buSzTx/>
-              <a:buFontTx/>
-              <a:buNone/>
-              <a:tabLst/>
-              <a:defRPr/>
-            </a:pPr>
-            <a:r>
-              <a:rPr lang="en-US" sz="1100" dirty="0">
-                <a:solidFill>
-                  <a:srgbClr val="FFFFFF"/>
-                </a:solidFill>
-                <a:latin typeface="Arial" panose="020B0604020202020204"/>
-              </a:rPr>
-              <a:t>       </a:t>
-            </a:r>
-            <a:r>
-              <a:rPr kumimoji="0" lang="en-US" sz="1100" i="0" u="none" strike="noStrike" kern="1200" cap="none" spc="0" normalizeH="0" baseline="0" noProof="0" dirty="0">
-                <a:ln>
-                  <a:noFill/>
-                </a:ln>
-                <a:solidFill>
-                  <a:srgbClr val="FFFFFF"/>
-                </a:solidFill>
-                <a:effectLst/>
-                <a:uLnTx/>
-                <a:uFillTx/>
-                <a:latin typeface="Arial" panose="020B0604020202020204"/>
-                <a:ea typeface="+mn-ea"/>
-                <a:cs typeface="+mn-cs"/>
-              </a:rPr>
-              <a:t>EHR</a:t>
-            </a:r>
-          </a:p>
-        </p:txBody>
-      </p:sp>
-      <p:sp>
-        <p:nvSpPr>
           <p:cNvPr id="2" name="Slide Number Placeholder 1">
             <a:extLst>
               <a:ext uri="{FF2B5EF4-FFF2-40B4-BE49-F238E27FC236}">
@@ -20996,523 +20844,6 @@
       </p:sp>
       <p:sp>
         <p:nvSpPr>
-          <p:cNvPr id="38" name="Arrow: Pentagon 37">
-            <a:extLst>
-              <a:ext uri="{FF2B5EF4-FFF2-40B4-BE49-F238E27FC236}">
-                <a16:creationId xmlns:a16="http://schemas.microsoft.com/office/drawing/2014/main" id="{05ED2950-0F11-C5E1-C515-CECEAFF01425}"/>
-              </a:ext>
-            </a:extLst>
-          </p:cNvPr>
-          <p:cNvSpPr/>
-          <p:nvPr/>
-        </p:nvSpPr>
-        <p:spPr>
-          <a:xfrm flipH="1">
-            <a:off x="4511438" y="4553219"/>
-            <a:ext cx="714855" cy="506959"/>
-          </a:xfrm>
-          <a:prstGeom prst="homePlate">
-            <a:avLst>
-              <a:gd name="adj" fmla="val 41176"/>
-            </a:avLst>
-          </a:prstGeom>
-          <a:solidFill>
-            <a:schemeClr val="accent5">
-              <a:lumMod val="20000"/>
-              <a:lumOff val="80000"/>
-            </a:schemeClr>
-          </a:solidFill>
-          <a:ln>
-            <a:prstDash val="sysDash"/>
-          </a:ln>
-          <a:effectLst>
-            <a:softEdge rad="38100"/>
-          </a:effectLst>
-        </p:spPr>
-        <p:style>
-          <a:lnRef idx="2">
-            <a:schemeClr val="accent1">
-              <a:shade val="15000"/>
-            </a:schemeClr>
-          </a:lnRef>
-          <a:fillRef idx="1">
-            <a:schemeClr val="accent1"/>
-          </a:fillRef>
-          <a:effectRef idx="0">
-            <a:schemeClr val="accent1"/>
-          </a:effectRef>
-          <a:fontRef idx="minor">
-            <a:schemeClr val="lt1"/>
-          </a:fontRef>
-        </p:style>
-        <p:txBody>
-          <a:bodyPr lIns="82296" rIns="82296" rtlCol="0" anchor="ctr"/>
-          <a:lstStyle/>
-          <a:p>
-            <a:pPr marL="0" marR="0" lvl="0" indent="0" algn="ctr" defTabSz="914400" rtl="0" eaLnBrk="1" fontAlgn="auto" latinLnBrk="0" hangingPunct="1">
-              <a:lnSpc>
-                <a:spcPct val="100000"/>
-              </a:lnSpc>
-              <a:spcBef>
-                <a:spcPts val="0"/>
-              </a:spcBef>
-              <a:spcAft>
-                <a:spcPts val="0"/>
-              </a:spcAft>
-              <a:buClrTx/>
-              <a:buSzTx/>
-              <a:buFontTx/>
-              <a:buNone/>
-              <a:tabLst/>
-              <a:defRPr/>
-            </a:pPr>
-            <a:r>
-              <a:rPr kumimoji="0" lang="en-US" sz="1200" b="0" i="0" u="none" strike="noStrike" kern="1200" cap="none" spc="0" normalizeH="0" baseline="0" noProof="0" dirty="0">
-                <a:ln>
-                  <a:noFill/>
-                </a:ln>
-                <a:solidFill>
-                  <a:srgbClr val="335EAC">
-                    <a:lumMod val="50000"/>
-                  </a:srgbClr>
-                </a:solidFill>
-                <a:effectLst/>
-                <a:uLnTx/>
-                <a:uFillTx/>
-                <a:latin typeface="Arial" panose="020B0604020202020204"/>
-                <a:ea typeface="+mn-ea"/>
-                <a:cs typeface="+mn-cs"/>
-              </a:rPr>
-              <a:t>Native App</a:t>
-            </a:r>
-          </a:p>
-        </p:txBody>
-      </p:sp>
-      <p:sp>
-        <p:nvSpPr>
-          <p:cNvPr id="39" name="Rectangle 38">
-            <a:extLst>
-              <a:ext uri="{FF2B5EF4-FFF2-40B4-BE49-F238E27FC236}">
-                <a16:creationId xmlns:a16="http://schemas.microsoft.com/office/drawing/2014/main" id="{4607B400-CF05-CA7B-656C-13049EC42F56}"/>
-              </a:ext>
-            </a:extLst>
-          </p:cNvPr>
-          <p:cNvSpPr/>
-          <p:nvPr/>
-        </p:nvSpPr>
-        <p:spPr>
-          <a:xfrm>
-            <a:off x="4132370" y="3858367"/>
-            <a:ext cx="1075645" cy="448065"/>
-          </a:xfrm>
-          <a:prstGeom prst="rect">
-            <a:avLst/>
-          </a:prstGeom>
-          <a:solidFill>
-            <a:schemeClr val="accent5">
-              <a:lumMod val="20000"/>
-              <a:lumOff val="80000"/>
-            </a:schemeClr>
-          </a:solidFill>
-          <a:ln>
-            <a:solidFill>
-              <a:schemeClr val="tx1"/>
-            </a:solidFill>
-          </a:ln>
-          <a:effectLst>
-            <a:outerShdw blurRad="50800" dist="38100" dir="2700000" algn="tl" rotWithShape="0">
-              <a:prstClr val="black">
-                <a:alpha val="40000"/>
-              </a:prstClr>
-            </a:outerShdw>
-          </a:effectLst>
-        </p:spPr>
-        <p:style>
-          <a:lnRef idx="2">
-            <a:schemeClr val="accent2">
-              <a:shade val="50000"/>
-            </a:schemeClr>
-          </a:lnRef>
-          <a:fillRef idx="1">
-            <a:schemeClr val="accent2"/>
-          </a:fillRef>
-          <a:effectRef idx="0">
-            <a:schemeClr val="accent2"/>
-          </a:effectRef>
-          <a:fontRef idx="minor">
-            <a:schemeClr val="lt1"/>
-          </a:fontRef>
-        </p:style>
-        <p:txBody>
-          <a:bodyPr rtlCol="0" anchor="ctr"/>
-          <a:lstStyle/>
-          <a:p>
-            <a:pPr marL="0" marR="0" lvl="0" indent="0" algn="ctr" defTabSz="914400" rtl="0" eaLnBrk="1" fontAlgn="auto" latinLnBrk="0" hangingPunct="1">
-              <a:lnSpc>
-                <a:spcPct val="100000"/>
-              </a:lnSpc>
-              <a:spcBef>
-                <a:spcPts val="0"/>
-              </a:spcBef>
-              <a:spcAft>
-                <a:spcPts val="0"/>
-              </a:spcAft>
-              <a:buClrTx/>
-              <a:buSzTx/>
-              <a:buFontTx/>
-              <a:buNone/>
-              <a:tabLst/>
-              <a:defRPr/>
-            </a:pPr>
-            <a:r>
-              <a:rPr kumimoji="0" lang="en-US" sz="1200" b="0" i="0" u="none" strike="noStrike" kern="1200" cap="none" spc="0" normalizeH="0" baseline="0" noProof="0" dirty="0">
-                <a:ln>
-                  <a:noFill/>
-                </a:ln>
-                <a:solidFill>
-                  <a:srgbClr val="335EAC">
-                    <a:lumMod val="50000"/>
-                  </a:srgbClr>
-                </a:solidFill>
-                <a:effectLst/>
-                <a:uLnTx/>
-                <a:uFillTx/>
-                <a:latin typeface="Arial" panose="020B0604020202020204"/>
-                <a:ea typeface="+mn-ea"/>
-                <a:cs typeface="+mn-cs"/>
-              </a:rPr>
-              <a:t>SMART </a:t>
-            </a:r>
-          </a:p>
-          <a:p>
-            <a:pPr marL="0" marR="0" lvl="0" indent="0" algn="ctr" defTabSz="914400" rtl="0" eaLnBrk="1" fontAlgn="auto" latinLnBrk="0" hangingPunct="1">
-              <a:lnSpc>
-                <a:spcPct val="100000"/>
-              </a:lnSpc>
-              <a:spcBef>
-                <a:spcPts val="0"/>
-              </a:spcBef>
-              <a:spcAft>
-                <a:spcPts val="0"/>
-              </a:spcAft>
-              <a:buClrTx/>
-              <a:buSzTx/>
-              <a:buFontTx/>
-              <a:buNone/>
-              <a:tabLst/>
-              <a:defRPr/>
-            </a:pPr>
-            <a:r>
-              <a:rPr kumimoji="0" lang="en-US" sz="1200" b="0" i="0" u="none" strike="noStrike" kern="1200" cap="none" spc="0" normalizeH="0" baseline="0" noProof="0" dirty="0">
-                <a:ln>
-                  <a:noFill/>
-                </a:ln>
-                <a:solidFill>
-                  <a:srgbClr val="335EAC">
-                    <a:lumMod val="50000"/>
-                  </a:srgbClr>
-                </a:solidFill>
-                <a:effectLst/>
-                <a:uLnTx/>
-                <a:uFillTx/>
-                <a:latin typeface="Arial" panose="020B0604020202020204"/>
-                <a:ea typeface="+mn-ea"/>
-                <a:cs typeface="+mn-cs"/>
-              </a:rPr>
-              <a:t>DTR Client</a:t>
-            </a:r>
-          </a:p>
-        </p:txBody>
-      </p:sp>
-      <p:sp>
-        <p:nvSpPr>
-          <p:cNvPr id="41" name="Arrow: Left-Right 40">
-            <a:extLst>
-              <a:ext uri="{FF2B5EF4-FFF2-40B4-BE49-F238E27FC236}">
-                <a16:creationId xmlns:a16="http://schemas.microsoft.com/office/drawing/2014/main" id="{8BAC55F6-FFCE-EE96-2E32-604D1D693C20}"/>
-              </a:ext>
-            </a:extLst>
-          </p:cNvPr>
-          <p:cNvSpPr/>
-          <p:nvPr/>
-        </p:nvSpPr>
-        <p:spPr>
-          <a:xfrm>
-            <a:off x="5216201" y="3890714"/>
-            <a:ext cx="1304945" cy="363127"/>
-          </a:xfrm>
-          <a:prstGeom prst="leftRightArrow">
-            <a:avLst>
-              <a:gd name="adj1" fmla="val 34616"/>
-              <a:gd name="adj2" fmla="val 45433"/>
-            </a:avLst>
-          </a:prstGeom>
-          <a:solidFill>
-            <a:schemeClr val="accent4">
-              <a:lumMod val="60000"/>
-              <a:lumOff val="40000"/>
-            </a:schemeClr>
-          </a:solidFill>
-        </p:spPr>
-        <p:style>
-          <a:lnRef idx="2">
-            <a:schemeClr val="accent1">
-              <a:shade val="15000"/>
-            </a:schemeClr>
-          </a:lnRef>
-          <a:fillRef idx="1">
-            <a:schemeClr val="accent1"/>
-          </a:fillRef>
-          <a:effectRef idx="0">
-            <a:schemeClr val="accent1"/>
-          </a:effectRef>
-          <a:fontRef idx="minor">
-            <a:schemeClr val="lt1"/>
-          </a:fontRef>
-        </p:style>
-        <p:txBody>
-          <a:bodyPr rtlCol="0" anchor="ctr"/>
-          <a:lstStyle/>
-          <a:p>
-            <a:pPr marL="0" marR="0" lvl="0" indent="0" algn="ctr" defTabSz="914400" rtl="0" eaLnBrk="1" fontAlgn="auto" latinLnBrk="0" hangingPunct="1">
-              <a:lnSpc>
-                <a:spcPct val="100000"/>
-              </a:lnSpc>
-              <a:spcBef>
-                <a:spcPts val="0"/>
-              </a:spcBef>
-              <a:spcAft>
-                <a:spcPts val="0"/>
-              </a:spcAft>
-              <a:buClrTx/>
-              <a:buSzTx/>
-              <a:buFontTx/>
-              <a:buNone/>
-              <a:tabLst/>
-              <a:defRPr/>
-            </a:pPr>
-            <a:endParaRPr kumimoji="0" lang="en-US" sz="1800" b="0" i="0" u="none" strike="noStrike" kern="1200" cap="none" spc="0" normalizeH="0" baseline="0" noProof="0">
-              <a:ln>
-                <a:noFill/>
-              </a:ln>
-              <a:solidFill>
-                <a:srgbClr val="FFFFFF"/>
-              </a:solidFill>
-              <a:effectLst/>
-              <a:uLnTx/>
-              <a:uFillTx/>
-              <a:latin typeface="Arial" panose="020B0604020202020204"/>
-              <a:ea typeface="+mn-ea"/>
-              <a:cs typeface="+mn-cs"/>
-            </a:endParaRPr>
-          </a:p>
-        </p:txBody>
-      </p:sp>
-      <p:sp>
-        <p:nvSpPr>
-          <p:cNvPr id="42" name="Rectangle 41">
-            <a:extLst>
-              <a:ext uri="{FF2B5EF4-FFF2-40B4-BE49-F238E27FC236}">
-                <a16:creationId xmlns:a16="http://schemas.microsoft.com/office/drawing/2014/main" id="{BEF8B076-04EC-56D6-E7CD-74F15439900A}"/>
-              </a:ext>
-            </a:extLst>
-          </p:cNvPr>
-          <p:cNvSpPr/>
-          <p:nvPr/>
-        </p:nvSpPr>
-        <p:spPr>
-          <a:xfrm>
-            <a:off x="6530025" y="3792727"/>
-            <a:ext cx="1696884" cy="1379881"/>
-          </a:xfrm>
-          <a:prstGeom prst="rect">
-            <a:avLst/>
-          </a:prstGeom>
-          <a:gradFill flip="none" rotWithShape="1">
-            <a:gsLst>
-              <a:gs pos="0">
-                <a:srgbClr val="B88C00"/>
-              </a:gs>
-              <a:gs pos="97000">
-                <a:srgbClr val="FFC000"/>
-              </a:gs>
-            </a:gsLst>
-            <a:lin ang="5400000" scaled="1"/>
-            <a:tileRect/>
-          </a:gradFill>
-          <a:ln>
-            <a:solidFill>
-              <a:schemeClr val="tx1"/>
-            </a:solidFill>
-          </a:ln>
-          <a:effectLst>
-            <a:outerShdw blurRad="50800" dist="38100" dir="2700000" algn="tl" rotWithShape="0">
-              <a:prstClr val="black">
-                <a:alpha val="40000"/>
-              </a:prstClr>
-            </a:outerShdw>
-          </a:effectLst>
-        </p:spPr>
-        <p:style>
-          <a:lnRef idx="2">
-            <a:schemeClr val="accent2">
-              <a:shade val="50000"/>
-            </a:schemeClr>
-          </a:lnRef>
-          <a:fillRef idx="1">
-            <a:schemeClr val="accent2"/>
-          </a:fillRef>
-          <a:effectRef idx="0">
-            <a:schemeClr val="accent2"/>
-          </a:effectRef>
-          <a:fontRef idx="minor">
-            <a:schemeClr val="lt1"/>
-          </a:fontRef>
-        </p:style>
-        <p:txBody>
-          <a:bodyPr rtlCol="0" anchor="ctr"/>
-          <a:lstStyle/>
-          <a:p>
-            <a:pPr marL="0" marR="0" lvl="0" indent="0" defTabSz="914400" rtl="0" eaLnBrk="1" fontAlgn="auto" latinLnBrk="0" hangingPunct="1">
-              <a:lnSpc>
-                <a:spcPct val="100000"/>
-              </a:lnSpc>
-              <a:spcBef>
-                <a:spcPts val="0"/>
-              </a:spcBef>
-              <a:spcAft>
-                <a:spcPts val="0"/>
-              </a:spcAft>
-              <a:buClrTx/>
-              <a:buSzTx/>
-              <a:buFontTx/>
-              <a:buNone/>
-              <a:tabLst/>
-              <a:defRPr/>
-            </a:pPr>
-            <a:r>
-              <a:rPr kumimoji="0" lang="en-US" sz="1200" b="1" i="0" u="none" strike="noStrike" kern="1200" cap="none" spc="0" normalizeH="0" baseline="0" noProof="0" dirty="0">
-                <a:ln>
-                  <a:noFill/>
-                </a:ln>
-                <a:solidFill>
-                  <a:srgbClr val="FFFFFF"/>
-                </a:solidFill>
-                <a:effectLst/>
-                <a:uLnTx/>
-                <a:uFillTx/>
-                <a:latin typeface="Arial" panose="020B0604020202020204"/>
-                <a:ea typeface="+mn-ea"/>
-                <a:cs typeface="+mn-cs"/>
-              </a:rPr>
-              <a:t>  </a:t>
-            </a:r>
-            <a:r>
-              <a:rPr kumimoji="0" lang="en-US" sz="1200" i="0" u="none" strike="noStrike" kern="1200" cap="none" spc="0" normalizeH="0" baseline="0" noProof="0" dirty="0">
-                <a:ln>
-                  <a:noFill/>
-                </a:ln>
-                <a:solidFill>
-                  <a:srgbClr val="FFFFFF"/>
-                </a:solidFill>
-                <a:effectLst/>
-                <a:uLnTx/>
-                <a:uFillTx/>
-                <a:latin typeface="Arial" panose="020B0604020202020204"/>
-                <a:ea typeface="+mn-ea"/>
-                <a:cs typeface="+mn-cs"/>
-              </a:rPr>
-              <a:t>DTR Payer Service</a:t>
-            </a:r>
-          </a:p>
-        </p:txBody>
-      </p:sp>
-      <p:sp>
-        <p:nvSpPr>
-          <p:cNvPr id="43" name="Arrow: Left-Right 42">
-            <a:extLst>
-              <a:ext uri="{FF2B5EF4-FFF2-40B4-BE49-F238E27FC236}">
-                <a16:creationId xmlns:a16="http://schemas.microsoft.com/office/drawing/2014/main" id="{9EA66FC6-DF68-3806-D2B1-8B7C688B6859}"/>
-              </a:ext>
-            </a:extLst>
-          </p:cNvPr>
-          <p:cNvSpPr/>
-          <p:nvPr/>
-        </p:nvSpPr>
-        <p:spPr>
-          <a:xfrm>
-            <a:off x="5208014" y="4634030"/>
-            <a:ext cx="1313131" cy="363127"/>
-          </a:xfrm>
-          <a:prstGeom prst="leftRightArrow">
-            <a:avLst>
-              <a:gd name="adj1" fmla="val 34616"/>
-              <a:gd name="adj2" fmla="val 45433"/>
-            </a:avLst>
-          </a:prstGeom>
-          <a:solidFill>
-            <a:schemeClr val="accent4">
-              <a:lumMod val="60000"/>
-              <a:lumOff val="40000"/>
-            </a:schemeClr>
-          </a:solidFill>
-        </p:spPr>
-        <p:style>
-          <a:lnRef idx="2">
-            <a:schemeClr val="accent1">
-              <a:shade val="15000"/>
-            </a:schemeClr>
-          </a:lnRef>
-          <a:fillRef idx="1">
-            <a:schemeClr val="accent1"/>
-          </a:fillRef>
-          <a:effectRef idx="0">
-            <a:schemeClr val="accent1"/>
-          </a:effectRef>
-          <a:fontRef idx="minor">
-            <a:schemeClr val="lt1"/>
-          </a:fontRef>
-        </p:style>
-        <p:txBody>
-          <a:bodyPr rtlCol="0" anchor="ctr"/>
-          <a:lstStyle/>
-          <a:p>
-            <a:pPr marL="0" marR="0" lvl="0" indent="0" algn="ctr" defTabSz="914400" rtl="0" eaLnBrk="1" fontAlgn="auto" latinLnBrk="0" hangingPunct="1">
-              <a:lnSpc>
-                <a:spcPct val="100000"/>
-              </a:lnSpc>
-              <a:spcBef>
-                <a:spcPts val="0"/>
-              </a:spcBef>
-              <a:spcAft>
-                <a:spcPts val="0"/>
-              </a:spcAft>
-              <a:buClrTx/>
-              <a:buSzTx/>
-              <a:buFontTx/>
-              <a:buNone/>
-              <a:tabLst/>
-              <a:defRPr/>
-            </a:pPr>
-            <a:endParaRPr kumimoji="0" lang="en-US" sz="1800" b="0" i="0" u="none" strike="noStrike" kern="1200" cap="none" spc="0" normalizeH="0" baseline="0" noProof="0">
-              <a:ln>
-                <a:noFill/>
-              </a:ln>
-              <a:solidFill>
-                <a:srgbClr val="FFFFFF"/>
-              </a:solidFill>
-              <a:effectLst/>
-              <a:uLnTx/>
-              <a:uFillTx/>
-              <a:latin typeface="Arial" panose="020B0604020202020204"/>
-              <a:ea typeface="+mn-ea"/>
-              <a:cs typeface="+mn-cs"/>
-            </a:endParaRPr>
-          </a:p>
-        </p:txBody>
-      </p:sp>
-      <p:sp>
-        <p:nvSpPr>
           <p:cNvPr id="3" name="Rectangle 2">
             <a:extLst>
               <a:ext uri="{FF2B5EF4-FFF2-40B4-BE49-F238E27FC236}">
@@ -22047,8 +21378,8 @@
         </p:nvSpPr>
         <p:spPr>
           <a:xfrm>
-            <a:off x="2577546" y="3830874"/>
-            <a:ext cx="1547919" cy="549544"/>
+            <a:off x="3376940" y="3830874"/>
+            <a:ext cx="744123" cy="549544"/>
           </a:xfrm>
           <a:prstGeom prst="rect">
             <a:avLst/>
@@ -22101,8 +21432,8 @@
         </p:nvSpPr>
         <p:spPr>
           <a:xfrm>
-            <a:off x="2229830" y="3594669"/>
-            <a:ext cx="1547919" cy="1917100"/>
+            <a:off x="1704610" y="3421868"/>
+            <a:ext cx="2265816" cy="1917100"/>
           </a:xfrm>
           <a:prstGeom prst="rect">
             <a:avLst/>
@@ -22114,7 +21445,7 @@
             <a:noFill/>
           </a:ln>
           <a:effectLst>
-            <a:softEdge rad="190500"/>
+            <a:softEdge rad="304800"/>
           </a:effectLst>
         </p:spPr>
         <p:style>
@@ -22139,6 +21470,658 @@
           <a:p>
             <a:pPr algn="ctr"/>
             <a:endParaRPr lang="en-US"/>
+          </a:p>
+        </p:txBody>
+      </p:sp>
+      <p:sp>
+        <p:nvSpPr>
+          <p:cNvPr id="8" name="Rectangle 7">
+            <a:extLst>
+              <a:ext uri="{FF2B5EF4-FFF2-40B4-BE49-F238E27FC236}">
+                <a16:creationId xmlns:a16="http://schemas.microsoft.com/office/drawing/2014/main" id="{0ECA9B41-EE22-89F2-3349-3066A0341B60}"/>
+              </a:ext>
+            </a:extLst>
+          </p:cNvPr>
+          <p:cNvSpPr/>
+          <p:nvPr/>
+        </p:nvSpPr>
+        <p:spPr>
+          <a:xfrm>
+            <a:off x="3655655" y="4454403"/>
+            <a:ext cx="1547919" cy="718205"/>
+          </a:xfrm>
+          <a:prstGeom prst="rect">
+            <a:avLst/>
+          </a:prstGeom>
+          <a:gradFill flip="none" rotWithShape="1">
+            <a:gsLst>
+              <a:gs pos="0">
+                <a:schemeClr val="accent5">
+                  <a:lumMod val="67000"/>
+                </a:schemeClr>
+              </a:gs>
+              <a:gs pos="100000">
+                <a:schemeClr val="accent5">
+                  <a:lumMod val="97000"/>
+                  <a:lumOff val="3000"/>
+                </a:schemeClr>
+              </a:gs>
+            </a:gsLst>
+            <a:lin ang="5400000" scaled="1"/>
+            <a:tileRect/>
+          </a:gradFill>
+          <a:ln>
+            <a:solidFill>
+              <a:schemeClr val="tx1"/>
+            </a:solidFill>
+          </a:ln>
+          <a:effectLst>
+            <a:outerShdw blurRad="50800" dist="38100" dir="2700000" algn="tl" rotWithShape="0">
+              <a:prstClr val="black">
+                <a:alpha val="40000"/>
+              </a:prstClr>
+            </a:outerShdw>
+          </a:effectLst>
+        </p:spPr>
+        <p:style>
+          <a:lnRef idx="2">
+            <a:schemeClr val="accent2">
+              <a:shade val="50000"/>
+            </a:schemeClr>
+          </a:lnRef>
+          <a:fillRef idx="1">
+            <a:schemeClr val="accent2"/>
+          </a:fillRef>
+          <a:effectRef idx="0">
+            <a:schemeClr val="accent2"/>
+          </a:effectRef>
+          <a:fontRef idx="minor">
+            <a:schemeClr val="lt1"/>
+          </a:fontRef>
+        </p:style>
+        <p:txBody>
+          <a:bodyPr rtlCol="0" anchor="ctr"/>
+          <a:lstStyle/>
+          <a:p>
+            <a:pPr marL="0" marR="0" lvl="0" indent="0" algn="l" defTabSz="914400" rtl="0" eaLnBrk="1" fontAlgn="auto" latinLnBrk="0" hangingPunct="1">
+              <a:lnSpc>
+                <a:spcPct val="100000"/>
+              </a:lnSpc>
+              <a:spcBef>
+                <a:spcPts val="0"/>
+              </a:spcBef>
+              <a:spcAft>
+                <a:spcPts val="0"/>
+              </a:spcAft>
+              <a:buClrTx/>
+              <a:buSzTx/>
+              <a:buFontTx/>
+              <a:buNone/>
+              <a:tabLst/>
+              <a:defRPr/>
+            </a:pPr>
+            <a:r>
+              <a:rPr kumimoji="0" lang="en-US" sz="1100" i="0" u="none" strike="noStrike" kern="1200" cap="none" spc="0" normalizeH="0" baseline="0" noProof="0" dirty="0">
+                <a:ln>
+                  <a:noFill/>
+                </a:ln>
+                <a:solidFill>
+                  <a:srgbClr val="FFFFFF"/>
+                </a:solidFill>
+                <a:effectLst/>
+                <a:uLnTx/>
+                <a:uFillTx/>
+                <a:latin typeface="Arial" panose="020B0604020202020204"/>
+                <a:ea typeface="+mn-ea"/>
+                <a:cs typeface="+mn-cs"/>
+              </a:rPr>
+              <a:t>    Full DTR </a:t>
+            </a:r>
+          </a:p>
+          <a:p>
+            <a:pPr marL="0" marR="0" lvl="0" indent="0" algn="l" defTabSz="914400" rtl="0" eaLnBrk="1" fontAlgn="auto" latinLnBrk="0" hangingPunct="1">
+              <a:lnSpc>
+                <a:spcPct val="100000"/>
+              </a:lnSpc>
+              <a:spcBef>
+                <a:spcPts val="0"/>
+              </a:spcBef>
+              <a:spcAft>
+                <a:spcPts val="0"/>
+              </a:spcAft>
+              <a:buClrTx/>
+              <a:buSzTx/>
+              <a:buFontTx/>
+              <a:buNone/>
+              <a:tabLst/>
+              <a:defRPr/>
+            </a:pPr>
+            <a:r>
+              <a:rPr lang="en-US" sz="1100" dirty="0">
+                <a:solidFill>
+                  <a:srgbClr val="FFFFFF"/>
+                </a:solidFill>
+                <a:latin typeface="Arial" panose="020B0604020202020204"/>
+              </a:rPr>
+              <a:t>       </a:t>
+            </a:r>
+            <a:r>
+              <a:rPr kumimoji="0" lang="en-US" sz="1100" i="0" u="none" strike="noStrike" kern="1200" cap="none" spc="0" normalizeH="0" baseline="0" noProof="0" dirty="0">
+                <a:ln>
+                  <a:noFill/>
+                </a:ln>
+                <a:solidFill>
+                  <a:srgbClr val="FFFFFF"/>
+                </a:solidFill>
+                <a:effectLst/>
+                <a:uLnTx/>
+                <a:uFillTx/>
+                <a:latin typeface="Arial" panose="020B0604020202020204"/>
+                <a:ea typeface="+mn-ea"/>
+                <a:cs typeface="+mn-cs"/>
+              </a:rPr>
+              <a:t>EHR</a:t>
+            </a:r>
+          </a:p>
+        </p:txBody>
+      </p:sp>
+      <p:sp>
+        <p:nvSpPr>
+          <p:cNvPr id="38" name="Arrow: Pentagon 37">
+            <a:extLst>
+              <a:ext uri="{FF2B5EF4-FFF2-40B4-BE49-F238E27FC236}">
+                <a16:creationId xmlns:a16="http://schemas.microsoft.com/office/drawing/2014/main" id="{05ED2950-0F11-C5E1-C515-CECEAFF01425}"/>
+              </a:ext>
+            </a:extLst>
+          </p:cNvPr>
+          <p:cNvSpPr/>
+          <p:nvPr/>
+        </p:nvSpPr>
+        <p:spPr>
+          <a:xfrm flipH="1">
+            <a:off x="4511438" y="4553219"/>
+            <a:ext cx="714855" cy="506959"/>
+          </a:xfrm>
+          <a:prstGeom prst="homePlate">
+            <a:avLst>
+              <a:gd name="adj" fmla="val 41176"/>
+            </a:avLst>
+          </a:prstGeom>
+          <a:solidFill>
+            <a:schemeClr val="accent5">
+              <a:lumMod val="20000"/>
+              <a:lumOff val="80000"/>
+            </a:schemeClr>
+          </a:solidFill>
+          <a:ln>
+            <a:prstDash val="sysDash"/>
+          </a:ln>
+          <a:effectLst>
+            <a:softEdge rad="38100"/>
+          </a:effectLst>
+        </p:spPr>
+        <p:style>
+          <a:lnRef idx="2">
+            <a:schemeClr val="accent1">
+              <a:shade val="15000"/>
+            </a:schemeClr>
+          </a:lnRef>
+          <a:fillRef idx="1">
+            <a:schemeClr val="accent1"/>
+          </a:fillRef>
+          <a:effectRef idx="0">
+            <a:schemeClr val="accent1"/>
+          </a:effectRef>
+          <a:fontRef idx="minor">
+            <a:schemeClr val="lt1"/>
+          </a:fontRef>
+        </p:style>
+        <p:txBody>
+          <a:bodyPr lIns="82296" rIns="82296" rtlCol="0" anchor="ctr"/>
+          <a:lstStyle/>
+          <a:p>
+            <a:pPr marL="0" marR="0" lvl="0" indent="0" algn="ctr" defTabSz="914400" rtl="0" eaLnBrk="1" fontAlgn="auto" latinLnBrk="0" hangingPunct="1">
+              <a:lnSpc>
+                <a:spcPct val="100000"/>
+              </a:lnSpc>
+              <a:spcBef>
+                <a:spcPts val="0"/>
+              </a:spcBef>
+              <a:spcAft>
+                <a:spcPts val="0"/>
+              </a:spcAft>
+              <a:buClrTx/>
+              <a:buSzTx/>
+              <a:buFontTx/>
+              <a:buNone/>
+              <a:tabLst/>
+              <a:defRPr/>
+            </a:pPr>
+            <a:r>
+              <a:rPr kumimoji="0" lang="en-US" sz="1200" b="0" i="0" u="none" strike="noStrike" kern="1200" cap="none" spc="0" normalizeH="0" baseline="0" noProof="0" dirty="0">
+                <a:ln>
+                  <a:noFill/>
+                </a:ln>
+                <a:solidFill>
+                  <a:srgbClr val="335EAC">
+                    <a:lumMod val="50000"/>
+                  </a:srgbClr>
+                </a:solidFill>
+                <a:effectLst/>
+                <a:uLnTx/>
+                <a:uFillTx/>
+                <a:latin typeface="Arial" panose="020B0604020202020204"/>
+                <a:ea typeface="+mn-ea"/>
+                <a:cs typeface="+mn-cs"/>
+              </a:rPr>
+              <a:t>Native App</a:t>
+            </a:r>
+          </a:p>
+        </p:txBody>
+      </p:sp>
+      <p:sp>
+        <p:nvSpPr>
+          <p:cNvPr id="39" name="Rectangle 38">
+            <a:extLst>
+              <a:ext uri="{FF2B5EF4-FFF2-40B4-BE49-F238E27FC236}">
+                <a16:creationId xmlns:a16="http://schemas.microsoft.com/office/drawing/2014/main" id="{4607B400-CF05-CA7B-656C-13049EC42F56}"/>
+              </a:ext>
+            </a:extLst>
+          </p:cNvPr>
+          <p:cNvSpPr/>
+          <p:nvPr/>
+        </p:nvSpPr>
+        <p:spPr>
+          <a:xfrm>
+            <a:off x="4132370" y="3858367"/>
+            <a:ext cx="1075645" cy="448065"/>
+          </a:xfrm>
+          <a:prstGeom prst="rect">
+            <a:avLst/>
+          </a:prstGeom>
+          <a:solidFill>
+            <a:schemeClr val="accent5">
+              <a:lumMod val="20000"/>
+              <a:lumOff val="80000"/>
+            </a:schemeClr>
+          </a:solidFill>
+          <a:ln>
+            <a:solidFill>
+              <a:schemeClr val="tx1"/>
+            </a:solidFill>
+          </a:ln>
+          <a:effectLst>
+            <a:outerShdw blurRad="50800" dist="38100" dir="2700000" algn="tl" rotWithShape="0">
+              <a:prstClr val="black">
+                <a:alpha val="40000"/>
+              </a:prstClr>
+            </a:outerShdw>
+          </a:effectLst>
+        </p:spPr>
+        <p:style>
+          <a:lnRef idx="2">
+            <a:schemeClr val="accent2">
+              <a:shade val="50000"/>
+            </a:schemeClr>
+          </a:lnRef>
+          <a:fillRef idx="1">
+            <a:schemeClr val="accent2"/>
+          </a:fillRef>
+          <a:effectRef idx="0">
+            <a:schemeClr val="accent2"/>
+          </a:effectRef>
+          <a:fontRef idx="minor">
+            <a:schemeClr val="lt1"/>
+          </a:fontRef>
+        </p:style>
+        <p:txBody>
+          <a:bodyPr rtlCol="0" anchor="ctr"/>
+          <a:lstStyle/>
+          <a:p>
+            <a:pPr marL="0" marR="0" lvl="0" indent="0" algn="ctr" defTabSz="914400" rtl="0" eaLnBrk="1" fontAlgn="auto" latinLnBrk="0" hangingPunct="1">
+              <a:lnSpc>
+                <a:spcPct val="100000"/>
+              </a:lnSpc>
+              <a:spcBef>
+                <a:spcPts val="0"/>
+              </a:spcBef>
+              <a:spcAft>
+                <a:spcPts val="0"/>
+              </a:spcAft>
+              <a:buClrTx/>
+              <a:buSzTx/>
+              <a:buFontTx/>
+              <a:buNone/>
+              <a:tabLst/>
+              <a:defRPr/>
+            </a:pPr>
+            <a:r>
+              <a:rPr kumimoji="0" lang="en-US" sz="1200" b="0" i="0" u="none" strike="noStrike" kern="1200" cap="none" spc="0" normalizeH="0" baseline="0" noProof="0" dirty="0">
+                <a:ln>
+                  <a:noFill/>
+                </a:ln>
+                <a:solidFill>
+                  <a:srgbClr val="335EAC">
+                    <a:lumMod val="50000"/>
+                  </a:srgbClr>
+                </a:solidFill>
+                <a:effectLst/>
+                <a:uLnTx/>
+                <a:uFillTx/>
+                <a:latin typeface="Arial" panose="020B0604020202020204"/>
+                <a:ea typeface="+mn-ea"/>
+                <a:cs typeface="+mn-cs"/>
+              </a:rPr>
+              <a:t>SMART </a:t>
+            </a:r>
+          </a:p>
+          <a:p>
+            <a:pPr marL="0" marR="0" lvl="0" indent="0" algn="ctr" defTabSz="914400" rtl="0" eaLnBrk="1" fontAlgn="auto" latinLnBrk="0" hangingPunct="1">
+              <a:lnSpc>
+                <a:spcPct val="100000"/>
+              </a:lnSpc>
+              <a:spcBef>
+                <a:spcPts val="0"/>
+              </a:spcBef>
+              <a:spcAft>
+                <a:spcPts val="0"/>
+              </a:spcAft>
+              <a:buClrTx/>
+              <a:buSzTx/>
+              <a:buFontTx/>
+              <a:buNone/>
+              <a:tabLst/>
+              <a:defRPr/>
+            </a:pPr>
+            <a:r>
+              <a:rPr kumimoji="0" lang="en-US" sz="1200" b="0" i="0" u="none" strike="noStrike" kern="1200" cap="none" spc="0" normalizeH="0" baseline="0" noProof="0" dirty="0">
+                <a:ln>
+                  <a:noFill/>
+                </a:ln>
+                <a:solidFill>
+                  <a:srgbClr val="335EAC">
+                    <a:lumMod val="50000"/>
+                  </a:srgbClr>
+                </a:solidFill>
+                <a:effectLst/>
+                <a:uLnTx/>
+                <a:uFillTx/>
+                <a:latin typeface="Arial" panose="020B0604020202020204"/>
+                <a:ea typeface="+mn-ea"/>
+                <a:cs typeface="+mn-cs"/>
+              </a:rPr>
+              <a:t>DTR Client</a:t>
+            </a:r>
+          </a:p>
+        </p:txBody>
+      </p:sp>
+      <p:sp>
+        <p:nvSpPr>
+          <p:cNvPr id="41" name="Arrow: Left-Right 40">
+            <a:extLst>
+              <a:ext uri="{FF2B5EF4-FFF2-40B4-BE49-F238E27FC236}">
+                <a16:creationId xmlns:a16="http://schemas.microsoft.com/office/drawing/2014/main" id="{8BAC55F6-FFCE-EE96-2E32-604D1D693C20}"/>
+              </a:ext>
+            </a:extLst>
+          </p:cNvPr>
+          <p:cNvSpPr/>
+          <p:nvPr/>
+        </p:nvSpPr>
+        <p:spPr>
+          <a:xfrm>
+            <a:off x="5216201" y="3890714"/>
+            <a:ext cx="1304945" cy="363127"/>
+          </a:xfrm>
+          <a:prstGeom prst="leftRightArrow">
+            <a:avLst>
+              <a:gd name="adj1" fmla="val 34616"/>
+              <a:gd name="adj2" fmla="val 45433"/>
+            </a:avLst>
+          </a:prstGeom>
+          <a:solidFill>
+            <a:schemeClr val="accent4">
+              <a:lumMod val="60000"/>
+              <a:lumOff val="40000"/>
+            </a:schemeClr>
+          </a:solidFill>
+        </p:spPr>
+        <p:style>
+          <a:lnRef idx="2">
+            <a:schemeClr val="accent1">
+              <a:shade val="15000"/>
+            </a:schemeClr>
+          </a:lnRef>
+          <a:fillRef idx="1">
+            <a:schemeClr val="accent1"/>
+          </a:fillRef>
+          <a:effectRef idx="0">
+            <a:schemeClr val="accent1"/>
+          </a:effectRef>
+          <a:fontRef idx="minor">
+            <a:schemeClr val="lt1"/>
+          </a:fontRef>
+        </p:style>
+        <p:txBody>
+          <a:bodyPr rtlCol="0" anchor="ctr"/>
+          <a:lstStyle/>
+          <a:p>
+            <a:pPr marL="0" marR="0" lvl="0" indent="0" algn="ctr" defTabSz="914400" rtl="0" eaLnBrk="1" fontAlgn="auto" latinLnBrk="0" hangingPunct="1">
+              <a:lnSpc>
+                <a:spcPct val="100000"/>
+              </a:lnSpc>
+              <a:spcBef>
+                <a:spcPts val="0"/>
+              </a:spcBef>
+              <a:spcAft>
+                <a:spcPts val="0"/>
+              </a:spcAft>
+              <a:buClrTx/>
+              <a:buSzTx/>
+              <a:buFontTx/>
+              <a:buNone/>
+              <a:tabLst/>
+              <a:defRPr/>
+            </a:pPr>
+            <a:endParaRPr kumimoji="0" lang="en-US" sz="1800" b="0" i="0" u="none" strike="noStrike" kern="1200" cap="none" spc="0" normalizeH="0" baseline="0" noProof="0">
+              <a:ln>
+                <a:noFill/>
+              </a:ln>
+              <a:solidFill>
+                <a:srgbClr val="FFFFFF"/>
+              </a:solidFill>
+              <a:effectLst/>
+              <a:uLnTx/>
+              <a:uFillTx/>
+              <a:latin typeface="Arial" panose="020B0604020202020204"/>
+              <a:ea typeface="+mn-ea"/>
+              <a:cs typeface="+mn-cs"/>
+            </a:endParaRPr>
+          </a:p>
+        </p:txBody>
+      </p:sp>
+      <p:sp>
+        <p:nvSpPr>
+          <p:cNvPr id="42" name="Rectangle 41">
+            <a:extLst>
+              <a:ext uri="{FF2B5EF4-FFF2-40B4-BE49-F238E27FC236}">
+                <a16:creationId xmlns:a16="http://schemas.microsoft.com/office/drawing/2014/main" id="{BEF8B076-04EC-56D6-E7CD-74F15439900A}"/>
+              </a:ext>
+            </a:extLst>
+          </p:cNvPr>
+          <p:cNvSpPr/>
+          <p:nvPr/>
+        </p:nvSpPr>
+        <p:spPr>
+          <a:xfrm>
+            <a:off x="6530026" y="3792727"/>
+            <a:ext cx="1174474" cy="1379881"/>
+          </a:xfrm>
+          <a:prstGeom prst="rect">
+            <a:avLst/>
+          </a:prstGeom>
+          <a:gradFill flip="none" rotWithShape="1">
+            <a:gsLst>
+              <a:gs pos="0">
+                <a:srgbClr val="B88C00"/>
+              </a:gs>
+              <a:gs pos="97000">
+                <a:srgbClr val="FFC000"/>
+              </a:gs>
+            </a:gsLst>
+            <a:lin ang="5400000" scaled="1"/>
+            <a:tileRect/>
+          </a:gradFill>
+          <a:ln>
+            <a:solidFill>
+              <a:schemeClr val="tx1"/>
+            </a:solidFill>
+          </a:ln>
+          <a:effectLst>
+            <a:outerShdw blurRad="50800" dist="38100" dir="2700000" algn="tl" rotWithShape="0">
+              <a:prstClr val="black">
+                <a:alpha val="40000"/>
+              </a:prstClr>
+            </a:outerShdw>
+          </a:effectLst>
+        </p:spPr>
+        <p:style>
+          <a:lnRef idx="2">
+            <a:schemeClr val="accent2">
+              <a:shade val="50000"/>
+            </a:schemeClr>
+          </a:lnRef>
+          <a:fillRef idx="1">
+            <a:schemeClr val="accent2"/>
+          </a:fillRef>
+          <a:effectRef idx="0">
+            <a:schemeClr val="accent2"/>
+          </a:effectRef>
+          <a:fontRef idx="minor">
+            <a:schemeClr val="lt1"/>
+          </a:fontRef>
+        </p:style>
+        <p:txBody>
+          <a:bodyPr rtlCol="0" anchor="ctr"/>
+          <a:lstStyle/>
+          <a:p>
+            <a:pPr marL="0" marR="0" lvl="0" indent="0" algn="ctr" defTabSz="914400" rtl="0" eaLnBrk="1" fontAlgn="auto" latinLnBrk="0" hangingPunct="1">
+              <a:lnSpc>
+                <a:spcPct val="100000"/>
+              </a:lnSpc>
+              <a:spcBef>
+                <a:spcPts val="0"/>
+              </a:spcBef>
+              <a:spcAft>
+                <a:spcPts val="0"/>
+              </a:spcAft>
+              <a:buClrTx/>
+              <a:buSzTx/>
+              <a:buFontTx/>
+              <a:buNone/>
+              <a:tabLst/>
+              <a:defRPr/>
+            </a:pPr>
+            <a:r>
+              <a:rPr kumimoji="0" lang="en-US" sz="1200" i="0" u="none" strike="noStrike" kern="1200" cap="none" spc="0" normalizeH="0" baseline="0" noProof="0" dirty="0">
+                <a:ln>
+                  <a:noFill/>
+                </a:ln>
+                <a:solidFill>
+                  <a:srgbClr val="FFFFFF"/>
+                </a:solidFill>
+                <a:effectLst/>
+                <a:uLnTx/>
+                <a:uFillTx/>
+                <a:latin typeface="Arial" panose="020B0604020202020204"/>
+                <a:ea typeface="+mn-ea"/>
+                <a:cs typeface="+mn-cs"/>
+              </a:rPr>
+              <a:t>DTR Payer Service</a:t>
+            </a:r>
+          </a:p>
+        </p:txBody>
+      </p:sp>
+      <p:sp>
+        <p:nvSpPr>
+          <p:cNvPr id="43" name="Arrow: Left-Right 42">
+            <a:extLst>
+              <a:ext uri="{FF2B5EF4-FFF2-40B4-BE49-F238E27FC236}">
+                <a16:creationId xmlns:a16="http://schemas.microsoft.com/office/drawing/2014/main" id="{9EA66FC6-DF68-3806-D2B1-8B7C688B6859}"/>
+              </a:ext>
+            </a:extLst>
+          </p:cNvPr>
+          <p:cNvSpPr/>
+          <p:nvPr/>
+        </p:nvSpPr>
+        <p:spPr>
+          <a:xfrm>
+            <a:off x="5208014" y="4634030"/>
+            <a:ext cx="1313131" cy="363127"/>
+          </a:xfrm>
+          <a:prstGeom prst="leftRightArrow">
+            <a:avLst>
+              <a:gd name="adj1" fmla="val 34616"/>
+              <a:gd name="adj2" fmla="val 45433"/>
+            </a:avLst>
+          </a:prstGeom>
+          <a:solidFill>
+            <a:schemeClr val="accent4">
+              <a:lumMod val="60000"/>
+              <a:lumOff val="40000"/>
+            </a:schemeClr>
+          </a:solidFill>
+        </p:spPr>
+        <p:style>
+          <a:lnRef idx="2">
+            <a:schemeClr val="accent1">
+              <a:shade val="15000"/>
+            </a:schemeClr>
+          </a:lnRef>
+          <a:fillRef idx="1">
+            <a:schemeClr val="accent1"/>
+          </a:fillRef>
+          <a:effectRef idx="0">
+            <a:schemeClr val="accent1"/>
+          </a:effectRef>
+          <a:fontRef idx="minor">
+            <a:schemeClr val="lt1"/>
+          </a:fontRef>
+        </p:style>
+        <p:txBody>
+          <a:bodyPr rtlCol="0" anchor="ctr"/>
+          <a:lstStyle/>
+          <a:p>
+            <a:pPr marL="0" marR="0" lvl="0" indent="0" algn="ctr" defTabSz="914400" rtl="0" eaLnBrk="1" fontAlgn="auto" latinLnBrk="0" hangingPunct="1">
+              <a:lnSpc>
+                <a:spcPct val="100000"/>
+              </a:lnSpc>
+              <a:spcBef>
+                <a:spcPts val="0"/>
+              </a:spcBef>
+              <a:spcAft>
+                <a:spcPts val="0"/>
+              </a:spcAft>
+              <a:buClrTx/>
+              <a:buSzTx/>
+              <a:buFontTx/>
+              <a:buNone/>
+              <a:tabLst/>
+              <a:defRPr/>
+            </a:pPr>
+            <a:endParaRPr kumimoji="0" lang="en-US" sz="1800" b="0" i="0" u="none" strike="noStrike" kern="1200" cap="none" spc="0" normalizeH="0" baseline="0" noProof="0">
+              <a:ln>
+                <a:noFill/>
+              </a:ln>
+              <a:solidFill>
+                <a:srgbClr val="FFFFFF"/>
+              </a:solidFill>
+              <a:effectLst/>
+              <a:uLnTx/>
+              <a:uFillTx/>
+              <a:latin typeface="Arial" panose="020B0604020202020204"/>
+              <a:ea typeface="+mn-ea"/>
+              <a:cs typeface="+mn-cs"/>
+            </a:endParaRPr>
           </a:p>
         </p:txBody>
       </p:sp>
@@ -23860,12 +23843,27 @@
 </file>
 
 <file path=customXml/item1.xml><?xml version="1.0" encoding="utf-8"?>
-<?mso-contentType ?>
-<FormTemplates xmlns="http://schemas.microsoft.com/sharepoint/v3/contenttype/forms">
-  <Display>DocumentLibraryForm</Display>
-  <Edit>DocumentLibraryForm</Edit>
-  <New>DocumentLibraryForm</New>
-</FormTemplates>
+<p:properties xmlns:p="http://schemas.microsoft.com/office/2006/metadata/properties" xmlns:xsi="http://www.w3.org/2001/XMLSchema-instance" xmlns:pc="http://schemas.microsoft.com/office/infopath/2007/PartnerControls">
+  <documentManagement>
+    <SharedWithUsers xmlns="5bceed9a-bae5-4329-97ef-b259bd0b225e">
+      <UserInfo>
+        <DisplayName>Ambrose, Nalini</DisplayName>
+        <AccountId>13</AccountId>
+        <AccountType/>
+      </UserInfo>
+      <UserInfo>
+        <DisplayName>Lyall, Jessica</DisplayName>
+        <AccountId>178</AccountId>
+        <AccountType/>
+      </UserInfo>
+      <UserInfo>
+        <DisplayName>Horbachevsky, Olexa</DisplayName>
+        <AccountId>10</AccountId>
+        <AccountType/>
+      </UserInfo>
+    </SharedWithUsers>
+  </documentManagement>
+</p:properties>
 </file>
 
 <file path=customXml/item2.xml><?xml version="1.0" encoding="utf-8"?>
@@ -24066,33 +24064,27 @@
 </file>
 
 <file path=customXml/item3.xml><?xml version="1.0" encoding="utf-8"?>
-<p:properties xmlns:p="http://schemas.microsoft.com/office/2006/metadata/properties" xmlns:xsi="http://www.w3.org/2001/XMLSchema-instance" xmlns:pc="http://schemas.microsoft.com/office/infopath/2007/PartnerControls">
-  <documentManagement>
-    <SharedWithUsers xmlns="5bceed9a-bae5-4329-97ef-b259bd0b225e">
-      <UserInfo>
-        <DisplayName>Ambrose, Nalini</DisplayName>
-        <AccountId>13</AccountId>
-        <AccountType/>
-      </UserInfo>
-      <UserInfo>
-        <DisplayName>Lyall, Jessica</DisplayName>
-        <AccountId>178</AccountId>
-        <AccountType/>
-      </UserInfo>
-      <UserInfo>
-        <DisplayName>Horbachevsky, Olexa</DisplayName>
-        <AccountId>10</AccountId>
-        <AccountType/>
-      </UserInfo>
-    </SharedWithUsers>
-  </documentManagement>
-</p:properties>
+<?mso-contentType ?>
+<FormTemplates xmlns="http://schemas.microsoft.com/sharepoint/v3/contenttype/forms">
+  <Display>DocumentLibraryForm</Display>
+  <Edit>DocumentLibraryForm</Edit>
+  <New>DocumentLibraryForm</New>
+</FormTemplates>
 </file>
 
 <file path=customXml/itemProps1.xml><?xml version="1.0" encoding="utf-8"?>
-<ds:datastoreItem xmlns:ds="http://schemas.openxmlformats.org/officeDocument/2006/customXml" ds:itemID="{416BA5C9-2D71-4B86-AE8A-8C0D9BC5FB22}">
+<ds:datastoreItem xmlns:ds="http://schemas.openxmlformats.org/officeDocument/2006/customXml" ds:itemID="{5450FCDD-08B1-48D8-BB50-7A17E590A5EE}">
   <ds:schemaRefs>
-    <ds:schemaRef ds:uri="http://schemas.microsoft.com/sharepoint/v3/contenttype/forms"/>
+    <ds:schemaRef ds:uri="http://purl.org/dc/terms/"/>
+    <ds:schemaRef ds:uri="http://schemas.openxmlformats.org/package/2006/metadata/core-properties"/>
+    <ds:schemaRef ds:uri="http://purl.org/dc/dcmitype/"/>
+    <ds:schemaRef ds:uri="http://schemas.microsoft.com/office/infopath/2007/PartnerControls"/>
+    <ds:schemaRef ds:uri="http://schemas.microsoft.com/office/2006/documentManagement/types"/>
+    <ds:schemaRef ds:uri="5bceed9a-bae5-4329-97ef-b259bd0b225e"/>
+    <ds:schemaRef ds:uri="http://purl.org/dc/elements/1.1/"/>
+    <ds:schemaRef ds:uri="http://schemas.microsoft.com/office/2006/metadata/properties"/>
+    <ds:schemaRef ds:uri="c6e6fbc9-cbf1-42ee-bbf0-d6e110e2b732"/>
+    <ds:schemaRef ds:uri="http://www.w3.org/XML/1998/namespace"/>
   </ds:schemaRefs>
 </ds:datastoreItem>
 </file>
@@ -24117,18 +24109,9 @@
 </file>
 
 <file path=customXml/itemProps3.xml><?xml version="1.0" encoding="utf-8"?>
-<ds:datastoreItem xmlns:ds="http://schemas.openxmlformats.org/officeDocument/2006/customXml" ds:itemID="{5450FCDD-08B1-48D8-BB50-7A17E590A5EE}">
+<ds:datastoreItem xmlns:ds="http://schemas.openxmlformats.org/officeDocument/2006/customXml" ds:itemID="{416BA5C9-2D71-4B86-AE8A-8C0D9BC5FB22}">
   <ds:schemaRefs>
-    <ds:schemaRef ds:uri="http://purl.org/dc/terms/"/>
-    <ds:schemaRef ds:uri="http://schemas.openxmlformats.org/package/2006/metadata/core-properties"/>
-    <ds:schemaRef ds:uri="http://purl.org/dc/dcmitype/"/>
-    <ds:schemaRef ds:uri="http://schemas.microsoft.com/office/infopath/2007/PartnerControls"/>
-    <ds:schemaRef ds:uri="http://schemas.microsoft.com/office/2006/documentManagement/types"/>
-    <ds:schemaRef ds:uri="5bceed9a-bae5-4329-97ef-b259bd0b225e"/>
-    <ds:schemaRef ds:uri="http://purl.org/dc/elements/1.1/"/>
-    <ds:schemaRef ds:uri="http://schemas.microsoft.com/office/2006/metadata/properties"/>
-    <ds:schemaRef ds:uri="c6e6fbc9-cbf1-42ee-bbf0-d6e110e2b732"/>
-    <ds:schemaRef ds:uri="http://www.w3.org/XML/1998/namespace"/>
+    <ds:schemaRef ds:uri="http://schemas.microsoft.com/sharepoint/v3/contenttype/forms"/>
   </ds:schemaRefs>
 </ds:datastoreItem>
 </file>